--- a/Debugging1.pptx
+++ b/Debugging1.pptx
@@ -5,69 +5,67 @@
     <p:sldMasterId id="2147483648" r:id="rId1"/>
   </p:sldMasterIdLst>
   <p:notesMasterIdLst>
-    <p:notesMasterId r:id="rId62"/>
+    <p:notesMasterId r:id="rId60"/>
   </p:notesMasterIdLst>
   <p:sldIdLst>
     <p:sldId id="256" r:id="rId2"/>
     <p:sldId id="257" r:id="rId3"/>
     <p:sldId id="258" r:id="rId4"/>
-    <p:sldId id="259" r:id="rId5"/>
-    <p:sldId id="260" r:id="rId6"/>
-    <p:sldId id="261" r:id="rId7"/>
-    <p:sldId id="262" r:id="rId8"/>
-    <p:sldId id="263" r:id="rId9"/>
-    <p:sldId id="264" r:id="rId10"/>
-    <p:sldId id="265" r:id="rId11"/>
-    <p:sldId id="267" r:id="rId12"/>
-    <p:sldId id="266" r:id="rId13"/>
-    <p:sldId id="268" r:id="rId14"/>
-    <p:sldId id="269" r:id="rId15"/>
-    <p:sldId id="270" r:id="rId16"/>
-    <p:sldId id="271" r:id="rId17"/>
-    <p:sldId id="317" r:id="rId18"/>
-    <p:sldId id="273" r:id="rId19"/>
-    <p:sldId id="274" r:id="rId20"/>
-    <p:sldId id="282" r:id="rId21"/>
-    <p:sldId id="275" r:id="rId22"/>
-    <p:sldId id="276" r:id="rId23"/>
-    <p:sldId id="277" r:id="rId24"/>
-    <p:sldId id="278" r:id="rId25"/>
-    <p:sldId id="283" r:id="rId26"/>
-    <p:sldId id="284" r:id="rId27"/>
-    <p:sldId id="285" r:id="rId28"/>
-    <p:sldId id="286" r:id="rId29"/>
-    <p:sldId id="287" r:id="rId30"/>
-    <p:sldId id="288" r:id="rId31"/>
-    <p:sldId id="289" r:id="rId32"/>
-    <p:sldId id="290" r:id="rId33"/>
-    <p:sldId id="292" r:id="rId34"/>
-    <p:sldId id="295" r:id="rId35"/>
-    <p:sldId id="291" r:id="rId36"/>
-    <p:sldId id="294" r:id="rId37"/>
-    <p:sldId id="293" r:id="rId38"/>
-    <p:sldId id="296" r:id="rId39"/>
-    <p:sldId id="297" r:id="rId40"/>
-    <p:sldId id="298" r:id="rId41"/>
-    <p:sldId id="299" r:id="rId42"/>
-    <p:sldId id="300" r:id="rId43"/>
-    <p:sldId id="301" r:id="rId44"/>
-    <p:sldId id="302" r:id="rId45"/>
-    <p:sldId id="279" r:id="rId46"/>
-    <p:sldId id="304" r:id="rId47"/>
-    <p:sldId id="305" r:id="rId48"/>
-    <p:sldId id="281" r:id="rId49"/>
-    <p:sldId id="315" r:id="rId50"/>
-    <p:sldId id="313" r:id="rId51"/>
-    <p:sldId id="316" r:id="rId52"/>
-    <p:sldId id="314" r:id="rId53"/>
-    <p:sldId id="303" r:id="rId54"/>
-    <p:sldId id="306" r:id="rId55"/>
-    <p:sldId id="307" r:id="rId56"/>
-    <p:sldId id="308" r:id="rId57"/>
-    <p:sldId id="309" r:id="rId58"/>
-    <p:sldId id="310" r:id="rId59"/>
-    <p:sldId id="272" r:id="rId60"/>
-    <p:sldId id="280" r:id="rId61"/>
+    <p:sldId id="260" r:id="rId5"/>
+    <p:sldId id="261" r:id="rId6"/>
+    <p:sldId id="262" r:id="rId7"/>
+    <p:sldId id="263" r:id="rId8"/>
+    <p:sldId id="264" r:id="rId9"/>
+    <p:sldId id="265" r:id="rId10"/>
+    <p:sldId id="267" r:id="rId11"/>
+    <p:sldId id="266" r:id="rId12"/>
+    <p:sldId id="268" r:id="rId13"/>
+    <p:sldId id="269" r:id="rId14"/>
+    <p:sldId id="270" r:id="rId15"/>
+    <p:sldId id="271" r:id="rId16"/>
+    <p:sldId id="317" r:id="rId17"/>
+    <p:sldId id="273" r:id="rId18"/>
+    <p:sldId id="274" r:id="rId19"/>
+    <p:sldId id="282" r:id="rId20"/>
+    <p:sldId id="275" r:id="rId21"/>
+    <p:sldId id="276" r:id="rId22"/>
+    <p:sldId id="277" r:id="rId23"/>
+    <p:sldId id="278" r:id="rId24"/>
+    <p:sldId id="283" r:id="rId25"/>
+    <p:sldId id="284" r:id="rId26"/>
+    <p:sldId id="285" r:id="rId27"/>
+    <p:sldId id="286" r:id="rId28"/>
+    <p:sldId id="287" r:id="rId29"/>
+    <p:sldId id="288" r:id="rId30"/>
+    <p:sldId id="289" r:id="rId31"/>
+    <p:sldId id="290" r:id="rId32"/>
+    <p:sldId id="295" r:id="rId33"/>
+    <p:sldId id="291" r:id="rId34"/>
+    <p:sldId id="294" r:id="rId35"/>
+    <p:sldId id="293" r:id="rId36"/>
+    <p:sldId id="296" r:id="rId37"/>
+    <p:sldId id="297" r:id="rId38"/>
+    <p:sldId id="298" r:id="rId39"/>
+    <p:sldId id="299" r:id="rId40"/>
+    <p:sldId id="300" r:id="rId41"/>
+    <p:sldId id="301" r:id="rId42"/>
+    <p:sldId id="302" r:id="rId43"/>
+    <p:sldId id="279" r:id="rId44"/>
+    <p:sldId id="304" r:id="rId45"/>
+    <p:sldId id="305" r:id="rId46"/>
+    <p:sldId id="281" r:id="rId47"/>
+    <p:sldId id="315" r:id="rId48"/>
+    <p:sldId id="313" r:id="rId49"/>
+    <p:sldId id="316" r:id="rId50"/>
+    <p:sldId id="314" r:id="rId51"/>
+    <p:sldId id="303" r:id="rId52"/>
+    <p:sldId id="306" r:id="rId53"/>
+    <p:sldId id="307" r:id="rId54"/>
+    <p:sldId id="308" r:id="rId55"/>
+    <p:sldId id="309" r:id="rId56"/>
+    <p:sldId id="310" r:id="rId57"/>
+    <p:sldId id="272" r:id="rId58"/>
+    <p:sldId id="280" r:id="rId59"/>
   </p:sldIdLst>
   <p:sldSz cx="12192000" cy="6858000"/>
   <p:notesSz cx="6858000" cy="9144000"/>
@@ -291,6 +289,122 @@
 </inkml:ink>
 </file>
 
+<file path=ppt/ink/ink5.xml><?xml version="1.0" encoding="utf-8"?>
+<inkml:ink xmlns:inkml="http://www.w3.org/2003/InkML">
+  <inkml:definitions>
+    <inkml:context xml:id="ctx0">
+      <inkml:inkSource xml:id="inkSrc0">
+        <inkml:traceFormat>
+          <inkml:channel name="X" type="integer" min="-2.14748E9" max="2.14748E9" units="cm"/>
+          <inkml:channel name="Y" type="integer" min="-2.14748E9" max="2.14748E9" units="cm"/>
+        </inkml:traceFormat>
+        <inkml:channelProperties>
+          <inkml:channelProperty channel="X" name="resolution" value="1000" units="1/cm"/>
+          <inkml:channelProperty channel="Y" name="resolution" value="1000" units="1/cm"/>
+        </inkml:channelProperties>
+      </inkml:inkSource>
+      <inkml:timestamp xml:id="ts0" timeString="2018-12-14T17:22:57.002"/>
+    </inkml:context>
+    <inkml:brush xml:id="br0">
+      <inkml:brushProperty name="width" value="0.4" units="cm"/>
+      <inkml:brushProperty name="height" value="0.8" units="cm"/>
+      <inkml:brushProperty name="color" value="#FFFC00"/>
+      <inkml:brushProperty name="tip" value="rectangle"/>
+      <inkml:brushProperty name="rasterOp" value="maskPen"/>
+      <inkml:brushProperty name="ignorePressure" value="1"/>
+    </inkml:brush>
+  </inkml:definitions>
+  <inkml:trace contextRef="#ctx0" brushRef="#br0">0 0</inkml:trace>
+</inkml:ink>
+</file>
+
+<file path=ppt/ink/ink6.xml><?xml version="1.0" encoding="utf-8"?>
+<inkml:ink xmlns:inkml="http://www.w3.org/2003/InkML">
+  <inkml:definitions>
+    <inkml:context xml:id="ctx0">
+      <inkml:inkSource xml:id="inkSrc0">
+        <inkml:traceFormat>
+          <inkml:channel name="X" type="integer" min="-2.14748E9" max="2.14748E9" units="cm"/>
+          <inkml:channel name="Y" type="integer" min="-2.14748E9" max="2.14748E9" units="cm"/>
+        </inkml:traceFormat>
+        <inkml:channelProperties>
+          <inkml:channelProperty channel="X" name="resolution" value="1000" units="1/cm"/>
+          <inkml:channelProperty channel="Y" name="resolution" value="1000" units="1/cm"/>
+        </inkml:channelProperties>
+      </inkml:inkSource>
+      <inkml:timestamp xml:id="ts0" timeString="2018-12-14T17:23:03.507"/>
+    </inkml:context>
+    <inkml:brush xml:id="br0">
+      <inkml:brushProperty name="width" value="0.4" units="cm"/>
+      <inkml:brushProperty name="height" value="0.8" units="cm"/>
+      <inkml:brushProperty name="color" value="#FFFC00"/>
+      <inkml:brushProperty name="tip" value="rectangle"/>
+      <inkml:brushProperty name="rasterOp" value="maskPen"/>
+      <inkml:brushProperty name="ignorePressure" value="1"/>
+    </inkml:brush>
+  </inkml:definitions>
+  <inkml:trace contextRef="#ctx0" brushRef="#br0">3273 44,'-313'0,"296"-1,0-1,1-1,-1 0,1-1,-8-3,4 1,-1 1,1 0,-3 2,-40-1,0 3,-1 3,-26 0,-932-2,990 1,-1 2,-8 3,-42 3,-9 1,-3-1,-40 3,61-5,-27-2,36-2,-12 3,-39 3,84-6,1 2,0 1,-22 6,-24 6,28-9,-5 2,-1-2,0-3,-14-2,52-4</inkml:trace>
+</inkml:ink>
+</file>
+
+<file path=ppt/ink/ink7.xml><?xml version="1.0" encoding="utf-8"?>
+<inkml:ink xmlns:inkml="http://www.w3.org/2003/InkML">
+  <inkml:definitions>
+    <inkml:context xml:id="ctx0">
+      <inkml:inkSource xml:id="inkSrc0">
+        <inkml:traceFormat>
+          <inkml:channel name="X" type="integer" min="-2.14748E9" max="2.14748E9" units="cm"/>
+          <inkml:channel name="Y" type="integer" min="-2.14748E9" max="2.14748E9" units="cm"/>
+        </inkml:traceFormat>
+        <inkml:channelProperties>
+          <inkml:channelProperty channel="X" name="resolution" value="1000" units="1/cm"/>
+          <inkml:channelProperty channel="Y" name="resolution" value="1000" units="1/cm"/>
+        </inkml:channelProperties>
+      </inkml:inkSource>
+      <inkml:timestamp xml:id="ts0" timeString="2018-12-14T17:23:05.294"/>
+    </inkml:context>
+    <inkml:brush xml:id="br0">
+      <inkml:brushProperty name="width" value="0.4" units="cm"/>
+      <inkml:brushProperty name="height" value="0.8" units="cm"/>
+      <inkml:brushProperty name="color" value="#FFFC00"/>
+      <inkml:brushProperty name="tip" value="rectangle"/>
+      <inkml:brushProperty name="rasterOp" value="maskPen"/>
+      <inkml:brushProperty name="ignorePressure" value="1"/>
+    </inkml:brush>
+  </inkml:definitions>
+  <inkml:trace contextRef="#ctx0" brushRef="#br0">1 0</inkml:trace>
+</inkml:ink>
+</file>
+
+<file path=ppt/ink/ink8.xml><?xml version="1.0" encoding="utf-8"?>
+<inkml:ink xmlns:inkml="http://www.w3.org/2003/InkML">
+  <inkml:definitions>
+    <inkml:context xml:id="ctx0">
+      <inkml:inkSource xml:id="inkSrc0">
+        <inkml:traceFormat>
+          <inkml:channel name="X" type="integer" min="-2.14748E9" max="2.14748E9" units="cm"/>
+          <inkml:channel name="Y" type="integer" min="-2.14748E9" max="2.14748E9" units="cm"/>
+        </inkml:traceFormat>
+        <inkml:channelProperties>
+          <inkml:channelProperty channel="X" name="resolution" value="1000" units="1/cm"/>
+          <inkml:channelProperty channel="Y" name="resolution" value="1000" units="1/cm"/>
+        </inkml:channelProperties>
+      </inkml:inkSource>
+      <inkml:timestamp xml:id="ts0" timeString="2018-12-14T17:25:39.428"/>
+    </inkml:context>
+    <inkml:brush xml:id="br0">
+      <inkml:brushProperty name="width" value="0.4" units="cm"/>
+      <inkml:brushProperty name="height" value="0.8" units="cm"/>
+      <inkml:brushProperty name="color" value="#FFFC00"/>
+      <inkml:brushProperty name="tip" value="rectangle"/>
+      <inkml:brushProperty name="rasterOp" value="maskPen"/>
+      <inkml:brushProperty name="ignorePressure" value="1"/>
+    </inkml:brush>
+  </inkml:definitions>
+  <inkml:trace contextRef="#ctx0" brushRef="#br0">0 248,'722'0,"-711"-1,0 0,-1 0,1-1,0-1,0 1,-1-2,5-1,18-10,19-11,-32 15,7-2,180-87,-173 86,1 1,1 2,0 2,1 1,4 1,-27 6</inkml:trace>
+</inkml:ink>
+</file>
+
 <file path=ppt/notesMasters/notesMaster1.xml><?xml version="1.0" encoding="utf-8"?>
 <p:notesMaster xmlns:a="http://schemas.openxmlformats.org/drawingml/2006/main" xmlns:r="http://schemas.openxmlformats.org/officeDocument/2006/relationships" xmlns:p="http://schemas.openxmlformats.org/presentationml/2006/main">
   <p:cSld>
@@ -373,7 +487,7 @@
           <a:p>
             <a:fld id="{45F49CC2-C49A-4120-BFB5-52D9153EA4E0}" type="datetimeFigureOut">
               <a:rPr lang="en-GB" smtClean="0"/>
-              <a:t>27/11/2018</a:t>
+              <a:t>28/12/2018</a:t>
             </a:fld>
             <a:endParaRPr lang="en-GB"/>
           </a:p>
@@ -685,7 +799,16 @@
           <a:bodyPr/>
           <a:lstStyle/>
           <a:p>
-            <a:endParaRPr lang="en-GB" dirty="0"/>
+            <a:r>
+              <a:rPr lang="en-GB" dirty="0"/>
+              <a:t>Name, </a:t>
+            </a:r>
+          </a:p>
+          <a:p>
+            <a:r>
+              <a:rPr lang="en-GB" dirty="0"/>
+              <a:t>Dislike of debugging</a:t>
+            </a:r>
           </a:p>
         </p:txBody>
       </p:sp>
@@ -771,7 +894,7 @@
           <a:p>
             <a:r>
               <a:rPr lang="en-GB" dirty="0"/>
-              <a:t>Able to freeze and flag.</a:t>
+              <a:t>Attribute on class </a:t>
             </a:r>
           </a:p>
         </p:txBody>
@@ -793,7 +916,7 @@
           <a:p>
             <a:fld id="{6FDED9D1-3D70-4123-9743-495E081B676C}" type="slidenum">
               <a:rPr lang="en-GB" smtClean="0"/>
-              <a:t>24</a:t>
+              <a:t>10</a:t>
             </a:fld>
             <a:endParaRPr lang="en-GB"/>
           </a:p>
@@ -802,7 +925,7 @@
     </p:spTree>
     <p:extLst>
       <p:ext uri="{BB962C8B-B14F-4D97-AF65-F5344CB8AC3E}">
-        <p14:creationId xmlns:p14="http://schemas.microsoft.com/office/powerpoint/2010/main" val="1987461711"/>
+        <p14:creationId xmlns:p14="http://schemas.microsoft.com/office/powerpoint/2010/main" val="625169014"/>
       </p:ext>
     </p:extLst>
   </p:cSld>
@@ -858,7 +981,13 @@
           <a:p>
             <a:r>
               <a:rPr lang="en-GB" dirty="0"/>
-              <a:t>Filter can be added, also visualizers</a:t>
+              <a:t>List now shows that specified</a:t>
+            </a:r>
+          </a:p>
+          <a:p>
+            <a:r>
+              <a:rPr lang="en-GB" dirty="0"/>
+              <a:t>Performance </a:t>
             </a:r>
           </a:p>
         </p:txBody>
@@ -880,7 +1009,7 @@
           <a:p>
             <a:fld id="{6FDED9D1-3D70-4123-9743-495E081B676C}" type="slidenum">
               <a:rPr lang="en-GB" smtClean="0"/>
-              <a:t>30</a:t>
+              <a:t>11</a:t>
             </a:fld>
             <a:endParaRPr lang="en-GB"/>
           </a:p>
@@ -889,7 +1018,737 @@
     </p:spTree>
     <p:extLst>
       <p:ext uri="{BB962C8B-B14F-4D97-AF65-F5344CB8AC3E}">
-        <p14:creationId xmlns:p14="http://schemas.microsoft.com/office/powerpoint/2010/main" val="1030915362"/>
+        <p14:creationId xmlns:p14="http://schemas.microsoft.com/office/powerpoint/2010/main" val="3546407545"/>
+      </p:ext>
+    </p:extLst>
+  </p:cSld>
+  <p:clrMapOvr>
+    <a:masterClrMapping/>
+  </p:clrMapOvr>
+</p:notes>
+</file>
+
+<file path=ppt/notesSlides/notesSlide12.xml><?xml version="1.0" encoding="utf-8"?>
+<p:notes xmlns:a="http://schemas.openxmlformats.org/drawingml/2006/main" xmlns:r="http://schemas.openxmlformats.org/officeDocument/2006/relationships" xmlns:p="http://schemas.openxmlformats.org/presentationml/2006/main">
+  <p:cSld>
+    <p:spTree>
+      <p:nvGrpSpPr>
+        <p:cNvPr id="1" name=""/>
+        <p:cNvGrpSpPr/>
+        <p:nvPr/>
+      </p:nvGrpSpPr>
+      <p:grpSpPr>
+        <a:xfrm>
+          <a:off x="0" y="0"/>
+          <a:ext cx="0" cy="0"/>
+          <a:chOff x="0" y="0"/>
+          <a:chExt cx="0" cy="0"/>
+        </a:xfrm>
+      </p:grpSpPr>
+      <p:sp>
+        <p:nvSpPr>
+          <p:cNvPr id="2" name="Slide Image Placeholder 1"/>
+          <p:cNvSpPr>
+            <a:spLocks noGrp="1" noRot="1" noChangeAspect="1"/>
+          </p:cNvSpPr>
+          <p:nvPr>
+            <p:ph type="sldImg"/>
+          </p:nvPr>
+        </p:nvSpPr>
+        <p:spPr/>
+      </p:sp>
+      <p:sp>
+        <p:nvSpPr>
+          <p:cNvPr id="3" name="Notes Placeholder 2"/>
+          <p:cNvSpPr>
+            <a:spLocks noGrp="1"/>
+          </p:cNvSpPr>
+          <p:nvPr>
+            <p:ph type="body" idx="1"/>
+          </p:nvPr>
+        </p:nvSpPr>
+        <p:spPr/>
+        <p:txBody>
+          <a:bodyPr/>
+          <a:lstStyle/>
+          <a:p>
+            <a:r>
+              <a:rPr lang="en-GB" dirty="0"/>
+              <a:t>What is shown</a:t>
+            </a:r>
+          </a:p>
+        </p:txBody>
+      </p:sp>
+      <p:sp>
+        <p:nvSpPr>
+          <p:cNvPr id="4" name="Slide Number Placeholder 3"/>
+          <p:cNvSpPr>
+            <a:spLocks noGrp="1"/>
+          </p:cNvSpPr>
+          <p:nvPr>
+            <p:ph type="sldNum" sz="quarter" idx="5"/>
+          </p:nvPr>
+        </p:nvSpPr>
+        <p:spPr/>
+        <p:txBody>
+          <a:bodyPr/>
+          <a:lstStyle/>
+          <a:p>
+            <a:fld id="{6FDED9D1-3D70-4123-9743-495E081B676C}" type="slidenum">
+              <a:rPr lang="en-GB" smtClean="0"/>
+              <a:t>12</a:t>
+            </a:fld>
+            <a:endParaRPr lang="en-GB"/>
+          </a:p>
+        </p:txBody>
+      </p:sp>
+    </p:spTree>
+    <p:extLst>
+      <p:ext uri="{BB962C8B-B14F-4D97-AF65-F5344CB8AC3E}">
+        <p14:creationId xmlns:p14="http://schemas.microsoft.com/office/powerpoint/2010/main" val="2783658156"/>
+      </p:ext>
+    </p:extLst>
+  </p:cSld>
+  <p:clrMapOvr>
+    <a:masterClrMapping/>
+  </p:clrMapOvr>
+</p:notes>
+</file>
+
+<file path=ppt/notesSlides/notesSlide13.xml><?xml version="1.0" encoding="utf-8"?>
+<p:notes xmlns:a="http://schemas.openxmlformats.org/drawingml/2006/main" xmlns:r="http://schemas.openxmlformats.org/officeDocument/2006/relationships" xmlns:p="http://schemas.openxmlformats.org/presentationml/2006/main">
+  <p:cSld>
+    <p:spTree>
+      <p:nvGrpSpPr>
+        <p:cNvPr id="1" name=""/>
+        <p:cNvGrpSpPr/>
+        <p:nvPr/>
+      </p:nvGrpSpPr>
+      <p:grpSpPr>
+        <a:xfrm>
+          <a:off x="0" y="0"/>
+          <a:ext cx="0" cy="0"/>
+          <a:chOff x="0" y="0"/>
+          <a:chExt cx="0" cy="0"/>
+        </a:xfrm>
+      </p:grpSpPr>
+      <p:sp>
+        <p:nvSpPr>
+          <p:cNvPr id="2" name="Slide Image Placeholder 1"/>
+          <p:cNvSpPr>
+            <a:spLocks noGrp="1" noRot="1" noChangeAspect="1"/>
+          </p:cNvSpPr>
+          <p:nvPr>
+            <p:ph type="sldImg"/>
+          </p:nvPr>
+        </p:nvSpPr>
+        <p:spPr/>
+      </p:sp>
+      <p:sp>
+        <p:nvSpPr>
+          <p:cNvPr id="3" name="Notes Placeholder 2"/>
+          <p:cNvSpPr>
+            <a:spLocks noGrp="1"/>
+          </p:cNvSpPr>
+          <p:nvPr>
+            <p:ph type="body" idx="1"/>
+          </p:nvPr>
+        </p:nvSpPr>
+        <p:spPr/>
+        <p:txBody>
+          <a:bodyPr/>
+          <a:lstStyle/>
+          <a:p>
+            <a:r>
+              <a:rPr lang="en-GB" dirty="0"/>
+              <a:t>Address is shown with fields collapsed – this is the default</a:t>
+            </a:r>
+          </a:p>
+        </p:txBody>
+      </p:sp>
+      <p:sp>
+        <p:nvSpPr>
+          <p:cNvPr id="4" name="Slide Number Placeholder 3"/>
+          <p:cNvSpPr>
+            <a:spLocks noGrp="1"/>
+          </p:cNvSpPr>
+          <p:nvPr>
+            <p:ph type="sldNum" sz="quarter" idx="5"/>
+          </p:nvPr>
+        </p:nvSpPr>
+        <p:spPr/>
+        <p:txBody>
+          <a:bodyPr/>
+          <a:lstStyle/>
+          <a:p>
+            <a:fld id="{6FDED9D1-3D70-4123-9743-495E081B676C}" type="slidenum">
+              <a:rPr lang="en-GB" smtClean="0"/>
+              <a:t>13</a:t>
+            </a:fld>
+            <a:endParaRPr lang="en-GB"/>
+          </a:p>
+        </p:txBody>
+      </p:sp>
+    </p:spTree>
+    <p:extLst>
+      <p:ext uri="{BB962C8B-B14F-4D97-AF65-F5344CB8AC3E}">
+        <p14:creationId xmlns:p14="http://schemas.microsoft.com/office/powerpoint/2010/main" val="1047311096"/>
+      </p:ext>
+    </p:extLst>
+  </p:cSld>
+  <p:clrMapOvr>
+    <a:masterClrMapping/>
+  </p:clrMapOvr>
+</p:notes>
+</file>
+
+<file path=ppt/notesSlides/notesSlide14.xml><?xml version="1.0" encoding="utf-8"?>
+<p:notes xmlns:a="http://schemas.openxmlformats.org/drawingml/2006/main" xmlns:r="http://schemas.openxmlformats.org/officeDocument/2006/relationships" xmlns:p="http://schemas.openxmlformats.org/presentationml/2006/main">
+  <p:cSld>
+    <p:spTree>
+      <p:nvGrpSpPr>
+        <p:cNvPr id="1" name=""/>
+        <p:cNvGrpSpPr/>
+        <p:nvPr/>
+      </p:nvGrpSpPr>
+      <p:grpSpPr>
+        <a:xfrm>
+          <a:off x="0" y="0"/>
+          <a:ext cx="0" cy="0"/>
+          <a:chOff x="0" y="0"/>
+          <a:chExt cx="0" cy="0"/>
+        </a:xfrm>
+      </p:grpSpPr>
+      <p:sp>
+        <p:nvSpPr>
+          <p:cNvPr id="2" name="Slide Image Placeholder 1"/>
+          <p:cNvSpPr>
+            <a:spLocks noGrp="1" noRot="1" noChangeAspect="1"/>
+          </p:cNvSpPr>
+          <p:nvPr>
+            <p:ph type="sldImg"/>
+          </p:nvPr>
+        </p:nvSpPr>
+        <p:spPr/>
+      </p:sp>
+      <p:sp>
+        <p:nvSpPr>
+          <p:cNvPr id="3" name="Notes Placeholder 2"/>
+          <p:cNvSpPr>
+            <a:spLocks noGrp="1"/>
+          </p:cNvSpPr>
+          <p:nvPr>
+            <p:ph type="body" idx="1"/>
+          </p:nvPr>
+        </p:nvSpPr>
+        <p:spPr/>
+        <p:txBody>
+          <a:bodyPr/>
+          <a:lstStyle/>
+          <a:p>
+            <a:r>
+              <a:rPr lang="en-GB" dirty="0"/>
+              <a:t>Nothing shown </a:t>
+            </a:r>
+          </a:p>
+        </p:txBody>
+      </p:sp>
+      <p:sp>
+        <p:nvSpPr>
+          <p:cNvPr id="4" name="Slide Number Placeholder 3"/>
+          <p:cNvSpPr>
+            <a:spLocks noGrp="1"/>
+          </p:cNvSpPr>
+          <p:nvPr>
+            <p:ph type="sldNum" sz="quarter" idx="5"/>
+          </p:nvPr>
+        </p:nvSpPr>
+        <p:spPr/>
+        <p:txBody>
+          <a:bodyPr/>
+          <a:lstStyle/>
+          <a:p>
+            <a:fld id="{6FDED9D1-3D70-4123-9743-495E081B676C}" type="slidenum">
+              <a:rPr lang="en-GB" smtClean="0"/>
+              <a:t>14</a:t>
+            </a:fld>
+            <a:endParaRPr lang="en-GB"/>
+          </a:p>
+        </p:txBody>
+      </p:sp>
+    </p:spTree>
+    <p:extLst>
+      <p:ext uri="{BB962C8B-B14F-4D97-AF65-F5344CB8AC3E}">
+        <p14:creationId xmlns:p14="http://schemas.microsoft.com/office/powerpoint/2010/main" val="3034224409"/>
+      </p:ext>
+    </p:extLst>
+  </p:cSld>
+  <p:clrMapOvr>
+    <a:masterClrMapping/>
+  </p:clrMapOvr>
+</p:notes>
+</file>
+
+<file path=ppt/notesSlides/notesSlide15.xml><?xml version="1.0" encoding="utf-8"?>
+<p:notes xmlns:a="http://schemas.openxmlformats.org/drawingml/2006/main" xmlns:r="http://schemas.openxmlformats.org/officeDocument/2006/relationships" xmlns:p="http://schemas.openxmlformats.org/presentationml/2006/main">
+  <p:cSld>
+    <p:spTree>
+      <p:nvGrpSpPr>
+        <p:cNvPr id="1" name=""/>
+        <p:cNvGrpSpPr/>
+        <p:nvPr/>
+      </p:nvGrpSpPr>
+      <p:grpSpPr>
+        <a:xfrm>
+          <a:off x="0" y="0"/>
+          <a:ext cx="0" cy="0"/>
+          <a:chOff x="0" y="0"/>
+          <a:chExt cx="0" cy="0"/>
+        </a:xfrm>
+      </p:grpSpPr>
+      <p:sp>
+        <p:nvSpPr>
+          <p:cNvPr id="2" name="Slide Image Placeholder 1"/>
+          <p:cNvSpPr>
+            <a:spLocks noGrp="1" noRot="1" noChangeAspect="1"/>
+          </p:cNvSpPr>
+          <p:nvPr>
+            <p:ph type="sldImg"/>
+          </p:nvPr>
+        </p:nvSpPr>
+        <p:spPr/>
+      </p:sp>
+      <p:sp>
+        <p:nvSpPr>
+          <p:cNvPr id="3" name="Notes Placeholder 2"/>
+          <p:cNvSpPr>
+            <a:spLocks noGrp="1"/>
+          </p:cNvSpPr>
+          <p:nvPr>
+            <p:ph type="body" idx="1"/>
+          </p:nvPr>
+        </p:nvSpPr>
+        <p:spPr/>
+        <p:txBody>
+          <a:bodyPr/>
+          <a:lstStyle/>
+          <a:p>
+            <a:r>
+              <a:rPr lang="en-GB" dirty="0"/>
+              <a:t>Class level not shown</a:t>
+            </a:r>
+          </a:p>
+        </p:txBody>
+      </p:sp>
+      <p:sp>
+        <p:nvSpPr>
+          <p:cNvPr id="4" name="Slide Number Placeholder 3"/>
+          <p:cNvSpPr>
+            <a:spLocks noGrp="1"/>
+          </p:cNvSpPr>
+          <p:nvPr>
+            <p:ph type="sldNum" sz="quarter" idx="5"/>
+          </p:nvPr>
+        </p:nvSpPr>
+        <p:spPr/>
+        <p:txBody>
+          <a:bodyPr/>
+          <a:lstStyle/>
+          <a:p>
+            <a:fld id="{6FDED9D1-3D70-4123-9743-495E081B676C}" type="slidenum">
+              <a:rPr lang="en-GB" smtClean="0"/>
+              <a:t>15</a:t>
+            </a:fld>
+            <a:endParaRPr lang="en-GB"/>
+          </a:p>
+        </p:txBody>
+      </p:sp>
+    </p:spTree>
+    <p:extLst>
+      <p:ext uri="{BB962C8B-B14F-4D97-AF65-F5344CB8AC3E}">
+        <p14:creationId xmlns:p14="http://schemas.microsoft.com/office/powerpoint/2010/main" val="2362681039"/>
+      </p:ext>
+    </p:extLst>
+  </p:cSld>
+  <p:clrMapOvr>
+    <a:masterClrMapping/>
+  </p:clrMapOvr>
+</p:notes>
+</file>
+
+<file path=ppt/notesSlides/notesSlide16.xml><?xml version="1.0" encoding="utf-8"?>
+<p:notes xmlns:a="http://schemas.openxmlformats.org/drawingml/2006/main" xmlns:r="http://schemas.openxmlformats.org/officeDocument/2006/relationships" xmlns:p="http://schemas.openxmlformats.org/presentationml/2006/main">
+  <p:cSld>
+    <p:spTree>
+      <p:nvGrpSpPr>
+        <p:cNvPr id="1" name=""/>
+        <p:cNvGrpSpPr/>
+        <p:nvPr/>
+      </p:nvGrpSpPr>
+      <p:grpSpPr>
+        <a:xfrm>
+          <a:off x="0" y="0"/>
+          <a:ext cx="0" cy="0"/>
+          <a:chOff x="0" y="0"/>
+          <a:chExt cx="0" cy="0"/>
+        </a:xfrm>
+      </p:grpSpPr>
+      <p:sp>
+        <p:nvSpPr>
+          <p:cNvPr id="2" name="Slide Image Placeholder 1"/>
+          <p:cNvSpPr>
+            <a:spLocks noGrp="1" noRot="1" noChangeAspect="1"/>
+          </p:cNvSpPr>
+          <p:nvPr>
+            <p:ph type="sldImg"/>
+          </p:nvPr>
+        </p:nvSpPr>
+        <p:spPr/>
+      </p:sp>
+      <p:sp>
+        <p:nvSpPr>
+          <p:cNvPr id="3" name="Notes Placeholder 2"/>
+          <p:cNvSpPr>
+            <a:spLocks noGrp="1"/>
+          </p:cNvSpPr>
+          <p:nvPr>
+            <p:ph type="body" idx="1"/>
+          </p:nvPr>
+        </p:nvSpPr>
+        <p:spPr/>
+        <p:txBody>
+          <a:bodyPr/>
+          <a:lstStyle/>
+          <a:p>
+            <a:r>
+              <a:rPr lang="en-GB" dirty="0"/>
+              <a:t>Project class through another class.</a:t>
+            </a:r>
+          </a:p>
+          <a:p>
+            <a:r>
+              <a:rPr lang="en-GB" dirty="0"/>
+              <a:t>Raw info shown</a:t>
+            </a:r>
+          </a:p>
+        </p:txBody>
+      </p:sp>
+      <p:sp>
+        <p:nvSpPr>
+          <p:cNvPr id="4" name="Slide Number Placeholder 3"/>
+          <p:cNvSpPr>
+            <a:spLocks noGrp="1"/>
+          </p:cNvSpPr>
+          <p:nvPr>
+            <p:ph type="sldNum" sz="quarter" idx="5"/>
+          </p:nvPr>
+        </p:nvSpPr>
+        <p:spPr/>
+        <p:txBody>
+          <a:bodyPr/>
+          <a:lstStyle/>
+          <a:p>
+            <a:fld id="{6FDED9D1-3D70-4123-9743-495E081B676C}" type="slidenum">
+              <a:rPr lang="en-GB" smtClean="0"/>
+              <a:t>16</a:t>
+            </a:fld>
+            <a:endParaRPr lang="en-GB"/>
+          </a:p>
+        </p:txBody>
+      </p:sp>
+    </p:spTree>
+    <p:extLst>
+      <p:ext uri="{BB962C8B-B14F-4D97-AF65-F5344CB8AC3E}">
+        <p14:creationId xmlns:p14="http://schemas.microsoft.com/office/powerpoint/2010/main" val="129435071"/>
+      </p:ext>
+    </p:extLst>
+  </p:cSld>
+  <p:clrMapOvr>
+    <a:masterClrMapping/>
+  </p:clrMapOvr>
+</p:notes>
+</file>
+
+<file path=ppt/notesSlides/notesSlide17.xml><?xml version="1.0" encoding="utf-8"?>
+<p:notes xmlns:a="http://schemas.openxmlformats.org/drawingml/2006/main" xmlns:r="http://schemas.openxmlformats.org/officeDocument/2006/relationships" xmlns:p="http://schemas.openxmlformats.org/presentationml/2006/main">
+  <p:cSld>
+    <p:spTree>
+      <p:nvGrpSpPr>
+        <p:cNvPr id="1" name=""/>
+        <p:cNvGrpSpPr/>
+        <p:nvPr/>
+      </p:nvGrpSpPr>
+      <p:grpSpPr>
+        <a:xfrm>
+          <a:off x="0" y="0"/>
+          <a:ext cx="0" cy="0"/>
+          <a:chOff x="0" y="0"/>
+          <a:chExt cx="0" cy="0"/>
+        </a:xfrm>
+      </p:grpSpPr>
+      <p:sp>
+        <p:nvSpPr>
+          <p:cNvPr id="2" name="Slide Image Placeholder 1"/>
+          <p:cNvSpPr>
+            <a:spLocks noGrp="1" noRot="1" noChangeAspect="1"/>
+          </p:cNvSpPr>
+          <p:nvPr>
+            <p:ph type="sldImg"/>
+          </p:nvPr>
+        </p:nvSpPr>
+        <p:spPr/>
+      </p:sp>
+      <p:sp>
+        <p:nvSpPr>
+          <p:cNvPr id="3" name="Notes Placeholder 2"/>
+          <p:cNvSpPr>
+            <a:spLocks noGrp="1"/>
+          </p:cNvSpPr>
+          <p:nvPr>
+            <p:ph type="body" idx="1"/>
+          </p:nvPr>
+        </p:nvSpPr>
+        <p:spPr/>
+        <p:txBody>
+          <a:bodyPr/>
+          <a:lstStyle/>
+          <a:p>
+            <a:r>
+              <a:rPr lang="en-GB" dirty="0"/>
+              <a:t>Visualisers are a way of seeing data in a way that is more understandable than a single line of text.</a:t>
+            </a:r>
+          </a:p>
+          <a:p>
+            <a:r>
+              <a:rPr lang="en-GB" dirty="0"/>
+              <a:t>There are some build in ones.</a:t>
+            </a:r>
+          </a:p>
+          <a:p>
+            <a:r>
+              <a:rPr lang="en-GB" dirty="0"/>
+              <a:t>There are many in the marketplace.</a:t>
+            </a:r>
+          </a:p>
+        </p:txBody>
+      </p:sp>
+      <p:sp>
+        <p:nvSpPr>
+          <p:cNvPr id="4" name="Slide Number Placeholder 3"/>
+          <p:cNvSpPr>
+            <a:spLocks noGrp="1"/>
+          </p:cNvSpPr>
+          <p:nvPr>
+            <p:ph type="sldNum" sz="quarter" idx="5"/>
+          </p:nvPr>
+        </p:nvSpPr>
+        <p:spPr/>
+        <p:txBody>
+          <a:bodyPr/>
+          <a:lstStyle/>
+          <a:p>
+            <a:fld id="{6FDED9D1-3D70-4123-9743-495E081B676C}" type="slidenum">
+              <a:rPr lang="en-GB" smtClean="0"/>
+              <a:t>17</a:t>
+            </a:fld>
+            <a:endParaRPr lang="en-GB"/>
+          </a:p>
+        </p:txBody>
+      </p:sp>
+    </p:spTree>
+    <p:extLst>
+      <p:ext uri="{BB962C8B-B14F-4D97-AF65-F5344CB8AC3E}">
+        <p14:creationId xmlns:p14="http://schemas.microsoft.com/office/powerpoint/2010/main" val="416799230"/>
+      </p:ext>
+    </p:extLst>
+  </p:cSld>
+  <p:clrMapOvr>
+    <a:masterClrMapping/>
+  </p:clrMapOvr>
+</p:notes>
+</file>
+
+<file path=ppt/notesSlides/notesSlide18.xml><?xml version="1.0" encoding="utf-8"?>
+<p:notes xmlns:a="http://schemas.openxmlformats.org/drawingml/2006/main" xmlns:r="http://schemas.openxmlformats.org/officeDocument/2006/relationships" xmlns:p="http://schemas.openxmlformats.org/presentationml/2006/main">
+  <p:cSld>
+    <p:spTree>
+      <p:nvGrpSpPr>
+        <p:cNvPr id="1" name=""/>
+        <p:cNvGrpSpPr/>
+        <p:nvPr/>
+      </p:nvGrpSpPr>
+      <p:grpSpPr>
+        <a:xfrm>
+          <a:off x="0" y="0"/>
+          <a:ext cx="0" cy="0"/>
+          <a:chOff x="0" y="0"/>
+          <a:chExt cx="0" cy="0"/>
+        </a:xfrm>
+      </p:grpSpPr>
+      <p:sp>
+        <p:nvSpPr>
+          <p:cNvPr id="2" name="Slide Image Placeholder 1"/>
+          <p:cNvSpPr>
+            <a:spLocks noGrp="1" noRot="1" noChangeAspect="1"/>
+          </p:cNvSpPr>
+          <p:nvPr>
+            <p:ph type="sldImg"/>
+          </p:nvPr>
+        </p:nvSpPr>
+        <p:spPr/>
+      </p:sp>
+      <p:sp>
+        <p:nvSpPr>
+          <p:cNvPr id="3" name="Notes Placeholder 2"/>
+          <p:cNvSpPr>
+            <a:spLocks noGrp="1"/>
+          </p:cNvSpPr>
+          <p:nvPr>
+            <p:ph type="body" idx="1"/>
+          </p:nvPr>
+        </p:nvSpPr>
+        <p:spPr/>
+        <p:txBody>
+          <a:bodyPr/>
+          <a:lstStyle/>
+          <a:p>
+            <a:r>
+              <a:rPr lang="en-GB" dirty="0"/>
+              <a:t>If you really need to you can write you own</a:t>
+            </a:r>
+          </a:p>
+        </p:txBody>
+      </p:sp>
+      <p:sp>
+        <p:nvSpPr>
+          <p:cNvPr id="4" name="Slide Number Placeholder 3"/>
+          <p:cNvSpPr>
+            <a:spLocks noGrp="1"/>
+          </p:cNvSpPr>
+          <p:nvPr>
+            <p:ph type="sldNum" sz="quarter" idx="5"/>
+          </p:nvPr>
+        </p:nvSpPr>
+        <p:spPr/>
+        <p:txBody>
+          <a:bodyPr/>
+          <a:lstStyle/>
+          <a:p>
+            <a:fld id="{6FDED9D1-3D70-4123-9743-495E081B676C}" type="slidenum">
+              <a:rPr lang="en-GB" smtClean="0"/>
+              <a:t>18</a:t>
+            </a:fld>
+            <a:endParaRPr lang="en-GB"/>
+          </a:p>
+        </p:txBody>
+      </p:sp>
+    </p:spTree>
+    <p:extLst>
+      <p:ext uri="{BB962C8B-B14F-4D97-AF65-F5344CB8AC3E}">
+        <p14:creationId xmlns:p14="http://schemas.microsoft.com/office/powerpoint/2010/main" val="1425307451"/>
+      </p:ext>
+    </p:extLst>
+  </p:cSld>
+  <p:clrMapOvr>
+    <a:masterClrMapping/>
+  </p:clrMapOvr>
+</p:notes>
+</file>
+
+<file path=ppt/notesSlides/notesSlide19.xml><?xml version="1.0" encoding="utf-8"?>
+<p:notes xmlns:a="http://schemas.openxmlformats.org/drawingml/2006/main" xmlns:r="http://schemas.openxmlformats.org/officeDocument/2006/relationships" xmlns:p="http://schemas.openxmlformats.org/presentationml/2006/main">
+  <p:cSld>
+    <p:spTree>
+      <p:nvGrpSpPr>
+        <p:cNvPr id="1" name=""/>
+        <p:cNvGrpSpPr/>
+        <p:nvPr/>
+      </p:nvGrpSpPr>
+      <p:grpSpPr>
+        <a:xfrm>
+          <a:off x="0" y="0"/>
+          <a:ext cx="0" cy="0"/>
+          <a:chOff x="0" y="0"/>
+          <a:chExt cx="0" cy="0"/>
+        </a:xfrm>
+      </p:grpSpPr>
+      <p:sp>
+        <p:nvSpPr>
+          <p:cNvPr id="2" name="Slide Image Placeholder 1"/>
+          <p:cNvSpPr>
+            <a:spLocks noGrp="1" noRot="1" noChangeAspect="1"/>
+          </p:cNvSpPr>
+          <p:nvPr>
+            <p:ph type="sldImg"/>
+          </p:nvPr>
+        </p:nvSpPr>
+        <p:spPr/>
+      </p:sp>
+      <p:sp>
+        <p:nvSpPr>
+          <p:cNvPr id="3" name="Notes Placeholder 2"/>
+          <p:cNvSpPr>
+            <a:spLocks noGrp="1"/>
+          </p:cNvSpPr>
+          <p:nvPr>
+            <p:ph type="body" idx="1"/>
+          </p:nvPr>
+        </p:nvSpPr>
+        <p:spPr/>
+        <p:txBody>
+          <a:bodyPr/>
+          <a:lstStyle/>
+          <a:p>
+            <a:r>
+              <a:rPr lang="en-GB" dirty="0"/>
+              <a:t>Putting mouse over the variable and clicking the pin,</a:t>
+            </a:r>
+          </a:p>
+          <a:p>
+            <a:r>
+              <a:rPr lang="en-GB" dirty="0"/>
+              <a:t>The double chevron pointing down allows you to put a comment in. </a:t>
+            </a:r>
+          </a:p>
+          <a:p>
+            <a:r>
+              <a:rPr lang="en-GB" dirty="0" err="1"/>
+              <a:t>Datatips</a:t>
+            </a:r>
+            <a:r>
+              <a:rPr lang="en-GB" dirty="0"/>
+              <a:t> can be exported under debug menu – someone else is to debug.</a:t>
+            </a:r>
+          </a:p>
+        </p:txBody>
+      </p:sp>
+      <p:sp>
+        <p:nvSpPr>
+          <p:cNvPr id="4" name="Slide Number Placeholder 3"/>
+          <p:cNvSpPr>
+            <a:spLocks noGrp="1"/>
+          </p:cNvSpPr>
+          <p:nvPr>
+            <p:ph type="sldNum" sz="quarter" idx="5"/>
+          </p:nvPr>
+        </p:nvSpPr>
+        <p:spPr/>
+        <p:txBody>
+          <a:bodyPr/>
+          <a:lstStyle/>
+          <a:p>
+            <a:fld id="{6FDED9D1-3D70-4123-9743-495E081B676C}" type="slidenum">
+              <a:rPr lang="en-GB" smtClean="0"/>
+              <a:t>19</a:t>
+            </a:fld>
+            <a:endParaRPr lang="en-GB"/>
+          </a:p>
+        </p:txBody>
+      </p:sp>
+    </p:spTree>
+    <p:extLst>
+      <p:ext uri="{BB962C8B-B14F-4D97-AF65-F5344CB8AC3E}">
+        <p14:creationId xmlns:p14="http://schemas.microsoft.com/office/powerpoint/2010/main" val="2443119822"/>
       </p:ext>
     </p:extLst>
   </p:cSld>
@@ -943,7 +1802,10 @@
           <a:bodyPr/>
           <a:lstStyle/>
           <a:p>
-            <a:endParaRPr lang="en-GB" dirty="0"/>
+            <a:r>
+              <a:rPr lang="en-GB" dirty="0"/>
+              <a:t>Previous language – has debugging changed</a:t>
+            </a:r>
           </a:p>
         </p:txBody>
       </p:sp>
@@ -974,6 +1836,942 @@
     <p:extLst>
       <p:ext uri="{BB962C8B-B14F-4D97-AF65-F5344CB8AC3E}">
         <p14:creationId xmlns:p14="http://schemas.microsoft.com/office/powerpoint/2010/main" val="541872651"/>
+      </p:ext>
+    </p:extLst>
+  </p:cSld>
+  <p:clrMapOvr>
+    <a:masterClrMapping/>
+  </p:clrMapOvr>
+</p:notes>
+</file>
+
+<file path=ppt/notesSlides/notesSlide20.xml><?xml version="1.0" encoding="utf-8"?>
+<p:notes xmlns:a="http://schemas.openxmlformats.org/drawingml/2006/main" xmlns:r="http://schemas.openxmlformats.org/officeDocument/2006/relationships" xmlns:p="http://schemas.openxmlformats.org/presentationml/2006/main">
+  <p:cSld>
+    <p:spTree>
+      <p:nvGrpSpPr>
+        <p:cNvPr id="1" name=""/>
+        <p:cNvGrpSpPr/>
+        <p:nvPr/>
+      </p:nvGrpSpPr>
+      <p:grpSpPr>
+        <a:xfrm>
+          <a:off x="0" y="0"/>
+          <a:ext cx="0" cy="0"/>
+          <a:chOff x="0" y="0"/>
+          <a:chExt cx="0" cy="0"/>
+        </a:xfrm>
+      </p:grpSpPr>
+      <p:sp>
+        <p:nvSpPr>
+          <p:cNvPr id="2" name="Slide Image Placeholder 1"/>
+          <p:cNvSpPr>
+            <a:spLocks noGrp="1" noRot="1" noChangeAspect="1"/>
+          </p:cNvSpPr>
+          <p:nvPr>
+            <p:ph type="sldImg"/>
+          </p:nvPr>
+        </p:nvSpPr>
+        <p:spPr/>
+      </p:sp>
+      <p:sp>
+        <p:nvSpPr>
+          <p:cNvPr id="3" name="Notes Placeholder 2"/>
+          <p:cNvSpPr>
+            <a:spLocks noGrp="1"/>
+          </p:cNvSpPr>
+          <p:nvPr>
+            <p:ph type="body" idx="1"/>
+          </p:nvPr>
+        </p:nvSpPr>
+        <p:spPr/>
+        <p:txBody>
+          <a:bodyPr/>
+          <a:lstStyle/>
+          <a:p>
+            <a:r>
+              <a:rPr lang="en-GB" dirty="0"/>
+              <a:t>The call shows where you are and the calling methods. </a:t>
+            </a:r>
+          </a:p>
+          <a:p>
+            <a:r>
+              <a:rPr lang="en-GB" dirty="0"/>
+              <a:t>You can show differing information as shown – parameter type, name and value and the line number that you are at. </a:t>
+            </a:r>
+          </a:p>
+          <a:p>
+            <a:r>
+              <a:rPr lang="en-GB" dirty="0"/>
+              <a:t>Breakpoints can be set in the call stack.</a:t>
+            </a:r>
+          </a:p>
+        </p:txBody>
+      </p:sp>
+      <p:sp>
+        <p:nvSpPr>
+          <p:cNvPr id="4" name="Slide Number Placeholder 3"/>
+          <p:cNvSpPr>
+            <a:spLocks noGrp="1"/>
+          </p:cNvSpPr>
+          <p:nvPr>
+            <p:ph type="sldNum" sz="quarter" idx="5"/>
+          </p:nvPr>
+        </p:nvSpPr>
+        <p:spPr/>
+        <p:txBody>
+          <a:bodyPr/>
+          <a:lstStyle/>
+          <a:p>
+            <a:fld id="{6FDED9D1-3D70-4123-9743-495E081B676C}" type="slidenum">
+              <a:rPr lang="en-GB" smtClean="0"/>
+              <a:t>20</a:t>
+            </a:fld>
+            <a:endParaRPr lang="en-GB"/>
+          </a:p>
+        </p:txBody>
+      </p:sp>
+    </p:spTree>
+    <p:extLst>
+      <p:ext uri="{BB962C8B-B14F-4D97-AF65-F5344CB8AC3E}">
+        <p14:creationId xmlns:p14="http://schemas.microsoft.com/office/powerpoint/2010/main" val="306845491"/>
+      </p:ext>
+    </p:extLst>
+  </p:cSld>
+  <p:clrMapOvr>
+    <a:masterClrMapping/>
+  </p:clrMapOvr>
+</p:notes>
+</file>
+
+<file path=ppt/notesSlides/notesSlide21.xml><?xml version="1.0" encoding="utf-8"?>
+<p:notes xmlns:a="http://schemas.openxmlformats.org/drawingml/2006/main" xmlns:r="http://schemas.openxmlformats.org/officeDocument/2006/relationships" xmlns:p="http://schemas.openxmlformats.org/presentationml/2006/main">
+  <p:cSld>
+    <p:spTree>
+      <p:nvGrpSpPr>
+        <p:cNvPr id="1" name=""/>
+        <p:cNvGrpSpPr/>
+        <p:nvPr/>
+      </p:nvGrpSpPr>
+      <p:grpSpPr>
+        <a:xfrm>
+          <a:off x="0" y="0"/>
+          <a:ext cx="0" cy="0"/>
+          <a:chOff x="0" y="0"/>
+          <a:chExt cx="0" cy="0"/>
+        </a:xfrm>
+      </p:grpSpPr>
+      <p:sp>
+        <p:nvSpPr>
+          <p:cNvPr id="2" name="Slide Image Placeholder 1"/>
+          <p:cNvSpPr>
+            <a:spLocks noGrp="1" noRot="1" noChangeAspect="1"/>
+          </p:cNvSpPr>
+          <p:nvPr>
+            <p:ph type="sldImg"/>
+          </p:nvPr>
+        </p:nvSpPr>
+        <p:spPr/>
+      </p:sp>
+      <p:sp>
+        <p:nvSpPr>
+          <p:cNvPr id="3" name="Notes Placeholder 2"/>
+          <p:cNvSpPr>
+            <a:spLocks noGrp="1"/>
+          </p:cNvSpPr>
+          <p:nvPr>
+            <p:ph type="body" idx="1"/>
+          </p:nvPr>
+        </p:nvSpPr>
+        <p:spPr/>
+        <p:txBody>
+          <a:bodyPr/>
+          <a:lstStyle/>
+          <a:p>
+            <a:r>
+              <a:rPr lang="en-GB" dirty="0"/>
+              <a:t>Watch window</a:t>
+            </a:r>
+          </a:p>
+          <a:p>
+            <a:r>
+              <a:rPr lang="en-GB" dirty="0"/>
+              <a:t>the Locals – show the values of within the current scope, this will coincide with the focus of the call stack. </a:t>
+            </a:r>
+          </a:p>
+          <a:p>
+            <a:r>
+              <a:rPr lang="en-GB" dirty="0"/>
+              <a:t>The autos window shows the values around the current breakpoint., also coinciding with the call stack. Return values are also shown and </a:t>
+            </a:r>
+          </a:p>
+        </p:txBody>
+      </p:sp>
+      <p:sp>
+        <p:nvSpPr>
+          <p:cNvPr id="4" name="Slide Number Placeholder 3"/>
+          <p:cNvSpPr>
+            <a:spLocks noGrp="1"/>
+          </p:cNvSpPr>
+          <p:nvPr>
+            <p:ph type="sldNum" sz="quarter" idx="5"/>
+          </p:nvPr>
+        </p:nvSpPr>
+        <p:spPr/>
+        <p:txBody>
+          <a:bodyPr/>
+          <a:lstStyle/>
+          <a:p>
+            <a:fld id="{6FDED9D1-3D70-4123-9743-495E081B676C}" type="slidenum">
+              <a:rPr lang="en-GB" smtClean="0"/>
+              <a:t>21</a:t>
+            </a:fld>
+            <a:endParaRPr lang="en-GB"/>
+          </a:p>
+        </p:txBody>
+      </p:sp>
+    </p:spTree>
+    <p:extLst>
+      <p:ext uri="{BB962C8B-B14F-4D97-AF65-F5344CB8AC3E}">
+        <p14:creationId xmlns:p14="http://schemas.microsoft.com/office/powerpoint/2010/main" val="3860788685"/>
+      </p:ext>
+    </p:extLst>
+  </p:cSld>
+  <p:clrMapOvr>
+    <a:masterClrMapping/>
+  </p:clrMapOvr>
+</p:notes>
+</file>
+
+<file path=ppt/notesSlides/notesSlide22.xml><?xml version="1.0" encoding="utf-8"?>
+<p:notes xmlns:a="http://schemas.openxmlformats.org/drawingml/2006/main" xmlns:r="http://schemas.openxmlformats.org/officeDocument/2006/relationships" xmlns:p="http://schemas.openxmlformats.org/presentationml/2006/main">
+  <p:cSld>
+    <p:spTree>
+      <p:nvGrpSpPr>
+        <p:cNvPr id="1" name=""/>
+        <p:cNvGrpSpPr/>
+        <p:nvPr/>
+      </p:nvGrpSpPr>
+      <p:grpSpPr>
+        <a:xfrm>
+          <a:off x="0" y="0"/>
+          <a:ext cx="0" cy="0"/>
+          <a:chOff x="0" y="0"/>
+          <a:chExt cx="0" cy="0"/>
+        </a:xfrm>
+      </p:grpSpPr>
+      <p:sp>
+        <p:nvSpPr>
+          <p:cNvPr id="2" name="Slide Image Placeholder 1"/>
+          <p:cNvSpPr>
+            <a:spLocks noGrp="1" noRot="1" noChangeAspect="1"/>
+          </p:cNvSpPr>
+          <p:nvPr>
+            <p:ph type="sldImg"/>
+          </p:nvPr>
+        </p:nvSpPr>
+        <p:spPr/>
+      </p:sp>
+      <p:sp>
+        <p:nvSpPr>
+          <p:cNvPr id="3" name="Notes Placeholder 2"/>
+          <p:cNvSpPr>
+            <a:spLocks noGrp="1"/>
+          </p:cNvSpPr>
+          <p:nvPr>
+            <p:ph type="body" idx="1"/>
+          </p:nvPr>
+        </p:nvSpPr>
+        <p:spPr/>
+        <p:txBody>
+          <a:bodyPr/>
+          <a:lstStyle/>
+          <a:p>
+            <a:r>
+              <a:rPr lang="en-GB" dirty="0"/>
+              <a:t>Allows to keep track of variables and methods.</a:t>
+            </a:r>
+          </a:p>
+          <a:p>
+            <a:r>
+              <a:rPr lang="en-GB" dirty="0"/>
+              <a:t>$1</a:t>
+            </a:r>
+          </a:p>
+        </p:txBody>
+      </p:sp>
+      <p:sp>
+        <p:nvSpPr>
+          <p:cNvPr id="4" name="Slide Number Placeholder 3"/>
+          <p:cNvSpPr>
+            <a:spLocks noGrp="1"/>
+          </p:cNvSpPr>
+          <p:nvPr>
+            <p:ph type="sldNum" sz="quarter" idx="5"/>
+          </p:nvPr>
+        </p:nvSpPr>
+        <p:spPr/>
+        <p:txBody>
+          <a:bodyPr/>
+          <a:lstStyle/>
+          <a:p>
+            <a:fld id="{6FDED9D1-3D70-4123-9743-495E081B676C}" type="slidenum">
+              <a:rPr lang="en-GB" smtClean="0"/>
+              <a:t>22</a:t>
+            </a:fld>
+            <a:endParaRPr lang="en-GB"/>
+          </a:p>
+        </p:txBody>
+      </p:sp>
+    </p:spTree>
+    <p:extLst>
+      <p:ext uri="{BB962C8B-B14F-4D97-AF65-F5344CB8AC3E}">
+        <p14:creationId xmlns:p14="http://schemas.microsoft.com/office/powerpoint/2010/main" val="1723455707"/>
+      </p:ext>
+    </p:extLst>
+  </p:cSld>
+  <p:clrMapOvr>
+    <a:masterClrMapping/>
+  </p:clrMapOvr>
+</p:notes>
+</file>
+
+<file path=ppt/notesSlides/notesSlide23.xml><?xml version="1.0" encoding="utf-8"?>
+<p:notes xmlns:a="http://schemas.openxmlformats.org/drawingml/2006/main" xmlns:r="http://schemas.openxmlformats.org/officeDocument/2006/relationships" xmlns:p="http://schemas.openxmlformats.org/presentationml/2006/main">
+  <p:cSld>
+    <p:spTree>
+      <p:nvGrpSpPr>
+        <p:cNvPr id="1" name=""/>
+        <p:cNvGrpSpPr/>
+        <p:nvPr/>
+      </p:nvGrpSpPr>
+      <p:grpSpPr>
+        <a:xfrm>
+          <a:off x="0" y="0"/>
+          <a:ext cx="0" cy="0"/>
+          <a:chOff x="0" y="0"/>
+          <a:chExt cx="0" cy="0"/>
+        </a:xfrm>
+      </p:grpSpPr>
+      <p:sp>
+        <p:nvSpPr>
+          <p:cNvPr id="2" name="Slide Image Placeholder 1"/>
+          <p:cNvSpPr>
+            <a:spLocks noGrp="1" noRot="1" noChangeAspect="1"/>
+          </p:cNvSpPr>
+          <p:nvPr>
+            <p:ph type="sldImg"/>
+          </p:nvPr>
+        </p:nvSpPr>
+        <p:spPr/>
+      </p:sp>
+      <p:sp>
+        <p:nvSpPr>
+          <p:cNvPr id="3" name="Notes Placeholder 2"/>
+          <p:cNvSpPr>
+            <a:spLocks noGrp="1"/>
+          </p:cNvSpPr>
+          <p:nvPr>
+            <p:ph type="body" idx="1"/>
+          </p:nvPr>
+        </p:nvSpPr>
+        <p:spPr/>
+        <p:txBody>
+          <a:bodyPr/>
+          <a:lstStyle/>
+          <a:p>
+            <a:endParaRPr lang="en-GB" dirty="0"/>
+          </a:p>
+        </p:txBody>
+      </p:sp>
+      <p:sp>
+        <p:nvSpPr>
+          <p:cNvPr id="4" name="Slide Number Placeholder 3"/>
+          <p:cNvSpPr>
+            <a:spLocks noGrp="1"/>
+          </p:cNvSpPr>
+          <p:nvPr>
+            <p:ph type="sldNum" sz="quarter" idx="5"/>
+          </p:nvPr>
+        </p:nvSpPr>
+        <p:spPr/>
+        <p:txBody>
+          <a:bodyPr/>
+          <a:lstStyle/>
+          <a:p>
+            <a:fld id="{6FDED9D1-3D70-4123-9743-495E081B676C}" type="slidenum">
+              <a:rPr lang="en-GB" smtClean="0"/>
+              <a:t>23</a:t>
+            </a:fld>
+            <a:endParaRPr lang="en-GB"/>
+          </a:p>
+        </p:txBody>
+      </p:sp>
+    </p:spTree>
+    <p:extLst>
+      <p:ext uri="{BB962C8B-B14F-4D97-AF65-F5344CB8AC3E}">
+        <p14:creationId xmlns:p14="http://schemas.microsoft.com/office/powerpoint/2010/main" val="1987461711"/>
+      </p:ext>
+    </p:extLst>
+  </p:cSld>
+  <p:clrMapOvr>
+    <a:masterClrMapping/>
+  </p:clrMapOvr>
+</p:notes>
+</file>
+
+<file path=ppt/notesSlides/notesSlide24.xml><?xml version="1.0" encoding="utf-8"?>
+<p:notes xmlns:a="http://schemas.openxmlformats.org/drawingml/2006/main" xmlns:r="http://schemas.openxmlformats.org/officeDocument/2006/relationships" xmlns:p="http://schemas.openxmlformats.org/presentationml/2006/main">
+  <p:cSld>
+    <p:spTree>
+      <p:nvGrpSpPr>
+        <p:cNvPr id="1" name=""/>
+        <p:cNvGrpSpPr/>
+        <p:nvPr/>
+      </p:nvGrpSpPr>
+      <p:grpSpPr>
+        <a:xfrm>
+          <a:off x="0" y="0"/>
+          <a:ext cx="0" cy="0"/>
+          <a:chOff x="0" y="0"/>
+          <a:chExt cx="0" cy="0"/>
+        </a:xfrm>
+      </p:grpSpPr>
+      <p:sp>
+        <p:nvSpPr>
+          <p:cNvPr id="2" name="Slide Image Placeholder 1"/>
+          <p:cNvSpPr>
+            <a:spLocks noGrp="1" noRot="1" noChangeAspect="1"/>
+          </p:cNvSpPr>
+          <p:nvPr>
+            <p:ph type="sldImg"/>
+          </p:nvPr>
+        </p:nvSpPr>
+        <p:spPr/>
+      </p:sp>
+      <p:sp>
+        <p:nvSpPr>
+          <p:cNvPr id="3" name="Notes Placeholder 2"/>
+          <p:cNvSpPr>
+            <a:spLocks noGrp="1"/>
+          </p:cNvSpPr>
+          <p:nvPr>
+            <p:ph type="body" idx="1"/>
+          </p:nvPr>
+        </p:nvSpPr>
+        <p:spPr/>
+        <p:txBody>
+          <a:bodyPr/>
+          <a:lstStyle/>
+          <a:p>
+            <a:r>
+              <a:rPr lang="en-GB" dirty="0"/>
+              <a:t>Flag</a:t>
+            </a:r>
+          </a:p>
+          <a:p>
+            <a:r>
+              <a:rPr lang="en-GB" dirty="0"/>
+              <a:t>Search</a:t>
+            </a:r>
+          </a:p>
+          <a:p>
+            <a:r>
+              <a:rPr lang="en-GB" dirty="0"/>
+              <a:t>Freeze and thaw</a:t>
+            </a:r>
+          </a:p>
+          <a:p>
+            <a:r>
+              <a:rPr lang="en-GB" dirty="0"/>
+              <a:t>Naming – tasks – thread pool</a:t>
+            </a:r>
+          </a:p>
+          <a:p>
+            <a:r>
+              <a:rPr lang="en-GB" dirty="0"/>
+              <a:t>Showing columns</a:t>
+            </a:r>
+          </a:p>
+          <a:p>
+            <a:endParaRPr lang="en-GB" dirty="0"/>
+          </a:p>
+        </p:txBody>
+      </p:sp>
+      <p:sp>
+        <p:nvSpPr>
+          <p:cNvPr id="4" name="Slide Number Placeholder 3"/>
+          <p:cNvSpPr>
+            <a:spLocks noGrp="1"/>
+          </p:cNvSpPr>
+          <p:nvPr>
+            <p:ph type="sldNum" sz="quarter" idx="5"/>
+          </p:nvPr>
+        </p:nvSpPr>
+        <p:spPr/>
+        <p:txBody>
+          <a:bodyPr/>
+          <a:lstStyle/>
+          <a:p>
+            <a:fld id="{6FDED9D1-3D70-4123-9743-495E081B676C}" type="slidenum">
+              <a:rPr lang="en-GB" smtClean="0"/>
+              <a:t>24</a:t>
+            </a:fld>
+            <a:endParaRPr lang="en-GB"/>
+          </a:p>
+        </p:txBody>
+      </p:sp>
+    </p:spTree>
+    <p:extLst>
+      <p:ext uri="{BB962C8B-B14F-4D97-AF65-F5344CB8AC3E}">
+        <p14:creationId xmlns:p14="http://schemas.microsoft.com/office/powerpoint/2010/main" val="76562486"/>
+      </p:ext>
+    </p:extLst>
+  </p:cSld>
+  <p:clrMapOvr>
+    <a:masterClrMapping/>
+  </p:clrMapOvr>
+</p:notes>
+</file>
+
+<file path=ppt/notesSlides/notesSlide25.xml><?xml version="1.0" encoding="utf-8"?>
+<p:notes xmlns:a="http://schemas.openxmlformats.org/drawingml/2006/main" xmlns:r="http://schemas.openxmlformats.org/officeDocument/2006/relationships" xmlns:p="http://schemas.openxmlformats.org/presentationml/2006/main">
+  <p:cSld>
+    <p:spTree>
+      <p:nvGrpSpPr>
+        <p:cNvPr id="1" name=""/>
+        <p:cNvGrpSpPr/>
+        <p:nvPr/>
+      </p:nvGrpSpPr>
+      <p:grpSpPr>
+        <a:xfrm>
+          <a:off x="0" y="0"/>
+          <a:ext cx="0" cy="0"/>
+          <a:chOff x="0" y="0"/>
+          <a:chExt cx="0" cy="0"/>
+        </a:xfrm>
+      </p:grpSpPr>
+      <p:sp>
+        <p:nvSpPr>
+          <p:cNvPr id="2" name="Slide Image Placeholder 1"/>
+          <p:cNvSpPr>
+            <a:spLocks noGrp="1" noRot="1" noChangeAspect="1"/>
+          </p:cNvSpPr>
+          <p:nvPr>
+            <p:ph type="sldImg"/>
+          </p:nvPr>
+        </p:nvSpPr>
+        <p:spPr/>
+      </p:sp>
+      <p:sp>
+        <p:nvSpPr>
+          <p:cNvPr id="3" name="Notes Placeholder 2"/>
+          <p:cNvSpPr>
+            <a:spLocks noGrp="1"/>
+          </p:cNvSpPr>
+          <p:nvPr>
+            <p:ph type="body" idx="1"/>
+          </p:nvPr>
+        </p:nvSpPr>
+        <p:spPr/>
+        <p:txBody>
+          <a:bodyPr/>
+          <a:lstStyle/>
+          <a:p>
+            <a:r>
+              <a:rPr lang="en-GB" dirty="0"/>
+              <a:t>Where threads are </a:t>
+            </a:r>
+          </a:p>
+        </p:txBody>
+      </p:sp>
+      <p:sp>
+        <p:nvSpPr>
+          <p:cNvPr id="4" name="Slide Number Placeholder 3"/>
+          <p:cNvSpPr>
+            <a:spLocks noGrp="1"/>
+          </p:cNvSpPr>
+          <p:nvPr>
+            <p:ph type="sldNum" sz="quarter" idx="5"/>
+          </p:nvPr>
+        </p:nvSpPr>
+        <p:spPr/>
+        <p:txBody>
+          <a:bodyPr/>
+          <a:lstStyle/>
+          <a:p>
+            <a:fld id="{6FDED9D1-3D70-4123-9743-495E081B676C}" type="slidenum">
+              <a:rPr lang="en-GB" smtClean="0"/>
+              <a:t>25</a:t>
+            </a:fld>
+            <a:endParaRPr lang="en-GB"/>
+          </a:p>
+        </p:txBody>
+      </p:sp>
+    </p:spTree>
+    <p:extLst>
+      <p:ext uri="{BB962C8B-B14F-4D97-AF65-F5344CB8AC3E}">
+        <p14:creationId xmlns:p14="http://schemas.microsoft.com/office/powerpoint/2010/main" val="3500064574"/>
+      </p:ext>
+    </p:extLst>
+  </p:cSld>
+  <p:clrMapOvr>
+    <a:masterClrMapping/>
+  </p:clrMapOvr>
+</p:notes>
+</file>
+
+<file path=ppt/notesSlides/notesSlide26.xml><?xml version="1.0" encoding="utf-8"?>
+<p:notes xmlns:a="http://schemas.openxmlformats.org/drawingml/2006/main" xmlns:r="http://schemas.openxmlformats.org/officeDocument/2006/relationships" xmlns:p="http://schemas.openxmlformats.org/presentationml/2006/main">
+  <p:cSld>
+    <p:spTree>
+      <p:nvGrpSpPr>
+        <p:cNvPr id="1" name=""/>
+        <p:cNvGrpSpPr/>
+        <p:nvPr/>
+      </p:nvGrpSpPr>
+      <p:grpSpPr>
+        <a:xfrm>
+          <a:off x="0" y="0"/>
+          <a:ext cx="0" cy="0"/>
+          <a:chOff x="0" y="0"/>
+          <a:chExt cx="0" cy="0"/>
+        </a:xfrm>
+      </p:grpSpPr>
+      <p:sp>
+        <p:nvSpPr>
+          <p:cNvPr id="2" name="Slide Image Placeholder 1"/>
+          <p:cNvSpPr>
+            <a:spLocks noGrp="1" noRot="1" noChangeAspect="1"/>
+          </p:cNvSpPr>
+          <p:nvPr>
+            <p:ph type="sldImg"/>
+          </p:nvPr>
+        </p:nvSpPr>
+        <p:spPr/>
+      </p:sp>
+      <p:sp>
+        <p:nvSpPr>
+          <p:cNvPr id="3" name="Notes Placeholder 2"/>
+          <p:cNvSpPr>
+            <a:spLocks noGrp="1"/>
+          </p:cNvSpPr>
+          <p:nvPr>
+            <p:ph type="body" idx="1"/>
+          </p:nvPr>
+        </p:nvSpPr>
+        <p:spPr/>
+        <p:txBody>
+          <a:bodyPr/>
+          <a:lstStyle/>
+          <a:p>
+            <a:r>
+              <a:rPr lang="en-GB" dirty="0"/>
+              <a:t>View&gt;Toolbars</a:t>
+            </a:r>
+          </a:p>
+          <a:p>
+            <a:r>
+              <a:rPr lang="en-GB" dirty="0"/>
+              <a:t>Select threads</a:t>
+            </a:r>
+          </a:p>
+        </p:txBody>
+      </p:sp>
+      <p:sp>
+        <p:nvSpPr>
+          <p:cNvPr id="4" name="Slide Number Placeholder 3"/>
+          <p:cNvSpPr>
+            <a:spLocks noGrp="1"/>
+          </p:cNvSpPr>
+          <p:nvPr>
+            <p:ph type="sldNum" sz="quarter" idx="5"/>
+          </p:nvPr>
+        </p:nvSpPr>
+        <p:spPr/>
+        <p:txBody>
+          <a:bodyPr/>
+          <a:lstStyle/>
+          <a:p>
+            <a:fld id="{6FDED9D1-3D70-4123-9743-495E081B676C}" type="slidenum">
+              <a:rPr lang="en-GB" smtClean="0"/>
+              <a:t>26</a:t>
+            </a:fld>
+            <a:endParaRPr lang="en-GB"/>
+          </a:p>
+        </p:txBody>
+      </p:sp>
+    </p:spTree>
+    <p:extLst>
+      <p:ext uri="{BB962C8B-B14F-4D97-AF65-F5344CB8AC3E}">
+        <p14:creationId xmlns:p14="http://schemas.microsoft.com/office/powerpoint/2010/main" val="2990764819"/>
+      </p:ext>
+    </p:extLst>
+  </p:cSld>
+  <p:clrMapOvr>
+    <a:masterClrMapping/>
+  </p:clrMapOvr>
+</p:notes>
+</file>
+
+<file path=ppt/notesSlides/notesSlide27.xml><?xml version="1.0" encoding="utf-8"?>
+<p:notes xmlns:a="http://schemas.openxmlformats.org/drawingml/2006/main" xmlns:r="http://schemas.openxmlformats.org/officeDocument/2006/relationships" xmlns:p="http://schemas.openxmlformats.org/presentationml/2006/main">
+  <p:cSld>
+    <p:spTree>
+      <p:nvGrpSpPr>
+        <p:cNvPr id="1" name=""/>
+        <p:cNvGrpSpPr/>
+        <p:nvPr/>
+      </p:nvGrpSpPr>
+      <p:grpSpPr>
+        <a:xfrm>
+          <a:off x="0" y="0"/>
+          <a:ext cx="0" cy="0"/>
+          <a:chOff x="0" y="0"/>
+          <a:chExt cx="0" cy="0"/>
+        </a:xfrm>
+      </p:grpSpPr>
+      <p:sp>
+        <p:nvSpPr>
+          <p:cNvPr id="2" name="Slide Image Placeholder 1"/>
+          <p:cNvSpPr>
+            <a:spLocks noGrp="1" noRot="1" noChangeAspect="1"/>
+          </p:cNvSpPr>
+          <p:nvPr>
+            <p:ph type="sldImg"/>
+          </p:nvPr>
+        </p:nvSpPr>
+        <p:spPr/>
+      </p:sp>
+      <p:sp>
+        <p:nvSpPr>
+          <p:cNvPr id="3" name="Notes Placeholder 2"/>
+          <p:cNvSpPr>
+            <a:spLocks noGrp="1"/>
+          </p:cNvSpPr>
+          <p:nvPr>
+            <p:ph type="body" idx="1"/>
+          </p:nvPr>
+        </p:nvSpPr>
+        <p:spPr/>
+        <p:txBody>
+          <a:bodyPr/>
+          <a:lstStyle/>
+          <a:p>
+            <a:r>
+              <a:rPr lang="en-GB" dirty="0"/>
+              <a:t>Describe code watch window value of I, thread stacks </a:t>
+            </a:r>
+          </a:p>
+        </p:txBody>
+      </p:sp>
+      <p:sp>
+        <p:nvSpPr>
+          <p:cNvPr id="4" name="Slide Number Placeholder 3"/>
+          <p:cNvSpPr>
+            <a:spLocks noGrp="1"/>
+          </p:cNvSpPr>
+          <p:nvPr>
+            <p:ph type="sldNum" sz="quarter" idx="5"/>
+          </p:nvPr>
+        </p:nvSpPr>
+        <p:spPr/>
+        <p:txBody>
+          <a:bodyPr/>
+          <a:lstStyle/>
+          <a:p>
+            <a:fld id="{6FDED9D1-3D70-4123-9743-495E081B676C}" type="slidenum">
+              <a:rPr lang="en-GB" smtClean="0"/>
+              <a:t>27</a:t>
+            </a:fld>
+            <a:endParaRPr lang="en-GB"/>
+          </a:p>
+        </p:txBody>
+      </p:sp>
+    </p:spTree>
+    <p:extLst>
+      <p:ext uri="{BB962C8B-B14F-4D97-AF65-F5344CB8AC3E}">
+        <p14:creationId xmlns:p14="http://schemas.microsoft.com/office/powerpoint/2010/main" val="3577507695"/>
+      </p:ext>
+    </p:extLst>
+  </p:cSld>
+  <p:clrMapOvr>
+    <a:masterClrMapping/>
+  </p:clrMapOvr>
+</p:notes>
+</file>
+
+<file path=ppt/notesSlides/notesSlide28.xml><?xml version="1.0" encoding="utf-8"?>
+<p:notes xmlns:a="http://schemas.openxmlformats.org/drawingml/2006/main" xmlns:r="http://schemas.openxmlformats.org/officeDocument/2006/relationships" xmlns:p="http://schemas.openxmlformats.org/presentationml/2006/main">
+  <p:cSld>
+    <p:spTree>
+      <p:nvGrpSpPr>
+        <p:cNvPr id="1" name=""/>
+        <p:cNvGrpSpPr/>
+        <p:nvPr/>
+      </p:nvGrpSpPr>
+      <p:grpSpPr>
+        <a:xfrm>
+          <a:off x="0" y="0"/>
+          <a:ext cx="0" cy="0"/>
+          <a:chOff x="0" y="0"/>
+          <a:chExt cx="0" cy="0"/>
+        </a:xfrm>
+      </p:grpSpPr>
+      <p:sp>
+        <p:nvSpPr>
+          <p:cNvPr id="2" name="Slide Image Placeholder 1"/>
+          <p:cNvSpPr>
+            <a:spLocks noGrp="1" noRot="1" noChangeAspect="1"/>
+          </p:cNvSpPr>
+          <p:nvPr>
+            <p:ph type="sldImg"/>
+          </p:nvPr>
+        </p:nvSpPr>
+        <p:spPr/>
+      </p:sp>
+      <p:sp>
+        <p:nvSpPr>
+          <p:cNvPr id="3" name="Notes Placeholder 2"/>
+          <p:cNvSpPr>
+            <a:spLocks noGrp="1"/>
+          </p:cNvSpPr>
+          <p:nvPr>
+            <p:ph type="body" idx="1"/>
+          </p:nvPr>
+        </p:nvSpPr>
+        <p:spPr/>
+        <p:txBody>
+          <a:bodyPr/>
+          <a:lstStyle/>
+          <a:p>
+            <a:r>
+              <a:rPr lang="en-GB" dirty="0"/>
+              <a:t>Different views are to select stack trace for thread</a:t>
+            </a:r>
+          </a:p>
+        </p:txBody>
+      </p:sp>
+      <p:sp>
+        <p:nvSpPr>
+          <p:cNvPr id="4" name="Slide Number Placeholder 3"/>
+          <p:cNvSpPr>
+            <a:spLocks noGrp="1"/>
+          </p:cNvSpPr>
+          <p:nvPr>
+            <p:ph type="sldNum" sz="quarter" idx="5"/>
+          </p:nvPr>
+        </p:nvSpPr>
+        <p:spPr/>
+        <p:txBody>
+          <a:bodyPr/>
+          <a:lstStyle/>
+          <a:p>
+            <a:fld id="{6FDED9D1-3D70-4123-9743-495E081B676C}" type="slidenum">
+              <a:rPr lang="en-GB" smtClean="0"/>
+              <a:t>28</a:t>
+            </a:fld>
+            <a:endParaRPr lang="en-GB"/>
+          </a:p>
+        </p:txBody>
+      </p:sp>
+    </p:spTree>
+    <p:extLst>
+      <p:ext uri="{BB962C8B-B14F-4D97-AF65-F5344CB8AC3E}">
+        <p14:creationId xmlns:p14="http://schemas.microsoft.com/office/powerpoint/2010/main" val="3822364862"/>
+      </p:ext>
+    </p:extLst>
+  </p:cSld>
+  <p:clrMapOvr>
+    <a:masterClrMapping/>
+  </p:clrMapOvr>
+</p:notes>
+</file>
+
+<file path=ppt/notesSlides/notesSlide29.xml><?xml version="1.0" encoding="utf-8"?>
+<p:notes xmlns:a="http://schemas.openxmlformats.org/drawingml/2006/main" xmlns:r="http://schemas.openxmlformats.org/officeDocument/2006/relationships" xmlns:p="http://schemas.openxmlformats.org/presentationml/2006/main">
+  <p:cSld>
+    <p:spTree>
+      <p:nvGrpSpPr>
+        <p:cNvPr id="1" name=""/>
+        <p:cNvGrpSpPr/>
+        <p:nvPr/>
+      </p:nvGrpSpPr>
+      <p:grpSpPr>
+        <a:xfrm>
+          <a:off x="0" y="0"/>
+          <a:ext cx="0" cy="0"/>
+          <a:chOff x="0" y="0"/>
+          <a:chExt cx="0" cy="0"/>
+        </a:xfrm>
+      </p:grpSpPr>
+      <p:sp>
+        <p:nvSpPr>
+          <p:cNvPr id="2" name="Slide Image Placeholder 1"/>
+          <p:cNvSpPr>
+            <a:spLocks noGrp="1" noRot="1" noChangeAspect="1"/>
+          </p:cNvSpPr>
+          <p:nvPr>
+            <p:ph type="sldImg"/>
+          </p:nvPr>
+        </p:nvSpPr>
+        <p:spPr/>
+      </p:sp>
+      <p:sp>
+        <p:nvSpPr>
+          <p:cNvPr id="3" name="Notes Placeholder 2"/>
+          <p:cNvSpPr>
+            <a:spLocks noGrp="1"/>
+          </p:cNvSpPr>
+          <p:nvPr>
+            <p:ph type="body" idx="1"/>
+          </p:nvPr>
+        </p:nvSpPr>
+        <p:spPr/>
+        <p:txBody>
+          <a:bodyPr/>
+          <a:lstStyle/>
+          <a:p>
+            <a:r>
+              <a:rPr lang="en-GB" dirty="0"/>
+              <a:t>Show value of I from the code and name - horizontal</a:t>
+            </a:r>
+          </a:p>
+          <a:p>
+            <a:r>
+              <a:rPr lang="en-GB" dirty="0"/>
+              <a:t>Filter can be added, also visualizers</a:t>
+            </a:r>
+          </a:p>
+        </p:txBody>
+      </p:sp>
+      <p:sp>
+        <p:nvSpPr>
+          <p:cNvPr id="4" name="Slide Number Placeholder 3"/>
+          <p:cNvSpPr>
+            <a:spLocks noGrp="1"/>
+          </p:cNvSpPr>
+          <p:nvPr>
+            <p:ph type="sldNum" sz="quarter" idx="5"/>
+          </p:nvPr>
+        </p:nvSpPr>
+        <p:spPr/>
+        <p:txBody>
+          <a:bodyPr/>
+          <a:lstStyle/>
+          <a:p>
+            <a:fld id="{6FDED9D1-3D70-4123-9743-495E081B676C}" type="slidenum">
+              <a:rPr lang="en-GB" smtClean="0"/>
+              <a:t>29</a:t>
+            </a:fld>
+            <a:endParaRPr lang="en-GB"/>
+          </a:p>
+        </p:txBody>
+      </p:sp>
+    </p:spTree>
+    <p:extLst>
+      <p:ext uri="{BB962C8B-B14F-4D97-AF65-F5344CB8AC3E}">
+        <p14:creationId xmlns:p14="http://schemas.microsoft.com/office/powerpoint/2010/main" val="1030915362"/>
       </p:ext>
     </p:extLst>
   </p:cSld>
@@ -1029,7 +2827,7 @@
           <a:p>
             <a:r>
               <a:rPr lang="en-GB" dirty="0"/>
-              <a:t>Address is shown with fields collapsed – this is the default</a:t>
+              <a:t>What I am going to talk about</a:t>
             </a:r>
           </a:p>
         </p:txBody>
@@ -1051,7 +2849,7 @@
           <a:p>
             <a:fld id="{6FDED9D1-3D70-4123-9743-495E081B676C}" type="slidenum">
               <a:rPr lang="en-GB" smtClean="0"/>
-              <a:t>14</a:t>
+              <a:t>3</a:t>
             </a:fld>
             <a:endParaRPr lang="en-GB"/>
           </a:p>
@@ -1060,7 +2858,920 @@
     </p:spTree>
     <p:extLst>
       <p:ext uri="{BB962C8B-B14F-4D97-AF65-F5344CB8AC3E}">
-        <p14:creationId xmlns:p14="http://schemas.microsoft.com/office/powerpoint/2010/main" val="1047311096"/>
+        <p14:creationId xmlns:p14="http://schemas.microsoft.com/office/powerpoint/2010/main" val="1845673670"/>
+      </p:ext>
+    </p:extLst>
+  </p:cSld>
+  <p:clrMapOvr>
+    <a:masterClrMapping/>
+  </p:clrMapOvr>
+</p:notes>
+</file>
+
+<file path=ppt/notesSlides/notesSlide30.xml><?xml version="1.0" encoding="utf-8"?>
+<p:notes xmlns:a="http://schemas.openxmlformats.org/drawingml/2006/main" xmlns:r="http://schemas.openxmlformats.org/officeDocument/2006/relationships" xmlns:p="http://schemas.openxmlformats.org/presentationml/2006/main">
+  <p:cSld>
+    <p:spTree>
+      <p:nvGrpSpPr>
+        <p:cNvPr id="1" name=""/>
+        <p:cNvGrpSpPr/>
+        <p:nvPr/>
+      </p:nvGrpSpPr>
+      <p:grpSpPr>
+        <a:xfrm>
+          <a:off x="0" y="0"/>
+          <a:ext cx="0" cy="0"/>
+          <a:chOff x="0" y="0"/>
+          <a:chExt cx="0" cy="0"/>
+        </a:xfrm>
+      </p:grpSpPr>
+      <p:sp>
+        <p:nvSpPr>
+          <p:cNvPr id="2" name="Slide Image Placeholder 1"/>
+          <p:cNvSpPr>
+            <a:spLocks noGrp="1" noRot="1" noChangeAspect="1"/>
+          </p:cNvSpPr>
+          <p:nvPr>
+            <p:ph type="sldImg"/>
+          </p:nvPr>
+        </p:nvSpPr>
+        <p:spPr/>
+      </p:sp>
+      <p:sp>
+        <p:nvSpPr>
+          <p:cNvPr id="3" name="Notes Placeholder 2"/>
+          <p:cNvSpPr>
+            <a:spLocks noGrp="1"/>
+          </p:cNvSpPr>
+          <p:nvPr>
+            <p:ph type="body" idx="1"/>
+          </p:nvPr>
+        </p:nvSpPr>
+        <p:spPr/>
+        <p:txBody>
+          <a:bodyPr/>
+          <a:lstStyle/>
+          <a:p>
+            <a:r>
+              <a:rPr lang="en-GB" dirty="0" err="1"/>
+              <a:t>Breakpoins</a:t>
+            </a:r>
+            <a:endParaRPr lang="en-GB" dirty="0"/>
+          </a:p>
+        </p:txBody>
+      </p:sp>
+      <p:sp>
+        <p:nvSpPr>
+          <p:cNvPr id="4" name="Slide Number Placeholder 3"/>
+          <p:cNvSpPr>
+            <a:spLocks noGrp="1"/>
+          </p:cNvSpPr>
+          <p:nvPr>
+            <p:ph type="sldNum" sz="quarter" idx="5"/>
+          </p:nvPr>
+        </p:nvSpPr>
+        <p:spPr/>
+        <p:txBody>
+          <a:bodyPr/>
+          <a:lstStyle/>
+          <a:p>
+            <a:fld id="{6FDED9D1-3D70-4123-9743-495E081B676C}" type="slidenum">
+              <a:rPr lang="en-GB" smtClean="0"/>
+              <a:t>30</a:t>
+            </a:fld>
+            <a:endParaRPr lang="en-GB"/>
+          </a:p>
+        </p:txBody>
+      </p:sp>
+    </p:spTree>
+    <p:extLst>
+      <p:ext uri="{BB962C8B-B14F-4D97-AF65-F5344CB8AC3E}">
+        <p14:creationId xmlns:p14="http://schemas.microsoft.com/office/powerpoint/2010/main" val="3092337207"/>
+      </p:ext>
+    </p:extLst>
+  </p:cSld>
+  <p:clrMapOvr>
+    <a:masterClrMapping/>
+  </p:clrMapOvr>
+</p:notes>
+</file>
+
+<file path=ppt/notesSlides/notesSlide31.xml><?xml version="1.0" encoding="utf-8"?>
+<p:notes xmlns:a="http://schemas.openxmlformats.org/drawingml/2006/main" xmlns:r="http://schemas.openxmlformats.org/officeDocument/2006/relationships" xmlns:p="http://schemas.openxmlformats.org/presentationml/2006/main">
+  <p:cSld>
+    <p:spTree>
+      <p:nvGrpSpPr>
+        <p:cNvPr id="1" name=""/>
+        <p:cNvGrpSpPr/>
+        <p:nvPr/>
+      </p:nvGrpSpPr>
+      <p:grpSpPr>
+        <a:xfrm>
+          <a:off x="0" y="0"/>
+          <a:ext cx="0" cy="0"/>
+          <a:chOff x="0" y="0"/>
+          <a:chExt cx="0" cy="0"/>
+        </a:xfrm>
+      </p:grpSpPr>
+      <p:sp>
+        <p:nvSpPr>
+          <p:cNvPr id="2" name="Slide Image Placeholder 1"/>
+          <p:cNvSpPr>
+            <a:spLocks noGrp="1" noRot="1" noChangeAspect="1"/>
+          </p:cNvSpPr>
+          <p:nvPr>
+            <p:ph type="sldImg"/>
+          </p:nvPr>
+        </p:nvSpPr>
+        <p:spPr/>
+      </p:sp>
+      <p:sp>
+        <p:nvSpPr>
+          <p:cNvPr id="3" name="Notes Placeholder 2"/>
+          <p:cNvSpPr>
+            <a:spLocks noGrp="1"/>
+          </p:cNvSpPr>
+          <p:nvPr>
+            <p:ph type="body" idx="1"/>
+          </p:nvPr>
+        </p:nvSpPr>
+        <p:spPr/>
+        <p:txBody>
+          <a:bodyPr/>
+          <a:lstStyle/>
+          <a:p>
+            <a:r>
+              <a:rPr lang="en-GB" dirty="0"/>
+              <a:t>Set on set - memory</a:t>
+            </a:r>
+          </a:p>
+        </p:txBody>
+      </p:sp>
+      <p:sp>
+        <p:nvSpPr>
+          <p:cNvPr id="4" name="Slide Number Placeholder 3"/>
+          <p:cNvSpPr>
+            <a:spLocks noGrp="1"/>
+          </p:cNvSpPr>
+          <p:nvPr>
+            <p:ph type="sldNum" sz="quarter" idx="5"/>
+          </p:nvPr>
+        </p:nvSpPr>
+        <p:spPr/>
+        <p:txBody>
+          <a:bodyPr/>
+          <a:lstStyle/>
+          <a:p>
+            <a:fld id="{6FDED9D1-3D70-4123-9743-495E081B676C}" type="slidenum">
+              <a:rPr lang="en-GB" smtClean="0"/>
+              <a:t>31</a:t>
+            </a:fld>
+            <a:endParaRPr lang="en-GB"/>
+          </a:p>
+        </p:txBody>
+      </p:sp>
+    </p:spTree>
+    <p:extLst>
+      <p:ext uri="{BB962C8B-B14F-4D97-AF65-F5344CB8AC3E}">
+        <p14:creationId xmlns:p14="http://schemas.microsoft.com/office/powerpoint/2010/main" val="3556814102"/>
+      </p:ext>
+    </p:extLst>
+  </p:cSld>
+  <p:clrMapOvr>
+    <a:masterClrMapping/>
+  </p:clrMapOvr>
+</p:notes>
+</file>
+
+<file path=ppt/notesSlides/notesSlide32.xml><?xml version="1.0" encoding="utf-8"?>
+<p:notes xmlns:a="http://schemas.openxmlformats.org/drawingml/2006/main" xmlns:r="http://schemas.openxmlformats.org/officeDocument/2006/relationships" xmlns:p="http://schemas.openxmlformats.org/presentationml/2006/main">
+  <p:cSld>
+    <p:spTree>
+      <p:nvGrpSpPr>
+        <p:cNvPr id="1" name=""/>
+        <p:cNvGrpSpPr/>
+        <p:nvPr/>
+      </p:nvGrpSpPr>
+      <p:grpSpPr>
+        <a:xfrm>
+          <a:off x="0" y="0"/>
+          <a:ext cx="0" cy="0"/>
+          <a:chOff x="0" y="0"/>
+          <a:chExt cx="0" cy="0"/>
+        </a:xfrm>
+      </p:grpSpPr>
+      <p:sp>
+        <p:nvSpPr>
+          <p:cNvPr id="2" name="Slide Image Placeholder 1"/>
+          <p:cNvSpPr>
+            <a:spLocks noGrp="1" noRot="1" noChangeAspect="1"/>
+          </p:cNvSpPr>
+          <p:nvPr>
+            <p:ph type="sldImg"/>
+          </p:nvPr>
+        </p:nvSpPr>
+        <p:spPr/>
+      </p:sp>
+      <p:sp>
+        <p:nvSpPr>
+          <p:cNvPr id="3" name="Notes Placeholder 2"/>
+          <p:cNvSpPr>
+            <a:spLocks noGrp="1"/>
+          </p:cNvSpPr>
+          <p:nvPr>
+            <p:ph type="body" idx="1"/>
+          </p:nvPr>
+        </p:nvSpPr>
+        <p:spPr/>
+        <p:txBody>
+          <a:bodyPr/>
+          <a:lstStyle/>
+          <a:p>
+            <a:r>
+              <a:rPr lang="en-GB" dirty="0"/>
+              <a:t>Set breakpoint via stack trace</a:t>
+            </a:r>
+          </a:p>
+          <a:p>
+            <a:r>
+              <a:rPr lang="en-GB" dirty="0"/>
+              <a:t>Step into method – look at stack trace</a:t>
+            </a:r>
+          </a:p>
+        </p:txBody>
+      </p:sp>
+      <p:sp>
+        <p:nvSpPr>
+          <p:cNvPr id="4" name="Slide Number Placeholder 3"/>
+          <p:cNvSpPr>
+            <a:spLocks noGrp="1"/>
+          </p:cNvSpPr>
+          <p:nvPr>
+            <p:ph type="sldNum" sz="quarter" idx="5"/>
+          </p:nvPr>
+        </p:nvSpPr>
+        <p:spPr/>
+        <p:txBody>
+          <a:bodyPr/>
+          <a:lstStyle/>
+          <a:p>
+            <a:fld id="{6FDED9D1-3D70-4123-9743-495E081B676C}" type="slidenum">
+              <a:rPr lang="en-GB" smtClean="0"/>
+              <a:t>32</a:t>
+            </a:fld>
+            <a:endParaRPr lang="en-GB"/>
+          </a:p>
+        </p:txBody>
+      </p:sp>
+    </p:spTree>
+    <p:extLst>
+      <p:ext uri="{BB962C8B-B14F-4D97-AF65-F5344CB8AC3E}">
+        <p14:creationId xmlns:p14="http://schemas.microsoft.com/office/powerpoint/2010/main" val="308115185"/>
+      </p:ext>
+    </p:extLst>
+  </p:cSld>
+  <p:clrMapOvr>
+    <a:masterClrMapping/>
+  </p:clrMapOvr>
+</p:notes>
+</file>
+
+<file path=ppt/notesSlides/notesSlide33.xml><?xml version="1.0" encoding="utf-8"?>
+<p:notes xmlns:a="http://schemas.openxmlformats.org/drawingml/2006/main" xmlns:r="http://schemas.openxmlformats.org/officeDocument/2006/relationships" xmlns:p="http://schemas.openxmlformats.org/presentationml/2006/main">
+  <p:cSld>
+    <p:spTree>
+      <p:nvGrpSpPr>
+        <p:cNvPr id="1" name=""/>
+        <p:cNvGrpSpPr/>
+        <p:nvPr/>
+      </p:nvGrpSpPr>
+      <p:grpSpPr>
+        <a:xfrm>
+          <a:off x="0" y="0"/>
+          <a:ext cx="0" cy="0"/>
+          <a:chOff x="0" y="0"/>
+          <a:chExt cx="0" cy="0"/>
+        </a:xfrm>
+      </p:grpSpPr>
+      <p:sp>
+        <p:nvSpPr>
+          <p:cNvPr id="2" name="Slide Image Placeholder 1"/>
+          <p:cNvSpPr>
+            <a:spLocks noGrp="1" noRot="1" noChangeAspect="1"/>
+          </p:cNvSpPr>
+          <p:nvPr>
+            <p:ph type="sldImg"/>
+          </p:nvPr>
+        </p:nvSpPr>
+        <p:spPr/>
+      </p:sp>
+      <p:sp>
+        <p:nvSpPr>
+          <p:cNvPr id="3" name="Notes Placeholder 2"/>
+          <p:cNvSpPr>
+            <a:spLocks noGrp="1"/>
+          </p:cNvSpPr>
+          <p:nvPr>
+            <p:ph type="body" idx="1"/>
+          </p:nvPr>
+        </p:nvSpPr>
+        <p:spPr/>
+        <p:txBody>
+          <a:bodyPr/>
+          <a:lstStyle/>
+          <a:p>
+            <a:r>
+              <a:rPr lang="en-GB" dirty="0"/>
+              <a:t>Breakpoint I =5;</a:t>
+            </a:r>
+          </a:p>
+        </p:txBody>
+      </p:sp>
+      <p:sp>
+        <p:nvSpPr>
+          <p:cNvPr id="4" name="Slide Number Placeholder 3"/>
+          <p:cNvSpPr>
+            <a:spLocks noGrp="1"/>
+          </p:cNvSpPr>
+          <p:nvPr>
+            <p:ph type="sldNum" sz="quarter" idx="5"/>
+          </p:nvPr>
+        </p:nvSpPr>
+        <p:spPr/>
+        <p:txBody>
+          <a:bodyPr/>
+          <a:lstStyle/>
+          <a:p>
+            <a:fld id="{6FDED9D1-3D70-4123-9743-495E081B676C}" type="slidenum">
+              <a:rPr lang="en-GB" smtClean="0"/>
+              <a:t>33</a:t>
+            </a:fld>
+            <a:endParaRPr lang="en-GB"/>
+          </a:p>
+        </p:txBody>
+      </p:sp>
+    </p:spTree>
+    <p:extLst>
+      <p:ext uri="{BB962C8B-B14F-4D97-AF65-F5344CB8AC3E}">
+        <p14:creationId xmlns:p14="http://schemas.microsoft.com/office/powerpoint/2010/main" val="1479761591"/>
+      </p:ext>
+    </p:extLst>
+  </p:cSld>
+  <p:clrMapOvr>
+    <a:masterClrMapping/>
+  </p:clrMapOvr>
+</p:notes>
+</file>
+
+<file path=ppt/notesSlides/notesSlide34.xml><?xml version="1.0" encoding="utf-8"?>
+<p:notes xmlns:a="http://schemas.openxmlformats.org/drawingml/2006/main" xmlns:r="http://schemas.openxmlformats.org/officeDocument/2006/relationships" xmlns:p="http://schemas.openxmlformats.org/presentationml/2006/main">
+  <p:cSld>
+    <p:spTree>
+      <p:nvGrpSpPr>
+        <p:cNvPr id="1" name=""/>
+        <p:cNvGrpSpPr/>
+        <p:nvPr/>
+      </p:nvGrpSpPr>
+      <p:grpSpPr>
+        <a:xfrm>
+          <a:off x="0" y="0"/>
+          <a:ext cx="0" cy="0"/>
+          <a:chOff x="0" y="0"/>
+          <a:chExt cx="0" cy="0"/>
+        </a:xfrm>
+      </p:grpSpPr>
+      <p:sp>
+        <p:nvSpPr>
+          <p:cNvPr id="2" name="Slide Image Placeholder 1"/>
+          <p:cNvSpPr>
+            <a:spLocks noGrp="1" noRot="1" noChangeAspect="1"/>
+          </p:cNvSpPr>
+          <p:nvPr>
+            <p:ph type="sldImg"/>
+          </p:nvPr>
+        </p:nvSpPr>
+        <p:spPr/>
+      </p:sp>
+      <p:sp>
+        <p:nvSpPr>
+          <p:cNvPr id="3" name="Notes Placeholder 2"/>
+          <p:cNvSpPr>
+            <a:spLocks noGrp="1"/>
+          </p:cNvSpPr>
+          <p:nvPr>
+            <p:ph type="body" idx="1"/>
+          </p:nvPr>
+        </p:nvSpPr>
+        <p:spPr/>
+        <p:txBody>
+          <a:bodyPr/>
+          <a:lstStyle/>
+          <a:p>
+            <a:r>
+              <a:rPr lang="en-GB" dirty="0"/>
+              <a:t>Add </a:t>
+            </a:r>
+            <a:r>
+              <a:rPr lang="en-GB" dirty="0" err="1"/>
+              <a:t>contion</a:t>
+            </a:r>
+            <a:r>
+              <a:rPr lang="en-GB" dirty="0"/>
+              <a:t> – right click breakpoint</a:t>
+            </a:r>
+          </a:p>
+        </p:txBody>
+      </p:sp>
+      <p:sp>
+        <p:nvSpPr>
+          <p:cNvPr id="4" name="Slide Number Placeholder 3"/>
+          <p:cNvSpPr>
+            <a:spLocks noGrp="1"/>
+          </p:cNvSpPr>
+          <p:nvPr>
+            <p:ph type="sldNum" sz="quarter" idx="5"/>
+          </p:nvPr>
+        </p:nvSpPr>
+        <p:spPr/>
+        <p:txBody>
+          <a:bodyPr/>
+          <a:lstStyle/>
+          <a:p>
+            <a:fld id="{6FDED9D1-3D70-4123-9743-495E081B676C}" type="slidenum">
+              <a:rPr lang="en-GB" smtClean="0"/>
+              <a:t>34</a:t>
+            </a:fld>
+            <a:endParaRPr lang="en-GB"/>
+          </a:p>
+        </p:txBody>
+      </p:sp>
+    </p:spTree>
+    <p:extLst>
+      <p:ext uri="{BB962C8B-B14F-4D97-AF65-F5344CB8AC3E}">
+        <p14:creationId xmlns:p14="http://schemas.microsoft.com/office/powerpoint/2010/main" val="3469019877"/>
+      </p:ext>
+    </p:extLst>
+  </p:cSld>
+  <p:clrMapOvr>
+    <a:masterClrMapping/>
+  </p:clrMapOvr>
+</p:notes>
+</file>
+
+<file path=ppt/notesSlides/notesSlide35.xml><?xml version="1.0" encoding="utf-8"?>
+<p:notes xmlns:a="http://schemas.openxmlformats.org/drawingml/2006/main" xmlns:r="http://schemas.openxmlformats.org/officeDocument/2006/relationships" xmlns:p="http://schemas.openxmlformats.org/presentationml/2006/main">
+  <p:cSld>
+    <p:spTree>
+      <p:nvGrpSpPr>
+        <p:cNvPr id="1" name=""/>
+        <p:cNvGrpSpPr/>
+        <p:nvPr/>
+      </p:nvGrpSpPr>
+      <p:grpSpPr>
+        <a:xfrm>
+          <a:off x="0" y="0"/>
+          <a:ext cx="0" cy="0"/>
+          <a:chOff x="0" y="0"/>
+          <a:chExt cx="0" cy="0"/>
+        </a:xfrm>
+      </p:grpSpPr>
+      <p:sp>
+        <p:nvSpPr>
+          <p:cNvPr id="2" name="Slide Image Placeholder 1"/>
+          <p:cNvSpPr>
+            <a:spLocks noGrp="1" noRot="1" noChangeAspect="1"/>
+          </p:cNvSpPr>
+          <p:nvPr>
+            <p:ph type="sldImg"/>
+          </p:nvPr>
+        </p:nvSpPr>
+        <p:spPr/>
+      </p:sp>
+      <p:sp>
+        <p:nvSpPr>
+          <p:cNvPr id="3" name="Notes Placeholder 2"/>
+          <p:cNvSpPr>
+            <a:spLocks noGrp="1"/>
+          </p:cNvSpPr>
+          <p:nvPr>
+            <p:ph type="body" idx="1"/>
+          </p:nvPr>
+        </p:nvSpPr>
+        <p:spPr/>
+        <p:txBody>
+          <a:bodyPr/>
+          <a:lstStyle/>
+          <a:p>
+            <a:r>
+              <a:rPr lang="en-GB" dirty="0"/>
+              <a:t>Performance </a:t>
+            </a:r>
+          </a:p>
+          <a:p>
+            <a:r>
+              <a:rPr lang="en-GB" dirty="0"/>
+              <a:t>Safety add is attached</a:t>
+            </a:r>
+          </a:p>
+        </p:txBody>
+      </p:sp>
+      <p:sp>
+        <p:nvSpPr>
+          <p:cNvPr id="4" name="Slide Number Placeholder 3"/>
+          <p:cNvSpPr>
+            <a:spLocks noGrp="1"/>
+          </p:cNvSpPr>
+          <p:nvPr>
+            <p:ph type="sldNum" sz="quarter" idx="5"/>
+          </p:nvPr>
+        </p:nvSpPr>
+        <p:spPr/>
+        <p:txBody>
+          <a:bodyPr/>
+          <a:lstStyle/>
+          <a:p>
+            <a:fld id="{6FDED9D1-3D70-4123-9743-495E081B676C}" type="slidenum">
+              <a:rPr lang="en-GB" smtClean="0"/>
+              <a:t>35</a:t>
+            </a:fld>
+            <a:endParaRPr lang="en-GB"/>
+          </a:p>
+        </p:txBody>
+      </p:sp>
+    </p:spTree>
+    <p:extLst>
+      <p:ext uri="{BB962C8B-B14F-4D97-AF65-F5344CB8AC3E}">
+        <p14:creationId xmlns:p14="http://schemas.microsoft.com/office/powerpoint/2010/main" val="4148633218"/>
+      </p:ext>
+    </p:extLst>
+  </p:cSld>
+  <p:clrMapOvr>
+    <a:masterClrMapping/>
+  </p:clrMapOvr>
+</p:notes>
+</file>
+
+<file path=ppt/notesSlides/notesSlide36.xml><?xml version="1.0" encoding="utf-8"?>
+<p:notes xmlns:a="http://schemas.openxmlformats.org/drawingml/2006/main" xmlns:r="http://schemas.openxmlformats.org/officeDocument/2006/relationships" xmlns:p="http://schemas.openxmlformats.org/presentationml/2006/main">
+  <p:cSld>
+    <p:spTree>
+      <p:nvGrpSpPr>
+        <p:cNvPr id="1" name=""/>
+        <p:cNvGrpSpPr/>
+        <p:nvPr/>
+      </p:nvGrpSpPr>
+      <p:grpSpPr>
+        <a:xfrm>
+          <a:off x="0" y="0"/>
+          <a:ext cx="0" cy="0"/>
+          <a:chOff x="0" y="0"/>
+          <a:chExt cx="0" cy="0"/>
+        </a:xfrm>
+      </p:grpSpPr>
+      <p:sp>
+        <p:nvSpPr>
+          <p:cNvPr id="2" name="Slide Image Placeholder 1"/>
+          <p:cNvSpPr>
+            <a:spLocks noGrp="1" noRot="1" noChangeAspect="1"/>
+          </p:cNvSpPr>
+          <p:nvPr>
+            <p:ph type="sldImg"/>
+          </p:nvPr>
+        </p:nvSpPr>
+        <p:spPr/>
+      </p:sp>
+      <p:sp>
+        <p:nvSpPr>
+          <p:cNvPr id="3" name="Notes Placeholder 2"/>
+          <p:cNvSpPr>
+            <a:spLocks noGrp="1"/>
+          </p:cNvSpPr>
+          <p:nvPr>
+            <p:ph type="body" idx="1"/>
+          </p:nvPr>
+        </p:nvSpPr>
+        <p:spPr/>
+        <p:txBody>
+          <a:bodyPr/>
+          <a:lstStyle/>
+          <a:p>
+            <a:r>
+              <a:rPr lang="en-GB" dirty="0"/>
+              <a:t>Nth time set very high</a:t>
+            </a:r>
+          </a:p>
+        </p:txBody>
+      </p:sp>
+      <p:sp>
+        <p:nvSpPr>
+          <p:cNvPr id="4" name="Slide Number Placeholder 3"/>
+          <p:cNvSpPr>
+            <a:spLocks noGrp="1"/>
+          </p:cNvSpPr>
+          <p:nvPr>
+            <p:ph type="sldNum" sz="quarter" idx="5"/>
+          </p:nvPr>
+        </p:nvSpPr>
+        <p:spPr/>
+        <p:txBody>
+          <a:bodyPr/>
+          <a:lstStyle/>
+          <a:p>
+            <a:fld id="{6FDED9D1-3D70-4123-9743-495E081B676C}" type="slidenum">
+              <a:rPr lang="en-GB" smtClean="0"/>
+              <a:t>36</a:t>
+            </a:fld>
+            <a:endParaRPr lang="en-GB"/>
+          </a:p>
+        </p:txBody>
+      </p:sp>
+    </p:spTree>
+    <p:extLst>
+      <p:ext uri="{BB962C8B-B14F-4D97-AF65-F5344CB8AC3E}">
+        <p14:creationId xmlns:p14="http://schemas.microsoft.com/office/powerpoint/2010/main" val="1972191348"/>
+      </p:ext>
+    </p:extLst>
+  </p:cSld>
+  <p:clrMapOvr>
+    <a:masterClrMapping/>
+  </p:clrMapOvr>
+</p:notes>
+</file>
+
+<file path=ppt/notesSlides/notesSlide37.xml><?xml version="1.0" encoding="utf-8"?>
+<p:notes xmlns:a="http://schemas.openxmlformats.org/drawingml/2006/main" xmlns:r="http://schemas.openxmlformats.org/officeDocument/2006/relationships" xmlns:p="http://schemas.openxmlformats.org/presentationml/2006/main">
+  <p:cSld>
+    <p:spTree>
+      <p:nvGrpSpPr>
+        <p:cNvPr id="1" name=""/>
+        <p:cNvGrpSpPr/>
+        <p:nvPr/>
+      </p:nvGrpSpPr>
+      <p:grpSpPr>
+        <a:xfrm>
+          <a:off x="0" y="0"/>
+          <a:ext cx="0" cy="0"/>
+          <a:chOff x="0" y="0"/>
+          <a:chExt cx="0" cy="0"/>
+        </a:xfrm>
+      </p:grpSpPr>
+      <p:sp>
+        <p:nvSpPr>
+          <p:cNvPr id="2" name="Slide Image Placeholder 1"/>
+          <p:cNvSpPr>
+            <a:spLocks noGrp="1" noRot="1" noChangeAspect="1"/>
+          </p:cNvSpPr>
+          <p:nvPr>
+            <p:ph type="sldImg"/>
+          </p:nvPr>
+        </p:nvSpPr>
+        <p:spPr/>
+      </p:sp>
+      <p:sp>
+        <p:nvSpPr>
+          <p:cNvPr id="3" name="Notes Placeholder 2"/>
+          <p:cNvSpPr>
+            <a:spLocks noGrp="1"/>
+          </p:cNvSpPr>
+          <p:nvPr>
+            <p:ph type="body" idx="1"/>
+          </p:nvPr>
+        </p:nvSpPr>
+        <p:spPr/>
+        <p:txBody>
+          <a:bodyPr/>
+          <a:lstStyle/>
+          <a:p>
+            <a:r>
+              <a:rPr lang="en-GB" dirty="0"/>
+              <a:t>Breakpoint window – debug&gt;windows&gt;breakpoint</a:t>
+            </a:r>
+          </a:p>
+          <a:p>
+            <a:r>
+              <a:rPr lang="en-GB" dirty="0"/>
+              <a:t>Set </a:t>
+            </a:r>
+            <a:r>
+              <a:rPr lang="en-GB" dirty="0" err="1"/>
+              <a:t>hitcount</a:t>
+            </a:r>
+            <a:r>
+              <a:rPr lang="en-GB" dirty="0"/>
+              <a:t> to that amount</a:t>
+            </a:r>
+          </a:p>
+        </p:txBody>
+      </p:sp>
+      <p:sp>
+        <p:nvSpPr>
+          <p:cNvPr id="4" name="Slide Number Placeholder 3"/>
+          <p:cNvSpPr>
+            <a:spLocks noGrp="1"/>
+          </p:cNvSpPr>
+          <p:nvPr>
+            <p:ph type="sldNum" sz="quarter" idx="5"/>
+          </p:nvPr>
+        </p:nvSpPr>
+        <p:spPr/>
+        <p:txBody>
+          <a:bodyPr/>
+          <a:lstStyle/>
+          <a:p>
+            <a:fld id="{6FDED9D1-3D70-4123-9743-495E081B676C}" type="slidenum">
+              <a:rPr lang="en-GB" smtClean="0"/>
+              <a:t>37</a:t>
+            </a:fld>
+            <a:endParaRPr lang="en-GB"/>
+          </a:p>
+        </p:txBody>
+      </p:sp>
+    </p:spTree>
+    <p:extLst>
+      <p:ext uri="{BB962C8B-B14F-4D97-AF65-F5344CB8AC3E}">
+        <p14:creationId xmlns:p14="http://schemas.microsoft.com/office/powerpoint/2010/main" val="1538981471"/>
+      </p:ext>
+    </p:extLst>
+  </p:cSld>
+  <p:clrMapOvr>
+    <a:masterClrMapping/>
+  </p:clrMapOvr>
+</p:notes>
+</file>
+
+<file path=ppt/notesSlides/notesSlide38.xml><?xml version="1.0" encoding="utf-8"?>
+<p:notes xmlns:a="http://schemas.openxmlformats.org/drawingml/2006/main" xmlns:r="http://schemas.openxmlformats.org/officeDocument/2006/relationships" xmlns:p="http://schemas.openxmlformats.org/presentationml/2006/main">
+  <p:cSld>
+    <p:spTree>
+      <p:nvGrpSpPr>
+        <p:cNvPr id="1" name=""/>
+        <p:cNvGrpSpPr/>
+        <p:nvPr/>
+      </p:nvGrpSpPr>
+      <p:grpSpPr>
+        <a:xfrm>
+          <a:off x="0" y="0"/>
+          <a:ext cx="0" cy="0"/>
+          <a:chOff x="0" y="0"/>
+          <a:chExt cx="0" cy="0"/>
+        </a:xfrm>
+      </p:grpSpPr>
+      <p:sp>
+        <p:nvSpPr>
+          <p:cNvPr id="2" name="Slide Image Placeholder 1"/>
+          <p:cNvSpPr>
+            <a:spLocks noGrp="1" noRot="1" noChangeAspect="1"/>
+          </p:cNvSpPr>
+          <p:nvPr>
+            <p:ph type="sldImg"/>
+          </p:nvPr>
+        </p:nvSpPr>
+        <p:spPr/>
+      </p:sp>
+      <p:sp>
+        <p:nvSpPr>
+          <p:cNvPr id="3" name="Notes Placeholder 2"/>
+          <p:cNvSpPr>
+            <a:spLocks noGrp="1"/>
+          </p:cNvSpPr>
+          <p:nvPr>
+            <p:ph type="body" idx="1"/>
+          </p:nvPr>
+        </p:nvSpPr>
+        <p:spPr/>
+        <p:txBody>
+          <a:bodyPr/>
+          <a:lstStyle/>
+          <a:p>
+            <a:r>
+              <a:rPr lang="en-GB" dirty="0"/>
+              <a:t>Filter for threads</a:t>
+            </a:r>
+          </a:p>
+        </p:txBody>
+      </p:sp>
+      <p:sp>
+        <p:nvSpPr>
+          <p:cNvPr id="4" name="Slide Number Placeholder 3"/>
+          <p:cNvSpPr>
+            <a:spLocks noGrp="1"/>
+          </p:cNvSpPr>
+          <p:nvPr>
+            <p:ph type="sldNum" sz="quarter" idx="5"/>
+          </p:nvPr>
+        </p:nvSpPr>
+        <p:spPr/>
+        <p:txBody>
+          <a:bodyPr/>
+          <a:lstStyle/>
+          <a:p>
+            <a:fld id="{6FDED9D1-3D70-4123-9743-495E081B676C}" type="slidenum">
+              <a:rPr lang="en-GB" smtClean="0"/>
+              <a:t>38</a:t>
+            </a:fld>
+            <a:endParaRPr lang="en-GB"/>
+          </a:p>
+        </p:txBody>
+      </p:sp>
+    </p:spTree>
+    <p:extLst>
+      <p:ext uri="{BB962C8B-B14F-4D97-AF65-F5344CB8AC3E}">
+        <p14:creationId xmlns:p14="http://schemas.microsoft.com/office/powerpoint/2010/main" val="2399877514"/>
+      </p:ext>
+    </p:extLst>
+  </p:cSld>
+  <p:clrMapOvr>
+    <a:masterClrMapping/>
+  </p:clrMapOvr>
+</p:notes>
+</file>
+
+<file path=ppt/notesSlides/notesSlide39.xml><?xml version="1.0" encoding="utf-8"?>
+<p:notes xmlns:a="http://schemas.openxmlformats.org/drawingml/2006/main" xmlns:r="http://schemas.openxmlformats.org/officeDocument/2006/relationships" xmlns:p="http://schemas.openxmlformats.org/presentationml/2006/main">
+  <p:cSld>
+    <p:spTree>
+      <p:nvGrpSpPr>
+        <p:cNvPr id="1" name=""/>
+        <p:cNvGrpSpPr/>
+        <p:nvPr/>
+      </p:nvGrpSpPr>
+      <p:grpSpPr>
+        <a:xfrm>
+          <a:off x="0" y="0"/>
+          <a:ext cx="0" cy="0"/>
+          <a:chOff x="0" y="0"/>
+          <a:chExt cx="0" cy="0"/>
+        </a:xfrm>
+      </p:grpSpPr>
+      <p:sp>
+        <p:nvSpPr>
+          <p:cNvPr id="2" name="Slide Image Placeholder 1"/>
+          <p:cNvSpPr>
+            <a:spLocks noGrp="1" noRot="1" noChangeAspect="1"/>
+          </p:cNvSpPr>
+          <p:nvPr>
+            <p:ph type="sldImg"/>
+          </p:nvPr>
+        </p:nvSpPr>
+        <p:spPr/>
+      </p:sp>
+      <p:sp>
+        <p:nvSpPr>
+          <p:cNvPr id="3" name="Notes Placeholder 2"/>
+          <p:cNvSpPr>
+            <a:spLocks noGrp="1"/>
+          </p:cNvSpPr>
+          <p:nvPr>
+            <p:ph type="body" idx="1"/>
+          </p:nvPr>
+        </p:nvSpPr>
+        <p:spPr/>
+        <p:txBody>
+          <a:bodyPr/>
+          <a:lstStyle/>
+          <a:p>
+            <a:r>
+              <a:rPr lang="en-GB" dirty="0"/>
+              <a:t>Combined, condition – </a:t>
+            </a:r>
+            <a:r>
+              <a:rPr lang="en-GB" dirty="0" err="1"/>
+              <a:t>hitcount</a:t>
+            </a:r>
+            <a:r>
+              <a:rPr lang="en-GB" dirty="0"/>
+              <a:t>  - filter</a:t>
+            </a:r>
+          </a:p>
+        </p:txBody>
+      </p:sp>
+      <p:sp>
+        <p:nvSpPr>
+          <p:cNvPr id="4" name="Slide Number Placeholder 3"/>
+          <p:cNvSpPr>
+            <a:spLocks noGrp="1"/>
+          </p:cNvSpPr>
+          <p:nvPr>
+            <p:ph type="sldNum" sz="quarter" idx="5"/>
+          </p:nvPr>
+        </p:nvSpPr>
+        <p:spPr/>
+        <p:txBody>
+          <a:bodyPr/>
+          <a:lstStyle/>
+          <a:p>
+            <a:fld id="{6FDED9D1-3D70-4123-9743-495E081B676C}" type="slidenum">
+              <a:rPr lang="en-GB" smtClean="0"/>
+              <a:t>39</a:t>
+            </a:fld>
+            <a:endParaRPr lang="en-GB"/>
+          </a:p>
+        </p:txBody>
+      </p:sp>
+    </p:spTree>
+    <p:extLst>
+      <p:ext uri="{BB962C8B-B14F-4D97-AF65-F5344CB8AC3E}">
+        <p14:creationId xmlns:p14="http://schemas.microsoft.com/office/powerpoint/2010/main" val="2176812130"/>
       </p:ext>
     </p:extLst>
   </p:cSld>
@@ -1114,18 +3825,7 @@
           <a:bodyPr/>
           <a:lstStyle/>
           <a:p>
-            <a:r>
-              <a:rPr lang="en-GB" dirty="0"/>
-              <a:t>Visualisers are a way of seeing data in a way that is more understandable than a single line of text. There are some build in ones. There are many in the marketplace. If you </a:t>
-            </a:r>
-            <a:r>
-              <a:rPr lang="en-GB" dirty="0" err="1"/>
-              <a:t>rewally</a:t>
-            </a:r>
-            <a:r>
-              <a:rPr lang="en-GB" dirty="0"/>
-              <a:t> need to you can write you won. </a:t>
-            </a:r>
+            <a:endParaRPr lang="en-GB" dirty="0"/>
           </a:p>
         </p:txBody>
       </p:sp>
@@ -1146,7 +3846,7 @@
           <a:p>
             <a:fld id="{6FDED9D1-3D70-4123-9743-495E081B676C}" type="slidenum">
               <a:rPr lang="en-GB" smtClean="0"/>
-              <a:t>18</a:t>
+              <a:t>4</a:t>
             </a:fld>
             <a:endParaRPr lang="en-GB"/>
           </a:p>
@@ -1155,7 +3855,941 @@
     </p:spTree>
     <p:extLst>
       <p:ext uri="{BB962C8B-B14F-4D97-AF65-F5344CB8AC3E}">
-        <p14:creationId xmlns:p14="http://schemas.microsoft.com/office/powerpoint/2010/main" val="416799230"/>
+        <p14:creationId xmlns:p14="http://schemas.microsoft.com/office/powerpoint/2010/main" val="499248030"/>
+      </p:ext>
+    </p:extLst>
+  </p:cSld>
+  <p:clrMapOvr>
+    <a:masterClrMapping/>
+  </p:clrMapOvr>
+</p:notes>
+</file>
+
+<file path=ppt/notesSlides/notesSlide40.xml><?xml version="1.0" encoding="utf-8"?>
+<p:notes xmlns:a="http://schemas.openxmlformats.org/drawingml/2006/main" xmlns:r="http://schemas.openxmlformats.org/officeDocument/2006/relationships" xmlns:p="http://schemas.openxmlformats.org/presentationml/2006/main">
+  <p:cSld>
+    <p:spTree>
+      <p:nvGrpSpPr>
+        <p:cNvPr id="1" name=""/>
+        <p:cNvGrpSpPr/>
+        <p:nvPr/>
+      </p:nvGrpSpPr>
+      <p:grpSpPr>
+        <a:xfrm>
+          <a:off x="0" y="0"/>
+          <a:ext cx="0" cy="0"/>
+          <a:chOff x="0" y="0"/>
+          <a:chExt cx="0" cy="0"/>
+        </a:xfrm>
+      </p:grpSpPr>
+      <p:sp>
+        <p:nvSpPr>
+          <p:cNvPr id="2" name="Slide Image Placeholder 1"/>
+          <p:cNvSpPr>
+            <a:spLocks noGrp="1" noRot="1" noChangeAspect="1"/>
+          </p:cNvSpPr>
+          <p:nvPr>
+            <p:ph type="sldImg"/>
+          </p:nvPr>
+        </p:nvSpPr>
+        <p:spPr/>
+      </p:sp>
+      <p:sp>
+        <p:nvSpPr>
+          <p:cNvPr id="3" name="Notes Placeholder 2"/>
+          <p:cNvSpPr>
+            <a:spLocks noGrp="1"/>
+          </p:cNvSpPr>
+          <p:nvPr>
+            <p:ph type="body" idx="1"/>
+          </p:nvPr>
+        </p:nvSpPr>
+        <p:spPr/>
+        <p:txBody>
+          <a:bodyPr/>
+          <a:lstStyle/>
+          <a:p>
+            <a:r>
+              <a:rPr lang="en-GB" dirty="0"/>
+              <a:t>Action – message</a:t>
+            </a:r>
+          </a:p>
+          <a:p>
+            <a:r>
+              <a:rPr lang="en-GB" dirty="0"/>
+              <a:t>Continue /stop</a:t>
+            </a:r>
+          </a:p>
+        </p:txBody>
+      </p:sp>
+      <p:sp>
+        <p:nvSpPr>
+          <p:cNvPr id="4" name="Slide Number Placeholder 3"/>
+          <p:cNvSpPr>
+            <a:spLocks noGrp="1"/>
+          </p:cNvSpPr>
+          <p:nvPr>
+            <p:ph type="sldNum" sz="quarter" idx="5"/>
+          </p:nvPr>
+        </p:nvSpPr>
+        <p:spPr/>
+        <p:txBody>
+          <a:bodyPr/>
+          <a:lstStyle/>
+          <a:p>
+            <a:fld id="{6FDED9D1-3D70-4123-9743-495E081B676C}" type="slidenum">
+              <a:rPr lang="en-GB" smtClean="0"/>
+              <a:t>40</a:t>
+            </a:fld>
+            <a:endParaRPr lang="en-GB"/>
+          </a:p>
+        </p:txBody>
+      </p:sp>
+    </p:spTree>
+    <p:extLst>
+      <p:ext uri="{BB962C8B-B14F-4D97-AF65-F5344CB8AC3E}">
+        <p14:creationId xmlns:p14="http://schemas.microsoft.com/office/powerpoint/2010/main" val="487524158"/>
+      </p:ext>
+    </p:extLst>
+  </p:cSld>
+  <p:clrMapOvr>
+    <a:masterClrMapping/>
+  </p:clrMapOvr>
+</p:notes>
+</file>
+
+<file path=ppt/notesSlides/notesSlide41.xml><?xml version="1.0" encoding="utf-8"?>
+<p:notes xmlns:a="http://schemas.openxmlformats.org/drawingml/2006/main" xmlns:r="http://schemas.openxmlformats.org/officeDocument/2006/relationships" xmlns:p="http://schemas.openxmlformats.org/presentationml/2006/main">
+  <p:cSld>
+    <p:spTree>
+      <p:nvGrpSpPr>
+        <p:cNvPr id="1" name=""/>
+        <p:cNvGrpSpPr/>
+        <p:nvPr/>
+      </p:nvGrpSpPr>
+      <p:grpSpPr>
+        <a:xfrm>
+          <a:off x="0" y="0"/>
+          <a:ext cx="0" cy="0"/>
+          <a:chOff x="0" y="0"/>
+          <a:chExt cx="0" cy="0"/>
+        </a:xfrm>
+      </p:grpSpPr>
+      <p:sp>
+        <p:nvSpPr>
+          <p:cNvPr id="2" name="Slide Image Placeholder 1"/>
+          <p:cNvSpPr>
+            <a:spLocks noGrp="1" noRot="1" noChangeAspect="1"/>
+          </p:cNvSpPr>
+          <p:nvPr>
+            <p:ph type="sldImg"/>
+          </p:nvPr>
+        </p:nvSpPr>
+        <p:spPr/>
+      </p:sp>
+      <p:sp>
+        <p:nvSpPr>
+          <p:cNvPr id="3" name="Notes Placeholder 2"/>
+          <p:cNvSpPr>
+            <a:spLocks noGrp="1"/>
+          </p:cNvSpPr>
+          <p:nvPr>
+            <p:ph type="body" idx="1"/>
+          </p:nvPr>
+        </p:nvSpPr>
+        <p:spPr/>
+        <p:txBody>
+          <a:bodyPr/>
+          <a:lstStyle/>
+          <a:p>
+            <a:r>
+              <a:rPr lang="en-GB" dirty="0"/>
+              <a:t>Set a value</a:t>
+            </a:r>
+          </a:p>
+          <a:p>
+            <a:r>
+              <a:rPr lang="en-GB" dirty="0"/>
+              <a:t>Private methods</a:t>
+            </a:r>
+          </a:p>
+        </p:txBody>
+      </p:sp>
+      <p:sp>
+        <p:nvSpPr>
+          <p:cNvPr id="4" name="Slide Number Placeholder 3"/>
+          <p:cNvSpPr>
+            <a:spLocks noGrp="1"/>
+          </p:cNvSpPr>
+          <p:nvPr>
+            <p:ph type="sldNum" sz="quarter" idx="5"/>
+          </p:nvPr>
+        </p:nvSpPr>
+        <p:spPr/>
+        <p:txBody>
+          <a:bodyPr/>
+          <a:lstStyle/>
+          <a:p>
+            <a:fld id="{6FDED9D1-3D70-4123-9743-495E081B676C}" type="slidenum">
+              <a:rPr lang="en-GB" smtClean="0"/>
+              <a:t>41</a:t>
+            </a:fld>
+            <a:endParaRPr lang="en-GB"/>
+          </a:p>
+        </p:txBody>
+      </p:sp>
+    </p:spTree>
+    <p:extLst>
+      <p:ext uri="{BB962C8B-B14F-4D97-AF65-F5344CB8AC3E}">
+        <p14:creationId xmlns:p14="http://schemas.microsoft.com/office/powerpoint/2010/main" val="4112569564"/>
+      </p:ext>
+    </p:extLst>
+  </p:cSld>
+  <p:clrMapOvr>
+    <a:masterClrMapping/>
+  </p:clrMapOvr>
+</p:notes>
+</file>
+
+<file path=ppt/notesSlides/notesSlide42.xml><?xml version="1.0" encoding="utf-8"?>
+<p:notes xmlns:a="http://schemas.openxmlformats.org/drawingml/2006/main" xmlns:r="http://schemas.openxmlformats.org/officeDocument/2006/relationships" xmlns:p="http://schemas.openxmlformats.org/presentationml/2006/main">
+  <p:cSld>
+    <p:spTree>
+      <p:nvGrpSpPr>
+        <p:cNvPr id="1" name=""/>
+        <p:cNvGrpSpPr/>
+        <p:nvPr/>
+      </p:nvGrpSpPr>
+      <p:grpSpPr>
+        <a:xfrm>
+          <a:off x="0" y="0"/>
+          <a:ext cx="0" cy="0"/>
+          <a:chOff x="0" y="0"/>
+          <a:chExt cx="0" cy="0"/>
+        </a:xfrm>
+      </p:grpSpPr>
+      <p:sp>
+        <p:nvSpPr>
+          <p:cNvPr id="2" name="Slide Image Placeholder 1"/>
+          <p:cNvSpPr>
+            <a:spLocks noGrp="1" noRot="1" noChangeAspect="1"/>
+          </p:cNvSpPr>
+          <p:nvPr>
+            <p:ph type="sldImg"/>
+          </p:nvPr>
+        </p:nvSpPr>
+        <p:spPr/>
+      </p:sp>
+      <p:sp>
+        <p:nvSpPr>
+          <p:cNvPr id="3" name="Notes Placeholder 2"/>
+          <p:cNvSpPr>
+            <a:spLocks noGrp="1"/>
+          </p:cNvSpPr>
+          <p:nvPr>
+            <p:ph type="body" idx="1"/>
+          </p:nvPr>
+        </p:nvSpPr>
+        <p:spPr/>
+        <p:txBody>
+          <a:bodyPr/>
+          <a:lstStyle/>
+          <a:p>
+            <a:r>
+              <a:rPr lang="en-GB" dirty="0"/>
+              <a:t> breakpoint window – new function</a:t>
+            </a:r>
+          </a:p>
+          <a:p>
+            <a:r>
+              <a:rPr lang="en-GB" dirty="0"/>
+              <a:t>polymorphism</a:t>
+            </a:r>
+          </a:p>
+        </p:txBody>
+      </p:sp>
+      <p:sp>
+        <p:nvSpPr>
+          <p:cNvPr id="4" name="Slide Number Placeholder 3"/>
+          <p:cNvSpPr>
+            <a:spLocks noGrp="1"/>
+          </p:cNvSpPr>
+          <p:nvPr>
+            <p:ph type="sldNum" sz="quarter" idx="5"/>
+          </p:nvPr>
+        </p:nvSpPr>
+        <p:spPr/>
+        <p:txBody>
+          <a:bodyPr/>
+          <a:lstStyle/>
+          <a:p>
+            <a:fld id="{6FDED9D1-3D70-4123-9743-495E081B676C}" type="slidenum">
+              <a:rPr lang="en-GB" smtClean="0"/>
+              <a:t>42</a:t>
+            </a:fld>
+            <a:endParaRPr lang="en-GB"/>
+          </a:p>
+        </p:txBody>
+      </p:sp>
+    </p:spTree>
+    <p:extLst>
+      <p:ext uri="{BB962C8B-B14F-4D97-AF65-F5344CB8AC3E}">
+        <p14:creationId xmlns:p14="http://schemas.microsoft.com/office/powerpoint/2010/main" val="3637565133"/>
+      </p:ext>
+    </p:extLst>
+  </p:cSld>
+  <p:clrMapOvr>
+    <a:masterClrMapping/>
+  </p:clrMapOvr>
+</p:notes>
+</file>
+
+<file path=ppt/notesSlides/notesSlide43.xml><?xml version="1.0" encoding="utf-8"?>
+<p:notes xmlns:a="http://schemas.openxmlformats.org/drawingml/2006/main" xmlns:r="http://schemas.openxmlformats.org/officeDocument/2006/relationships" xmlns:p="http://schemas.openxmlformats.org/presentationml/2006/main">
+  <p:cSld>
+    <p:spTree>
+      <p:nvGrpSpPr>
+        <p:cNvPr id="1" name=""/>
+        <p:cNvGrpSpPr/>
+        <p:nvPr/>
+      </p:nvGrpSpPr>
+      <p:grpSpPr>
+        <a:xfrm>
+          <a:off x="0" y="0"/>
+          <a:ext cx="0" cy="0"/>
+          <a:chOff x="0" y="0"/>
+          <a:chExt cx="0" cy="0"/>
+        </a:xfrm>
+      </p:grpSpPr>
+      <p:sp>
+        <p:nvSpPr>
+          <p:cNvPr id="2" name="Slide Image Placeholder 1"/>
+          <p:cNvSpPr>
+            <a:spLocks noGrp="1" noRot="1" noChangeAspect="1"/>
+          </p:cNvSpPr>
+          <p:nvPr>
+            <p:ph type="sldImg"/>
+          </p:nvPr>
+        </p:nvSpPr>
+        <p:spPr/>
+      </p:sp>
+      <p:sp>
+        <p:nvSpPr>
+          <p:cNvPr id="3" name="Notes Placeholder 2"/>
+          <p:cNvSpPr>
+            <a:spLocks noGrp="1"/>
+          </p:cNvSpPr>
+          <p:nvPr>
+            <p:ph type="body" idx="1"/>
+          </p:nvPr>
+        </p:nvSpPr>
+        <p:spPr/>
+        <p:txBody>
+          <a:bodyPr/>
+          <a:lstStyle/>
+          <a:p>
+            <a:r>
+              <a:rPr lang="en-GB" dirty="0" err="1"/>
+              <a:t>Debug?windows</a:t>
+            </a:r>
+            <a:r>
+              <a:rPr lang="en-GB" dirty="0"/>
+              <a:t> no depth</a:t>
+            </a:r>
+          </a:p>
+        </p:txBody>
+      </p:sp>
+      <p:sp>
+        <p:nvSpPr>
+          <p:cNvPr id="4" name="Slide Number Placeholder 3"/>
+          <p:cNvSpPr>
+            <a:spLocks noGrp="1"/>
+          </p:cNvSpPr>
+          <p:nvPr>
+            <p:ph type="sldNum" sz="quarter" idx="5"/>
+          </p:nvPr>
+        </p:nvSpPr>
+        <p:spPr/>
+        <p:txBody>
+          <a:bodyPr/>
+          <a:lstStyle/>
+          <a:p>
+            <a:fld id="{6FDED9D1-3D70-4123-9743-495E081B676C}" type="slidenum">
+              <a:rPr lang="en-GB" smtClean="0"/>
+              <a:t>43</a:t>
+            </a:fld>
+            <a:endParaRPr lang="en-GB"/>
+          </a:p>
+        </p:txBody>
+      </p:sp>
+    </p:spTree>
+    <p:extLst>
+      <p:ext uri="{BB962C8B-B14F-4D97-AF65-F5344CB8AC3E}">
+        <p14:creationId xmlns:p14="http://schemas.microsoft.com/office/powerpoint/2010/main" val="3674958941"/>
+      </p:ext>
+    </p:extLst>
+  </p:cSld>
+  <p:clrMapOvr>
+    <a:masterClrMapping/>
+  </p:clrMapOvr>
+</p:notes>
+</file>
+
+<file path=ppt/notesSlides/notesSlide44.xml><?xml version="1.0" encoding="utf-8"?>
+<p:notes xmlns:a="http://schemas.openxmlformats.org/drawingml/2006/main" xmlns:r="http://schemas.openxmlformats.org/officeDocument/2006/relationships" xmlns:p="http://schemas.openxmlformats.org/presentationml/2006/main">
+  <p:cSld>
+    <p:spTree>
+      <p:nvGrpSpPr>
+        <p:cNvPr id="1" name=""/>
+        <p:cNvGrpSpPr/>
+        <p:nvPr/>
+      </p:nvGrpSpPr>
+      <p:grpSpPr>
+        <a:xfrm>
+          <a:off x="0" y="0"/>
+          <a:ext cx="0" cy="0"/>
+          <a:chOff x="0" y="0"/>
+          <a:chExt cx="0" cy="0"/>
+        </a:xfrm>
+      </p:grpSpPr>
+      <p:sp>
+        <p:nvSpPr>
+          <p:cNvPr id="2" name="Slide Image Placeholder 1"/>
+          <p:cNvSpPr>
+            <a:spLocks noGrp="1" noRot="1" noChangeAspect="1"/>
+          </p:cNvSpPr>
+          <p:nvPr>
+            <p:ph type="sldImg"/>
+          </p:nvPr>
+        </p:nvSpPr>
+        <p:spPr/>
+      </p:sp>
+      <p:sp>
+        <p:nvSpPr>
+          <p:cNvPr id="3" name="Notes Placeholder 2"/>
+          <p:cNvSpPr>
+            <a:spLocks noGrp="1"/>
+          </p:cNvSpPr>
+          <p:nvPr>
+            <p:ph type="body" idx="1"/>
+          </p:nvPr>
+        </p:nvSpPr>
+        <p:spPr/>
+        <p:txBody>
+          <a:bodyPr/>
+          <a:lstStyle/>
+          <a:p>
+            <a:r>
+              <a:rPr lang="en-GB" dirty="0" err="1"/>
+              <a:t>Uwp</a:t>
+            </a:r>
+            <a:r>
+              <a:rPr lang="en-GB" dirty="0"/>
+              <a:t>/ </a:t>
+            </a:r>
+            <a:r>
+              <a:rPr lang="en-GB" dirty="0" err="1"/>
+              <a:t>wpr</a:t>
+            </a:r>
+            <a:endParaRPr lang="en-GB" dirty="0"/>
+          </a:p>
+        </p:txBody>
+      </p:sp>
+      <p:sp>
+        <p:nvSpPr>
+          <p:cNvPr id="4" name="Slide Number Placeholder 3"/>
+          <p:cNvSpPr>
+            <a:spLocks noGrp="1"/>
+          </p:cNvSpPr>
+          <p:nvPr>
+            <p:ph type="sldNum" sz="quarter" idx="5"/>
+          </p:nvPr>
+        </p:nvSpPr>
+        <p:spPr/>
+        <p:txBody>
+          <a:bodyPr/>
+          <a:lstStyle/>
+          <a:p>
+            <a:fld id="{6FDED9D1-3D70-4123-9743-495E081B676C}" type="slidenum">
+              <a:rPr lang="en-GB" smtClean="0"/>
+              <a:t>44</a:t>
+            </a:fld>
+            <a:endParaRPr lang="en-GB"/>
+          </a:p>
+        </p:txBody>
+      </p:sp>
+    </p:spTree>
+    <p:extLst>
+      <p:ext uri="{BB962C8B-B14F-4D97-AF65-F5344CB8AC3E}">
+        <p14:creationId xmlns:p14="http://schemas.microsoft.com/office/powerpoint/2010/main" val="2014227023"/>
+      </p:ext>
+    </p:extLst>
+  </p:cSld>
+  <p:clrMapOvr>
+    <a:masterClrMapping/>
+  </p:clrMapOvr>
+</p:notes>
+</file>
+
+<file path=ppt/notesSlides/notesSlide45.xml><?xml version="1.0" encoding="utf-8"?>
+<p:notes xmlns:a="http://schemas.openxmlformats.org/drawingml/2006/main" xmlns:r="http://schemas.openxmlformats.org/officeDocument/2006/relationships" xmlns:p="http://schemas.openxmlformats.org/presentationml/2006/main">
+  <p:cSld>
+    <p:spTree>
+      <p:nvGrpSpPr>
+        <p:cNvPr id="1" name=""/>
+        <p:cNvGrpSpPr/>
+        <p:nvPr/>
+      </p:nvGrpSpPr>
+      <p:grpSpPr>
+        <a:xfrm>
+          <a:off x="0" y="0"/>
+          <a:ext cx="0" cy="0"/>
+          <a:chOff x="0" y="0"/>
+          <a:chExt cx="0" cy="0"/>
+        </a:xfrm>
+      </p:grpSpPr>
+      <p:sp>
+        <p:nvSpPr>
+          <p:cNvPr id="2" name="Slide Image Placeholder 1"/>
+          <p:cNvSpPr>
+            <a:spLocks noGrp="1" noRot="1" noChangeAspect="1"/>
+          </p:cNvSpPr>
+          <p:nvPr>
+            <p:ph type="sldImg"/>
+          </p:nvPr>
+        </p:nvSpPr>
+        <p:spPr/>
+      </p:sp>
+      <p:sp>
+        <p:nvSpPr>
+          <p:cNvPr id="3" name="Notes Placeholder 2"/>
+          <p:cNvSpPr>
+            <a:spLocks noGrp="1"/>
+          </p:cNvSpPr>
+          <p:nvPr>
+            <p:ph type="body" idx="1"/>
+          </p:nvPr>
+        </p:nvSpPr>
+        <p:spPr/>
+        <p:txBody>
+          <a:bodyPr/>
+          <a:lstStyle/>
+          <a:p>
+            <a:r>
+              <a:rPr lang="en-GB" dirty="0"/>
+              <a:t>Look up fields and see values</a:t>
+            </a:r>
+          </a:p>
+        </p:txBody>
+      </p:sp>
+      <p:sp>
+        <p:nvSpPr>
+          <p:cNvPr id="4" name="Slide Number Placeholder 3"/>
+          <p:cNvSpPr>
+            <a:spLocks noGrp="1"/>
+          </p:cNvSpPr>
+          <p:nvPr>
+            <p:ph type="sldNum" sz="quarter" idx="5"/>
+          </p:nvPr>
+        </p:nvSpPr>
+        <p:spPr/>
+        <p:txBody>
+          <a:bodyPr/>
+          <a:lstStyle/>
+          <a:p>
+            <a:fld id="{6FDED9D1-3D70-4123-9743-495E081B676C}" type="slidenum">
+              <a:rPr lang="en-GB" smtClean="0"/>
+              <a:t>45</a:t>
+            </a:fld>
+            <a:endParaRPr lang="en-GB"/>
+          </a:p>
+        </p:txBody>
+      </p:sp>
+    </p:spTree>
+    <p:extLst>
+      <p:ext uri="{BB962C8B-B14F-4D97-AF65-F5344CB8AC3E}">
+        <p14:creationId xmlns:p14="http://schemas.microsoft.com/office/powerpoint/2010/main" val="2418651730"/>
+      </p:ext>
+    </p:extLst>
+  </p:cSld>
+  <p:clrMapOvr>
+    <a:masterClrMapping/>
+  </p:clrMapOvr>
+</p:notes>
+</file>
+
+<file path=ppt/notesSlides/notesSlide46.xml><?xml version="1.0" encoding="utf-8"?>
+<p:notes xmlns:a="http://schemas.openxmlformats.org/drawingml/2006/main" xmlns:r="http://schemas.openxmlformats.org/officeDocument/2006/relationships" xmlns:p="http://schemas.openxmlformats.org/presentationml/2006/main">
+  <p:cSld>
+    <p:spTree>
+      <p:nvGrpSpPr>
+        <p:cNvPr id="1" name=""/>
+        <p:cNvGrpSpPr/>
+        <p:nvPr/>
+      </p:nvGrpSpPr>
+      <p:grpSpPr>
+        <a:xfrm>
+          <a:off x="0" y="0"/>
+          <a:ext cx="0" cy="0"/>
+          <a:chOff x="0" y="0"/>
+          <a:chExt cx="0" cy="0"/>
+        </a:xfrm>
+      </p:grpSpPr>
+      <p:sp>
+        <p:nvSpPr>
+          <p:cNvPr id="2" name="Slide Image Placeholder 1"/>
+          <p:cNvSpPr>
+            <a:spLocks noGrp="1" noRot="1" noChangeAspect="1"/>
+          </p:cNvSpPr>
+          <p:nvPr>
+            <p:ph type="sldImg"/>
+          </p:nvPr>
+        </p:nvSpPr>
+        <p:spPr/>
+      </p:sp>
+      <p:sp>
+        <p:nvSpPr>
+          <p:cNvPr id="3" name="Notes Placeholder 2"/>
+          <p:cNvSpPr>
+            <a:spLocks noGrp="1"/>
+          </p:cNvSpPr>
+          <p:nvPr>
+            <p:ph type="body" idx="1"/>
+          </p:nvPr>
+        </p:nvSpPr>
+        <p:spPr/>
+        <p:txBody>
+          <a:bodyPr/>
+          <a:lstStyle/>
+          <a:p>
+            <a:r>
+              <a:rPr lang="en-GB" dirty="0"/>
+              <a:t>Open by visual studio</a:t>
+            </a:r>
+          </a:p>
+        </p:txBody>
+      </p:sp>
+      <p:sp>
+        <p:nvSpPr>
+          <p:cNvPr id="4" name="Slide Number Placeholder 3"/>
+          <p:cNvSpPr>
+            <a:spLocks noGrp="1"/>
+          </p:cNvSpPr>
+          <p:nvPr>
+            <p:ph type="sldNum" sz="quarter" idx="5"/>
+          </p:nvPr>
+        </p:nvSpPr>
+        <p:spPr/>
+        <p:txBody>
+          <a:bodyPr/>
+          <a:lstStyle/>
+          <a:p>
+            <a:fld id="{6FDED9D1-3D70-4123-9743-495E081B676C}" type="slidenum">
+              <a:rPr lang="en-GB" smtClean="0"/>
+              <a:t>46</a:t>
+            </a:fld>
+            <a:endParaRPr lang="en-GB"/>
+          </a:p>
+        </p:txBody>
+      </p:sp>
+    </p:spTree>
+    <p:extLst>
+      <p:ext uri="{BB962C8B-B14F-4D97-AF65-F5344CB8AC3E}">
+        <p14:creationId xmlns:p14="http://schemas.microsoft.com/office/powerpoint/2010/main" val="273220136"/>
+      </p:ext>
+    </p:extLst>
+  </p:cSld>
+  <p:clrMapOvr>
+    <a:masterClrMapping/>
+  </p:clrMapOvr>
+</p:notes>
+</file>
+
+<file path=ppt/notesSlides/notesSlide47.xml><?xml version="1.0" encoding="utf-8"?>
+<p:notes xmlns:a="http://schemas.openxmlformats.org/drawingml/2006/main" xmlns:r="http://schemas.openxmlformats.org/officeDocument/2006/relationships" xmlns:p="http://schemas.openxmlformats.org/presentationml/2006/main">
+  <p:cSld>
+    <p:spTree>
+      <p:nvGrpSpPr>
+        <p:cNvPr id="1" name=""/>
+        <p:cNvGrpSpPr/>
+        <p:nvPr/>
+      </p:nvGrpSpPr>
+      <p:grpSpPr>
+        <a:xfrm>
+          <a:off x="0" y="0"/>
+          <a:ext cx="0" cy="0"/>
+          <a:chOff x="0" y="0"/>
+          <a:chExt cx="0" cy="0"/>
+        </a:xfrm>
+      </p:grpSpPr>
+      <p:sp>
+        <p:nvSpPr>
+          <p:cNvPr id="2" name="Slide Image Placeholder 1"/>
+          <p:cNvSpPr>
+            <a:spLocks noGrp="1" noRot="1" noChangeAspect="1"/>
+          </p:cNvSpPr>
+          <p:nvPr>
+            <p:ph type="sldImg"/>
+          </p:nvPr>
+        </p:nvSpPr>
+        <p:spPr/>
+      </p:sp>
+      <p:sp>
+        <p:nvSpPr>
+          <p:cNvPr id="3" name="Notes Placeholder 2"/>
+          <p:cNvSpPr>
+            <a:spLocks noGrp="1"/>
+          </p:cNvSpPr>
+          <p:nvPr>
+            <p:ph type="body" idx="1"/>
+          </p:nvPr>
+        </p:nvSpPr>
+        <p:spPr/>
+        <p:txBody>
+          <a:bodyPr/>
+          <a:lstStyle/>
+          <a:p>
+            <a:r>
+              <a:rPr lang="en-GB" dirty="0"/>
+              <a:t>This is what you get dump was taken whilst on the </a:t>
+            </a:r>
+            <a:r>
+              <a:rPr lang="en-GB" dirty="0" err="1"/>
+              <a:t>readline</a:t>
+            </a:r>
+            <a:endParaRPr lang="en-GB" dirty="0"/>
+          </a:p>
+        </p:txBody>
+      </p:sp>
+      <p:sp>
+        <p:nvSpPr>
+          <p:cNvPr id="4" name="Slide Number Placeholder 3"/>
+          <p:cNvSpPr>
+            <a:spLocks noGrp="1"/>
+          </p:cNvSpPr>
+          <p:nvPr>
+            <p:ph type="sldNum" sz="quarter" idx="5"/>
+          </p:nvPr>
+        </p:nvSpPr>
+        <p:spPr/>
+        <p:txBody>
+          <a:bodyPr/>
+          <a:lstStyle/>
+          <a:p>
+            <a:fld id="{6FDED9D1-3D70-4123-9743-495E081B676C}" type="slidenum">
+              <a:rPr lang="en-GB" smtClean="0"/>
+              <a:t>47</a:t>
+            </a:fld>
+            <a:endParaRPr lang="en-GB"/>
+          </a:p>
+        </p:txBody>
+      </p:sp>
+    </p:spTree>
+    <p:extLst>
+      <p:ext uri="{BB962C8B-B14F-4D97-AF65-F5344CB8AC3E}">
+        <p14:creationId xmlns:p14="http://schemas.microsoft.com/office/powerpoint/2010/main" val="1646806951"/>
+      </p:ext>
+    </p:extLst>
+  </p:cSld>
+  <p:clrMapOvr>
+    <a:masterClrMapping/>
+  </p:clrMapOvr>
+</p:notes>
+</file>
+
+<file path=ppt/notesSlides/notesSlide48.xml><?xml version="1.0" encoding="utf-8"?>
+<p:notes xmlns:a="http://schemas.openxmlformats.org/drawingml/2006/main" xmlns:r="http://schemas.openxmlformats.org/officeDocument/2006/relationships" xmlns:p="http://schemas.openxmlformats.org/presentationml/2006/main">
+  <p:cSld>
+    <p:spTree>
+      <p:nvGrpSpPr>
+        <p:cNvPr id="1" name=""/>
+        <p:cNvGrpSpPr/>
+        <p:nvPr/>
+      </p:nvGrpSpPr>
+      <p:grpSpPr>
+        <a:xfrm>
+          <a:off x="0" y="0"/>
+          <a:ext cx="0" cy="0"/>
+          <a:chOff x="0" y="0"/>
+          <a:chExt cx="0" cy="0"/>
+        </a:xfrm>
+      </p:grpSpPr>
+      <p:sp>
+        <p:nvSpPr>
+          <p:cNvPr id="2" name="Slide Image Placeholder 1"/>
+          <p:cNvSpPr>
+            <a:spLocks noGrp="1" noRot="1" noChangeAspect="1"/>
+          </p:cNvSpPr>
+          <p:nvPr>
+            <p:ph type="sldImg"/>
+          </p:nvPr>
+        </p:nvSpPr>
+        <p:spPr/>
+      </p:sp>
+      <p:sp>
+        <p:nvSpPr>
+          <p:cNvPr id="3" name="Notes Placeholder 2"/>
+          <p:cNvSpPr>
+            <a:spLocks noGrp="1"/>
+          </p:cNvSpPr>
+          <p:nvPr>
+            <p:ph type="body" idx="1"/>
+          </p:nvPr>
+        </p:nvSpPr>
+        <p:spPr/>
+        <p:txBody>
+          <a:bodyPr/>
+          <a:lstStyle/>
+          <a:p>
+            <a:r>
+              <a:rPr lang="en-GB" dirty="0"/>
+              <a:t>Fundamental to much or debugging especially remote/ dumps</a:t>
+            </a:r>
+          </a:p>
+        </p:txBody>
+      </p:sp>
+      <p:sp>
+        <p:nvSpPr>
+          <p:cNvPr id="4" name="Slide Number Placeholder 3"/>
+          <p:cNvSpPr>
+            <a:spLocks noGrp="1"/>
+          </p:cNvSpPr>
+          <p:nvPr>
+            <p:ph type="sldNum" sz="quarter" idx="5"/>
+          </p:nvPr>
+        </p:nvSpPr>
+        <p:spPr/>
+        <p:txBody>
+          <a:bodyPr/>
+          <a:lstStyle/>
+          <a:p>
+            <a:fld id="{6FDED9D1-3D70-4123-9743-495E081B676C}" type="slidenum">
+              <a:rPr lang="en-GB" smtClean="0"/>
+              <a:t>48</a:t>
+            </a:fld>
+            <a:endParaRPr lang="en-GB"/>
+          </a:p>
+        </p:txBody>
+      </p:sp>
+    </p:spTree>
+    <p:extLst>
+      <p:ext uri="{BB962C8B-B14F-4D97-AF65-F5344CB8AC3E}">
+        <p14:creationId xmlns:p14="http://schemas.microsoft.com/office/powerpoint/2010/main" val="3311641226"/>
+      </p:ext>
+    </p:extLst>
+  </p:cSld>
+  <p:clrMapOvr>
+    <a:masterClrMapping/>
+  </p:clrMapOvr>
+</p:notes>
+</file>
+
+<file path=ppt/notesSlides/notesSlide49.xml><?xml version="1.0" encoding="utf-8"?>
+<p:notes xmlns:a="http://schemas.openxmlformats.org/drawingml/2006/main" xmlns:r="http://schemas.openxmlformats.org/officeDocument/2006/relationships" xmlns:p="http://schemas.openxmlformats.org/presentationml/2006/main">
+  <p:cSld>
+    <p:spTree>
+      <p:nvGrpSpPr>
+        <p:cNvPr id="1" name=""/>
+        <p:cNvGrpSpPr/>
+        <p:nvPr/>
+      </p:nvGrpSpPr>
+      <p:grpSpPr>
+        <a:xfrm>
+          <a:off x="0" y="0"/>
+          <a:ext cx="0" cy="0"/>
+          <a:chOff x="0" y="0"/>
+          <a:chExt cx="0" cy="0"/>
+        </a:xfrm>
+      </p:grpSpPr>
+      <p:sp>
+        <p:nvSpPr>
+          <p:cNvPr id="2" name="Slide Image Placeholder 1"/>
+          <p:cNvSpPr>
+            <a:spLocks noGrp="1" noRot="1" noChangeAspect="1"/>
+          </p:cNvSpPr>
+          <p:nvPr>
+            <p:ph type="sldImg"/>
+          </p:nvPr>
+        </p:nvSpPr>
+        <p:spPr/>
+      </p:sp>
+      <p:sp>
+        <p:nvSpPr>
+          <p:cNvPr id="3" name="Notes Placeholder 2"/>
+          <p:cNvSpPr>
+            <a:spLocks noGrp="1"/>
+          </p:cNvSpPr>
+          <p:nvPr>
+            <p:ph type="body" idx="1"/>
+          </p:nvPr>
+        </p:nvSpPr>
+        <p:spPr/>
+        <p:txBody>
+          <a:bodyPr/>
+          <a:lstStyle/>
+          <a:p>
+            <a:r>
+              <a:rPr lang="en-GB" dirty="0"/>
+              <a:t>Many browsers at one time </a:t>
+            </a:r>
+          </a:p>
+          <a:p>
+            <a:r>
+              <a:rPr lang="en-GB" dirty="0"/>
+              <a:t>Web essentials add in</a:t>
+            </a:r>
+          </a:p>
+          <a:p>
+            <a:endParaRPr lang="en-GB" dirty="0"/>
+          </a:p>
+          <a:p>
+            <a:r>
+              <a:rPr lang="en-GB" dirty="0"/>
+              <a:t>Link </a:t>
+            </a:r>
+            <a:r>
+              <a:rPr lang="en-GB" dirty="0" err="1"/>
+              <a:t>css</a:t>
+            </a:r>
+            <a:r>
+              <a:rPr lang="en-GB" dirty="0"/>
+              <a:t>/html to code in visual </a:t>
+            </a:r>
+            <a:r>
+              <a:rPr lang="en-GB" dirty="0" err="1"/>
+              <a:t>stdio</a:t>
+            </a:r>
+            <a:endParaRPr lang="en-GB" dirty="0"/>
+          </a:p>
+        </p:txBody>
+      </p:sp>
+      <p:sp>
+        <p:nvSpPr>
+          <p:cNvPr id="4" name="Slide Number Placeholder 3"/>
+          <p:cNvSpPr>
+            <a:spLocks noGrp="1"/>
+          </p:cNvSpPr>
+          <p:nvPr>
+            <p:ph type="sldNum" sz="quarter" idx="5"/>
+          </p:nvPr>
+        </p:nvSpPr>
+        <p:spPr/>
+        <p:txBody>
+          <a:bodyPr/>
+          <a:lstStyle/>
+          <a:p>
+            <a:fld id="{6FDED9D1-3D70-4123-9743-495E081B676C}" type="slidenum">
+              <a:rPr lang="en-GB" smtClean="0"/>
+              <a:t>49</a:t>
+            </a:fld>
+            <a:endParaRPr lang="en-GB"/>
+          </a:p>
+        </p:txBody>
+      </p:sp>
+    </p:spTree>
+    <p:extLst>
+      <p:ext uri="{BB962C8B-B14F-4D97-AF65-F5344CB8AC3E}">
+        <p14:creationId xmlns:p14="http://schemas.microsoft.com/office/powerpoint/2010/main" val="3553099896"/>
       </p:ext>
     </p:extLst>
   </p:cSld>
@@ -1211,7 +4845,57 @@
           <a:p>
             <a:r>
               <a:rPr lang="en-GB" dirty="0"/>
-              <a:t>Own </a:t>
+              <a:t>Where</a:t>
+            </a:r>
+          </a:p>
+          <a:p>
+            <a:r>
+              <a:rPr lang="en-GB" dirty="0"/>
+              <a:t>Just My Code –</a:t>
+            </a:r>
+            <a:r>
+              <a:rPr lang="en-GB" dirty="0" err="1"/>
+              <a:t>dbg</a:t>
+            </a:r>
+            <a:r>
+              <a:rPr lang="en-GB" dirty="0"/>
+              <a:t>, </a:t>
+            </a:r>
+            <a:r>
+              <a:rPr lang="en-GB" dirty="0" err="1"/>
+              <a:t>pdb</a:t>
+            </a:r>
+            <a:r>
+              <a:rPr lang="en-GB" dirty="0"/>
+              <a:t> optimisation</a:t>
+            </a:r>
+          </a:p>
+          <a:p>
+            <a:r>
+              <a:rPr lang="en-GB" dirty="0"/>
+              <a:t>Same for </a:t>
+            </a:r>
+            <a:r>
+              <a:rPr lang="en-GB" dirty="0" err="1"/>
+              <a:t>Javascript</a:t>
+            </a:r>
+            <a:r>
+              <a:rPr lang="en-GB" dirty="0"/>
+              <a:t> and </a:t>
+            </a:r>
+            <a:r>
+              <a:rPr lang="en-GB" dirty="0" err="1"/>
+              <a:t>jquery</a:t>
+            </a:r>
+            <a:r>
+              <a:rPr lang="en-GB" dirty="0"/>
+              <a:t> 2013</a:t>
+            </a:r>
+          </a:p>
+          <a:p>
+            <a:r>
+              <a:rPr lang="en-GB" dirty="0"/>
+              <a:t>Link at end</a:t>
             </a:r>
           </a:p>
         </p:txBody>
@@ -1233,7 +4917,7 @@
           <a:p>
             <a:fld id="{6FDED9D1-3D70-4123-9743-495E081B676C}" type="slidenum">
               <a:rPr lang="en-GB" smtClean="0"/>
-              <a:t>19</a:t>
+              <a:t>5</a:t>
             </a:fld>
             <a:endParaRPr lang="en-GB"/>
           </a:p>
@@ -1242,7 +4926,7 @@
     </p:spTree>
     <p:extLst>
       <p:ext uri="{BB962C8B-B14F-4D97-AF65-F5344CB8AC3E}">
-        <p14:creationId xmlns:p14="http://schemas.microsoft.com/office/powerpoint/2010/main" val="1425307451"/>
+        <p14:creationId xmlns:p14="http://schemas.microsoft.com/office/powerpoint/2010/main" val="1062209767"/>
       </p:ext>
     </p:extLst>
   </p:cSld>
@@ -1298,15 +4982,13 @@
           <a:p>
             <a:r>
               <a:rPr lang="en-GB" dirty="0"/>
-              <a:t>Putting muse over the variable and clicking the pin, the double chevron pointing down allows you to put a comment in. </a:t>
-            </a:r>
-            <a:r>
-              <a:rPr lang="en-GB" dirty="0" err="1"/>
-              <a:t>Datatips</a:t>
-            </a:r>
-            <a:r>
-              <a:rPr lang="en-GB" dirty="0"/>
-              <a:t> can be exported under debug menu – someone else is to debug.</a:t>
+              <a:t>Debug&gt;windows&gt;exception setting</a:t>
+            </a:r>
+          </a:p>
+          <a:p>
+            <a:r>
+              <a:rPr lang="en-GB" dirty="0"/>
+              <a:t>What happens when exception hit</a:t>
             </a:r>
           </a:p>
         </p:txBody>
@@ -1328,7 +5010,7 @@
           <a:p>
             <a:fld id="{6FDED9D1-3D70-4123-9743-495E081B676C}" type="slidenum">
               <a:rPr lang="en-GB" smtClean="0"/>
-              <a:t>20</a:t>
+              <a:t>6</a:t>
             </a:fld>
             <a:endParaRPr lang="en-GB"/>
           </a:p>
@@ -1337,7 +5019,7 @@
     </p:spTree>
     <p:extLst>
       <p:ext uri="{BB962C8B-B14F-4D97-AF65-F5344CB8AC3E}">
-        <p14:creationId xmlns:p14="http://schemas.microsoft.com/office/powerpoint/2010/main" val="2443119822"/>
+        <p14:creationId xmlns:p14="http://schemas.microsoft.com/office/powerpoint/2010/main" val="250196053"/>
       </p:ext>
     </p:extLst>
   </p:cSld>
@@ -1393,7 +5075,27 @@
           <a:p>
             <a:r>
               <a:rPr lang="en-GB" dirty="0"/>
-              <a:t>The call shows where you are and the calling methods. You can show differing information as shown – parameter type, name and value and the line number that you are at. Breakpoints can be set in the call stack.</a:t>
+              <a:t>Ability to </a:t>
+            </a:r>
+            <a:r>
+              <a:rPr lang="en-GB" dirty="0" err="1"/>
+              <a:t>seach</a:t>
+            </a:r>
+            <a:r>
+              <a:rPr lang="en-GB" dirty="0"/>
+              <a:t> – divide</a:t>
+            </a:r>
+          </a:p>
+          <a:p>
+            <a:r>
+              <a:rPr lang="en-GB" dirty="0"/>
+              <a:t>Set conditions</a:t>
+            </a:r>
+          </a:p>
+          <a:p>
+            <a:r>
+              <a:rPr lang="en-GB" dirty="0"/>
+              <a:t>Doubles not divide zero</a:t>
             </a:r>
           </a:p>
         </p:txBody>
@@ -1415,7 +5117,7 @@
           <a:p>
             <a:fld id="{6FDED9D1-3D70-4123-9743-495E081B676C}" type="slidenum">
               <a:rPr lang="en-GB" smtClean="0"/>
-              <a:t>21</a:t>
+              <a:t>7</a:t>
             </a:fld>
             <a:endParaRPr lang="en-GB"/>
           </a:p>
@@ -1424,7 +5126,7 @@
     </p:spTree>
     <p:extLst>
       <p:ext uri="{BB962C8B-B14F-4D97-AF65-F5344CB8AC3E}">
-        <p14:creationId xmlns:p14="http://schemas.microsoft.com/office/powerpoint/2010/main" val="306845491"/>
+        <p14:creationId xmlns:p14="http://schemas.microsoft.com/office/powerpoint/2010/main" val="207056705"/>
       </p:ext>
     </p:extLst>
   </p:cSld>
@@ -1480,7 +5182,7 @@
           <a:p>
             <a:r>
               <a:rPr lang="en-GB" dirty="0"/>
-              <a:t>It isn’t necessary to watch everything the Locals – show the values of within the current scope, this will coincide with the focus of the call stack. The autos window shows the values around the current breakpoint., also coinciding with the call stack. Return values are also shown and </a:t>
+              <a:t>3 kinds</a:t>
             </a:r>
           </a:p>
         </p:txBody>
@@ -1502,7 +5204,7 @@
           <a:p>
             <a:fld id="{6FDED9D1-3D70-4123-9743-495E081B676C}" type="slidenum">
               <a:rPr lang="en-GB" smtClean="0"/>
-              <a:t>22</a:t>
+              <a:t>8</a:t>
             </a:fld>
             <a:endParaRPr lang="en-GB"/>
           </a:p>
@@ -1511,7 +5213,7 @@
     </p:spTree>
     <p:extLst>
       <p:ext uri="{BB962C8B-B14F-4D97-AF65-F5344CB8AC3E}">
-        <p14:creationId xmlns:p14="http://schemas.microsoft.com/office/powerpoint/2010/main" val="3860788685"/>
+        <p14:creationId xmlns:p14="http://schemas.microsoft.com/office/powerpoint/2010/main" val="1229802125"/>
       </p:ext>
     </p:extLst>
   </p:cSld>
@@ -1567,7 +5269,7 @@
           <a:p>
             <a:r>
               <a:rPr lang="en-GB" dirty="0"/>
-              <a:t>Allows to keep track of variables and methods.</a:t>
+              <a:t>List is not helpful</a:t>
             </a:r>
           </a:p>
         </p:txBody>
@@ -1589,7 +5291,7 @@
           <a:p>
             <a:fld id="{6FDED9D1-3D70-4123-9743-495E081B676C}" type="slidenum">
               <a:rPr lang="en-GB" smtClean="0"/>
-              <a:t>23</a:t>
+              <a:t>9</a:t>
             </a:fld>
             <a:endParaRPr lang="en-GB"/>
           </a:p>
@@ -1598,7 +5300,7 @@
     </p:spTree>
     <p:extLst>
       <p:ext uri="{BB962C8B-B14F-4D97-AF65-F5344CB8AC3E}">
-        <p14:creationId xmlns:p14="http://schemas.microsoft.com/office/powerpoint/2010/main" val="1723455707"/>
+        <p14:creationId xmlns:p14="http://schemas.microsoft.com/office/powerpoint/2010/main" val="114881420"/>
       </p:ext>
     </p:extLst>
   </p:cSld>
@@ -1778,7 +5480,7 @@
           <a:p>
             <a:fld id="{48A87A34-81AB-432B-8DAE-1953F412C126}" type="datetimeFigureOut">
               <a:rPr lang="en-US" dirty="0"/>
-              <a:t>11/27/2018</a:t>
+              <a:t>12/28/2018</a:t>
             </a:fld>
             <a:endParaRPr lang="en-US" dirty="0"/>
           </a:p>
@@ -2040,7 +5742,7 @@
           <a:p>
             <a:fld id="{48A87A34-81AB-432B-8DAE-1953F412C126}" type="datetimeFigureOut">
               <a:rPr lang="en-US" dirty="0"/>
-              <a:t>11/27/2018</a:t>
+              <a:t>12/28/2018</a:t>
             </a:fld>
             <a:endParaRPr lang="en-US" dirty="0"/>
           </a:p>
@@ -2267,7 +5969,7 @@
             <a:fld id="{48A87A34-81AB-432B-8DAE-1953F412C126}" type="datetimeFigureOut">
               <a:rPr lang="en-US" dirty="0"/>
               <a:pPr/>
-              <a:t>11/27/2018</a:t>
+              <a:t>12/28/2018</a:t>
             </a:fld>
             <a:endParaRPr lang="en-US" dirty="0"/>
           </a:p>
@@ -2573,7 +6275,7 @@
             <a:fld id="{48A87A34-81AB-432B-8DAE-1953F412C126}" type="datetimeFigureOut">
               <a:rPr lang="en-US" dirty="0"/>
               <a:pPr/>
-              <a:t>11/27/2018</a:t>
+              <a:t>12/28/2018</a:t>
             </a:fld>
             <a:endParaRPr lang="en-US" dirty="0"/>
           </a:p>
@@ -3042,7 +6744,7 @@
             <a:fld id="{48A87A34-81AB-432B-8DAE-1953F412C126}" type="datetimeFigureOut">
               <a:rPr lang="en-US" dirty="0"/>
               <a:pPr/>
-              <a:t>11/27/2018</a:t>
+              <a:t>12/28/2018</a:t>
             </a:fld>
             <a:endParaRPr lang="en-US" dirty="0"/>
           </a:p>
@@ -3584,7 +7286,7 @@
           <a:p>
             <a:fld id="{48A87A34-81AB-432B-8DAE-1953F412C126}" type="datetimeFigureOut">
               <a:rPr lang="en-US" dirty="0"/>
-              <a:t>11/27/2018</a:t>
+              <a:t>12/28/2018</a:t>
             </a:fld>
             <a:endParaRPr lang="en-US" dirty="0"/>
           </a:p>
@@ -4353,7 +8055,7 @@
           <a:p>
             <a:fld id="{48A87A34-81AB-432B-8DAE-1953F412C126}" type="datetimeFigureOut">
               <a:rPr lang="en-US" dirty="0"/>
-              <a:t>11/27/2018</a:t>
+              <a:t>12/28/2018</a:t>
             </a:fld>
             <a:endParaRPr lang="en-US" dirty="0"/>
           </a:p>
@@ -4523,7 +8225,7 @@
           <a:p>
             <a:fld id="{48A87A34-81AB-432B-8DAE-1953F412C126}" type="datetimeFigureOut">
               <a:rPr lang="en-US" dirty="0"/>
-              <a:t>11/27/2018</a:t>
+              <a:t>12/28/2018</a:t>
             </a:fld>
             <a:endParaRPr lang="en-US" dirty="0"/>
           </a:p>
@@ -4742,7 +8444,7 @@
             <a:fld id="{48A87A34-81AB-432B-8DAE-1953F412C126}" type="datetimeFigureOut">
               <a:rPr lang="en-US" dirty="0"/>
               <a:pPr/>
-              <a:t>11/27/2018</a:t>
+              <a:t>12/28/2018</a:t>
             </a:fld>
             <a:endParaRPr lang="en-US" dirty="0"/>
           </a:p>
@@ -4917,7 +8619,7 @@
           <a:p>
             <a:fld id="{48A87A34-81AB-432B-8DAE-1953F412C126}" type="datetimeFigureOut">
               <a:rPr lang="en-US" dirty="0"/>
-              <a:t>11/27/2018</a:t>
+              <a:t>12/28/2018</a:t>
             </a:fld>
             <a:endParaRPr lang="en-US" dirty="0"/>
           </a:p>
@@ -5202,7 +8904,7 @@
             <a:fld id="{48A87A34-81AB-432B-8DAE-1953F412C126}" type="datetimeFigureOut">
               <a:rPr lang="en-US" dirty="0"/>
               <a:pPr/>
-              <a:t>11/27/2018</a:t>
+              <a:t>12/28/2018</a:t>
             </a:fld>
             <a:endParaRPr lang="en-US" dirty="0"/>
           </a:p>
@@ -5439,7 +9141,7 @@
           <a:p>
             <a:fld id="{48A87A34-81AB-432B-8DAE-1953F412C126}" type="datetimeFigureOut">
               <a:rPr lang="en-US" dirty="0"/>
-              <a:t>11/27/2018</a:t>
+              <a:t>12/28/2018</a:t>
             </a:fld>
             <a:endParaRPr lang="en-US" dirty="0"/>
           </a:p>
@@ -5813,7 +9515,7 @@
           <a:p>
             <a:fld id="{48A87A34-81AB-432B-8DAE-1953F412C126}" type="datetimeFigureOut">
               <a:rPr lang="en-US" dirty="0"/>
-              <a:t>11/27/2018</a:t>
+              <a:t>12/28/2018</a:t>
             </a:fld>
             <a:endParaRPr lang="en-US" dirty="0"/>
           </a:p>
@@ -5926,7 +9628,7 @@
           <a:p>
             <a:fld id="{48A87A34-81AB-432B-8DAE-1953F412C126}" type="datetimeFigureOut">
               <a:rPr lang="en-US" dirty="0"/>
-              <a:t>11/27/2018</a:t>
+              <a:t>12/28/2018</a:t>
             </a:fld>
             <a:endParaRPr lang="en-US" dirty="0"/>
           </a:p>
@@ -6016,7 +9718,7 @@
           <a:p>
             <a:fld id="{48A87A34-81AB-432B-8DAE-1953F412C126}" type="datetimeFigureOut">
               <a:rPr lang="en-US" dirty="0"/>
-              <a:t>11/27/2018</a:t>
+              <a:t>12/28/2018</a:t>
             </a:fld>
             <a:endParaRPr lang="en-US" dirty="0"/>
           </a:p>
@@ -6260,7 +9962,7 @@
           <a:p>
             <a:fld id="{48A87A34-81AB-432B-8DAE-1953F412C126}" type="datetimeFigureOut">
               <a:rPr lang="en-US" dirty="0"/>
-              <a:t>11/27/2018</a:t>
+              <a:t>12/28/2018</a:t>
             </a:fld>
             <a:endParaRPr lang="en-US" dirty="0"/>
           </a:p>
@@ -6512,7 +10214,7 @@
           <a:p>
             <a:fld id="{48A87A34-81AB-432B-8DAE-1953F412C126}" type="datetimeFigureOut">
               <a:rPr lang="en-US" dirty="0"/>
-              <a:t>11/27/2018</a:t>
+              <a:t>12/28/2018</a:t>
             </a:fld>
             <a:endParaRPr lang="en-US" dirty="0"/>
           </a:p>
@@ -6751,7 +10453,7 @@
             <a:fld id="{48A87A34-81AB-432B-8DAE-1953F412C126}" type="datetimeFigureOut">
               <a:rPr lang="en-US" dirty="0"/>
               <a:pPr/>
-              <a:t>11/27/2018</a:t>
+              <a:t>12/28/2018</a:t>
             </a:fld>
             <a:endParaRPr lang="en-US" dirty="0"/>
           </a:p>
@@ -7249,7 +10951,7 @@
           <p:cNvPr id="2" name="Title 1">
             <a:extLst>
               <a:ext uri="{FF2B5EF4-FFF2-40B4-BE49-F238E27FC236}">
-                <a16:creationId xmlns:a16="http://schemas.microsoft.com/office/drawing/2014/main" id="{1A9E5587-930B-4D12-AF04-93B5365EE5A0}"/>
+                <a16:creationId xmlns:a16="http://schemas.microsoft.com/office/drawing/2014/main" id="{9BA1DE38-4D2F-43E5-90DB-AEC87DF56D8E}"/>
               </a:ext>
             </a:extLst>
           </p:cNvPr>
@@ -7267,51 +10969,21 @@
           <a:p>
             <a:r>
               <a:rPr lang="en-GB" dirty="0" err="1"/>
-              <a:t>DebuggerDisplay</a:t>
+              <a:t>debuggerdisplay</a:t>
             </a:r>
             <a:endParaRPr lang="en-GB" dirty="0"/>
           </a:p>
         </p:txBody>
       </p:sp>
-      <p:pic>
-        <p:nvPicPr>
-          <p:cNvPr id="3" name="Picture 2">
+      <p:sp>
+        <p:nvSpPr>
+          <p:cNvPr id="3" name="Content Placeholder 2">
             <a:extLst>
               <a:ext uri="{FF2B5EF4-FFF2-40B4-BE49-F238E27FC236}">
-                <a16:creationId xmlns:a16="http://schemas.microsoft.com/office/drawing/2014/main" id="{3F32B2D2-CF53-4275-83C6-2C8E3E4E8CE7}"/>
+                <a16:creationId xmlns:a16="http://schemas.microsoft.com/office/drawing/2014/main" id="{E59AC3BA-CFE0-4A8E-ACC8-26CCFBAC9A58}"/>
               </a:ext>
             </a:extLst>
           </p:cNvPr>
-          <p:cNvPicPr>
-            <a:picLocks noChangeAspect="1"/>
-          </p:cNvPicPr>
-          <p:nvPr/>
-        </p:nvPicPr>
-        <p:blipFill>
-          <a:blip r:embed="rId2"/>
-          <a:stretch>
-            <a:fillRect/>
-          </a:stretch>
-        </p:blipFill>
-        <p:spPr>
-          <a:xfrm>
-            <a:off x="157162" y="2338387"/>
-            <a:ext cx="11877675" cy="2181225"/>
-          </a:xfrm>
-          <a:prstGeom prst="rect">
-            <a:avLst/>
-          </a:prstGeom>
-        </p:spPr>
-      </p:pic>
-      <p:sp>
-        <p:nvSpPr>
-          <p:cNvPr id="5" name="Content Placeholder 4">
-            <a:extLst>
-              <a:ext uri="{FF2B5EF4-FFF2-40B4-BE49-F238E27FC236}">
-                <a16:creationId xmlns:a16="http://schemas.microsoft.com/office/drawing/2014/main" id="{06F36574-1391-4549-BC06-40AE98811409}"/>
-              </a:ext>
-            </a:extLst>
-          </p:cNvPr>
           <p:cNvSpPr>
             <a:spLocks noGrp="1"/>
           </p:cNvSpPr>
@@ -7324,14 +10996,55 @@
           <a:bodyPr/>
           <a:lstStyle/>
           <a:p>
-            <a:endParaRPr lang="en-GB" dirty="0"/>
+            <a:r>
+              <a:rPr lang="en-GB" dirty="0"/>
+              <a:t> [</a:t>
+            </a:r>
+            <a:r>
+              <a:rPr lang="en-GB" dirty="0" err="1"/>
+              <a:t>DebuggerDisplay</a:t>
+            </a:r>
+            <a:r>
+              <a:rPr lang="en-GB" dirty="0"/>
+              <a:t>("Name =  {Name}")]</a:t>
+            </a:r>
+          </a:p>
+          <a:p>
+            <a:r>
+              <a:rPr lang="en-GB" dirty="0"/>
+              <a:t>    public class Person</a:t>
+            </a:r>
+          </a:p>
+          <a:p>
+            <a:r>
+              <a:rPr lang="en-GB" dirty="0"/>
+              <a:t>    {</a:t>
+            </a:r>
+          </a:p>
+          <a:p>
+            <a:r>
+              <a:rPr lang="en-GB" dirty="0"/>
+              <a:t>        public string Name { get; set; }</a:t>
+            </a:r>
+          </a:p>
+          <a:p>
+            <a:r>
+              <a:rPr lang="en-GB" dirty="0"/>
+              <a:t>        public int Age { get; set; }</a:t>
+            </a:r>
+          </a:p>
+          <a:p>
+            <a:r>
+              <a:rPr lang="en-GB" dirty="0"/>
+              <a:t>    }</a:t>
+            </a:r>
           </a:p>
         </p:txBody>
       </p:sp>
     </p:spTree>
     <p:extLst>
       <p:ext uri="{BB962C8B-B14F-4D97-AF65-F5344CB8AC3E}">
-        <p14:creationId xmlns:p14="http://schemas.microsoft.com/office/powerpoint/2010/main" val="3807669585"/>
+        <p14:creationId xmlns:p14="http://schemas.microsoft.com/office/powerpoint/2010/main" val="1254375344"/>
       </p:ext>
     </p:extLst>
   </p:cSld>
@@ -7363,131 +11076,6 @@
           <p:cNvPr id="2" name="Title 1">
             <a:extLst>
               <a:ext uri="{FF2B5EF4-FFF2-40B4-BE49-F238E27FC236}">
-                <a16:creationId xmlns:a16="http://schemas.microsoft.com/office/drawing/2014/main" id="{9BA1DE38-4D2F-43E5-90DB-AEC87DF56D8E}"/>
-              </a:ext>
-            </a:extLst>
-          </p:cNvPr>
-          <p:cNvSpPr>
-            <a:spLocks noGrp="1"/>
-          </p:cNvSpPr>
-          <p:nvPr>
-            <p:ph type="title"/>
-          </p:nvPr>
-        </p:nvSpPr>
-        <p:spPr/>
-        <p:txBody>
-          <a:bodyPr/>
-          <a:lstStyle/>
-          <a:p>
-            <a:r>
-              <a:rPr lang="en-GB" dirty="0" err="1"/>
-              <a:t>debuggerdisplay</a:t>
-            </a:r>
-            <a:endParaRPr lang="en-GB" dirty="0"/>
-          </a:p>
-        </p:txBody>
-      </p:sp>
-      <p:sp>
-        <p:nvSpPr>
-          <p:cNvPr id="3" name="Content Placeholder 2">
-            <a:extLst>
-              <a:ext uri="{FF2B5EF4-FFF2-40B4-BE49-F238E27FC236}">
-                <a16:creationId xmlns:a16="http://schemas.microsoft.com/office/drawing/2014/main" id="{E59AC3BA-CFE0-4A8E-ACC8-26CCFBAC9A58}"/>
-              </a:ext>
-            </a:extLst>
-          </p:cNvPr>
-          <p:cNvSpPr>
-            <a:spLocks noGrp="1"/>
-          </p:cNvSpPr>
-          <p:nvPr>
-            <p:ph idx="1"/>
-          </p:nvPr>
-        </p:nvSpPr>
-        <p:spPr/>
-        <p:txBody>
-          <a:bodyPr/>
-          <a:lstStyle/>
-          <a:p>
-            <a:r>
-              <a:rPr lang="en-GB" dirty="0"/>
-              <a:t> [</a:t>
-            </a:r>
-            <a:r>
-              <a:rPr lang="en-GB" dirty="0" err="1"/>
-              <a:t>DebuggerDisplay</a:t>
-            </a:r>
-            <a:r>
-              <a:rPr lang="en-GB" dirty="0"/>
-              <a:t>("Name =  {Name}")]</a:t>
-            </a:r>
-          </a:p>
-          <a:p>
-            <a:r>
-              <a:rPr lang="en-GB" dirty="0"/>
-              <a:t>    public class Person</a:t>
-            </a:r>
-          </a:p>
-          <a:p>
-            <a:r>
-              <a:rPr lang="en-GB" dirty="0"/>
-              <a:t>    {</a:t>
-            </a:r>
-          </a:p>
-          <a:p>
-            <a:r>
-              <a:rPr lang="en-GB" dirty="0"/>
-              <a:t>        public string Name { get; set; }</a:t>
-            </a:r>
-          </a:p>
-          <a:p>
-            <a:r>
-              <a:rPr lang="en-GB" dirty="0"/>
-              <a:t>        public int Age { get; set; }</a:t>
-            </a:r>
-          </a:p>
-          <a:p>
-            <a:r>
-              <a:rPr lang="en-GB" dirty="0"/>
-              <a:t>    }</a:t>
-            </a:r>
-          </a:p>
-        </p:txBody>
-      </p:sp>
-    </p:spTree>
-    <p:extLst>
-      <p:ext uri="{BB962C8B-B14F-4D97-AF65-F5344CB8AC3E}">
-        <p14:creationId xmlns:p14="http://schemas.microsoft.com/office/powerpoint/2010/main" val="1254375344"/>
-      </p:ext>
-    </p:extLst>
-  </p:cSld>
-  <p:clrMapOvr>
-    <a:masterClrMapping/>
-  </p:clrMapOvr>
-</p:sld>
-</file>
-
-<file path=ppt/slides/slide12.xml><?xml version="1.0" encoding="utf-8"?>
-<p:sld xmlns:a="http://schemas.openxmlformats.org/drawingml/2006/main" xmlns:r="http://schemas.openxmlformats.org/officeDocument/2006/relationships" xmlns:p="http://schemas.openxmlformats.org/presentationml/2006/main">
-  <p:cSld>
-    <p:spTree>
-      <p:nvGrpSpPr>
-        <p:cNvPr id="1" name=""/>
-        <p:cNvGrpSpPr/>
-        <p:nvPr/>
-      </p:nvGrpSpPr>
-      <p:grpSpPr>
-        <a:xfrm>
-          <a:off x="0" y="0"/>
-          <a:ext cx="0" cy="0"/>
-          <a:chOff x="0" y="0"/>
-          <a:chExt cx="0" cy="0"/>
-        </a:xfrm>
-      </p:grpSpPr>
-      <p:sp>
-        <p:nvSpPr>
-          <p:cNvPr id="2" name="Title 1">
-            <a:extLst>
-              <a:ext uri="{FF2B5EF4-FFF2-40B4-BE49-F238E27FC236}">
                 <a16:creationId xmlns:a16="http://schemas.microsoft.com/office/drawing/2014/main" id="{C0D134BE-9033-4EF6-8EE5-323CD0AE20B0}"/>
               </a:ext>
             </a:extLst>
@@ -7552,7 +11140,7 @@
           <p:nvPr/>
         </p:nvPicPr>
         <p:blipFill>
-          <a:blip r:embed="rId2"/>
+          <a:blip r:embed="rId3"/>
           <a:stretch>
             <a:fillRect/>
           </a:stretch>
@@ -7580,7 +11168,7 @@
 </p:sld>
 </file>
 
-<file path=ppt/slides/slide13.xml><?xml version="1.0" encoding="utf-8"?>
+<file path=ppt/slides/slide12.xml><?xml version="1.0" encoding="utf-8"?>
 <p:sld xmlns:a="http://schemas.openxmlformats.org/drawingml/2006/main" xmlns:r="http://schemas.openxmlformats.org/officeDocument/2006/relationships" xmlns:p="http://schemas.openxmlformats.org/presentationml/2006/main">
   <p:cSld>
     <p:spTree>
@@ -7770,7 +11358,7 @@
       </p:sp>
       <mc:AlternateContent xmlns:mc="http://schemas.openxmlformats.org/markup-compatibility/2006" xmlns:p14="http://schemas.microsoft.com/office/powerpoint/2010/main">
         <mc:Choice Requires="p14">
-          <p:contentPart p14:bwMode="auto" r:id="rId2">
+          <p:contentPart p14:bwMode="auto" r:id="rId3">
             <p14:nvContentPartPr>
               <p14:cNvPr id="5" name="Ink 4">
                 <a:extLst>
@@ -7802,7 +11390,7 @@
               <p:nvPr/>
             </p:nvPicPr>
             <p:blipFill>
-              <a:blip r:embed="rId3"/>
+              <a:blip r:embed="rId4"/>
               <a:stretch>
                 <a:fillRect/>
               </a:stretch>
@@ -7832,7 +11420,7 @@
 </p:sld>
 </file>
 
-<file path=ppt/slides/slide14.xml><?xml version="1.0" encoding="utf-8"?>
+<file path=ppt/slides/slide13.xml><?xml version="1.0" encoding="utf-8"?>
 <p:sld xmlns:a="http://schemas.openxmlformats.org/drawingml/2006/main" xmlns:r="http://schemas.openxmlformats.org/officeDocument/2006/relationships" xmlns:p="http://schemas.openxmlformats.org/presentationml/2006/main">
   <p:cSld>
     <p:spTree>
@@ -7920,7 +11508,7 @@
 </p:sld>
 </file>
 
-<file path=ppt/slides/slide15.xml><?xml version="1.0" encoding="utf-8"?>
+<file path=ppt/slides/slide14.xml><?xml version="1.0" encoding="utf-8"?>
 <p:sld xmlns:a="http://schemas.openxmlformats.org/drawingml/2006/main" xmlns:r="http://schemas.openxmlformats.org/officeDocument/2006/relationships" xmlns:p="http://schemas.openxmlformats.org/presentationml/2006/main">
   <p:cSld>
     <p:spTree>
@@ -7989,7 +11577,7 @@
           <a:p>
             <a:r>
               <a:rPr lang="en-GB" dirty="0"/>
-              <a:t>None</a:t>
+              <a:t>Never</a:t>
             </a:r>
           </a:p>
           <a:p>
@@ -8012,7 +11600,7 @@
           <p:nvPr/>
         </p:nvPicPr>
         <p:blipFill>
-          <a:blip r:embed="rId2"/>
+          <a:blip r:embed="rId3"/>
           <a:stretch>
             <a:fillRect/>
           </a:stretch>
@@ -8040,7 +11628,7 @@
 </p:sld>
 </file>
 
-<file path=ppt/slides/slide16.xml><?xml version="1.0" encoding="utf-8"?>
+<file path=ppt/slides/slide15.xml><?xml version="1.0" encoding="utf-8"?>
 <p:sld xmlns:a="http://schemas.openxmlformats.org/drawingml/2006/main" xmlns:r="http://schemas.openxmlformats.org/officeDocument/2006/relationships" xmlns:p="http://schemas.openxmlformats.org/presentationml/2006/main">
   <p:cSld>
     <p:spTree>
@@ -8130,7 +11718,7 @@
           <p:nvPr/>
         </p:nvPicPr>
         <p:blipFill>
-          <a:blip r:embed="rId2"/>
+          <a:blip r:embed="rId3"/>
           <a:stretch>
             <a:fillRect/>
           </a:stretch>
@@ -8158,6 +11746,98 @@
 </p:sld>
 </file>
 
+<file path=ppt/slides/slide16.xml><?xml version="1.0" encoding="utf-8"?>
+<p:sld xmlns:a="http://schemas.openxmlformats.org/drawingml/2006/main" xmlns:r="http://schemas.openxmlformats.org/officeDocument/2006/relationships" xmlns:p="http://schemas.openxmlformats.org/presentationml/2006/main">
+  <p:cSld>
+    <p:spTree>
+      <p:nvGrpSpPr>
+        <p:cNvPr id="1" name=""/>
+        <p:cNvGrpSpPr/>
+        <p:nvPr/>
+      </p:nvGrpSpPr>
+      <p:grpSpPr>
+        <a:xfrm>
+          <a:off x="0" y="0"/>
+          <a:ext cx="0" cy="0"/>
+          <a:chOff x="0" y="0"/>
+          <a:chExt cx="0" cy="0"/>
+        </a:xfrm>
+      </p:grpSpPr>
+      <p:sp>
+        <p:nvSpPr>
+          <p:cNvPr id="2" name="Title 1">
+            <a:extLst>
+              <a:ext uri="{FF2B5EF4-FFF2-40B4-BE49-F238E27FC236}">
+                <a16:creationId xmlns:a16="http://schemas.microsoft.com/office/drawing/2014/main" id="{9394B4B2-CCE5-4292-A584-71D8FC8FA1EF}"/>
+              </a:ext>
+            </a:extLst>
+          </p:cNvPr>
+          <p:cNvSpPr>
+            <a:spLocks noGrp="1"/>
+          </p:cNvSpPr>
+          <p:nvPr>
+            <p:ph type="title"/>
+          </p:nvPr>
+        </p:nvSpPr>
+        <p:spPr/>
+        <p:txBody>
+          <a:bodyPr/>
+          <a:lstStyle/>
+          <a:p>
+            <a:r>
+              <a:rPr lang="en-GB" dirty="0"/>
+              <a:t>Debugger Proxy Type</a:t>
+            </a:r>
+          </a:p>
+        </p:txBody>
+      </p:sp>
+      <p:sp>
+        <p:nvSpPr>
+          <p:cNvPr id="3" name="Content Placeholder 2">
+            <a:extLst>
+              <a:ext uri="{FF2B5EF4-FFF2-40B4-BE49-F238E27FC236}">
+                <a16:creationId xmlns:a16="http://schemas.microsoft.com/office/drawing/2014/main" id="{6CF9F24C-0A9A-486C-8F32-7317083BC900}"/>
+              </a:ext>
+            </a:extLst>
+          </p:cNvPr>
+          <p:cNvSpPr>
+            <a:spLocks noGrp="1"/>
+          </p:cNvSpPr>
+          <p:nvPr>
+            <p:ph idx="1"/>
+          </p:nvPr>
+        </p:nvSpPr>
+        <p:spPr/>
+        <p:txBody>
+          <a:bodyPr/>
+          <a:lstStyle/>
+          <a:p>
+            <a:r>
+              <a:rPr lang="en-GB" dirty="0"/>
+              <a:t>Allows the significant and fundament change on the debugging view of a type.</a:t>
+            </a:r>
+          </a:p>
+          <a:p>
+            <a:r>
+              <a:rPr lang="en-GB" dirty="0"/>
+              <a:t>Demo</a:t>
+            </a:r>
+          </a:p>
+        </p:txBody>
+      </p:sp>
+    </p:spTree>
+    <p:extLst>
+      <p:ext uri="{BB962C8B-B14F-4D97-AF65-F5344CB8AC3E}">
+        <p14:creationId xmlns:p14="http://schemas.microsoft.com/office/powerpoint/2010/main" val="2721780380"/>
+      </p:ext>
+    </p:extLst>
+  </p:cSld>
+  <p:clrMapOvr>
+    <a:masterClrMapping/>
+  </p:clrMapOvr>
+</p:sld>
+</file>
+
 <file path=ppt/slides/slide17.xml><?xml version="1.0" encoding="utf-8"?>
 <p:sld xmlns:a="http://schemas.openxmlformats.org/drawingml/2006/main" xmlns:r="http://schemas.openxmlformats.org/officeDocument/2006/relationships" xmlns:p="http://schemas.openxmlformats.org/presentationml/2006/main">
   <p:cSld>
@@ -8180,7 +11860,7 @@
           <p:cNvPr id="2" name="Title 1">
             <a:extLst>
               <a:ext uri="{FF2B5EF4-FFF2-40B4-BE49-F238E27FC236}">
-                <a16:creationId xmlns:a16="http://schemas.microsoft.com/office/drawing/2014/main" id="{9394B4B2-CCE5-4292-A584-71D8FC8FA1EF}"/>
+                <a16:creationId xmlns:a16="http://schemas.microsoft.com/office/drawing/2014/main" id="{AE895FBA-7B3B-4385-B90B-CDC9A9CA8287}"/>
               </a:ext>
             </a:extLst>
           </p:cNvPr>
@@ -8198,7 +11878,7 @@
           <a:p>
             <a:r>
               <a:rPr lang="en-GB" dirty="0"/>
-              <a:t>Debugger Proxy Type</a:t>
+              <a:t>Debugger visualisers</a:t>
             </a:r>
           </a:p>
         </p:txBody>
@@ -8208,7 +11888,7 @@
           <p:cNvPr id="3" name="Content Placeholder 2">
             <a:extLst>
               <a:ext uri="{FF2B5EF4-FFF2-40B4-BE49-F238E27FC236}">
-                <a16:creationId xmlns:a16="http://schemas.microsoft.com/office/drawing/2014/main" id="{6CF9F24C-0A9A-486C-8F32-7317083BC900}"/>
+                <a16:creationId xmlns:a16="http://schemas.microsoft.com/office/drawing/2014/main" id="{FA2BD6E2-7C40-4DAF-A3D3-AA1425133291}"/>
               </a:ext>
             </a:extLst>
           </p:cNvPr>
@@ -8226,7 +11906,19 @@
           <a:p>
             <a:r>
               <a:rPr lang="en-GB" dirty="0"/>
-              <a:t>Allows the significant and fundament change on the debugging view of a type.</a:t>
+              <a:t>Some built in – xml, json, text, html</a:t>
+            </a:r>
+          </a:p>
+          <a:p>
+            <a:r>
+              <a:rPr lang="en-GB" dirty="0"/>
+              <a:t>Many in the market place</a:t>
+            </a:r>
+          </a:p>
+          <a:p>
+            <a:r>
+              <a:rPr lang="en-GB" dirty="0"/>
+              <a:t>Write your own</a:t>
             </a:r>
           </a:p>
         </p:txBody>
@@ -8234,7 +11926,7 @@
     </p:spTree>
     <p:extLst>
       <p:ext uri="{BB962C8B-B14F-4D97-AF65-F5344CB8AC3E}">
-        <p14:creationId xmlns:p14="http://schemas.microsoft.com/office/powerpoint/2010/main" val="2721780380"/>
+        <p14:creationId xmlns:p14="http://schemas.microsoft.com/office/powerpoint/2010/main" val="3146689253"/>
       </p:ext>
     </p:extLst>
   </p:cSld>
@@ -8266,7 +11958,7 @@
           <p:cNvPr id="2" name="Title 1">
             <a:extLst>
               <a:ext uri="{FF2B5EF4-FFF2-40B4-BE49-F238E27FC236}">
-                <a16:creationId xmlns:a16="http://schemas.microsoft.com/office/drawing/2014/main" id="{AE895FBA-7B3B-4385-B90B-CDC9A9CA8287}"/>
+                <a16:creationId xmlns:a16="http://schemas.microsoft.com/office/drawing/2014/main" id="{A6C74DC2-2C25-4BA4-811F-06876F649BB8}"/>
               </a:ext>
             </a:extLst>
           </p:cNvPr>
@@ -8284,7 +11976,7 @@
           <a:p>
             <a:r>
               <a:rPr lang="en-GB" dirty="0"/>
-              <a:t>Debugger visualisers</a:t>
+              <a:t>Own  Visualizers</a:t>
             </a:r>
           </a:p>
         </p:txBody>
@@ -8294,7 +11986,7 @@
           <p:cNvPr id="3" name="Content Placeholder 2">
             <a:extLst>
               <a:ext uri="{FF2B5EF4-FFF2-40B4-BE49-F238E27FC236}">
-                <a16:creationId xmlns:a16="http://schemas.microsoft.com/office/drawing/2014/main" id="{FA2BD6E2-7C40-4DAF-A3D3-AA1425133291}"/>
+                <a16:creationId xmlns:a16="http://schemas.microsoft.com/office/drawing/2014/main" id="{85AA714F-4960-4DAA-A4B2-2AE2A23D1CF0}"/>
               </a:ext>
             </a:extLst>
           </p:cNvPr>
@@ -8312,27 +12004,21 @@
           <a:p>
             <a:r>
               <a:rPr lang="en-GB" dirty="0"/>
-              <a:t>Some built in – xml, json, text, html</a:t>
-            </a:r>
-          </a:p>
-          <a:p>
-            <a:r>
-              <a:rPr lang="en-GB" dirty="0"/>
-              <a:t>Many in the market place</a:t>
-            </a:r>
-          </a:p>
-          <a:p>
-            <a:r>
-              <a:rPr lang="en-GB" dirty="0"/>
-              <a:t>Write your own</a:t>
-            </a:r>
+              <a:t>Demo</a:t>
+            </a:r>
+          </a:p>
+          <a:p>
+            <a:pPr marL="0" indent="0">
+              <a:buNone/>
+            </a:pPr>
+            <a:endParaRPr lang="en-GB" dirty="0"/>
           </a:p>
         </p:txBody>
       </p:sp>
     </p:spTree>
     <p:extLst>
       <p:ext uri="{BB962C8B-B14F-4D97-AF65-F5344CB8AC3E}">
-        <p14:creationId xmlns:p14="http://schemas.microsoft.com/office/powerpoint/2010/main" val="3146689253"/>
+        <p14:creationId xmlns:p14="http://schemas.microsoft.com/office/powerpoint/2010/main" val="697398402"/>
       </p:ext>
     </p:extLst>
   </p:cSld>
@@ -8364,7 +12050,7 @@
           <p:cNvPr id="2" name="Title 1">
             <a:extLst>
               <a:ext uri="{FF2B5EF4-FFF2-40B4-BE49-F238E27FC236}">
-                <a16:creationId xmlns:a16="http://schemas.microsoft.com/office/drawing/2014/main" id="{A6C74DC2-2C25-4BA4-811F-06876F649BB8}"/>
+                <a16:creationId xmlns:a16="http://schemas.microsoft.com/office/drawing/2014/main" id="{08B5863D-0873-4310-9D18-FE90D6875F11}"/>
               </a:ext>
             </a:extLst>
           </p:cNvPr>
@@ -8381,84 +12067,49 @@
           <a:lstStyle/>
           <a:p>
             <a:r>
-              <a:rPr lang="en-GB" dirty="0"/>
-              <a:t>Own  Visualizers</a:t>
-            </a:r>
-          </a:p>
-        </p:txBody>
-      </p:sp>
-      <p:sp>
-        <p:nvSpPr>
-          <p:cNvPr id="3" name="Content Placeholder 2">
+              <a:rPr lang="en-GB" dirty="0" err="1"/>
+              <a:t>Datatips</a:t>
+            </a:r>
+            <a:br>
+              <a:rPr lang="en-GB" dirty="0"/>
+            </a:br>
+            <a:endParaRPr lang="en-GB" dirty="0"/>
+          </a:p>
+        </p:txBody>
+      </p:sp>
+      <p:pic>
+        <p:nvPicPr>
+          <p:cNvPr id="5" name="Content Placeholder 4">
             <a:extLst>
               <a:ext uri="{FF2B5EF4-FFF2-40B4-BE49-F238E27FC236}">
-                <a16:creationId xmlns:a16="http://schemas.microsoft.com/office/drawing/2014/main" id="{85AA714F-4960-4DAA-A4B2-2AE2A23D1CF0}"/>
+                <a16:creationId xmlns:a16="http://schemas.microsoft.com/office/drawing/2014/main" id="{C91230F6-C03F-4AEA-A399-A34BBA29141E}"/>
               </a:ext>
             </a:extLst>
           </p:cNvPr>
-          <p:cNvSpPr>
-            <a:spLocks noGrp="1"/>
-          </p:cNvSpPr>
+          <p:cNvPicPr>
+            <a:picLocks noGrp="1" noChangeAspect="1"/>
+          </p:cNvPicPr>
           <p:nvPr>
             <p:ph idx="1"/>
           </p:nvPr>
-        </p:nvSpPr>
-        <p:spPr/>
-        <p:txBody>
-          <a:bodyPr/>
-          <a:lstStyle/>
-          <a:p>
-            <a:r>
-              <a:rPr lang="en-GB" dirty="0"/>
-              <a:t>The </a:t>
-            </a:r>
-            <a:r>
-              <a:rPr lang="en-GB" i="1" dirty="0"/>
-              <a:t>debugger side</a:t>
-            </a:r>
-            <a:r>
-              <a:rPr lang="en-GB" dirty="0"/>
-              <a:t> runs within the Visual Studio debugger. The debugger-side code creates and displays the user interface for your visualizer.</a:t>
-            </a:r>
-          </a:p>
-          <a:p>
-            <a:r>
-              <a:rPr lang="en-GB" dirty="0"/>
-              <a:t>The </a:t>
-            </a:r>
-            <a:r>
-              <a:rPr lang="en-GB" i="1" dirty="0" err="1"/>
-              <a:t>debuggee</a:t>
-            </a:r>
-            <a:r>
-              <a:rPr lang="en-GB" i="1" dirty="0"/>
-              <a:t> side</a:t>
-            </a:r>
-            <a:r>
-              <a:rPr lang="en-GB" dirty="0"/>
-              <a:t> runs within the process Visual Studio is debugging (the </a:t>
-            </a:r>
-            <a:r>
-              <a:rPr lang="en-GB" i="1" dirty="0" err="1"/>
-              <a:t>debuggee</a:t>
-            </a:r>
-            <a:r>
-              <a:rPr lang="en-GB" dirty="0"/>
-              <a:t>).</a:t>
-            </a:r>
-          </a:p>
-          <a:p>
-            <a:pPr marL="0" indent="0">
-              <a:buNone/>
-            </a:pPr>
-            <a:endParaRPr lang="en-GB" dirty="0"/>
-          </a:p>
-        </p:txBody>
-      </p:sp>
+        </p:nvPicPr>
+        <p:blipFill>
+          <a:blip r:embed="rId3"/>
+          <a:stretch>
+            <a:fillRect/>
+          </a:stretch>
+        </p:blipFill>
+        <p:spPr>
+          <a:xfrm>
+            <a:off x="276041" y="2057401"/>
+            <a:ext cx="11493464" cy="4243290"/>
+          </a:xfrm>
+        </p:spPr>
+      </p:pic>
     </p:spTree>
     <p:extLst>
       <p:ext uri="{BB962C8B-B14F-4D97-AF65-F5344CB8AC3E}">
-        <p14:creationId xmlns:p14="http://schemas.microsoft.com/office/powerpoint/2010/main" val="697398402"/>
+        <p14:creationId xmlns:p14="http://schemas.microsoft.com/office/powerpoint/2010/main" val="385603056"/>
       </p:ext>
     </p:extLst>
   </p:cSld>
@@ -8611,97 +12262,6 @@
           <p:cNvPr id="2" name="Title 1">
             <a:extLst>
               <a:ext uri="{FF2B5EF4-FFF2-40B4-BE49-F238E27FC236}">
-                <a16:creationId xmlns:a16="http://schemas.microsoft.com/office/drawing/2014/main" id="{08B5863D-0873-4310-9D18-FE90D6875F11}"/>
-              </a:ext>
-            </a:extLst>
-          </p:cNvPr>
-          <p:cNvSpPr>
-            <a:spLocks noGrp="1"/>
-          </p:cNvSpPr>
-          <p:nvPr>
-            <p:ph type="title"/>
-          </p:nvPr>
-        </p:nvSpPr>
-        <p:spPr/>
-        <p:txBody>
-          <a:bodyPr/>
-          <a:lstStyle/>
-          <a:p>
-            <a:r>
-              <a:rPr lang="en-GB" dirty="0" err="1"/>
-              <a:t>Datatips</a:t>
-            </a:r>
-            <a:br>
-              <a:rPr lang="en-GB" dirty="0"/>
-            </a:br>
-            <a:endParaRPr lang="en-GB" dirty="0"/>
-          </a:p>
-        </p:txBody>
-      </p:sp>
-      <p:pic>
-        <p:nvPicPr>
-          <p:cNvPr id="5" name="Content Placeholder 4">
-            <a:extLst>
-              <a:ext uri="{FF2B5EF4-FFF2-40B4-BE49-F238E27FC236}">
-                <a16:creationId xmlns:a16="http://schemas.microsoft.com/office/drawing/2014/main" id="{C91230F6-C03F-4AEA-A399-A34BBA29141E}"/>
-              </a:ext>
-            </a:extLst>
-          </p:cNvPr>
-          <p:cNvPicPr>
-            <a:picLocks noGrp="1" noChangeAspect="1"/>
-          </p:cNvPicPr>
-          <p:nvPr>
-            <p:ph idx="1"/>
-          </p:nvPr>
-        </p:nvPicPr>
-        <p:blipFill>
-          <a:blip r:embed="rId3"/>
-          <a:stretch>
-            <a:fillRect/>
-          </a:stretch>
-        </p:blipFill>
-        <p:spPr>
-          <a:xfrm>
-            <a:off x="276041" y="2057401"/>
-            <a:ext cx="11493464" cy="4243290"/>
-          </a:xfrm>
-        </p:spPr>
-      </p:pic>
-    </p:spTree>
-    <p:extLst>
-      <p:ext uri="{BB962C8B-B14F-4D97-AF65-F5344CB8AC3E}">
-        <p14:creationId xmlns:p14="http://schemas.microsoft.com/office/powerpoint/2010/main" val="385603056"/>
-      </p:ext>
-    </p:extLst>
-  </p:cSld>
-  <p:clrMapOvr>
-    <a:masterClrMapping/>
-  </p:clrMapOvr>
-</p:sld>
-</file>
-
-<file path=ppt/slides/slide21.xml><?xml version="1.0" encoding="utf-8"?>
-<p:sld xmlns:a="http://schemas.openxmlformats.org/drawingml/2006/main" xmlns:r="http://schemas.openxmlformats.org/officeDocument/2006/relationships" xmlns:p="http://schemas.openxmlformats.org/presentationml/2006/main">
-  <p:cSld>
-    <p:spTree>
-      <p:nvGrpSpPr>
-        <p:cNvPr id="1" name=""/>
-        <p:cNvGrpSpPr/>
-        <p:nvPr/>
-      </p:nvGrpSpPr>
-      <p:grpSpPr>
-        <a:xfrm>
-          <a:off x="0" y="0"/>
-          <a:ext cx="0" cy="0"/>
-          <a:chOff x="0" y="0"/>
-          <a:chExt cx="0" cy="0"/>
-        </a:xfrm>
-      </p:grpSpPr>
-      <p:sp>
-        <p:nvSpPr>
-          <p:cNvPr id="2" name="Title 1">
-            <a:extLst>
-              <a:ext uri="{FF2B5EF4-FFF2-40B4-BE49-F238E27FC236}">
                 <a16:creationId xmlns:a16="http://schemas.microsoft.com/office/drawing/2014/main" id="{59558F9E-8BDB-48C4-ACA8-AD5126AFAAEF}"/>
               </a:ext>
             </a:extLst>
@@ -8773,7 +12333,7 @@
 </p:sld>
 </file>
 
-<file path=ppt/slides/slide22.xml><?xml version="1.0" encoding="utf-8"?>
+<file path=ppt/slides/slide21.xml><?xml version="1.0" encoding="utf-8"?>
 <p:sld xmlns:a="http://schemas.openxmlformats.org/drawingml/2006/main" xmlns:r="http://schemas.openxmlformats.org/officeDocument/2006/relationships" xmlns:p="http://schemas.openxmlformats.org/presentationml/2006/main">
   <p:cSld>
     <p:spTree>
@@ -8861,7 +12421,7 @@
 </p:sld>
 </file>
 
-<file path=ppt/slides/slide23.xml><?xml version="1.0" encoding="utf-8"?>
+<file path=ppt/slides/slide22.xml><?xml version="1.0" encoding="utf-8"?>
 <p:sld xmlns:a="http://schemas.openxmlformats.org/drawingml/2006/main" xmlns:r="http://schemas.openxmlformats.org/officeDocument/2006/relationships" xmlns:p="http://schemas.openxmlformats.org/presentationml/2006/main">
   <p:cSld>
     <p:spTree>
@@ -8954,6 +12514,116 @@
 </p:sld>
 </file>
 
+<file path=ppt/slides/slide23.xml><?xml version="1.0" encoding="utf-8"?>
+<p:sld xmlns:a="http://schemas.openxmlformats.org/drawingml/2006/main" xmlns:r="http://schemas.openxmlformats.org/officeDocument/2006/relationships" xmlns:p="http://schemas.openxmlformats.org/presentationml/2006/main">
+  <p:cSld>
+    <p:spTree>
+      <p:nvGrpSpPr>
+        <p:cNvPr id="1" name=""/>
+        <p:cNvGrpSpPr/>
+        <p:nvPr/>
+      </p:nvGrpSpPr>
+      <p:grpSpPr>
+        <a:xfrm>
+          <a:off x="0" y="0"/>
+          <a:ext cx="0" cy="0"/>
+          <a:chOff x="0" y="0"/>
+          <a:chExt cx="0" cy="0"/>
+        </a:xfrm>
+      </p:grpSpPr>
+      <p:sp>
+        <p:nvSpPr>
+          <p:cNvPr id="2" name="Title 1">
+            <a:extLst>
+              <a:ext uri="{FF2B5EF4-FFF2-40B4-BE49-F238E27FC236}">
+                <a16:creationId xmlns:a16="http://schemas.microsoft.com/office/drawing/2014/main" id="{B229A4BE-1217-45BA-B7AF-B154DD458648}"/>
+              </a:ext>
+            </a:extLst>
+          </p:cNvPr>
+          <p:cNvSpPr>
+            <a:spLocks noGrp="1"/>
+          </p:cNvSpPr>
+          <p:nvPr>
+            <p:ph type="title"/>
+          </p:nvPr>
+        </p:nvSpPr>
+        <p:spPr/>
+        <p:txBody>
+          <a:bodyPr/>
+          <a:lstStyle/>
+          <a:p>
+            <a:r>
+              <a:rPr lang="en-GB" dirty="0"/>
+              <a:t>Multi-threaded applications</a:t>
+            </a:r>
+          </a:p>
+        </p:txBody>
+      </p:sp>
+      <p:sp>
+        <p:nvSpPr>
+          <p:cNvPr id="3" name="Content Placeholder 2">
+            <a:extLst>
+              <a:ext uri="{FF2B5EF4-FFF2-40B4-BE49-F238E27FC236}">
+                <a16:creationId xmlns:a16="http://schemas.microsoft.com/office/drawing/2014/main" id="{89042F0B-7101-4B0F-BCF9-F1E11B8E581D}"/>
+              </a:ext>
+            </a:extLst>
+          </p:cNvPr>
+          <p:cNvSpPr>
+            <a:spLocks noGrp="1"/>
+          </p:cNvSpPr>
+          <p:nvPr>
+            <p:ph idx="1"/>
+          </p:nvPr>
+        </p:nvSpPr>
+        <p:spPr/>
+        <p:txBody>
+          <a:bodyPr/>
+          <a:lstStyle/>
+          <a:p>
+            <a:r>
+              <a:rPr lang="en-GB" dirty="0"/>
+              <a:t>Thread Window</a:t>
+            </a:r>
+          </a:p>
+          <a:p>
+            <a:r>
+              <a:rPr lang="en-GB" dirty="0"/>
+              <a:t>Debug Toolbar</a:t>
+            </a:r>
+          </a:p>
+          <a:p>
+            <a:r>
+              <a:rPr lang="en-GB" dirty="0"/>
+              <a:t>Debug Location</a:t>
+            </a:r>
+          </a:p>
+          <a:p>
+            <a:r>
+              <a:rPr lang="en-GB" dirty="0"/>
+              <a:t>Parallel Stacks</a:t>
+            </a:r>
+          </a:p>
+          <a:p>
+            <a:r>
+              <a:rPr lang="en-GB" dirty="0"/>
+              <a:t>Parallel Watch</a:t>
+            </a:r>
+          </a:p>
+        </p:txBody>
+      </p:sp>
+    </p:spTree>
+    <p:extLst>
+      <p:ext uri="{BB962C8B-B14F-4D97-AF65-F5344CB8AC3E}">
+        <p14:creationId xmlns:p14="http://schemas.microsoft.com/office/powerpoint/2010/main" val="2283394710"/>
+      </p:ext>
+    </p:extLst>
+  </p:cSld>
+  <p:clrMapOvr>
+    <a:masterClrMapping/>
+  </p:clrMapOvr>
+</p:sld>
+</file>
+
 <file path=ppt/slides/slide24.xml><?xml version="1.0" encoding="utf-8"?>
 <p:sld xmlns:a="http://schemas.openxmlformats.org/drawingml/2006/main" xmlns:r="http://schemas.openxmlformats.org/officeDocument/2006/relationships" xmlns:p="http://schemas.openxmlformats.org/presentationml/2006/main">
   <p:cSld>
@@ -8976,7 +12646,7 @@
           <p:cNvPr id="2" name="Title 1">
             <a:extLst>
               <a:ext uri="{FF2B5EF4-FFF2-40B4-BE49-F238E27FC236}">
-                <a16:creationId xmlns:a16="http://schemas.microsoft.com/office/drawing/2014/main" id="{B229A4BE-1217-45BA-B7AF-B154DD458648}"/>
+                <a16:creationId xmlns:a16="http://schemas.microsoft.com/office/drawing/2014/main" id="{E799566E-4AAA-47A6-9563-2795E67A03A0}"/>
               </a:ext>
             </a:extLst>
           </p:cNvPr>
@@ -8992,69 +12662,47 @@
           <a:bodyPr/>
           <a:lstStyle/>
           <a:p>
-            <a:r>
-              <a:rPr lang="en-GB" dirty="0"/>
-              <a:t>Multi-threaded applications</a:t>
-            </a:r>
-          </a:p>
-        </p:txBody>
-      </p:sp>
-      <p:sp>
-        <p:nvSpPr>
-          <p:cNvPr id="3" name="Content Placeholder 2">
+            <a:pPr algn="ctr"/>
+            <a:r>
+              <a:rPr lang="en-GB" dirty="0"/>
+              <a:t>Multithreaded Debugging Windows - Threads</a:t>
+            </a:r>
+          </a:p>
+        </p:txBody>
+      </p:sp>
+      <p:pic>
+        <p:nvPicPr>
+          <p:cNvPr id="5" name="Content Placeholder 4">
             <a:extLst>
               <a:ext uri="{FF2B5EF4-FFF2-40B4-BE49-F238E27FC236}">
-                <a16:creationId xmlns:a16="http://schemas.microsoft.com/office/drawing/2014/main" id="{89042F0B-7101-4B0F-BCF9-F1E11B8E581D}"/>
+                <a16:creationId xmlns:a16="http://schemas.microsoft.com/office/drawing/2014/main" id="{5A3E99E6-785F-4599-9F4F-3E9DCD1F5D34}"/>
               </a:ext>
             </a:extLst>
           </p:cNvPr>
-          <p:cNvSpPr>
-            <a:spLocks noGrp="1"/>
-          </p:cNvSpPr>
+          <p:cNvPicPr>
+            <a:picLocks noGrp="1" noChangeAspect="1"/>
+          </p:cNvPicPr>
           <p:nvPr>
             <p:ph idx="1"/>
           </p:nvPr>
-        </p:nvSpPr>
-        <p:spPr/>
-        <p:txBody>
-          <a:bodyPr/>
-          <a:lstStyle/>
-          <a:p>
-            <a:r>
-              <a:rPr lang="en-GB" dirty="0"/>
-              <a:t>Thread Window</a:t>
-            </a:r>
-          </a:p>
-          <a:p>
-            <a:r>
-              <a:rPr lang="en-GB" dirty="0"/>
-              <a:t>Debug Toolbar</a:t>
-            </a:r>
-          </a:p>
-          <a:p>
-            <a:r>
-              <a:rPr lang="en-GB" dirty="0"/>
-              <a:t>Debug Location</a:t>
-            </a:r>
-          </a:p>
-          <a:p>
-            <a:r>
-              <a:rPr lang="en-GB" dirty="0"/>
-              <a:t>Parallel Stacks</a:t>
-            </a:r>
-          </a:p>
-          <a:p>
-            <a:r>
-              <a:rPr lang="en-GB" dirty="0"/>
-              <a:t>Parallel Watch</a:t>
-            </a:r>
-          </a:p>
-        </p:txBody>
-      </p:sp>
+        </p:nvPicPr>
+        <p:blipFill>
+          <a:blip r:embed="rId3"/>
+          <a:stretch>
+            <a:fillRect/>
+          </a:stretch>
+        </p:blipFill>
+        <p:spPr>
+          <a:xfrm>
+            <a:off x="281566" y="3186376"/>
+            <a:ext cx="11803402" cy="2070022"/>
+          </a:xfrm>
+        </p:spPr>
+      </p:pic>
     </p:spTree>
     <p:extLst>
       <p:ext uri="{BB962C8B-B14F-4D97-AF65-F5344CB8AC3E}">
-        <p14:creationId xmlns:p14="http://schemas.microsoft.com/office/powerpoint/2010/main" val="2283394710"/>
+        <p14:creationId xmlns:p14="http://schemas.microsoft.com/office/powerpoint/2010/main" val="1697622920"/>
       </p:ext>
     </p:extLst>
   </p:cSld>
@@ -9086,7 +12734,7 @@
           <p:cNvPr id="2" name="Title 1">
             <a:extLst>
               <a:ext uri="{FF2B5EF4-FFF2-40B4-BE49-F238E27FC236}">
-                <a16:creationId xmlns:a16="http://schemas.microsoft.com/office/drawing/2014/main" id="{E799566E-4AAA-47A6-9563-2795E67A03A0}"/>
+                <a16:creationId xmlns:a16="http://schemas.microsoft.com/office/drawing/2014/main" id="{BEFFAA32-3C1E-42B8-B707-7349C1E8F1F4}"/>
               </a:ext>
             </a:extLst>
           </p:cNvPr>
@@ -9105,7 +12753,7 @@
             <a:pPr algn="ctr"/>
             <a:r>
               <a:rPr lang="en-GB" dirty="0"/>
-              <a:t>Multithreaded Debugging Windows - Threads</a:t>
+              <a:t>Multithreading windows – debug toolbar</a:t>
             </a:r>
           </a:p>
         </p:txBody>
@@ -9115,7 +12763,7 @@
           <p:cNvPr id="5" name="Content Placeholder 4">
             <a:extLst>
               <a:ext uri="{FF2B5EF4-FFF2-40B4-BE49-F238E27FC236}">
-                <a16:creationId xmlns:a16="http://schemas.microsoft.com/office/drawing/2014/main" id="{5A3E99E6-785F-4599-9F4F-3E9DCD1F5D34}"/>
+                <a16:creationId xmlns:a16="http://schemas.microsoft.com/office/drawing/2014/main" id="{E42AAECF-FE44-4AC0-8A6B-4A0090E0B64D}"/>
               </a:ext>
             </a:extLst>
           </p:cNvPr>
@@ -9127,22 +12775,22 @@
           </p:nvPr>
         </p:nvPicPr>
         <p:blipFill>
-          <a:blip r:embed="rId2"/>
+          <a:blip r:embed="rId3"/>
           <a:stretch>
             <a:fillRect/>
           </a:stretch>
         </p:blipFill>
         <p:spPr>
           <a:xfrm>
-            <a:off x="281566" y="3186376"/>
-            <a:ext cx="11803402" cy="2070022"/>
+            <a:off x="612193" y="3719307"/>
+            <a:ext cx="11347935" cy="1007305"/>
           </a:xfrm>
         </p:spPr>
       </p:pic>
     </p:spTree>
     <p:extLst>
       <p:ext uri="{BB962C8B-B14F-4D97-AF65-F5344CB8AC3E}">
-        <p14:creationId xmlns:p14="http://schemas.microsoft.com/office/powerpoint/2010/main" val="1697622920"/>
+        <p14:creationId xmlns:p14="http://schemas.microsoft.com/office/powerpoint/2010/main" val="2669986582"/>
       </p:ext>
     </p:extLst>
   </p:cSld>
@@ -9174,94 +12822,6 @@
           <p:cNvPr id="2" name="Title 1">
             <a:extLst>
               <a:ext uri="{FF2B5EF4-FFF2-40B4-BE49-F238E27FC236}">
-                <a16:creationId xmlns:a16="http://schemas.microsoft.com/office/drawing/2014/main" id="{BEFFAA32-3C1E-42B8-B707-7349C1E8F1F4}"/>
-              </a:ext>
-            </a:extLst>
-          </p:cNvPr>
-          <p:cNvSpPr>
-            <a:spLocks noGrp="1"/>
-          </p:cNvSpPr>
-          <p:nvPr>
-            <p:ph type="title"/>
-          </p:nvPr>
-        </p:nvSpPr>
-        <p:spPr/>
-        <p:txBody>
-          <a:bodyPr/>
-          <a:lstStyle/>
-          <a:p>
-            <a:pPr algn="ctr"/>
-            <a:r>
-              <a:rPr lang="en-GB" dirty="0"/>
-              <a:t>Multithreading windows – debug toolbar</a:t>
-            </a:r>
-          </a:p>
-        </p:txBody>
-      </p:sp>
-      <p:pic>
-        <p:nvPicPr>
-          <p:cNvPr id="5" name="Content Placeholder 4">
-            <a:extLst>
-              <a:ext uri="{FF2B5EF4-FFF2-40B4-BE49-F238E27FC236}">
-                <a16:creationId xmlns:a16="http://schemas.microsoft.com/office/drawing/2014/main" id="{E42AAECF-FE44-4AC0-8A6B-4A0090E0B64D}"/>
-              </a:ext>
-            </a:extLst>
-          </p:cNvPr>
-          <p:cNvPicPr>
-            <a:picLocks noGrp="1" noChangeAspect="1"/>
-          </p:cNvPicPr>
-          <p:nvPr>
-            <p:ph idx="1"/>
-          </p:nvPr>
-        </p:nvPicPr>
-        <p:blipFill>
-          <a:blip r:embed="rId2"/>
-          <a:stretch>
-            <a:fillRect/>
-          </a:stretch>
-        </p:blipFill>
-        <p:spPr>
-          <a:xfrm>
-            <a:off x="612193" y="3719307"/>
-            <a:ext cx="11347935" cy="1007305"/>
-          </a:xfrm>
-        </p:spPr>
-      </p:pic>
-    </p:spTree>
-    <p:extLst>
-      <p:ext uri="{BB962C8B-B14F-4D97-AF65-F5344CB8AC3E}">
-        <p14:creationId xmlns:p14="http://schemas.microsoft.com/office/powerpoint/2010/main" val="2669986582"/>
-      </p:ext>
-    </p:extLst>
-  </p:cSld>
-  <p:clrMapOvr>
-    <a:masterClrMapping/>
-  </p:clrMapOvr>
-</p:sld>
-</file>
-
-<file path=ppt/slides/slide27.xml><?xml version="1.0" encoding="utf-8"?>
-<p:sld xmlns:a="http://schemas.openxmlformats.org/drawingml/2006/main" xmlns:r="http://schemas.openxmlformats.org/officeDocument/2006/relationships" xmlns:p="http://schemas.openxmlformats.org/presentationml/2006/main">
-  <p:cSld>
-    <p:spTree>
-      <p:nvGrpSpPr>
-        <p:cNvPr id="1" name=""/>
-        <p:cNvGrpSpPr/>
-        <p:nvPr/>
-      </p:nvGrpSpPr>
-      <p:grpSpPr>
-        <a:xfrm>
-          <a:off x="0" y="0"/>
-          <a:ext cx="0" cy="0"/>
-          <a:chOff x="0" y="0"/>
-          <a:chExt cx="0" cy="0"/>
-        </a:xfrm>
-      </p:grpSpPr>
-      <p:sp>
-        <p:nvSpPr>
-          <p:cNvPr id="2" name="Title 1">
-            <a:extLst>
-              <a:ext uri="{FF2B5EF4-FFF2-40B4-BE49-F238E27FC236}">
                 <a16:creationId xmlns:a16="http://schemas.microsoft.com/office/drawing/2014/main" id="{D7A3E4E3-D8ED-4ED9-9224-927B75E52C0D}"/>
               </a:ext>
             </a:extLst>
@@ -9303,7 +12863,7 @@
           </p:nvPr>
         </p:nvPicPr>
         <p:blipFill>
-          <a:blip r:embed="rId2"/>
+          <a:blip r:embed="rId3"/>
           <a:stretch>
             <a:fillRect/>
           </a:stretch>
@@ -9330,7 +12890,7 @@
           <p:nvPr/>
         </p:nvPicPr>
         <p:blipFill>
-          <a:blip r:embed="rId3"/>
+          <a:blip r:embed="rId4"/>
           <a:stretch>
             <a:fillRect/>
           </a:stretch>
@@ -9360,7 +12920,7 @@
           <p:nvPr/>
         </p:nvPicPr>
         <p:blipFill>
-          <a:blip r:embed="rId4"/>
+          <a:blip r:embed="rId5"/>
           <a:stretch>
             <a:fillRect/>
           </a:stretch>
@@ -9388,6 +12948,196 @@
 </p:sld>
 </file>
 
+<file path=ppt/slides/slide27.xml><?xml version="1.0" encoding="utf-8"?>
+<p:sld xmlns:a="http://schemas.openxmlformats.org/drawingml/2006/main" xmlns:r="http://schemas.openxmlformats.org/officeDocument/2006/relationships" xmlns:p="http://schemas.openxmlformats.org/presentationml/2006/main">
+  <p:cSld>
+    <p:spTree>
+      <p:nvGrpSpPr>
+        <p:cNvPr id="1" name=""/>
+        <p:cNvGrpSpPr/>
+        <p:nvPr/>
+      </p:nvGrpSpPr>
+      <p:grpSpPr>
+        <a:xfrm>
+          <a:off x="0" y="0"/>
+          <a:ext cx="0" cy="0"/>
+          <a:chOff x="0" y="0"/>
+          <a:chExt cx="0" cy="0"/>
+        </a:xfrm>
+      </p:grpSpPr>
+      <p:sp>
+        <p:nvSpPr>
+          <p:cNvPr id="2" name="Title 1">
+            <a:extLst>
+              <a:ext uri="{FF2B5EF4-FFF2-40B4-BE49-F238E27FC236}">
+                <a16:creationId xmlns:a16="http://schemas.microsoft.com/office/drawing/2014/main" id="{94CE1A25-8771-40CB-ADAD-EECDA6677975}"/>
+              </a:ext>
+            </a:extLst>
+          </p:cNvPr>
+          <p:cNvSpPr>
+            <a:spLocks noGrp="1"/>
+          </p:cNvSpPr>
+          <p:nvPr>
+            <p:ph type="title"/>
+          </p:nvPr>
+        </p:nvSpPr>
+        <p:spPr/>
+        <p:txBody>
+          <a:bodyPr/>
+          <a:lstStyle/>
+          <a:p>
+            <a:pPr algn="ctr"/>
+            <a:r>
+              <a:rPr lang="en-GB" dirty="0"/>
+              <a:t>Multithreading windows parallel stacks</a:t>
+            </a:r>
+          </a:p>
+        </p:txBody>
+      </p:sp>
+      <p:sp>
+        <p:nvSpPr>
+          <p:cNvPr id="3" name="Content Placeholder 2">
+            <a:extLst>
+              <a:ext uri="{FF2B5EF4-FFF2-40B4-BE49-F238E27FC236}">
+                <a16:creationId xmlns:a16="http://schemas.microsoft.com/office/drawing/2014/main" id="{F88BB559-A3D6-4B16-9279-8AE40066437F}"/>
+              </a:ext>
+            </a:extLst>
+          </p:cNvPr>
+          <p:cNvSpPr>
+            <a:spLocks noGrp="1"/>
+          </p:cNvSpPr>
+          <p:nvPr>
+            <p:ph idx="1"/>
+          </p:nvPr>
+        </p:nvSpPr>
+        <p:spPr>
+          <a:xfrm>
+            <a:off x="685800" y="2194559"/>
+            <a:ext cx="10820400" cy="4351383"/>
+          </a:xfrm>
+        </p:spPr>
+        <p:txBody>
+          <a:bodyPr>
+            <a:normAutofit fontScale="85000" lnSpcReduction="20000"/>
+          </a:bodyPr>
+          <a:lstStyle/>
+          <a:p>
+            <a:r>
+              <a:rPr lang="en-GB" dirty="0"/>
+              <a:t> </a:t>
+            </a:r>
+            <a:r>
+              <a:rPr lang="en-GB" sz="2800" dirty="0"/>
+              <a:t>private static void </a:t>
+            </a:r>
+            <a:r>
+              <a:rPr lang="en-GB" sz="2800" dirty="0" err="1"/>
+              <a:t>ParallelExample</a:t>
+            </a:r>
+            <a:r>
+              <a:rPr lang="en-GB" sz="2800" dirty="0"/>
+              <a:t>()</a:t>
+            </a:r>
+          </a:p>
+          <a:p>
+            <a:r>
+              <a:rPr lang="en-GB" sz="2800" dirty="0"/>
+              <a:t>        {</a:t>
+            </a:r>
+          </a:p>
+          <a:p>
+            <a:r>
+              <a:rPr lang="en-GB" sz="2800" dirty="0"/>
+              <a:t>            var names = new List&lt;string&gt; {"Bob", "Judy", "Chris", "Ashley"};</a:t>
+            </a:r>
+          </a:p>
+          <a:p>
+            <a:r>
+              <a:rPr lang="en-GB" sz="2800" dirty="0"/>
+              <a:t>            </a:t>
+            </a:r>
+            <a:r>
+              <a:rPr lang="en-GB" sz="2800" dirty="0" err="1"/>
+              <a:t>Parallel.ForEach</a:t>
+            </a:r>
+            <a:r>
+              <a:rPr lang="en-GB" sz="2800" dirty="0"/>
+              <a:t>(names, (name) =&gt;</a:t>
+            </a:r>
+          </a:p>
+          <a:p>
+            <a:r>
+              <a:rPr lang="en-GB" sz="2800" dirty="0"/>
+              <a:t>            {</a:t>
+            </a:r>
+          </a:p>
+          <a:p>
+            <a:r>
+              <a:rPr lang="nn-NO" sz="2800" dirty="0"/>
+              <a:t>                for (var i = 0; i &lt; 10; i++)</a:t>
+            </a:r>
+          </a:p>
+          <a:p>
+            <a:r>
+              <a:rPr lang="en-GB" sz="2800" dirty="0"/>
+              <a:t>                {</a:t>
+            </a:r>
+          </a:p>
+          <a:p>
+            <a:r>
+              <a:rPr lang="en-GB" sz="2800" dirty="0"/>
+              <a:t>                    </a:t>
+            </a:r>
+            <a:r>
+              <a:rPr lang="en-GB" sz="2800" dirty="0" err="1"/>
+              <a:t>Console.WriteLine</a:t>
+            </a:r>
+            <a:r>
+              <a:rPr lang="en-GB" sz="2800" dirty="0"/>
+              <a:t>($"Hello {name} {</a:t>
+            </a:r>
+            <a:r>
+              <a:rPr lang="en-GB" sz="2800" dirty="0" err="1"/>
+              <a:t>i</a:t>
+            </a:r>
+            <a:r>
+              <a:rPr lang="en-GB" sz="2800" dirty="0"/>
+              <a:t>}");</a:t>
+            </a:r>
+          </a:p>
+          <a:p>
+            <a:r>
+              <a:rPr lang="en-GB" sz="2800" dirty="0"/>
+              <a:t>                }</a:t>
+            </a:r>
+          </a:p>
+          <a:p>
+            <a:r>
+              <a:rPr lang="en-GB" sz="2800" dirty="0"/>
+              <a:t>            });</a:t>
+            </a:r>
+          </a:p>
+          <a:p>
+            <a:r>
+              <a:rPr lang="en-GB" sz="2800" dirty="0"/>
+              <a:t>        }</a:t>
+            </a:r>
+          </a:p>
+        </p:txBody>
+      </p:sp>
+    </p:spTree>
+    <p:extLst>
+      <p:ext uri="{BB962C8B-B14F-4D97-AF65-F5344CB8AC3E}">
+        <p14:creationId xmlns:p14="http://schemas.microsoft.com/office/powerpoint/2010/main" val="2528886357"/>
+      </p:ext>
+    </p:extLst>
+  </p:cSld>
+  <p:clrMapOvr>
+    <a:masterClrMapping/>
+  </p:clrMapOvr>
+</p:sld>
+</file>
+
 <file path=ppt/slides/slide28.xml><?xml version="1.0" encoding="utf-8"?>
 <p:sld xmlns:a="http://schemas.openxmlformats.org/drawingml/2006/main" xmlns:r="http://schemas.openxmlformats.org/officeDocument/2006/relationships" xmlns:p="http://schemas.openxmlformats.org/presentationml/2006/main">
   <p:cSld>
@@ -9410,7 +13160,7 @@
           <p:cNvPr id="2" name="Title 1">
             <a:extLst>
               <a:ext uri="{FF2B5EF4-FFF2-40B4-BE49-F238E27FC236}">
-                <a16:creationId xmlns:a16="http://schemas.microsoft.com/office/drawing/2014/main" id="{94CE1A25-8771-40CB-ADAD-EECDA6677975}"/>
+                <a16:creationId xmlns:a16="http://schemas.microsoft.com/office/drawing/2014/main" id="{438E95E5-F383-416C-A154-CB05C318CCFC}"/>
               </a:ext>
             </a:extLst>
           </p:cNvPr>
@@ -9429,140 +13179,51 @@
             <a:pPr algn="ctr"/>
             <a:r>
               <a:rPr lang="en-GB" dirty="0"/>
-              <a:t>Multithreading windows parallel stacks</a:t>
-            </a:r>
-          </a:p>
-        </p:txBody>
-      </p:sp>
-      <p:sp>
-        <p:nvSpPr>
-          <p:cNvPr id="3" name="Content Placeholder 2">
+              <a:t>Multithreading windows</a:t>
+            </a:r>
+            <a:br>
+              <a:rPr lang="en-GB" dirty="0"/>
+            </a:br>
+            <a:r>
+              <a:rPr lang="en-GB" dirty="0"/>
+              <a:t>parallel stacks</a:t>
+            </a:r>
+          </a:p>
+        </p:txBody>
+      </p:sp>
+      <p:pic>
+        <p:nvPicPr>
+          <p:cNvPr id="5" name="Content Placeholder 4">
             <a:extLst>
               <a:ext uri="{FF2B5EF4-FFF2-40B4-BE49-F238E27FC236}">
-                <a16:creationId xmlns:a16="http://schemas.microsoft.com/office/drawing/2014/main" id="{F88BB559-A3D6-4B16-9279-8AE40066437F}"/>
+                <a16:creationId xmlns:a16="http://schemas.microsoft.com/office/drawing/2014/main" id="{230AE1D2-A83C-4280-AF07-8E81CABC5686}"/>
               </a:ext>
             </a:extLst>
           </p:cNvPr>
-          <p:cNvSpPr>
-            <a:spLocks noGrp="1"/>
-          </p:cNvSpPr>
+          <p:cNvPicPr>
+            <a:picLocks noGrp="1" noChangeAspect="1"/>
+          </p:cNvPicPr>
           <p:nvPr>
             <p:ph idx="1"/>
           </p:nvPr>
-        </p:nvSpPr>
-        <p:spPr/>
-        <p:txBody>
-          <a:bodyPr>
-            <a:normAutofit fontScale="85000" lnSpcReduction="20000"/>
-          </a:bodyPr>
-          <a:lstStyle/>
-          <a:p>
-            <a:r>
-              <a:rPr lang="en-GB" dirty="0"/>
-              <a:t> private static void </a:t>
-            </a:r>
-            <a:r>
-              <a:rPr lang="en-GB" dirty="0" err="1"/>
-              <a:t>ParallelExample</a:t>
-            </a:r>
-            <a:r>
-              <a:rPr lang="en-GB" dirty="0"/>
-              <a:t>()</a:t>
-            </a:r>
-          </a:p>
-          <a:p>
-            <a:r>
-              <a:rPr lang="en-GB" dirty="0"/>
-              <a:t>        {</a:t>
-            </a:r>
-          </a:p>
-          <a:p>
-            <a:r>
-              <a:rPr lang="en-GB" dirty="0"/>
-              <a:t>            var names = new List&lt;string&gt; {"Bob", "Judy", "Chris", "Ashley"};</a:t>
-            </a:r>
-          </a:p>
-          <a:p>
-            <a:r>
-              <a:rPr lang="en-GB" dirty="0"/>
-              <a:t>            </a:t>
-            </a:r>
-            <a:r>
-              <a:rPr lang="en-GB" dirty="0" err="1"/>
-              <a:t>Parallel.ForEach</a:t>
-            </a:r>
-            <a:r>
-              <a:rPr lang="en-GB" dirty="0"/>
-              <a:t>(names, (name) =&gt;</a:t>
-            </a:r>
-          </a:p>
-          <a:p>
-            <a:r>
-              <a:rPr lang="en-GB" dirty="0"/>
-              <a:t>            {</a:t>
-            </a:r>
-          </a:p>
-          <a:p>
-            <a:r>
-              <a:rPr lang="nn-NO" dirty="0"/>
-              <a:t>                for (var i = 0; i &lt; 10; i++)</a:t>
-            </a:r>
-          </a:p>
-          <a:p>
-            <a:r>
-              <a:rPr lang="en-GB" dirty="0"/>
-              <a:t>                {</a:t>
-            </a:r>
-          </a:p>
-          <a:p>
-            <a:r>
-              <a:rPr lang="en-GB" dirty="0"/>
-              <a:t>                    </a:t>
-            </a:r>
-            <a:r>
-              <a:rPr lang="en-GB" dirty="0" err="1"/>
-              <a:t>Console.WriteLine</a:t>
-            </a:r>
-            <a:r>
-              <a:rPr lang="en-GB" dirty="0"/>
-              <a:t>($"Hello {name} {</a:t>
-            </a:r>
-            <a:r>
-              <a:rPr lang="en-GB" dirty="0" err="1"/>
-              <a:t>i</a:t>
-            </a:r>
-            <a:r>
-              <a:rPr lang="en-GB" dirty="0"/>
-              <a:t>}");</a:t>
-            </a:r>
-          </a:p>
-          <a:p>
-            <a:r>
-              <a:rPr lang="en-GB" dirty="0"/>
-              <a:t>                }</a:t>
-            </a:r>
-          </a:p>
-          <a:p>
-            <a:r>
-              <a:rPr lang="en-GB" dirty="0"/>
-              <a:t>            });</a:t>
-            </a:r>
-          </a:p>
-          <a:p>
-            <a:endParaRPr lang="en-GB" dirty="0"/>
-          </a:p>
-          <a:p>
-            <a:r>
-              <a:rPr lang="en-GB" dirty="0"/>
-              <a:t>        }</a:t>
-            </a:r>
-          </a:p>
-        </p:txBody>
-      </p:sp>
+        </p:nvPicPr>
+        <p:blipFill>
+          <a:blip r:embed="rId3"/>
+          <a:stretch>
+            <a:fillRect/>
+          </a:stretch>
+        </p:blipFill>
+        <p:spPr>
+          <a:xfrm>
+            <a:off x="2509339" y="1930400"/>
+            <a:ext cx="7173321" cy="4657953"/>
+          </a:xfrm>
+        </p:spPr>
+      </p:pic>
     </p:spTree>
     <p:extLst>
       <p:ext uri="{BB962C8B-B14F-4D97-AF65-F5344CB8AC3E}">
-        <p14:creationId xmlns:p14="http://schemas.microsoft.com/office/powerpoint/2010/main" val="2528886357"/>
+        <p14:creationId xmlns:p14="http://schemas.microsoft.com/office/powerpoint/2010/main" val="770500011"/>
       </p:ext>
     </p:extLst>
   </p:cSld>
@@ -9594,7 +13255,7 @@
           <p:cNvPr id="2" name="Title 1">
             <a:extLst>
               <a:ext uri="{FF2B5EF4-FFF2-40B4-BE49-F238E27FC236}">
-                <a16:creationId xmlns:a16="http://schemas.microsoft.com/office/drawing/2014/main" id="{438E95E5-F383-416C-A154-CB05C318CCFC}"/>
+                <a16:creationId xmlns:a16="http://schemas.microsoft.com/office/drawing/2014/main" id="{2C84231B-0912-4D42-8E7F-A3A732B453ED}"/>
               </a:ext>
             </a:extLst>
           </p:cNvPr>
@@ -9620,7 +13281,7 @@
             </a:br>
             <a:r>
               <a:rPr lang="en-GB" dirty="0"/>
-              <a:t>parallel stacks</a:t>
+              <a:t>parallel watch</a:t>
             </a:r>
           </a:p>
         </p:txBody>
@@ -9630,7 +13291,7 @@
           <p:cNvPr id="5" name="Content Placeholder 4">
             <a:extLst>
               <a:ext uri="{FF2B5EF4-FFF2-40B4-BE49-F238E27FC236}">
-                <a16:creationId xmlns:a16="http://schemas.microsoft.com/office/drawing/2014/main" id="{230AE1D2-A83C-4280-AF07-8E81CABC5686}"/>
+                <a16:creationId xmlns:a16="http://schemas.microsoft.com/office/drawing/2014/main" id="{85E4DA72-8CCE-40C5-A245-5DAF02A98CD9}"/>
               </a:ext>
             </a:extLst>
           </p:cNvPr>
@@ -9642,22 +13303,22 @@
           </p:nvPr>
         </p:nvPicPr>
         <p:blipFill>
-          <a:blip r:embed="rId2"/>
+          <a:blip r:embed="rId3"/>
           <a:stretch>
             <a:fillRect/>
           </a:stretch>
         </p:blipFill>
         <p:spPr>
           <a:xfrm>
-            <a:off x="2509339" y="1930400"/>
-            <a:ext cx="7173321" cy="4657953"/>
+            <a:off x="315039" y="2271486"/>
+            <a:ext cx="11421327" cy="3822141"/>
           </a:xfrm>
         </p:spPr>
       </p:pic>
     </p:spTree>
     <p:extLst>
       <p:ext uri="{BB962C8B-B14F-4D97-AF65-F5344CB8AC3E}">
-        <p14:creationId xmlns:p14="http://schemas.microsoft.com/office/powerpoint/2010/main" val="770500011"/>
+        <p14:creationId xmlns:p14="http://schemas.microsoft.com/office/powerpoint/2010/main" val="194680150"/>
       </p:ext>
     </p:extLst>
   </p:cSld>
@@ -9733,12 +13394,6 @@
         <p:txBody>
           <a:bodyPr/>
           <a:lstStyle/>
-          <a:p>
-            <a:r>
-              <a:rPr lang="en-GB" dirty="0"/>
-              <a:t>There is a bug</a:t>
-            </a:r>
-          </a:p>
           <a:p>
             <a:r>
               <a:rPr lang="en-GB" dirty="0"/>
@@ -10206,55 +13861,6 @@
                       </p:childTnLst>
                     </p:cTn>
                   </p:par>
-                  <p:par>
-                    <p:cTn id="35" fill="hold">
-                      <p:stCondLst>
-                        <p:cond delay="indefinite"/>
-                      </p:stCondLst>
-                      <p:childTnLst>
-                        <p:par>
-                          <p:cTn id="36" fill="hold">
-                            <p:stCondLst>
-                              <p:cond delay="0"/>
-                            </p:stCondLst>
-                            <p:childTnLst>
-                              <p:par>
-                                <p:cTn id="37" presetID="1" presetClass="entr" presetSubtype="0" fill="hold" grpId="0" nodeType="clickEffect">
-                                  <p:stCondLst>
-                                    <p:cond delay="0"/>
-                                  </p:stCondLst>
-                                  <p:childTnLst>
-                                    <p:set>
-                                      <p:cBhvr>
-                                        <p:cTn id="38" dur="1" fill="hold">
-                                          <p:stCondLst>
-                                            <p:cond delay="0"/>
-                                          </p:stCondLst>
-                                        </p:cTn>
-                                        <p:tgtEl>
-                                          <p:spTgt spid="3">
-                                            <p:txEl>
-                                              <p:pRg st="8" end="8"/>
-                                            </p:txEl>
-                                          </p:spTgt>
-                                        </p:tgtEl>
-                                        <p:attrNameLst>
-                                          <p:attrName>style.visibility</p:attrName>
-                                        </p:attrNameLst>
-                                      </p:cBhvr>
-                                      <p:to>
-                                        <p:strVal val="visible"/>
-                                      </p:to>
-                                    </p:set>
-                                  </p:childTnLst>
-                                </p:cTn>
-                              </p:par>
-                            </p:childTnLst>
-                          </p:cTn>
-                        </p:par>
-                      </p:childTnLst>
-                    </p:cTn>
-                  </p:par>
                 </p:childTnLst>
               </p:cTn>
               <p:prevCondLst>
@@ -10305,7 +13911,7 @@
           <p:cNvPr id="2" name="Title 1">
             <a:extLst>
               <a:ext uri="{FF2B5EF4-FFF2-40B4-BE49-F238E27FC236}">
-                <a16:creationId xmlns:a16="http://schemas.microsoft.com/office/drawing/2014/main" id="{2C84231B-0912-4D42-8E7F-A3A732B453ED}"/>
+                <a16:creationId xmlns:a16="http://schemas.microsoft.com/office/drawing/2014/main" id="{8AB8C8CD-45D9-460E-A96F-2FFAD92DB137}"/>
               </a:ext>
             </a:extLst>
           </p:cNvPr>
@@ -10321,54 +13927,87 @@
           <a:bodyPr/>
           <a:lstStyle/>
           <a:p>
-            <a:pPr algn="ctr"/>
-            <a:r>
-              <a:rPr lang="en-GB" dirty="0"/>
-              <a:t>Multithreading windows</a:t>
-            </a:r>
-            <a:br>
-              <a:rPr lang="en-GB" dirty="0"/>
-            </a:br>
-            <a:r>
-              <a:rPr lang="en-GB" dirty="0"/>
-              <a:t>parallel watch</a:t>
-            </a:r>
-          </a:p>
-        </p:txBody>
-      </p:sp>
-      <p:pic>
-        <p:nvPicPr>
-          <p:cNvPr id="5" name="Content Placeholder 4">
+            <a:r>
+              <a:rPr lang="en-GB" dirty="0"/>
+              <a:t>Breakpoints</a:t>
+            </a:r>
+          </a:p>
+        </p:txBody>
+      </p:sp>
+      <p:sp>
+        <p:nvSpPr>
+          <p:cNvPr id="3" name="Content Placeholder 2">
             <a:extLst>
               <a:ext uri="{FF2B5EF4-FFF2-40B4-BE49-F238E27FC236}">
-                <a16:creationId xmlns:a16="http://schemas.microsoft.com/office/drawing/2014/main" id="{85E4DA72-8CCE-40C5-A245-5DAF02A98CD9}"/>
+                <a16:creationId xmlns:a16="http://schemas.microsoft.com/office/drawing/2014/main" id="{C1D22BCB-CFBD-4008-BD3B-ADFFA2EAA67D}"/>
               </a:ext>
             </a:extLst>
           </p:cNvPr>
-          <p:cNvPicPr>
-            <a:picLocks noGrp="1" noChangeAspect="1"/>
-          </p:cNvPicPr>
+          <p:cNvSpPr>
+            <a:spLocks noGrp="1"/>
+          </p:cNvSpPr>
           <p:nvPr>
             <p:ph idx="1"/>
           </p:nvPr>
-        </p:nvPicPr>
-        <p:blipFill>
-          <a:blip r:embed="rId3"/>
-          <a:stretch>
-            <a:fillRect/>
-          </a:stretch>
-        </p:blipFill>
-        <p:spPr>
-          <a:xfrm>
-            <a:off x="315039" y="2271486"/>
-            <a:ext cx="11421327" cy="3822141"/>
-          </a:xfrm>
-        </p:spPr>
-      </p:pic>
+        </p:nvSpPr>
+        <p:spPr/>
+        <p:txBody>
+          <a:bodyPr/>
+          <a:lstStyle/>
+          <a:p>
+            <a:r>
+              <a:rPr lang="en-GB" dirty="0"/>
+              <a:t>Data Breakpoints</a:t>
+            </a:r>
+          </a:p>
+          <a:p>
+            <a:r>
+              <a:rPr lang="en-GB" dirty="0"/>
+              <a:t>Break on return</a:t>
+            </a:r>
+          </a:p>
+          <a:p>
+            <a:r>
+              <a:rPr lang="en-GB" dirty="0"/>
+              <a:t>Condition</a:t>
+            </a:r>
+          </a:p>
+          <a:p>
+            <a:r>
+              <a:rPr lang="en-GB" dirty="0"/>
+              <a:t>Hit Count</a:t>
+            </a:r>
+          </a:p>
+          <a:p>
+            <a:r>
+              <a:rPr lang="en-GB" dirty="0"/>
+              <a:t>Filter</a:t>
+            </a:r>
+          </a:p>
+          <a:p>
+            <a:r>
+              <a:rPr lang="en-GB" dirty="0"/>
+              <a:t>When hit</a:t>
+            </a:r>
+          </a:p>
+          <a:p>
+            <a:r>
+              <a:rPr lang="en-GB" dirty="0"/>
+              <a:t>Break at Function</a:t>
+            </a:r>
+          </a:p>
+          <a:p>
+            <a:r>
+              <a:rPr lang="en-GB" dirty="0"/>
+              <a:t>Label</a:t>
+            </a:r>
+          </a:p>
+        </p:txBody>
+      </p:sp>
     </p:spTree>
     <p:extLst>
       <p:ext uri="{BB962C8B-B14F-4D97-AF65-F5344CB8AC3E}">
-        <p14:creationId xmlns:p14="http://schemas.microsoft.com/office/powerpoint/2010/main" val="194680150"/>
+        <p14:creationId xmlns:p14="http://schemas.microsoft.com/office/powerpoint/2010/main" val="712858971"/>
       </p:ext>
     </p:extLst>
   </p:cSld>
@@ -10400,7 +14039,7 @@
           <p:cNvPr id="2" name="Title 1">
             <a:extLst>
               <a:ext uri="{FF2B5EF4-FFF2-40B4-BE49-F238E27FC236}">
-                <a16:creationId xmlns:a16="http://schemas.microsoft.com/office/drawing/2014/main" id="{8AB8C8CD-45D9-460E-A96F-2FFAD92DB137}"/>
+                <a16:creationId xmlns:a16="http://schemas.microsoft.com/office/drawing/2014/main" id="{EF45E274-BADE-41E1-83B1-7BB877477E13}"/>
               </a:ext>
             </a:extLst>
           </p:cNvPr>
@@ -10411,92 +14050,64 @@
             <p:ph type="title"/>
           </p:nvPr>
         </p:nvSpPr>
-        <p:spPr/>
-        <p:txBody>
-          <a:bodyPr/>
-          <a:lstStyle/>
-          <a:p>
+        <p:spPr>
+          <a:xfrm>
+            <a:off x="1790700" y="771747"/>
+            <a:ext cx="8610600" cy="1293028"/>
+          </a:xfrm>
+        </p:spPr>
+        <p:txBody>
+          <a:bodyPr/>
+          <a:lstStyle/>
+          <a:p>
+            <a:pPr algn="ctr"/>
             <a:r>
               <a:rPr lang="en-GB" dirty="0"/>
               <a:t>Breakpoints</a:t>
             </a:r>
-          </a:p>
-        </p:txBody>
-      </p:sp>
-      <p:sp>
-        <p:nvSpPr>
-          <p:cNvPr id="3" name="Content Placeholder 2">
+            <a:br>
+              <a:rPr lang="en-GB" dirty="0"/>
+            </a:br>
+            <a:r>
+              <a:rPr lang="en-GB" dirty="0"/>
+              <a:t>Data</a:t>
+            </a:r>
+          </a:p>
+        </p:txBody>
+      </p:sp>
+      <p:pic>
+        <p:nvPicPr>
+          <p:cNvPr id="5" name="Content Placeholder 4">
             <a:extLst>
               <a:ext uri="{FF2B5EF4-FFF2-40B4-BE49-F238E27FC236}">
-                <a16:creationId xmlns:a16="http://schemas.microsoft.com/office/drawing/2014/main" id="{C1D22BCB-CFBD-4008-BD3B-ADFFA2EAA67D}"/>
+                <a16:creationId xmlns:a16="http://schemas.microsoft.com/office/drawing/2014/main" id="{06261ED0-FBA6-416E-8905-E88FFB811BCF}"/>
               </a:ext>
             </a:extLst>
           </p:cNvPr>
-          <p:cNvSpPr>
-            <a:spLocks noGrp="1"/>
-          </p:cNvSpPr>
+          <p:cNvPicPr>
+            <a:picLocks noGrp="1" noChangeAspect="1"/>
+          </p:cNvPicPr>
           <p:nvPr>
             <p:ph idx="1"/>
           </p:nvPr>
-        </p:nvSpPr>
-        <p:spPr/>
-        <p:txBody>
-          <a:bodyPr/>
-          <a:lstStyle/>
-          <a:p>
-            <a:r>
-              <a:rPr lang="en-GB" dirty="0"/>
-              <a:t>Data Breakpoints</a:t>
-            </a:r>
-          </a:p>
-          <a:p>
-            <a:r>
-              <a:rPr lang="en-GB" dirty="0"/>
-              <a:t>Break on return</a:t>
-            </a:r>
-          </a:p>
-          <a:p>
-            <a:r>
-              <a:rPr lang="en-GB" dirty="0"/>
-              <a:t>Condition</a:t>
-            </a:r>
-          </a:p>
-          <a:p>
-            <a:r>
-              <a:rPr lang="en-GB" dirty="0"/>
-              <a:t>Hit Count</a:t>
-            </a:r>
-          </a:p>
-          <a:p>
-            <a:r>
-              <a:rPr lang="en-GB" dirty="0"/>
-              <a:t>Filter</a:t>
-            </a:r>
-          </a:p>
-          <a:p>
-            <a:r>
-              <a:rPr lang="en-GB" dirty="0"/>
-              <a:t>When hit</a:t>
-            </a:r>
-          </a:p>
-          <a:p>
-            <a:r>
-              <a:rPr lang="en-GB" dirty="0"/>
-              <a:t>Break at Function</a:t>
-            </a:r>
-          </a:p>
-          <a:p>
-            <a:r>
-              <a:rPr lang="en-GB" dirty="0"/>
-              <a:t>Label</a:t>
-            </a:r>
-          </a:p>
-        </p:txBody>
-      </p:sp>
+        </p:nvPicPr>
+        <p:blipFill>
+          <a:blip r:embed="rId3"/>
+          <a:stretch>
+            <a:fillRect/>
+          </a:stretch>
+        </p:blipFill>
+        <p:spPr>
+          <a:xfrm>
+            <a:off x="561852" y="3561734"/>
+            <a:ext cx="10670751" cy="1401097"/>
+          </a:xfrm>
+        </p:spPr>
+      </p:pic>
     </p:spTree>
     <p:extLst>
       <p:ext uri="{BB962C8B-B14F-4D97-AF65-F5344CB8AC3E}">
-        <p14:creationId xmlns:p14="http://schemas.microsoft.com/office/powerpoint/2010/main" val="712858971"/>
+        <p14:creationId xmlns:p14="http://schemas.microsoft.com/office/powerpoint/2010/main" val="3798399702"/>
       </p:ext>
     </p:extLst>
   </p:cSld>
@@ -10528,7 +14139,7 @@
           <p:cNvPr id="2" name="Title 1">
             <a:extLst>
               <a:ext uri="{FF2B5EF4-FFF2-40B4-BE49-F238E27FC236}">
-                <a16:creationId xmlns:a16="http://schemas.microsoft.com/office/drawing/2014/main" id="{EF45E274-BADE-41E1-83B1-7BB877477E13}"/>
+                <a16:creationId xmlns:a16="http://schemas.microsoft.com/office/drawing/2014/main" id="{5C447C18-F927-4A7E-BDC9-0535B885C197}"/>
               </a:ext>
             </a:extLst>
           </p:cNvPr>
@@ -10539,12 +14150,7 @@
             <p:ph type="title"/>
           </p:nvPr>
         </p:nvSpPr>
-        <p:spPr>
-          <a:xfrm>
-            <a:off x="1790700" y="771747"/>
-            <a:ext cx="8610600" cy="1293028"/>
-          </a:xfrm>
-        </p:spPr>
+        <p:spPr/>
         <p:txBody>
           <a:bodyPr/>
           <a:lstStyle/>
@@ -10559,7 +14165,7 @@
             </a:br>
             <a:r>
               <a:rPr lang="en-GB" dirty="0"/>
-              <a:t>Data</a:t>
+              <a:t>break on return</a:t>
             </a:r>
           </a:p>
         </p:txBody>
@@ -10569,7 +14175,7 @@
           <p:cNvPr id="5" name="Content Placeholder 4">
             <a:extLst>
               <a:ext uri="{FF2B5EF4-FFF2-40B4-BE49-F238E27FC236}">
-                <a16:creationId xmlns:a16="http://schemas.microsoft.com/office/drawing/2014/main" id="{06261ED0-FBA6-416E-8905-E88FFB811BCF}"/>
+                <a16:creationId xmlns:a16="http://schemas.microsoft.com/office/drawing/2014/main" id="{9A5F0EBE-51C5-4948-9FDA-100535C754E2}"/>
               </a:ext>
             </a:extLst>
           </p:cNvPr>
@@ -10581,22 +14187,22 @@
           </p:nvPr>
         </p:nvPicPr>
         <p:blipFill>
-          <a:blip r:embed="rId2"/>
+          <a:blip r:embed="rId3"/>
           <a:stretch>
             <a:fillRect/>
           </a:stretch>
         </p:blipFill>
         <p:spPr>
           <a:xfrm>
-            <a:off x="561852" y="3561734"/>
-            <a:ext cx="10670751" cy="1401097"/>
+            <a:off x="185085" y="2057401"/>
+            <a:ext cx="11806477" cy="4291780"/>
           </a:xfrm>
         </p:spPr>
       </p:pic>
     </p:spTree>
     <p:extLst>
       <p:ext uri="{BB962C8B-B14F-4D97-AF65-F5344CB8AC3E}">
-        <p14:creationId xmlns:p14="http://schemas.microsoft.com/office/powerpoint/2010/main" val="3798399702"/>
+        <p14:creationId xmlns:p14="http://schemas.microsoft.com/office/powerpoint/2010/main" val="1115018585"/>
       </p:ext>
     </p:extLst>
   </p:cSld>
@@ -10628,222 +14234,6 @@
           <p:cNvPr id="2" name="Title 1">
             <a:extLst>
               <a:ext uri="{FF2B5EF4-FFF2-40B4-BE49-F238E27FC236}">
-                <a16:creationId xmlns:a16="http://schemas.microsoft.com/office/drawing/2014/main" id="{51F7B5DE-7A6F-4705-A51B-83C53908B93E}"/>
-              </a:ext>
-            </a:extLst>
-          </p:cNvPr>
-          <p:cNvSpPr>
-            <a:spLocks noGrp="1"/>
-          </p:cNvSpPr>
-          <p:nvPr>
-            <p:ph type="title"/>
-          </p:nvPr>
-        </p:nvSpPr>
-        <p:spPr/>
-        <p:txBody>
-          <a:bodyPr/>
-          <a:lstStyle/>
-          <a:p>
-            <a:pPr algn="ctr"/>
-            <a:r>
-              <a:rPr lang="en-GB" dirty="0"/>
-              <a:t>Breakpoints</a:t>
-            </a:r>
-            <a:br>
-              <a:rPr lang="en-GB" dirty="0"/>
-            </a:br>
-            <a:r>
-              <a:rPr lang="en-GB" dirty="0"/>
-              <a:t>break on return</a:t>
-            </a:r>
-          </a:p>
-        </p:txBody>
-      </p:sp>
-      <p:sp>
-        <p:nvSpPr>
-          <p:cNvPr id="6" name="Content Placeholder 5">
-            <a:extLst>
-              <a:ext uri="{FF2B5EF4-FFF2-40B4-BE49-F238E27FC236}">
-                <a16:creationId xmlns:a16="http://schemas.microsoft.com/office/drawing/2014/main" id="{CA550C17-69E8-4F34-8E98-6D55051CB62B}"/>
-              </a:ext>
-            </a:extLst>
-          </p:cNvPr>
-          <p:cNvSpPr>
-            <a:spLocks noGrp="1"/>
-          </p:cNvSpPr>
-          <p:nvPr>
-            <p:ph idx="1"/>
-          </p:nvPr>
-        </p:nvSpPr>
-        <p:spPr/>
-        <p:txBody>
-          <a:bodyPr/>
-          <a:lstStyle/>
-          <a:p>
-            <a:endParaRPr lang="en-GB"/>
-          </a:p>
-        </p:txBody>
-      </p:sp>
-      <p:pic>
-        <p:nvPicPr>
-          <p:cNvPr id="7" name="Picture 6">
-            <a:extLst>
-              <a:ext uri="{FF2B5EF4-FFF2-40B4-BE49-F238E27FC236}">
-                <a16:creationId xmlns:a16="http://schemas.microsoft.com/office/drawing/2014/main" id="{15B021A4-B04D-48A3-8B1E-E4E6896715AE}"/>
-              </a:ext>
-            </a:extLst>
-          </p:cNvPr>
-          <p:cNvPicPr>
-            <a:picLocks noChangeAspect="1"/>
-          </p:cNvPicPr>
-          <p:nvPr/>
-        </p:nvPicPr>
-        <p:blipFill>
-          <a:blip r:embed="rId2"/>
-          <a:stretch>
-            <a:fillRect/>
-          </a:stretch>
-        </p:blipFill>
-        <p:spPr>
-          <a:xfrm>
-            <a:off x="858000" y="3024997"/>
-            <a:ext cx="10331668" cy="2030082"/>
-          </a:xfrm>
-          <a:prstGeom prst="rect">
-            <a:avLst/>
-          </a:prstGeom>
-        </p:spPr>
-      </p:pic>
-    </p:spTree>
-    <p:extLst>
-      <p:ext uri="{BB962C8B-B14F-4D97-AF65-F5344CB8AC3E}">
-        <p14:creationId xmlns:p14="http://schemas.microsoft.com/office/powerpoint/2010/main" val="2542828413"/>
-      </p:ext>
-    </p:extLst>
-  </p:cSld>
-  <p:clrMapOvr>
-    <a:masterClrMapping/>
-  </p:clrMapOvr>
-</p:sld>
-</file>
-
-<file path=ppt/slides/slide34.xml><?xml version="1.0" encoding="utf-8"?>
-<p:sld xmlns:a="http://schemas.openxmlformats.org/drawingml/2006/main" xmlns:r="http://schemas.openxmlformats.org/officeDocument/2006/relationships" xmlns:p="http://schemas.openxmlformats.org/presentationml/2006/main">
-  <p:cSld>
-    <p:spTree>
-      <p:nvGrpSpPr>
-        <p:cNvPr id="1" name=""/>
-        <p:cNvGrpSpPr/>
-        <p:nvPr/>
-      </p:nvGrpSpPr>
-      <p:grpSpPr>
-        <a:xfrm>
-          <a:off x="0" y="0"/>
-          <a:ext cx="0" cy="0"/>
-          <a:chOff x="0" y="0"/>
-          <a:chExt cx="0" cy="0"/>
-        </a:xfrm>
-      </p:grpSpPr>
-      <p:sp>
-        <p:nvSpPr>
-          <p:cNvPr id="2" name="Title 1">
-            <a:extLst>
-              <a:ext uri="{FF2B5EF4-FFF2-40B4-BE49-F238E27FC236}">
-                <a16:creationId xmlns:a16="http://schemas.microsoft.com/office/drawing/2014/main" id="{5C447C18-F927-4A7E-BDC9-0535B885C197}"/>
-              </a:ext>
-            </a:extLst>
-          </p:cNvPr>
-          <p:cNvSpPr>
-            <a:spLocks noGrp="1"/>
-          </p:cNvSpPr>
-          <p:nvPr>
-            <p:ph type="title"/>
-          </p:nvPr>
-        </p:nvSpPr>
-        <p:spPr/>
-        <p:txBody>
-          <a:bodyPr/>
-          <a:lstStyle/>
-          <a:p>
-            <a:pPr algn="ctr"/>
-            <a:r>
-              <a:rPr lang="en-GB" dirty="0"/>
-              <a:t>Breakpoints</a:t>
-            </a:r>
-            <a:br>
-              <a:rPr lang="en-GB" dirty="0"/>
-            </a:br>
-            <a:r>
-              <a:rPr lang="en-GB" dirty="0"/>
-              <a:t>break on return</a:t>
-            </a:r>
-          </a:p>
-        </p:txBody>
-      </p:sp>
-      <p:pic>
-        <p:nvPicPr>
-          <p:cNvPr id="5" name="Content Placeholder 4">
-            <a:extLst>
-              <a:ext uri="{FF2B5EF4-FFF2-40B4-BE49-F238E27FC236}">
-                <a16:creationId xmlns:a16="http://schemas.microsoft.com/office/drawing/2014/main" id="{9A5F0EBE-51C5-4948-9FDA-100535C754E2}"/>
-              </a:ext>
-            </a:extLst>
-          </p:cNvPr>
-          <p:cNvPicPr>
-            <a:picLocks noGrp="1" noChangeAspect="1"/>
-          </p:cNvPicPr>
-          <p:nvPr>
-            <p:ph idx="1"/>
-          </p:nvPr>
-        </p:nvPicPr>
-        <p:blipFill>
-          <a:blip r:embed="rId2"/>
-          <a:stretch>
-            <a:fillRect/>
-          </a:stretch>
-        </p:blipFill>
-        <p:spPr>
-          <a:xfrm>
-            <a:off x="185085" y="2057401"/>
-            <a:ext cx="11806477" cy="4291780"/>
-          </a:xfrm>
-        </p:spPr>
-      </p:pic>
-    </p:spTree>
-    <p:extLst>
-      <p:ext uri="{BB962C8B-B14F-4D97-AF65-F5344CB8AC3E}">
-        <p14:creationId xmlns:p14="http://schemas.microsoft.com/office/powerpoint/2010/main" val="1115018585"/>
-      </p:ext>
-    </p:extLst>
-  </p:cSld>
-  <p:clrMapOvr>
-    <a:masterClrMapping/>
-  </p:clrMapOvr>
-</p:sld>
-</file>
-
-<file path=ppt/slides/slide35.xml><?xml version="1.0" encoding="utf-8"?>
-<p:sld xmlns:a="http://schemas.openxmlformats.org/drawingml/2006/main" xmlns:r="http://schemas.openxmlformats.org/officeDocument/2006/relationships" xmlns:p="http://schemas.openxmlformats.org/presentationml/2006/main">
-  <p:cSld>
-    <p:spTree>
-      <p:nvGrpSpPr>
-        <p:cNvPr id="1" name=""/>
-        <p:cNvGrpSpPr/>
-        <p:nvPr/>
-      </p:nvGrpSpPr>
-      <p:grpSpPr>
-        <a:xfrm>
-          <a:off x="0" y="0"/>
-          <a:ext cx="0" cy="0"/>
-          <a:chOff x="0" y="0"/>
-          <a:chExt cx="0" cy="0"/>
-        </a:xfrm>
-      </p:grpSpPr>
-      <p:sp>
-        <p:nvSpPr>
-          <p:cNvPr id="2" name="Title 1">
-            <a:extLst>
-              <a:ext uri="{FF2B5EF4-FFF2-40B4-BE49-F238E27FC236}">
                 <a16:creationId xmlns:a16="http://schemas.microsoft.com/office/drawing/2014/main" id="{5C447C18-F927-4A7E-BDC9-0535B885C197}"/>
               </a:ext>
             </a:extLst>
@@ -10894,7 +14284,7 @@
           </p:nvPr>
         </p:nvPicPr>
         <p:blipFill>
-          <a:blip r:embed="rId2"/>
+          <a:blip r:embed="rId3"/>
           <a:stretch>
             <a:fillRect/>
           </a:stretch>
@@ -10922,7 +14312,7 @@
 </p:sld>
 </file>
 
-<file path=ppt/slides/slide36.xml><?xml version="1.0" encoding="utf-8"?>
+<file path=ppt/slides/slide34.xml><?xml version="1.0" encoding="utf-8"?>
 <p:sld xmlns:a="http://schemas.openxmlformats.org/drawingml/2006/main" xmlns:r="http://schemas.openxmlformats.org/officeDocument/2006/relationships" xmlns:p="http://schemas.openxmlformats.org/presentationml/2006/main">
   <p:cSld>
     <p:spTree>
@@ -10992,7 +14382,7 @@
           </p:nvPr>
         </p:nvPicPr>
         <p:blipFill>
-          <a:blip r:embed="rId2"/>
+          <a:blip r:embed="rId3"/>
           <a:stretch>
             <a:fillRect/>
           </a:stretch>
@@ -11020,7 +14410,7 @@
 </p:sld>
 </file>
 
-<file path=ppt/slides/slide37.xml><?xml version="1.0" encoding="utf-8"?>
+<file path=ppt/slides/slide35.xml><?xml version="1.0" encoding="utf-8"?>
 <p:sld xmlns:a="http://schemas.openxmlformats.org/drawingml/2006/main" xmlns:r="http://schemas.openxmlformats.org/officeDocument/2006/relationships" xmlns:p="http://schemas.openxmlformats.org/presentationml/2006/main">
   <p:cSld>
     <p:spTree>
@@ -11224,7 +14614,7 @@
 </p:sld>
 </file>
 
-<file path=ppt/slides/slide38.xml><?xml version="1.0" encoding="utf-8"?>
+<file path=ppt/slides/slide36.xml><?xml version="1.0" encoding="utf-8"?>
 <p:sld xmlns:a="http://schemas.openxmlformats.org/drawingml/2006/main" xmlns:r="http://schemas.openxmlformats.org/officeDocument/2006/relationships" xmlns:p="http://schemas.openxmlformats.org/presentationml/2006/main">
   <p:cSld>
     <p:spTree>
@@ -11294,7 +14684,7 @@
           </p:nvPr>
         </p:nvPicPr>
         <p:blipFill>
-          <a:blip r:embed="rId2"/>
+          <a:blip r:embed="rId3"/>
           <a:stretch>
             <a:fillRect/>
           </a:stretch>
@@ -11322,7 +14712,7 @@
 </p:sld>
 </file>
 
-<file path=ppt/slides/slide39.xml><?xml version="1.0" encoding="utf-8"?>
+<file path=ppt/slides/slide37.xml><?xml version="1.0" encoding="utf-8"?>
 <p:sld xmlns:a="http://schemas.openxmlformats.org/drawingml/2006/main" xmlns:r="http://schemas.openxmlformats.org/officeDocument/2006/relationships" xmlns:p="http://schemas.openxmlformats.org/presentationml/2006/main">
   <p:cSld>
     <p:spTree>
@@ -11415,7 +14805,7 @@
           <p:nvPr/>
         </p:nvPicPr>
         <p:blipFill>
-          <a:blip r:embed="rId2"/>
+          <a:blip r:embed="rId3"/>
           <a:stretch>
             <a:fillRect/>
           </a:stretch>
@@ -11430,6 +14820,159 @@
           </a:prstGeom>
         </p:spPr>
       </p:pic>
+      <mc:AlternateContent xmlns:mc="http://schemas.openxmlformats.org/markup-compatibility/2006" xmlns:p14="http://schemas.microsoft.com/office/powerpoint/2010/main">
+        <mc:Choice Requires="p14">
+          <p:contentPart p14:bwMode="auto" r:id="rId4">
+            <p14:nvContentPartPr>
+              <p14:cNvPr id="3" name="Ink 2">
+                <a:extLst>
+                  <a:ext uri="{FF2B5EF4-FFF2-40B4-BE49-F238E27FC236}">
+                    <a16:creationId xmlns:a16="http://schemas.microsoft.com/office/drawing/2014/main" id="{367C9844-58C7-43FD-AE67-C20AF37CD7C1}"/>
+                  </a:ext>
+                </a:extLst>
+              </p14:cNvPr>
+              <p14:cNvContentPartPr/>
+              <p14:nvPr/>
+            </p14:nvContentPartPr>
+            <p14:xfrm>
+              <a:off x="9629709" y="3780691"/>
+              <a:ext cx="360" cy="360"/>
+            </p14:xfrm>
+          </p:contentPart>
+        </mc:Choice>
+        <mc:Fallback xmlns="">
+          <p:pic>
+            <p:nvPicPr>
+              <p:cNvPr id="3" name="Ink 2">
+                <a:extLst>
+                  <a:ext uri="{FF2B5EF4-FFF2-40B4-BE49-F238E27FC236}">
+                    <a16:creationId xmlns:a16="http://schemas.microsoft.com/office/drawing/2014/main" id="{367C9844-58C7-43FD-AE67-C20AF37CD7C1}"/>
+                  </a:ext>
+                </a:extLst>
+              </p:cNvPr>
+              <p:cNvPicPr/>
+              <p:nvPr/>
+            </p:nvPicPr>
+            <p:blipFill>
+              <a:blip r:embed="rId5"/>
+              <a:stretch>
+                <a:fillRect/>
+              </a:stretch>
+            </p:blipFill>
+            <p:spPr>
+              <a:xfrm>
+                <a:off x="9557709" y="3636691"/>
+                <a:ext cx="144000" cy="288000"/>
+              </a:xfrm>
+              <a:prstGeom prst="rect">
+                <a:avLst/>
+              </a:prstGeom>
+            </p:spPr>
+          </p:pic>
+        </mc:Fallback>
+      </mc:AlternateContent>
+      <mc:AlternateContent xmlns:mc="http://schemas.openxmlformats.org/markup-compatibility/2006" xmlns:p14="http://schemas.microsoft.com/office/powerpoint/2010/main">
+        <mc:Choice Requires="p14">
+          <p:contentPart p14:bwMode="auto" r:id="rId6">
+            <p14:nvContentPartPr>
+              <p14:cNvPr id="4" name="Ink 3">
+                <a:extLst>
+                  <a:ext uri="{FF2B5EF4-FFF2-40B4-BE49-F238E27FC236}">
+                    <a16:creationId xmlns:a16="http://schemas.microsoft.com/office/drawing/2014/main" id="{3DB66578-86D0-445C-8ABF-2FAD2A39C11B}"/>
+                  </a:ext>
+                </a:extLst>
+              </p14:cNvPr>
+              <p14:cNvContentPartPr/>
+              <p14:nvPr/>
+            </p14:nvContentPartPr>
+            <p14:xfrm>
+              <a:off x="9743469" y="3815611"/>
+              <a:ext cx="1178280" cy="60480"/>
+            </p14:xfrm>
+          </p:contentPart>
+        </mc:Choice>
+        <mc:Fallback xmlns="">
+          <p:pic>
+            <p:nvPicPr>
+              <p:cNvPr id="4" name="Ink 3">
+                <a:extLst>
+                  <a:ext uri="{FF2B5EF4-FFF2-40B4-BE49-F238E27FC236}">
+                    <a16:creationId xmlns:a16="http://schemas.microsoft.com/office/drawing/2014/main" id="{3DB66578-86D0-445C-8ABF-2FAD2A39C11B}"/>
+                  </a:ext>
+                </a:extLst>
+              </p:cNvPr>
+              <p:cNvPicPr/>
+              <p:nvPr/>
+            </p:nvPicPr>
+            <p:blipFill>
+              <a:blip r:embed="rId7"/>
+              <a:stretch>
+                <a:fillRect/>
+              </a:stretch>
+            </p:blipFill>
+            <p:spPr>
+              <a:xfrm>
+                <a:off x="9671469" y="3671611"/>
+                <a:ext cx="1321920" cy="348120"/>
+              </a:xfrm>
+              <a:prstGeom prst="rect">
+                <a:avLst/>
+              </a:prstGeom>
+            </p:spPr>
+          </p:pic>
+        </mc:Fallback>
+      </mc:AlternateContent>
+      <mc:AlternateContent xmlns:mc="http://schemas.openxmlformats.org/markup-compatibility/2006" xmlns:p14="http://schemas.microsoft.com/office/powerpoint/2010/main">
+        <mc:Choice Requires="p14">
+          <p:contentPart p14:bwMode="auto" r:id="rId8">
+            <p14:nvContentPartPr>
+              <p14:cNvPr id="7" name="Ink 6">
+                <a:extLst>
+                  <a:ext uri="{FF2B5EF4-FFF2-40B4-BE49-F238E27FC236}">
+                    <a16:creationId xmlns:a16="http://schemas.microsoft.com/office/drawing/2014/main" id="{05E3C6E7-43FF-4E4E-9953-0AC32D4A1265}"/>
+                  </a:ext>
+                </a:extLst>
+              </p14:cNvPr>
+              <p14:cNvContentPartPr/>
+              <p14:nvPr/>
+            </p14:nvContentPartPr>
+            <p14:xfrm>
+              <a:off x="9665709" y="565531"/>
+              <a:ext cx="360" cy="360"/>
+            </p14:xfrm>
+          </p:contentPart>
+        </mc:Choice>
+        <mc:Fallback xmlns="">
+          <p:pic>
+            <p:nvPicPr>
+              <p:cNvPr id="7" name="Ink 6">
+                <a:extLst>
+                  <a:ext uri="{FF2B5EF4-FFF2-40B4-BE49-F238E27FC236}">
+                    <a16:creationId xmlns:a16="http://schemas.microsoft.com/office/drawing/2014/main" id="{05E3C6E7-43FF-4E4E-9953-0AC32D4A1265}"/>
+                  </a:ext>
+                </a:extLst>
+              </p:cNvPr>
+              <p:cNvPicPr/>
+              <p:nvPr/>
+            </p:nvPicPr>
+            <p:blipFill>
+              <a:blip r:embed="rId5"/>
+              <a:stretch>
+                <a:fillRect/>
+              </a:stretch>
+            </p:blipFill>
+            <p:spPr>
+              <a:xfrm>
+                <a:off x="9594069" y="421531"/>
+                <a:ext cx="144000" cy="288000"/>
+              </a:xfrm>
+              <a:prstGeom prst="rect">
+                <a:avLst/>
+              </a:prstGeom>
+            </p:spPr>
+          </p:pic>
+        </mc:Fallback>
+      </mc:AlternateContent>
     </p:spTree>
     <p:extLst>
       <p:ext uri="{BB962C8B-B14F-4D97-AF65-F5344CB8AC3E}">
@@ -11443,7 +14986,7 @@
 </p:sld>
 </file>
 
-<file path=ppt/slides/slide4.xml><?xml version="1.0" encoding="utf-8"?>
+<file path=ppt/slides/slide38.xml><?xml version="1.0" encoding="utf-8"?>
 <p:sld xmlns:a="http://schemas.openxmlformats.org/drawingml/2006/main" xmlns:r="http://schemas.openxmlformats.org/officeDocument/2006/relationships" xmlns:p="http://schemas.openxmlformats.org/presentationml/2006/main">
   <p:cSld>
     <p:spTree>
@@ -11465,480 +15008,6 @@
           <p:cNvPr id="2" name="Title 1">
             <a:extLst>
               <a:ext uri="{FF2B5EF4-FFF2-40B4-BE49-F238E27FC236}">
-                <a16:creationId xmlns:a16="http://schemas.microsoft.com/office/drawing/2014/main" id="{342C99F7-39E2-4113-AD17-AD5EC6AB15E9}"/>
-              </a:ext>
-            </a:extLst>
-          </p:cNvPr>
-          <p:cNvSpPr>
-            <a:spLocks noGrp="1"/>
-          </p:cNvSpPr>
-          <p:nvPr>
-            <p:ph type="title"/>
-          </p:nvPr>
-        </p:nvSpPr>
-        <p:spPr/>
-        <p:txBody>
-          <a:bodyPr/>
-          <a:lstStyle/>
-          <a:p>
-            <a:pPr algn="ctr"/>
-            <a:r>
-              <a:rPr lang="en-GB" dirty="0"/>
-              <a:t>There is a bug</a:t>
-            </a:r>
-          </a:p>
-        </p:txBody>
-      </p:sp>
-      <p:sp>
-        <p:nvSpPr>
-          <p:cNvPr id="3" name="Content Placeholder 2">
-            <a:extLst>
-              <a:ext uri="{FF2B5EF4-FFF2-40B4-BE49-F238E27FC236}">
-                <a16:creationId xmlns:a16="http://schemas.microsoft.com/office/drawing/2014/main" id="{8FB00E29-7AEB-4B82-ADD4-40833DFF3521}"/>
-              </a:ext>
-            </a:extLst>
-          </p:cNvPr>
-          <p:cNvSpPr>
-            <a:spLocks noGrp="1"/>
-          </p:cNvSpPr>
-          <p:nvPr>
-            <p:ph idx="1"/>
-          </p:nvPr>
-        </p:nvSpPr>
-        <p:spPr/>
-        <p:txBody>
-          <a:bodyPr/>
-          <a:lstStyle/>
-          <a:p>
-            <a:pPr marL="0" indent="0">
-              <a:buNone/>
-            </a:pPr>
-            <a:r>
-              <a:rPr lang="en-GB" dirty="0"/>
-              <a:t>Don’t panic</a:t>
-            </a:r>
-          </a:p>
-          <a:p>
-            <a:pPr marL="0" indent="0">
-              <a:buNone/>
-            </a:pPr>
-            <a:r>
-              <a:rPr lang="en-GB" dirty="0"/>
-              <a:t>Arrange Time to Update</a:t>
-            </a:r>
-          </a:p>
-          <a:p>
-            <a:pPr marL="0" indent="0">
-              <a:buNone/>
-            </a:pPr>
-            <a:r>
-              <a:rPr lang="en-GB" dirty="0"/>
-              <a:t>Gather details</a:t>
-            </a:r>
-          </a:p>
-          <a:p>
-            <a:pPr marL="0" indent="0">
-              <a:buNone/>
-            </a:pPr>
-            <a:r>
-              <a:rPr lang="en-GB" dirty="0"/>
-              <a:t>Reproduce</a:t>
-            </a:r>
-          </a:p>
-          <a:p>
-            <a:pPr marL="0" indent="0">
-              <a:buNone/>
-            </a:pPr>
-            <a:r>
-              <a:rPr lang="en-GB" dirty="0"/>
-              <a:t>Create Hypotheses</a:t>
-            </a:r>
-          </a:p>
-          <a:p>
-            <a:pPr marL="0" indent="0">
-              <a:buNone/>
-            </a:pPr>
-            <a:r>
-              <a:rPr lang="en-GB" dirty="0"/>
-              <a:t>Write a test to reproduce bug</a:t>
-            </a:r>
-          </a:p>
-          <a:p>
-            <a:pPr marL="0" indent="0">
-              <a:buNone/>
-            </a:pPr>
-            <a:endParaRPr lang="en-GB" dirty="0"/>
-          </a:p>
-          <a:p>
-            <a:pPr marL="0" indent="0">
-              <a:buNone/>
-            </a:pPr>
-            <a:endParaRPr lang="en-GB" dirty="0"/>
-          </a:p>
-        </p:txBody>
-      </p:sp>
-    </p:spTree>
-    <p:extLst>
-      <p:ext uri="{BB962C8B-B14F-4D97-AF65-F5344CB8AC3E}">
-        <p14:creationId xmlns:p14="http://schemas.microsoft.com/office/powerpoint/2010/main" val="2050665506"/>
-      </p:ext>
-    </p:extLst>
-  </p:cSld>
-  <p:clrMapOvr>
-    <a:masterClrMapping/>
-  </p:clrMapOvr>
-  <p:timing>
-    <p:tnLst>
-      <p:par>
-        <p:cTn id="1" dur="indefinite" restart="never" nodeType="tmRoot">
-          <p:childTnLst>
-            <p:seq concurrent="1" nextAc="seek">
-              <p:cTn id="2" dur="indefinite" nodeType="mainSeq">
-                <p:childTnLst>
-                  <p:par>
-                    <p:cTn id="3" fill="hold">
-                      <p:stCondLst>
-                        <p:cond delay="indefinite"/>
-                      </p:stCondLst>
-                      <p:childTnLst>
-                        <p:par>
-                          <p:cTn id="4" fill="hold">
-                            <p:stCondLst>
-                              <p:cond delay="0"/>
-                            </p:stCondLst>
-                            <p:childTnLst>
-                              <p:par>
-                                <p:cTn id="5" presetID="1" presetClass="entr" presetSubtype="0" fill="hold" grpId="0" nodeType="clickEffect">
-                                  <p:stCondLst>
-                                    <p:cond delay="0"/>
-                                  </p:stCondLst>
-                                  <p:childTnLst>
-                                    <p:set>
-                                      <p:cBhvr>
-                                        <p:cTn id="6" dur="1" fill="hold">
-                                          <p:stCondLst>
-                                            <p:cond delay="0"/>
-                                          </p:stCondLst>
-                                        </p:cTn>
-                                        <p:tgtEl>
-                                          <p:spTgt spid="3">
-                                            <p:txEl>
-                                              <p:pRg st="0" end="0"/>
-                                            </p:txEl>
-                                          </p:spTgt>
-                                        </p:tgtEl>
-                                        <p:attrNameLst>
-                                          <p:attrName>style.visibility</p:attrName>
-                                        </p:attrNameLst>
-                                      </p:cBhvr>
-                                      <p:to>
-                                        <p:strVal val="visible"/>
-                                      </p:to>
-                                    </p:set>
-                                  </p:childTnLst>
-                                </p:cTn>
-                              </p:par>
-                            </p:childTnLst>
-                          </p:cTn>
-                        </p:par>
-                      </p:childTnLst>
-                    </p:cTn>
-                  </p:par>
-                  <p:par>
-                    <p:cTn id="7" fill="hold">
-                      <p:stCondLst>
-                        <p:cond delay="indefinite"/>
-                      </p:stCondLst>
-                      <p:childTnLst>
-                        <p:par>
-                          <p:cTn id="8" fill="hold">
-                            <p:stCondLst>
-                              <p:cond delay="0"/>
-                            </p:stCondLst>
-                            <p:childTnLst>
-                              <p:par>
-                                <p:cTn id="9" presetID="1" presetClass="entr" presetSubtype="0" fill="hold" grpId="0" nodeType="clickEffect">
-                                  <p:stCondLst>
-                                    <p:cond delay="0"/>
-                                  </p:stCondLst>
-                                  <p:childTnLst>
-                                    <p:set>
-                                      <p:cBhvr>
-                                        <p:cTn id="10" dur="1" fill="hold">
-                                          <p:stCondLst>
-                                            <p:cond delay="0"/>
-                                          </p:stCondLst>
-                                        </p:cTn>
-                                        <p:tgtEl>
-                                          <p:spTgt spid="3">
-                                            <p:txEl>
-                                              <p:pRg st="1" end="1"/>
-                                            </p:txEl>
-                                          </p:spTgt>
-                                        </p:tgtEl>
-                                        <p:attrNameLst>
-                                          <p:attrName>style.visibility</p:attrName>
-                                        </p:attrNameLst>
-                                      </p:cBhvr>
-                                      <p:to>
-                                        <p:strVal val="visible"/>
-                                      </p:to>
-                                    </p:set>
-                                  </p:childTnLst>
-                                </p:cTn>
-                              </p:par>
-                            </p:childTnLst>
-                          </p:cTn>
-                        </p:par>
-                      </p:childTnLst>
-                    </p:cTn>
-                  </p:par>
-                  <p:par>
-                    <p:cTn id="11" fill="hold">
-                      <p:stCondLst>
-                        <p:cond delay="indefinite"/>
-                      </p:stCondLst>
-                      <p:childTnLst>
-                        <p:par>
-                          <p:cTn id="12" fill="hold">
-                            <p:stCondLst>
-                              <p:cond delay="0"/>
-                            </p:stCondLst>
-                            <p:childTnLst>
-                              <p:par>
-                                <p:cTn id="13" presetID="1" presetClass="entr" presetSubtype="0" fill="hold" grpId="0" nodeType="clickEffect">
-                                  <p:stCondLst>
-                                    <p:cond delay="0"/>
-                                  </p:stCondLst>
-                                  <p:childTnLst>
-                                    <p:set>
-                                      <p:cBhvr>
-                                        <p:cTn id="14" dur="1" fill="hold">
-                                          <p:stCondLst>
-                                            <p:cond delay="0"/>
-                                          </p:stCondLst>
-                                        </p:cTn>
-                                        <p:tgtEl>
-                                          <p:spTgt spid="3">
-                                            <p:txEl>
-                                              <p:pRg st="2" end="2"/>
-                                            </p:txEl>
-                                          </p:spTgt>
-                                        </p:tgtEl>
-                                        <p:attrNameLst>
-                                          <p:attrName>style.visibility</p:attrName>
-                                        </p:attrNameLst>
-                                      </p:cBhvr>
-                                      <p:to>
-                                        <p:strVal val="visible"/>
-                                      </p:to>
-                                    </p:set>
-                                  </p:childTnLst>
-                                </p:cTn>
-                              </p:par>
-                            </p:childTnLst>
-                          </p:cTn>
-                        </p:par>
-                      </p:childTnLst>
-                    </p:cTn>
-                  </p:par>
-                  <p:par>
-                    <p:cTn id="15" fill="hold">
-                      <p:stCondLst>
-                        <p:cond delay="indefinite"/>
-                      </p:stCondLst>
-                      <p:childTnLst>
-                        <p:par>
-                          <p:cTn id="16" fill="hold">
-                            <p:stCondLst>
-                              <p:cond delay="0"/>
-                            </p:stCondLst>
-                            <p:childTnLst>
-                              <p:par>
-                                <p:cTn id="17" presetID="1" presetClass="entr" presetSubtype="0" fill="hold" grpId="0" nodeType="clickEffect">
-                                  <p:stCondLst>
-                                    <p:cond delay="0"/>
-                                  </p:stCondLst>
-                                  <p:childTnLst>
-                                    <p:set>
-                                      <p:cBhvr>
-                                        <p:cTn id="18" dur="1" fill="hold">
-                                          <p:stCondLst>
-                                            <p:cond delay="0"/>
-                                          </p:stCondLst>
-                                        </p:cTn>
-                                        <p:tgtEl>
-                                          <p:spTgt spid="3">
-                                            <p:txEl>
-                                              <p:pRg st="3" end="3"/>
-                                            </p:txEl>
-                                          </p:spTgt>
-                                        </p:tgtEl>
-                                        <p:attrNameLst>
-                                          <p:attrName>style.visibility</p:attrName>
-                                        </p:attrNameLst>
-                                      </p:cBhvr>
-                                      <p:to>
-                                        <p:strVal val="visible"/>
-                                      </p:to>
-                                    </p:set>
-                                  </p:childTnLst>
-                                </p:cTn>
-                              </p:par>
-                            </p:childTnLst>
-                          </p:cTn>
-                        </p:par>
-                      </p:childTnLst>
-                    </p:cTn>
-                  </p:par>
-                  <p:par>
-                    <p:cTn id="19" fill="hold">
-                      <p:stCondLst>
-                        <p:cond delay="indefinite"/>
-                      </p:stCondLst>
-                      <p:childTnLst>
-                        <p:par>
-                          <p:cTn id="20" fill="hold">
-                            <p:stCondLst>
-                              <p:cond delay="0"/>
-                            </p:stCondLst>
-                            <p:childTnLst>
-                              <p:par>
-                                <p:cTn id="21" presetID="1" presetClass="entr" presetSubtype="0" fill="hold" grpId="0" nodeType="clickEffect">
-                                  <p:stCondLst>
-                                    <p:cond delay="0"/>
-                                  </p:stCondLst>
-                                  <p:childTnLst>
-                                    <p:set>
-                                      <p:cBhvr>
-                                        <p:cTn id="22" dur="1" fill="hold">
-                                          <p:stCondLst>
-                                            <p:cond delay="0"/>
-                                          </p:stCondLst>
-                                        </p:cTn>
-                                        <p:tgtEl>
-                                          <p:spTgt spid="3">
-                                            <p:txEl>
-                                              <p:pRg st="4" end="4"/>
-                                            </p:txEl>
-                                          </p:spTgt>
-                                        </p:tgtEl>
-                                        <p:attrNameLst>
-                                          <p:attrName>style.visibility</p:attrName>
-                                        </p:attrNameLst>
-                                      </p:cBhvr>
-                                      <p:to>
-                                        <p:strVal val="visible"/>
-                                      </p:to>
-                                    </p:set>
-                                  </p:childTnLst>
-                                </p:cTn>
-                              </p:par>
-                            </p:childTnLst>
-                          </p:cTn>
-                        </p:par>
-                      </p:childTnLst>
-                    </p:cTn>
-                  </p:par>
-                  <p:par>
-                    <p:cTn id="23" fill="hold">
-                      <p:stCondLst>
-                        <p:cond delay="indefinite"/>
-                      </p:stCondLst>
-                      <p:childTnLst>
-                        <p:par>
-                          <p:cTn id="24" fill="hold">
-                            <p:stCondLst>
-                              <p:cond delay="0"/>
-                            </p:stCondLst>
-                            <p:childTnLst>
-                              <p:par>
-                                <p:cTn id="25" presetID="1" presetClass="entr" presetSubtype="0" fill="hold" grpId="0" nodeType="clickEffect">
-                                  <p:stCondLst>
-                                    <p:cond delay="0"/>
-                                  </p:stCondLst>
-                                  <p:childTnLst>
-                                    <p:set>
-                                      <p:cBhvr>
-                                        <p:cTn id="26" dur="1" fill="hold">
-                                          <p:stCondLst>
-                                            <p:cond delay="0"/>
-                                          </p:stCondLst>
-                                        </p:cTn>
-                                        <p:tgtEl>
-                                          <p:spTgt spid="3">
-                                            <p:txEl>
-                                              <p:pRg st="5" end="5"/>
-                                            </p:txEl>
-                                          </p:spTgt>
-                                        </p:tgtEl>
-                                        <p:attrNameLst>
-                                          <p:attrName>style.visibility</p:attrName>
-                                        </p:attrNameLst>
-                                      </p:cBhvr>
-                                      <p:to>
-                                        <p:strVal val="visible"/>
-                                      </p:to>
-                                    </p:set>
-                                  </p:childTnLst>
-                                </p:cTn>
-                              </p:par>
-                            </p:childTnLst>
-                          </p:cTn>
-                        </p:par>
-                      </p:childTnLst>
-                    </p:cTn>
-                  </p:par>
-                </p:childTnLst>
-              </p:cTn>
-              <p:prevCondLst>
-                <p:cond evt="onPrev" delay="0">
-                  <p:tgtEl>
-                    <p:sldTgt/>
-                  </p:tgtEl>
-                </p:cond>
-              </p:prevCondLst>
-              <p:nextCondLst>
-                <p:cond evt="onNext" delay="0">
-                  <p:tgtEl>
-                    <p:sldTgt/>
-                  </p:tgtEl>
-                </p:cond>
-              </p:nextCondLst>
-            </p:seq>
-          </p:childTnLst>
-        </p:cTn>
-      </p:par>
-    </p:tnLst>
-    <p:bldLst>
-      <p:bldP spid="3" grpId="0" build="p"/>
-    </p:bldLst>
-  </p:timing>
-</p:sld>
-</file>
-
-<file path=ppt/slides/slide40.xml><?xml version="1.0" encoding="utf-8"?>
-<p:sld xmlns:a="http://schemas.openxmlformats.org/drawingml/2006/main" xmlns:r="http://schemas.openxmlformats.org/officeDocument/2006/relationships" xmlns:p="http://schemas.openxmlformats.org/presentationml/2006/main">
-  <p:cSld>
-    <p:spTree>
-      <p:nvGrpSpPr>
-        <p:cNvPr id="1" name=""/>
-        <p:cNvGrpSpPr/>
-        <p:nvPr/>
-      </p:nvGrpSpPr>
-      <p:grpSpPr>
-        <a:xfrm>
-          <a:off x="0" y="0"/>
-          <a:ext cx="0" cy="0"/>
-          <a:chOff x="0" y="0"/>
-          <a:chExt cx="0" cy="0"/>
-        </a:xfrm>
-      </p:grpSpPr>
-      <p:sp>
-        <p:nvSpPr>
-          <p:cNvPr id="2" name="Title 1">
-            <a:extLst>
-              <a:ext uri="{FF2B5EF4-FFF2-40B4-BE49-F238E27FC236}">
                 <a16:creationId xmlns:a16="http://schemas.microsoft.com/office/drawing/2014/main" id="{281D3504-6EE4-4824-820D-E9993E7CC1DB}"/>
               </a:ext>
             </a:extLst>
@@ -11987,7 +15056,7 @@
           </p:nvPr>
         </p:nvPicPr>
         <p:blipFill>
-          <a:blip r:embed="rId2"/>
+          <a:blip r:embed="rId3"/>
           <a:stretch>
             <a:fillRect/>
           </a:stretch>
@@ -12015,7 +15084,7 @@
 </p:sld>
 </file>
 
-<file path=ppt/slides/slide41.xml><?xml version="1.0" encoding="utf-8"?>
+<file path=ppt/slides/slide39.xml><?xml version="1.0" encoding="utf-8"?>
 <p:sld xmlns:a="http://schemas.openxmlformats.org/drawingml/2006/main" xmlns:r="http://schemas.openxmlformats.org/officeDocument/2006/relationships" xmlns:p="http://schemas.openxmlformats.org/presentationml/2006/main">
   <p:cSld>
     <p:spTree>
@@ -12085,7 +15154,7 @@
           </p:nvPr>
         </p:nvPicPr>
         <p:blipFill>
-          <a:blip r:embed="rId2"/>
+          <a:blip r:embed="rId3"/>
           <a:stretch>
             <a:fillRect/>
           </a:stretch>
@@ -12110,7 +15179,7 @@
 </p:sld>
 </file>
 
-<file path=ppt/slides/slide42.xml><?xml version="1.0" encoding="utf-8"?>
+<file path=ppt/slides/slide4.xml><?xml version="1.0" encoding="utf-8"?>
 <p:sld xmlns:a="http://schemas.openxmlformats.org/drawingml/2006/main" xmlns:r="http://schemas.openxmlformats.org/officeDocument/2006/relationships" xmlns:p="http://schemas.openxmlformats.org/presentationml/2006/main">
   <p:cSld>
     <p:spTree>
@@ -12132,6 +15201,98 @@
           <p:cNvPr id="2" name="Title 1">
             <a:extLst>
               <a:ext uri="{FF2B5EF4-FFF2-40B4-BE49-F238E27FC236}">
+                <a16:creationId xmlns:a16="http://schemas.microsoft.com/office/drawing/2014/main" id="{A5D3EAC9-AAEB-45AC-AB56-ABDF8D464FE5}"/>
+              </a:ext>
+            </a:extLst>
+          </p:cNvPr>
+          <p:cNvSpPr>
+            <a:spLocks noGrp="1"/>
+          </p:cNvSpPr>
+          <p:nvPr>
+            <p:ph type="title"/>
+          </p:nvPr>
+        </p:nvSpPr>
+        <p:spPr/>
+        <p:txBody>
+          <a:bodyPr/>
+          <a:lstStyle/>
+          <a:p>
+            <a:r>
+              <a:rPr lang="en-GB" dirty="0"/>
+              <a:t>Visual Studio Options</a:t>
+            </a:r>
+          </a:p>
+        </p:txBody>
+      </p:sp>
+      <p:sp>
+        <p:nvSpPr>
+          <p:cNvPr id="3" name="Content Placeholder 2">
+            <a:extLst>
+              <a:ext uri="{FF2B5EF4-FFF2-40B4-BE49-F238E27FC236}">
+                <a16:creationId xmlns:a16="http://schemas.microsoft.com/office/drawing/2014/main" id="{7A8990B5-D9E6-4B6B-BEED-1FF98C4F8D04}"/>
+              </a:ext>
+            </a:extLst>
+          </p:cNvPr>
+          <p:cNvSpPr>
+            <a:spLocks noGrp="1"/>
+          </p:cNvSpPr>
+          <p:nvPr>
+            <p:ph idx="1"/>
+          </p:nvPr>
+        </p:nvSpPr>
+        <p:spPr/>
+        <p:txBody>
+          <a:bodyPr/>
+          <a:lstStyle/>
+          <a:p>
+            <a:r>
+              <a:rPr lang="en-GB" dirty="0"/>
+              <a:t>Debugging Options</a:t>
+            </a:r>
+          </a:p>
+          <a:p>
+            <a:r>
+              <a:rPr lang="en-GB" dirty="0"/>
+              <a:t>Exception Options</a:t>
+            </a:r>
+          </a:p>
+        </p:txBody>
+      </p:sp>
+    </p:spTree>
+    <p:extLst>
+      <p:ext uri="{BB962C8B-B14F-4D97-AF65-F5344CB8AC3E}">
+        <p14:creationId xmlns:p14="http://schemas.microsoft.com/office/powerpoint/2010/main" val="1455799755"/>
+      </p:ext>
+    </p:extLst>
+  </p:cSld>
+  <p:clrMapOvr>
+    <a:masterClrMapping/>
+  </p:clrMapOvr>
+</p:sld>
+</file>
+
+<file path=ppt/slides/slide40.xml><?xml version="1.0" encoding="utf-8"?>
+<p:sld xmlns:a="http://schemas.openxmlformats.org/drawingml/2006/main" xmlns:r="http://schemas.openxmlformats.org/officeDocument/2006/relationships" xmlns:p="http://schemas.openxmlformats.org/presentationml/2006/main">
+  <p:cSld>
+    <p:spTree>
+      <p:nvGrpSpPr>
+        <p:cNvPr id="1" name=""/>
+        <p:cNvGrpSpPr/>
+        <p:nvPr/>
+      </p:nvGrpSpPr>
+      <p:grpSpPr>
+        <a:xfrm>
+          <a:off x="0" y="0"/>
+          <a:ext cx="0" cy="0"/>
+          <a:chOff x="0" y="0"/>
+          <a:chExt cx="0" cy="0"/>
+        </a:xfrm>
+      </p:grpSpPr>
+      <p:sp>
+        <p:nvSpPr>
+          <p:cNvPr id="2" name="Title 1">
+            <a:extLst>
+              <a:ext uri="{FF2B5EF4-FFF2-40B4-BE49-F238E27FC236}">
                 <a16:creationId xmlns:a16="http://schemas.microsoft.com/office/drawing/2014/main" id="{281D3504-6EE4-4824-820D-E9993E7CC1DB}"/>
               </a:ext>
             </a:extLst>
@@ -12203,7 +15364,7 @@
           <p:nvPr/>
         </p:nvPicPr>
         <p:blipFill>
-          <a:blip r:embed="rId2"/>
+          <a:blip r:embed="rId3"/>
           <a:stretch>
             <a:fillRect/>
           </a:stretch>
@@ -12231,7 +15392,7 @@
 </p:sld>
 </file>
 
-<file path=ppt/slides/slide43.xml><?xml version="1.0" encoding="utf-8"?>
+<file path=ppt/slides/slide41.xml><?xml version="1.0" encoding="utf-8"?>
 <p:sld xmlns:a="http://schemas.openxmlformats.org/drawingml/2006/main" xmlns:r="http://schemas.openxmlformats.org/officeDocument/2006/relationships" xmlns:p="http://schemas.openxmlformats.org/presentationml/2006/main">
   <p:cSld>
     <p:spTree>
@@ -12301,7 +15462,7 @@
           </p:nvPr>
         </p:nvPicPr>
         <p:blipFill>
-          <a:blip r:embed="rId2"/>
+          <a:blip r:embed="rId3"/>
           <a:stretch>
             <a:fillRect/>
           </a:stretch>
@@ -12316,6 +15477,57 @@
           </a:prstGeom>
         </p:spPr>
       </p:pic>
+      <mc:AlternateContent xmlns:mc="http://schemas.openxmlformats.org/markup-compatibility/2006" xmlns:p14="http://schemas.microsoft.com/office/powerpoint/2010/main">
+        <mc:Choice Requires="p14">
+          <p:contentPart p14:bwMode="auto" r:id="rId4">
+            <p14:nvContentPartPr>
+              <p14:cNvPr id="4" name="Ink 3">
+                <a:extLst>
+                  <a:ext uri="{FF2B5EF4-FFF2-40B4-BE49-F238E27FC236}">
+                    <a16:creationId xmlns:a16="http://schemas.microsoft.com/office/drawing/2014/main" id="{C0A83784-70A2-4971-B75F-06E785FC25BB}"/>
+                  </a:ext>
+                </a:extLst>
+              </p14:cNvPr>
+              <p14:cNvContentPartPr/>
+              <p14:nvPr/>
+            </p14:nvContentPartPr>
+            <p14:xfrm>
+              <a:off x="7663029" y="4250131"/>
+              <a:ext cx="498240" cy="89280"/>
+            </p14:xfrm>
+          </p:contentPart>
+        </mc:Choice>
+        <mc:Fallback xmlns="">
+          <p:pic>
+            <p:nvPicPr>
+              <p:cNvPr id="4" name="Ink 3">
+                <a:extLst>
+                  <a:ext uri="{FF2B5EF4-FFF2-40B4-BE49-F238E27FC236}">
+                    <a16:creationId xmlns:a16="http://schemas.microsoft.com/office/drawing/2014/main" id="{C0A83784-70A2-4971-B75F-06E785FC25BB}"/>
+                  </a:ext>
+                </a:extLst>
+              </p:cNvPr>
+              <p:cNvPicPr/>
+              <p:nvPr/>
+            </p:nvPicPr>
+            <p:blipFill>
+              <a:blip r:embed="rId5"/>
+              <a:stretch>
+                <a:fillRect/>
+              </a:stretch>
+            </p:blipFill>
+            <p:spPr>
+              <a:xfrm>
+                <a:off x="7591029" y="4106491"/>
+                <a:ext cx="641880" cy="376920"/>
+              </a:xfrm>
+              <a:prstGeom prst="rect">
+                <a:avLst/>
+              </a:prstGeom>
+            </p:spPr>
+          </p:pic>
+        </mc:Fallback>
+      </mc:AlternateContent>
     </p:spTree>
     <p:extLst>
       <p:ext uri="{BB962C8B-B14F-4D97-AF65-F5344CB8AC3E}">
@@ -12329,7 +15541,7 @@
 </p:sld>
 </file>
 
-<file path=ppt/slides/slide44.xml><?xml version="1.0" encoding="utf-8"?>
+<file path=ppt/slides/slide42.xml><?xml version="1.0" encoding="utf-8"?>
 <p:sld xmlns:a="http://schemas.openxmlformats.org/drawingml/2006/main" xmlns:r="http://schemas.openxmlformats.org/officeDocument/2006/relationships" xmlns:p="http://schemas.openxmlformats.org/presentationml/2006/main">
   <p:cSld>
     <p:spTree>
@@ -12422,7 +15634,7 @@
           <p:nvPr/>
         </p:nvPicPr>
         <p:blipFill>
-          <a:blip r:embed="rId2"/>
+          <a:blip r:embed="rId3"/>
           <a:stretch>
             <a:fillRect/>
           </a:stretch>
@@ -12450,6 +15662,199 @@
 </p:sld>
 </file>
 
+<file path=ppt/slides/slide43.xml><?xml version="1.0" encoding="utf-8"?>
+<p:sld xmlns:a="http://schemas.openxmlformats.org/drawingml/2006/main" xmlns:r="http://schemas.openxmlformats.org/officeDocument/2006/relationships" xmlns:p="http://schemas.openxmlformats.org/presentationml/2006/main">
+  <p:cSld>
+    <p:spTree>
+      <p:nvGrpSpPr>
+        <p:cNvPr id="1" name=""/>
+        <p:cNvGrpSpPr/>
+        <p:nvPr/>
+      </p:nvGrpSpPr>
+      <p:grpSpPr>
+        <a:xfrm>
+          <a:off x="0" y="0"/>
+          <a:ext cx="0" cy="0"/>
+          <a:chOff x="0" y="0"/>
+          <a:chExt cx="0" cy="0"/>
+        </a:xfrm>
+      </p:grpSpPr>
+      <p:sp>
+        <p:nvSpPr>
+          <p:cNvPr id="2" name="Title 1">
+            <a:extLst>
+              <a:ext uri="{FF2B5EF4-FFF2-40B4-BE49-F238E27FC236}">
+                <a16:creationId xmlns:a16="http://schemas.microsoft.com/office/drawing/2014/main" id="{6D25F711-8941-4F3A-88D6-FB08DF347FD3}"/>
+              </a:ext>
+            </a:extLst>
+          </p:cNvPr>
+          <p:cNvSpPr>
+            <a:spLocks noGrp="1"/>
+          </p:cNvSpPr>
+          <p:nvPr>
+            <p:ph type="title"/>
+          </p:nvPr>
+        </p:nvSpPr>
+        <p:spPr/>
+        <p:txBody>
+          <a:bodyPr/>
+          <a:lstStyle/>
+          <a:p>
+            <a:r>
+              <a:rPr lang="en-GB" dirty="0"/>
+              <a:t>Address level debugging</a:t>
+            </a:r>
+          </a:p>
+        </p:txBody>
+      </p:sp>
+      <p:sp>
+        <p:nvSpPr>
+          <p:cNvPr id="3" name="Content Placeholder 2">
+            <a:extLst>
+              <a:ext uri="{FF2B5EF4-FFF2-40B4-BE49-F238E27FC236}">
+                <a16:creationId xmlns:a16="http://schemas.microsoft.com/office/drawing/2014/main" id="{89340D52-6F6B-4EAA-A6DB-7122E33AA7AD}"/>
+              </a:ext>
+            </a:extLst>
+          </p:cNvPr>
+          <p:cNvSpPr>
+            <a:spLocks noGrp="1"/>
+          </p:cNvSpPr>
+          <p:nvPr>
+            <p:ph idx="1"/>
+          </p:nvPr>
+        </p:nvSpPr>
+        <p:spPr/>
+        <p:txBody>
+          <a:bodyPr/>
+          <a:lstStyle/>
+          <a:p>
+            <a:r>
+              <a:rPr lang="en-GB" dirty="0"/>
+              <a:t>Memory</a:t>
+            </a:r>
+          </a:p>
+          <a:p>
+            <a:r>
+              <a:rPr lang="en-GB" dirty="0"/>
+              <a:t>Disassembly</a:t>
+            </a:r>
+          </a:p>
+          <a:p>
+            <a:r>
+              <a:rPr lang="en-GB" dirty="0"/>
+              <a:t>Registers</a:t>
+            </a:r>
+          </a:p>
+        </p:txBody>
+      </p:sp>
+    </p:spTree>
+    <p:extLst>
+      <p:ext uri="{BB962C8B-B14F-4D97-AF65-F5344CB8AC3E}">
+        <p14:creationId xmlns:p14="http://schemas.microsoft.com/office/powerpoint/2010/main" val="2917535417"/>
+      </p:ext>
+    </p:extLst>
+  </p:cSld>
+  <p:clrMapOvr>
+    <a:masterClrMapping/>
+  </p:clrMapOvr>
+</p:sld>
+</file>
+
+<file path=ppt/slides/slide44.xml><?xml version="1.0" encoding="utf-8"?>
+<p:sld xmlns:a="http://schemas.openxmlformats.org/drawingml/2006/main" xmlns:r="http://schemas.openxmlformats.org/officeDocument/2006/relationships" xmlns:p="http://schemas.openxmlformats.org/presentationml/2006/main">
+  <p:cSld>
+    <p:spTree>
+      <p:nvGrpSpPr>
+        <p:cNvPr id="1" name=""/>
+        <p:cNvGrpSpPr/>
+        <p:nvPr/>
+      </p:nvGrpSpPr>
+      <p:grpSpPr>
+        <a:xfrm>
+          <a:off x="0" y="0"/>
+          <a:ext cx="0" cy="0"/>
+          <a:chOff x="0" y="0"/>
+          <a:chExt cx="0" cy="0"/>
+        </a:xfrm>
+      </p:grpSpPr>
+      <p:sp>
+        <p:nvSpPr>
+          <p:cNvPr id="2" name="Title 1">
+            <a:extLst>
+              <a:ext uri="{FF2B5EF4-FFF2-40B4-BE49-F238E27FC236}">
+                <a16:creationId xmlns:a16="http://schemas.microsoft.com/office/drawing/2014/main" id="{53F99EE7-6F9E-4C69-A618-F9EDE4A52F98}"/>
+              </a:ext>
+            </a:extLst>
+          </p:cNvPr>
+          <p:cNvSpPr>
+            <a:spLocks noGrp="1"/>
+          </p:cNvSpPr>
+          <p:nvPr>
+            <p:ph type="title"/>
+          </p:nvPr>
+        </p:nvSpPr>
+        <p:spPr/>
+        <p:txBody>
+          <a:bodyPr/>
+          <a:lstStyle/>
+          <a:p>
+            <a:r>
+              <a:rPr lang="en-GB" dirty="0"/>
+              <a:t>WPF</a:t>
+            </a:r>
+          </a:p>
+        </p:txBody>
+      </p:sp>
+      <p:sp>
+        <p:nvSpPr>
+          <p:cNvPr id="3" name="Content Placeholder 2">
+            <a:extLst>
+              <a:ext uri="{FF2B5EF4-FFF2-40B4-BE49-F238E27FC236}">
+                <a16:creationId xmlns:a16="http://schemas.microsoft.com/office/drawing/2014/main" id="{58602423-BC05-4189-95A8-EF9FA0E115CF}"/>
+              </a:ext>
+            </a:extLst>
+          </p:cNvPr>
+          <p:cNvSpPr>
+            <a:spLocks noGrp="1"/>
+          </p:cNvSpPr>
+          <p:nvPr>
+            <p:ph idx="1"/>
+          </p:nvPr>
+        </p:nvSpPr>
+        <p:spPr/>
+        <p:txBody>
+          <a:bodyPr/>
+          <a:lstStyle/>
+          <a:p>
+            <a:r>
+              <a:rPr lang="en-GB" dirty="0"/>
+              <a:t>Live Visual Tree</a:t>
+            </a:r>
+          </a:p>
+          <a:p>
+            <a:r>
+              <a:rPr lang="en-GB" dirty="0"/>
+              <a:t>Live Property Explorer</a:t>
+            </a:r>
+          </a:p>
+          <a:p>
+            <a:endParaRPr lang="en-GB" dirty="0"/>
+          </a:p>
+        </p:txBody>
+      </p:sp>
+    </p:spTree>
+    <p:extLst>
+      <p:ext uri="{BB962C8B-B14F-4D97-AF65-F5344CB8AC3E}">
+        <p14:creationId xmlns:p14="http://schemas.microsoft.com/office/powerpoint/2010/main" val="3663993349"/>
+      </p:ext>
+    </p:extLst>
+  </p:cSld>
+  <p:clrMapOvr>
+    <a:masterClrMapping/>
+  </p:clrMapOvr>
+</p:sld>
+</file>
+
 <file path=ppt/slides/slide45.xml><?xml version="1.0" encoding="utf-8"?>
 <p:sld xmlns:a="http://schemas.openxmlformats.org/drawingml/2006/main" xmlns:r="http://schemas.openxmlformats.org/officeDocument/2006/relationships" xmlns:p="http://schemas.openxmlformats.org/presentationml/2006/main">
   <p:cSld>
@@ -12472,199 +15877,6 @@
           <p:cNvPr id="2" name="Title 1">
             <a:extLst>
               <a:ext uri="{FF2B5EF4-FFF2-40B4-BE49-F238E27FC236}">
-                <a16:creationId xmlns:a16="http://schemas.microsoft.com/office/drawing/2014/main" id="{6D25F711-8941-4F3A-88D6-FB08DF347FD3}"/>
-              </a:ext>
-            </a:extLst>
-          </p:cNvPr>
-          <p:cNvSpPr>
-            <a:spLocks noGrp="1"/>
-          </p:cNvSpPr>
-          <p:nvPr>
-            <p:ph type="title"/>
-          </p:nvPr>
-        </p:nvSpPr>
-        <p:spPr/>
-        <p:txBody>
-          <a:bodyPr/>
-          <a:lstStyle/>
-          <a:p>
-            <a:r>
-              <a:rPr lang="en-GB" dirty="0"/>
-              <a:t>Address level debugging</a:t>
-            </a:r>
-          </a:p>
-        </p:txBody>
-      </p:sp>
-      <p:sp>
-        <p:nvSpPr>
-          <p:cNvPr id="3" name="Content Placeholder 2">
-            <a:extLst>
-              <a:ext uri="{FF2B5EF4-FFF2-40B4-BE49-F238E27FC236}">
-                <a16:creationId xmlns:a16="http://schemas.microsoft.com/office/drawing/2014/main" id="{89340D52-6F6B-4EAA-A6DB-7122E33AA7AD}"/>
-              </a:ext>
-            </a:extLst>
-          </p:cNvPr>
-          <p:cNvSpPr>
-            <a:spLocks noGrp="1"/>
-          </p:cNvSpPr>
-          <p:nvPr>
-            <p:ph idx="1"/>
-          </p:nvPr>
-        </p:nvSpPr>
-        <p:spPr/>
-        <p:txBody>
-          <a:bodyPr/>
-          <a:lstStyle/>
-          <a:p>
-            <a:r>
-              <a:rPr lang="en-GB" dirty="0"/>
-              <a:t>Memory</a:t>
-            </a:r>
-          </a:p>
-          <a:p>
-            <a:r>
-              <a:rPr lang="en-GB" dirty="0"/>
-              <a:t>Disassembly</a:t>
-            </a:r>
-          </a:p>
-          <a:p>
-            <a:r>
-              <a:rPr lang="en-GB" dirty="0"/>
-              <a:t>Registers</a:t>
-            </a:r>
-          </a:p>
-        </p:txBody>
-      </p:sp>
-    </p:spTree>
-    <p:extLst>
-      <p:ext uri="{BB962C8B-B14F-4D97-AF65-F5344CB8AC3E}">
-        <p14:creationId xmlns:p14="http://schemas.microsoft.com/office/powerpoint/2010/main" val="2917535417"/>
-      </p:ext>
-    </p:extLst>
-  </p:cSld>
-  <p:clrMapOvr>
-    <a:masterClrMapping/>
-  </p:clrMapOvr>
-</p:sld>
-</file>
-
-<file path=ppt/slides/slide46.xml><?xml version="1.0" encoding="utf-8"?>
-<p:sld xmlns:a="http://schemas.openxmlformats.org/drawingml/2006/main" xmlns:r="http://schemas.openxmlformats.org/officeDocument/2006/relationships" xmlns:p="http://schemas.openxmlformats.org/presentationml/2006/main">
-  <p:cSld>
-    <p:spTree>
-      <p:nvGrpSpPr>
-        <p:cNvPr id="1" name=""/>
-        <p:cNvGrpSpPr/>
-        <p:nvPr/>
-      </p:nvGrpSpPr>
-      <p:grpSpPr>
-        <a:xfrm>
-          <a:off x="0" y="0"/>
-          <a:ext cx="0" cy="0"/>
-          <a:chOff x="0" y="0"/>
-          <a:chExt cx="0" cy="0"/>
-        </a:xfrm>
-      </p:grpSpPr>
-      <p:sp>
-        <p:nvSpPr>
-          <p:cNvPr id="2" name="Title 1">
-            <a:extLst>
-              <a:ext uri="{FF2B5EF4-FFF2-40B4-BE49-F238E27FC236}">
-                <a16:creationId xmlns:a16="http://schemas.microsoft.com/office/drawing/2014/main" id="{53F99EE7-6F9E-4C69-A618-F9EDE4A52F98}"/>
-              </a:ext>
-            </a:extLst>
-          </p:cNvPr>
-          <p:cNvSpPr>
-            <a:spLocks noGrp="1"/>
-          </p:cNvSpPr>
-          <p:nvPr>
-            <p:ph type="title"/>
-          </p:nvPr>
-        </p:nvSpPr>
-        <p:spPr/>
-        <p:txBody>
-          <a:bodyPr/>
-          <a:lstStyle/>
-          <a:p>
-            <a:r>
-              <a:rPr lang="en-GB" dirty="0"/>
-              <a:t>WPF</a:t>
-            </a:r>
-          </a:p>
-        </p:txBody>
-      </p:sp>
-      <p:sp>
-        <p:nvSpPr>
-          <p:cNvPr id="3" name="Content Placeholder 2">
-            <a:extLst>
-              <a:ext uri="{FF2B5EF4-FFF2-40B4-BE49-F238E27FC236}">
-                <a16:creationId xmlns:a16="http://schemas.microsoft.com/office/drawing/2014/main" id="{58602423-BC05-4189-95A8-EF9FA0E115CF}"/>
-              </a:ext>
-            </a:extLst>
-          </p:cNvPr>
-          <p:cNvSpPr>
-            <a:spLocks noGrp="1"/>
-          </p:cNvSpPr>
-          <p:nvPr>
-            <p:ph idx="1"/>
-          </p:nvPr>
-        </p:nvSpPr>
-        <p:spPr/>
-        <p:txBody>
-          <a:bodyPr/>
-          <a:lstStyle/>
-          <a:p>
-            <a:r>
-              <a:rPr lang="en-GB" dirty="0"/>
-              <a:t>Live Visual Tree</a:t>
-            </a:r>
-          </a:p>
-          <a:p>
-            <a:r>
-              <a:rPr lang="en-GB" dirty="0"/>
-              <a:t>Live Property Explorer</a:t>
-            </a:r>
-          </a:p>
-          <a:p>
-            <a:endParaRPr lang="en-GB" dirty="0"/>
-          </a:p>
-        </p:txBody>
-      </p:sp>
-    </p:spTree>
-    <p:extLst>
-      <p:ext uri="{BB962C8B-B14F-4D97-AF65-F5344CB8AC3E}">
-        <p14:creationId xmlns:p14="http://schemas.microsoft.com/office/powerpoint/2010/main" val="3663993349"/>
-      </p:ext>
-    </p:extLst>
-  </p:cSld>
-  <p:clrMapOvr>
-    <a:masterClrMapping/>
-  </p:clrMapOvr>
-</p:sld>
-</file>
-
-<file path=ppt/slides/slide47.xml><?xml version="1.0" encoding="utf-8"?>
-<p:sld xmlns:a="http://schemas.openxmlformats.org/drawingml/2006/main" xmlns:r="http://schemas.openxmlformats.org/officeDocument/2006/relationships" xmlns:p="http://schemas.openxmlformats.org/presentationml/2006/main">
-  <p:cSld>
-    <p:spTree>
-      <p:nvGrpSpPr>
-        <p:cNvPr id="1" name=""/>
-        <p:cNvGrpSpPr/>
-        <p:nvPr/>
-      </p:nvGrpSpPr>
-      <p:grpSpPr>
-        <a:xfrm>
-          <a:off x="0" y="0"/>
-          <a:ext cx="0" cy="0"/>
-          <a:chOff x="0" y="0"/>
-          <a:chExt cx="0" cy="0"/>
-        </a:xfrm>
-      </p:grpSpPr>
-      <p:sp>
-        <p:nvSpPr>
-          <p:cNvPr id="2" name="Title 1">
-            <a:extLst>
-              <a:ext uri="{FF2B5EF4-FFF2-40B4-BE49-F238E27FC236}">
                 <a16:creationId xmlns:a16="http://schemas.microsoft.com/office/drawing/2014/main" id="{53F99EE7-6F9E-4C69-A618-F9EDE4A52F98}"/>
               </a:ext>
             </a:extLst>
@@ -12744,7 +15956,7 @@
           <p:nvPr/>
         </p:nvPicPr>
         <p:blipFill>
-          <a:blip r:embed="rId2"/>
+          <a:blip r:embed="rId3"/>
           <a:stretch>
             <a:fillRect/>
           </a:stretch>
@@ -12772,7 +15984,7 @@
 </p:sld>
 </file>
 
-<file path=ppt/slides/slide48.xml><?xml version="1.0" encoding="utf-8"?>
+<file path=ppt/slides/slide46.xml><?xml version="1.0" encoding="utf-8"?>
 <p:sld xmlns:a="http://schemas.openxmlformats.org/drawingml/2006/main" xmlns:r="http://schemas.openxmlformats.org/officeDocument/2006/relationships" xmlns:p="http://schemas.openxmlformats.org/presentationml/2006/main">
   <p:cSld>
     <p:spTree>
@@ -12835,7 +16047,7 @@
           </p:nvPr>
         </p:nvPicPr>
         <p:blipFill>
-          <a:blip r:embed="rId2"/>
+          <a:blip r:embed="rId3"/>
           <a:stretch>
             <a:fillRect/>
           </a:stretch>
@@ -12863,6 +16075,190 @@
 </p:sld>
 </file>
 
+<file path=ppt/slides/slide47.xml><?xml version="1.0" encoding="utf-8"?>
+<p:sld xmlns:a="http://schemas.openxmlformats.org/drawingml/2006/main" xmlns:r="http://schemas.openxmlformats.org/officeDocument/2006/relationships" xmlns:p="http://schemas.openxmlformats.org/presentationml/2006/main">
+  <p:cSld>
+    <p:spTree>
+      <p:nvGrpSpPr>
+        <p:cNvPr id="1" name=""/>
+        <p:cNvGrpSpPr/>
+        <p:nvPr/>
+      </p:nvGrpSpPr>
+      <p:grpSpPr>
+        <a:xfrm>
+          <a:off x="0" y="0"/>
+          <a:ext cx="0" cy="0"/>
+          <a:chOff x="0" y="0"/>
+          <a:chExt cx="0" cy="0"/>
+        </a:xfrm>
+      </p:grpSpPr>
+      <p:sp>
+        <p:nvSpPr>
+          <p:cNvPr id="2" name="Title 1">
+            <a:extLst>
+              <a:ext uri="{FF2B5EF4-FFF2-40B4-BE49-F238E27FC236}">
+                <a16:creationId xmlns:a16="http://schemas.microsoft.com/office/drawing/2014/main" id="{294658D5-AB67-4656-A552-E3A7ECC48D11}"/>
+              </a:ext>
+            </a:extLst>
+          </p:cNvPr>
+          <p:cNvSpPr>
+            <a:spLocks noGrp="1"/>
+          </p:cNvSpPr>
+          <p:nvPr>
+            <p:ph type="title"/>
+          </p:nvPr>
+        </p:nvSpPr>
+        <p:spPr/>
+        <p:txBody>
+          <a:bodyPr/>
+          <a:lstStyle/>
+          <a:p>
+            <a:pPr algn="ctr"/>
+            <a:r>
+              <a:rPr lang="en-GB" dirty="0"/>
+              <a:t>Dumps</a:t>
+            </a:r>
+          </a:p>
+        </p:txBody>
+      </p:sp>
+      <p:pic>
+        <p:nvPicPr>
+          <p:cNvPr id="7" name="Content Placeholder 6">
+            <a:extLst>
+              <a:ext uri="{FF2B5EF4-FFF2-40B4-BE49-F238E27FC236}">
+                <a16:creationId xmlns:a16="http://schemas.microsoft.com/office/drawing/2014/main" id="{D2AA82A2-39DD-4808-90AB-638DA99A5B8D}"/>
+              </a:ext>
+            </a:extLst>
+          </p:cNvPr>
+          <p:cNvPicPr>
+            <a:picLocks noGrp="1" noChangeAspect="1"/>
+          </p:cNvPicPr>
+          <p:nvPr>
+            <p:ph idx="1"/>
+          </p:nvPr>
+        </p:nvPicPr>
+        <p:blipFill>
+          <a:blip r:embed="rId3"/>
+          <a:stretch>
+            <a:fillRect/>
+          </a:stretch>
+        </p:blipFill>
+        <p:spPr>
+          <a:xfrm>
+            <a:off x="273363" y="2921479"/>
+            <a:ext cx="11599783" cy="2559169"/>
+          </a:xfrm>
+        </p:spPr>
+      </p:pic>
+    </p:spTree>
+    <p:extLst>
+      <p:ext uri="{BB962C8B-B14F-4D97-AF65-F5344CB8AC3E}">
+        <p14:creationId xmlns:p14="http://schemas.microsoft.com/office/powerpoint/2010/main" val="1370865867"/>
+      </p:ext>
+    </p:extLst>
+  </p:cSld>
+  <p:clrMapOvr>
+    <a:masterClrMapping/>
+  </p:clrMapOvr>
+</p:sld>
+</file>
+
+<file path=ppt/slides/slide48.xml><?xml version="1.0" encoding="utf-8"?>
+<p:sld xmlns:a="http://schemas.openxmlformats.org/drawingml/2006/main" xmlns:r="http://schemas.openxmlformats.org/officeDocument/2006/relationships" xmlns:p="http://schemas.openxmlformats.org/presentationml/2006/main">
+  <p:cSld>
+    <p:spTree>
+      <p:nvGrpSpPr>
+        <p:cNvPr id="1" name=""/>
+        <p:cNvGrpSpPr/>
+        <p:nvPr/>
+      </p:nvGrpSpPr>
+      <p:grpSpPr>
+        <a:xfrm>
+          <a:off x="0" y="0"/>
+          <a:ext cx="0" cy="0"/>
+          <a:chOff x="0" y="0"/>
+          <a:chExt cx="0" cy="0"/>
+        </a:xfrm>
+      </p:grpSpPr>
+      <p:sp>
+        <p:nvSpPr>
+          <p:cNvPr id="2" name="Title 1">
+            <a:extLst>
+              <a:ext uri="{FF2B5EF4-FFF2-40B4-BE49-F238E27FC236}">
+                <a16:creationId xmlns:a16="http://schemas.microsoft.com/office/drawing/2014/main" id="{BA8F254C-BBAD-4EE7-A5E9-2AF7E94292BE}"/>
+              </a:ext>
+            </a:extLst>
+          </p:cNvPr>
+          <p:cNvSpPr>
+            <a:spLocks noGrp="1"/>
+          </p:cNvSpPr>
+          <p:nvPr>
+            <p:ph type="title"/>
+          </p:nvPr>
+        </p:nvSpPr>
+        <p:spPr/>
+        <p:txBody>
+          <a:bodyPr/>
+          <a:lstStyle/>
+          <a:p>
+            <a:pPr algn="ctr"/>
+            <a:r>
+              <a:rPr lang="en-GB" dirty="0"/>
+              <a:t>Symbol servers</a:t>
+            </a:r>
+          </a:p>
+        </p:txBody>
+      </p:sp>
+      <p:sp>
+        <p:nvSpPr>
+          <p:cNvPr id="3" name="Content Placeholder 2">
+            <a:extLst>
+              <a:ext uri="{FF2B5EF4-FFF2-40B4-BE49-F238E27FC236}">
+                <a16:creationId xmlns:a16="http://schemas.microsoft.com/office/drawing/2014/main" id="{5BCF1863-E5AF-47F8-B156-636A819A19D1}"/>
+              </a:ext>
+            </a:extLst>
+          </p:cNvPr>
+          <p:cNvSpPr>
+            <a:spLocks noGrp="1"/>
+          </p:cNvSpPr>
+          <p:nvPr>
+            <p:ph idx="1"/>
+          </p:nvPr>
+        </p:nvSpPr>
+        <p:spPr>
+          <a:xfrm>
+            <a:off x="685800" y="2194561"/>
+            <a:ext cx="10820400" cy="3780670"/>
+          </a:xfrm>
+        </p:spPr>
+        <p:txBody>
+          <a:bodyPr/>
+          <a:lstStyle/>
+          <a:p>
+            <a:r>
+              <a:rPr lang="en-GB" dirty="0"/>
+              <a:t>The symbol server enables the debuggers to automatically retrieve the correct symbol files without product names, releases, or build numbers. </a:t>
+            </a:r>
+            <a:br>
+              <a:rPr lang="en-GB" dirty="0"/>
+            </a:br>
+            <a:endParaRPr lang="en-GB" dirty="0"/>
+          </a:p>
+        </p:txBody>
+      </p:sp>
+    </p:spTree>
+    <p:extLst>
+      <p:ext uri="{BB962C8B-B14F-4D97-AF65-F5344CB8AC3E}">
+        <p14:creationId xmlns:p14="http://schemas.microsoft.com/office/powerpoint/2010/main" val="1880281804"/>
+      </p:ext>
+    </p:extLst>
+  </p:cSld>
+  <p:clrMapOvr>
+    <a:masterClrMapping/>
+  </p:clrMapOvr>
+</p:sld>
+</file>
+
 <file path=ppt/slides/slide49.xml><?xml version="1.0" encoding="utf-8"?>
 <p:sld xmlns:a="http://schemas.openxmlformats.org/drawingml/2006/main" xmlns:r="http://schemas.openxmlformats.org/officeDocument/2006/relationships" xmlns:p="http://schemas.openxmlformats.org/presentationml/2006/main">
   <p:cSld>
@@ -12885,7 +16281,7 @@
           <p:cNvPr id="2" name="Title 1">
             <a:extLst>
               <a:ext uri="{FF2B5EF4-FFF2-40B4-BE49-F238E27FC236}">
-                <a16:creationId xmlns:a16="http://schemas.microsoft.com/office/drawing/2014/main" id="{294658D5-AB67-4656-A552-E3A7ECC48D11}"/>
+                <a16:creationId xmlns:a16="http://schemas.microsoft.com/office/drawing/2014/main" id="{93609348-A965-4532-A40A-B7C4B06DEEDE}"/>
               </a:ext>
             </a:extLst>
           </p:cNvPr>
@@ -12901,47 +16297,65 @@
           <a:bodyPr/>
           <a:lstStyle/>
           <a:p>
-            <a:pPr algn="ctr"/>
-            <a:r>
-              <a:rPr lang="en-GB" dirty="0"/>
-              <a:t>Dumps</a:t>
-            </a:r>
-          </a:p>
-        </p:txBody>
-      </p:sp>
-      <p:pic>
-        <p:nvPicPr>
-          <p:cNvPr id="7" name="Content Placeholder 6">
+            <a:r>
+              <a:rPr lang="en-GB" dirty="0"/>
+              <a:t>Front  End</a:t>
+            </a:r>
+            <a:br>
+              <a:rPr lang="en-GB" dirty="0"/>
+            </a:br>
+            <a:endParaRPr lang="en-GB" dirty="0"/>
+          </a:p>
+        </p:txBody>
+      </p:sp>
+      <p:sp>
+        <p:nvSpPr>
+          <p:cNvPr id="3" name="Content Placeholder 2">
             <a:extLst>
               <a:ext uri="{FF2B5EF4-FFF2-40B4-BE49-F238E27FC236}">
-                <a16:creationId xmlns:a16="http://schemas.microsoft.com/office/drawing/2014/main" id="{D2AA82A2-39DD-4808-90AB-638DA99A5B8D}"/>
+                <a16:creationId xmlns:a16="http://schemas.microsoft.com/office/drawing/2014/main" id="{91BDEE18-0733-49A2-98E1-91050720F6A6}"/>
               </a:ext>
             </a:extLst>
           </p:cNvPr>
-          <p:cNvPicPr>
-            <a:picLocks noGrp="1" noChangeAspect="1"/>
-          </p:cNvPicPr>
+          <p:cNvSpPr>
+            <a:spLocks noGrp="1"/>
+          </p:cNvSpPr>
           <p:nvPr>
             <p:ph idx="1"/>
           </p:nvPr>
-        </p:nvPicPr>
-        <p:blipFill>
-          <a:blip r:embed="rId2"/>
-          <a:stretch>
-            <a:fillRect/>
-          </a:stretch>
-        </p:blipFill>
-        <p:spPr>
-          <a:xfrm>
-            <a:off x="273363" y="2921479"/>
-            <a:ext cx="11599783" cy="2559169"/>
-          </a:xfrm>
-        </p:spPr>
-      </p:pic>
+        </p:nvSpPr>
+        <p:spPr/>
+        <p:txBody>
+          <a:bodyPr/>
+          <a:lstStyle/>
+          <a:p>
+            <a:r>
+              <a:rPr lang="en-GB" dirty="0"/>
+              <a:t>Browser Link</a:t>
+            </a:r>
+          </a:p>
+          <a:p>
+            <a:r>
+              <a:rPr lang="en-GB" dirty="0"/>
+              <a:t>Sync</a:t>
+            </a:r>
+          </a:p>
+          <a:p>
+            <a:r>
+              <a:rPr lang="en-GB" dirty="0"/>
+              <a:t>Inspector</a:t>
+            </a:r>
+            <a:br>
+              <a:rPr lang="en-GB" dirty="0"/>
+            </a:br>
+            <a:endParaRPr lang="en-GB" dirty="0"/>
+          </a:p>
+        </p:txBody>
+      </p:sp>
     </p:spTree>
     <p:extLst>
       <p:ext uri="{BB962C8B-B14F-4D97-AF65-F5344CB8AC3E}">
-        <p14:creationId xmlns:p14="http://schemas.microsoft.com/office/powerpoint/2010/main" val="1370865867"/>
+        <p14:creationId xmlns:p14="http://schemas.microsoft.com/office/powerpoint/2010/main" val="4139771700"/>
       </p:ext>
     </p:extLst>
   </p:cSld>
@@ -12973,7 +16387,7 @@
           <p:cNvPr id="2" name="Title 1">
             <a:extLst>
               <a:ext uri="{FF2B5EF4-FFF2-40B4-BE49-F238E27FC236}">
-                <a16:creationId xmlns:a16="http://schemas.microsoft.com/office/drawing/2014/main" id="{A5D3EAC9-AAEB-45AC-AB56-ABDF8D464FE5}"/>
+                <a16:creationId xmlns:a16="http://schemas.microsoft.com/office/drawing/2014/main" id="{3905BF13-639C-4183-AEB6-11F3626AFBF6}"/>
               </a:ext>
             </a:extLst>
           </p:cNvPr>
@@ -12991,59 +16405,44 @@
           <a:p>
             <a:r>
               <a:rPr lang="en-GB" dirty="0"/>
-              <a:t>Visual Studio Options</a:t>
-            </a:r>
-          </a:p>
-        </p:txBody>
-      </p:sp>
-      <p:sp>
-        <p:nvSpPr>
-          <p:cNvPr id="3" name="Content Placeholder 2">
+              <a:t>Debugging options</a:t>
+            </a:r>
+          </a:p>
+        </p:txBody>
+      </p:sp>
+      <p:pic>
+        <p:nvPicPr>
+          <p:cNvPr id="5" name="Content Placeholder 4">
             <a:extLst>
               <a:ext uri="{FF2B5EF4-FFF2-40B4-BE49-F238E27FC236}">
-                <a16:creationId xmlns:a16="http://schemas.microsoft.com/office/drawing/2014/main" id="{7A8990B5-D9E6-4B6B-BEED-1FF98C4F8D04}"/>
+                <a16:creationId xmlns:a16="http://schemas.microsoft.com/office/drawing/2014/main" id="{EF7780FC-0EC8-4010-9953-0E3F6C4D84FB}"/>
               </a:ext>
             </a:extLst>
           </p:cNvPr>
-          <p:cNvSpPr>
-            <a:spLocks noGrp="1"/>
-          </p:cNvSpPr>
+          <p:cNvPicPr>
+            <a:picLocks noGrp="1" noChangeAspect="1"/>
+          </p:cNvPicPr>
           <p:nvPr>
             <p:ph idx="1"/>
           </p:nvPr>
-        </p:nvSpPr>
-        <p:spPr/>
-        <p:txBody>
-          <a:bodyPr/>
-          <a:lstStyle/>
-          <a:p>
-            <a:r>
-              <a:rPr lang="en-GB" dirty="0" err="1"/>
-              <a:t>UnderFlow</a:t>
-            </a:r>
-            <a:r>
-              <a:rPr lang="en-GB" dirty="0"/>
-              <a:t>/Overflow</a:t>
-            </a:r>
-          </a:p>
-          <a:p>
-            <a:r>
-              <a:rPr lang="en-GB" dirty="0"/>
-              <a:t>Debugging Options</a:t>
-            </a:r>
-          </a:p>
-          <a:p>
-            <a:r>
-              <a:rPr lang="en-GB" dirty="0"/>
-              <a:t>Exception Options</a:t>
-            </a:r>
-          </a:p>
-        </p:txBody>
-      </p:sp>
+        </p:nvPicPr>
+        <p:blipFill>
+          <a:blip r:embed="rId3"/>
+          <a:stretch>
+            <a:fillRect/>
+          </a:stretch>
+        </p:blipFill>
+        <p:spPr>
+          <a:xfrm>
+            <a:off x="2336006" y="2057401"/>
+            <a:ext cx="8015287" cy="4024313"/>
+          </a:xfrm>
+        </p:spPr>
+      </p:pic>
     </p:spTree>
     <p:extLst>
       <p:ext uri="{BB962C8B-B14F-4D97-AF65-F5344CB8AC3E}">
-        <p14:creationId xmlns:p14="http://schemas.microsoft.com/office/powerpoint/2010/main" val="1455799755"/>
+        <p14:creationId xmlns:p14="http://schemas.microsoft.com/office/powerpoint/2010/main" val="4187621177"/>
       </p:ext>
     </p:extLst>
   </p:cSld>
@@ -13075,208 +16474,6 @@
           <p:cNvPr id="2" name="Title 1">
             <a:extLst>
               <a:ext uri="{FF2B5EF4-FFF2-40B4-BE49-F238E27FC236}">
-                <a16:creationId xmlns:a16="http://schemas.microsoft.com/office/drawing/2014/main" id="{BA8F254C-BBAD-4EE7-A5E9-2AF7E94292BE}"/>
-              </a:ext>
-            </a:extLst>
-          </p:cNvPr>
-          <p:cNvSpPr>
-            <a:spLocks noGrp="1"/>
-          </p:cNvSpPr>
-          <p:nvPr>
-            <p:ph type="title"/>
-          </p:nvPr>
-        </p:nvSpPr>
-        <p:spPr/>
-        <p:txBody>
-          <a:bodyPr/>
-          <a:lstStyle/>
-          <a:p>
-            <a:pPr algn="ctr"/>
-            <a:r>
-              <a:rPr lang="en-GB" dirty="0"/>
-              <a:t>Symbol servers</a:t>
-            </a:r>
-          </a:p>
-        </p:txBody>
-      </p:sp>
-      <p:sp>
-        <p:nvSpPr>
-          <p:cNvPr id="3" name="Content Placeholder 2">
-            <a:extLst>
-              <a:ext uri="{FF2B5EF4-FFF2-40B4-BE49-F238E27FC236}">
-                <a16:creationId xmlns:a16="http://schemas.microsoft.com/office/drawing/2014/main" id="{5BCF1863-E5AF-47F8-B156-636A819A19D1}"/>
-              </a:ext>
-            </a:extLst>
-          </p:cNvPr>
-          <p:cNvSpPr>
-            <a:spLocks noGrp="1"/>
-          </p:cNvSpPr>
-          <p:nvPr>
-            <p:ph idx="1"/>
-          </p:nvPr>
-        </p:nvSpPr>
-        <p:spPr>
-          <a:xfrm>
-            <a:off x="685800" y="2194561"/>
-            <a:ext cx="10820400" cy="3780670"/>
-          </a:xfrm>
-        </p:spPr>
-        <p:txBody>
-          <a:bodyPr/>
-          <a:lstStyle/>
-          <a:p>
-            <a:r>
-              <a:rPr lang="en-GB" dirty="0"/>
-              <a:t>The symbol server enables the debuggers to automatically retrieve the correct symbol files without product names, releases, or build numbers. </a:t>
-            </a:r>
-            <a:br>
-              <a:rPr lang="en-GB" dirty="0"/>
-            </a:br>
-            <a:endParaRPr lang="en-GB" dirty="0"/>
-          </a:p>
-        </p:txBody>
-      </p:sp>
-    </p:spTree>
-    <p:extLst>
-      <p:ext uri="{BB962C8B-B14F-4D97-AF65-F5344CB8AC3E}">
-        <p14:creationId xmlns:p14="http://schemas.microsoft.com/office/powerpoint/2010/main" val="1880281804"/>
-      </p:ext>
-    </p:extLst>
-  </p:cSld>
-  <p:clrMapOvr>
-    <a:masterClrMapping/>
-  </p:clrMapOvr>
-</p:sld>
-</file>
-
-<file path=ppt/slides/slide51.xml><?xml version="1.0" encoding="utf-8"?>
-<p:sld xmlns:a="http://schemas.openxmlformats.org/drawingml/2006/main" xmlns:r="http://schemas.openxmlformats.org/officeDocument/2006/relationships" xmlns:p="http://schemas.openxmlformats.org/presentationml/2006/main">
-  <p:cSld>
-    <p:spTree>
-      <p:nvGrpSpPr>
-        <p:cNvPr id="1" name=""/>
-        <p:cNvGrpSpPr/>
-        <p:nvPr/>
-      </p:nvGrpSpPr>
-      <p:grpSpPr>
-        <a:xfrm>
-          <a:off x="0" y="0"/>
-          <a:ext cx="0" cy="0"/>
-          <a:chOff x="0" y="0"/>
-          <a:chExt cx="0" cy="0"/>
-        </a:xfrm>
-      </p:grpSpPr>
-      <p:sp>
-        <p:nvSpPr>
-          <p:cNvPr id="2" name="Title 1">
-            <a:extLst>
-              <a:ext uri="{FF2B5EF4-FFF2-40B4-BE49-F238E27FC236}">
-                <a16:creationId xmlns:a16="http://schemas.microsoft.com/office/drawing/2014/main" id="{93609348-A965-4532-A40A-B7C4B06DEEDE}"/>
-              </a:ext>
-            </a:extLst>
-          </p:cNvPr>
-          <p:cNvSpPr>
-            <a:spLocks noGrp="1"/>
-          </p:cNvSpPr>
-          <p:nvPr>
-            <p:ph type="title"/>
-          </p:nvPr>
-        </p:nvSpPr>
-        <p:spPr/>
-        <p:txBody>
-          <a:bodyPr/>
-          <a:lstStyle/>
-          <a:p>
-            <a:r>
-              <a:rPr lang="en-GB" dirty="0"/>
-              <a:t>Front  End</a:t>
-            </a:r>
-            <a:br>
-              <a:rPr lang="en-GB" dirty="0"/>
-            </a:br>
-            <a:endParaRPr lang="en-GB" dirty="0"/>
-          </a:p>
-        </p:txBody>
-      </p:sp>
-      <p:sp>
-        <p:nvSpPr>
-          <p:cNvPr id="3" name="Content Placeholder 2">
-            <a:extLst>
-              <a:ext uri="{FF2B5EF4-FFF2-40B4-BE49-F238E27FC236}">
-                <a16:creationId xmlns:a16="http://schemas.microsoft.com/office/drawing/2014/main" id="{91BDEE18-0733-49A2-98E1-91050720F6A6}"/>
-              </a:ext>
-            </a:extLst>
-          </p:cNvPr>
-          <p:cNvSpPr>
-            <a:spLocks noGrp="1"/>
-          </p:cNvSpPr>
-          <p:nvPr>
-            <p:ph idx="1"/>
-          </p:nvPr>
-        </p:nvSpPr>
-        <p:spPr/>
-        <p:txBody>
-          <a:bodyPr/>
-          <a:lstStyle/>
-          <a:p>
-            <a:r>
-              <a:rPr lang="en-GB" dirty="0"/>
-              <a:t>Browser Link</a:t>
-            </a:r>
-          </a:p>
-          <a:p>
-            <a:r>
-              <a:rPr lang="en-GB" dirty="0"/>
-              <a:t>Sync</a:t>
-            </a:r>
-          </a:p>
-          <a:p>
-            <a:r>
-              <a:rPr lang="en-GB" dirty="0"/>
-              <a:t>Inspector</a:t>
-            </a:r>
-            <a:br>
-              <a:rPr lang="en-GB" dirty="0"/>
-            </a:br>
-            <a:endParaRPr lang="en-GB" dirty="0"/>
-          </a:p>
-        </p:txBody>
-      </p:sp>
-    </p:spTree>
-    <p:extLst>
-      <p:ext uri="{BB962C8B-B14F-4D97-AF65-F5344CB8AC3E}">
-        <p14:creationId xmlns:p14="http://schemas.microsoft.com/office/powerpoint/2010/main" val="4139771700"/>
-      </p:ext>
-    </p:extLst>
-  </p:cSld>
-  <p:clrMapOvr>
-    <a:masterClrMapping/>
-  </p:clrMapOvr>
-</p:sld>
-</file>
-
-<file path=ppt/slides/slide52.xml><?xml version="1.0" encoding="utf-8"?>
-<p:sld xmlns:a="http://schemas.openxmlformats.org/drawingml/2006/main" xmlns:r="http://schemas.openxmlformats.org/officeDocument/2006/relationships" xmlns:p="http://schemas.openxmlformats.org/presentationml/2006/main">
-  <p:cSld>
-    <p:spTree>
-      <p:nvGrpSpPr>
-        <p:cNvPr id="1" name=""/>
-        <p:cNvGrpSpPr/>
-        <p:nvPr/>
-      </p:nvGrpSpPr>
-      <p:grpSpPr>
-        <a:xfrm>
-          <a:off x="0" y="0"/>
-          <a:ext cx="0" cy="0"/>
-          <a:chOff x="0" y="0"/>
-          <a:chExt cx="0" cy="0"/>
-        </a:xfrm>
-      </p:grpSpPr>
-      <p:sp>
-        <p:nvSpPr>
-          <p:cNvPr id="2" name="Title 1">
-            <a:extLst>
-              <a:ext uri="{FF2B5EF4-FFF2-40B4-BE49-F238E27FC236}">
                 <a16:creationId xmlns:a16="http://schemas.microsoft.com/office/drawing/2014/main" id="{294658D5-AB67-4656-A552-E3A7ECC48D11}"/>
               </a:ext>
             </a:extLst>
@@ -13351,7 +16548,7 @@
 </p:sld>
 </file>
 
-<file path=ppt/slides/slide53.xml><?xml version="1.0" encoding="utf-8"?>
+<file path=ppt/slides/slide51.xml><?xml version="1.0" encoding="utf-8"?>
 <p:sld xmlns:a="http://schemas.openxmlformats.org/drawingml/2006/main" xmlns:r="http://schemas.openxmlformats.org/officeDocument/2006/relationships" xmlns:p="http://schemas.openxmlformats.org/presentationml/2006/main">
   <p:cSld>
     <p:spTree>
@@ -13449,7 +16646,7 @@
 </p:sld>
 </file>
 
-<file path=ppt/slides/slide54.xml><?xml version="1.0" encoding="utf-8"?>
+<file path=ppt/slides/slide52.xml><?xml version="1.0" encoding="utf-8"?>
 <p:sld xmlns:a="http://schemas.openxmlformats.org/drawingml/2006/main" xmlns:r="http://schemas.openxmlformats.org/officeDocument/2006/relationships" xmlns:p="http://schemas.openxmlformats.org/presentationml/2006/main">
   <p:cSld>
     <p:spTree>
@@ -13548,7 +16745,7 @@
 </p:sld>
 </file>
 
-<file path=ppt/slides/slide55.xml><?xml version="1.0" encoding="utf-8"?>
+<file path=ppt/slides/slide53.xml><?xml version="1.0" encoding="utf-8"?>
 <p:sld xmlns:a="http://schemas.openxmlformats.org/drawingml/2006/main" xmlns:r="http://schemas.openxmlformats.org/officeDocument/2006/relationships" xmlns:p="http://schemas.openxmlformats.org/presentationml/2006/main">
   <p:cSld>
     <p:spTree>
@@ -13647,7 +16844,7 @@
 </p:sld>
 </file>
 
-<file path=ppt/slides/slide56.xml><?xml version="1.0" encoding="utf-8"?>
+<file path=ppt/slides/slide54.xml><?xml version="1.0" encoding="utf-8"?>
 <p:sld xmlns:a="http://schemas.openxmlformats.org/drawingml/2006/main" xmlns:r="http://schemas.openxmlformats.org/officeDocument/2006/relationships" xmlns:p="http://schemas.openxmlformats.org/presentationml/2006/main">
   <p:cSld>
     <p:spTree>
@@ -13769,7 +16966,7 @@
 </p:sld>
 </file>
 
-<file path=ppt/slides/slide57.xml><?xml version="1.0" encoding="utf-8"?>
+<file path=ppt/slides/slide55.xml><?xml version="1.0" encoding="utf-8"?>
 <p:sld xmlns:a="http://schemas.openxmlformats.org/drawingml/2006/main" xmlns:r="http://schemas.openxmlformats.org/officeDocument/2006/relationships" xmlns:p="http://schemas.openxmlformats.org/presentationml/2006/main">
   <p:cSld>
     <p:spTree>
@@ -13891,7 +17088,7 @@
 </p:sld>
 </file>
 
-<file path=ppt/slides/slide58.xml><?xml version="1.0" encoding="utf-8"?>
+<file path=ppt/slides/slide56.xml><?xml version="1.0" encoding="utf-8"?>
 <p:sld xmlns:a="http://schemas.openxmlformats.org/drawingml/2006/main" xmlns:r="http://schemas.openxmlformats.org/officeDocument/2006/relationships" xmlns:p="http://schemas.openxmlformats.org/presentationml/2006/main">
   <p:cSld>
     <p:spTree>
@@ -13990,7 +17187,7 @@
 </p:sld>
 </file>
 
-<file path=ppt/slides/slide59.xml><?xml version="1.0" encoding="utf-8"?>
+<file path=ppt/slides/slide57.xml><?xml version="1.0" encoding="utf-8"?>
 <p:sld xmlns:a="http://schemas.openxmlformats.org/drawingml/2006/main" xmlns:r="http://schemas.openxmlformats.org/officeDocument/2006/relationships" xmlns:p="http://schemas.openxmlformats.org/presentationml/2006/main">
   <p:cSld>
     <p:spTree>
@@ -14066,6 +17263,12 @@
           </a:p>
           <a:p>
             <a:r>
+              <a:rPr lang="en-GB" dirty="0"/>
+              <a:t>https://docs.microsoft.com/en-us/visualstudio/debugger/general-debugging-options-dialog-box?view=vs-2017</a:t>
+            </a:r>
+          </a:p>
+          <a:p>
+            <a:r>
               <a:rPr lang="en-GB" dirty="0">
                 <a:hlinkClick r:id="rId3"/>
               </a:rPr>
@@ -14087,12 +17290,18 @@
           </a:p>
           <a:p>
             <a:r>
-              <a:rPr lang="en-GB">
+              <a:rPr lang="en-GB" dirty="0">
                 <a:hlinkClick r:id="rId5"/>
               </a:rPr>
               <a:t>https://docs.microsoft.com/en-us/visualstudio/debugger/using-debuggertypeproxy-attribute?view=vs-2017</a:t>
             </a:r>
-            <a:endParaRPr lang="en-GB"/>
+            <a:endParaRPr lang="en-GB" dirty="0"/>
+          </a:p>
+          <a:p>
+            <a:r>
+              <a:rPr lang="en-GB" dirty="0"/>
+              <a:t>https://blogs.msdn.microsoft.com/visualstudio/2017/06/26/7-lesser-known-hacks-for-debugging-in-visual-studio/</a:t>
+            </a:r>
           </a:p>
           <a:p>
             <a:endParaRPr lang="en-GB" dirty="0"/>
@@ -14103,6 +17312,133 @@
     <p:extLst>
       <p:ext uri="{BB962C8B-B14F-4D97-AF65-F5344CB8AC3E}">
         <p14:creationId xmlns:p14="http://schemas.microsoft.com/office/powerpoint/2010/main" val="3181987518"/>
+      </p:ext>
+    </p:extLst>
+  </p:cSld>
+  <p:clrMapOvr>
+    <a:masterClrMapping/>
+  </p:clrMapOvr>
+</p:sld>
+</file>
+
+<file path=ppt/slides/slide58.xml><?xml version="1.0" encoding="utf-8"?>
+<p:sld xmlns:a="http://schemas.openxmlformats.org/drawingml/2006/main" xmlns:r="http://schemas.openxmlformats.org/officeDocument/2006/relationships" xmlns:p="http://schemas.openxmlformats.org/presentationml/2006/main">
+  <p:cSld>
+    <p:spTree>
+      <p:nvGrpSpPr>
+        <p:cNvPr id="1" name=""/>
+        <p:cNvGrpSpPr/>
+        <p:nvPr/>
+      </p:nvGrpSpPr>
+      <p:grpSpPr>
+        <a:xfrm>
+          <a:off x="0" y="0"/>
+          <a:ext cx="0" cy="0"/>
+          <a:chOff x="0" y="0"/>
+          <a:chExt cx="0" cy="0"/>
+        </a:xfrm>
+      </p:grpSpPr>
+      <p:sp>
+        <p:nvSpPr>
+          <p:cNvPr id="2" name="Title 1">
+            <a:extLst>
+              <a:ext uri="{FF2B5EF4-FFF2-40B4-BE49-F238E27FC236}">
+                <a16:creationId xmlns:a16="http://schemas.microsoft.com/office/drawing/2014/main" id="{8BD9308D-1593-4D22-BF72-CF63E6B13E74}"/>
+              </a:ext>
+            </a:extLst>
+          </p:cNvPr>
+          <p:cNvSpPr>
+            <a:spLocks noGrp="1"/>
+          </p:cNvSpPr>
+          <p:nvPr>
+            <p:ph type="title"/>
+          </p:nvPr>
+        </p:nvSpPr>
+        <p:spPr/>
+        <p:txBody>
+          <a:bodyPr/>
+          <a:lstStyle/>
+          <a:p>
+            <a:r>
+              <a:rPr lang="en-GB" dirty="0"/>
+              <a:t>Other </a:t>
+            </a:r>
+            <a:r>
+              <a:rPr lang="en-GB" dirty="0" err="1"/>
+              <a:t>DEBUGGing</a:t>
+            </a:r>
+            <a:r>
+              <a:rPr lang="en-GB" dirty="0"/>
+              <a:t> items</a:t>
+            </a:r>
+          </a:p>
+        </p:txBody>
+      </p:sp>
+      <p:sp>
+        <p:nvSpPr>
+          <p:cNvPr id="3" name="Content Placeholder 2">
+            <a:extLst>
+              <a:ext uri="{FF2B5EF4-FFF2-40B4-BE49-F238E27FC236}">
+                <a16:creationId xmlns:a16="http://schemas.microsoft.com/office/drawing/2014/main" id="{FD9AF35D-539B-46D1-9E7B-058B85BEEE18}"/>
+              </a:ext>
+            </a:extLst>
+          </p:cNvPr>
+          <p:cNvSpPr>
+            <a:spLocks noGrp="1"/>
+          </p:cNvSpPr>
+          <p:nvPr>
+            <p:ph idx="1"/>
+          </p:nvPr>
+        </p:nvSpPr>
+        <p:spPr>
+          <a:xfrm>
+            <a:off x="2702944" y="2069502"/>
+            <a:ext cx="9339532" cy="4024125"/>
+          </a:xfrm>
+        </p:spPr>
+        <p:txBody>
+          <a:bodyPr/>
+          <a:lstStyle/>
+          <a:p>
+            <a:r>
+              <a:rPr lang="en-GB" dirty="0"/>
+              <a:t>Remote Debugging</a:t>
+            </a:r>
+          </a:p>
+          <a:p>
+            <a:r>
+              <a:rPr lang="en-GB" dirty="0"/>
+              <a:t>Azure Debugging</a:t>
+            </a:r>
+          </a:p>
+          <a:p>
+            <a:r>
+              <a:rPr lang="en-GB" dirty="0"/>
+              <a:t>Live Sharing</a:t>
+            </a:r>
+          </a:p>
+          <a:p>
+            <a:r>
+              <a:rPr lang="en-GB" dirty="0" err="1"/>
+              <a:t>WinDbg</a:t>
+            </a:r>
+            <a:endParaRPr lang="en-GB" dirty="0"/>
+          </a:p>
+          <a:p>
+            <a:r>
+              <a:rPr lang="en-GB" dirty="0"/>
+              <a:t>SOS</a:t>
+            </a:r>
+          </a:p>
+          <a:p>
+            <a:endParaRPr lang="en-GB" dirty="0"/>
+          </a:p>
+        </p:txBody>
+      </p:sp>
+    </p:spTree>
+    <p:extLst>
+      <p:ext uri="{BB962C8B-B14F-4D97-AF65-F5344CB8AC3E}">
+        <p14:creationId xmlns:p14="http://schemas.microsoft.com/office/powerpoint/2010/main" val="3236567787"/>
       </p:ext>
     </p:extLst>
   </p:cSld>
@@ -14134,7 +17470,7 @@
           <p:cNvPr id="2" name="Title 1">
             <a:extLst>
               <a:ext uri="{FF2B5EF4-FFF2-40B4-BE49-F238E27FC236}">
-                <a16:creationId xmlns:a16="http://schemas.microsoft.com/office/drawing/2014/main" id="{3905BF13-639C-4183-AEB6-11F3626AFBF6}"/>
+                <a16:creationId xmlns:a16="http://schemas.microsoft.com/office/drawing/2014/main" id="{ACD4A579-E3CE-4993-B0C0-0E17026D032C}"/>
               </a:ext>
             </a:extLst>
           </p:cNvPr>
@@ -14152,7 +17488,7 @@
           <a:p>
             <a:r>
               <a:rPr lang="en-GB" dirty="0"/>
-              <a:t>Debugging options</a:t>
+              <a:t>Exception options</a:t>
             </a:r>
           </a:p>
         </p:txBody>
@@ -14162,7 +17498,7 @@
           <p:cNvPr id="5" name="Content Placeholder 4">
             <a:extLst>
               <a:ext uri="{FF2B5EF4-FFF2-40B4-BE49-F238E27FC236}">
-                <a16:creationId xmlns:a16="http://schemas.microsoft.com/office/drawing/2014/main" id="{EF7780FC-0EC8-4010-9953-0E3F6C4D84FB}"/>
+                <a16:creationId xmlns:a16="http://schemas.microsoft.com/office/drawing/2014/main" id="{D6393FBB-1598-4AE9-82BD-1E4D42B8318B}"/>
               </a:ext>
             </a:extLst>
           </p:cNvPr>
@@ -14174,149 +17510,22 @@
           </p:nvPr>
         </p:nvPicPr>
         <p:blipFill>
-          <a:blip r:embed="rId2"/>
+          <a:blip r:embed="rId3"/>
           <a:stretch>
             <a:fillRect/>
           </a:stretch>
         </p:blipFill>
         <p:spPr>
           <a:xfrm>
-            <a:off x="2336006" y="2057401"/>
-            <a:ext cx="8015287" cy="4024313"/>
+            <a:off x="1735899" y="2717789"/>
+            <a:ext cx="8720201" cy="2976584"/>
           </a:xfrm>
         </p:spPr>
       </p:pic>
     </p:spTree>
     <p:extLst>
       <p:ext uri="{BB962C8B-B14F-4D97-AF65-F5344CB8AC3E}">
-        <p14:creationId xmlns:p14="http://schemas.microsoft.com/office/powerpoint/2010/main" val="4187621177"/>
-      </p:ext>
-    </p:extLst>
-  </p:cSld>
-  <p:clrMapOvr>
-    <a:masterClrMapping/>
-  </p:clrMapOvr>
-</p:sld>
-</file>
-
-<file path=ppt/slides/slide60.xml><?xml version="1.0" encoding="utf-8"?>
-<p:sld xmlns:a="http://schemas.openxmlformats.org/drawingml/2006/main" xmlns:r="http://schemas.openxmlformats.org/officeDocument/2006/relationships" xmlns:p="http://schemas.openxmlformats.org/presentationml/2006/main">
-  <p:cSld>
-    <p:spTree>
-      <p:nvGrpSpPr>
-        <p:cNvPr id="1" name=""/>
-        <p:cNvGrpSpPr/>
-        <p:nvPr/>
-      </p:nvGrpSpPr>
-      <p:grpSpPr>
-        <a:xfrm>
-          <a:off x="0" y="0"/>
-          <a:ext cx="0" cy="0"/>
-          <a:chOff x="0" y="0"/>
-          <a:chExt cx="0" cy="0"/>
-        </a:xfrm>
-      </p:grpSpPr>
-      <p:sp>
-        <p:nvSpPr>
-          <p:cNvPr id="2" name="Title 1">
-            <a:extLst>
-              <a:ext uri="{FF2B5EF4-FFF2-40B4-BE49-F238E27FC236}">
-                <a16:creationId xmlns:a16="http://schemas.microsoft.com/office/drawing/2014/main" id="{8BD9308D-1593-4D22-BF72-CF63E6B13E74}"/>
-              </a:ext>
-            </a:extLst>
-          </p:cNvPr>
-          <p:cNvSpPr>
-            <a:spLocks noGrp="1"/>
-          </p:cNvSpPr>
-          <p:nvPr>
-            <p:ph type="title"/>
-          </p:nvPr>
-        </p:nvSpPr>
-        <p:spPr/>
-        <p:txBody>
-          <a:bodyPr/>
-          <a:lstStyle/>
-          <a:p>
-            <a:r>
-              <a:rPr lang="en-GB" dirty="0"/>
-              <a:t>Other </a:t>
-            </a:r>
-            <a:r>
-              <a:rPr lang="en-GB" dirty="0" err="1"/>
-              <a:t>DEBUGGing</a:t>
-            </a:r>
-            <a:r>
-              <a:rPr lang="en-GB" dirty="0"/>
-              <a:t> items</a:t>
-            </a:r>
-          </a:p>
-        </p:txBody>
-      </p:sp>
-      <p:sp>
-        <p:nvSpPr>
-          <p:cNvPr id="3" name="Content Placeholder 2">
-            <a:extLst>
-              <a:ext uri="{FF2B5EF4-FFF2-40B4-BE49-F238E27FC236}">
-                <a16:creationId xmlns:a16="http://schemas.microsoft.com/office/drawing/2014/main" id="{FD9AF35D-539B-46D1-9E7B-058B85BEEE18}"/>
-              </a:ext>
-            </a:extLst>
-          </p:cNvPr>
-          <p:cNvSpPr>
-            <a:spLocks noGrp="1"/>
-          </p:cNvSpPr>
-          <p:nvPr>
-            <p:ph idx="1"/>
-          </p:nvPr>
-        </p:nvSpPr>
-        <p:spPr>
-          <a:xfrm>
-            <a:off x="2702944" y="2069502"/>
-            <a:ext cx="9339532" cy="4024125"/>
-          </a:xfrm>
-        </p:spPr>
-        <p:txBody>
-          <a:bodyPr/>
-          <a:lstStyle/>
-          <a:p>
-            <a:r>
-              <a:rPr lang="en-GB" dirty="0"/>
-              <a:t>Remote Debugging</a:t>
-            </a:r>
-          </a:p>
-          <a:p>
-            <a:r>
-              <a:rPr lang="en-GB" dirty="0"/>
-              <a:t>Azure Debugging</a:t>
-            </a:r>
-          </a:p>
-          <a:p>
-            <a:r>
-              <a:rPr lang="en-GB" dirty="0"/>
-              <a:t>Live Sharing</a:t>
-            </a:r>
-          </a:p>
-          <a:p>
-            <a:r>
-              <a:rPr lang="en-GB" dirty="0" err="1"/>
-              <a:t>WinDbg</a:t>
-            </a:r>
-            <a:endParaRPr lang="en-GB" dirty="0"/>
-          </a:p>
-          <a:p>
-            <a:r>
-              <a:rPr lang="en-GB" dirty="0"/>
-              <a:t>SOS</a:t>
-            </a:r>
-          </a:p>
-          <a:p>
-            <a:endParaRPr lang="en-GB" dirty="0"/>
-          </a:p>
-        </p:txBody>
-      </p:sp>
-    </p:spTree>
-    <p:extLst>
-      <p:ext uri="{BB962C8B-B14F-4D97-AF65-F5344CB8AC3E}">
-        <p14:creationId xmlns:p14="http://schemas.microsoft.com/office/powerpoint/2010/main" val="3236567787"/>
+        <p14:creationId xmlns:p14="http://schemas.microsoft.com/office/powerpoint/2010/main" val="3576661569"/>
       </p:ext>
     </p:extLst>
   </p:cSld>
@@ -14348,93 +17557,6 @@
           <p:cNvPr id="2" name="Title 1">
             <a:extLst>
               <a:ext uri="{FF2B5EF4-FFF2-40B4-BE49-F238E27FC236}">
-                <a16:creationId xmlns:a16="http://schemas.microsoft.com/office/drawing/2014/main" id="{ACD4A579-E3CE-4993-B0C0-0E17026D032C}"/>
-              </a:ext>
-            </a:extLst>
-          </p:cNvPr>
-          <p:cNvSpPr>
-            <a:spLocks noGrp="1"/>
-          </p:cNvSpPr>
-          <p:nvPr>
-            <p:ph type="title"/>
-          </p:nvPr>
-        </p:nvSpPr>
-        <p:spPr/>
-        <p:txBody>
-          <a:bodyPr/>
-          <a:lstStyle/>
-          <a:p>
-            <a:r>
-              <a:rPr lang="en-GB" dirty="0"/>
-              <a:t>Exception options</a:t>
-            </a:r>
-          </a:p>
-        </p:txBody>
-      </p:sp>
-      <p:pic>
-        <p:nvPicPr>
-          <p:cNvPr id="5" name="Content Placeholder 4">
-            <a:extLst>
-              <a:ext uri="{FF2B5EF4-FFF2-40B4-BE49-F238E27FC236}">
-                <a16:creationId xmlns:a16="http://schemas.microsoft.com/office/drawing/2014/main" id="{D6393FBB-1598-4AE9-82BD-1E4D42B8318B}"/>
-              </a:ext>
-            </a:extLst>
-          </p:cNvPr>
-          <p:cNvPicPr>
-            <a:picLocks noGrp="1" noChangeAspect="1"/>
-          </p:cNvPicPr>
-          <p:nvPr>
-            <p:ph idx="1"/>
-          </p:nvPr>
-        </p:nvPicPr>
-        <p:blipFill>
-          <a:blip r:embed="rId2"/>
-          <a:stretch>
-            <a:fillRect/>
-          </a:stretch>
-        </p:blipFill>
-        <p:spPr>
-          <a:xfrm>
-            <a:off x="1735899" y="2717789"/>
-            <a:ext cx="8720201" cy="2976584"/>
-          </a:xfrm>
-        </p:spPr>
-      </p:pic>
-    </p:spTree>
-    <p:extLst>
-      <p:ext uri="{BB962C8B-B14F-4D97-AF65-F5344CB8AC3E}">
-        <p14:creationId xmlns:p14="http://schemas.microsoft.com/office/powerpoint/2010/main" val="3576661569"/>
-      </p:ext>
-    </p:extLst>
-  </p:cSld>
-  <p:clrMapOvr>
-    <a:masterClrMapping/>
-  </p:clrMapOvr>
-</p:sld>
-</file>
-
-<file path=ppt/slides/slide8.xml><?xml version="1.0" encoding="utf-8"?>
-<p:sld xmlns:a="http://schemas.openxmlformats.org/drawingml/2006/main" xmlns:r="http://schemas.openxmlformats.org/officeDocument/2006/relationships" xmlns:p="http://schemas.openxmlformats.org/presentationml/2006/main">
-  <p:cSld>
-    <p:spTree>
-      <p:nvGrpSpPr>
-        <p:cNvPr id="1" name=""/>
-        <p:cNvGrpSpPr/>
-        <p:nvPr/>
-      </p:nvGrpSpPr>
-      <p:grpSpPr>
-        <a:xfrm>
-          <a:off x="0" y="0"/>
-          <a:ext cx="0" cy="0"/>
-          <a:chOff x="0" y="0"/>
-          <a:chExt cx="0" cy="0"/>
-        </a:xfrm>
-      </p:grpSpPr>
-      <p:sp>
-        <p:nvSpPr>
-          <p:cNvPr id="2" name="Title 1">
-            <a:extLst>
-              <a:ext uri="{FF2B5EF4-FFF2-40B4-BE49-F238E27FC236}">
                 <a16:creationId xmlns:a16="http://schemas.microsoft.com/office/drawing/2014/main" id="{19B65333-E437-4F10-8663-709C2D8468B3}"/>
               </a:ext>
             </a:extLst>
@@ -14458,35 +17580,6 @@
           </a:p>
         </p:txBody>
       </p:sp>
-      <p:pic>
-        <p:nvPicPr>
-          <p:cNvPr id="5" name="Content Placeholder 4">
-            <a:extLst>
-              <a:ext uri="{FF2B5EF4-FFF2-40B4-BE49-F238E27FC236}">
-                <a16:creationId xmlns:a16="http://schemas.microsoft.com/office/drawing/2014/main" id="{938F2B0B-AC0E-4BDB-9C86-87CD00FFC53B}"/>
-              </a:ext>
-            </a:extLst>
-          </p:cNvPr>
-          <p:cNvPicPr>
-            <a:picLocks noGrp="1" noChangeAspect="1"/>
-          </p:cNvPicPr>
-          <p:nvPr>
-            <p:ph idx="1"/>
-          </p:nvPr>
-        </p:nvPicPr>
-        <p:blipFill>
-          <a:blip r:embed="rId2"/>
-          <a:stretch>
-            <a:fillRect/>
-          </a:stretch>
-        </p:blipFill>
-        <p:spPr>
-          <a:xfrm>
-            <a:off x="1564537" y="2327715"/>
-            <a:ext cx="8748776" cy="3352825"/>
-          </a:xfrm>
-        </p:spPr>
-      </p:pic>
       <mc:AlternateContent xmlns:mc="http://schemas.openxmlformats.org/markup-compatibility/2006" xmlns:p14="http://schemas.microsoft.com/office/powerpoint/2010/main">
         <mc:Choice Requires="p14">
           <p:contentPart p14:bwMode="auto" r:id="rId3">
@@ -14521,7 +17614,7 @@
               <p:nvPr/>
             </p:nvPicPr>
             <p:blipFill>
-              <a:blip r:embed="rId4"/>
+              <a:blip r:embed="rId5"/>
               <a:stretch>
                 <a:fillRect/>
               </a:stretch>
@@ -14540,7 +17633,7 @@
       </mc:AlternateContent>
       <mc:AlternateContent xmlns:mc="http://schemas.openxmlformats.org/markup-compatibility/2006" xmlns:p14="http://schemas.microsoft.com/office/powerpoint/2010/main">
         <mc:Choice Requires="p14">
-          <p:contentPart p14:bwMode="auto" r:id="rId5">
+          <p:contentPart p14:bwMode="auto" r:id="rId6">
             <p14:nvContentPartPr>
               <p14:cNvPr id="8" name="Ink 7">
                 <a:extLst>
@@ -14572,7 +17665,7 @@
               <p:nvPr/>
             </p:nvPicPr>
             <p:blipFill>
-              <a:blip r:embed="rId6"/>
+              <a:blip r:embed="rId7"/>
               <a:stretch>
                 <a:fillRect/>
               </a:stretch>
@@ -14591,7 +17684,7 @@
       </mc:AlternateContent>
       <mc:AlternateContent xmlns:mc="http://schemas.openxmlformats.org/markup-compatibility/2006" xmlns:p14="http://schemas.microsoft.com/office/powerpoint/2010/main">
         <mc:Choice Requires="p14">
-          <p:contentPart p14:bwMode="auto" r:id="rId7">
+          <p:contentPart p14:bwMode="auto" r:id="rId8">
             <p14:nvContentPartPr>
               <p14:cNvPr id="9" name="Ink 8">
                 <a:extLst>
@@ -14623,7 +17716,7 @@
               <p:nvPr/>
             </p:nvPicPr>
             <p:blipFill>
-              <a:blip r:embed="rId8"/>
+              <a:blip r:embed="rId9"/>
               <a:stretch>
                 <a:fillRect/>
               </a:stretch>
@@ -14640,10 +17733,148 @@
           </p:pic>
         </mc:Fallback>
       </mc:AlternateContent>
+      <p:sp>
+        <p:nvSpPr>
+          <p:cNvPr id="4" name="Content Placeholder 3">
+            <a:extLst>
+              <a:ext uri="{FF2B5EF4-FFF2-40B4-BE49-F238E27FC236}">
+                <a16:creationId xmlns:a16="http://schemas.microsoft.com/office/drawing/2014/main" id="{F1F98539-CF2C-4FC1-ABE3-98E406137AD8}"/>
+              </a:ext>
+            </a:extLst>
+          </p:cNvPr>
+          <p:cNvSpPr>
+            <a:spLocks noGrp="1"/>
+          </p:cNvSpPr>
+          <p:nvPr>
+            <p:ph idx="1"/>
+          </p:nvPr>
+        </p:nvSpPr>
+        <p:spPr/>
+        <p:txBody>
+          <a:bodyPr/>
+          <a:lstStyle/>
+          <a:p>
+            <a:r>
+              <a:rPr lang="en-GB" dirty="0"/>
+              <a:t>Demo</a:t>
+            </a:r>
+          </a:p>
+        </p:txBody>
+      </p:sp>
     </p:spTree>
     <p:extLst>
       <p:ext uri="{BB962C8B-B14F-4D97-AF65-F5344CB8AC3E}">
         <p14:creationId xmlns:p14="http://schemas.microsoft.com/office/powerpoint/2010/main" val="3083267297"/>
+      </p:ext>
+    </p:extLst>
+  </p:cSld>
+  <p:clrMapOvr>
+    <a:masterClrMapping/>
+  </p:clrMapOvr>
+</p:sld>
+</file>
+
+<file path=ppt/slides/slide8.xml><?xml version="1.0" encoding="utf-8"?>
+<p:sld xmlns:a="http://schemas.openxmlformats.org/drawingml/2006/main" xmlns:r="http://schemas.openxmlformats.org/officeDocument/2006/relationships" xmlns:p="http://schemas.openxmlformats.org/presentationml/2006/main">
+  <p:cSld>
+    <p:spTree>
+      <p:nvGrpSpPr>
+        <p:cNvPr id="1" name=""/>
+        <p:cNvGrpSpPr/>
+        <p:nvPr/>
+      </p:nvGrpSpPr>
+      <p:grpSpPr>
+        <a:xfrm>
+          <a:off x="0" y="0"/>
+          <a:ext cx="0" cy="0"/>
+          <a:chOff x="0" y="0"/>
+          <a:chExt cx="0" cy="0"/>
+        </a:xfrm>
+      </p:grpSpPr>
+      <p:sp>
+        <p:nvSpPr>
+          <p:cNvPr id="2" name="Title 1">
+            <a:extLst>
+              <a:ext uri="{FF2B5EF4-FFF2-40B4-BE49-F238E27FC236}">
+                <a16:creationId xmlns:a16="http://schemas.microsoft.com/office/drawing/2014/main" id="{A9BAB78E-7D91-4FE0-8ABF-10B63DB74EF8}"/>
+              </a:ext>
+            </a:extLst>
+          </p:cNvPr>
+          <p:cNvSpPr>
+            <a:spLocks noGrp="1"/>
+          </p:cNvSpPr>
+          <p:nvPr>
+            <p:ph type="title"/>
+          </p:nvPr>
+        </p:nvSpPr>
+        <p:spPr/>
+        <p:txBody>
+          <a:bodyPr/>
+          <a:lstStyle/>
+          <a:p>
+            <a:r>
+              <a:rPr lang="en-GB" dirty="0"/>
+              <a:t>Debugging Attributes</a:t>
+            </a:r>
+          </a:p>
+        </p:txBody>
+      </p:sp>
+      <p:sp>
+        <p:nvSpPr>
+          <p:cNvPr id="3" name="Content Placeholder 2">
+            <a:extLst>
+              <a:ext uri="{FF2B5EF4-FFF2-40B4-BE49-F238E27FC236}">
+                <a16:creationId xmlns:a16="http://schemas.microsoft.com/office/drawing/2014/main" id="{B793ACA1-0694-48E5-A722-E57569BB3C04}"/>
+              </a:ext>
+            </a:extLst>
+          </p:cNvPr>
+          <p:cNvSpPr>
+            <a:spLocks noGrp="1"/>
+          </p:cNvSpPr>
+          <p:nvPr>
+            <p:ph idx="1"/>
+          </p:nvPr>
+        </p:nvSpPr>
+        <p:spPr/>
+        <p:txBody>
+          <a:bodyPr/>
+          <a:lstStyle/>
+          <a:p>
+            <a:r>
+              <a:rPr lang="en-GB" dirty="0"/>
+              <a:t>Debugger Display</a:t>
+            </a:r>
+          </a:p>
+          <a:p>
+            <a:r>
+              <a:rPr lang="en-GB" dirty="0"/>
+              <a:t>Debugger Browsable</a:t>
+            </a:r>
+          </a:p>
+          <a:p>
+            <a:r>
+              <a:rPr lang="en-GB" dirty="0"/>
+              <a:t>Debugger Type Proxy</a:t>
+            </a:r>
+          </a:p>
+          <a:p>
+            <a:pPr marL="0" indent="0">
+              <a:buNone/>
+            </a:pPr>
+            <a:endParaRPr lang="en-GB" dirty="0"/>
+          </a:p>
+          <a:p>
+            <a:pPr marL="0" indent="0">
+              <a:buNone/>
+            </a:pPr>
+            <a:endParaRPr lang="en-GB" dirty="0"/>
+          </a:p>
+        </p:txBody>
+      </p:sp>
+    </p:spTree>
+    <p:extLst>
+      <p:ext uri="{BB962C8B-B14F-4D97-AF65-F5344CB8AC3E}">
+        <p14:creationId xmlns:p14="http://schemas.microsoft.com/office/powerpoint/2010/main" val="2151647601"/>
       </p:ext>
     </p:extLst>
   </p:cSld>
@@ -14675,7 +17906,7 @@
           <p:cNvPr id="2" name="Title 1">
             <a:extLst>
               <a:ext uri="{FF2B5EF4-FFF2-40B4-BE49-F238E27FC236}">
-                <a16:creationId xmlns:a16="http://schemas.microsoft.com/office/drawing/2014/main" id="{A9BAB78E-7D91-4FE0-8ABF-10B63DB74EF8}"/>
+                <a16:creationId xmlns:a16="http://schemas.microsoft.com/office/drawing/2014/main" id="{1A9E5587-930B-4D12-AF04-93B5365EE5A0}"/>
               </a:ext>
             </a:extLst>
           </p:cNvPr>
@@ -14692,21 +17923,52 @@
           <a:lstStyle/>
           <a:p>
             <a:r>
-              <a:rPr lang="en-GB" dirty="0"/>
-              <a:t>Debugging Attributes</a:t>
-            </a:r>
-          </a:p>
-        </p:txBody>
-      </p:sp>
-      <p:sp>
-        <p:nvSpPr>
-          <p:cNvPr id="3" name="Content Placeholder 2">
+              <a:rPr lang="en-GB" dirty="0" err="1"/>
+              <a:t>DebuggerDisplay</a:t>
+            </a:r>
+            <a:endParaRPr lang="en-GB" dirty="0"/>
+          </a:p>
+        </p:txBody>
+      </p:sp>
+      <p:pic>
+        <p:nvPicPr>
+          <p:cNvPr id="3" name="Picture 2">
             <a:extLst>
               <a:ext uri="{FF2B5EF4-FFF2-40B4-BE49-F238E27FC236}">
-                <a16:creationId xmlns:a16="http://schemas.microsoft.com/office/drawing/2014/main" id="{B793ACA1-0694-48E5-A722-E57569BB3C04}"/>
+                <a16:creationId xmlns:a16="http://schemas.microsoft.com/office/drawing/2014/main" id="{3F32B2D2-CF53-4275-83C6-2C8E3E4E8CE7}"/>
               </a:ext>
             </a:extLst>
           </p:cNvPr>
+          <p:cNvPicPr>
+            <a:picLocks noChangeAspect="1"/>
+          </p:cNvPicPr>
+          <p:nvPr/>
+        </p:nvPicPr>
+        <p:blipFill>
+          <a:blip r:embed="rId3"/>
+          <a:stretch>
+            <a:fillRect/>
+          </a:stretch>
+        </p:blipFill>
+        <p:spPr>
+          <a:xfrm>
+            <a:off x="157162" y="2338387"/>
+            <a:ext cx="11877675" cy="2181225"/>
+          </a:xfrm>
+          <a:prstGeom prst="rect">
+            <a:avLst/>
+          </a:prstGeom>
+        </p:spPr>
+      </p:pic>
+      <p:sp>
+        <p:nvSpPr>
+          <p:cNvPr id="5" name="Content Placeholder 4">
+            <a:extLst>
+              <a:ext uri="{FF2B5EF4-FFF2-40B4-BE49-F238E27FC236}">
+                <a16:creationId xmlns:a16="http://schemas.microsoft.com/office/drawing/2014/main" id="{06F36574-1391-4549-BC06-40AE98811409}"/>
+              </a:ext>
+            </a:extLst>
+          </p:cNvPr>
           <p:cNvSpPr>
             <a:spLocks noGrp="1"/>
           </p:cNvSpPr>
@@ -14719,33 +17981,6 @@
           <a:bodyPr/>
           <a:lstStyle/>
           <a:p>
-            <a:r>
-              <a:rPr lang="en-GB" dirty="0"/>
-              <a:t>Debugger Display</a:t>
-            </a:r>
-          </a:p>
-          <a:p>
-            <a:r>
-              <a:rPr lang="en-GB" dirty="0"/>
-              <a:t>Debugger Browsable</a:t>
-            </a:r>
-          </a:p>
-          <a:p>
-            <a:r>
-              <a:rPr lang="en-GB" dirty="0"/>
-              <a:t>Debugger Type Proxy</a:t>
-            </a:r>
-          </a:p>
-          <a:p>
-            <a:pPr marL="0" indent="0">
-              <a:buNone/>
-            </a:pPr>
-            <a:endParaRPr lang="en-GB" dirty="0"/>
-          </a:p>
-          <a:p>
-            <a:pPr marL="0" indent="0">
-              <a:buNone/>
-            </a:pPr>
             <a:endParaRPr lang="en-GB" dirty="0"/>
           </a:p>
         </p:txBody>
@@ -14753,7 +17988,7 @@
     </p:spTree>
     <p:extLst>
       <p:ext uri="{BB962C8B-B14F-4D97-AF65-F5344CB8AC3E}">
-        <p14:creationId xmlns:p14="http://schemas.microsoft.com/office/powerpoint/2010/main" val="2151647601"/>
+        <p14:creationId xmlns:p14="http://schemas.microsoft.com/office/powerpoint/2010/main" val="3807669585"/>
       </p:ext>
     </p:extLst>
   </p:cSld>

--- a/Debugging1.pptx
+++ b/Debugging1.pptx
@@ -5,7 +5,7 @@
     <p:sldMasterId id="2147483648" r:id="rId1"/>
   </p:sldMasterIdLst>
   <p:notesMasterIdLst>
-    <p:notesMasterId r:id="rId60"/>
+    <p:notesMasterId r:id="rId58"/>
   </p:notesMasterIdLst>
   <p:sldIdLst>
     <p:sldId id="256" r:id="rId2"/>
@@ -25,47 +25,45 @@
     <p:sldId id="271" r:id="rId16"/>
     <p:sldId id="317" r:id="rId17"/>
     <p:sldId id="273" r:id="rId18"/>
-    <p:sldId id="274" r:id="rId19"/>
-    <p:sldId id="282" r:id="rId20"/>
+    <p:sldId id="282" r:id="rId19"/>
+    <p:sldId id="276" r:id="rId20"/>
     <p:sldId id="275" r:id="rId21"/>
-    <p:sldId id="276" r:id="rId22"/>
-    <p:sldId id="277" r:id="rId23"/>
-    <p:sldId id="278" r:id="rId24"/>
-    <p:sldId id="283" r:id="rId25"/>
-    <p:sldId id="284" r:id="rId26"/>
-    <p:sldId id="285" r:id="rId27"/>
-    <p:sldId id="286" r:id="rId28"/>
-    <p:sldId id="287" r:id="rId29"/>
-    <p:sldId id="288" r:id="rId30"/>
-    <p:sldId id="289" r:id="rId31"/>
-    <p:sldId id="290" r:id="rId32"/>
-    <p:sldId id="295" r:id="rId33"/>
-    <p:sldId id="291" r:id="rId34"/>
-    <p:sldId id="294" r:id="rId35"/>
-    <p:sldId id="293" r:id="rId36"/>
-    <p:sldId id="296" r:id="rId37"/>
-    <p:sldId id="297" r:id="rId38"/>
-    <p:sldId id="298" r:id="rId39"/>
-    <p:sldId id="299" r:id="rId40"/>
-    <p:sldId id="300" r:id="rId41"/>
-    <p:sldId id="301" r:id="rId42"/>
-    <p:sldId id="302" r:id="rId43"/>
-    <p:sldId id="279" r:id="rId44"/>
-    <p:sldId id="304" r:id="rId45"/>
-    <p:sldId id="305" r:id="rId46"/>
-    <p:sldId id="281" r:id="rId47"/>
-    <p:sldId id="315" r:id="rId48"/>
-    <p:sldId id="313" r:id="rId49"/>
-    <p:sldId id="316" r:id="rId50"/>
-    <p:sldId id="314" r:id="rId51"/>
-    <p:sldId id="303" r:id="rId52"/>
-    <p:sldId id="306" r:id="rId53"/>
-    <p:sldId id="307" r:id="rId54"/>
-    <p:sldId id="308" r:id="rId55"/>
-    <p:sldId id="309" r:id="rId56"/>
-    <p:sldId id="310" r:id="rId57"/>
-    <p:sldId id="272" r:id="rId58"/>
-    <p:sldId id="280" r:id="rId59"/>
+    <p:sldId id="277" r:id="rId22"/>
+    <p:sldId id="278" r:id="rId23"/>
+    <p:sldId id="283" r:id="rId24"/>
+    <p:sldId id="284" r:id="rId25"/>
+    <p:sldId id="285" r:id="rId26"/>
+    <p:sldId id="286" r:id="rId27"/>
+    <p:sldId id="287" r:id="rId28"/>
+    <p:sldId id="288" r:id="rId29"/>
+    <p:sldId id="289" r:id="rId30"/>
+    <p:sldId id="290" r:id="rId31"/>
+    <p:sldId id="291" r:id="rId32"/>
+    <p:sldId id="294" r:id="rId33"/>
+    <p:sldId id="293" r:id="rId34"/>
+    <p:sldId id="296" r:id="rId35"/>
+    <p:sldId id="297" r:id="rId36"/>
+    <p:sldId id="298" r:id="rId37"/>
+    <p:sldId id="299" r:id="rId38"/>
+    <p:sldId id="300" r:id="rId39"/>
+    <p:sldId id="301" r:id="rId40"/>
+    <p:sldId id="302" r:id="rId41"/>
+    <p:sldId id="279" r:id="rId42"/>
+    <p:sldId id="304" r:id="rId43"/>
+    <p:sldId id="305" r:id="rId44"/>
+    <p:sldId id="281" r:id="rId45"/>
+    <p:sldId id="315" r:id="rId46"/>
+    <p:sldId id="313" r:id="rId47"/>
+    <p:sldId id="316" r:id="rId48"/>
+    <p:sldId id="314" r:id="rId49"/>
+    <p:sldId id="303" r:id="rId50"/>
+    <p:sldId id="306" r:id="rId51"/>
+    <p:sldId id="307" r:id="rId52"/>
+    <p:sldId id="308" r:id="rId53"/>
+    <p:sldId id="309" r:id="rId54"/>
+    <p:sldId id="310" r:id="rId55"/>
+    <p:sldId id="272" r:id="rId56"/>
+    <p:sldId id="280" r:id="rId57"/>
   </p:sldIdLst>
   <p:sldSz cx="12192000" cy="6858000"/>
   <p:notesSz cx="6858000" cy="9144000"/>
@@ -201,6 +199,93 @@
 </inkml:ink>
 </file>
 
+<file path=ppt/ink/ink10.xml><?xml version="1.0" encoding="utf-8"?>
+<inkml:ink xmlns:inkml="http://www.w3.org/2003/InkML">
+  <inkml:definitions>
+    <inkml:context xml:id="ctx0">
+      <inkml:inkSource xml:id="inkSrc0">
+        <inkml:traceFormat>
+          <inkml:channel name="X" type="integer" min="-2.14748E9" max="2.14748E9" units="cm"/>
+          <inkml:channel name="Y" type="integer" min="-2.14748E9" max="2.14748E9" units="cm"/>
+        </inkml:traceFormat>
+        <inkml:channelProperties>
+          <inkml:channelProperty channel="X" name="resolution" value="1000" units="1/cm"/>
+          <inkml:channelProperty channel="Y" name="resolution" value="1000" units="1/cm"/>
+        </inkml:channelProperties>
+      </inkml:inkSource>
+      <inkml:timestamp xml:id="ts0" timeString="2018-12-14T17:23:03.507"/>
+    </inkml:context>
+    <inkml:brush xml:id="br0">
+      <inkml:brushProperty name="width" value="0.4" units="cm"/>
+      <inkml:brushProperty name="height" value="0.8" units="cm"/>
+      <inkml:brushProperty name="color" value="#FFFC00"/>
+      <inkml:brushProperty name="tip" value="rectangle"/>
+      <inkml:brushProperty name="rasterOp" value="maskPen"/>
+      <inkml:brushProperty name="ignorePressure" value="1"/>
+    </inkml:brush>
+  </inkml:definitions>
+  <inkml:trace contextRef="#ctx0" brushRef="#br0">3273 44,'-313'0,"296"-1,0-1,1-1,-1 0,1-1,-8-3,4 1,-1 1,1 0,-3 2,-40-1,0 3,-1 3,-26 0,-932-2,990 1,-1 2,-8 3,-42 3,-9 1,-3-1,-40 3,61-5,-27-2,36-2,-12 3,-39 3,84-6,1 2,0 1,-22 6,-24 6,28-9,-5 2,-1-2,0-3,-14-2,52-4</inkml:trace>
+</inkml:ink>
+</file>
+
+<file path=ppt/ink/ink11.xml><?xml version="1.0" encoding="utf-8"?>
+<inkml:ink xmlns:inkml="http://www.w3.org/2003/InkML">
+  <inkml:definitions>
+    <inkml:context xml:id="ctx0">
+      <inkml:inkSource xml:id="inkSrc0">
+        <inkml:traceFormat>
+          <inkml:channel name="X" type="integer" min="-2.14748E9" max="2.14748E9" units="cm"/>
+          <inkml:channel name="Y" type="integer" min="-2.14748E9" max="2.14748E9" units="cm"/>
+        </inkml:traceFormat>
+        <inkml:channelProperties>
+          <inkml:channelProperty channel="X" name="resolution" value="1000" units="1/cm"/>
+          <inkml:channelProperty channel="Y" name="resolution" value="1000" units="1/cm"/>
+        </inkml:channelProperties>
+      </inkml:inkSource>
+      <inkml:timestamp xml:id="ts0" timeString="2018-12-14T17:23:05.294"/>
+    </inkml:context>
+    <inkml:brush xml:id="br0">
+      <inkml:brushProperty name="width" value="0.4" units="cm"/>
+      <inkml:brushProperty name="height" value="0.8" units="cm"/>
+      <inkml:brushProperty name="color" value="#FFFC00"/>
+      <inkml:brushProperty name="tip" value="rectangle"/>
+      <inkml:brushProperty name="rasterOp" value="maskPen"/>
+      <inkml:brushProperty name="ignorePressure" value="1"/>
+    </inkml:brush>
+  </inkml:definitions>
+  <inkml:trace contextRef="#ctx0" brushRef="#br0">1 0</inkml:trace>
+</inkml:ink>
+</file>
+
+<file path=ppt/ink/ink12.xml><?xml version="1.0" encoding="utf-8"?>
+<inkml:ink xmlns:inkml="http://www.w3.org/2003/InkML">
+  <inkml:definitions>
+    <inkml:context xml:id="ctx0">
+      <inkml:inkSource xml:id="inkSrc0">
+        <inkml:traceFormat>
+          <inkml:channel name="X" type="integer" min="-2.14748E9" max="2.14748E9" units="cm"/>
+          <inkml:channel name="Y" type="integer" min="-2.14748E9" max="2.14748E9" units="cm"/>
+        </inkml:traceFormat>
+        <inkml:channelProperties>
+          <inkml:channelProperty channel="X" name="resolution" value="1000" units="1/cm"/>
+          <inkml:channelProperty channel="Y" name="resolution" value="1000" units="1/cm"/>
+        </inkml:channelProperties>
+      </inkml:inkSource>
+      <inkml:timestamp xml:id="ts0" timeString="2018-12-14T17:25:39.428"/>
+    </inkml:context>
+    <inkml:brush xml:id="br0">
+      <inkml:brushProperty name="width" value="0.4" units="cm"/>
+      <inkml:brushProperty name="height" value="0.8" units="cm"/>
+      <inkml:brushProperty name="color" value="#FFFC00"/>
+      <inkml:brushProperty name="tip" value="rectangle"/>
+      <inkml:brushProperty name="rasterOp" value="maskPen"/>
+      <inkml:brushProperty name="ignorePressure" value="1"/>
+    </inkml:brush>
+  </inkml:definitions>
+  <inkml:trace contextRef="#ctx0" brushRef="#br0">0 248,'722'0,"-711"-1,0 0,-1 0,1-1,0-1,0 1,-1-2,5-1,18-10,19-11,-32 15,7-2,180-87,-173 86,1 1,1 2,0 2,1 1,4 1,-27 6</inkml:trace>
+</inkml:ink>
+</file>
+
 <file path=ppt/ink/ink2.xml><?xml version="1.0" encoding="utf-8"?>
 <inkml:ink xmlns:inkml="http://www.w3.org/2003/InkML">
   <inkml:definitions>
@@ -303,7 +388,7 @@
           <inkml:channelProperty channel="Y" name="resolution" value="1000" units="1/cm"/>
         </inkml:channelProperties>
       </inkml:inkSource>
-      <inkml:timestamp xml:id="ts0" timeString="2018-12-14T17:22:57.002"/>
+      <inkml:timestamp xml:id="ts0" timeString="2018-12-30T12:35:07.373"/>
     </inkml:context>
     <inkml:brush xml:id="br0">
       <inkml:brushProperty name="width" value="0.4" units="cm"/>
@@ -314,7 +399,7 @@
       <inkml:brushProperty name="ignorePressure" value="1"/>
     </inkml:brush>
   </inkml:definitions>
-  <inkml:trace contextRef="#ctx0" brushRef="#br0">0 0</inkml:trace>
+  <inkml:trace contextRef="#ctx0" brushRef="#br0">0 109,'144'-15,"-52"6,32-10,-82 11,81-18,-92 19,1 3,-1 1,1 1,0 1,1 2,12-1,44-5,-76 4,18-4,0 2,0 2,10 1,-39 0,0 0,-1 1,1-1,0 0,-1 1,1-1,-1 1,1-1,0 1,-1 0,1 0,-1 0,0 0,1 0,-1 0,0 0,0 0,1 0,-1 1,0-1,0 0,0 1,0-1,-1 1,1-1,0 1,-1-1,1 1,-1 0,1-1,-1 1,0 0,1 8,0-1,-1 1,0-1,-1 1,0 5,-1 7,0 215,2-139,0-95,0 1,0-1,0 1,-1-1,1 1,-1-1,0 0,0 1,-1 1,1-3,0-1,0 0,0 1,0-1,0 0,0 0,0 0,-1 0,1 0,0 0,-1 0,1 0,-1 0,1-1,-1 1,1 0,-1-1,1 0,-1 1,0-1,0 0,-13 2,0-1,0-1,-3 0,3-1,-1 2,-14 1,-24 8,28-5,0 0,-1-2,-3-1,-63-2,24 0,0 2,-8 5,-1-1,-1-3,-31-4,13-1,90 2</inkml:trace>
 </inkml:ink>
 </file>
 
@@ -332,7 +417,7 @@
           <inkml:channelProperty channel="Y" name="resolution" value="1000" units="1/cm"/>
         </inkml:channelProperties>
       </inkml:inkSource>
-      <inkml:timestamp xml:id="ts0" timeString="2018-12-14T17:23:03.507"/>
+      <inkml:timestamp xml:id="ts0" timeString="2018-12-30T12:39:03.708"/>
     </inkml:context>
     <inkml:brush xml:id="br0">
       <inkml:brushProperty name="width" value="0.4" units="cm"/>
@@ -343,7 +428,7 @@
       <inkml:brushProperty name="ignorePressure" value="1"/>
     </inkml:brush>
   </inkml:definitions>
-  <inkml:trace contextRef="#ctx0" brushRef="#br0">3273 44,'-313'0,"296"-1,0-1,1-1,-1 0,1-1,-8-3,4 1,-1 1,1 0,-3 2,-40-1,0 3,-1 3,-26 0,-932-2,990 1,-1 2,-8 3,-42 3,-9 1,-3-1,-40 3,61-5,-27-2,36-2,-12 3,-39 3,84-6,1 2,0 1,-22 6,-24 6,28-9,-5 2,-1-2,0-3,-14-2,52-4</inkml:trace>
+  <inkml:trace contextRef="#ctx0" brushRef="#br0">1 0,'2'0,"2"0</inkml:trace>
 </inkml:ink>
 </file>
 
@@ -361,7 +446,7 @@
           <inkml:channelProperty channel="Y" name="resolution" value="1000" units="1/cm"/>
         </inkml:channelProperties>
       </inkml:inkSource>
-      <inkml:timestamp xml:id="ts0" timeString="2018-12-14T17:23:05.294"/>
+      <inkml:timestamp xml:id="ts0" timeString="2018-12-30T12:39:08.023"/>
     </inkml:context>
     <inkml:brush xml:id="br0">
       <inkml:brushProperty name="width" value="0.4" units="cm"/>
@@ -372,7 +457,7 @@
       <inkml:brushProperty name="ignorePressure" value="1"/>
     </inkml:brush>
   </inkml:definitions>
-  <inkml:trace contextRef="#ctx0" brushRef="#br0">1 0</inkml:trace>
+  <inkml:trace contextRef="#ctx0" brushRef="#br0">6 43,'1119'0,"-1115"0,-1 0,0 0,1 1,-1-1,0 0,0 1,1 0,-1 0,0 0,2 1,-3-1,-1 0,0 0,0 0,0 0,1 1,-1-1,0 0,0 1,-1-1,1 1,0-1,0 1,-1-1,1 1,-1-1,1 1,-1-1,0 1,1 0,-1-1,0 1,0 0,-1 40,0-34,0 0,1 0,0 0,1 0,0-1,0 1,0 0,13 41,-2 1,0 17,1 15,-4-37,-3 0,-2 1,-2 3,-3 291,1-340,0 5,0-1,0 1,0 0,-1-1,0 1,-1 3,2-7,-1 0,1 0,-1 0,1 0,-1 1,0-1,0 0,1 0,-1 0,0-1,0 1,0 0,0 0,0 0,0-1,-1 1,1 0,0-1,0 1,0-1,-1 0,1 1,0-1,0 0,-1 0,1 1,-5-1,0 0,0 0,0 0,0 0,0-1,0 0,0-1,0 1,0-1,-2-1,-9-4,-1-2,-9-6,12 6,1 1,-2 1,-12-4,4 4,0 2,0 0,-1 2,-23-1,-102 5,81 1,46-3,0 0,1-2,-12-3,-35-5,-87 2,-65 9,165 0,53 0,0 0,0 0,0 0,0 0,0-1,0 1,0-1,1 0,-1 0,0 0,-1-1,2 1,1 0,0 0,0 0,0 0,0 0,0-1,0 1,0 0,0-1,1 1,-1-1,0 1,1-1,0 1,-1-1,1 1,0-1,-1 0,1 1,0-1,0 1,0-1,1-45,1-8,1-20,-3-34,9-345,-2 345,-9 156,1-24,0 0,2 0,2 12,0-22,0-1,1 1,2 5,10 32,-10-11,-1 0,0 37,-7 83,0-49,2 49,0-157,1 0,-1 0,0 0,0 0,1-1,-1 1,1 0,-1 0,1 0,0-1,0 1,0 0,0-1,0 1,0-1,0 1,1-1,-1 1,0-1,1 0,-1 0,1 0,0 0,-1 0,1 0,0 0,-1 0,1-1,2 1,5 2,0-1,1-1,-1 1,1-1,4-1,-5 0,34 1,4-2,-27 1</inkml:trace>
 </inkml:ink>
 </file>
 
@@ -390,7 +475,7 @@
           <inkml:channelProperty channel="Y" name="resolution" value="1000" units="1/cm"/>
         </inkml:channelProperties>
       </inkml:inkSource>
-      <inkml:timestamp xml:id="ts0" timeString="2018-12-14T17:25:39.428"/>
+      <inkml:timestamp xml:id="ts0" timeString="2018-12-30T12:55:18.141"/>
     </inkml:context>
     <inkml:brush xml:id="br0">
       <inkml:brushProperty name="width" value="0.4" units="cm"/>
@@ -401,7 +486,36 @@
       <inkml:brushProperty name="ignorePressure" value="1"/>
     </inkml:brush>
   </inkml:definitions>
-  <inkml:trace contextRef="#ctx0" brushRef="#br0">0 248,'722'0,"-711"-1,0 0,-1 0,1-1,0-1,0 1,-1-2,5-1,18-10,19-11,-32 15,7-2,180-87,-173 86,1 1,1 2,0 2,1 1,4 1,-27 6</inkml:trace>
+  <inkml:trace contextRef="#ctx0" brushRef="#br0">0 0</inkml:trace>
+</inkml:ink>
+</file>
+
+<file path=ppt/ink/ink9.xml><?xml version="1.0" encoding="utf-8"?>
+<inkml:ink xmlns:inkml="http://www.w3.org/2003/InkML">
+  <inkml:definitions>
+    <inkml:context xml:id="ctx0">
+      <inkml:inkSource xml:id="inkSrc0">
+        <inkml:traceFormat>
+          <inkml:channel name="X" type="integer" min="-2.14748E9" max="2.14748E9" units="cm"/>
+          <inkml:channel name="Y" type="integer" min="-2.14748E9" max="2.14748E9" units="cm"/>
+        </inkml:traceFormat>
+        <inkml:channelProperties>
+          <inkml:channelProperty channel="X" name="resolution" value="1000" units="1/cm"/>
+          <inkml:channelProperty channel="Y" name="resolution" value="1000" units="1/cm"/>
+        </inkml:channelProperties>
+      </inkml:inkSource>
+      <inkml:timestamp xml:id="ts0" timeString="2018-12-14T17:22:57.002"/>
+    </inkml:context>
+    <inkml:brush xml:id="br0">
+      <inkml:brushProperty name="width" value="0.4" units="cm"/>
+      <inkml:brushProperty name="height" value="0.8" units="cm"/>
+      <inkml:brushProperty name="color" value="#FFFC00"/>
+      <inkml:brushProperty name="tip" value="rectangle"/>
+      <inkml:brushProperty name="rasterOp" value="maskPen"/>
+      <inkml:brushProperty name="ignorePressure" value="1"/>
+    </inkml:brush>
+  </inkml:definitions>
+  <inkml:trace contextRef="#ctx0" brushRef="#br0">0 0</inkml:trace>
 </inkml:ink>
 </file>
 
@@ -487,7 +601,7 @@
           <a:p>
             <a:fld id="{45F49CC2-C49A-4120-BFB5-52D9153EA4E0}" type="datetimeFigureOut">
               <a:rPr lang="en-GB" smtClean="0"/>
-              <a:t>28/12/2018</a:t>
+              <a:t>01/01/2019</a:t>
             </a:fld>
             <a:endParaRPr lang="en-GB"/>
           </a:p>
@@ -1614,7 +1728,23 @@
           <a:p>
             <a:r>
               <a:rPr lang="en-GB" dirty="0"/>
-              <a:t>If you really need to you can write you own</a:t>
+              <a:t>Putting mouse over the variable and clicking the pin,</a:t>
+            </a:r>
+          </a:p>
+          <a:p>
+            <a:r>
+              <a:rPr lang="en-GB" dirty="0"/>
+              <a:t>The double chevron pointing down allows you to put a comment in. </a:t>
+            </a:r>
+          </a:p>
+          <a:p>
+            <a:r>
+              <a:rPr lang="en-GB" dirty="0" err="1"/>
+              <a:t>Datatips</a:t>
+            </a:r>
+            <a:r>
+              <a:rPr lang="en-GB" dirty="0"/>
+              <a:t> can be exported under debug menu – someone else is to debug.</a:t>
             </a:r>
           </a:p>
         </p:txBody>
@@ -1645,7 +1775,7 @@
     </p:spTree>
     <p:extLst>
       <p:ext uri="{BB962C8B-B14F-4D97-AF65-F5344CB8AC3E}">
-        <p14:creationId xmlns:p14="http://schemas.microsoft.com/office/powerpoint/2010/main" val="1425307451"/>
+        <p14:creationId xmlns:p14="http://schemas.microsoft.com/office/powerpoint/2010/main" val="2443119822"/>
       </p:ext>
     </p:extLst>
   </p:cSld>
@@ -1701,23 +1831,19 @@
           <a:p>
             <a:r>
               <a:rPr lang="en-GB" dirty="0"/>
-              <a:t>Putting mouse over the variable and clicking the pin,</a:t>
-            </a:r>
-          </a:p>
-          <a:p>
-            <a:r>
-              <a:rPr lang="en-GB" dirty="0"/>
-              <a:t>The double chevron pointing down allows you to put a comment in. </a:t>
-            </a:r>
-          </a:p>
-          <a:p>
-            <a:r>
-              <a:rPr lang="en-GB" dirty="0" err="1"/>
-              <a:t>Datatips</a:t>
-            </a:r>
-            <a:r>
-              <a:rPr lang="en-GB" dirty="0"/>
-              <a:t> can be exported under debug menu – someone else is to debug.</a:t>
+              <a:t>Watch window</a:t>
+            </a:r>
+          </a:p>
+          <a:p>
+            <a:r>
+              <a:rPr lang="en-GB" dirty="0"/>
+              <a:t>the Locals – show the values of within the current scope, this will coincide with the focus of the call stack. </a:t>
+            </a:r>
+          </a:p>
+          <a:p>
+            <a:r>
+              <a:rPr lang="en-GB" dirty="0"/>
+              <a:t>The autos window shows the values around the current breakpoint., also coinciding with the call stack. Return values are also shown and </a:t>
             </a:r>
           </a:p>
         </p:txBody>
@@ -1748,7 +1874,7 @@
     </p:spTree>
     <p:extLst>
       <p:ext uri="{BB962C8B-B14F-4D97-AF65-F5344CB8AC3E}">
-        <p14:creationId xmlns:p14="http://schemas.microsoft.com/office/powerpoint/2010/main" val="2443119822"/>
+        <p14:creationId xmlns:p14="http://schemas.microsoft.com/office/powerpoint/2010/main" val="3860788685"/>
       </p:ext>
     </p:extLst>
   </p:cSld>
@@ -1990,19 +2116,13 @@
           <a:p>
             <a:r>
               <a:rPr lang="en-GB" dirty="0"/>
-              <a:t>Watch window</a:t>
-            </a:r>
-          </a:p>
-          <a:p>
-            <a:r>
-              <a:rPr lang="en-GB" dirty="0"/>
-              <a:t>the Locals – show the values of within the current scope, this will coincide with the focus of the call stack. </a:t>
-            </a:r>
-          </a:p>
-          <a:p>
-            <a:r>
-              <a:rPr lang="en-GB" dirty="0"/>
-              <a:t>The autos window shows the values around the current breakpoint., also coinciding with the call stack. Return values are also shown and </a:t>
+              <a:t>Allows to keep track of variables and methods.</a:t>
+            </a:r>
+          </a:p>
+          <a:p>
+            <a:r>
+              <a:rPr lang="en-GB" dirty="0"/>
+              <a:t>$1</a:t>
             </a:r>
           </a:p>
         </p:txBody>
@@ -2033,7 +2153,7 @@
     </p:spTree>
     <p:extLst>
       <p:ext uri="{BB962C8B-B14F-4D97-AF65-F5344CB8AC3E}">
-        <p14:creationId xmlns:p14="http://schemas.microsoft.com/office/powerpoint/2010/main" val="3860788685"/>
+        <p14:creationId xmlns:p14="http://schemas.microsoft.com/office/powerpoint/2010/main" val="1723455707"/>
       </p:ext>
     </p:extLst>
   </p:cSld>
@@ -2087,16 +2207,7 @@
           <a:bodyPr/>
           <a:lstStyle/>
           <a:p>
-            <a:r>
-              <a:rPr lang="en-GB" dirty="0"/>
-              <a:t>Allows to keep track of variables and methods.</a:t>
-            </a:r>
-          </a:p>
-          <a:p>
-            <a:r>
-              <a:rPr lang="en-GB" dirty="0"/>
-              <a:t>$1</a:t>
-            </a:r>
+            <a:endParaRPr lang="en-GB" dirty="0"/>
           </a:p>
         </p:txBody>
       </p:sp>
@@ -2126,7 +2237,7 @@
     </p:spTree>
     <p:extLst>
       <p:ext uri="{BB962C8B-B14F-4D97-AF65-F5344CB8AC3E}">
-        <p14:creationId xmlns:p14="http://schemas.microsoft.com/office/powerpoint/2010/main" val="1723455707"/>
+        <p14:creationId xmlns:p14="http://schemas.microsoft.com/office/powerpoint/2010/main" val="1987461711"/>
       </p:ext>
     </p:extLst>
   </p:cSld>
@@ -2180,6 +2291,36 @@
           <a:bodyPr/>
           <a:lstStyle/>
           <a:p>
+            <a:r>
+              <a:rPr lang="en-GB" dirty="0"/>
+              <a:t>Flag</a:t>
+            </a:r>
+          </a:p>
+          <a:p>
+            <a:r>
+              <a:rPr lang="en-GB" dirty="0"/>
+              <a:t>Search</a:t>
+            </a:r>
+          </a:p>
+          <a:p>
+            <a:r>
+              <a:rPr lang="en-GB" dirty="0"/>
+              <a:t>Freeze and thaw</a:t>
+            </a:r>
+          </a:p>
+          <a:p>
+            <a:r>
+              <a:rPr lang="en-GB" dirty="0"/>
+              <a:t>Naming – tasks – thread pool</a:t>
+            </a:r>
+          </a:p>
+          <a:p>
+            <a:r>
+              <a:rPr lang="en-GB" dirty="0"/>
+              <a:t>Showing columns</a:t>
+            </a:r>
+          </a:p>
+          <a:p>
             <a:endParaRPr lang="en-GB" dirty="0"/>
           </a:p>
         </p:txBody>
@@ -2210,7 +2351,7 @@
     </p:spTree>
     <p:extLst>
       <p:ext uri="{BB962C8B-B14F-4D97-AF65-F5344CB8AC3E}">
-        <p14:creationId xmlns:p14="http://schemas.microsoft.com/office/powerpoint/2010/main" val="1987461711"/>
+        <p14:creationId xmlns:p14="http://schemas.microsoft.com/office/powerpoint/2010/main" val="76562486"/>
       </p:ext>
     </p:extLst>
   </p:cSld>
@@ -2266,35 +2407,8 @@
           <a:p>
             <a:r>
               <a:rPr lang="en-GB" dirty="0"/>
-              <a:t>Flag</a:t>
-            </a:r>
-          </a:p>
-          <a:p>
-            <a:r>
-              <a:rPr lang="en-GB" dirty="0"/>
-              <a:t>Search</a:t>
-            </a:r>
-          </a:p>
-          <a:p>
-            <a:r>
-              <a:rPr lang="en-GB" dirty="0"/>
-              <a:t>Freeze and thaw</a:t>
-            </a:r>
-          </a:p>
-          <a:p>
-            <a:r>
-              <a:rPr lang="en-GB" dirty="0"/>
-              <a:t>Naming – tasks – thread pool</a:t>
-            </a:r>
-          </a:p>
-          <a:p>
-            <a:r>
-              <a:rPr lang="en-GB" dirty="0"/>
-              <a:t>Showing columns</a:t>
-            </a:r>
-          </a:p>
-          <a:p>
-            <a:endParaRPr lang="en-GB" dirty="0"/>
+              <a:t>Where threads are </a:t>
+            </a:r>
           </a:p>
         </p:txBody>
       </p:sp>
@@ -2324,7 +2438,7 @@
     </p:spTree>
     <p:extLst>
       <p:ext uri="{BB962C8B-B14F-4D97-AF65-F5344CB8AC3E}">
-        <p14:creationId xmlns:p14="http://schemas.microsoft.com/office/powerpoint/2010/main" val="76562486"/>
+        <p14:creationId xmlns:p14="http://schemas.microsoft.com/office/powerpoint/2010/main" val="3500064574"/>
       </p:ext>
     </p:extLst>
   </p:cSld>
@@ -2380,7 +2494,13 @@
           <a:p>
             <a:r>
               <a:rPr lang="en-GB" dirty="0"/>
-              <a:t>Where threads are </a:t>
+              <a:t>View&gt;Toolbars</a:t>
+            </a:r>
+          </a:p>
+          <a:p>
+            <a:r>
+              <a:rPr lang="en-GB" dirty="0"/>
+              <a:t>Select threads</a:t>
             </a:r>
           </a:p>
         </p:txBody>
@@ -2411,7 +2531,7 @@
     </p:spTree>
     <p:extLst>
       <p:ext uri="{BB962C8B-B14F-4D97-AF65-F5344CB8AC3E}">
-        <p14:creationId xmlns:p14="http://schemas.microsoft.com/office/powerpoint/2010/main" val="3500064574"/>
+        <p14:creationId xmlns:p14="http://schemas.microsoft.com/office/powerpoint/2010/main" val="2990764819"/>
       </p:ext>
     </p:extLst>
   </p:cSld>
@@ -2467,13 +2587,7 @@
           <a:p>
             <a:r>
               <a:rPr lang="en-GB" dirty="0"/>
-              <a:t>View&gt;Toolbars</a:t>
-            </a:r>
-          </a:p>
-          <a:p>
-            <a:r>
-              <a:rPr lang="en-GB" dirty="0"/>
-              <a:t>Select threads</a:t>
+              <a:t>Describe code watch window value of I, thread stacks </a:t>
             </a:r>
           </a:p>
         </p:txBody>
@@ -2504,7 +2618,7 @@
     </p:spTree>
     <p:extLst>
       <p:ext uri="{BB962C8B-B14F-4D97-AF65-F5344CB8AC3E}">
-        <p14:creationId xmlns:p14="http://schemas.microsoft.com/office/powerpoint/2010/main" val="2990764819"/>
+        <p14:creationId xmlns:p14="http://schemas.microsoft.com/office/powerpoint/2010/main" val="3577507695"/>
       </p:ext>
     </p:extLst>
   </p:cSld>
@@ -2560,7 +2674,7 @@
           <a:p>
             <a:r>
               <a:rPr lang="en-GB" dirty="0"/>
-              <a:t>Describe code watch window value of I, thread stacks </a:t>
+              <a:t>Different views are to select stack trace for thread</a:t>
             </a:r>
           </a:p>
         </p:txBody>
@@ -2591,7 +2705,7 @@
     </p:spTree>
     <p:extLst>
       <p:ext uri="{BB962C8B-B14F-4D97-AF65-F5344CB8AC3E}">
-        <p14:creationId xmlns:p14="http://schemas.microsoft.com/office/powerpoint/2010/main" val="3577507695"/>
+        <p14:creationId xmlns:p14="http://schemas.microsoft.com/office/powerpoint/2010/main" val="3822364862"/>
       </p:ext>
     </p:extLst>
   </p:cSld>
@@ -2647,7 +2761,13 @@
           <a:p>
             <a:r>
               <a:rPr lang="en-GB" dirty="0"/>
-              <a:t>Different views are to select stack trace for thread</a:t>
+              <a:t>Show value of I from the code and name - horizontal</a:t>
+            </a:r>
+          </a:p>
+          <a:p>
+            <a:r>
+              <a:rPr lang="en-GB" dirty="0"/>
+              <a:t>Filter can be added, also visualizers</a:t>
             </a:r>
           </a:p>
         </p:txBody>
@@ -2678,7 +2798,7 @@
     </p:spTree>
     <p:extLst>
       <p:ext uri="{BB962C8B-B14F-4D97-AF65-F5344CB8AC3E}">
-        <p14:creationId xmlns:p14="http://schemas.microsoft.com/office/powerpoint/2010/main" val="3822364862"/>
+        <p14:creationId xmlns:p14="http://schemas.microsoft.com/office/powerpoint/2010/main" val="1030915362"/>
       </p:ext>
     </p:extLst>
   </p:cSld>
@@ -2733,15 +2853,10 @@
           <a:lstStyle/>
           <a:p>
             <a:r>
-              <a:rPr lang="en-GB" dirty="0"/>
-              <a:t>Show value of I from the code and name - horizontal</a:t>
-            </a:r>
-          </a:p>
-          <a:p>
-            <a:r>
-              <a:rPr lang="en-GB" dirty="0"/>
-              <a:t>Filter can be added, also visualizers</a:t>
-            </a:r>
+              <a:rPr lang="en-GB" dirty="0" err="1"/>
+              <a:t>Breakpoins</a:t>
+            </a:r>
+            <a:endParaRPr lang="en-GB" dirty="0"/>
           </a:p>
         </p:txBody>
       </p:sp>
@@ -2771,7 +2886,7 @@
     </p:spTree>
     <p:extLst>
       <p:ext uri="{BB962C8B-B14F-4D97-AF65-F5344CB8AC3E}">
-        <p14:creationId xmlns:p14="http://schemas.microsoft.com/office/powerpoint/2010/main" val="1030915362"/>
+        <p14:creationId xmlns:p14="http://schemas.microsoft.com/office/powerpoint/2010/main" val="3092337207"/>
       </p:ext>
     </p:extLst>
   </p:cSld>
@@ -2913,10 +3028,9 @@
           <a:lstStyle/>
           <a:p>
             <a:r>
-              <a:rPr lang="en-GB" dirty="0" err="1"/>
-              <a:t>Breakpoins</a:t>
-            </a:r>
-            <a:endParaRPr lang="en-GB" dirty="0"/>
+              <a:rPr lang="en-GB" dirty="0"/>
+              <a:t>Set on set - memory</a:t>
+            </a:r>
           </a:p>
         </p:txBody>
       </p:sp>
@@ -2946,7 +3060,7 @@
     </p:spTree>
     <p:extLst>
       <p:ext uri="{BB962C8B-B14F-4D97-AF65-F5344CB8AC3E}">
-        <p14:creationId xmlns:p14="http://schemas.microsoft.com/office/powerpoint/2010/main" val="3092337207"/>
+        <p14:creationId xmlns:p14="http://schemas.microsoft.com/office/powerpoint/2010/main" val="3556814102"/>
       </p:ext>
     </p:extLst>
   </p:cSld>
@@ -3002,7 +3116,7 @@
           <a:p>
             <a:r>
               <a:rPr lang="en-GB" dirty="0"/>
-              <a:t>Set on set - memory</a:t>
+              <a:t>Breakpoint I =5;</a:t>
             </a:r>
           </a:p>
         </p:txBody>
@@ -3033,7 +3147,7 @@
     </p:spTree>
     <p:extLst>
       <p:ext uri="{BB962C8B-B14F-4D97-AF65-F5344CB8AC3E}">
-        <p14:creationId xmlns:p14="http://schemas.microsoft.com/office/powerpoint/2010/main" val="3556814102"/>
+        <p14:creationId xmlns:p14="http://schemas.microsoft.com/office/powerpoint/2010/main" val="1479761591"/>
       </p:ext>
     </p:extLst>
   </p:cSld>
@@ -3089,13 +3203,15 @@
           <a:p>
             <a:r>
               <a:rPr lang="en-GB" dirty="0"/>
-              <a:t>Set breakpoint via stack trace</a:t>
-            </a:r>
-          </a:p>
-          <a:p>
-            <a:r>
-              <a:rPr lang="en-GB" dirty="0"/>
-              <a:t>Step into method – look at stack trace</a:t>
+              <a:t>Add </a:t>
+            </a:r>
+            <a:r>
+              <a:rPr lang="en-GB" dirty="0" err="1"/>
+              <a:t>contion</a:t>
+            </a:r>
+            <a:r>
+              <a:rPr lang="en-GB" dirty="0"/>
+              <a:t> – right click breakpoint</a:t>
             </a:r>
           </a:p>
         </p:txBody>
@@ -3126,7 +3242,7 @@
     </p:spTree>
     <p:extLst>
       <p:ext uri="{BB962C8B-B14F-4D97-AF65-F5344CB8AC3E}">
-        <p14:creationId xmlns:p14="http://schemas.microsoft.com/office/powerpoint/2010/main" val="308115185"/>
+        <p14:creationId xmlns:p14="http://schemas.microsoft.com/office/powerpoint/2010/main" val="3469019877"/>
       </p:ext>
     </p:extLst>
   </p:cSld>
@@ -3182,7 +3298,13 @@
           <a:p>
             <a:r>
               <a:rPr lang="en-GB" dirty="0"/>
-              <a:t>Breakpoint I =5;</a:t>
+              <a:t>Performance </a:t>
+            </a:r>
+          </a:p>
+          <a:p>
+            <a:r>
+              <a:rPr lang="en-GB" dirty="0"/>
+              <a:t>Safety add is attached</a:t>
             </a:r>
           </a:p>
         </p:txBody>
@@ -3213,7 +3335,7 @@
     </p:spTree>
     <p:extLst>
       <p:ext uri="{BB962C8B-B14F-4D97-AF65-F5344CB8AC3E}">
-        <p14:creationId xmlns:p14="http://schemas.microsoft.com/office/powerpoint/2010/main" val="1479761591"/>
+        <p14:creationId xmlns:p14="http://schemas.microsoft.com/office/powerpoint/2010/main" val="4148633218"/>
       </p:ext>
     </p:extLst>
   </p:cSld>
@@ -3269,15 +3391,7 @@
           <a:p>
             <a:r>
               <a:rPr lang="en-GB" dirty="0"/>
-              <a:t>Add </a:t>
-            </a:r>
-            <a:r>
-              <a:rPr lang="en-GB" dirty="0" err="1"/>
-              <a:t>contion</a:t>
-            </a:r>
-            <a:r>
-              <a:rPr lang="en-GB" dirty="0"/>
-              <a:t> – right click breakpoint</a:t>
+              <a:t>Nth time set very high</a:t>
             </a:r>
           </a:p>
         </p:txBody>
@@ -3308,7 +3422,7 @@
     </p:spTree>
     <p:extLst>
       <p:ext uri="{BB962C8B-B14F-4D97-AF65-F5344CB8AC3E}">
-        <p14:creationId xmlns:p14="http://schemas.microsoft.com/office/powerpoint/2010/main" val="3469019877"/>
+        <p14:creationId xmlns:p14="http://schemas.microsoft.com/office/powerpoint/2010/main" val="1972191348"/>
       </p:ext>
     </p:extLst>
   </p:cSld>
@@ -3364,13 +3478,21 @@
           <a:p>
             <a:r>
               <a:rPr lang="en-GB" dirty="0"/>
-              <a:t>Performance </a:t>
-            </a:r>
-          </a:p>
-          <a:p>
-            <a:r>
-              <a:rPr lang="en-GB" dirty="0"/>
-              <a:t>Safety add is attached</a:t>
+              <a:t>Breakpoint window – debug&gt;windows&gt;breakpoint</a:t>
+            </a:r>
+          </a:p>
+          <a:p>
+            <a:r>
+              <a:rPr lang="en-GB" dirty="0"/>
+              <a:t>Set </a:t>
+            </a:r>
+            <a:r>
+              <a:rPr lang="en-GB" dirty="0" err="1"/>
+              <a:t>hitcount</a:t>
+            </a:r>
+            <a:r>
+              <a:rPr lang="en-GB" dirty="0"/>
+              <a:t> to that amount</a:t>
             </a:r>
           </a:p>
         </p:txBody>
@@ -3401,7 +3523,7 @@
     </p:spTree>
     <p:extLst>
       <p:ext uri="{BB962C8B-B14F-4D97-AF65-F5344CB8AC3E}">
-        <p14:creationId xmlns:p14="http://schemas.microsoft.com/office/powerpoint/2010/main" val="4148633218"/>
+        <p14:creationId xmlns:p14="http://schemas.microsoft.com/office/powerpoint/2010/main" val="1538981471"/>
       </p:ext>
     </p:extLst>
   </p:cSld>
@@ -3457,7 +3579,7 @@
           <a:p>
             <a:r>
               <a:rPr lang="en-GB" dirty="0"/>
-              <a:t>Nth time set very high</a:t>
+              <a:t>Filter for threads</a:t>
             </a:r>
           </a:p>
         </p:txBody>
@@ -3488,7 +3610,7 @@
     </p:spTree>
     <p:extLst>
       <p:ext uri="{BB962C8B-B14F-4D97-AF65-F5344CB8AC3E}">
-        <p14:creationId xmlns:p14="http://schemas.microsoft.com/office/powerpoint/2010/main" val="1972191348"/>
+        <p14:creationId xmlns:p14="http://schemas.microsoft.com/office/powerpoint/2010/main" val="2399877514"/>
       </p:ext>
     </p:extLst>
   </p:cSld>
@@ -3544,13 +3666,7 @@
           <a:p>
             <a:r>
               <a:rPr lang="en-GB" dirty="0"/>
-              <a:t>Breakpoint window – debug&gt;windows&gt;breakpoint</a:t>
-            </a:r>
-          </a:p>
-          <a:p>
-            <a:r>
-              <a:rPr lang="en-GB" dirty="0"/>
-              <a:t>Set </a:t>
+              <a:t>Combined, condition – </a:t>
             </a:r>
             <a:r>
               <a:rPr lang="en-GB" dirty="0" err="1"/>
@@ -3558,7 +3674,7 @@
             </a:r>
             <a:r>
               <a:rPr lang="en-GB" dirty="0"/>
-              <a:t> to that amount</a:t>
+              <a:t>  - filter</a:t>
             </a:r>
           </a:p>
         </p:txBody>
@@ -3589,7 +3705,7 @@
     </p:spTree>
     <p:extLst>
       <p:ext uri="{BB962C8B-B14F-4D97-AF65-F5344CB8AC3E}">
-        <p14:creationId xmlns:p14="http://schemas.microsoft.com/office/powerpoint/2010/main" val="1538981471"/>
+        <p14:creationId xmlns:p14="http://schemas.microsoft.com/office/powerpoint/2010/main" val="2176812130"/>
       </p:ext>
     </p:extLst>
   </p:cSld>
@@ -3645,7 +3761,13 @@
           <a:p>
             <a:r>
               <a:rPr lang="en-GB" dirty="0"/>
-              <a:t>Filter for threads</a:t>
+              <a:t>Action – message</a:t>
+            </a:r>
+          </a:p>
+          <a:p>
+            <a:r>
+              <a:rPr lang="en-GB" dirty="0"/>
+              <a:t>Continue /stop</a:t>
             </a:r>
           </a:p>
         </p:txBody>
@@ -3676,7 +3798,7 @@
     </p:spTree>
     <p:extLst>
       <p:ext uri="{BB962C8B-B14F-4D97-AF65-F5344CB8AC3E}">
-        <p14:creationId xmlns:p14="http://schemas.microsoft.com/office/powerpoint/2010/main" val="2399877514"/>
+        <p14:creationId xmlns:p14="http://schemas.microsoft.com/office/powerpoint/2010/main" val="487524158"/>
       </p:ext>
     </p:extLst>
   </p:cSld>
@@ -3732,15 +3854,13 @@
           <a:p>
             <a:r>
               <a:rPr lang="en-GB" dirty="0"/>
-              <a:t>Combined, condition – </a:t>
-            </a:r>
-            <a:r>
-              <a:rPr lang="en-GB" dirty="0" err="1"/>
-              <a:t>hitcount</a:t>
-            </a:r>
-            <a:r>
-              <a:rPr lang="en-GB" dirty="0"/>
-              <a:t>  - filter</a:t>
+              <a:t>Set a value</a:t>
+            </a:r>
+          </a:p>
+          <a:p>
+            <a:r>
+              <a:rPr lang="en-GB" dirty="0"/>
+              <a:t>Private methods</a:t>
             </a:r>
           </a:p>
         </p:txBody>
@@ -3771,7 +3891,7 @@
     </p:spTree>
     <p:extLst>
       <p:ext uri="{BB962C8B-B14F-4D97-AF65-F5344CB8AC3E}">
-        <p14:creationId xmlns:p14="http://schemas.microsoft.com/office/powerpoint/2010/main" val="2176812130"/>
+        <p14:creationId xmlns:p14="http://schemas.microsoft.com/office/powerpoint/2010/main" val="4112569564"/>
       </p:ext>
     </p:extLst>
   </p:cSld>
@@ -3911,13 +4031,13 @@
           <a:p>
             <a:r>
               <a:rPr lang="en-GB" dirty="0"/>
-              <a:t>Action – message</a:t>
-            </a:r>
-          </a:p>
-          <a:p>
-            <a:r>
-              <a:rPr lang="en-GB" dirty="0"/>
-              <a:t>Continue /stop</a:t>
+              <a:t> breakpoint window – new function</a:t>
+            </a:r>
+          </a:p>
+          <a:p>
+            <a:r>
+              <a:rPr lang="en-GB" dirty="0"/>
+              <a:t>polymorphism</a:t>
             </a:r>
           </a:p>
         </p:txBody>
@@ -3948,7 +4068,7 @@
     </p:spTree>
     <p:extLst>
       <p:ext uri="{BB962C8B-B14F-4D97-AF65-F5344CB8AC3E}">
-        <p14:creationId xmlns:p14="http://schemas.microsoft.com/office/powerpoint/2010/main" val="487524158"/>
+        <p14:creationId xmlns:p14="http://schemas.microsoft.com/office/powerpoint/2010/main" val="3637565133"/>
       </p:ext>
     </p:extLst>
   </p:cSld>
@@ -4003,14 +4123,12 @@
           <a:lstStyle/>
           <a:p>
             <a:r>
-              <a:rPr lang="en-GB" dirty="0"/>
-              <a:t>Set a value</a:t>
-            </a:r>
-          </a:p>
-          <a:p>
-            <a:r>
-              <a:rPr lang="en-GB" dirty="0"/>
-              <a:t>Private methods</a:t>
+              <a:rPr lang="en-GB" dirty="0" err="1"/>
+              <a:t>Debug?windows</a:t>
+            </a:r>
+            <a:r>
+              <a:rPr lang="en-GB" dirty="0"/>
+              <a:t> no depth</a:t>
             </a:r>
           </a:p>
         </p:txBody>
@@ -4041,7 +4159,7 @@
     </p:spTree>
     <p:extLst>
       <p:ext uri="{BB962C8B-B14F-4D97-AF65-F5344CB8AC3E}">
-        <p14:creationId xmlns:p14="http://schemas.microsoft.com/office/powerpoint/2010/main" val="4112569564"/>
+        <p14:creationId xmlns:p14="http://schemas.microsoft.com/office/powerpoint/2010/main" val="3674958941"/>
       </p:ext>
     </p:extLst>
   </p:cSld>
@@ -4096,15 +4214,18 @@
           <a:lstStyle/>
           <a:p>
             <a:r>
-              <a:rPr lang="en-GB" dirty="0"/>
-              <a:t> breakpoint window – new function</a:t>
-            </a:r>
-          </a:p>
-          <a:p>
-            <a:r>
-              <a:rPr lang="en-GB" dirty="0"/>
-              <a:t>polymorphism</a:t>
-            </a:r>
+              <a:rPr lang="en-GB" dirty="0" err="1"/>
+              <a:t>Uwp</a:t>
+            </a:r>
+            <a:r>
+              <a:rPr lang="en-GB" dirty="0"/>
+              <a:t>/ </a:t>
+            </a:r>
+            <a:r>
+              <a:rPr lang="en-GB" dirty="0" err="1"/>
+              <a:t>wpr</a:t>
+            </a:r>
+            <a:endParaRPr lang="en-GB" dirty="0"/>
           </a:p>
         </p:txBody>
       </p:sp>
@@ -4134,7 +4255,7 @@
     </p:spTree>
     <p:extLst>
       <p:ext uri="{BB962C8B-B14F-4D97-AF65-F5344CB8AC3E}">
-        <p14:creationId xmlns:p14="http://schemas.microsoft.com/office/powerpoint/2010/main" val="3637565133"/>
+        <p14:creationId xmlns:p14="http://schemas.microsoft.com/office/powerpoint/2010/main" val="2014227023"/>
       </p:ext>
     </p:extLst>
   </p:cSld>
@@ -4189,12 +4310,8 @@
           <a:lstStyle/>
           <a:p>
             <a:r>
-              <a:rPr lang="en-GB" dirty="0" err="1"/>
-              <a:t>Debug?windows</a:t>
-            </a:r>
-            <a:r>
-              <a:rPr lang="en-GB" dirty="0"/>
-              <a:t> no depth</a:t>
+              <a:rPr lang="en-GB" dirty="0"/>
+              <a:t>Look up fields and see values</a:t>
             </a:r>
           </a:p>
         </p:txBody>
@@ -4225,7 +4342,7 @@
     </p:spTree>
     <p:extLst>
       <p:ext uri="{BB962C8B-B14F-4D97-AF65-F5344CB8AC3E}">
-        <p14:creationId xmlns:p14="http://schemas.microsoft.com/office/powerpoint/2010/main" val="3674958941"/>
+        <p14:creationId xmlns:p14="http://schemas.microsoft.com/office/powerpoint/2010/main" val="2418651730"/>
       </p:ext>
     </p:extLst>
   </p:cSld>
@@ -4280,18 +4397,9 @@
           <a:lstStyle/>
           <a:p>
             <a:r>
-              <a:rPr lang="en-GB" dirty="0" err="1"/>
-              <a:t>Uwp</a:t>
-            </a:r>
-            <a:r>
-              <a:rPr lang="en-GB" dirty="0"/>
-              <a:t>/ </a:t>
-            </a:r>
-            <a:r>
-              <a:rPr lang="en-GB" dirty="0" err="1"/>
-              <a:t>wpr</a:t>
-            </a:r>
-            <a:endParaRPr lang="en-GB" dirty="0"/>
+              <a:rPr lang="en-GB" dirty="0"/>
+              <a:t>Open by visual studio</a:t>
+            </a:r>
           </a:p>
         </p:txBody>
       </p:sp>
@@ -4321,7 +4429,7 @@
     </p:spTree>
     <p:extLst>
       <p:ext uri="{BB962C8B-B14F-4D97-AF65-F5344CB8AC3E}">
-        <p14:creationId xmlns:p14="http://schemas.microsoft.com/office/powerpoint/2010/main" val="2014227023"/>
+        <p14:creationId xmlns:p14="http://schemas.microsoft.com/office/powerpoint/2010/main" val="273220136"/>
       </p:ext>
     </p:extLst>
   </p:cSld>
@@ -4377,8 +4485,13 @@
           <a:p>
             <a:r>
               <a:rPr lang="en-GB" dirty="0"/>
-              <a:t>Look up fields and see values</a:t>
-            </a:r>
+              <a:t>This is what you get dump was taken whilst on the </a:t>
+            </a:r>
+            <a:r>
+              <a:rPr lang="en-GB" dirty="0" err="1"/>
+              <a:t>readline</a:t>
+            </a:r>
+            <a:endParaRPr lang="en-GB" dirty="0"/>
           </a:p>
         </p:txBody>
       </p:sp>
@@ -4408,7 +4521,7 @@
     </p:spTree>
     <p:extLst>
       <p:ext uri="{BB962C8B-B14F-4D97-AF65-F5344CB8AC3E}">
-        <p14:creationId xmlns:p14="http://schemas.microsoft.com/office/powerpoint/2010/main" val="2418651730"/>
+        <p14:creationId xmlns:p14="http://schemas.microsoft.com/office/powerpoint/2010/main" val="1646806951"/>
       </p:ext>
     </p:extLst>
   </p:cSld>
@@ -4464,8 +4577,64 @@
           <a:p>
             <a:r>
               <a:rPr lang="en-GB" dirty="0"/>
-              <a:t>Open by visual studio</a:t>
-            </a:r>
+              <a:t>Program Database</a:t>
+            </a:r>
+          </a:p>
+          <a:p>
+            <a:r>
+              <a:rPr lang="en-GB" dirty="0"/>
+              <a:t>Release and Debug</a:t>
+            </a:r>
+          </a:p>
+          <a:p>
+            <a:r>
+              <a:rPr lang="en-GB" dirty="0"/>
+              <a:t>30-40,000 Microsoft 2014 windows</a:t>
+            </a:r>
+          </a:p>
+          <a:p>
+            <a:r>
+              <a:rPr lang="en-GB" dirty="0"/>
+              <a:t>Microsoft symbol server </a:t>
+            </a:r>
+            <a:r>
+              <a:rPr lang="en-GB" dirty="0" err="1"/>
+              <a:t>.net</a:t>
+            </a:r>
+            <a:r>
+              <a:rPr lang="en-GB" dirty="0"/>
+              <a:t> framework source stepping</a:t>
+            </a:r>
+          </a:p>
+          <a:p>
+            <a:r>
+              <a:rPr lang="en-GB" dirty="0"/>
+              <a:t>Production debugging dumps</a:t>
+            </a:r>
+          </a:p>
+          <a:p>
+            <a:r>
+              <a:rPr lang="en-GB" dirty="0"/>
+              <a:t>Publish symbols when building – azure </a:t>
+            </a:r>
+            <a:r>
+              <a:rPr lang="en-GB" dirty="0" err="1"/>
+              <a:t>devops</a:t>
+            </a:r>
+            <a:endParaRPr lang="en-GB" dirty="0"/>
+          </a:p>
+          <a:p>
+            <a:r>
+              <a:rPr lang="en-GB" dirty="0"/>
+              <a:t>Source server support ticked</a:t>
+            </a:r>
+          </a:p>
+          <a:p>
+            <a:r>
+              <a:rPr lang="en-GB" dirty="0" err="1"/>
+              <a:t>sourcelink</a:t>
+            </a:r>
+            <a:endParaRPr lang="en-GB" dirty="0"/>
           </a:p>
         </p:txBody>
       </p:sp>
@@ -4495,7 +4664,7 @@
     </p:spTree>
     <p:extLst>
       <p:ext uri="{BB962C8B-B14F-4D97-AF65-F5344CB8AC3E}">
-        <p14:creationId xmlns:p14="http://schemas.microsoft.com/office/powerpoint/2010/main" val="273220136"/>
+        <p14:creationId xmlns:p14="http://schemas.microsoft.com/office/powerpoint/2010/main" val="3311641226"/>
       </p:ext>
     </p:extLst>
   </p:cSld>
@@ -4551,13 +4720,34 @@
           <a:p>
             <a:r>
               <a:rPr lang="en-GB" dirty="0"/>
-              <a:t>This is what you get dump was taken whilst on the </a:t>
+              <a:t>Many browsers at one time </a:t>
+            </a:r>
+          </a:p>
+          <a:p>
+            <a:endParaRPr lang="en-GB" dirty="0"/>
+          </a:p>
+          <a:p>
+            <a:r>
+              <a:rPr lang="en-GB" dirty="0"/>
+              <a:t>Web essentials add in</a:t>
+            </a:r>
+          </a:p>
+          <a:p>
+            <a:endParaRPr lang="en-GB" dirty="0"/>
+          </a:p>
+          <a:p>
+            <a:r>
+              <a:rPr lang="en-GB" dirty="0"/>
+              <a:t>Link </a:t>
             </a:r>
             <a:r>
               <a:rPr lang="en-GB" dirty="0" err="1"/>
-              <a:t>readline</a:t>
-            </a:r>
-            <a:endParaRPr lang="en-GB" dirty="0"/>
+              <a:t>css</a:t>
+            </a:r>
+            <a:r>
+              <a:rPr lang="en-GB" dirty="0"/>
+              <a:t>/html to code in visual studio browser link inspector</a:t>
+            </a:r>
           </a:p>
         </p:txBody>
       </p:sp>
@@ -4579,208 +4769,6 @@
             <a:fld id="{6FDED9D1-3D70-4123-9743-495E081B676C}" type="slidenum">
               <a:rPr lang="en-GB" smtClean="0"/>
               <a:t>47</a:t>
-            </a:fld>
-            <a:endParaRPr lang="en-GB"/>
-          </a:p>
-        </p:txBody>
-      </p:sp>
-    </p:spTree>
-    <p:extLst>
-      <p:ext uri="{BB962C8B-B14F-4D97-AF65-F5344CB8AC3E}">
-        <p14:creationId xmlns:p14="http://schemas.microsoft.com/office/powerpoint/2010/main" val="1646806951"/>
-      </p:ext>
-    </p:extLst>
-  </p:cSld>
-  <p:clrMapOvr>
-    <a:masterClrMapping/>
-  </p:clrMapOvr>
-</p:notes>
-</file>
-
-<file path=ppt/notesSlides/notesSlide48.xml><?xml version="1.0" encoding="utf-8"?>
-<p:notes xmlns:a="http://schemas.openxmlformats.org/drawingml/2006/main" xmlns:r="http://schemas.openxmlformats.org/officeDocument/2006/relationships" xmlns:p="http://schemas.openxmlformats.org/presentationml/2006/main">
-  <p:cSld>
-    <p:spTree>
-      <p:nvGrpSpPr>
-        <p:cNvPr id="1" name=""/>
-        <p:cNvGrpSpPr/>
-        <p:nvPr/>
-      </p:nvGrpSpPr>
-      <p:grpSpPr>
-        <a:xfrm>
-          <a:off x="0" y="0"/>
-          <a:ext cx="0" cy="0"/>
-          <a:chOff x="0" y="0"/>
-          <a:chExt cx="0" cy="0"/>
-        </a:xfrm>
-      </p:grpSpPr>
-      <p:sp>
-        <p:nvSpPr>
-          <p:cNvPr id="2" name="Slide Image Placeholder 1"/>
-          <p:cNvSpPr>
-            <a:spLocks noGrp="1" noRot="1" noChangeAspect="1"/>
-          </p:cNvSpPr>
-          <p:nvPr>
-            <p:ph type="sldImg"/>
-          </p:nvPr>
-        </p:nvSpPr>
-        <p:spPr/>
-      </p:sp>
-      <p:sp>
-        <p:nvSpPr>
-          <p:cNvPr id="3" name="Notes Placeholder 2"/>
-          <p:cNvSpPr>
-            <a:spLocks noGrp="1"/>
-          </p:cNvSpPr>
-          <p:nvPr>
-            <p:ph type="body" idx="1"/>
-          </p:nvPr>
-        </p:nvSpPr>
-        <p:spPr/>
-        <p:txBody>
-          <a:bodyPr/>
-          <a:lstStyle/>
-          <a:p>
-            <a:r>
-              <a:rPr lang="en-GB" dirty="0"/>
-              <a:t>Fundamental to much or debugging especially remote/ dumps</a:t>
-            </a:r>
-          </a:p>
-        </p:txBody>
-      </p:sp>
-      <p:sp>
-        <p:nvSpPr>
-          <p:cNvPr id="4" name="Slide Number Placeholder 3"/>
-          <p:cNvSpPr>
-            <a:spLocks noGrp="1"/>
-          </p:cNvSpPr>
-          <p:nvPr>
-            <p:ph type="sldNum" sz="quarter" idx="5"/>
-          </p:nvPr>
-        </p:nvSpPr>
-        <p:spPr/>
-        <p:txBody>
-          <a:bodyPr/>
-          <a:lstStyle/>
-          <a:p>
-            <a:fld id="{6FDED9D1-3D70-4123-9743-495E081B676C}" type="slidenum">
-              <a:rPr lang="en-GB" smtClean="0"/>
-              <a:t>48</a:t>
-            </a:fld>
-            <a:endParaRPr lang="en-GB"/>
-          </a:p>
-        </p:txBody>
-      </p:sp>
-    </p:spTree>
-    <p:extLst>
-      <p:ext uri="{BB962C8B-B14F-4D97-AF65-F5344CB8AC3E}">
-        <p14:creationId xmlns:p14="http://schemas.microsoft.com/office/powerpoint/2010/main" val="3311641226"/>
-      </p:ext>
-    </p:extLst>
-  </p:cSld>
-  <p:clrMapOvr>
-    <a:masterClrMapping/>
-  </p:clrMapOvr>
-</p:notes>
-</file>
-
-<file path=ppt/notesSlides/notesSlide49.xml><?xml version="1.0" encoding="utf-8"?>
-<p:notes xmlns:a="http://schemas.openxmlformats.org/drawingml/2006/main" xmlns:r="http://schemas.openxmlformats.org/officeDocument/2006/relationships" xmlns:p="http://schemas.openxmlformats.org/presentationml/2006/main">
-  <p:cSld>
-    <p:spTree>
-      <p:nvGrpSpPr>
-        <p:cNvPr id="1" name=""/>
-        <p:cNvGrpSpPr/>
-        <p:nvPr/>
-      </p:nvGrpSpPr>
-      <p:grpSpPr>
-        <a:xfrm>
-          <a:off x="0" y="0"/>
-          <a:ext cx="0" cy="0"/>
-          <a:chOff x="0" y="0"/>
-          <a:chExt cx="0" cy="0"/>
-        </a:xfrm>
-      </p:grpSpPr>
-      <p:sp>
-        <p:nvSpPr>
-          <p:cNvPr id="2" name="Slide Image Placeholder 1"/>
-          <p:cNvSpPr>
-            <a:spLocks noGrp="1" noRot="1" noChangeAspect="1"/>
-          </p:cNvSpPr>
-          <p:nvPr>
-            <p:ph type="sldImg"/>
-          </p:nvPr>
-        </p:nvSpPr>
-        <p:spPr/>
-      </p:sp>
-      <p:sp>
-        <p:nvSpPr>
-          <p:cNvPr id="3" name="Notes Placeholder 2"/>
-          <p:cNvSpPr>
-            <a:spLocks noGrp="1"/>
-          </p:cNvSpPr>
-          <p:nvPr>
-            <p:ph type="body" idx="1"/>
-          </p:nvPr>
-        </p:nvSpPr>
-        <p:spPr/>
-        <p:txBody>
-          <a:bodyPr/>
-          <a:lstStyle/>
-          <a:p>
-            <a:r>
-              <a:rPr lang="en-GB" dirty="0"/>
-              <a:t>Many browsers at one time </a:t>
-            </a:r>
-          </a:p>
-          <a:p>
-            <a:r>
-              <a:rPr lang="en-GB" dirty="0"/>
-              <a:t>Web essentials add in</a:t>
-            </a:r>
-          </a:p>
-          <a:p>
-            <a:endParaRPr lang="en-GB" dirty="0"/>
-          </a:p>
-          <a:p>
-            <a:r>
-              <a:rPr lang="en-GB" dirty="0"/>
-              <a:t>Link </a:t>
-            </a:r>
-            <a:r>
-              <a:rPr lang="en-GB" dirty="0" err="1"/>
-              <a:t>css</a:t>
-            </a:r>
-            <a:r>
-              <a:rPr lang="en-GB" dirty="0"/>
-              <a:t>/html to code in visual </a:t>
-            </a:r>
-            <a:r>
-              <a:rPr lang="en-GB" dirty="0" err="1"/>
-              <a:t>stdio</a:t>
-            </a:r>
-            <a:endParaRPr lang="en-GB" dirty="0"/>
-          </a:p>
-        </p:txBody>
-      </p:sp>
-      <p:sp>
-        <p:nvSpPr>
-          <p:cNvPr id="4" name="Slide Number Placeholder 3"/>
-          <p:cNvSpPr>
-            <a:spLocks noGrp="1"/>
-          </p:cNvSpPr>
-          <p:nvPr>
-            <p:ph type="sldNum" sz="quarter" idx="5"/>
-          </p:nvPr>
-        </p:nvSpPr>
-        <p:spPr/>
-        <p:txBody>
-          <a:bodyPr/>
-          <a:lstStyle/>
-          <a:p>
-            <a:fld id="{6FDED9D1-3D70-4123-9743-495E081B676C}" type="slidenum">
-              <a:rPr lang="en-GB" smtClean="0"/>
-              <a:t>49</a:t>
             </a:fld>
             <a:endParaRPr lang="en-GB"/>
           </a:p>
@@ -5480,7 +5468,7 @@
           <a:p>
             <a:fld id="{48A87A34-81AB-432B-8DAE-1953F412C126}" type="datetimeFigureOut">
               <a:rPr lang="en-US" dirty="0"/>
-              <a:t>12/28/2018</a:t>
+              <a:t>1/1/2019</a:t>
             </a:fld>
             <a:endParaRPr lang="en-US" dirty="0"/>
           </a:p>
@@ -5742,7 +5730,7 @@
           <a:p>
             <a:fld id="{48A87A34-81AB-432B-8DAE-1953F412C126}" type="datetimeFigureOut">
               <a:rPr lang="en-US" dirty="0"/>
-              <a:t>12/28/2018</a:t>
+              <a:t>1/1/2019</a:t>
             </a:fld>
             <a:endParaRPr lang="en-US" dirty="0"/>
           </a:p>
@@ -5969,7 +5957,7 @@
             <a:fld id="{48A87A34-81AB-432B-8DAE-1953F412C126}" type="datetimeFigureOut">
               <a:rPr lang="en-US" dirty="0"/>
               <a:pPr/>
-              <a:t>12/28/2018</a:t>
+              <a:t>1/1/2019</a:t>
             </a:fld>
             <a:endParaRPr lang="en-US" dirty="0"/>
           </a:p>
@@ -6275,7 +6263,7 @@
             <a:fld id="{48A87A34-81AB-432B-8DAE-1953F412C126}" type="datetimeFigureOut">
               <a:rPr lang="en-US" dirty="0"/>
               <a:pPr/>
-              <a:t>12/28/2018</a:t>
+              <a:t>1/1/2019</a:t>
             </a:fld>
             <a:endParaRPr lang="en-US" dirty="0"/>
           </a:p>
@@ -6744,7 +6732,7 @@
             <a:fld id="{48A87A34-81AB-432B-8DAE-1953F412C126}" type="datetimeFigureOut">
               <a:rPr lang="en-US" dirty="0"/>
               <a:pPr/>
-              <a:t>12/28/2018</a:t>
+              <a:t>1/1/2019</a:t>
             </a:fld>
             <a:endParaRPr lang="en-US" dirty="0"/>
           </a:p>
@@ -7286,7 +7274,7 @@
           <a:p>
             <a:fld id="{48A87A34-81AB-432B-8DAE-1953F412C126}" type="datetimeFigureOut">
               <a:rPr lang="en-US" dirty="0"/>
-              <a:t>12/28/2018</a:t>
+              <a:t>1/1/2019</a:t>
             </a:fld>
             <a:endParaRPr lang="en-US" dirty="0"/>
           </a:p>
@@ -8055,7 +8043,7 @@
           <a:p>
             <a:fld id="{48A87A34-81AB-432B-8DAE-1953F412C126}" type="datetimeFigureOut">
               <a:rPr lang="en-US" dirty="0"/>
-              <a:t>12/28/2018</a:t>
+              <a:t>1/1/2019</a:t>
             </a:fld>
             <a:endParaRPr lang="en-US" dirty="0"/>
           </a:p>
@@ -8225,7 +8213,7 @@
           <a:p>
             <a:fld id="{48A87A34-81AB-432B-8DAE-1953F412C126}" type="datetimeFigureOut">
               <a:rPr lang="en-US" dirty="0"/>
-              <a:t>12/28/2018</a:t>
+              <a:t>1/1/2019</a:t>
             </a:fld>
             <a:endParaRPr lang="en-US" dirty="0"/>
           </a:p>
@@ -8444,7 +8432,7 @@
             <a:fld id="{48A87A34-81AB-432B-8DAE-1953F412C126}" type="datetimeFigureOut">
               <a:rPr lang="en-US" dirty="0"/>
               <a:pPr/>
-              <a:t>12/28/2018</a:t>
+              <a:t>1/1/2019</a:t>
             </a:fld>
             <a:endParaRPr lang="en-US" dirty="0"/>
           </a:p>
@@ -8619,7 +8607,7 @@
           <a:p>
             <a:fld id="{48A87A34-81AB-432B-8DAE-1953F412C126}" type="datetimeFigureOut">
               <a:rPr lang="en-US" dirty="0"/>
-              <a:t>12/28/2018</a:t>
+              <a:t>1/1/2019</a:t>
             </a:fld>
             <a:endParaRPr lang="en-US" dirty="0"/>
           </a:p>
@@ -8904,7 +8892,7 @@
             <a:fld id="{48A87A34-81AB-432B-8DAE-1953F412C126}" type="datetimeFigureOut">
               <a:rPr lang="en-US" dirty="0"/>
               <a:pPr/>
-              <a:t>12/28/2018</a:t>
+              <a:t>1/1/2019</a:t>
             </a:fld>
             <a:endParaRPr lang="en-US" dirty="0"/>
           </a:p>
@@ -9141,7 +9129,7 @@
           <a:p>
             <a:fld id="{48A87A34-81AB-432B-8DAE-1953F412C126}" type="datetimeFigureOut">
               <a:rPr lang="en-US" dirty="0"/>
-              <a:t>12/28/2018</a:t>
+              <a:t>1/1/2019</a:t>
             </a:fld>
             <a:endParaRPr lang="en-US" dirty="0"/>
           </a:p>
@@ -9515,7 +9503,7 @@
           <a:p>
             <a:fld id="{48A87A34-81AB-432B-8DAE-1953F412C126}" type="datetimeFigureOut">
               <a:rPr lang="en-US" dirty="0"/>
-              <a:t>12/28/2018</a:t>
+              <a:t>1/1/2019</a:t>
             </a:fld>
             <a:endParaRPr lang="en-US" dirty="0"/>
           </a:p>
@@ -9628,7 +9616,7 @@
           <a:p>
             <a:fld id="{48A87A34-81AB-432B-8DAE-1953F412C126}" type="datetimeFigureOut">
               <a:rPr lang="en-US" dirty="0"/>
-              <a:t>12/28/2018</a:t>
+              <a:t>1/1/2019</a:t>
             </a:fld>
             <a:endParaRPr lang="en-US" dirty="0"/>
           </a:p>
@@ -9718,7 +9706,7 @@
           <a:p>
             <a:fld id="{48A87A34-81AB-432B-8DAE-1953F412C126}" type="datetimeFigureOut">
               <a:rPr lang="en-US" dirty="0"/>
-              <a:t>12/28/2018</a:t>
+              <a:t>1/1/2019</a:t>
             </a:fld>
             <a:endParaRPr lang="en-US" dirty="0"/>
           </a:p>
@@ -9962,7 +9950,7 @@
           <a:p>
             <a:fld id="{48A87A34-81AB-432B-8DAE-1953F412C126}" type="datetimeFigureOut">
               <a:rPr lang="en-US" dirty="0"/>
-              <a:t>12/28/2018</a:t>
+              <a:t>1/1/2019</a:t>
             </a:fld>
             <a:endParaRPr lang="en-US" dirty="0"/>
           </a:p>
@@ -10214,7 +10202,7 @@
           <a:p>
             <a:fld id="{48A87A34-81AB-432B-8DAE-1953F412C126}" type="datetimeFigureOut">
               <a:rPr lang="en-US" dirty="0"/>
-              <a:t>12/28/2018</a:t>
+              <a:t>1/1/2019</a:t>
             </a:fld>
             <a:endParaRPr lang="en-US" dirty="0"/>
           </a:p>
@@ -10453,7 +10441,7 @@
             <a:fld id="{48A87A34-81AB-432B-8DAE-1953F412C126}" type="datetimeFigureOut">
               <a:rPr lang="en-US" dirty="0"/>
               <a:pPr/>
-              <a:t>12/28/2018</a:t>
+              <a:t>1/1/2019</a:t>
             </a:fld>
             <a:endParaRPr lang="en-US" dirty="0"/>
           </a:p>
@@ -11958,7 +11946,7 @@
           <p:cNvPr id="2" name="Title 1">
             <a:extLst>
               <a:ext uri="{FF2B5EF4-FFF2-40B4-BE49-F238E27FC236}">
-                <a16:creationId xmlns:a16="http://schemas.microsoft.com/office/drawing/2014/main" id="{A6C74DC2-2C25-4BA4-811F-06876F649BB8}"/>
+                <a16:creationId xmlns:a16="http://schemas.microsoft.com/office/drawing/2014/main" id="{08B5863D-0873-4310-9D18-FE90D6875F11}"/>
               </a:ext>
             </a:extLst>
           </p:cNvPr>
@@ -11975,50 +11963,49 @@
           <a:lstStyle/>
           <a:p>
             <a:r>
-              <a:rPr lang="en-GB" dirty="0"/>
-              <a:t>Own  Visualizers</a:t>
-            </a:r>
-          </a:p>
-        </p:txBody>
-      </p:sp>
-      <p:sp>
-        <p:nvSpPr>
-          <p:cNvPr id="3" name="Content Placeholder 2">
+              <a:rPr lang="en-GB" dirty="0" err="1"/>
+              <a:t>Datatips</a:t>
+            </a:r>
+            <a:br>
+              <a:rPr lang="en-GB" dirty="0"/>
+            </a:br>
+            <a:endParaRPr lang="en-GB" dirty="0"/>
+          </a:p>
+        </p:txBody>
+      </p:sp>
+      <p:pic>
+        <p:nvPicPr>
+          <p:cNvPr id="5" name="Content Placeholder 4">
             <a:extLst>
               <a:ext uri="{FF2B5EF4-FFF2-40B4-BE49-F238E27FC236}">
-                <a16:creationId xmlns:a16="http://schemas.microsoft.com/office/drawing/2014/main" id="{85AA714F-4960-4DAA-A4B2-2AE2A23D1CF0}"/>
+                <a16:creationId xmlns:a16="http://schemas.microsoft.com/office/drawing/2014/main" id="{C91230F6-C03F-4AEA-A399-A34BBA29141E}"/>
               </a:ext>
             </a:extLst>
           </p:cNvPr>
-          <p:cNvSpPr>
-            <a:spLocks noGrp="1"/>
-          </p:cNvSpPr>
+          <p:cNvPicPr>
+            <a:picLocks noGrp="1" noChangeAspect="1"/>
+          </p:cNvPicPr>
           <p:nvPr>
             <p:ph idx="1"/>
           </p:nvPr>
-        </p:nvSpPr>
-        <p:spPr/>
-        <p:txBody>
-          <a:bodyPr/>
-          <a:lstStyle/>
-          <a:p>
-            <a:r>
-              <a:rPr lang="en-GB" dirty="0"/>
-              <a:t>Demo</a:t>
-            </a:r>
-          </a:p>
-          <a:p>
-            <a:pPr marL="0" indent="0">
-              <a:buNone/>
-            </a:pPr>
-            <a:endParaRPr lang="en-GB" dirty="0"/>
-          </a:p>
-        </p:txBody>
-      </p:sp>
+        </p:nvPicPr>
+        <p:blipFill>
+          <a:blip r:embed="rId3"/>
+          <a:stretch>
+            <a:fillRect/>
+          </a:stretch>
+        </p:blipFill>
+        <p:spPr>
+          <a:xfrm>
+            <a:off x="276041" y="2057401"/>
+            <a:ext cx="11493464" cy="4243290"/>
+          </a:xfrm>
+        </p:spPr>
+      </p:pic>
     </p:spTree>
     <p:extLst>
       <p:ext uri="{BB962C8B-B14F-4D97-AF65-F5344CB8AC3E}">
-        <p14:creationId xmlns:p14="http://schemas.microsoft.com/office/powerpoint/2010/main" val="697398402"/>
+        <p14:creationId xmlns:p14="http://schemas.microsoft.com/office/powerpoint/2010/main" val="385603056"/>
       </p:ext>
     </p:extLst>
   </p:cSld>
@@ -12050,7 +12037,7 @@
           <p:cNvPr id="2" name="Title 1">
             <a:extLst>
               <a:ext uri="{FF2B5EF4-FFF2-40B4-BE49-F238E27FC236}">
-                <a16:creationId xmlns:a16="http://schemas.microsoft.com/office/drawing/2014/main" id="{08B5863D-0873-4310-9D18-FE90D6875F11}"/>
+                <a16:creationId xmlns:a16="http://schemas.microsoft.com/office/drawing/2014/main" id="{01456544-C75A-4423-898E-1C93DB557470}"/>
               </a:ext>
             </a:extLst>
           </p:cNvPr>
@@ -12066,14 +12053,11 @@
           <a:bodyPr/>
           <a:lstStyle/>
           <a:p>
-            <a:r>
-              <a:rPr lang="en-GB" dirty="0" err="1"/>
-              <a:t>Datatips</a:t>
-            </a:r>
-            <a:br>
-              <a:rPr lang="en-GB" dirty="0"/>
-            </a:br>
-            <a:endParaRPr lang="en-GB" dirty="0"/>
+            <a:pPr algn="ctr"/>
+            <a:r>
+              <a:rPr lang="en-GB" dirty="0"/>
+              <a:t>Debugging windows - Locals/Auto</a:t>
+            </a:r>
           </a:p>
         </p:txBody>
       </p:sp>
@@ -12082,7 +12066,7 @@
           <p:cNvPr id="5" name="Content Placeholder 4">
             <a:extLst>
               <a:ext uri="{FF2B5EF4-FFF2-40B4-BE49-F238E27FC236}">
-                <a16:creationId xmlns:a16="http://schemas.microsoft.com/office/drawing/2014/main" id="{C91230F6-C03F-4AEA-A399-A34BBA29141E}"/>
+                <a16:creationId xmlns:a16="http://schemas.microsoft.com/office/drawing/2014/main" id="{F2B646DE-AF6D-49E3-BEFB-9A33682606F8}"/>
               </a:ext>
             </a:extLst>
           </p:cNvPr>
@@ -12101,15 +12085,15 @@
         </p:blipFill>
         <p:spPr>
           <a:xfrm>
-            <a:off x="276041" y="2057401"/>
-            <a:ext cx="11493464" cy="4243290"/>
+            <a:off x="647700" y="2256972"/>
+            <a:ext cx="10896599" cy="1894114"/>
           </a:xfrm>
         </p:spPr>
       </p:pic>
     </p:spTree>
     <p:extLst>
       <p:ext uri="{BB962C8B-B14F-4D97-AF65-F5344CB8AC3E}">
-        <p14:creationId xmlns:p14="http://schemas.microsoft.com/office/powerpoint/2010/main" val="385603056"/>
+        <p14:creationId xmlns:p14="http://schemas.microsoft.com/office/powerpoint/2010/main" val="261829312"/>
       </p:ext>
     </p:extLst>
   </p:cSld>
@@ -12355,94 +12339,6 @@
           <p:cNvPr id="2" name="Title 1">
             <a:extLst>
               <a:ext uri="{FF2B5EF4-FFF2-40B4-BE49-F238E27FC236}">
-                <a16:creationId xmlns:a16="http://schemas.microsoft.com/office/drawing/2014/main" id="{01456544-C75A-4423-898E-1C93DB557470}"/>
-              </a:ext>
-            </a:extLst>
-          </p:cNvPr>
-          <p:cNvSpPr>
-            <a:spLocks noGrp="1"/>
-          </p:cNvSpPr>
-          <p:nvPr>
-            <p:ph type="title"/>
-          </p:nvPr>
-        </p:nvSpPr>
-        <p:spPr/>
-        <p:txBody>
-          <a:bodyPr/>
-          <a:lstStyle/>
-          <a:p>
-            <a:pPr algn="ctr"/>
-            <a:r>
-              <a:rPr lang="en-GB" dirty="0"/>
-              <a:t>Debugging windows - Locals/Auto</a:t>
-            </a:r>
-          </a:p>
-        </p:txBody>
-      </p:sp>
-      <p:pic>
-        <p:nvPicPr>
-          <p:cNvPr id="5" name="Content Placeholder 4">
-            <a:extLst>
-              <a:ext uri="{FF2B5EF4-FFF2-40B4-BE49-F238E27FC236}">
-                <a16:creationId xmlns:a16="http://schemas.microsoft.com/office/drawing/2014/main" id="{F2B646DE-AF6D-49E3-BEFB-9A33682606F8}"/>
-              </a:ext>
-            </a:extLst>
-          </p:cNvPr>
-          <p:cNvPicPr>
-            <a:picLocks noGrp="1" noChangeAspect="1"/>
-          </p:cNvPicPr>
-          <p:nvPr>
-            <p:ph idx="1"/>
-          </p:nvPr>
-        </p:nvPicPr>
-        <p:blipFill>
-          <a:blip r:embed="rId3"/>
-          <a:stretch>
-            <a:fillRect/>
-          </a:stretch>
-        </p:blipFill>
-        <p:spPr>
-          <a:xfrm>
-            <a:off x="647700" y="2256972"/>
-            <a:ext cx="10896599" cy="1894114"/>
-          </a:xfrm>
-        </p:spPr>
-      </p:pic>
-    </p:spTree>
-    <p:extLst>
-      <p:ext uri="{BB962C8B-B14F-4D97-AF65-F5344CB8AC3E}">
-        <p14:creationId xmlns:p14="http://schemas.microsoft.com/office/powerpoint/2010/main" val="261829312"/>
-      </p:ext>
-    </p:extLst>
-  </p:cSld>
-  <p:clrMapOvr>
-    <a:masterClrMapping/>
-  </p:clrMapOvr>
-</p:sld>
-</file>
-
-<file path=ppt/slides/slide22.xml><?xml version="1.0" encoding="utf-8"?>
-<p:sld xmlns:a="http://schemas.openxmlformats.org/drawingml/2006/main" xmlns:r="http://schemas.openxmlformats.org/officeDocument/2006/relationships" xmlns:p="http://schemas.openxmlformats.org/presentationml/2006/main">
-  <p:cSld>
-    <p:spTree>
-      <p:nvGrpSpPr>
-        <p:cNvPr id="1" name=""/>
-        <p:cNvGrpSpPr/>
-        <p:nvPr/>
-      </p:nvGrpSpPr>
-      <p:grpSpPr>
-        <a:xfrm>
-          <a:off x="0" y="0"/>
-          <a:ext cx="0" cy="0"/>
-          <a:chOff x="0" y="0"/>
-          <a:chExt cx="0" cy="0"/>
-        </a:xfrm>
-      </p:grpSpPr>
-      <p:sp>
-        <p:nvSpPr>
-          <p:cNvPr id="2" name="Title 1">
-            <a:extLst>
-              <a:ext uri="{FF2B5EF4-FFF2-40B4-BE49-F238E27FC236}">
                 <a16:creationId xmlns:a16="http://schemas.microsoft.com/office/drawing/2014/main" id="{C2F8FD40-6700-4925-A037-C978ED01CA8C}"/>
               </a:ext>
             </a:extLst>
@@ -12514,7 +12410,7 @@
 </p:sld>
 </file>
 
-<file path=ppt/slides/slide23.xml><?xml version="1.0" encoding="utf-8"?>
+<file path=ppt/slides/slide22.xml><?xml version="1.0" encoding="utf-8"?>
 <p:sld xmlns:a="http://schemas.openxmlformats.org/drawingml/2006/main" xmlns:r="http://schemas.openxmlformats.org/officeDocument/2006/relationships" xmlns:p="http://schemas.openxmlformats.org/presentationml/2006/main">
   <p:cSld>
     <p:spTree>
@@ -12624,7 +12520,7 @@
 </p:sld>
 </file>
 
-<file path=ppt/slides/slide24.xml><?xml version="1.0" encoding="utf-8"?>
+<file path=ppt/slides/slide23.xml><?xml version="1.0" encoding="utf-8"?>
 <p:sld xmlns:a="http://schemas.openxmlformats.org/drawingml/2006/main" xmlns:r="http://schemas.openxmlformats.org/officeDocument/2006/relationships" xmlns:p="http://schemas.openxmlformats.org/presentationml/2006/main">
   <p:cSld>
     <p:spTree>
@@ -12712,7 +12608,7 @@
 </p:sld>
 </file>
 
-<file path=ppt/slides/slide25.xml><?xml version="1.0" encoding="utf-8"?>
+<file path=ppt/slides/slide24.xml><?xml version="1.0" encoding="utf-8"?>
 <p:sld xmlns:a="http://schemas.openxmlformats.org/drawingml/2006/main" xmlns:r="http://schemas.openxmlformats.org/officeDocument/2006/relationships" xmlns:p="http://schemas.openxmlformats.org/presentationml/2006/main">
   <p:cSld>
     <p:spTree>
@@ -12782,11 +12678,194 @@
         </p:blipFill>
         <p:spPr>
           <a:xfrm>
-            <a:off x="612193" y="3719307"/>
+            <a:off x="473647" y="2167598"/>
             <a:ext cx="11347935" cy="1007305"/>
           </a:xfrm>
         </p:spPr>
       </p:pic>
+      <mc:AlternateContent xmlns:mc="http://schemas.openxmlformats.org/markup-compatibility/2006" xmlns:p14="http://schemas.microsoft.com/office/powerpoint/2010/main">
+        <mc:Choice Requires="p14">
+          <p:contentPart p14:bwMode="auto" r:id="rId4">
+            <p14:nvContentPartPr>
+              <p14:cNvPr id="3" name="Ink 2">
+                <a:extLst>
+                  <a:ext uri="{FF2B5EF4-FFF2-40B4-BE49-F238E27FC236}">
+                    <a16:creationId xmlns:a16="http://schemas.microsoft.com/office/drawing/2014/main" id="{3B69AD75-8DBF-45D9-B2EE-9165AD951FCE}"/>
+                  </a:ext>
+                </a:extLst>
+              </p14:cNvPr>
+              <p14:cNvContentPartPr/>
+              <p14:nvPr/>
+            </p14:nvContentPartPr>
+            <p14:xfrm>
+              <a:off x="10839491" y="4144495"/>
+              <a:ext cx="373680" cy="201240"/>
+            </p14:xfrm>
+          </p:contentPart>
+        </mc:Choice>
+        <mc:Fallback xmlns="">
+          <p:pic>
+            <p:nvPicPr>
+              <p:cNvPr id="3" name="Ink 2">
+                <a:extLst>
+                  <a:ext uri="{FF2B5EF4-FFF2-40B4-BE49-F238E27FC236}">
+                    <a16:creationId xmlns:a16="http://schemas.microsoft.com/office/drawing/2014/main" id="{3B69AD75-8DBF-45D9-B2EE-9165AD951FCE}"/>
+                  </a:ext>
+                </a:extLst>
+              </p:cNvPr>
+              <p:cNvPicPr/>
+              <p:nvPr/>
+            </p:nvPicPr>
+            <p:blipFill>
+              <a:blip r:embed="rId5"/>
+              <a:stretch>
+                <a:fillRect/>
+              </a:stretch>
+            </p:blipFill>
+            <p:spPr>
+              <a:xfrm>
+                <a:off x="10767491" y="4000855"/>
+                <a:ext cx="517320" cy="488880"/>
+              </a:xfrm>
+              <a:prstGeom prst="rect">
+                <a:avLst/>
+              </a:prstGeom>
+            </p:spPr>
+          </p:pic>
+        </mc:Fallback>
+      </mc:AlternateContent>
+      <p:pic>
+        <p:nvPicPr>
+          <p:cNvPr id="6" name="Picture 5">
+            <a:extLst>
+              <a:ext uri="{FF2B5EF4-FFF2-40B4-BE49-F238E27FC236}">
+                <a16:creationId xmlns:a16="http://schemas.microsoft.com/office/drawing/2014/main" id="{87F34D8D-2B33-46C0-82BC-00191BE6DCA2}"/>
+              </a:ext>
+            </a:extLst>
+          </p:cNvPr>
+          <p:cNvPicPr>
+            <a:picLocks noChangeAspect="1"/>
+          </p:cNvPicPr>
+          <p:nvPr/>
+        </p:nvPicPr>
+        <p:blipFill>
+          <a:blip r:embed="rId6"/>
+          <a:stretch>
+            <a:fillRect/>
+          </a:stretch>
+        </p:blipFill>
+        <p:spPr>
+          <a:xfrm>
+            <a:off x="1528067" y="3285100"/>
+            <a:ext cx="9135866" cy="2742138"/>
+          </a:xfrm>
+          <a:prstGeom prst="rect">
+            <a:avLst/>
+          </a:prstGeom>
+        </p:spPr>
+      </p:pic>
+      <mc:AlternateContent xmlns:mc="http://schemas.openxmlformats.org/markup-compatibility/2006" xmlns:p14="http://schemas.microsoft.com/office/powerpoint/2010/main">
+        <mc:Choice Requires="p14">
+          <p:contentPart p14:bwMode="auto" r:id="rId7">
+            <p14:nvContentPartPr>
+              <p14:cNvPr id="7" name="Ink 6">
+                <a:extLst>
+                  <a:ext uri="{FF2B5EF4-FFF2-40B4-BE49-F238E27FC236}">
+                    <a16:creationId xmlns:a16="http://schemas.microsoft.com/office/drawing/2014/main" id="{C53105DB-4DFD-4946-B2CD-A58CE190FC6D}"/>
+                  </a:ext>
+                </a:extLst>
+              </p14:cNvPr>
+              <p14:cNvContentPartPr/>
+              <p14:nvPr/>
+            </p14:nvContentPartPr>
+            <p14:xfrm>
+              <a:off x="10722851" y="2532415"/>
+              <a:ext cx="2520" cy="360"/>
+            </p14:xfrm>
+          </p:contentPart>
+        </mc:Choice>
+        <mc:Fallback xmlns="">
+          <p:pic>
+            <p:nvPicPr>
+              <p:cNvPr id="7" name="Ink 6">
+                <a:extLst>
+                  <a:ext uri="{FF2B5EF4-FFF2-40B4-BE49-F238E27FC236}">
+                    <a16:creationId xmlns:a16="http://schemas.microsoft.com/office/drawing/2014/main" id="{C53105DB-4DFD-4946-B2CD-A58CE190FC6D}"/>
+                  </a:ext>
+                </a:extLst>
+              </p:cNvPr>
+              <p:cNvPicPr/>
+              <p:nvPr/>
+            </p:nvPicPr>
+            <p:blipFill>
+              <a:blip r:embed="rId8"/>
+              <a:stretch>
+                <a:fillRect/>
+              </a:stretch>
+            </p:blipFill>
+            <p:spPr>
+              <a:xfrm>
+                <a:off x="10651211" y="2388415"/>
+                <a:ext cx="146160" cy="288000"/>
+              </a:xfrm>
+              <a:prstGeom prst="rect">
+                <a:avLst/>
+              </a:prstGeom>
+            </p:spPr>
+          </p:pic>
+        </mc:Fallback>
+      </mc:AlternateContent>
+      <mc:AlternateContent xmlns:mc="http://schemas.openxmlformats.org/markup-compatibility/2006" xmlns:p14="http://schemas.microsoft.com/office/powerpoint/2010/main">
+        <mc:Choice Requires="p14">
+          <p:contentPart p14:bwMode="auto" r:id="rId9">
+            <p14:nvContentPartPr>
+              <p14:cNvPr id="8" name="Ink 7">
+                <a:extLst>
+                  <a:ext uri="{FF2B5EF4-FFF2-40B4-BE49-F238E27FC236}">
+                    <a16:creationId xmlns:a16="http://schemas.microsoft.com/office/drawing/2014/main" id="{2D47B411-4F91-435B-B5AC-5E01DB81B3BA}"/>
+                  </a:ext>
+                </a:extLst>
+              </p14:cNvPr>
+              <p14:cNvContentPartPr/>
+              <p14:nvPr/>
+            </p14:nvContentPartPr>
+            <p14:xfrm>
+              <a:off x="10726811" y="2516935"/>
+              <a:ext cx="451440" cy="366480"/>
+            </p14:xfrm>
+          </p:contentPart>
+        </mc:Choice>
+        <mc:Fallback xmlns="">
+          <p:pic>
+            <p:nvPicPr>
+              <p:cNvPr id="8" name="Ink 7">
+                <a:extLst>
+                  <a:ext uri="{FF2B5EF4-FFF2-40B4-BE49-F238E27FC236}">
+                    <a16:creationId xmlns:a16="http://schemas.microsoft.com/office/drawing/2014/main" id="{2D47B411-4F91-435B-B5AC-5E01DB81B3BA}"/>
+                  </a:ext>
+                </a:extLst>
+              </p:cNvPr>
+              <p:cNvPicPr/>
+              <p:nvPr/>
+            </p:nvPicPr>
+            <p:blipFill>
+              <a:blip r:embed="rId10"/>
+              <a:stretch>
+                <a:fillRect/>
+              </a:stretch>
+            </p:blipFill>
+            <p:spPr>
+              <a:xfrm>
+                <a:off x="10654811" y="2373295"/>
+                <a:ext cx="595080" cy="654120"/>
+              </a:xfrm>
+              <a:prstGeom prst="rect">
+                <a:avLst/>
+              </a:prstGeom>
+            </p:spPr>
+          </p:pic>
+        </mc:Fallback>
+      </mc:AlternateContent>
     </p:spTree>
     <p:extLst>
       <p:ext uri="{BB962C8B-B14F-4D97-AF65-F5344CB8AC3E}">
@@ -12800,7 +12879,7 @@
 </p:sld>
 </file>
 
-<file path=ppt/slides/slide26.xml><?xml version="1.0" encoding="utf-8"?>
+<file path=ppt/slides/slide25.xml><?xml version="1.0" encoding="utf-8"?>
 <p:sld xmlns:a="http://schemas.openxmlformats.org/drawingml/2006/main" xmlns:r="http://schemas.openxmlformats.org/officeDocument/2006/relationships" xmlns:p="http://schemas.openxmlformats.org/presentationml/2006/main">
   <p:cSld>
     <p:spTree>
@@ -12948,7 +13027,7 @@
 </p:sld>
 </file>
 
-<file path=ppt/slides/slide27.xml><?xml version="1.0" encoding="utf-8"?>
+<file path=ppt/slides/slide26.xml><?xml version="1.0" encoding="utf-8"?>
 <p:sld xmlns:a="http://schemas.openxmlformats.org/drawingml/2006/main" xmlns:r="http://schemas.openxmlformats.org/officeDocument/2006/relationships" xmlns:p="http://schemas.openxmlformats.org/presentationml/2006/main">
   <p:cSld>
     <p:spTree>
@@ -13138,7 +13217,7 @@
 </p:sld>
 </file>
 
-<file path=ppt/slides/slide28.xml><?xml version="1.0" encoding="utf-8"?>
+<file path=ppt/slides/slide27.xml><?xml version="1.0" encoding="utf-8"?>
 <p:sld xmlns:a="http://schemas.openxmlformats.org/drawingml/2006/main" xmlns:r="http://schemas.openxmlformats.org/officeDocument/2006/relationships" xmlns:p="http://schemas.openxmlformats.org/presentationml/2006/main">
   <p:cSld>
     <p:spTree>
@@ -13233,7 +13312,7 @@
 </p:sld>
 </file>
 
-<file path=ppt/slides/slide29.xml><?xml version="1.0" encoding="utf-8"?>
+<file path=ppt/slides/slide28.xml><?xml version="1.0" encoding="utf-8"?>
 <p:sld xmlns:a="http://schemas.openxmlformats.org/drawingml/2006/main" xmlns:r="http://schemas.openxmlformats.org/officeDocument/2006/relationships" xmlns:p="http://schemas.openxmlformats.org/presentationml/2006/main">
   <p:cSld>
     <p:spTree>
@@ -13319,6 +13398,173 @@
     <p:extLst>
       <p:ext uri="{BB962C8B-B14F-4D97-AF65-F5344CB8AC3E}">
         <p14:creationId xmlns:p14="http://schemas.microsoft.com/office/powerpoint/2010/main" val="194680150"/>
+      </p:ext>
+    </p:extLst>
+  </p:cSld>
+  <p:clrMapOvr>
+    <a:masterClrMapping/>
+  </p:clrMapOvr>
+</p:sld>
+</file>
+
+<file path=ppt/slides/slide29.xml><?xml version="1.0" encoding="utf-8"?>
+<p:sld xmlns:a="http://schemas.openxmlformats.org/drawingml/2006/main" xmlns:r="http://schemas.openxmlformats.org/officeDocument/2006/relationships" xmlns:p="http://schemas.openxmlformats.org/presentationml/2006/main">
+  <p:cSld>
+    <p:spTree>
+      <p:nvGrpSpPr>
+        <p:cNvPr id="1" name=""/>
+        <p:cNvGrpSpPr/>
+        <p:nvPr/>
+      </p:nvGrpSpPr>
+      <p:grpSpPr>
+        <a:xfrm>
+          <a:off x="0" y="0"/>
+          <a:ext cx="0" cy="0"/>
+          <a:chOff x="0" y="0"/>
+          <a:chExt cx="0" cy="0"/>
+        </a:xfrm>
+      </p:grpSpPr>
+      <p:sp>
+        <p:nvSpPr>
+          <p:cNvPr id="2" name="Title 1">
+            <a:extLst>
+              <a:ext uri="{FF2B5EF4-FFF2-40B4-BE49-F238E27FC236}">
+                <a16:creationId xmlns:a16="http://schemas.microsoft.com/office/drawing/2014/main" id="{8AB8C8CD-45D9-460E-A96F-2FFAD92DB137}"/>
+              </a:ext>
+            </a:extLst>
+          </p:cNvPr>
+          <p:cNvSpPr>
+            <a:spLocks noGrp="1"/>
+          </p:cNvSpPr>
+          <p:nvPr>
+            <p:ph type="title"/>
+          </p:nvPr>
+        </p:nvSpPr>
+        <p:spPr/>
+        <p:txBody>
+          <a:bodyPr/>
+          <a:lstStyle/>
+          <a:p>
+            <a:r>
+              <a:rPr lang="en-GB" dirty="0"/>
+              <a:t>Breakpoints</a:t>
+            </a:r>
+          </a:p>
+        </p:txBody>
+      </p:sp>
+      <p:sp>
+        <p:nvSpPr>
+          <p:cNvPr id="3" name="Content Placeholder 2">
+            <a:extLst>
+              <a:ext uri="{FF2B5EF4-FFF2-40B4-BE49-F238E27FC236}">
+                <a16:creationId xmlns:a16="http://schemas.microsoft.com/office/drawing/2014/main" id="{C1D22BCB-CFBD-4008-BD3B-ADFFA2EAA67D}"/>
+              </a:ext>
+            </a:extLst>
+          </p:cNvPr>
+          <p:cNvSpPr>
+            <a:spLocks noGrp="1"/>
+          </p:cNvSpPr>
+          <p:nvPr>
+            <p:ph idx="1"/>
+          </p:nvPr>
+        </p:nvSpPr>
+        <p:spPr/>
+        <p:txBody>
+          <a:bodyPr/>
+          <a:lstStyle/>
+          <a:p>
+            <a:r>
+              <a:rPr lang="en-GB" dirty="0"/>
+              <a:t>Data Breakpoints</a:t>
+            </a:r>
+          </a:p>
+          <a:p>
+            <a:r>
+              <a:rPr lang="en-GB" dirty="0"/>
+              <a:t>Condition</a:t>
+            </a:r>
+          </a:p>
+          <a:p>
+            <a:r>
+              <a:rPr lang="en-GB" dirty="0"/>
+              <a:t>Hit Count</a:t>
+            </a:r>
+          </a:p>
+          <a:p>
+            <a:r>
+              <a:rPr lang="en-GB" dirty="0"/>
+              <a:t>Filter</a:t>
+            </a:r>
+          </a:p>
+          <a:p>
+            <a:r>
+              <a:rPr lang="en-GB" dirty="0"/>
+              <a:t>When hit</a:t>
+            </a:r>
+          </a:p>
+          <a:p>
+            <a:r>
+              <a:rPr lang="en-GB" dirty="0"/>
+              <a:t>Break at Function</a:t>
+            </a:r>
+          </a:p>
+        </p:txBody>
+      </p:sp>
+      <mc:AlternateContent xmlns:mc="http://schemas.openxmlformats.org/markup-compatibility/2006" xmlns:p14="http://schemas.microsoft.com/office/powerpoint/2010/main">
+        <mc:Choice Requires="p14">
+          <p:contentPart p14:bwMode="auto" r:id="rId3">
+            <p14:nvContentPartPr>
+              <p14:cNvPr id="4" name="Ink 3">
+                <a:extLst>
+                  <a:ext uri="{FF2B5EF4-FFF2-40B4-BE49-F238E27FC236}">
+                    <a16:creationId xmlns:a16="http://schemas.microsoft.com/office/drawing/2014/main" id="{D1D74805-7939-4FB3-BB0B-9F3007B49CBC}"/>
+                  </a:ext>
+                </a:extLst>
+              </p14:cNvPr>
+              <p14:cNvContentPartPr/>
+              <p14:nvPr/>
+            </p14:nvContentPartPr>
+            <p14:xfrm>
+              <a:off x="3280571" y="2892775"/>
+              <a:ext cx="360" cy="360"/>
+            </p14:xfrm>
+          </p:contentPart>
+        </mc:Choice>
+        <mc:Fallback xmlns="">
+          <p:pic>
+            <p:nvPicPr>
+              <p:cNvPr id="4" name="Ink 3">
+                <a:extLst>
+                  <a:ext uri="{FF2B5EF4-FFF2-40B4-BE49-F238E27FC236}">
+                    <a16:creationId xmlns:a16="http://schemas.microsoft.com/office/drawing/2014/main" id="{D1D74805-7939-4FB3-BB0B-9F3007B49CBC}"/>
+                  </a:ext>
+                </a:extLst>
+              </p:cNvPr>
+              <p:cNvPicPr/>
+              <p:nvPr/>
+            </p:nvPicPr>
+            <p:blipFill>
+              <a:blip r:embed="rId4"/>
+              <a:stretch>
+                <a:fillRect/>
+              </a:stretch>
+            </p:blipFill>
+            <p:spPr>
+              <a:xfrm>
+                <a:off x="3208571" y="2748775"/>
+                <a:ext cx="144000" cy="288000"/>
+              </a:xfrm>
+              <a:prstGeom prst="rect">
+                <a:avLst/>
+              </a:prstGeom>
+            </p:spPr>
+          </p:pic>
+        </mc:Fallback>
+      </mc:AlternateContent>
+    </p:spTree>
+    <p:extLst>
+      <p:ext uri="{BB962C8B-B14F-4D97-AF65-F5344CB8AC3E}">
+        <p14:creationId xmlns:p14="http://schemas.microsoft.com/office/powerpoint/2010/main" val="712858971"/>
       </p:ext>
     </p:extLst>
   </p:cSld>
@@ -13911,134 +14157,6 @@
           <p:cNvPr id="2" name="Title 1">
             <a:extLst>
               <a:ext uri="{FF2B5EF4-FFF2-40B4-BE49-F238E27FC236}">
-                <a16:creationId xmlns:a16="http://schemas.microsoft.com/office/drawing/2014/main" id="{8AB8C8CD-45D9-460E-A96F-2FFAD92DB137}"/>
-              </a:ext>
-            </a:extLst>
-          </p:cNvPr>
-          <p:cNvSpPr>
-            <a:spLocks noGrp="1"/>
-          </p:cNvSpPr>
-          <p:nvPr>
-            <p:ph type="title"/>
-          </p:nvPr>
-        </p:nvSpPr>
-        <p:spPr/>
-        <p:txBody>
-          <a:bodyPr/>
-          <a:lstStyle/>
-          <a:p>
-            <a:r>
-              <a:rPr lang="en-GB" dirty="0"/>
-              <a:t>Breakpoints</a:t>
-            </a:r>
-          </a:p>
-        </p:txBody>
-      </p:sp>
-      <p:sp>
-        <p:nvSpPr>
-          <p:cNvPr id="3" name="Content Placeholder 2">
-            <a:extLst>
-              <a:ext uri="{FF2B5EF4-FFF2-40B4-BE49-F238E27FC236}">
-                <a16:creationId xmlns:a16="http://schemas.microsoft.com/office/drawing/2014/main" id="{C1D22BCB-CFBD-4008-BD3B-ADFFA2EAA67D}"/>
-              </a:ext>
-            </a:extLst>
-          </p:cNvPr>
-          <p:cNvSpPr>
-            <a:spLocks noGrp="1"/>
-          </p:cNvSpPr>
-          <p:nvPr>
-            <p:ph idx="1"/>
-          </p:nvPr>
-        </p:nvSpPr>
-        <p:spPr/>
-        <p:txBody>
-          <a:bodyPr/>
-          <a:lstStyle/>
-          <a:p>
-            <a:r>
-              <a:rPr lang="en-GB" dirty="0"/>
-              <a:t>Data Breakpoints</a:t>
-            </a:r>
-          </a:p>
-          <a:p>
-            <a:r>
-              <a:rPr lang="en-GB" dirty="0"/>
-              <a:t>Break on return</a:t>
-            </a:r>
-          </a:p>
-          <a:p>
-            <a:r>
-              <a:rPr lang="en-GB" dirty="0"/>
-              <a:t>Condition</a:t>
-            </a:r>
-          </a:p>
-          <a:p>
-            <a:r>
-              <a:rPr lang="en-GB" dirty="0"/>
-              <a:t>Hit Count</a:t>
-            </a:r>
-          </a:p>
-          <a:p>
-            <a:r>
-              <a:rPr lang="en-GB" dirty="0"/>
-              <a:t>Filter</a:t>
-            </a:r>
-          </a:p>
-          <a:p>
-            <a:r>
-              <a:rPr lang="en-GB" dirty="0"/>
-              <a:t>When hit</a:t>
-            </a:r>
-          </a:p>
-          <a:p>
-            <a:r>
-              <a:rPr lang="en-GB" dirty="0"/>
-              <a:t>Break at Function</a:t>
-            </a:r>
-          </a:p>
-          <a:p>
-            <a:r>
-              <a:rPr lang="en-GB" dirty="0"/>
-              <a:t>Label</a:t>
-            </a:r>
-          </a:p>
-        </p:txBody>
-      </p:sp>
-    </p:spTree>
-    <p:extLst>
-      <p:ext uri="{BB962C8B-B14F-4D97-AF65-F5344CB8AC3E}">
-        <p14:creationId xmlns:p14="http://schemas.microsoft.com/office/powerpoint/2010/main" val="712858971"/>
-      </p:ext>
-    </p:extLst>
-  </p:cSld>
-  <p:clrMapOvr>
-    <a:masterClrMapping/>
-  </p:clrMapOvr>
-</p:sld>
-</file>
-
-<file path=ppt/slides/slide31.xml><?xml version="1.0" encoding="utf-8"?>
-<p:sld xmlns:a="http://schemas.openxmlformats.org/drawingml/2006/main" xmlns:r="http://schemas.openxmlformats.org/officeDocument/2006/relationships" xmlns:p="http://schemas.openxmlformats.org/presentationml/2006/main">
-  <p:cSld>
-    <p:spTree>
-      <p:nvGrpSpPr>
-        <p:cNvPr id="1" name=""/>
-        <p:cNvGrpSpPr/>
-        <p:nvPr/>
-      </p:nvGrpSpPr>
-      <p:grpSpPr>
-        <a:xfrm>
-          <a:off x="0" y="0"/>
-          <a:ext cx="0" cy="0"/>
-          <a:chOff x="0" y="0"/>
-          <a:chExt cx="0" cy="0"/>
-        </a:xfrm>
-      </p:grpSpPr>
-      <p:sp>
-        <p:nvSpPr>
-          <p:cNvPr id="2" name="Title 1">
-            <a:extLst>
-              <a:ext uri="{FF2B5EF4-FFF2-40B4-BE49-F238E27FC236}">
                 <a16:creationId xmlns:a16="http://schemas.microsoft.com/office/drawing/2014/main" id="{EF45E274-BADE-41E1-83B1-7BB877477E13}"/>
               </a:ext>
             </a:extLst>
@@ -14117,102 +14235,7 @@
 </p:sld>
 </file>
 
-<file path=ppt/slides/slide32.xml><?xml version="1.0" encoding="utf-8"?>
-<p:sld xmlns:a="http://schemas.openxmlformats.org/drawingml/2006/main" xmlns:r="http://schemas.openxmlformats.org/officeDocument/2006/relationships" xmlns:p="http://schemas.openxmlformats.org/presentationml/2006/main">
-  <p:cSld>
-    <p:spTree>
-      <p:nvGrpSpPr>
-        <p:cNvPr id="1" name=""/>
-        <p:cNvGrpSpPr/>
-        <p:nvPr/>
-      </p:nvGrpSpPr>
-      <p:grpSpPr>
-        <a:xfrm>
-          <a:off x="0" y="0"/>
-          <a:ext cx="0" cy="0"/>
-          <a:chOff x="0" y="0"/>
-          <a:chExt cx="0" cy="0"/>
-        </a:xfrm>
-      </p:grpSpPr>
-      <p:sp>
-        <p:nvSpPr>
-          <p:cNvPr id="2" name="Title 1">
-            <a:extLst>
-              <a:ext uri="{FF2B5EF4-FFF2-40B4-BE49-F238E27FC236}">
-                <a16:creationId xmlns:a16="http://schemas.microsoft.com/office/drawing/2014/main" id="{5C447C18-F927-4A7E-BDC9-0535B885C197}"/>
-              </a:ext>
-            </a:extLst>
-          </p:cNvPr>
-          <p:cNvSpPr>
-            <a:spLocks noGrp="1"/>
-          </p:cNvSpPr>
-          <p:nvPr>
-            <p:ph type="title"/>
-          </p:nvPr>
-        </p:nvSpPr>
-        <p:spPr/>
-        <p:txBody>
-          <a:bodyPr/>
-          <a:lstStyle/>
-          <a:p>
-            <a:pPr algn="ctr"/>
-            <a:r>
-              <a:rPr lang="en-GB" dirty="0"/>
-              <a:t>Breakpoints</a:t>
-            </a:r>
-            <a:br>
-              <a:rPr lang="en-GB" dirty="0"/>
-            </a:br>
-            <a:r>
-              <a:rPr lang="en-GB" dirty="0"/>
-              <a:t>break on return</a:t>
-            </a:r>
-          </a:p>
-        </p:txBody>
-      </p:sp>
-      <p:pic>
-        <p:nvPicPr>
-          <p:cNvPr id="5" name="Content Placeholder 4">
-            <a:extLst>
-              <a:ext uri="{FF2B5EF4-FFF2-40B4-BE49-F238E27FC236}">
-                <a16:creationId xmlns:a16="http://schemas.microsoft.com/office/drawing/2014/main" id="{9A5F0EBE-51C5-4948-9FDA-100535C754E2}"/>
-              </a:ext>
-            </a:extLst>
-          </p:cNvPr>
-          <p:cNvPicPr>
-            <a:picLocks noGrp="1" noChangeAspect="1"/>
-          </p:cNvPicPr>
-          <p:nvPr>
-            <p:ph idx="1"/>
-          </p:nvPr>
-        </p:nvPicPr>
-        <p:blipFill>
-          <a:blip r:embed="rId3"/>
-          <a:stretch>
-            <a:fillRect/>
-          </a:stretch>
-        </p:blipFill>
-        <p:spPr>
-          <a:xfrm>
-            <a:off x="185085" y="2057401"/>
-            <a:ext cx="11806477" cy="4291780"/>
-          </a:xfrm>
-        </p:spPr>
-      </p:pic>
-    </p:spTree>
-    <p:extLst>
-      <p:ext uri="{BB962C8B-B14F-4D97-AF65-F5344CB8AC3E}">
-        <p14:creationId xmlns:p14="http://schemas.microsoft.com/office/powerpoint/2010/main" val="1115018585"/>
-      </p:ext>
-    </p:extLst>
-  </p:cSld>
-  <p:clrMapOvr>
-    <a:masterClrMapping/>
-  </p:clrMapOvr>
-</p:sld>
-</file>
-
-<file path=ppt/slides/slide33.xml><?xml version="1.0" encoding="utf-8"?>
+<file path=ppt/slides/slide31.xml><?xml version="1.0" encoding="utf-8"?>
 <p:sld xmlns:a="http://schemas.openxmlformats.org/drawingml/2006/main" xmlns:r="http://schemas.openxmlformats.org/officeDocument/2006/relationships" xmlns:p="http://schemas.openxmlformats.org/presentationml/2006/main">
   <p:cSld>
     <p:spTree>
@@ -14312,7 +14335,7 @@
 </p:sld>
 </file>
 
-<file path=ppt/slides/slide34.xml><?xml version="1.0" encoding="utf-8"?>
+<file path=ppt/slides/slide32.xml><?xml version="1.0" encoding="utf-8"?>
 <p:sld xmlns:a="http://schemas.openxmlformats.org/drawingml/2006/main" xmlns:r="http://schemas.openxmlformats.org/officeDocument/2006/relationships" xmlns:p="http://schemas.openxmlformats.org/presentationml/2006/main">
   <p:cSld>
     <p:spTree>
@@ -14410,7 +14433,7 @@
 </p:sld>
 </file>
 
-<file path=ppt/slides/slide35.xml><?xml version="1.0" encoding="utf-8"?>
+<file path=ppt/slides/slide33.xml><?xml version="1.0" encoding="utf-8"?>
 <p:sld xmlns:a="http://schemas.openxmlformats.org/drawingml/2006/main" xmlns:r="http://schemas.openxmlformats.org/officeDocument/2006/relationships" xmlns:p="http://schemas.openxmlformats.org/presentationml/2006/main">
   <p:cSld>
     <p:spTree>
@@ -14614,7 +14637,7 @@
 </p:sld>
 </file>
 
-<file path=ppt/slides/slide36.xml><?xml version="1.0" encoding="utf-8"?>
+<file path=ppt/slides/slide34.xml><?xml version="1.0" encoding="utf-8"?>
 <p:sld xmlns:a="http://schemas.openxmlformats.org/drawingml/2006/main" xmlns:r="http://schemas.openxmlformats.org/officeDocument/2006/relationships" xmlns:p="http://schemas.openxmlformats.org/presentationml/2006/main">
   <p:cSld>
     <p:spTree>
@@ -14712,7 +14735,7 @@
 </p:sld>
 </file>
 
-<file path=ppt/slides/slide37.xml><?xml version="1.0" encoding="utf-8"?>
+<file path=ppt/slides/slide35.xml><?xml version="1.0" encoding="utf-8"?>
 <p:sld xmlns:a="http://schemas.openxmlformats.org/drawingml/2006/main" xmlns:r="http://schemas.openxmlformats.org/officeDocument/2006/relationships" xmlns:p="http://schemas.openxmlformats.org/presentationml/2006/main">
   <p:cSld>
     <p:spTree>
@@ -14986,7 +15009,7 @@
 </p:sld>
 </file>
 
-<file path=ppt/slides/slide38.xml><?xml version="1.0" encoding="utf-8"?>
+<file path=ppt/slides/slide36.xml><?xml version="1.0" encoding="utf-8"?>
 <p:sld xmlns:a="http://schemas.openxmlformats.org/drawingml/2006/main" xmlns:r="http://schemas.openxmlformats.org/officeDocument/2006/relationships" xmlns:p="http://schemas.openxmlformats.org/presentationml/2006/main">
   <p:cSld>
     <p:spTree>
@@ -15084,7 +15107,7 @@
 </p:sld>
 </file>
 
-<file path=ppt/slides/slide39.xml><?xml version="1.0" encoding="utf-8"?>
+<file path=ppt/slides/slide37.xml><?xml version="1.0" encoding="utf-8"?>
 <p:sld xmlns:a="http://schemas.openxmlformats.org/drawingml/2006/main" xmlns:r="http://schemas.openxmlformats.org/officeDocument/2006/relationships" xmlns:p="http://schemas.openxmlformats.org/presentationml/2006/main">
   <p:cSld>
     <p:spTree>
@@ -15179,99 +15202,7 @@
 </p:sld>
 </file>
 
-<file path=ppt/slides/slide4.xml><?xml version="1.0" encoding="utf-8"?>
-<p:sld xmlns:a="http://schemas.openxmlformats.org/drawingml/2006/main" xmlns:r="http://schemas.openxmlformats.org/officeDocument/2006/relationships" xmlns:p="http://schemas.openxmlformats.org/presentationml/2006/main">
-  <p:cSld>
-    <p:spTree>
-      <p:nvGrpSpPr>
-        <p:cNvPr id="1" name=""/>
-        <p:cNvGrpSpPr/>
-        <p:nvPr/>
-      </p:nvGrpSpPr>
-      <p:grpSpPr>
-        <a:xfrm>
-          <a:off x="0" y="0"/>
-          <a:ext cx="0" cy="0"/>
-          <a:chOff x="0" y="0"/>
-          <a:chExt cx="0" cy="0"/>
-        </a:xfrm>
-      </p:grpSpPr>
-      <p:sp>
-        <p:nvSpPr>
-          <p:cNvPr id="2" name="Title 1">
-            <a:extLst>
-              <a:ext uri="{FF2B5EF4-FFF2-40B4-BE49-F238E27FC236}">
-                <a16:creationId xmlns:a16="http://schemas.microsoft.com/office/drawing/2014/main" id="{A5D3EAC9-AAEB-45AC-AB56-ABDF8D464FE5}"/>
-              </a:ext>
-            </a:extLst>
-          </p:cNvPr>
-          <p:cNvSpPr>
-            <a:spLocks noGrp="1"/>
-          </p:cNvSpPr>
-          <p:nvPr>
-            <p:ph type="title"/>
-          </p:nvPr>
-        </p:nvSpPr>
-        <p:spPr/>
-        <p:txBody>
-          <a:bodyPr/>
-          <a:lstStyle/>
-          <a:p>
-            <a:r>
-              <a:rPr lang="en-GB" dirty="0"/>
-              <a:t>Visual Studio Options</a:t>
-            </a:r>
-          </a:p>
-        </p:txBody>
-      </p:sp>
-      <p:sp>
-        <p:nvSpPr>
-          <p:cNvPr id="3" name="Content Placeholder 2">
-            <a:extLst>
-              <a:ext uri="{FF2B5EF4-FFF2-40B4-BE49-F238E27FC236}">
-                <a16:creationId xmlns:a16="http://schemas.microsoft.com/office/drawing/2014/main" id="{7A8990B5-D9E6-4B6B-BEED-1FF98C4F8D04}"/>
-              </a:ext>
-            </a:extLst>
-          </p:cNvPr>
-          <p:cNvSpPr>
-            <a:spLocks noGrp="1"/>
-          </p:cNvSpPr>
-          <p:nvPr>
-            <p:ph idx="1"/>
-          </p:nvPr>
-        </p:nvSpPr>
-        <p:spPr/>
-        <p:txBody>
-          <a:bodyPr/>
-          <a:lstStyle/>
-          <a:p>
-            <a:r>
-              <a:rPr lang="en-GB" dirty="0"/>
-              <a:t>Debugging Options</a:t>
-            </a:r>
-          </a:p>
-          <a:p>
-            <a:r>
-              <a:rPr lang="en-GB" dirty="0"/>
-              <a:t>Exception Options</a:t>
-            </a:r>
-          </a:p>
-        </p:txBody>
-      </p:sp>
-    </p:spTree>
-    <p:extLst>
-      <p:ext uri="{BB962C8B-B14F-4D97-AF65-F5344CB8AC3E}">
-        <p14:creationId xmlns:p14="http://schemas.microsoft.com/office/powerpoint/2010/main" val="1455799755"/>
-      </p:ext>
-    </p:extLst>
-  </p:cSld>
-  <p:clrMapOvr>
-    <a:masterClrMapping/>
-  </p:clrMapOvr>
-</p:sld>
-</file>
-
-<file path=ppt/slides/slide40.xml><?xml version="1.0" encoding="utf-8"?>
+<file path=ppt/slides/slide38.xml><?xml version="1.0" encoding="utf-8"?>
 <p:sld xmlns:a="http://schemas.openxmlformats.org/drawingml/2006/main" xmlns:r="http://schemas.openxmlformats.org/officeDocument/2006/relationships" xmlns:p="http://schemas.openxmlformats.org/presentationml/2006/main">
   <p:cSld>
     <p:spTree>
@@ -15392,7 +15323,7 @@
 </p:sld>
 </file>
 
-<file path=ppt/slides/slide41.xml><?xml version="1.0" encoding="utf-8"?>
+<file path=ppt/slides/slide39.xml><?xml version="1.0" encoding="utf-8"?>
 <p:sld xmlns:a="http://schemas.openxmlformats.org/drawingml/2006/main" xmlns:r="http://schemas.openxmlformats.org/officeDocument/2006/relationships" xmlns:p="http://schemas.openxmlformats.org/presentationml/2006/main">
   <p:cSld>
     <p:spTree>
@@ -15541,7 +15472,99 @@
 </p:sld>
 </file>
 
-<file path=ppt/slides/slide42.xml><?xml version="1.0" encoding="utf-8"?>
+<file path=ppt/slides/slide4.xml><?xml version="1.0" encoding="utf-8"?>
+<p:sld xmlns:a="http://schemas.openxmlformats.org/drawingml/2006/main" xmlns:r="http://schemas.openxmlformats.org/officeDocument/2006/relationships" xmlns:p="http://schemas.openxmlformats.org/presentationml/2006/main">
+  <p:cSld>
+    <p:spTree>
+      <p:nvGrpSpPr>
+        <p:cNvPr id="1" name=""/>
+        <p:cNvGrpSpPr/>
+        <p:nvPr/>
+      </p:nvGrpSpPr>
+      <p:grpSpPr>
+        <a:xfrm>
+          <a:off x="0" y="0"/>
+          <a:ext cx="0" cy="0"/>
+          <a:chOff x="0" y="0"/>
+          <a:chExt cx="0" cy="0"/>
+        </a:xfrm>
+      </p:grpSpPr>
+      <p:sp>
+        <p:nvSpPr>
+          <p:cNvPr id="2" name="Title 1">
+            <a:extLst>
+              <a:ext uri="{FF2B5EF4-FFF2-40B4-BE49-F238E27FC236}">
+                <a16:creationId xmlns:a16="http://schemas.microsoft.com/office/drawing/2014/main" id="{A5D3EAC9-AAEB-45AC-AB56-ABDF8D464FE5}"/>
+              </a:ext>
+            </a:extLst>
+          </p:cNvPr>
+          <p:cNvSpPr>
+            <a:spLocks noGrp="1"/>
+          </p:cNvSpPr>
+          <p:nvPr>
+            <p:ph type="title"/>
+          </p:nvPr>
+        </p:nvSpPr>
+        <p:spPr/>
+        <p:txBody>
+          <a:bodyPr/>
+          <a:lstStyle/>
+          <a:p>
+            <a:r>
+              <a:rPr lang="en-GB" dirty="0"/>
+              <a:t>Visual Studio Options</a:t>
+            </a:r>
+          </a:p>
+        </p:txBody>
+      </p:sp>
+      <p:sp>
+        <p:nvSpPr>
+          <p:cNvPr id="3" name="Content Placeholder 2">
+            <a:extLst>
+              <a:ext uri="{FF2B5EF4-FFF2-40B4-BE49-F238E27FC236}">
+                <a16:creationId xmlns:a16="http://schemas.microsoft.com/office/drawing/2014/main" id="{7A8990B5-D9E6-4B6B-BEED-1FF98C4F8D04}"/>
+              </a:ext>
+            </a:extLst>
+          </p:cNvPr>
+          <p:cNvSpPr>
+            <a:spLocks noGrp="1"/>
+          </p:cNvSpPr>
+          <p:nvPr>
+            <p:ph idx="1"/>
+          </p:nvPr>
+        </p:nvSpPr>
+        <p:spPr/>
+        <p:txBody>
+          <a:bodyPr/>
+          <a:lstStyle/>
+          <a:p>
+            <a:r>
+              <a:rPr lang="en-GB" dirty="0"/>
+              <a:t>Debugging Options</a:t>
+            </a:r>
+          </a:p>
+          <a:p>
+            <a:r>
+              <a:rPr lang="en-GB" dirty="0"/>
+              <a:t>Exception Options</a:t>
+            </a:r>
+          </a:p>
+        </p:txBody>
+      </p:sp>
+    </p:spTree>
+    <p:extLst>
+      <p:ext uri="{BB962C8B-B14F-4D97-AF65-F5344CB8AC3E}">
+        <p14:creationId xmlns:p14="http://schemas.microsoft.com/office/powerpoint/2010/main" val="1455799755"/>
+      </p:ext>
+    </p:extLst>
+  </p:cSld>
+  <p:clrMapOvr>
+    <a:masterClrMapping/>
+  </p:clrMapOvr>
+</p:sld>
+</file>
+
+<file path=ppt/slides/slide40.xml><?xml version="1.0" encoding="utf-8"?>
 <p:sld xmlns:a="http://schemas.openxmlformats.org/drawingml/2006/main" xmlns:r="http://schemas.openxmlformats.org/officeDocument/2006/relationships" xmlns:p="http://schemas.openxmlformats.org/presentationml/2006/main">
   <p:cSld>
     <p:spTree>
@@ -15662,7 +15685,7 @@
 </p:sld>
 </file>
 
-<file path=ppt/slides/slide43.xml><?xml version="1.0" encoding="utf-8"?>
+<file path=ppt/slides/slide41.xml><?xml version="1.0" encoding="utf-8"?>
 <p:sld xmlns:a="http://schemas.openxmlformats.org/drawingml/2006/main" xmlns:r="http://schemas.openxmlformats.org/officeDocument/2006/relationships" xmlns:p="http://schemas.openxmlformats.org/presentationml/2006/main">
   <p:cSld>
     <p:spTree>
@@ -15760,7 +15783,7 @@
 </p:sld>
 </file>
 
-<file path=ppt/slides/slide44.xml><?xml version="1.0" encoding="utf-8"?>
+<file path=ppt/slides/slide42.xml><?xml version="1.0" encoding="utf-8"?>
 <p:sld xmlns:a="http://schemas.openxmlformats.org/drawingml/2006/main" xmlns:r="http://schemas.openxmlformats.org/officeDocument/2006/relationships" xmlns:p="http://schemas.openxmlformats.org/presentationml/2006/main">
   <p:cSld>
     <p:spTree>
@@ -15855,7 +15878,7 @@
 </p:sld>
 </file>
 
-<file path=ppt/slides/slide45.xml><?xml version="1.0" encoding="utf-8"?>
+<file path=ppt/slides/slide43.xml><?xml version="1.0" encoding="utf-8"?>
 <p:sld xmlns:a="http://schemas.openxmlformats.org/drawingml/2006/main" xmlns:r="http://schemas.openxmlformats.org/officeDocument/2006/relationships" xmlns:p="http://schemas.openxmlformats.org/presentationml/2006/main">
   <p:cSld>
     <p:spTree>
@@ -15984,7 +16007,7 @@
 </p:sld>
 </file>
 
-<file path=ppt/slides/slide46.xml><?xml version="1.0" encoding="utf-8"?>
+<file path=ppt/slides/slide44.xml><?xml version="1.0" encoding="utf-8"?>
 <p:sld xmlns:a="http://schemas.openxmlformats.org/drawingml/2006/main" xmlns:r="http://schemas.openxmlformats.org/officeDocument/2006/relationships" xmlns:p="http://schemas.openxmlformats.org/presentationml/2006/main">
   <p:cSld>
     <p:spTree>
@@ -16075,7 +16098,7 @@
 </p:sld>
 </file>
 
-<file path=ppt/slides/slide47.xml><?xml version="1.0" encoding="utf-8"?>
+<file path=ppt/slides/slide45.xml><?xml version="1.0" encoding="utf-8"?>
 <p:sld xmlns:a="http://schemas.openxmlformats.org/drawingml/2006/main" xmlns:r="http://schemas.openxmlformats.org/officeDocument/2006/relationships" xmlns:p="http://schemas.openxmlformats.org/presentationml/2006/main">
   <p:cSld>
     <p:spTree>
@@ -16163,6 +16186,208 @@
 </p:sld>
 </file>
 
+<file path=ppt/slides/slide46.xml><?xml version="1.0" encoding="utf-8"?>
+<p:sld xmlns:a="http://schemas.openxmlformats.org/drawingml/2006/main" xmlns:r="http://schemas.openxmlformats.org/officeDocument/2006/relationships" xmlns:p="http://schemas.openxmlformats.org/presentationml/2006/main">
+  <p:cSld>
+    <p:spTree>
+      <p:nvGrpSpPr>
+        <p:cNvPr id="1" name=""/>
+        <p:cNvGrpSpPr/>
+        <p:nvPr/>
+      </p:nvGrpSpPr>
+      <p:grpSpPr>
+        <a:xfrm>
+          <a:off x="0" y="0"/>
+          <a:ext cx="0" cy="0"/>
+          <a:chOff x="0" y="0"/>
+          <a:chExt cx="0" cy="0"/>
+        </a:xfrm>
+      </p:grpSpPr>
+      <p:sp>
+        <p:nvSpPr>
+          <p:cNvPr id="2" name="Title 1">
+            <a:extLst>
+              <a:ext uri="{FF2B5EF4-FFF2-40B4-BE49-F238E27FC236}">
+                <a16:creationId xmlns:a16="http://schemas.microsoft.com/office/drawing/2014/main" id="{BA8F254C-BBAD-4EE7-A5E9-2AF7E94292BE}"/>
+              </a:ext>
+            </a:extLst>
+          </p:cNvPr>
+          <p:cNvSpPr>
+            <a:spLocks noGrp="1"/>
+          </p:cNvSpPr>
+          <p:nvPr>
+            <p:ph type="title"/>
+          </p:nvPr>
+        </p:nvSpPr>
+        <p:spPr/>
+        <p:txBody>
+          <a:bodyPr/>
+          <a:lstStyle/>
+          <a:p>
+            <a:pPr algn="ctr"/>
+            <a:r>
+              <a:rPr lang="en-GB" dirty="0"/>
+              <a:t>Symbol servers</a:t>
+            </a:r>
+          </a:p>
+        </p:txBody>
+      </p:sp>
+      <p:sp>
+        <p:nvSpPr>
+          <p:cNvPr id="3" name="Content Placeholder 2">
+            <a:extLst>
+              <a:ext uri="{FF2B5EF4-FFF2-40B4-BE49-F238E27FC236}">
+                <a16:creationId xmlns:a16="http://schemas.microsoft.com/office/drawing/2014/main" id="{5BCF1863-E5AF-47F8-B156-636A819A19D1}"/>
+              </a:ext>
+            </a:extLst>
+          </p:cNvPr>
+          <p:cNvSpPr>
+            <a:spLocks noGrp="1"/>
+          </p:cNvSpPr>
+          <p:nvPr>
+            <p:ph idx="1"/>
+          </p:nvPr>
+        </p:nvSpPr>
+        <p:spPr>
+          <a:xfrm>
+            <a:off x="685800" y="2194561"/>
+            <a:ext cx="10820400" cy="3780670"/>
+          </a:xfrm>
+        </p:spPr>
+        <p:txBody>
+          <a:bodyPr/>
+          <a:lstStyle/>
+          <a:p>
+            <a:r>
+              <a:rPr lang="en-GB" dirty="0"/>
+              <a:t>The symbol server enables the debuggers to automatically retrieve the correct symbol files without product names, releases, or build numbers. </a:t>
+            </a:r>
+            <a:br>
+              <a:rPr lang="en-GB" dirty="0"/>
+            </a:br>
+            <a:endParaRPr lang="en-GB" dirty="0"/>
+          </a:p>
+        </p:txBody>
+      </p:sp>
+    </p:spTree>
+    <p:extLst>
+      <p:ext uri="{BB962C8B-B14F-4D97-AF65-F5344CB8AC3E}">
+        <p14:creationId xmlns:p14="http://schemas.microsoft.com/office/powerpoint/2010/main" val="1880281804"/>
+      </p:ext>
+    </p:extLst>
+  </p:cSld>
+  <p:clrMapOvr>
+    <a:masterClrMapping/>
+  </p:clrMapOvr>
+</p:sld>
+</file>
+
+<file path=ppt/slides/slide47.xml><?xml version="1.0" encoding="utf-8"?>
+<p:sld xmlns:a="http://schemas.openxmlformats.org/drawingml/2006/main" xmlns:r="http://schemas.openxmlformats.org/officeDocument/2006/relationships" xmlns:p="http://schemas.openxmlformats.org/presentationml/2006/main">
+  <p:cSld>
+    <p:spTree>
+      <p:nvGrpSpPr>
+        <p:cNvPr id="1" name=""/>
+        <p:cNvGrpSpPr/>
+        <p:nvPr/>
+      </p:nvGrpSpPr>
+      <p:grpSpPr>
+        <a:xfrm>
+          <a:off x="0" y="0"/>
+          <a:ext cx="0" cy="0"/>
+          <a:chOff x="0" y="0"/>
+          <a:chExt cx="0" cy="0"/>
+        </a:xfrm>
+      </p:grpSpPr>
+      <p:sp>
+        <p:nvSpPr>
+          <p:cNvPr id="2" name="Title 1">
+            <a:extLst>
+              <a:ext uri="{FF2B5EF4-FFF2-40B4-BE49-F238E27FC236}">
+                <a16:creationId xmlns:a16="http://schemas.microsoft.com/office/drawing/2014/main" id="{93609348-A965-4532-A40A-B7C4B06DEEDE}"/>
+              </a:ext>
+            </a:extLst>
+          </p:cNvPr>
+          <p:cNvSpPr>
+            <a:spLocks noGrp="1"/>
+          </p:cNvSpPr>
+          <p:nvPr>
+            <p:ph type="title"/>
+          </p:nvPr>
+        </p:nvSpPr>
+        <p:spPr/>
+        <p:txBody>
+          <a:bodyPr/>
+          <a:lstStyle/>
+          <a:p>
+            <a:r>
+              <a:rPr lang="en-GB" dirty="0"/>
+              <a:t>Front  End</a:t>
+            </a:r>
+            <a:br>
+              <a:rPr lang="en-GB" dirty="0"/>
+            </a:br>
+            <a:endParaRPr lang="en-GB" dirty="0"/>
+          </a:p>
+        </p:txBody>
+      </p:sp>
+      <p:sp>
+        <p:nvSpPr>
+          <p:cNvPr id="3" name="Content Placeholder 2">
+            <a:extLst>
+              <a:ext uri="{FF2B5EF4-FFF2-40B4-BE49-F238E27FC236}">
+                <a16:creationId xmlns:a16="http://schemas.microsoft.com/office/drawing/2014/main" id="{91BDEE18-0733-49A2-98E1-91050720F6A6}"/>
+              </a:ext>
+            </a:extLst>
+          </p:cNvPr>
+          <p:cNvSpPr>
+            <a:spLocks noGrp="1"/>
+          </p:cNvSpPr>
+          <p:nvPr>
+            <p:ph idx="1"/>
+          </p:nvPr>
+        </p:nvSpPr>
+        <p:spPr/>
+        <p:txBody>
+          <a:bodyPr/>
+          <a:lstStyle/>
+          <a:p>
+            <a:r>
+              <a:rPr lang="en-GB" dirty="0"/>
+              <a:t>Browser Link</a:t>
+            </a:r>
+          </a:p>
+          <a:p>
+            <a:r>
+              <a:rPr lang="en-GB" dirty="0"/>
+              <a:t>Sync</a:t>
+            </a:r>
+          </a:p>
+          <a:p>
+            <a:r>
+              <a:rPr lang="en-GB" dirty="0"/>
+              <a:t>Inspector</a:t>
+            </a:r>
+            <a:br>
+              <a:rPr lang="en-GB" dirty="0"/>
+            </a:br>
+            <a:endParaRPr lang="en-GB" dirty="0"/>
+          </a:p>
+        </p:txBody>
+      </p:sp>
+    </p:spTree>
+    <p:extLst>
+      <p:ext uri="{BB962C8B-B14F-4D97-AF65-F5344CB8AC3E}">
+        <p14:creationId xmlns:p14="http://schemas.microsoft.com/office/powerpoint/2010/main" val="4139771700"/>
+      </p:ext>
+    </p:extLst>
+  </p:cSld>
+  <p:clrMapOvr>
+    <a:masterClrMapping/>
+  </p:clrMapOvr>
+</p:sld>
+</file>
+
 <file path=ppt/slides/slide48.xml><?xml version="1.0" encoding="utf-8"?>
 <p:sld xmlns:a="http://schemas.openxmlformats.org/drawingml/2006/main" xmlns:r="http://schemas.openxmlformats.org/officeDocument/2006/relationships" xmlns:p="http://schemas.openxmlformats.org/presentationml/2006/main">
   <p:cSld>
@@ -16185,7 +16410,7 @@
           <p:cNvPr id="2" name="Title 1">
             <a:extLst>
               <a:ext uri="{FF2B5EF4-FFF2-40B4-BE49-F238E27FC236}">
-                <a16:creationId xmlns:a16="http://schemas.microsoft.com/office/drawing/2014/main" id="{BA8F254C-BBAD-4EE7-A5E9-2AF7E94292BE}"/>
+                <a16:creationId xmlns:a16="http://schemas.microsoft.com/office/drawing/2014/main" id="{294658D5-AB67-4656-A552-E3A7ECC48D11}"/>
               </a:ext>
             </a:extLst>
           </p:cNvPr>
@@ -16201,10 +16426,9 @@
           <a:bodyPr/>
           <a:lstStyle/>
           <a:p>
-            <a:pPr algn="ctr"/>
-            <a:r>
-              <a:rPr lang="en-GB" dirty="0"/>
-              <a:t>Symbol servers</a:t>
+            <a:r>
+              <a:rPr lang="en-GB" dirty="0"/>
+              <a:t>Enterprise</a:t>
             </a:r>
           </a:p>
         </p:txBody>
@@ -16214,7 +16438,7 @@
           <p:cNvPr id="3" name="Content Placeholder 2">
             <a:extLst>
               <a:ext uri="{FF2B5EF4-FFF2-40B4-BE49-F238E27FC236}">
-                <a16:creationId xmlns:a16="http://schemas.microsoft.com/office/drawing/2014/main" id="{5BCF1863-E5AF-47F8-B156-636A819A19D1}"/>
+                <a16:creationId xmlns:a16="http://schemas.microsoft.com/office/drawing/2014/main" id="{55179C6E-ED5F-4441-A6D8-95BB46E10DDE}"/>
               </a:ext>
             </a:extLst>
           </p:cNvPr>
@@ -16225,23 +16449,24 @@
             <p:ph idx="1"/>
           </p:nvPr>
         </p:nvSpPr>
-        <p:spPr>
-          <a:xfrm>
-            <a:off x="685800" y="2194561"/>
-            <a:ext cx="10820400" cy="3780670"/>
-          </a:xfrm>
-        </p:spPr>
-        <p:txBody>
-          <a:bodyPr/>
-          <a:lstStyle/>
-          <a:p>
-            <a:r>
-              <a:rPr lang="en-GB" dirty="0"/>
-              <a:t>The symbol server enables the debuggers to automatically retrieve the correct symbol files without product names, releases, or build numbers. </a:t>
-            </a:r>
-            <a:br>
-              <a:rPr lang="en-GB" dirty="0"/>
-            </a:br>
+        <p:spPr/>
+        <p:txBody>
+          <a:bodyPr/>
+          <a:lstStyle/>
+          <a:p>
+            <a:r>
+              <a:rPr lang="en-GB" dirty="0"/>
+              <a:t>Code Maps</a:t>
+            </a:r>
+          </a:p>
+          <a:p>
+            <a:r>
+              <a:rPr lang="en-GB" dirty="0" err="1"/>
+              <a:t>Intellitrace</a:t>
+            </a:r>
+            <a:endParaRPr lang="en-GB" dirty="0"/>
+          </a:p>
+          <a:p>
             <a:endParaRPr lang="en-GB" dirty="0"/>
           </a:p>
         </p:txBody>
@@ -16249,7 +16474,7 @@
     </p:spTree>
     <p:extLst>
       <p:ext uri="{BB962C8B-B14F-4D97-AF65-F5344CB8AC3E}">
-        <p14:creationId xmlns:p14="http://schemas.microsoft.com/office/powerpoint/2010/main" val="1880281804"/>
+        <p14:creationId xmlns:p14="http://schemas.microsoft.com/office/powerpoint/2010/main" val="2992128613"/>
       </p:ext>
     </p:extLst>
   </p:cSld>
@@ -16281,7 +16506,7 @@
           <p:cNvPr id="2" name="Title 1">
             <a:extLst>
               <a:ext uri="{FF2B5EF4-FFF2-40B4-BE49-F238E27FC236}">
-                <a16:creationId xmlns:a16="http://schemas.microsoft.com/office/drawing/2014/main" id="{93609348-A965-4532-A40A-B7C4B06DEEDE}"/>
+                <a16:creationId xmlns:a16="http://schemas.microsoft.com/office/drawing/2014/main" id="{11A8A86A-9E2A-4172-A81C-3B7C6EA29601}"/>
               </a:ext>
             </a:extLst>
           </p:cNvPr>
@@ -16297,65 +16522,57 @@
           <a:bodyPr/>
           <a:lstStyle/>
           <a:p>
-            <a:r>
-              <a:rPr lang="en-GB" dirty="0"/>
-              <a:t>Front  End</a:t>
+            <a:pPr algn="ctr"/>
+            <a:r>
+              <a:rPr lang="en-GB" dirty="0"/>
+              <a:t>Enterprise</a:t>
             </a:r>
             <a:br>
               <a:rPr lang="en-GB" dirty="0"/>
             </a:br>
-            <a:endParaRPr lang="en-GB" dirty="0"/>
-          </a:p>
-        </p:txBody>
-      </p:sp>
-      <p:sp>
-        <p:nvSpPr>
-          <p:cNvPr id="3" name="Content Placeholder 2">
+            <a:r>
+              <a:rPr lang="en-GB" dirty="0"/>
+              <a:t>code maps</a:t>
+            </a:r>
+          </a:p>
+        </p:txBody>
+      </p:sp>
+      <p:pic>
+        <p:nvPicPr>
+          <p:cNvPr id="4" name="Content Placeholder 3">
             <a:extLst>
               <a:ext uri="{FF2B5EF4-FFF2-40B4-BE49-F238E27FC236}">
-                <a16:creationId xmlns:a16="http://schemas.microsoft.com/office/drawing/2014/main" id="{91BDEE18-0733-49A2-98E1-91050720F6A6}"/>
+                <a16:creationId xmlns:a16="http://schemas.microsoft.com/office/drawing/2014/main" id="{C4A267D2-39F6-4233-894B-F17F3C756C39}"/>
               </a:ext>
             </a:extLst>
           </p:cNvPr>
-          <p:cNvSpPr>
-            <a:spLocks noGrp="1"/>
-          </p:cNvSpPr>
+          <p:cNvPicPr>
+            <a:picLocks noGrp="1" noChangeAspect="1"/>
+          </p:cNvPicPr>
           <p:nvPr>
             <p:ph idx="1"/>
           </p:nvPr>
-        </p:nvSpPr>
-        <p:spPr/>
-        <p:txBody>
-          <a:bodyPr/>
-          <a:lstStyle/>
-          <a:p>
-            <a:r>
-              <a:rPr lang="en-GB" dirty="0"/>
-              <a:t>Browser Link</a:t>
-            </a:r>
-          </a:p>
-          <a:p>
-            <a:r>
-              <a:rPr lang="en-GB" dirty="0"/>
-              <a:t>Sync</a:t>
-            </a:r>
-          </a:p>
-          <a:p>
-            <a:r>
-              <a:rPr lang="en-GB" dirty="0"/>
-              <a:t>Inspector</a:t>
-            </a:r>
-            <a:br>
-              <a:rPr lang="en-GB" dirty="0"/>
-            </a:br>
-            <a:endParaRPr lang="en-GB" dirty="0"/>
-          </a:p>
-        </p:txBody>
-      </p:sp>
+        </p:nvPicPr>
+        <p:blipFill>
+          <a:blip r:embed="rId2"/>
+          <a:stretch>
+            <a:fillRect/>
+          </a:stretch>
+        </p:blipFill>
+        <p:spPr>
+          <a:xfrm>
+            <a:off x="2691442" y="1995747"/>
+            <a:ext cx="6872888" cy="4688709"/>
+          </a:xfrm>
+          <a:prstGeom prst="rect">
+            <a:avLst/>
+          </a:prstGeom>
+        </p:spPr>
+      </p:pic>
     </p:spTree>
     <p:extLst>
       <p:ext uri="{BB962C8B-B14F-4D97-AF65-F5344CB8AC3E}">
-        <p14:creationId xmlns:p14="http://schemas.microsoft.com/office/powerpoint/2010/main" val="4139771700"/>
+        <p14:creationId xmlns:p14="http://schemas.microsoft.com/office/powerpoint/2010/main" val="4083669379"/>
       </p:ext>
     </p:extLst>
   </p:cSld>
@@ -16474,200 +16691,6 @@
           <p:cNvPr id="2" name="Title 1">
             <a:extLst>
               <a:ext uri="{FF2B5EF4-FFF2-40B4-BE49-F238E27FC236}">
-                <a16:creationId xmlns:a16="http://schemas.microsoft.com/office/drawing/2014/main" id="{294658D5-AB67-4656-A552-E3A7ECC48D11}"/>
-              </a:ext>
-            </a:extLst>
-          </p:cNvPr>
-          <p:cNvSpPr>
-            <a:spLocks noGrp="1"/>
-          </p:cNvSpPr>
-          <p:nvPr>
-            <p:ph type="title"/>
-          </p:nvPr>
-        </p:nvSpPr>
-        <p:spPr/>
-        <p:txBody>
-          <a:bodyPr/>
-          <a:lstStyle/>
-          <a:p>
-            <a:r>
-              <a:rPr lang="en-GB" dirty="0"/>
-              <a:t>Enterprise</a:t>
-            </a:r>
-          </a:p>
-        </p:txBody>
-      </p:sp>
-      <p:sp>
-        <p:nvSpPr>
-          <p:cNvPr id="3" name="Content Placeholder 2">
-            <a:extLst>
-              <a:ext uri="{FF2B5EF4-FFF2-40B4-BE49-F238E27FC236}">
-                <a16:creationId xmlns:a16="http://schemas.microsoft.com/office/drawing/2014/main" id="{55179C6E-ED5F-4441-A6D8-95BB46E10DDE}"/>
-              </a:ext>
-            </a:extLst>
-          </p:cNvPr>
-          <p:cNvSpPr>
-            <a:spLocks noGrp="1"/>
-          </p:cNvSpPr>
-          <p:nvPr>
-            <p:ph idx="1"/>
-          </p:nvPr>
-        </p:nvSpPr>
-        <p:spPr/>
-        <p:txBody>
-          <a:bodyPr/>
-          <a:lstStyle/>
-          <a:p>
-            <a:r>
-              <a:rPr lang="en-GB" dirty="0"/>
-              <a:t>Code Maps</a:t>
-            </a:r>
-          </a:p>
-          <a:p>
-            <a:r>
-              <a:rPr lang="en-GB" dirty="0" err="1"/>
-              <a:t>Intellitrace</a:t>
-            </a:r>
-            <a:endParaRPr lang="en-GB" dirty="0"/>
-          </a:p>
-          <a:p>
-            <a:endParaRPr lang="en-GB" dirty="0"/>
-          </a:p>
-        </p:txBody>
-      </p:sp>
-    </p:spTree>
-    <p:extLst>
-      <p:ext uri="{BB962C8B-B14F-4D97-AF65-F5344CB8AC3E}">
-        <p14:creationId xmlns:p14="http://schemas.microsoft.com/office/powerpoint/2010/main" val="2992128613"/>
-      </p:ext>
-    </p:extLst>
-  </p:cSld>
-  <p:clrMapOvr>
-    <a:masterClrMapping/>
-  </p:clrMapOvr>
-</p:sld>
-</file>
-
-<file path=ppt/slides/slide51.xml><?xml version="1.0" encoding="utf-8"?>
-<p:sld xmlns:a="http://schemas.openxmlformats.org/drawingml/2006/main" xmlns:r="http://schemas.openxmlformats.org/officeDocument/2006/relationships" xmlns:p="http://schemas.openxmlformats.org/presentationml/2006/main">
-  <p:cSld>
-    <p:spTree>
-      <p:nvGrpSpPr>
-        <p:cNvPr id="1" name=""/>
-        <p:cNvGrpSpPr/>
-        <p:nvPr/>
-      </p:nvGrpSpPr>
-      <p:grpSpPr>
-        <a:xfrm>
-          <a:off x="0" y="0"/>
-          <a:ext cx="0" cy="0"/>
-          <a:chOff x="0" y="0"/>
-          <a:chExt cx="0" cy="0"/>
-        </a:xfrm>
-      </p:grpSpPr>
-      <p:sp>
-        <p:nvSpPr>
-          <p:cNvPr id="2" name="Title 1">
-            <a:extLst>
-              <a:ext uri="{FF2B5EF4-FFF2-40B4-BE49-F238E27FC236}">
-                <a16:creationId xmlns:a16="http://schemas.microsoft.com/office/drawing/2014/main" id="{11A8A86A-9E2A-4172-A81C-3B7C6EA29601}"/>
-              </a:ext>
-            </a:extLst>
-          </p:cNvPr>
-          <p:cNvSpPr>
-            <a:spLocks noGrp="1"/>
-          </p:cNvSpPr>
-          <p:nvPr>
-            <p:ph type="title"/>
-          </p:nvPr>
-        </p:nvSpPr>
-        <p:spPr/>
-        <p:txBody>
-          <a:bodyPr/>
-          <a:lstStyle/>
-          <a:p>
-            <a:pPr algn="ctr"/>
-            <a:r>
-              <a:rPr lang="en-GB" dirty="0"/>
-              <a:t>Enterprise</a:t>
-            </a:r>
-            <a:br>
-              <a:rPr lang="en-GB" dirty="0"/>
-            </a:br>
-            <a:r>
-              <a:rPr lang="en-GB" dirty="0"/>
-              <a:t>code maps</a:t>
-            </a:r>
-          </a:p>
-        </p:txBody>
-      </p:sp>
-      <p:pic>
-        <p:nvPicPr>
-          <p:cNvPr id="4" name="Content Placeholder 3">
-            <a:extLst>
-              <a:ext uri="{FF2B5EF4-FFF2-40B4-BE49-F238E27FC236}">
-                <a16:creationId xmlns:a16="http://schemas.microsoft.com/office/drawing/2014/main" id="{C4A267D2-39F6-4233-894B-F17F3C756C39}"/>
-              </a:ext>
-            </a:extLst>
-          </p:cNvPr>
-          <p:cNvPicPr>
-            <a:picLocks noGrp="1" noChangeAspect="1"/>
-          </p:cNvPicPr>
-          <p:nvPr>
-            <p:ph idx="1"/>
-          </p:nvPr>
-        </p:nvPicPr>
-        <p:blipFill>
-          <a:blip r:embed="rId2"/>
-          <a:stretch>
-            <a:fillRect/>
-          </a:stretch>
-        </p:blipFill>
-        <p:spPr>
-          <a:xfrm>
-            <a:off x="2691442" y="1995747"/>
-            <a:ext cx="6872888" cy="4688709"/>
-          </a:xfrm>
-          <a:prstGeom prst="rect">
-            <a:avLst/>
-          </a:prstGeom>
-        </p:spPr>
-      </p:pic>
-    </p:spTree>
-    <p:extLst>
-      <p:ext uri="{BB962C8B-B14F-4D97-AF65-F5344CB8AC3E}">
-        <p14:creationId xmlns:p14="http://schemas.microsoft.com/office/powerpoint/2010/main" val="4083669379"/>
-      </p:ext>
-    </p:extLst>
-  </p:cSld>
-  <p:clrMapOvr>
-    <a:masterClrMapping/>
-  </p:clrMapOvr>
-</p:sld>
-</file>
-
-<file path=ppt/slides/slide52.xml><?xml version="1.0" encoding="utf-8"?>
-<p:sld xmlns:a="http://schemas.openxmlformats.org/drawingml/2006/main" xmlns:r="http://schemas.openxmlformats.org/officeDocument/2006/relationships" xmlns:p="http://schemas.openxmlformats.org/presentationml/2006/main">
-  <p:cSld>
-    <p:spTree>
-      <p:nvGrpSpPr>
-        <p:cNvPr id="1" name=""/>
-        <p:cNvGrpSpPr/>
-        <p:nvPr/>
-      </p:nvGrpSpPr>
-      <p:grpSpPr>
-        <a:xfrm>
-          <a:off x="0" y="0"/>
-          <a:ext cx="0" cy="0"/>
-          <a:chOff x="0" y="0"/>
-          <a:chExt cx="0" cy="0"/>
-        </a:xfrm>
-      </p:grpSpPr>
-      <p:sp>
-        <p:nvSpPr>
-          <p:cNvPr id="2" name="Title 1">
-            <a:extLst>
-              <a:ext uri="{FF2B5EF4-FFF2-40B4-BE49-F238E27FC236}">
                 <a16:creationId xmlns:a16="http://schemas.microsoft.com/office/drawing/2014/main" id="{11A8A86A-9E2A-4172-A81C-3B7C6EA29601}"/>
               </a:ext>
             </a:extLst>
@@ -16745,7 +16768,7 @@
 </p:sld>
 </file>
 
-<file path=ppt/slides/slide53.xml><?xml version="1.0" encoding="utf-8"?>
+<file path=ppt/slides/slide51.xml><?xml version="1.0" encoding="utf-8"?>
 <p:sld xmlns:a="http://schemas.openxmlformats.org/drawingml/2006/main" xmlns:r="http://schemas.openxmlformats.org/officeDocument/2006/relationships" xmlns:p="http://schemas.openxmlformats.org/presentationml/2006/main">
   <p:cSld>
     <p:spTree>
@@ -16844,7 +16867,7 @@
 </p:sld>
 </file>
 
-<file path=ppt/slides/slide54.xml><?xml version="1.0" encoding="utf-8"?>
+<file path=ppt/slides/slide52.xml><?xml version="1.0" encoding="utf-8"?>
 <p:sld xmlns:a="http://schemas.openxmlformats.org/drawingml/2006/main" xmlns:r="http://schemas.openxmlformats.org/officeDocument/2006/relationships" xmlns:p="http://schemas.openxmlformats.org/presentationml/2006/main">
   <p:cSld>
     <p:spTree>
@@ -16966,7 +16989,7 @@
 </p:sld>
 </file>
 
-<file path=ppt/slides/slide55.xml><?xml version="1.0" encoding="utf-8"?>
+<file path=ppt/slides/slide53.xml><?xml version="1.0" encoding="utf-8"?>
 <p:sld xmlns:a="http://schemas.openxmlformats.org/drawingml/2006/main" xmlns:r="http://schemas.openxmlformats.org/officeDocument/2006/relationships" xmlns:p="http://schemas.openxmlformats.org/presentationml/2006/main">
   <p:cSld>
     <p:spTree>
@@ -17088,7 +17111,7 @@
 </p:sld>
 </file>
 
-<file path=ppt/slides/slide56.xml><?xml version="1.0" encoding="utf-8"?>
+<file path=ppt/slides/slide54.xml><?xml version="1.0" encoding="utf-8"?>
 <p:sld xmlns:a="http://schemas.openxmlformats.org/drawingml/2006/main" xmlns:r="http://schemas.openxmlformats.org/officeDocument/2006/relationships" xmlns:p="http://schemas.openxmlformats.org/presentationml/2006/main">
   <p:cSld>
     <p:spTree>
@@ -17187,7 +17210,7 @@
 </p:sld>
 </file>
 
-<file path=ppt/slides/slide57.xml><?xml version="1.0" encoding="utf-8"?>
+<file path=ppt/slides/slide55.xml><?xml version="1.0" encoding="utf-8"?>
 <p:sld xmlns:a="http://schemas.openxmlformats.org/drawingml/2006/main" xmlns:r="http://schemas.openxmlformats.org/officeDocument/2006/relationships" xmlns:p="http://schemas.openxmlformats.org/presentationml/2006/main">
   <p:cSld>
     <p:spTree>
@@ -17250,7 +17273,9 @@
         </p:nvSpPr>
         <p:spPr/>
         <p:txBody>
-          <a:bodyPr/>
+          <a:bodyPr>
+            <a:normAutofit/>
+          </a:bodyPr>
           <a:lstStyle/>
           <a:p>
             <a:r>
@@ -17259,12 +17284,9 @@
               </a:rPr>
               <a:t>https://docs.microsoft.com/en-us/visualstudio/debugger</a:t>
             </a:r>
-            <a:endParaRPr lang="en-GB" dirty="0"/>
-          </a:p>
-          <a:p>
-            <a:r>
-              <a:rPr lang="en-GB" dirty="0"/>
-              <a:t>https://docs.microsoft.com/en-us/visualstudio/debugger/general-debugging-options-dialog-box?view=vs-2017</a:t>
+            <a:r>
+              <a:rPr lang="en-GB" dirty="0"/>
+              <a:t> - general debugging</a:t>
             </a:r>
           </a:p>
           <a:p>
@@ -17272,20 +17294,31 @@
               <a:rPr lang="en-GB" dirty="0">
                 <a:hlinkClick r:id="rId3"/>
               </a:rPr>
-              <a:t>https://www.wintellect.com/pdb-files-what-every-developer-must-know/</a:t>
-            </a:r>
-            <a:endParaRPr lang="en-GB" dirty="0"/>
+              <a:t>https://docs.microsoft.com/en-us/visualstudio/debugger/general-debugging-options-dialog-box?view=vs-2017</a:t>
+            </a:r>
+            <a:r>
+              <a:rPr lang="en-GB" dirty="0"/>
+              <a:t>  debugging options</a:t>
+            </a:r>
           </a:p>
           <a:p>
             <a:r>
               <a:rPr lang="en-GB" dirty="0">
                 <a:hlinkClick r:id="rId4"/>
               </a:rPr>
-              <a:t>https://blogs.msdn.microsoft.com/jaredpar/2011/03/18/debuggerdisplay-attribute-best-practices/</a:t>
-            </a:r>
-            <a:r>
-              <a:rPr lang="en-GB" dirty="0"/>
-              <a:t> (old)</a:t>
+              <a:t>https://www.wintellect.com/pdb-files-what-every-developer-must-know/</a:t>
+            </a:r>
+            <a:r>
+              <a:rPr lang="en-GB" dirty="0"/>
+              <a:t> </a:t>
+            </a:r>
+            <a:r>
+              <a:rPr lang="en-GB" dirty="0" err="1"/>
+              <a:t>pdb</a:t>
+            </a:r>
+            <a:r>
+              <a:rPr lang="en-GB" dirty="0"/>
+              <a:t> files</a:t>
             </a:r>
           </a:p>
           <a:p>
@@ -17293,9 +17326,12 @@
               <a:rPr lang="en-GB" dirty="0">
                 <a:hlinkClick r:id="rId5"/>
               </a:rPr>
-              <a:t>https://docs.microsoft.com/en-us/visualstudio/debugger/using-debuggertypeproxy-attribute?view=vs-2017</a:t>
-            </a:r>
-            <a:endParaRPr lang="en-GB" dirty="0"/>
+              <a:t>https://blogs.msdn.microsoft.com/jaredpar/2011/03/18/debuggerdisplay-attribute-best-practices/</a:t>
+            </a:r>
+            <a:r>
+              <a:rPr lang="en-GB" dirty="0"/>
+              <a:t> (old) debugger display best practices</a:t>
+            </a:r>
           </a:p>
           <a:p>
             <a:r>
@@ -17321,7 +17357,7 @@
 </p:sld>
 </file>
 
-<file path=ppt/slides/slide58.xml><?xml version="1.0" encoding="utf-8"?>
+<file path=ppt/slides/slide56.xml><?xml version="1.0" encoding="utf-8"?>
 <p:sld xmlns:a="http://schemas.openxmlformats.org/drawingml/2006/main" xmlns:r="http://schemas.openxmlformats.org/officeDocument/2006/relationships" xmlns:p="http://schemas.openxmlformats.org/presentationml/2006/main">
   <p:cSld>
     <p:spTree>

--- a/Debugging1.pptx
+++ b/Debugging1.pptx
@@ -5,7 +5,7 @@
     <p:sldMasterId id="2147483648" r:id="rId1"/>
   </p:sldMasterIdLst>
   <p:notesMasterIdLst>
-    <p:notesMasterId r:id="rId58"/>
+    <p:notesMasterId r:id="rId59"/>
   </p:notesMasterIdLst>
   <p:sldIdLst>
     <p:sldId id="256" r:id="rId2"/>
@@ -62,8 +62,9 @@
     <p:sldId id="308" r:id="rId53"/>
     <p:sldId id="309" r:id="rId54"/>
     <p:sldId id="310" r:id="rId55"/>
-    <p:sldId id="272" r:id="rId56"/>
-    <p:sldId id="280" r:id="rId57"/>
+    <p:sldId id="280" r:id="rId56"/>
+    <p:sldId id="272" r:id="rId57"/>
+    <p:sldId id="318" r:id="rId58"/>
   </p:sldIdLst>
   <p:sldSz cx="12192000" cy="6858000"/>
   <p:notesSz cx="6858000" cy="9144000"/>
@@ -601,7 +602,7 @@
           <a:p>
             <a:fld id="{45F49CC2-C49A-4120-BFB5-52D9153EA4E0}" type="datetimeFigureOut">
               <a:rPr lang="en-GB" smtClean="0"/>
-              <a:t>01/01/2019</a:t>
+              <a:t>05/01/2019</a:t>
             </a:fld>
             <a:endParaRPr lang="en-GB"/>
           </a:p>
@@ -915,13 +916,19 @@
           <a:p>
             <a:r>
               <a:rPr lang="en-GB" dirty="0"/>
+              <a:t>Thanks for coming</a:t>
+            </a:r>
+          </a:p>
+          <a:p>
+            <a:r>
+              <a:rPr lang="en-GB" dirty="0"/>
               <a:t>Name, </a:t>
             </a:r>
           </a:p>
           <a:p>
             <a:r>
               <a:rPr lang="en-GB" dirty="0"/>
-              <a:t>Dislike of debugging</a:t>
+              <a:t>Dislike of debugging learn to be good</a:t>
             </a:r>
           </a:p>
         </p:txBody>
@@ -1008,7 +1015,7 @@
           <a:p>
             <a:r>
               <a:rPr lang="en-GB" dirty="0"/>
-              <a:t>Attribute on class </a:t>
+              <a:t>Attribute on class  text and variables allowed</a:t>
             </a:r>
           </a:p>
         </p:txBody>
@@ -1545,6 +1552,21 @@
               <a:t>Raw info shown</a:t>
             </a:r>
           </a:p>
+          <a:p>
+            <a:r>
+              <a:rPr lang="en-GB" dirty="0"/>
+              <a:t>Demo</a:t>
+            </a:r>
+          </a:p>
+          <a:p>
+            <a:r>
+              <a:rPr lang="en-GB" dirty="0"/>
+              <a:t>Line 204 – check breakpoint enabled</a:t>
+            </a:r>
+          </a:p>
+          <a:p>
+            <a:endParaRPr lang="en-GB" dirty="0"/>
+          </a:p>
         </p:txBody>
       </p:sp>
       <p:sp>
@@ -1644,6 +1666,27 @@
               <a:t>There are many in the marketplace.</a:t>
             </a:r>
           </a:p>
+          <a:p>
+            <a:r>
+              <a:rPr lang="en-GB" dirty="0"/>
+              <a:t>Write own inherit from implement show. Documents/visual studio 2017/visualizers or with the standard visualisers</a:t>
+            </a:r>
+          </a:p>
+          <a:p>
+            <a:r>
+              <a:rPr lang="en-GB" dirty="0"/>
+              <a:t>Shown code</a:t>
+            </a:r>
+          </a:p>
+          <a:p>
+            <a:r>
+              <a:rPr lang="en-GB" dirty="0"/>
+              <a:t>Class library</a:t>
+            </a:r>
+          </a:p>
+          <a:p>
+            <a:endParaRPr lang="en-GB" dirty="0"/>
+          </a:p>
         </p:txBody>
       </p:sp>
       <p:sp>
@@ -1930,7 +1973,13 @@
           <a:p>
             <a:r>
               <a:rPr lang="en-GB" dirty="0"/>
-              <a:t>Previous language – has debugging changed</a:t>
+              <a:t>Previous language – has debugging changed – </a:t>
+            </a:r>
+          </a:p>
+          <a:p>
+            <a:r>
+              <a:rPr lang="en-GB" dirty="0"/>
+              <a:t>Tweet</a:t>
             </a:r>
           </a:p>
         </p:txBody>
@@ -2125,6 +2174,15 @@
               <a:t>$1</a:t>
             </a:r>
           </a:p>
+          <a:p>
+            <a:endParaRPr lang="en-GB" dirty="0"/>
+          </a:p>
+          <a:p>
+            <a:r>
+              <a:rPr lang="en-GB" dirty="0"/>
+              <a:t>There is also the quick watch window which is a modal window make object id not see it</a:t>
+            </a:r>
+          </a:p>
         </p:txBody>
       </p:sp>
       <p:sp>
@@ -2677,6 +2735,30 @@
               <a:t>Different views are to select stack trace for thread</a:t>
             </a:r>
           </a:p>
+          <a:p>
+            <a:r>
+              <a:rPr lang="en-GB" dirty="0"/>
+              <a:t>3 views</a:t>
+            </a:r>
+          </a:p>
+          <a:p>
+            <a:r>
+              <a:rPr lang="en-GB" dirty="0"/>
+              <a:t>Thread View</a:t>
+            </a:r>
+          </a:p>
+          <a:p>
+            <a:r>
+              <a:rPr lang="en-GB" dirty="0"/>
+              <a:t>Task View</a:t>
+            </a:r>
+          </a:p>
+          <a:p>
+            <a:r>
+              <a:rPr lang="en-GB" dirty="0"/>
+              <a:t>Method view</a:t>
+            </a:r>
+          </a:p>
         </p:txBody>
       </p:sp>
       <p:sp>
@@ -4720,25 +4802,21 @@
           <a:p>
             <a:r>
               <a:rPr lang="en-GB" dirty="0"/>
-              <a:t>Many browsers at one time </a:t>
-            </a:r>
-          </a:p>
-          <a:p>
-            <a:endParaRPr lang="en-GB" dirty="0"/>
-          </a:p>
-          <a:p>
-            <a:r>
-              <a:rPr lang="en-GB" dirty="0"/>
-              <a:t>Web essentials add in</a:t>
-            </a:r>
-          </a:p>
-          <a:p>
-            <a:endParaRPr lang="en-GB" dirty="0"/>
-          </a:p>
-          <a:p>
-            <a:r>
-              <a:rPr lang="en-GB" dirty="0"/>
-              <a:t>Link </a:t>
+              <a:t>Breakpoints in </a:t>
+            </a:r>
+            <a:r>
+              <a:rPr lang="en-GB" dirty="0" err="1"/>
+              <a:t>javascript</a:t>
+            </a:r>
+            <a:r>
+              <a:rPr lang="en-GB" dirty="0"/>
+              <a:t> – option – though when run pointed out</a:t>
+            </a:r>
+          </a:p>
+          <a:p>
+            <a:r>
+              <a:rPr lang="en-GB" dirty="0"/>
+              <a:t>Many browsers at one time  </a:t>
             </a:r>
             <a:r>
               <a:rPr lang="en-GB" dirty="0" err="1"/>
@@ -4746,7 +4824,35 @@
             </a:r>
             <a:r>
               <a:rPr lang="en-GB" dirty="0"/>
-              <a:t>/html to code in visual studio browser link inspector</a:t>
+              <a:t> </a:t>
+            </a:r>
+            <a:r>
+              <a:rPr lang="en-GB" dirty="0" err="1"/>
+              <a:t>relected</a:t>
+            </a:r>
+            <a:endParaRPr lang="en-GB" dirty="0"/>
+          </a:p>
+          <a:p>
+            <a:r>
+              <a:rPr lang="en-GB" dirty="0"/>
+              <a:t>Web essentials add in</a:t>
+            </a:r>
+          </a:p>
+          <a:p>
+            <a:r>
+              <a:rPr lang="en-GB" dirty="0"/>
+              <a:t>Sync enter one browser reflected on others ctrl alt enter – log in trouble with </a:t>
+            </a:r>
+            <a:r>
+              <a:rPr lang="en-GB" dirty="0" err="1"/>
+              <a:t>firefox</a:t>
+            </a:r>
+            <a:endParaRPr lang="en-GB" dirty="0"/>
+          </a:p>
+          <a:p>
+            <a:r>
+              <a:rPr lang="en-GB" dirty="0"/>
+              <a:t>Inspector click on icon and code shown ctrl alt I and D edit page updates file</a:t>
             </a:r>
           </a:p>
         </p:txBody>
@@ -4778,6 +4884,177 @@
     <p:extLst>
       <p:ext uri="{BB962C8B-B14F-4D97-AF65-F5344CB8AC3E}">
         <p14:creationId xmlns:p14="http://schemas.microsoft.com/office/powerpoint/2010/main" val="3553099896"/>
+      </p:ext>
+    </p:extLst>
+  </p:cSld>
+  <p:clrMapOvr>
+    <a:masterClrMapping/>
+  </p:clrMapOvr>
+</p:notes>
+</file>
+
+<file path=ppt/notesSlides/notesSlide48.xml><?xml version="1.0" encoding="utf-8"?>
+<p:notes xmlns:a="http://schemas.openxmlformats.org/drawingml/2006/main" xmlns:r="http://schemas.openxmlformats.org/officeDocument/2006/relationships" xmlns:p="http://schemas.openxmlformats.org/presentationml/2006/main">
+  <p:cSld>
+    <p:spTree>
+      <p:nvGrpSpPr>
+        <p:cNvPr id="1" name=""/>
+        <p:cNvGrpSpPr/>
+        <p:nvPr/>
+      </p:nvGrpSpPr>
+      <p:grpSpPr>
+        <a:xfrm>
+          <a:off x="0" y="0"/>
+          <a:ext cx="0" cy="0"/>
+          <a:chOff x="0" y="0"/>
+          <a:chExt cx="0" cy="0"/>
+        </a:xfrm>
+      </p:grpSpPr>
+      <p:sp>
+        <p:nvSpPr>
+          <p:cNvPr id="2" name="Slide Image Placeholder 1"/>
+          <p:cNvSpPr>
+            <a:spLocks noGrp="1" noRot="1" noChangeAspect="1"/>
+          </p:cNvSpPr>
+          <p:nvPr>
+            <p:ph type="sldImg"/>
+          </p:nvPr>
+        </p:nvSpPr>
+        <p:spPr/>
+      </p:sp>
+      <p:sp>
+        <p:nvSpPr>
+          <p:cNvPr id="3" name="Notes Placeholder 2"/>
+          <p:cNvSpPr>
+            <a:spLocks noGrp="1"/>
+          </p:cNvSpPr>
+          <p:nvPr>
+            <p:ph type="body" idx="1"/>
+          </p:nvPr>
+        </p:nvSpPr>
+        <p:spPr/>
+        <p:txBody>
+          <a:bodyPr/>
+          <a:lstStyle/>
+          <a:p>
+            <a:r>
+              <a:rPr lang="en-GB" dirty="0"/>
+              <a:t>Total value wrong</a:t>
+            </a:r>
+          </a:p>
+        </p:txBody>
+      </p:sp>
+      <p:sp>
+        <p:nvSpPr>
+          <p:cNvPr id="4" name="Slide Number Placeholder 3"/>
+          <p:cNvSpPr>
+            <a:spLocks noGrp="1"/>
+          </p:cNvSpPr>
+          <p:nvPr>
+            <p:ph type="sldNum" sz="quarter" idx="5"/>
+          </p:nvPr>
+        </p:nvSpPr>
+        <p:spPr/>
+        <p:txBody>
+          <a:bodyPr/>
+          <a:lstStyle/>
+          <a:p>
+            <a:fld id="{6FDED9D1-3D70-4123-9743-495E081B676C}" type="slidenum">
+              <a:rPr lang="en-GB" smtClean="0"/>
+              <a:t>52</a:t>
+            </a:fld>
+            <a:endParaRPr lang="en-GB"/>
+          </a:p>
+        </p:txBody>
+      </p:sp>
+    </p:spTree>
+    <p:extLst>
+      <p:ext uri="{BB962C8B-B14F-4D97-AF65-F5344CB8AC3E}">
+        <p14:creationId xmlns:p14="http://schemas.microsoft.com/office/powerpoint/2010/main" val="3221789560"/>
+      </p:ext>
+    </p:extLst>
+  </p:cSld>
+  <p:clrMapOvr>
+    <a:masterClrMapping/>
+  </p:clrMapOvr>
+</p:notes>
+</file>
+
+<file path=ppt/notesSlides/notesSlide49.xml><?xml version="1.0" encoding="utf-8"?>
+<p:notes xmlns:a="http://schemas.openxmlformats.org/drawingml/2006/main" xmlns:r="http://schemas.openxmlformats.org/officeDocument/2006/relationships" xmlns:p="http://schemas.openxmlformats.org/presentationml/2006/main">
+  <p:cSld>
+    <p:spTree>
+      <p:nvGrpSpPr>
+        <p:cNvPr id="1" name=""/>
+        <p:cNvGrpSpPr/>
+        <p:nvPr/>
+      </p:nvGrpSpPr>
+      <p:grpSpPr>
+        <a:xfrm>
+          <a:off x="0" y="0"/>
+          <a:ext cx="0" cy="0"/>
+          <a:chOff x="0" y="0"/>
+          <a:chExt cx="0" cy="0"/>
+        </a:xfrm>
+      </p:grpSpPr>
+      <p:sp>
+        <p:nvSpPr>
+          <p:cNvPr id="2" name="Slide Image Placeholder 1"/>
+          <p:cNvSpPr>
+            <a:spLocks noGrp="1" noRot="1" noChangeAspect="1"/>
+          </p:cNvSpPr>
+          <p:nvPr>
+            <p:ph type="sldImg"/>
+          </p:nvPr>
+        </p:nvSpPr>
+        <p:spPr/>
+      </p:sp>
+      <p:sp>
+        <p:nvSpPr>
+          <p:cNvPr id="3" name="Notes Placeholder 2"/>
+          <p:cNvSpPr>
+            <a:spLocks noGrp="1"/>
+          </p:cNvSpPr>
+          <p:nvPr>
+            <p:ph type="body" idx="1"/>
+          </p:nvPr>
+        </p:nvSpPr>
+        <p:spPr/>
+        <p:txBody>
+          <a:bodyPr/>
+          <a:lstStyle/>
+          <a:p>
+            <a:endParaRPr lang="en-GB" dirty="0"/>
+          </a:p>
+        </p:txBody>
+      </p:sp>
+      <p:sp>
+        <p:nvSpPr>
+          <p:cNvPr id="4" name="Slide Number Placeholder 3"/>
+          <p:cNvSpPr>
+            <a:spLocks noGrp="1"/>
+          </p:cNvSpPr>
+          <p:nvPr>
+            <p:ph type="sldNum" sz="quarter" idx="5"/>
+          </p:nvPr>
+        </p:nvSpPr>
+        <p:spPr/>
+        <p:txBody>
+          <a:bodyPr/>
+          <a:lstStyle/>
+          <a:p>
+            <a:fld id="{6FDED9D1-3D70-4123-9743-495E081B676C}" type="slidenum">
+              <a:rPr lang="en-GB" smtClean="0"/>
+              <a:t>54</a:t>
+            </a:fld>
+            <a:endParaRPr lang="en-GB"/>
+          </a:p>
+        </p:txBody>
+      </p:sp>
+    </p:spTree>
+    <p:extLst>
+      <p:ext uri="{BB962C8B-B14F-4D97-AF65-F5344CB8AC3E}">
+        <p14:creationId xmlns:p14="http://schemas.microsoft.com/office/powerpoint/2010/main" val="23036930"/>
       </p:ext>
     </p:extLst>
   </p:cSld>
@@ -4839,45 +5116,13 @@
           <a:p>
             <a:r>
               <a:rPr lang="en-GB" dirty="0"/>
-              <a:t>Just My Code –</a:t>
-            </a:r>
-            <a:r>
-              <a:rPr lang="en-GB" dirty="0" err="1"/>
-              <a:t>dbg</a:t>
-            </a:r>
-            <a:r>
-              <a:rPr lang="en-GB" dirty="0"/>
-              <a:t>, </a:t>
-            </a:r>
-            <a:r>
-              <a:rPr lang="en-GB" dirty="0" err="1"/>
-              <a:t>pdb</a:t>
-            </a:r>
-            <a:r>
-              <a:rPr lang="en-GB" dirty="0"/>
-              <a:t> optimisation</a:t>
-            </a:r>
-          </a:p>
-          <a:p>
-            <a:r>
-              <a:rPr lang="en-GB" dirty="0"/>
-              <a:t>Same for </a:t>
-            </a:r>
-            <a:r>
-              <a:rPr lang="en-GB" dirty="0" err="1"/>
-              <a:t>Javascript</a:t>
-            </a:r>
-            <a:r>
-              <a:rPr lang="en-GB" dirty="0"/>
-              <a:t> and </a:t>
-            </a:r>
-            <a:r>
-              <a:rPr lang="en-GB" dirty="0" err="1"/>
-              <a:t>jquery</a:t>
-            </a:r>
-            <a:r>
-              <a:rPr lang="en-GB" dirty="0"/>
-              <a:t> 2013</a:t>
+              <a:t>Large number</a:t>
+            </a:r>
+          </a:p>
+          <a:p>
+            <a:r>
+              <a:rPr lang="en-GB" dirty="0"/>
+              <a:t>Usage through talk</a:t>
             </a:r>
           </a:p>
           <a:p>
@@ -4915,6 +5160,94 @@
     <p:extLst>
       <p:ext uri="{BB962C8B-B14F-4D97-AF65-F5344CB8AC3E}">
         <p14:creationId xmlns:p14="http://schemas.microsoft.com/office/powerpoint/2010/main" val="1062209767"/>
+      </p:ext>
+    </p:extLst>
+  </p:cSld>
+  <p:clrMapOvr>
+    <a:masterClrMapping/>
+  </p:clrMapOvr>
+</p:notes>
+</file>
+
+<file path=ppt/notesSlides/notesSlide50.xml><?xml version="1.0" encoding="utf-8"?>
+<p:notes xmlns:a="http://schemas.openxmlformats.org/drawingml/2006/main" xmlns:r="http://schemas.openxmlformats.org/officeDocument/2006/relationships" xmlns:p="http://schemas.openxmlformats.org/presentationml/2006/main">
+  <p:cSld>
+    <p:spTree>
+      <p:nvGrpSpPr>
+        <p:cNvPr id="1" name=""/>
+        <p:cNvGrpSpPr/>
+        <p:nvPr/>
+      </p:nvGrpSpPr>
+      <p:grpSpPr>
+        <a:xfrm>
+          <a:off x="0" y="0"/>
+          <a:ext cx="0" cy="0"/>
+          <a:chOff x="0" y="0"/>
+          <a:chExt cx="0" cy="0"/>
+        </a:xfrm>
+      </p:grpSpPr>
+      <p:sp>
+        <p:nvSpPr>
+          <p:cNvPr id="2" name="Slide Image Placeholder 1"/>
+          <p:cNvSpPr>
+            <a:spLocks noGrp="1" noRot="1" noChangeAspect="1"/>
+          </p:cNvSpPr>
+          <p:nvPr>
+            <p:ph type="sldImg"/>
+          </p:nvPr>
+        </p:nvSpPr>
+        <p:spPr/>
+      </p:sp>
+      <p:sp>
+        <p:nvSpPr>
+          <p:cNvPr id="3" name="Notes Placeholder 2"/>
+          <p:cNvSpPr>
+            <a:spLocks noGrp="1"/>
+          </p:cNvSpPr>
+          <p:nvPr>
+            <p:ph type="body" idx="1"/>
+          </p:nvPr>
+        </p:nvSpPr>
+        <p:spPr/>
+        <p:txBody>
+          <a:bodyPr/>
+          <a:lstStyle/>
+          <a:p>
+            <a:r>
+              <a:rPr lang="en-GB" dirty="0" err="1"/>
+              <a:t>ozcode</a:t>
+            </a:r>
+            <a:endParaRPr lang="en-GB" dirty="0"/>
+          </a:p>
+        </p:txBody>
+      </p:sp>
+      <p:sp>
+        <p:nvSpPr>
+          <p:cNvPr id="4" name="Slide Number Placeholder 3"/>
+          <p:cNvSpPr>
+            <a:spLocks noGrp="1"/>
+          </p:cNvSpPr>
+          <p:nvPr>
+            <p:ph type="sldNum" sz="quarter" idx="5"/>
+          </p:nvPr>
+        </p:nvSpPr>
+        <p:spPr/>
+        <p:txBody>
+          <a:bodyPr/>
+          <a:lstStyle/>
+          <a:p>
+            <a:fld id="{6FDED9D1-3D70-4123-9743-495E081B676C}" type="slidenum">
+              <a:rPr lang="en-GB" smtClean="0"/>
+              <a:t>55</a:t>
+            </a:fld>
+            <a:endParaRPr lang="en-GB"/>
+          </a:p>
+        </p:txBody>
+      </p:sp>
+    </p:spTree>
+    <p:extLst>
+      <p:ext uri="{BB962C8B-B14F-4D97-AF65-F5344CB8AC3E}">
+        <p14:creationId xmlns:p14="http://schemas.microsoft.com/office/powerpoint/2010/main" val="2941504435"/>
       </p:ext>
     </p:extLst>
   </p:cSld>
@@ -5063,6 +5396,12 @@
           <a:p>
             <a:r>
               <a:rPr lang="en-GB" dirty="0"/>
+              <a:t>Show code</a:t>
+            </a:r>
+          </a:p>
+          <a:p>
+            <a:r>
+              <a:rPr lang="en-GB" dirty="0"/>
               <a:t>Ability to </a:t>
             </a:r>
             <a:r>
@@ -5078,6 +5417,12 @@
             <a:r>
               <a:rPr lang="en-GB" dirty="0"/>
               <a:t>Set conditions</a:t>
+            </a:r>
+          </a:p>
+          <a:p>
+            <a:r>
+              <a:rPr lang="en-GB" dirty="0"/>
+              <a:t>Use stack dump</a:t>
             </a:r>
           </a:p>
           <a:p>
@@ -5468,7 +5813,7 @@
           <a:p>
             <a:fld id="{48A87A34-81AB-432B-8DAE-1953F412C126}" type="datetimeFigureOut">
               <a:rPr lang="en-US" dirty="0"/>
-              <a:t>1/1/2019</a:t>
+              <a:t>1/5/2019</a:t>
             </a:fld>
             <a:endParaRPr lang="en-US" dirty="0"/>
           </a:p>
@@ -5730,7 +6075,7 @@
           <a:p>
             <a:fld id="{48A87A34-81AB-432B-8DAE-1953F412C126}" type="datetimeFigureOut">
               <a:rPr lang="en-US" dirty="0"/>
-              <a:t>1/1/2019</a:t>
+              <a:t>1/5/2019</a:t>
             </a:fld>
             <a:endParaRPr lang="en-US" dirty="0"/>
           </a:p>
@@ -5957,7 +6302,7 @@
             <a:fld id="{48A87A34-81AB-432B-8DAE-1953F412C126}" type="datetimeFigureOut">
               <a:rPr lang="en-US" dirty="0"/>
               <a:pPr/>
-              <a:t>1/1/2019</a:t>
+              <a:t>1/5/2019</a:t>
             </a:fld>
             <a:endParaRPr lang="en-US" dirty="0"/>
           </a:p>
@@ -6263,7 +6608,7 @@
             <a:fld id="{48A87A34-81AB-432B-8DAE-1953F412C126}" type="datetimeFigureOut">
               <a:rPr lang="en-US" dirty="0"/>
               <a:pPr/>
-              <a:t>1/1/2019</a:t>
+              <a:t>1/5/2019</a:t>
             </a:fld>
             <a:endParaRPr lang="en-US" dirty="0"/>
           </a:p>
@@ -6732,7 +7077,7 @@
             <a:fld id="{48A87A34-81AB-432B-8DAE-1953F412C126}" type="datetimeFigureOut">
               <a:rPr lang="en-US" dirty="0"/>
               <a:pPr/>
-              <a:t>1/1/2019</a:t>
+              <a:t>1/5/2019</a:t>
             </a:fld>
             <a:endParaRPr lang="en-US" dirty="0"/>
           </a:p>
@@ -7274,7 +7619,7 @@
           <a:p>
             <a:fld id="{48A87A34-81AB-432B-8DAE-1953F412C126}" type="datetimeFigureOut">
               <a:rPr lang="en-US" dirty="0"/>
-              <a:t>1/1/2019</a:t>
+              <a:t>1/5/2019</a:t>
             </a:fld>
             <a:endParaRPr lang="en-US" dirty="0"/>
           </a:p>
@@ -8043,7 +8388,7 @@
           <a:p>
             <a:fld id="{48A87A34-81AB-432B-8DAE-1953F412C126}" type="datetimeFigureOut">
               <a:rPr lang="en-US" dirty="0"/>
-              <a:t>1/1/2019</a:t>
+              <a:t>1/5/2019</a:t>
             </a:fld>
             <a:endParaRPr lang="en-US" dirty="0"/>
           </a:p>
@@ -8213,7 +8558,7 @@
           <a:p>
             <a:fld id="{48A87A34-81AB-432B-8DAE-1953F412C126}" type="datetimeFigureOut">
               <a:rPr lang="en-US" dirty="0"/>
-              <a:t>1/1/2019</a:t>
+              <a:t>1/5/2019</a:t>
             </a:fld>
             <a:endParaRPr lang="en-US" dirty="0"/>
           </a:p>
@@ -8432,7 +8777,7 @@
             <a:fld id="{48A87A34-81AB-432B-8DAE-1953F412C126}" type="datetimeFigureOut">
               <a:rPr lang="en-US" dirty="0"/>
               <a:pPr/>
-              <a:t>1/1/2019</a:t>
+              <a:t>1/5/2019</a:t>
             </a:fld>
             <a:endParaRPr lang="en-US" dirty="0"/>
           </a:p>
@@ -8607,7 +8952,7 @@
           <a:p>
             <a:fld id="{48A87A34-81AB-432B-8DAE-1953F412C126}" type="datetimeFigureOut">
               <a:rPr lang="en-US" dirty="0"/>
-              <a:t>1/1/2019</a:t>
+              <a:t>1/5/2019</a:t>
             </a:fld>
             <a:endParaRPr lang="en-US" dirty="0"/>
           </a:p>
@@ -8892,7 +9237,7 @@
             <a:fld id="{48A87A34-81AB-432B-8DAE-1953F412C126}" type="datetimeFigureOut">
               <a:rPr lang="en-US" dirty="0"/>
               <a:pPr/>
-              <a:t>1/1/2019</a:t>
+              <a:t>1/5/2019</a:t>
             </a:fld>
             <a:endParaRPr lang="en-US" dirty="0"/>
           </a:p>
@@ -9129,7 +9474,7 @@
           <a:p>
             <a:fld id="{48A87A34-81AB-432B-8DAE-1953F412C126}" type="datetimeFigureOut">
               <a:rPr lang="en-US" dirty="0"/>
-              <a:t>1/1/2019</a:t>
+              <a:t>1/5/2019</a:t>
             </a:fld>
             <a:endParaRPr lang="en-US" dirty="0"/>
           </a:p>
@@ -9503,7 +9848,7 @@
           <a:p>
             <a:fld id="{48A87A34-81AB-432B-8DAE-1953F412C126}" type="datetimeFigureOut">
               <a:rPr lang="en-US" dirty="0"/>
-              <a:t>1/1/2019</a:t>
+              <a:t>1/5/2019</a:t>
             </a:fld>
             <a:endParaRPr lang="en-US" dirty="0"/>
           </a:p>
@@ -9616,7 +9961,7 @@
           <a:p>
             <a:fld id="{48A87A34-81AB-432B-8DAE-1953F412C126}" type="datetimeFigureOut">
               <a:rPr lang="en-US" dirty="0"/>
-              <a:t>1/1/2019</a:t>
+              <a:t>1/5/2019</a:t>
             </a:fld>
             <a:endParaRPr lang="en-US" dirty="0"/>
           </a:p>
@@ -9706,7 +10051,7 @@
           <a:p>
             <a:fld id="{48A87A34-81AB-432B-8DAE-1953F412C126}" type="datetimeFigureOut">
               <a:rPr lang="en-US" dirty="0"/>
-              <a:t>1/1/2019</a:t>
+              <a:t>1/5/2019</a:t>
             </a:fld>
             <a:endParaRPr lang="en-US" dirty="0"/>
           </a:p>
@@ -9950,7 +10295,7 @@
           <a:p>
             <a:fld id="{48A87A34-81AB-432B-8DAE-1953F412C126}" type="datetimeFigureOut">
               <a:rPr lang="en-US" dirty="0"/>
-              <a:t>1/1/2019</a:t>
+              <a:t>1/5/2019</a:t>
             </a:fld>
             <a:endParaRPr lang="en-US" dirty="0"/>
           </a:p>
@@ -10202,7 +10547,7 @@
           <a:p>
             <a:fld id="{48A87A34-81AB-432B-8DAE-1953F412C126}" type="datetimeFigureOut">
               <a:rPr lang="en-US" dirty="0"/>
-              <a:t>1/1/2019</a:t>
+              <a:t>1/5/2019</a:t>
             </a:fld>
             <a:endParaRPr lang="en-US" dirty="0"/>
           </a:p>
@@ -10441,7 +10786,7 @@
             <a:fld id="{48A87A34-81AB-432B-8DAE-1953F412C126}" type="datetimeFigureOut">
               <a:rPr lang="en-US" dirty="0"/>
               <a:pPr/>
-              <a:t>1/1/2019</a:t>
+              <a:t>1/5/2019</a:t>
             </a:fld>
             <a:endParaRPr lang="en-US" dirty="0"/>
           </a:p>
@@ -12204,6 +12549,12 @@
             </a:r>
           </a:p>
           <a:p>
+            <a:r>
+              <a:rPr lang="en-GB" dirty="0"/>
+              <a:t>Twitter @GBPhilipSutton</a:t>
+            </a:r>
+          </a:p>
+          <a:p>
             <a:pPr marL="0" indent="0">
               <a:buNone/>
             </a:pPr>
@@ -13680,7 +14031,7 @@
           <a:p>
             <a:r>
               <a:rPr lang="en-GB" dirty="0"/>
-              <a:t>Browser Link/Sync/Inspector</a:t>
+              <a:t>Front End</a:t>
             </a:r>
           </a:p>
           <a:p>
@@ -16353,6 +16704,16 @@
           <a:lstStyle/>
           <a:p>
             <a:r>
+              <a:rPr lang="en-GB" dirty="0" err="1"/>
+              <a:t>Javascript</a:t>
+            </a:r>
+            <a:r>
+              <a:rPr lang="en-GB" dirty="0"/>
+              <a:t> </a:t>
+            </a:r>
+          </a:p>
+          <a:p>
+            <a:r>
               <a:rPr lang="en-GB" dirty="0"/>
               <a:t>Browser Link</a:t>
             </a:r>
@@ -16961,7 +17322,7 @@
           <p:nvPr/>
         </p:nvPicPr>
         <p:blipFill>
-          <a:blip r:embed="rId2"/>
+          <a:blip r:embed="rId3"/>
           <a:stretch>
             <a:fillRect/>
           </a:stretch>
@@ -17182,7 +17543,7 @@
           </p:nvPr>
         </p:nvPicPr>
         <p:blipFill>
-          <a:blip r:embed="rId2"/>
+          <a:blip r:embed="rId3"/>
           <a:stretch>
             <a:fillRect/>
           </a:stretch>
@@ -17232,7 +17593,7 @@
           <p:cNvPr id="2" name="Title 1">
             <a:extLst>
               <a:ext uri="{FF2B5EF4-FFF2-40B4-BE49-F238E27FC236}">
-                <a16:creationId xmlns:a16="http://schemas.microsoft.com/office/drawing/2014/main" id="{D3A1105E-C991-4B0F-94F4-1C56A47DBD08}"/>
+                <a16:creationId xmlns:a16="http://schemas.microsoft.com/office/drawing/2014/main" id="{8BD9308D-1593-4D22-BF72-CF63E6B13E74}"/>
               </a:ext>
             </a:extLst>
           </p:cNvPr>
@@ -17250,7 +17611,15 @@
           <a:p>
             <a:r>
               <a:rPr lang="en-GB" dirty="0"/>
-              <a:t>References</a:t>
+              <a:t>Other </a:t>
+            </a:r>
+            <a:r>
+              <a:rPr lang="en-GB" dirty="0" err="1"/>
+              <a:t>DEBUGGing</a:t>
+            </a:r>
+            <a:r>
+              <a:rPr lang="en-GB" dirty="0"/>
+              <a:t> items</a:t>
             </a:r>
           </a:p>
         </p:txBody>
@@ -17260,7 +17629,7 @@
           <p:cNvPr id="3" name="Content Placeholder 2">
             <a:extLst>
               <a:ext uri="{FF2B5EF4-FFF2-40B4-BE49-F238E27FC236}">
-                <a16:creationId xmlns:a16="http://schemas.microsoft.com/office/drawing/2014/main" id="{DD02E994-0A7D-4219-966C-0B8FE466C73E}"/>
+                <a16:creationId xmlns:a16="http://schemas.microsoft.com/office/drawing/2014/main" id="{FD9AF35D-539B-46D1-9E7B-058B85BEEE18}"/>
               </a:ext>
             </a:extLst>
           </p:cNvPr>
@@ -17271,72 +17640,44 @@
             <p:ph idx="1"/>
           </p:nvPr>
         </p:nvSpPr>
-        <p:spPr/>
-        <p:txBody>
-          <a:bodyPr>
-            <a:normAutofit/>
-          </a:bodyPr>
-          <a:lstStyle/>
-          <a:p>
-            <a:r>
-              <a:rPr lang="en-GB" dirty="0">
-                <a:hlinkClick r:id="rId2"/>
-              </a:rPr>
-              <a:t>https://docs.microsoft.com/en-us/visualstudio/debugger</a:t>
-            </a:r>
-            <a:r>
-              <a:rPr lang="en-GB" dirty="0"/>
-              <a:t> - general debugging</a:t>
-            </a:r>
-          </a:p>
-          <a:p>
-            <a:r>
-              <a:rPr lang="en-GB" dirty="0">
-                <a:hlinkClick r:id="rId3"/>
-              </a:rPr>
-              <a:t>https://docs.microsoft.com/en-us/visualstudio/debugger/general-debugging-options-dialog-box?view=vs-2017</a:t>
-            </a:r>
-            <a:r>
-              <a:rPr lang="en-GB" dirty="0"/>
-              <a:t>  debugging options</a:t>
-            </a:r>
-          </a:p>
-          <a:p>
-            <a:r>
-              <a:rPr lang="en-GB" dirty="0">
-                <a:hlinkClick r:id="rId4"/>
-              </a:rPr>
-              <a:t>https://www.wintellect.com/pdb-files-what-every-developer-must-know/</a:t>
-            </a:r>
-            <a:r>
-              <a:rPr lang="en-GB" dirty="0"/>
-              <a:t> </a:t>
-            </a:r>
+        <p:spPr>
+          <a:xfrm>
+            <a:off x="2702944" y="2069502"/>
+            <a:ext cx="9339532" cy="4024125"/>
+          </a:xfrm>
+        </p:spPr>
+        <p:txBody>
+          <a:bodyPr/>
+          <a:lstStyle/>
+          <a:p>
+            <a:r>
+              <a:rPr lang="en-GB" dirty="0"/>
+              <a:t>Remote Debugging</a:t>
+            </a:r>
+          </a:p>
+          <a:p>
+            <a:r>
+              <a:rPr lang="en-GB" dirty="0"/>
+              <a:t>Azure Debugging</a:t>
+            </a:r>
+          </a:p>
+          <a:p>
+            <a:r>
+              <a:rPr lang="en-GB" dirty="0"/>
+              <a:t>Live Sharing</a:t>
+            </a:r>
+          </a:p>
+          <a:p>
             <a:r>
               <a:rPr lang="en-GB" dirty="0" err="1"/>
-              <a:t>pdb</a:t>
-            </a:r>
-            <a:r>
-              <a:rPr lang="en-GB" dirty="0"/>
-              <a:t> files</a:t>
-            </a:r>
-          </a:p>
-          <a:p>
-            <a:r>
-              <a:rPr lang="en-GB" dirty="0">
-                <a:hlinkClick r:id="rId5"/>
-              </a:rPr>
-              <a:t>https://blogs.msdn.microsoft.com/jaredpar/2011/03/18/debuggerdisplay-attribute-best-practices/</a:t>
-            </a:r>
-            <a:r>
-              <a:rPr lang="en-GB" dirty="0"/>
-              <a:t> (old) debugger display best practices</a:t>
-            </a:r>
-          </a:p>
-          <a:p>
-            <a:r>
-              <a:rPr lang="en-GB" dirty="0"/>
-              <a:t>https://blogs.msdn.microsoft.com/visualstudio/2017/06/26/7-lesser-known-hacks-for-debugging-in-visual-studio/</a:t>
+              <a:t>WinDbg</a:t>
+            </a:r>
+            <a:endParaRPr lang="en-GB" dirty="0"/>
+          </a:p>
+          <a:p>
+            <a:r>
+              <a:rPr lang="en-GB" dirty="0"/>
+              <a:t>SOS</a:t>
             </a:r>
           </a:p>
           <a:p>
@@ -17347,7 +17688,7 @@
     </p:spTree>
     <p:extLst>
       <p:ext uri="{BB962C8B-B14F-4D97-AF65-F5344CB8AC3E}">
-        <p14:creationId xmlns:p14="http://schemas.microsoft.com/office/powerpoint/2010/main" val="3181987518"/>
+        <p14:creationId xmlns:p14="http://schemas.microsoft.com/office/powerpoint/2010/main" val="3236567787"/>
       </p:ext>
     </p:extLst>
   </p:cSld>
@@ -17379,7 +17720,7 @@
           <p:cNvPr id="2" name="Title 1">
             <a:extLst>
               <a:ext uri="{FF2B5EF4-FFF2-40B4-BE49-F238E27FC236}">
-                <a16:creationId xmlns:a16="http://schemas.microsoft.com/office/drawing/2014/main" id="{8BD9308D-1593-4D22-BF72-CF63E6B13E74}"/>
+                <a16:creationId xmlns:a16="http://schemas.microsoft.com/office/drawing/2014/main" id="{D3A1105E-C991-4B0F-94F4-1C56A47DBD08}"/>
               </a:ext>
             </a:extLst>
           </p:cNvPr>
@@ -17397,15 +17738,7 @@
           <a:p>
             <a:r>
               <a:rPr lang="en-GB" dirty="0"/>
-              <a:t>Other </a:t>
-            </a:r>
-            <a:r>
-              <a:rPr lang="en-GB" dirty="0" err="1"/>
-              <a:t>DEBUGGing</a:t>
-            </a:r>
-            <a:r>
-              <a:rPr lang="en-GB" dirty="0"/>
-              <a:t> items</a:t>
+              <a:t>References</a:t>
             </a:r>
           </a:p>
         </p:txBody>
@@ -17415,7 +17748,7 @@
           <p:cNvPr id="3" name="Content Placeholder 2">
             <a:extLst>
               <a:ext uri="{FF2B5EF4-FFF2-40B4-BE49-F238E27FC236}">
-                <a16:creationId xmlns:a16="http://schemas.microsoft.com/office/drawing/2014/main" id="{FD9AF35D-539B-46D1-9E7B-058B85BEEE18}"/>
+                <a16:creationId xmlns:a16="http://schemas.microsoft.com/office/drawing/2014/main" id="{DD02E994-0A7D-4219-966C-0B8FE466C73E}"/>
               </a:ext>
             </a:extLst>
           </p:cNvPr>
@@ -17426,44 +17759,72 @@
             <p:ph idx="1"/>
           </p:nvPr>
         </p:nvSpPr>
-        <p:spPr>
-          <a:xfrm>
-            <a:off x="2702944" y="2069502"/>
-            <a:ext cx="9339532" cy="4024125"/>
-          </a:xfrm>
-        </p:spPr>
-        <p:txBody>
-          <a:bodyPr/>
-          <a:lstStyle/>
-          <a:p>
-            <a:r>
-              <a:rPr lang="en-GB" dirty="0"/>
-              <a:t>Remote Debugging</a:t>
-            </a:r>
-          </a:p>
-          <a:p>
-            <a:r>
-              <a:rPr lang="en-GB" dirty="0"/>
-              <a:t>Azure Debugging</a:t>
-            </a:r>
-          </a:p>
-          <a:p>
-            <a:r>
-              <a:rPr lang="en-GB" dirty="0"/>
-              <a:t>Live Sharing</a:t>
-            </a:r>
-          </a:p>
-          <a:p>
+        <p:spPr/>
+        <p:txBody>
+          <a:bodyPr>
+            <a:normAutofit/>
+          </a:bodyPr>
+          <a:lstStyle/>
+          <a:p>
+            <a:r>
+              <a:rPr lang="en-GB" dirty="0">
+                <a:hlinkClick r:id="rId2"/>
+              </a:rPr>
+              <a:t>https://docs.microsoft.com/en-us/visualstudio/debugger</a:t>
+            </a:r>
+            <a:r>
+              <a:rPr lang="en-GB" dirty="0"/>
+              <a:t> - general debugging</a:t>
+            </a:r>
+          </a:p>
+          <a:p>
+            <a:r>
+              <a:rPr lang="en-GB" dirty="0">
+                <a:hlinkClick r:id="rId3"/>
+              </a:rPr>
+              <a:t>https://docs.microsoft.com/en-us/visualstudio/debugger/general-debugging-options-dialog-box?view=vs-2017</a:t>
+            </a:r>
+            <a:r>
+              <a:rPr lang="en-GB" dirty="0"/>
+              <a:t>  debugging options</a:t>
+            </a:r>
+          </a:p>
+          <a:p>
+            <a:r>
+              <a:rPr lang="en-GB" dirty="0">
+                <a:hlinkClick r:id="rId4"/>
+              </a:rPr>
+              <a:t>https://www.wintellect.com/pdb-files-what-every-developer-must-know/</a:t>
+            </a:r>
+            <a:r>
+              <a:rPr lang="en-GB" dirty="0"/>
+              <a:t> </a:t>
+            </a:r>
             <a:r>
               <a:rPr lang="en-GB" dirty="0" err="1"/>
-              <a:t>WinDbg</a:t>
-            </a:r>
-            <a:endParaRPr lang="en-GB" dirty="0"/>
-          </a:p>
-          <a:p>
-            <a:r>
-              <a:rPr lang="en-GB" dirty="0"/>
-              <a:t>SOS</a:t>
+              <a:t>pdb</a:t>
+            </a:r>
+            <a:r>
+              <a:rPr lang="en-GB" dirty="0"/>
+              <a:t> files</a:t>
+            </a:r>
+          </a:p>
+          <a:p>
+            <a:r>
+              <a:rPr lang="en-GB" dirty="0">
+                <a:hlinkClick r:id="rId5"/>
+              </a:rPr>
+              <a:t>https://blogs.msdn.microsoft.com/jaredpar/2011/03/18/debuggerdisplay-attribute-best-practices/</a:t>
+            </a:r>
+            <a:r>
+              <a:rPr lang="en-GB" dirty="0"/>
+              <a:t> (old) debugger display best practices</a:t>
+            </a:r>
+          </a:p>
+          <a:p>
+            <a:r>
+              <a:rPr lang="en-GB" dirty="0"/>
+              <a:t>https://blogs.msdn.microsoft.com/visualstudio/2017/06/26/7-lesser-known-hacks-for-debugging-in-visual-studio/</a:t>
             </a:r>
           </a:p>
           <a:p>
@@ -17474,13 +17835,176 @@
     </p:spTree>
     <p:extLst>
       <p:ext uri="{BB962C8B-B14F-4D97-AF65-F5344CB8AC3E}">
-        <p14:creationId xmlns:p14="http://schemas.microsoft.com/office/powerpoint/2010/main" val="3236567787"/>
+        <p14:creationId xmlns:p14="http://schemas.microsoft.com/office/powerpoint/2010/main" val="3181987518"/>
       </p:ext>
     </p:extLst>
   </p:cSld>
   <p:clrMapOvr>
     <a:masterClrMapping/>
   </p:clrMapOvr>
+</p:sld>
+</file>
+
+<file path=ppt/slides/slide57.xml><?xml version="1.0" encoding="utf-8"?>
+<p:sld xmlns:a="http://schemas.openxmlformats.org/drawingml/2006/main" xmlns:r="http://schemas.openxmlformats.org/officeDocument/2006/relationships" xmlns:p="http://schemas.openxmlformats.org/presentationml/2006/main">
+  <p:cSld>
+    <p:spTree>
+      <p:nvGrpSpPr>
+        <p:cNvPr id="1" name=""/>
+        <p:cNvGrpSpPr/>
+        <p:nvPr/>
+      </p:nvGrpSpPr>
+      <p:grpSpPr>
+        <a:xfrm>
+          <a:off x="0" y="0"/>
+          <a:ext cx="0" cy="0"/>
+          <a:chOff x="0" y="0"/>
+          <a:chExt cx="0" cy="0"/>
+        </a:xfrm>
+      </p:grpSpPr>
+      <p:sp>
+        <p:nvSpPr>
+          <p:cNvPr id="2" name="Title 1">
+            <a:extLst>
+              <a:ext uri="{FF2B5EF4-FFF2-40B4-BE49-F238E27FC236}">
+                <a16:creationId xmlns:a16="http://schemas.microsoft.com/office/drawing/2014/main" id="{AD9EB5FD-C97E-49E2-9A7B-1619F15BA88B}"/>
+              </a:ext>
+            </a:extLst>
+          </p:cNvPr>
+          <p:cNvSpPr>
+            <a:spLocks noGrp="1"/>
+          </p:cNvSpPr>
+          <p:nvPr>
+            <p:ph type="title"/>
+          </p:nvPr>
+        </p:nvSpPr>
+        <p:spPr/>
+        <p:txBody>
+          <a:bodyPr/>
+          <a:lstStyle/>
+          <a:p>
+            <a:pPr algn="ctr"/>
+            <a:r>
+              <a:rPr lang="en-GB" dirty="0"/>
+              <a:t>Questions</a:t>
+            </a:r>
+          </a:p>
+        </p:txBody>
+      </p:sp>
+      <p:pic>
+        <p:nvPicPr>
+          <p:cNvPr id="5" name="Content Placeholder 4">
+            <a:extLst>
+              <a:ext uri="{FF2B5EF4-FFF2-40B4-BE49-F238E27FC236}">
+                <a16:creationId xmlns:a16="http://schemas.microsoft.com/office/drawing/2014/main" id="{497EB099-59C3-4C2E-8E5E-5A7134ED264F}"/>
+              </a:ext>
+            </a:extLst>
+          </p:cNvPr>
+          <p:cNvPicPr>
+            <a:picLocks noGrp="1" noChangeAspect="1"/>
+          </p:cNvPicPr>
+          <p:nvPr>
+            <p:ph idx="1"/>
+          </p:nvPr>
+        </p:nvPicPr>
+        <p:blipFill>
+          <a:blip r:embed="rId2"/>
+          <a:stretch>
+            <a:fillRect/>
+          </a:stretch>
+        </p:blipFill>
+        <p:spPr>
+          <a:xfrm>
+            <a:off x="2471530" y="1794162"/>
+            <a:ext cx="7241176" cy="4818673"/>
+          </a:xfrm>
+        </p:spPr>
+      </p:pic>
+    </p:spTree>
+    <p:extLst>
+      <p:ext uri="{BB962C8B-B14F-4D97-AF65-F5344CB8AC3E}">
+        <p14:creationId xmlns:p14="http://schemas.microsoft.com/office/powerpoint/2010/main" val="332816011"/>
+      </p:ext>
+    </p:extLst>
+  </p:cSld>
+  <p:clrMapOvr>
+    <a:masterClrMapping/>
+  </p:clrMapOvr>
+  <p:timing>
+    <p:tnLst>
+      <p:par>
+        <p:cTn id="1" dur="indefinite" restart="never" nodeType="tmRoot">
+          <p:childTnLst>
+            <p:seq concurrent="1" nextAc="seek">
+              <p:cTn id="2" dur="indefinite" nodeType="mainSeq">
+                <p:childTnLst>
+                  <p:par>
+                    <p:cTn id="3" fill="hold">
+                      <p:stCondLst>
+                        <p:cond delay="indefinite"/>
+                      </p:stCondLst>
+                      <p:childTnLst>
+                        <p:par>
+                          <p:cTn id="4" fill="hold">
+                            <p:stCondLst>
+                              <p:cond delay="0"/>
+                            </p:stCondLst>
+                            <p:childTnLst>
+                              <p:par>
+                                <p:cTn id="5" presetID="1" presetClass="entr" presetSubtype="0" fill="hold" nodeType="clickEffect">
+                                  <p:stCondLst>
+                                    <p:cond delay="0"/>
+                                  </p:stCondLst>
+                                  <p:childTnLst>
+                                    <p:set>
+                                      <p:cBhvr>
+                                        <p:cTn id="6" dur="1" fill="hold">
+                                          <p:stCondLst>
+                                            <p:cond delay="0"/>
+                                          </p:stCondLst>
+                                        </p:cTn>
+                                        <p:tgtEl>
+                                          <p:spTgt spid="5"/>
+                                        </p:tgtEl>
+                                        <p:attrNameLst>
+                                          <p:attrName>style.visibility</p:attrName>
+                                        </p:attrNameLst>
+                                      </p:cBhvr>
+                                      <p:to>
+                                        <p:strVal val="visible"/>
+                                      </p:to>
+                                    </p:set>
+                                  </p:childTnLst>
+                                </p:cTn>
+                              </p:par>
+                            </p:childTnLst>
+                          </p:cTn>
+                        </p:par>
+                      </p:childTnLst>
+                    </p:cTn>
+                  </p:par>
+                </p:childTnLst>
+              </p:cTn>
+              <p:prevCondLst>
+                <p:cond evt="onPrev" delay="0">
+                  <p:tgtEl>
+                    <p:sldTgt/>
+                  </p:tgtEl>
+                </p:cond>
+              </p:prevCondLst>
+              <p:nextCondLst>
+                <p:cond evt="onNext" delay="0">
+                  <p:tgtEl>
+                    <p:sldTgt/>
+                  </p:tgtEl>
+                </p:cond>
+              </p:nextCondLst>
+            </p:seq>
+          </p:childTnLst>
+        </p:cTn>
+      </p:par>
+    </p:tnLst>
+  </p:timing>
 </p:sld>
 </file>
 

--- a/Debugging1.pptx
+++ b/Debugging1.pptx
@@ -602,7 +602,7 @@
           <a:p>
             <a:fld id="{45F49CC2-C49A-4120-BFB5-52D9153EA4E0}" type="datetimeFigureOut">
               <a:rPr lang="en-GB" smtClean="0"/>
-              <a:t>05/01/2019</a:t>
+              <a:t>06/01/2019</a:t>
             </a:fld>
             <a:endParaRPr lang="en-GB"/>
           </a:p>
@@ -5813,7 +5813,7 @@
           <a:p>
             <a:fld id="{48A87A34-81AB-432B-8DAE-1953F412C126}" type="datetimeFigureOut">
               <a:rPr lang="en-US" dirty="0"/>
-              <a:t>1/5/2019</a:t>
+              <a:t>1/6/2019</a:t>
             </a:fld>
             <a:endParaRPr lang="en-US" dirty="0"/>
           </a:p>
@@ -6075,7 +6075,7 @@
           <a:p>
             <a:fld id="{48A87A34-81AB-432B-8DAE-1953F412C126}" type="datetimeFigureOut">
               <a:rPr lang="en-US" dirty="0"/>
-              <a:t>1/5/2019</a:t>
+              <a:t>1/6/2019</a:t>
             </a:fld>
             <a:endParaRPr lang="en-US" dirty="0"/>
           </a:p>
@@ -6302,7 +6302,7 @@
             <a:fld id="{48A87A34-81AB-432B-8DAE-1953F412C126}" type="datetimeFigureOut">
               <a:rPr lang="en-US" dirty="0"/>
               <a:pPr/>
-              <a:t>1/5/2019</a:t>
+              <a:t>1/6/2019</a:t>
             </a:fld>
             <a:endParaRPr lang="en-US" dirty="0"/>
           </a:p>
@@ -6608,7 +6608,7 @@
             <a:fld id="{48A87A34-81AB-432B-8DAE-1953F412C126}" type="datetimeFigureOut">
               <a:rPr lang="en-US" dirty="0"/>
               <a:pPr/>
-              <a:t>1/5/2019</a:t>
+              <a:t>1/6/2019</a:t>
             </a:fld>
             <a:endParaRPr lang="en-US" dirty="0"/>
           </a:p>
@@ -7077,7 +7077,7 @@
             <a:fld id="{48A87A34-81AB-432B-8DAE-1953F412C126}" type="datetimeFigureOut">
               <a:rPr lang="en-US" dirty="0"/>
               <a:pPr/>
-              <a:t>1/5/2019</a:t>
+              <a:t>1/6/2019</a:t>
             </a:fld>
             <a:endParaRPr lang="en-US" dirty="0"/>
           </a:p>
@@ -7619,7 +7619,7 @@
           <a:p>
             <a:fld id="{48A87A34-81AB-432B-8DAE-1953F412C126}" type="datetimeFigureOut">
               <a:rPr lang="en-US" dirty="0"/>
-              <a:t>1/5/2019</a:t>
+              <a:t>1/6/2019</a:t>
             </a:fld>
             <a:endParaRPr lang="en-US" dirty="0"/>
           </a:p>
@@ -8388,7 +8388,7 @@
           <a:p>
             <a:fld id="{48A87A34-81AB-432B-8DAE-1953F412C126}" type="datetimeFigureOut">
               <a:rPr lang="en-US" dirty="0"/>
-              <a:t>1/5/2019</a:t>
+              <a:t>1/6/2019</a:t>
             </a:fld>
             <a:endParaRPr lang="en-US" dirty="0"/>
           </a:p>
@@ -8558,7 +8558,7 @@
           <a:p>
             <a:fld id="{48A87A34-81AB-432B-8DAE-1953F412C126}" type="datetimeFigureOut">
               <a:rPr lang="en-US" dirty="0"/>
-              <a:t>1/5/2019</a:t>
+              <a:t>1/6/2019</a:t>
             </a:fld>
             <a:endParaRPr lang="en-US" dirty="0"/>
           </a:p>
@@ -8777,7 +8777,7 @@
             <a:fld id="{48A87A34-81AB-432B-8DAE-1953F412C126}" type="datetimeFigureOut">
               <a:rPr lang="en-US" dirty="0"/>
               <a:pPr/>
-              <a:t>1/5/2019</a:t>
+              <a:t>1/6/2019</a:t>
             </a:fld>
             <a:endParaRPr lang="en-US" dirty="0"/>
           </a:p>
@@ -8952,7 +8952,7 @@
           <a:p>
             <a:fld id="{48A87A34-81AB-432B-8DAE-1953F412C126}" type="datetimeFigureOut">
               <a:rPr lang="en-US" dirty="0"/>
-              <a:t>1/5/2019</a:t>
+              <a:t>1/6/2019</a:t>
             </a:fld>
             <a:endParaRPr lang="en-US" dirty="0"/>
           </a:p>
@@ -9237,7 +9237,7 @@
             <a:fld id="{48A87A34-81AB-432B-8DAE-1953F412C126}" type="datetimeFigureOut">
               <a:rPr lang="en-US" dirty="0"/>
               <a:pPr/>
-              <a:t>1/5/2019</a:t>
+              <a:t>1/6/2019</a:t>
             </a:fld>
             <a:endParaRPr lang="en-US" dirty="0"/>
           </a:p>
@@ -9474,7 +9474,7 @@
           <a:p>
             <a:fld id="{48A87A34-81AB-432B-8DAE-1953F412C126}" type="datetimeFigureOut">
               <a:rPr lang="en-US" dirty="0"/>
-              <a:t>1/5/2019</a:t>
+              <a:t>1/6/2019</a:t>
             </a:fld>
             <a:endParaRPr lang="en-US" dirty="0"/>
           </a:p>
@@ -9848,7 +9848,7 @@
           <a:p>
             <a:fld id="{48A87A34-81AB-432B-8DAE-1953F412C126}" type="datetimeFigureOut">
               <a:rPr lang="en-US" dirty="0"/>
-              <a:t>1/5/2019</a:t>
+              <a:t>1/6/2019</a:t>
             </a:fld>
             <a:endParaRPr lang="en-US" dirty="0"/>
           </a:p>
@@ -9961,7 +9961,7 @@
           <a:p>
             <a:fld id="{48A87A34-81AB-432B-8DAE-1953F412C126}" type="datetimeFigureOut">
               <a:rPr lang="en-US" dirty="0"/>
-              <a:t>1/5/2019</a:t>
+              <a:t>1/6/2019</a:t>
             </a:fld>
             <a:endParaRPr lang="en-US" dirty="0"/>
           </a:p>
@@ -10051,7 +10051,7 @@
           <a:p>
             <a:fld id="{48A87A34-81AB-432B-8DAE-1953F412C126}" type="datetimeFigureOut">
               <a:rPr lang="en-US" dirty="0"/>
-              <a:t>1/5/2019</a:t>
+              <a:t>1/6/2019</a:t>
             </a:fld>
             <a:endParaRPr lang="en-US" dirty="0"/>
           </a:p>
@@ -10295,7 +10295,7 @@
           <a:p>
             <a:fld id="{48A87A34-81AB-432B-8DAE-1953F412C126}" type="datetimeFigureOut">
               <a:rPr lang="en-US" dirty="0"/>
-              <a:t>1/5/2019</a:t>
+              <a:t>1/6/2019</a:t>
             </a:fld>
             <a:endParaRPr lang="en-US" dirty="0"/>
           </a:p>
@@ -10547,7 +10547,7 @@
           <a:p>
             <a:fld id="{48A87A34-81AB-432B-8DAE-1953F412C126}" type="datetimeFigureOut">
               <a:rPr lang="en-US" dirty="0"/>
-              <a:t>1/5/2019</a:t>
+              <a:t>1/6/2019</a:t>
             </a:fld>
             <a:endParaRPr lang="en-US" dirty="0"/>
           </a:p>
@@ -10786,7 +10786,7 @@
             <a:fld id="{48A87A34-81AB-432B-8DAE-1953F412C126}" type="datetimeFigureOut">
               <a:rPr lang="en-US" dirty="0"/>
               <a:pPr/>
-              <a:t>1/5/2019</a:t>
+              <a:t>1/6/2019</a:t>
             </a:fld>
             <a:endParaRPr lang="en-US" dirty="0"/>
           </a:p>
@@ -16172,9 +16172,10 @@
           <a:bodyPr/>
           <a:lstStyle/>
           <a:p>
-            <a:r>
-              <a:rPr lang="en-GB" dirty="0"/>
-              <a:t>WPF</a:t>
+            <a:pPr algn="ctr"/>
+            <a:r>
+              <a:rPr lang="en-GB" dirty="0"/>
+              <a:t>WPF/UWP</a:t>
             </a:r>
           </a:p>
         </p:txBody>

--- a/Debugging1.pptx
+++ b/Debugging1.pptx
@@ -5,7 +5,7 @@
     <p:sldMasterId id="2147483648" r:id="rId1"/>
   </p:sldMasterIdLst>
   <p:notesMasterIdLst>
-    <p:notesMasterId r:id="rId59"/>
+    <p:notesMasterId r:id="rId60"/>
   </p:notesMasterIdLst>
   <p:sldIdLst>
     <p:sldId id="256" r:id="rId2"/>
@@ -41,30 +41,31 @@
     <p:sldId id="291" r:id="rId32"/>
     <p:sldId id="294" r:id="rId33"/>
     <p:sldId id="293" r:id="rId34"/>
-    <p:sldId id="296" r:id="rId35"/>
-    <p:sldId id="297" r:id="rId36"/>
-    <p:sldId id="298" r:id="rId37"/>
-    <p:sldId id="299" r:id="rId38"/>
-    <p:sldId id="300" r:id="rId39"/>
-    <p:sldId id="301" r:id="rId40"/>
-    <p:sldId id="302" r:id="rId41"/>
-    <p:sldId id="279" r:id="rId42"/>
-    <p:sldId id="304" r:id="rId43"/>
-    <p:sldId id="305" r:id="rId44"/>
-    <p:sldId id="281" r:id="rId45"/>
-    <p:sldId id="315" r:id="rId46"/>
-    <p:sldId id="313" r:id="rId47"/>
-    <p:sldId id="316" r:id="rId48"/>
-    <p:sldId id="314" r:id="rId49"/>
-    <p:sldId id="303" r:id="rId50"/>
-    <p:sldId id="306" r:id="rId51"/>
-    <p:sldId id="307" r:id="rId52"/>
-    <p:sldId id="308" r:id="rId53"/>
-    <p:sldId id="309" r:id="rId54"/>
-    <p:sldId id="310" r:id="rId55"/>
-    <p:sldId id="280" r:id="rId56"/>
-    <p:sldId id="272" r:id="rId57"/>
-    <p:sldId id="318" r:id="rId58"/>
+    <p:sldId id="319" r:id="rId35"/>
+    <p:sldId id="296" r:id="rId36"/>
+    <p:sldId id="297" r:id="rId37"/>
+    <p:sldId id="298" r:id="rId38"/>
+    <p:sldId id="299" r:id="rId39"/>
+    <p:sldId id="300" r:id="rId40"/>
+    <p:sldId id="301" r:id="rId41"/>
+    <p:sldId id="302" r:id="rId42"/>
+    <p:sldId id="279" r:id="rId43"/>
+    <p:sldId id="304" r:id="rId44"/>
+    <p:sldId id="305" r:id="rId45"/>
+    <p:sldId id="281" r:id="rId46"/>
+    <p:sldId id="315" r:id="rId47"/>
+    <p:sldId id="313" r:id="rId48"/>
+    <p:sldId id="316" r:id="rId49"/>
+    <p:sldId id="314" r:id="rId50"/>
+    <p:sldId id="303" r:id="rId51"/>
+    <p:sldId id="306" r:id="rId52"/>
+    <p:sldId id="307" r:id="rId53"/>
+    <p:sldId id="308" r:id="rId54"/>
+    <p:sldId id="309" r:id="rId55"/>
+    <p:sldId id="310" r:id="rId56"/>
+    <p:sldId id="280" r:id="rId57"/>
+    <p:sldId id="272" r:id="rId58"/>
+    <p:sldId id="318" r:id="rId59"/>
   </p:sldIdLst>
   <p:sldSz cx="12192000" cy="6858000"/>
   <p:notesSz cx="6858000" cy="9144000"/>
@@ -602,7 +603,7 @@
           <a:p>
             <a:fld id="{45F49CC2-C49A-4120-BFB5-52D9153EA4E0}" type="datetimeFigureOut">
               <a:rPr lang="en-GB" smtClean="0"/>
-              <a:t>06/01/2019</a:t>
+              <a:t>07/01/2019</a:t>
             </a:fld>
             <a:endParaRPr lang="en-GB"/>
           </a:p>
@@ -3473,7 +3474,13 @@
           <a:p>
             <a:r>
               <a:rPr lang="en-GB" dirty="0"/>
-              <a:t>Nth time set very high</a:t>
+              <a:t>Performance </a:t>
+            </a:r>
+          </a:p>
+          <a:p>
+            <a:r>
+              <a:rPr lang="en-GB" dirty="0"/>
+              <a:t>Safety add is attached</a:t>
             </a:r>
           </a:p>
         </p:txBody>
@@ -3504,7 +3511,7 @@
     </p:spTree>
     <p:extLst>
       <p:ext uri="{BB962C8B-B14F-4D97-AF65-F5344CB8AC3E}">
-        <p14:creationId xmlns:p14="http://schemas.microsoft.com/office/powerpoint/2010/main" val="1972191348"/>
+        <p14:creationId xmlns:p14="http://schemas.microsoft.com/office/powerpoint/2010/main" val="3625773866"/>
       </p:ext>
     </p:extLst>
   </p:cSld>
@@ -3560,21 +3567,7 @@
           <a:p>
             <a:r>
               <a:rPr lang="en-GB" dirty="0"/>
-              <a:t>Breakpoint window – debug&gt;windows&gt;breakpoint</a:t>
-            </a:r>
-          </a:p>
-          <a:p>
-            <a:r>
-              <a:rPr lang="en-GB" dirty="0"/>
-              <a:t>Set </a:t>
-            </a:r>
-            <a:r>
-              <a:rPr lang="en-GB" dirty="0" err="1"/>
-              <a:t>hitcount</a:t>
-            </a:r>
-            <a:r>
-              <a:rPr lang="en-GB" dirty="0"/>
-              <a:t> to that amount</a:t>
+              <a:t>Nth time set very high</a:t>
             </a:r>
           </a:p>
         </p:txBody>
@@ -3605,7 +3598,7 @@
     </p:spTree>
     <p:extLst>
       <p:ext uri="{BB962C8B-B14F-4D97-AF65-F5344CB8AC3E}">
-        <p14:creationId xmlns:p14="http://schemas.microsoft.com/office/powerpoint/2010/main" val="1538981471"/>
+        <p14:creationId xmlns:p14="http://schemas.microsoft.com/office/powerpoint/2010/main" val="1972191348"/>
       </p:ext>
     </p:extLst>
   </p:cSld>
@@ -3661,7 +3654,21 @@
           <a:p>
             <a:r>
               <a:rPr lang="en-GB" dirty="0"/>
-              <a:t>Filter for threads</a:t>
+              <a:t>Breakpoint window – debug&gt;windows&gt;breakpoint</a:t>
+            </a:r>
+          </a:p>
+          <a:p>
+            <a:r>
+              <a:rPr lang="en-GB" dirty="0"/>
+              <a:t>Set </a:t>
+            </a:r>
+            <a:r>
+              <a:rPr lang="en-GB" dirty="0" err="1"/>
+              <a:t>hitcount</a:t>
+            </a:r>
+            <a:r>
+              <a:rPr lang="en-GB" dirty="0"/>
+              <a:t> to that amount</a:t>
             </a:r>
           </a:p>
         </p:txBody>
@@ -3692,7 +3699,7 @@
     </p:spTree>
     <p:extLst>
       <p:ext uri="{BB962C8B-B14F-4D97-AF65-F5344CB8AC3E}">
-        <p14:creationId xmlns:p14="http://schemas.microsoft.com/office/powerpoint/2010/main" val="2399877514"/>
+        <p14:creationId xmlns:p14="http://schemas.microsoft.com/office/powerpoint/2010/main" val="1538981471"/>
       </p:ext>
     </p:extLst>
   </p:cSld>
@@ -3748,15 +3755,7 @@
           <a:p>
             <a:r>
               <a:rPr lang="en-GB" dirty="0"/>
-              <a:t>Combined, condition – </a:t>
-            </a:r>
-            <a:r>
-              <a:rPr lang="en-GB" dirty="0" err="1"/>
-              <a:t>hitcount</a:t>
-            </a:r>
-            <a:r>
-              <a:rPr lang="en-GB" dirty="0"/>
-              <a:t>  - filter</a:t>
+              <a:t>Filter for threads</a:t>
             </a:r>
           </a:p>
         </p:txBody>
@@ -3787,7 +3786,7 @@
     </p:spTree>
     <p:extLst>
       <p:ext uri="{BB962C8B-B14F-4D97-AF65-F5344CB8AC3E}">
-        <p14:creationId xmlns:p14="http://schemas.microsoft.com/office/powerpoint/2010/main" val="2176812130"/>
+        <p14:creationId xmlns:p14="http://schemas.microsoft.com/office/powerpoint/2010/main" val="2399877514"/>
       </p:ext>
     </p:extLst>
   </p:cSld>
@@ -3843,13 +3842,15 @@
           <a:p>
             <a:r>
               <a:rPr lang="en-GB" dirty="0"/>
-              <a:t>Action – message</a:t>
-            </a:r>
-          </a:p>
-          <a:p>
-            <a:r>
-              <a:rPr lang="en-GB" dirty="0"/>
-              <a:t>Continue /stop</a:t>
+              <a:t>Combined, condition – </a:t>
+            </a:r>
+            <a:r>
+              <a:rPr lang="en-GB" dirty="0" err="1"/>
+              <a:t>hitcount</a:t>
+            </a:r>
+            <a:r>
+              <a:rPr lang="en-GB" dirty="0"/>
+              <a:t>  - filter</a:t>
             </a:r>
           </a:p>
         </p:txBody>
@@ -3880,7 +3881,7 @@
     </p:spTree>
     <p:extLst>
       <p:ext uri="{BB962C8B-B14F-4D97-AF65-F5344CB8AC3E}">
-        <p14:creationId xmlns:p14="http://schemas.microsoft.com/office/powerpoint/2010/main" val="487524158"/>
+        <p14:creationId xmlns:p14="http://schemas.microsoft.com/office/powerpoint/2010/main" val="2176812130"/>
       </p:ext>
     </p:extLst>
   </p:cSld>
@@ -3936,13 +3937,13 @@
           <a:p>
             <a:r>
               <a:rPr lang="en-GB" dirty="0"/>
-              <a:t>Set a value</a:t>
-            </a:r>
-          </a:p>
-          <a:p>
-            <a:r>
-              <a:rPr lang="en-GB" dirty="0"/>
-              <a:t>Private methods</a:t>
+              <a:t>Action – message</a:t>
+            </a:r>
+          </a:p>
+          <a:p>
+            <a:r>
+              <a:rPr lang="en-GB" dirty="0"/>
+              <a:t>Continue /stop</a:t>
             </a:r>
           </a:p>
         </p:txBody>
@@ -3973,7 +3974,7 @@
     </p:spTree>
     <p:extLst>
       <p:ext uri="{BB962C8B-B14F-4D97-AF65-F5344CB8AC3E}">
-        <p14:creationId xmlns:p14="http://schemas.microsoft.com/office/powerpoint/2010/main" val="4112569564"/>
+        <p14:creationId xmlns:p14="http://schemas.microsoft.com/office/powerpoint/2010/main" val="487524158"/>
       </p:ext>
     </p:extLst>
   </p:cSld>
@@ -4113,13 +4114,13 @@
           <a:p>
             <a:r>
               <a:rPr lang="en-GB" dirty="0"/>
-              <a:t> breakpoint window – new function</a:t>
-            </a:r>
-          </a:p>
-          <a:p>
-            <a:r>
-              <a:rPr lang="en-GB" dirty="0"/>
-              <a:t>polymorphism</a:t>
+              <a:t>Set a value</a:t>
+            </a:r>
+          </a:p>
+          <a:p>
+            <a:r>
+              <a:rPr lang="en-GB" dirty="0"/>
+              <a:t>Private methods</a:t>
             </a:r>
           </a:p>
         </p:txBody>
@@ -4150,7 +4151,7 @@
     </p:spTree>
     <p:extLst>
       <p:ext uri="{BB962C8B-B14F-4D97-AF65-F5344CB8AC3E}">
-        <p14:creationId xmlns:p14="http://schemas.microsoft.com/office/powerpoint/2010/main" val="3637565133"/>
+        <p14:creationId xmlns:p14="http://schemas.microsoft.com/office/powerpoint/2010/main" val="4112569564"/>
       </p:ext>
     </p:extLst>
   </p:cSld>
@@ -4205,12 +4206,14 @@
           <a:lstStyle/>
           <a:p>
             <a:r>
-              <a:rPr lang="en-GB" dirty="0" err="1"/>
-              <a:t>Debug?windows</a:t>
-            </a:r>
-            <a:r>
-              <a:rPr lang="en-GB" dirty="0"/>
-              <a:t> no depth</a:t>
+              <a:rPr lang="en-GB" dirty="0"/>
+              <a:t> breakpoint window – new function</a:t>
+            </a:r>
+          </a:p>
+          <a:p>
+            <a:r>
+              <a:rPr lang="en-GB" dirty="0"/>
+              <a:t>polymorphism</a:t>
             </a:r>
           </a:p>
         </p:txBody>
@@ -4241,7 +4244,7 @@
     </p:spTree>
     <p:extLst>
       <p:ext uri="{BB962C8B-B14F-4D97-AF65-F5344CB8AC3E}">
-        <p14:creationId xmlns:p14="http://schemas.microsoft.com/office/powerpoint/2010/main" val="3674958941"/>
+        <p14:creationId xmlns:p14="http://schemas.microsoft.com/office/powerpoint/2010/main" val="3637565133"/>
       </p:ext>
     </p:extLst>
   </p:cSld>
@@ -4296,16 +4299,28 @@
           <a:lstStyle/>
           <a:p>
             <a:r>
-              <a:rPr lang="en-GB" dirty="0" err="1"/>
-              <a:t>Uwp</a:t>
-            </a:r>
-            <a:r>
-              <a:rPr lang="en-GB" dirty="0"/>
-              <a:t>/ </a:t>
-            </a:r>
-            <a:r>
-              <a:rPr lang="en-GB" dirty="0" err="1"/>
-              <a:t>wpr</a:t>
+              <a:rPr lang="en-GB" sz="1200" b="1" i="0" u="none" strike="noStrike" kern="1200" dirty="0">
+                <a:solidFill>
+                  <a:schemeClr val="tx1"/>
+                </a:solidFill>
+                <a:effectLst/>
+                <a:latin typeface="+mn-lt"/>
+                <a:ea typeface="+mn-ea"/>
+                <a:cs typeface="+mn-cs"/>
+              </a:rPr>
+              <a:t>Enable address-level debugging</a:t>
+            </a:r>
+            <a:r>
+              <a:rPr lang="en-GB" sz="1200" b="0" i="0" u="none" strike="noStrike" kern="1200" dirty="0">
+                <a:solidFill>
+                  <a:schemeClr val="tx1"/>
+                </a:solidFill>
+                <a:effectLst/>
+                <a:latin typeface="+mn-lt"/>
+                <a:ea typeface="+mn-ea"/>
+                <a:cs typeface="+mn-cs"/>
+              </a:rPr>
+              <a:t>:</a:t>
             </a:r>
             <a:endParaRPr lang="en-GB" dirty="0"/>
           </a:p>
@@ -4337,7 +4352,7 @@
     </p:spTree>
     <p:extLst>
       <p:ext uri="{BB962C8B-B14F-4D97-AF65-F5344CB8AC3E}">
-        <p14:creationId xmlns:p14="http://schemas.microsoft.com/office/powerpoint/2010/main" val="2014227023"/>
+        <p14:creationId xmlns:p14="http://schemas.microsoft.com/office/powerpoint/2010/main" val="3674958941"/>
       </p:ext>
     </p:extLst>
   </p:cSld>
@@ -4392,9 +4407,18 @@
           <a:lstStyle/>
           <a:p>
             <a:r>
-              <a:rPr lang="en-GB" dirty="0"/>
-              <a:t>Look up fields and see values</a:t>
-            </a:r>
+              <a:rPr lang="en-GB" dirty="0" err="1"/>
+              <a:t>Uwp</a:t>
+            </a:r>
+            <a:r>
+              <a:rPr lang="en-GB" dirty="0"/>
+              <a:t>/ </a:t>
+            </a:r>
+            <a:r>
+              <a:rPr lang="en-GB" dirty="0" err="1"/>
+              <a:t>wpr</a:t>
+            </a:r>
+            <a:endParaRPr lang="en-GB" dirty="0"/>
           </a:p>
         </p:txBody>
       </p:sp>
@@ -4424,7 +4448,7 @@
     </p:spTree>
     <p:extLst>
       <p:ext uri="{BB962C8B-B14F-4D97-AF65-F5344CB8AC3E}">
-        <p14:creationId xmlns:p14="http://schemas.microsoft.com/office/powerpoint/2010/main" val="2418651730"/>
+        <p14:creationId xmlns:p14="http://schemas.microsoft.com/office/powerpoint/2010/main" val="2014227023"/>
       </p:ext>
     </p:extLst>
   </p:cSld>
@@ -4480,7 +4504,7 @@
           <a:p>
             <a:r>
               <a:rPr lang="en-GB" dirty="0"/>
-              <a:t>Open by visual studio</a:t>
+              <a:t>Look up fields and see values</a:t>
             </a:r>
           </a:p>
         </p:txBody>
@@ -4511,7 +4535,7 @@
     </p:spTree>
     <p:extLst>
       <p:ext uri="{BB962C8B-B14F-4D97-AF65-F5344CB8AC3E}">
-        <p14:creationId xmlns:p14="http://schemas.microsoft.com/office/powerpoint/2010/main" val="273220136"/>
+        <p14:creationId xmlns:p14="http://schemas.microsoft.com/office/powerpoint/2010/main" val="2418651730"/>
       </p:ext>
     </p:extLst>
   </p:cSld>
@@ -4567,13 +4591,8 @@
           <a:p>
             <a:r>
               <a:rPr lang="en-GB" dirty="0"/>
-              <a:t>This is what you get dump was taken whilst on the </a:t>
-            </a:r>
-            <a:r>
-              <a:rPr lang="en-GB" dirty="0" err="1"/>
-              <a:t>readline</a:t>
-            </a:r>
-            <a:endParaRPr lang="en-GB" dirty="0"/>
+              <a:t>Open by visual studio</a:t>
+            </a:r>
           </a:p>
         </p:txBody>
       </p:sp>
@@ -4603,7 +4622,7 @@
     </p:spTree>
     <p:extLst>
       <p:ext uri="{BB962C8B-B14F-4D97-AF65-F5344CB8AC3E}">
-        <p14:creationId xmlns:p14="http://schemas.microsoft.com/office/powerpoint/2010/main" val="1646806951"/>
+        <p14:creationId xmlns:p14="http://schemas.microsoft.com/office/powerpoint/2010/main" val="273220136"/>
       </p:ext>
     </p:extLst>
   </p:cSld>
@@ -4659,62 +4678,11 @@
           <a:p>
             <a:r>
               <a:rPr lang="en-GB" dirty="0"/>
-              <a:t>Program Database</a:t>
-            </a:r>
-          </a:p>
-          <a:p>
-            <a:r>
-              <a:rPr lang="en-GB" dirty="0"/>
-              <a:t>Release and Debug</a:t>
-            </a:r>
-          </a:p>
-          <a:p>
-            <a:r>
-              <a:rPr lang="en-GB" dirty="0"/>
-              <a:t>30-40,000 Microsoft 2014 windows</a:t>
-            </a:r>
-          </a:p>
-          <a:p>
-            <a:r>
-              <a:rPr lang="en-GB" dirty="0"/>
-              <a:t>Microsoft symbol server </a:t>
+              <a:t>This is what you get dump was taken whilst on the </a:t>
             </a:r>
             <a:r>
               <a:rPr lang="en-GB" dirty="0" err="1"/>
-              <a:t>.net</a:t>
-            </a:r>
-            <a:r>
-              <a:rPr lang="en-GB" dirty="0"/>
-              <a:t> framework source stepping</a:t>
-            </a:r>
-          </a:p>
-          <a:p>
-            <a:r>
-              <a:rPr lang="en-GB" dirty="0"/>
-              <a:t>Production debugging dumps</a:t>
-            </a:r>
-          </a:p>
-          <a:p>
-            <a:r>
-              <a:rPr lang="en-GB" dirty="0"/>
-              <a:t>Publish symbols when building – azure </a:t>
-            </a:r>
-            <a:r>
-              <a:rPr lang="en-GB" dirty="0" err="1"/>
-              <a:t>devops</a:t>
-            </a:r>
-            <a:endParaRPr lang="en-GB" dirty="0"/>
-          </a:p>
-          <a:p>
-            <a:r>
-              <a:rPr lang="en-GB" dirty="0"/>
-              <a:t>Source server support ticked</a:t>
-            </a:r>
-          </a:p>
-          <a:p>
-            <a:r>
-              <a:rPr lang="en-GB" dirty="0" err="1"/>
-              <a:t>sourcelink</a:t>
+              <a:t>readline</a:t>
             </a:r>
             <a:endParaRPr lang="en-GB" dirty="0"/>
           </a:p>
@@ -4746,7 +4714,7 @@
     </p:spTree>
     <p:extLst>
       <p:ext uri="{BB962C8B-B14F-4D97-AF65-F5344CB8AC3E}">
-        <p14:creationId xmlns:p14="http://schemas.microsoft.com/office/powerpoint/2010/main" val="3311641226"/>
+        <p14:creationId xmlns:p14="http://schemas.microsoft.com/office/powerpoint/2010/main" val="1646806951"/>
       </p:ext>
     </p:extLst>
   </p:cSld>
@@ -4802,58 +4770,133 @@
           <a:p>
             <a:r>
               <a:rPr lang="en-GB" dirty="0"/>
-              <a:t>Breakpoints in </a:t>
+              <a:t>Dumps, components find the correct code</a:t>
+            </a:r>
+          </a:p>
+          <a:p>
+            <a:r>
+              <a:rPr lang="en-GB" dirty="0"/>
+              <a:t>30-40,000 Microsoft 2014 windows</a:t>
+            </a:r>
+          </a:p>
+          <a:p>
+            <a:r>
+              <a:rPr lang="en-GB" dirty="0"/>
+              <a:t>Program Database</a:t>
+            </a:r>
+          </a:p>
+          <a:p>
+            <a:r>
+              <a:rPr lang="en-GB" dirty="0"/>
+              <a:t>Release and Debug</a:t>
+            </a:r>
+          </a:p>
+          <a:p>
+            <a:endParaRPr lang="en-GB" dirty="0"/>
+          </a:p>
+          <a:p>
+            <a:r>
+              <a:rPr lang="en-GB" dirty="0"/>
+              <a:t>Publish symbols when building – azure </a:t>
             </a:r>
             <a:r>
               <a:rPr lang="en-GB" dirty="0" err="1"/>
-              <a:t>javascript</a:t>
-            </a:r>
-            <a:r>
-              <a:rPr lang="en-GB" dirty="0"/>
-              <a:t> – option – though when run pointed out</a:t>
-            </a:r>
-          </a:p>
-          <a:p>
-            <a:r>
-              <a:rPr lang="en-GB" dirty="0"/>
-              <a:t>Many browsers at one time  </a:t>
+              <a:t>devops</a:t>
+            </a:r>
+            <a:endParaRPr lang="en-GB" dirty="0"/>
+          </a:p>
+          <a:p>
+            <a:r>
+              <a:rPr lang="en-GB" dirty="0"/>
+              <a:t>Add symbol server – visual studio</a:t>
+            </a:r>
+          </a:p>
+          <a:p>
+            <a:r>
+              <a:rPr lang="en-GB" dirty="0"/>
+              <a:t>Source server support</a:t>
+            </a:r>
+          </a:p>
+          <a:p>
+            <a:pPr marL="0" marR="0" lvl="0" indent="0" algn="l" defTabSz="914400" rtl="0" eaLnBrk="1" fontAlgn="auto" latinLnBrk="0" hangingPunct="1">
+              <a:lnSpc>
+                <a:spcPct val="100000"/>
+              </a:lnSpc>
+              <a:spcBef>
+                <a:spcPts val="0"/>
+              </a:spcBef>
+              <a:spcAft>
+                <a:spcPts val="0"/>
+              </a:spcAft>
+              <a:buClrTx/>
+              <a:buSzTx/>
+              <a:buFontTx/>
+              <a:buNone/>
+              <a:tabLst/>
+              <a:defRPr/>
+            </a:pPr>
+            <a:r>
+              <a:rPr lang="en-GB" dirty="0"/>
+              <a:t>3</a:t>
+            </a:r>
+            <a:r>
+              <a:rPr lang="en-GB" baseline="30000" dirty="0"/>
+              <a:t>rd</a:t>
+            </a:r>
+            <a:r>
+              <a:rPr lang="en-GB" dirty="0"/>
+              <a:t> party</a:t>
+            </a:r>
+          </a:p>
+          <a:p>
+            <a:pPr marL="0" marR="0" lvl="0" indent="0" algn="l" defTabSz="914400" rtl="0" eaLnBrk="1" fontAlgn="auto" latinLnBrk="0" hangingPunct="1">
+              <a:lnSpc>
+                <a:spcPct val="100000"/>
+              </a:lnSpc>
+              <a:spcBef>
+                <a:spcPts val="0"/>
+              </a:spcBef>
+              <a:spcAft>
+                <a:spcPts val="0"/>
+              </a:spcAft>
+              <a:buClrTx/>
+              <a:buSzTx/>
+              <a:buFontTx/>
+              <a:buNone/>
+              <a:tabLst/>
+              <a:defRPr/>
+            </a:pPr>
+            <a:r>
+              <a:rPr lang="en-GB" dirty="0"/>
+              <a:t>Microsoft symbol server </a:t>
             </a:r>
             <a:r>
               <a:rPr lang="en-GB" dirty="0" err="1"/>
-              <a:t>css</a:t>
-            </a:r>
-            <a:r>
-              <a:rPr lang="en-GB" dirty="0"/>
-              <a:t> </a:t>
-            </a:r>
+              <a:t>.net</a:t>
+            </a:r>
+            <a:r>
+              <a:rPr lang="en-GB" dirty="0"/>
+              <a:t> framework source stepping</a:t>
+            </a:r>
+          </a:p>
+          <a:p>
+            <a:r>
+              <a:rPr lang="en-GB" dirty="0"/>
+              <a:t>Enable just my code</a:t>
+            </a:r>
+          </a:p>
+          <a:p>
+            <a:r>
+              <a:rPr lang="en-GB" dirty="0"/>
+              <a:t>Source server support ticked</a:t>
+            </a:r>
+          </a:p>
+          <a:p>
             <a:r>
               <a:rPr lang="en-GB" dirty="0" err="1"/>
-              <a:t>relected</a:t>
+              <a:t>sourcelink</a:t>
             </a:r>
             <a:endParaRPr lang="en-GB" dirty="0"/>
-          </a:p>
-          <a:p>
-            <a:r>
-              <a:rPr lang="en-GB" dirty="0"/>
-              <a:t>Web essentials add in</a:t>
-            </a:r>
-          </a:p>
-          <a:p>
-            <a:r>
-              <a:rPr lang="en-GB" dirty="0"/>
-              <a:t>Sync enter one browser reflected on others ctrl alt enter – log in trouble with </a:t>
-            </a:r>
-            <a:r>
-              <a:rPr lang="en-GB" dirty="0" err="1"/>
-              <a:t>firefox</a:t>
-            </a:r>
-            <a:endParaRPr lang="en-GB" dirty="0"/>
-          </a:p>
-          <a:p>
-            <a:r>
-              <a:rPr lang="en-GB" dirty="0"/>
-              <a:t>Inspector click on icon and code shown ctrl alt I and D edit page updates file</a:t>
-            </a:r>
           </a:p>
         </p:txBody>
       </p:sp>
@@ -4883,7 +4926,7 @@
     </p:spTree>
     <p:extLst>
       <p:ext uri="{BB962C8B-B14F-4D97-AF65-F5344CB8AC3E}">
-        <p14:creationId xmlns:p14="http://schemas.microsoft.com/office/powerpoint/2010/main" val="3553099896"/>
+        <p14:creationId xmlns:p14="http://schemas.microsoft.com/office/powerpoint/2010/main" val="3311641226"/>
       </p:ext>
     </p:extLst>
   </p:cSld>
@@ -4939,7 +4982,57 @@
           <a:p>
             <a:r>
               <a:rPr lang="en-GB" dirty="0"/>
-              <a:t>Total value wrong</a:t>
+              <a:t>Breakpoints in </a:t>
+            </a:r>
+            <a:r>
+              <a:rPr lang="en-GB" dirty="0" err="1"/>
+              <a:t>javascript</a:t>
+            </a:r>
+            <a:r>
+              <a:rPr lang="en-GB" dirty="0"/>
+              <a:t> – option – though when run pointed out</a:t>
+            </a:r>
+          </a:p>
+          <a:p>
+            <a:r>
+              <a:rPr lang="en-GB" dirty="0"/>
+              <a:t>Many browsers at one time  </a:t>
+            </a:r>
+            <a:r>
+              <a:rPr lang="en-GB" dirty="0" err="1"/>
+              <a:t>css</a:t>
+            </a:r>
+            <a:r>
+              <a:rPr lang="en-GB" dirty="0"/>
+              <a:t> </a:t>
+            </a:r>
+            <a:r>
+              <a:rPr lang="en-GB" dirty="0" err="1"/>
+              <a:t>relected</a:t>
+            </a:r>
+            <a:endParaRPr lang="en-GB" dirty="0"/>
+          </a:p>
+          <a:p>
+            <a:r>
+              <a:rPr lang="en-GB" dirty="0"/>
+              <a:t>Web essentials add in</a:t>
+            </a:r>
+          </a:p>
+          <a:p>
+            <a:r>
+              <a:rPr lang="en-GB" dirty="0"/>
+              <a:t>Sync enter one browser reflected on others ctrl alt enter – log in trouble with </a:t>
+            </a:r>
+            <a:r>
+              <a:rPr lang="en-GB" dirty="0" err="1"/>
+              <a:t>firefox</a:t>
+            </a:r>
+            <a:endParaRPr lang="en-GB" dirty="0"/>
+          </a:p>
+          <a:p>
+            <a:r>
+              <a:rPr lang="en-GB" dirty="0"/>
+              <a:t>Inspector click on icon and code shown ctrl alt I and D edit page updates file</a:t>
             </a:r>
           </a:p>
         </p:txBody>
@@ -4961,7 +5054,7 @@
           <a:p>
             <a:fld id="{6FDED9D1-3D70-4123-9743-495E081B676C}" type="slidenum">
               <a:rPr lang="en-GB" smtClean="0"/>
-              <a:t>52</a:t>
+              <a:t>48</a:t>
             </a:fld>
             <a:endParaRPr lang="en-GB"/>
           </a:p>
@@ -4970,7 +5063,7 @@
     </p:spTree>
     <p:extLst>
       <p:ext uri="{BB962C8B-B14F-4D97-AF65-F5344CB8AC3E}">
-        <p14:creationId xmlns:p14="http://schemas.microsoft.com/office/powerpoint/2010/main" val="3221789560"/>
+        <p14:creationId xmlns:p14="http://schemas.microsoft.com/office/powerpoint/2010/main" val="3553099896"/>
       </p:ext>
     </p:extLst>
   </p:cSld>
@@ -5024,7 +5117,10 @@
           <a:bodyPr/>
           <a:lstStyle/>
           <a:p>
-            <a:endParaRPr lang="en-GB" dirty="0"/>
+            <a:r>
+              <a:rPr lang="en-GB" dirty="0"/>
+              <a:t>Total value wrong</a:t>
+            </a:r>
           </a:p>
         </p:txBody>
       </p:sp>
@@ -5045,7 +5141,7 @@
           <a:p>
             <a:fld id="{6FDED9D1-3D70-4123-9743-495E081B676C}" type="slidenum">
               <a:rPr lang="en-GB" smtClean="0"/>
-              <a:t>54</a:t>
+              <a:t>53</a:t>
             </a:fld>
             <a:endParaRPr lang="en-GB"/>
           </a:p>
@@ -5054,7 +5150,7 @@
     </p:spTree>
     <p:extLst>
       <p:ext uri="{BB962C8B-B14F-4D97-AF65-F5344CB8AC3E}">
-        <p14:creationId xmlns:p14="http://schemas.microsoft.com/office/powerpoint/2010/main" val="23036930"/>
+        <p14:creationId xmlns:p14="http://schemas.microsoft.com/office/powerpoint/2010/main" val="3221789560"/>
       </p:ext>
     </p:extLst>
   </p:cSld>
@@ -5213,10 +5309,6 @@
           <a:bodyPr/>
           <a:lstStyle/>
           <a:p>
-            <a:r>
-              <a:rPr lang="en-GB" dirty="0" err="1"/>
-              <a:t>ozcode</a:t>
-            </a:r>
             <a:endParaRPr lang="en-GB" dirty="0"/>
           </a:p>
         </p:txBody>
@@ -5239,6 +5331,94 @@
             <a:fld id="{6FDED9D1-3D70-4123-9743-495E081B676C}" type="slidenum">
               <a:rPr lang="en-GB" smtClean="0"/>
               <a:t>55</a:t>
+            </a:fld>
+            <a:endParaRPr lang="en-GB"/>
+          </a:p>
+        </p:txBody>
+      </p:sp>
+    </p:spTree>
+    <p:extLst>
+      <p:ext uri="{BB962C8B-B14F-4D97-AF65-F5344CB8AC3E}">
+        <p14:creationId xmlns:p14="http://schemas.microsoft.com/office/powerpoint/2010/main" val="23036930"/>
+      </p:ext>
+    </p:extLst>
+  </p:cSld>
+  <p:clrMapOvr>
+    <a:masterClrMapping/>
+  </p:clrMapOvr>
+</p:notes>
+</file>
+
+<file path=ppt/notesSlides/notesSlide51.xml><?xml version="1.0" encoding="utf-8"?>
+<p:notes xmlns:a="http://schemas.openxmlformats.org/drawingml/2006/main" xmlns:r="http://schemas.openxmlformats.org/officeDocument/2006/relationships" xmlns:p="http://schemas.openxmlformats.org/presentationml/2006/main">
+  <p:cSld>
+    <p:spTree>
+      <p:nvGrpSpPr>
+        <p:cNvPr id="1" name=""/>
+        <p:cNvGrpSpPr/>
+        <p:nvPr/>
+      </p:nvGrpSpPr>
+      <p:grpSpPr>
+        <a:xfrm>
+          <a:off x="0" y="0"/>
+          <a:ext cx="0" cy="0"/>
+          <a:chOff x="0" y="0"/>
+          <a:chExt cx="0" cy="0"/>
+        </a:xfrm>
+      </p:grpSpPr>
+      <p:sp>
+        <p:nvSpPr>
+          <p:cNvPr id="2" name="Slide Image Placeholder 1"/>
+          <p:cNvSpPr>
+            <a:spLocks noGrp="1" noRot="1" noChangeAspect="1"/>
+          </p:cNvSpPr>
+          <p:nvPr>
+            <p:ph type="sldImg"/>
+          </p:nvPr>
+        </p:nvSpPr>
+        <p:spPr/>
+      </p:sp>
+      <p:sp>
+        <p:nvSpPr>
+          <p:cNvPr id="3" name="Notes Placeholder 2"/>
+          <p:cNvSpPr>
+            <a:spLocks noGrp="1"/>
+          </p:cNvSpPr>
+          <p:nvPr>
+            <p:ph type="body" idx="1"/>
+          </p:nvPr>
+        </p:nvSpPr>
+        <p:spPr/>
+        <p:txBody>
+          <a:bodyPr/>
+          <a:lstStyle/>
+          <a:p>
+            <a:r>
+              <a:rPr lang="en-GB" dirty="0" err="1"/>
+              <a:t>ozcode</a:t>
+            </a:r>
+            <a:endParaRPr lang="en-GB" dirty="0"/>
+          </a:p>
+        </p:txBody>
+      </p:sp>
+      <p:sp>
+        <p:nvSpPr>
+          <p:cNvPr id="4" name="Slide Number Placeholder 3"/>
+          <p:cNvSpPr>
+            <a:spLocks noGrp="1"/>
+          </p:cNvSpPr>
+          <p:nvPr>
+            <p:ph type="sldNum" sz="quarter" idx="5"/>
+          </p:nvPr>
+        </p:nvSpPr>
+        <p:spPr/>
+        <p:txBody>
+          <a:bodyPr/>
+          <a:lstStyle/>
+          <a:p>
+            <a:fld id="{6FDED9D1-3D70-4123-9743-495E081B676C}" type="slidenum">
+              <a:rPr lang="en-GB" smtClean="0"/>
+              <a:t>56</a:t>
             </a:fld>
             <a:endParaRPr lang="en-GB"/>
           </a:p>
@@ -5813,7 +5993,7 @@
           <a:p>
             <a:fld id="{48A87A34-81AB-432B-8DAE-1953F412C126}" type="datetimeFigureOut">
               <a:rPr lang="en-US" dirty="0"/>
-              <a:t>1/6/2019</a:t>
+              <a:t>1/7/2019</a:t>
             </a:fld>
             <a:endParaRPr lang="en-US" dirty="0"/>
           </a:p>
@@ -6075,7 +6255,7 @@
           <a:p>
             <a:fld id="{48A87A34-81AB-432B-8DAE-1953F412C126}" type="datetimeFigureOut">
               <a:rPr lang="en-US" dirty="0"/>
-              <a:t>1/6/2019</a:t>
+              <a:t>1/7/2019</a:t>
             </a:fld>
             <a:endParaRPr lang="en-US" dirty="0"/>
           </a:p>
@@ -6302,7 +6482,7 @@
             <a:fld id="{48A87A34-81AB-432B-8DAE-1953F412C126}" type="datetimeFigureOut">
               <a:rPr lang="en-US" dirty="0"/>
               <a:pPr/>
-              <a:t>1/6/2019</a:t>
+              <a:t>1/7/2019</a:t>
             </a:fld>
             <a:endParaRPr lang="en-US" dirty="0"/>
           </a:p>
@@ -6608,7 +6788,7 @@
             <a:fld id="{48A87A34-81AB-432B-8DAE-1953F412C126}" type="datetimeFigureOut">
               <a:rPr lang="en-US" dirty="0"/>
               <a:pPr/>
-              <a:t>1/6/2019</a:t>
+              <a:t>1/7/2019</a:t>
             </a:fld>
             <a:endParaRPr lang="en-US" dirty="0"/>
           </a:p>
@@ -7077,7 +7257,7 @@
             <a:fld id="{48A87A34-81AB-432B-8DAE-1953F412C126}" type="datetimeFigureOut">
               <a:rPr lang="en-US" dirty="0"/>
               <a:pPr/>
-              <a:t>1/6/2019</a:t>
+              <a:t>1/7/2019</a:t>
             </a:fld>
             <a:endParaRPr lang="en-US" dirty="0"/>
           </a:p>
@@ -7619,7 +7799,7 @@
           <a:p>
             <a:fld id="{48A87A34-81AB-432B-8DAE-1953F412C126}" type="datetimeFigureOut">
               <a:rPr lang="en-US" dirty="0"/>
-              <a:t>1/6/2019</a:t>
+              <a:t>1/7/2019</a:t>
             </a:fld>
             <a:endParaRPr lang="en-US" dirty="0"/>
           </a:p>
@@ -8388,7 +8568,7 @@
           <a:p>
             <a:fld id="{48A87A34-81AB-432B-8DAE-1953F412C126}" type="datetimeFigureOut">
               <a:rPr lang="en-US" dirty="0"/>
-              <a:t>1/6/2019</a:t>
+              <a:t>1/7/2019</a:t>
             </a:fld>
             <a:endParaRPr lang="en-US" dirty="0"/>
           </a:p>
@@ -8558,7 +8738,7 @@
           <a:p>
             <a:fld id="{48A87A34-81AB-432B-8DAE-1953F412C126}" type="datetimeFigureOut">
               <a:rPr lang="en-US" dirty="0"/>
-              <a:t>1/6/2019</a:t>
+              <a:t>1/7/2019</a:t>
             </a:fld>
             <a:endParaRPr lang="en-US" dirty="0"/>
           </a:p>
@@ -8777,7 +8957,7 @@
             <a:fld id="{48A87A34-81AB-432B-8DAE-1953F412C126}" type="datetimeFigureOut">
               <a:rPr lang="en-US" dirty="0"/>
               <a:pPr/>
-              <a:t>1/6/2019</a:t>
+              <a:t>1/7/2019</a:t>
             </a:fld>
             <a:endParaRPr lang="en-US" dirty="0"/>
           </a:p>
@@ -8952,7 +9132,7 @@
           <a:p>
             <a:fld id="{48A87A34-81AB-432B-8DAE-1953F412C126}" type="datetimeFigureOut">
               <a:rPr lang="en-US" dirty="0"/>
-              <a:t>1/6/2019</a:t>
+              <a:t>1/7/2019</a:t>
             </a:fld>
             <a:endParaRPr lang="en-US" dirty="0"/>
           </a:p>
@@ -9237,7 +9417,7 @@
             <a:fld id="{48A87A34-81AB-432B-8DAE-1953F412C126}" type="datetimeFigureOut">
               <a:rPr lang="en-US" dirty="0"/>
               <a:pPr/>
-              <a:t>1/6/2019</a:t>
+              <a:t>1/7/2019</a:t>
             </a:fld>
             <a:endParaRPr lang="en-US" dirty="0"/>
           </a:p>
@@ -9474,7 +9654,7 @@
           <a:p>
             <a:fld id="{48A87A34-81AB-432B-8DAE-1953F412C126}" type="datetimeFigureOut">
               <a:rPr lang="en-US" dirty="0"/>
-              <a:t>1/6/2019</a:t>
+              <a:t>1/7/2019</a:t>
             </a:fld>
             <a:endParaRPr lang="en-US" dirty="0"/>
           </a:p>
@@ -9848,7 +10028,7 @@
           <a:p>
             <a:fld id="{48A87A34-81AB-432B-8DAE-1953F412C126}" type="datetimeFigureOut">
               <a:rPr lang="en-US" dirty="0"/>
-              <a:t>1/6/2019</a:t>
+              <a:t>1/7/2019</a:t>
             </a:fld>
             <a:endParaRPr lang="en-US" dirty="0"/>
           </a:p>
@@ -9961,7 +10141,7 @@
           <a:p>
             <a:fld id="{48A87A34-81AB-432B-8DAE-1953F412C126}" type="datetimeFigureOut">
               <a:rPr lang="en-US" dirty="0"/>
-              <a:t>1/6/2019</a:t>
+              <a:t>1/7/2019</a:t>
             </a:fld>
             <a:endParaRPr lang="en-US" dirty="0"/>
           </a:p>
@@ -10051,7 +10231,7 @@
           <a:p>
             <a:fld id="{48A87A34-81AB-432B-8DAE-1953F412C126}" type="datetimeFigureOut">
               <a:rPr lang="en-US" dirty="0"/>
-              <a:t>1/6/2019</a:t>
+              <a:t>1/7/2019</a:t>
             </a:fld>
             <a:endParaRPr lang="en-US" dirty="0"/>
           </a:p>
@@ -10295,7 +10475,7 @@
           <a:p>
             <a:fld id="{48A87A34-81AB-432B-8DAE-1953F412C126}" type="datetimeFigureOut">
               <a:rPr lang="en-US" dirty="0"/>
-              <a:t>1/6/2019</a:t>
+              <a:t>1/7/2019</a:t>
             </a:fld>
             <a:endParaRPr lang="en-US" dirty="0"/>
           </a:p>
@@ -10547,7 +10727,7 @@
           <a:p>
             <a:fld id="{48A87A34-81AB-432B-8DAE-1953F412C126}" type="datetimeFigureOut">
               <a:rPr lang="en-US" dirty="0"/>
-              <a:t>1/6/2019</a:t>
+              <a:t>1/7/2019</a:t>
             </a:fld>
             <a:endParaRPr lang="en-US" dirty="0"/>
           </a:p>
@@ -10786,7 +10966,7 @@
             <a:fld id="{48A87A34-81AB-432B-8DAE-1953F412C126}" type="datetimeFigureOut">
               <a:rPr lang="en-US" dirty="0"/>
               <a:pPr/>
-              <a:t>1/6/2019</a:t>
+              <a:t>1/7/2019</a:t>
             </a:fld>
             <a:endParaRPr lang="en-US" dirty="0"/>
           </a:p>
@@ -14894,15 +15074,7 @@
           <a:p>
             <a:r>
               <a:rPr lang="en-GB" dirty="0"/>
-              <a:t>                if ((</a:t>
-            </a:r>
-            <a:r>
-              <a:rPr lang="en-GB" dirty="0" err="1"/>
-              <a:t>Debugger.IsAttached</a:t>
-            </a:r>
-            <a:r>
-              <a:rPr lang="en-GB" dirty="0"/>
-              <a:t>) &amp;&amp; (</a:t>
+              <a:t>                if (</a:t>
             </a:r>
             <a:r>
               <a:rPr lang="en-GB" dirty="0" err="1"/>
@@ -14910,8 +15082,13 @@
             </a:r>
             <a:r>
               <a:rPr lang="en-GB" dirty="0"/>
-              <a:t>==5))</a:t>
-            </a:r>
+              <a:t>==</a:t>
+            </a:r>
+            <a:r>
+              <a:rPr lang="en-GB"/>
+              <a:t>5)</a:t>
+            </a:r>
+            <a:endParaRPr lang="en-GB" dirty="0"/>
           </a:p>
           <a:p>
             <a:r>
@@ -15010,6 +15187,210 @@
           <p:cNvPr id="2" name="Title 1">
             <a:extLst>
               <a:ext uri="{FF2B5EF4-FFF2-40B4-BE49-F238E27FC236}">
+                <a16:creationId xmlns:a16="http://schemas.microsoft.com/office/drawing/2014/main" id="{1825F26B-21B5-440F-BBCF-349A0C816CBF}"/>
+              </a:ext>
+            </a:extLst>
+          </p:cNvPr>
+          <p:cNvSpPr>
+            <a:spLocks noGrp="1"/>
+          </p:cNvSpPr>
+          <p:nvPr>
+            <p:ph type="title"/>
+          </p:nvPr>
+        </p:nvSpPr>
+        <p:spPr/>
+        <p:txBody>
+          <a:bodyPr/>
+          <a:lstStyle/>
+          <a:p>
+            <a:pPr algn="ctr"/>
+            <a:r>
+              <a:rPr lang="en-GB" dirty="0"/>
+              <a:t>Breakpoints</a:t>
+            </a:r>
+            <a:br>
+              <a:rPr lang="en-GB" dirty="0"/>
+            </a:br>
+            <a:r>
+              <a:rPr lang="en-GB" dirty="0"/>
+              <a:t>conditional</a:t>
+            </a:r>
+          </a:p>
+        </p:txBody>
+      </p:sp>
+      <p:sp>
+        <p:nvSpPr>
+          <p:cNvPr id="9" name="Content Placeholder 8">
+            <a:extLst>
+              <a:ext uri="{FF2B5EF4-FFF2-40B4-BE49-F238E27FC236}">
+                <a16:creationId xmlns:a16="http://schemas.microsoft.com/office/drawing/2014/main" id="{01F02419-9B8F-4C87-9B39-48FD71C17B45}"/>
+              </a:ext>
+            </a:extLst>
+          </p:cNvPr>
+          <p:cNvSpPr>
+            <a:spLocks noGrp="1"/>
+          </p:cNvSpPr>
+          <p:nvPr>
+            <p:ph idx="1"/>
+          </p:nvPr>
+        </p:nvSpPr>
+        <p:spPr/>
+        <p:txBody>
+          <a:bodyPr>
+            <a:normAutofit fontScale="92500" lnSpcReduction="20000"/>
+          </a:bodyPr>
+          <a:lstStyle/>
+          <a:p>
+            <a:r>
+              <a:rPr lang="en-GB" dirty="0"/>
+              <a:t>private static void </a:t>
+            </a:r>
+            <a:r>
+              <a:rPr lang="en-GB" dirty="0" err="1"/>
+              <a:t>ConditionalBreakpoints</a:t>
+            </a:r>
+            <a:r>
+              <a:rPr lang="en-GB" dirty="0"/>
+              <a:t>()</a:t>
+            </a:r>
+          </a:p>
+          <a:p>
+            <a:r>
+              <a:rPr lang="en-GB" dirty="0"/>
+              <a:t>        {</a:t>
+            </a:r>
+          </a:p>
+          <a:p>
+            <a:r>
+              <a:rPr lang="nn-NO" dirty="0"/>
+              <a:t>            for (var i = 0; i &lt; 10; i++)</a:t>
+            </a:r>
+          </a:p>
+          <a:p>
+            <a:r>
+              <a:rPr lang="en-GB" dirty="0"/>
+              <a:t>            {</a:t>
+            </a:r>
+          </a:p>
+          <a:p>
+            <a:r>
+              <a:rPr lang="en-GB" dirty="0"/>
+              <a:t>                if ((</a:t>
+            </a:r>
+            <a:r>
+              <a:rPr lang="en-GB" dirty="0" err="1"/>
+              <a:t>Debugger.IsAttached</a:t>
+            </a:r>
+            <a:r>
+              <a:rPr lang="en-GB" dirty="0"/>
+              <a:t>) &amp;&amp; (</a:t>
+            </a:r>
+            <a:r>
+              <a:rPr lang="en-GB" dirty="0" err="1"/>
+              <a:t>i</a:t>
+            </a:r>
+            <a:r>
+              <a:rPr lang="en-GB" dirty="0"/>
+              <a:t>==5))</a:t>
+            </a:r>
+          </a:p>
+          <a:p>
+            <a:r>
+              <a:rPr lang="en-GB" dirty="0"/>
+              <a:t>                {</a:t>
+            </a:r>
+          </a:p>
+          <a:p>
+            <a:r>
+              <a:rPr lang="en-GB" dirty="0"/>
+              <a:t>                    </a:t>
+            </a:r>
+            <a:r>
+              <a:rPr lang="en-GB" dirty="0" err="1"/>
+              <a:t>Debugger.Break</a:t>
+            </a:r>
+            <a:r>
+              <a:rPr lang="en-GB" dirty="0"/>
+              <a:t>();</a:t>
+            </a:r>
+          </a:p>
+          <a:p>
+            <a:r>
+              <a:rPr lang="en-GB" dirty="0"/>
+              <a:t>                }</a:t>
+            </a:r>
+          </a:p>
+          <a:p>
+            <a:r>
+              <a:rPr lang="en-GB" dirty="0"/>
+              <a:t>                </a:t>
+            </a:r>
+            <a:r>
+              <a:rPr lang="en-GB" dirty="0" err="1"/>
+              <a:t>Console.WriteLine</a:t>
+            </a:r>
+            <a:r>
+              <a:rPr lang="en-GB" dirty="0"/>
+              <a:t>($"The value is {</a:t>
+            </a:r>
+            <a:r>
+              <a:rPr lang="en-GB" dirty="0" err="1"/>
+              <a:t>i</a:t>
+            </a:r>
+            <a:r>
+              <a:rPr lang="en-GB" dirty="0"/>
+              <a:t>}");</a:t>
+            </a:r>
+          </a:p>
+          <a:p>
+            <a:r>
+              <a:rPr lang="en-GB" dirty="0"/>
+              <a:t>            }</a:t>
+            </a:r>
+          </a:p>
+          <a:p>
+            <a:r>
+              <a:rPr lang="en-GB" dirty="0"/>
+              <a:t>        }</a:t>
+            </a:r>
+          </a:p>
+        </p:txBody>
+      </p:sp>
+    </p:spTree>
+    <p:extLst>
+      <p:ext uri="{BB962C8B-B14F-4D97-AF65-F5344CB8AC3E}">
+        <p14:creationId xmlns:p14="http://schemas.microsoft.com/office/powerpoint/2010/main" val="1342965391"/>
+      </p:ext>
+    </p:extLst>
+  </p:cSld>
+  <p:clrMapOvr>
+    <a:masterClrMapping/>
+  </p:clrMapOvr>
+</p:sld>
+</file>
+
+<file path=ppt/slides/slide35.xml><?xml version="1.0" encoding="utf-8"?>
+<p:sld xmlns:a="http://schemas.openxmlformats.org/drawingml/2006/main" xmlns:r="http://schemas.openxmlformats.org/officeDocument/2006/relationships" xmlns:p="http://schemas.openxmlformats.org/presentationml/2006/main">
+  <p:cSld>
+    <p:spTree>
+      <p:nvGrpSpPr>
+        <p:cNvPr id="1" name=""/>
+        <p:cNvGrpSpPr/>
+        <p:nvPr/>
+      </p:nvGrpSpPr>
+      <p:grpSpPr>
+        <a:xfrm>
+          <a:off x="0" y="0"/>
+          <a:ext cx="0" cy="0"/>
+          <a:chOff x="0" y="0"/>
+          <a:chExt cx="0" cy="0"/>
+        </a:xfrm>
+      </p:grpSpPr>
+      <p:sp>
+        <p:nvSpPr>
+          <p:cNvPr id="2" name="Title 1">
+            <a:extLst>
+              <a:ext uri="{FF2B5EF4-FFF2-40B4-BE49-F238E27FC236}">
                 <a16:creationId xmlns:a16="http://schemas.microsoft.com/office/drawing/2014/main" id="{8C7D7321-FDF9-4E52-A123-92089767DE96}"/>
               </a:ext>
             </a:extLst>
@@ -15086,7 +15467,7 @@
 </p:sld>
 </file>
 
-<file path=ppt/slides/slide35.xml><?xml version="1.0" encoding="utf-8"?>
+<file path=ppt/slides/slide36.xml><?xml version="1.0" encoding="utf-8"?>
 <p:sld xmlns:a="http://schemas.openxmlformats.org/drawingml/2006/main" xmlns:r="http://schemas.openxmlformats.org/officeDocument/2006/relationships" xmlns:p="http://schemas.openxmlformats.org/presentationml/2006/main">
   <p:cSld>
     <p:spTree>
@@ -15360,7 +15741,7 @@
 </p:sld>
 </file>
 
-<file path=ppt/slides/slide36.xml><?xml version="1.0" encoding="utf-8"?>
+<file path=ppt/slides/slide37.xml><?xml version="1.0" encoding="utf-8"?>
 <p:sld xmlns:a="http://schemas.openxmlformats.org/drawingml/2006/main" xmlns:r="http://schemas.openxmlformats.org/officeDocument/2006/relationships" xmlns:p="http://schemas.openxmlformats.org/presentationml/2006/main">
   <p:cSld>
     <p:spTree>
@@ -15458,7 +15839,7 @@
 </p:sld>
 </file>
 
-<file path=ppt/slides/slide37.xml><?xml version="1.0" encoding="utf-8"?>
+<file path=ppt/slides/slide38.xml><?xml version="1.0" encoding="utf-8"?>
 <p:sld xmlns:a="http://schemas.openxmlformats.org/drawingml/2006/main" xmlns:r="http://schemas.openxmlformats.org/officeDocument/2006/relationships" xmlns:p="http://schemas.openxmlformats.org/presentationml/2006/main">
   <p:cSld>
     <p:spTree>
@@ -15553,7 +15934,7 @@
 </p:sld>
 </file>
 
-<file path=ppt/slides/slide38.xml><?xml version="1.0" encoding="utf-8"?>
+<file path=ppt/slides/slide39.xml><?xml version="1.0" encoding="utf-8"?>
 <p:sld xmlns:a="http://schemas.openxmlformats.org/drawingml/2006/main" xmlns:r="http://schemas.openxmlformats.org/officeDocument/2006/relationships" xmlns:p="http://schemas.openxmlformats.org/presentationml/2006/main">
   <p:cSld>
     <p:spTree>
@@ -15674,7 +16055,99 @@
 </p:sld>
 </file>
 
-<file path=ppt/slides/slide39.xml><?xml version="1.0" encoding="utf-8"?>
+<file path=ppt/slides/slide4.xml><?xml version="1.0" encoding="utf-8"?>
+<p:sld xmlns:a="http://schemas.openxmlformats.org/drawingml/2006/main" xmlns:r="http://schemas.openxmlformats.org/officeDocument/2006/relationships" xmlns:p="http://schemas.openxmlformats.org/presentationml/2006/main">
+  <p:cSld>
+    <p:spTree>
+      <p:nvGrpSpPr>
+        <p:cNvPr id="1" name=""/>
+        <p:cNvGrpSpPr/>
+        <p:nvPr/>
+      </p:nvGrpSpPr>
+      <p:grpSpPr>
+        <a:xfrm>
+          <a:off x="0" y="0"/>
+          <a:ext cx="0" cy="0"/>
+          <a:chOff x="0" y="0"/>
+          <a:chExt cx="0" cy="0"/>
+        </a:xfrm>
+      </p:grpSpPr>
+      <p:sp>
+        <p:nvSpPr>
+          <p:cNvPr id="2" name="Title 1">
+            <a:extLst>
+              <a:ext uri="{FF2B5EF4-FFF2-40B4-BE49-F238E27FC236}">
+                <a16:creationId xmlns:a16="http://schemas.microsoft.com/office/drawing/2014/main" id="{A5D3EAC9-AAEB-45AC-AB56-ABDF8D464FE5}"/>
+              </a:ext>
+            </a:extLst>
+          </p:cNvPr>
+          <p:cNvSpPr>
+            <a:spLocks noGrp="1"/>
+          </p:cNvSpPr>
+          <p:nvPr>
+            <p:ph type="title"/>
+          </p:nvPr>
+        </p:nvSpPr>
+        <p:spPr/>
+        <p:txBody>
+          <a:bodyPr/>
+          <a:lstStyle/>
+          <a:p>
+            <a:r>
+              <a:rPr lang="en-GB" dirty="0"/>
+              <a:t>Visual Studio Options</a:t>
+            </a:r>
+          </a:p>
+        </p:txBody>
+      </p:sp>
+      <p:sp>
+        <p:nvSpPr>
+          <p:cNvPr id="3" name="Content Placeholder 2">
+            <a:extLst>
+              <a:ext uri="{FF2B5EF4-FFF2-40B4-BE49-F238E27FC236}">
+                <a16:creationId xmlns:a16="http://schemas.microsoft.com/office/drawing/2014/main" id="{7A8990B5-D9E6-4B6B-BEED-1FF98C4F8D04}"/>
+              </a:ext>
+            </a:extLst>
+          </p:cNvPr>
+          <p:cNvSpPr>
+            <a:spLocks noGrp="1"/>
+          </p:cNvSpPr>
+          <p:nvPr>
+            <p:ph idx="1"/>
+          </p:nvPr>
+        </p:nvSpPr>
+        <p:spPr/>
+        <p:txBody>
+          <a:bodyPr/>
+          <a:lstStyle/>
+          <a:p>
+            <a:r>
+              <a:rPr lang="en-GB" dirty="0"/>
+              <a:t>Debugging Options</a:t>
+            </a:r>
+          </a:p>
+          <a:p>
+            <a:r>
+              <a:rPr lang="en-GB" dirty="0"/>
+              <a:t>Exception Options</a:t>
+            </a:r>
+          </a:p>
+        </p:txBody>
+      </p:sp>
+    </p:spTree>
+    <p:extLst>
+      <p:ext uri="{BB962C8B-B14F-4D97-AF65-F5344CB8AC3E}">
+        <p14:creationId xmlns:p14="http://schemas.microsoft.com/office/powerpoint/2010/main" val="1455799755"/>
+      </p:ext>
+    </p:extLst>
+  </p:cSld>
+  <p:clrMapOvr>
+    <a:masterClrMapping/>
+  </p:clrMapOvr>
+</p:sld>
+</file>
+
+<file path=ppt/slides/slide40.xml><?xml version="1.0" encoding="utf-8"?>
 <p:sld xmlns:a="http://schemas.openxmlformats.org/drawingml/2006/main" xmlns:r="http://schemas.openxmlformats.org/officeDocument/2006/relationships" xmlns:p="http://schemas.openxmlformats.org/presentationml/2006/main">
   <p:cSld>
     <p:spTree>
@@ -15823,99 +16296,7 @@
 </p:sld>
 </file>
 
-<file path=ppt/slides/slide4.xml><?xml version="1.0" encoding="utf-8"?>
-<p:sld xmlns:a="http://schemas.openxmlformats.org/drawingml/2006/main" xmlns:r="http://schemas.openxmlformats.org/officeDocument/2006/relationships" xmlns:p="http://schemas.openxmlformats.org/presentationml/2006/main">
-  <p:cSld>
-    <p:spTree>
-      <p:nvGrpSpPr>
-        <p:cNvPr id="1" name=""/>
-        <p:cNvGrpSpPr/>
-        <p:nvPr/>
-      </p:nvGrpSpPr>
-      <p:grpSpPr>
-        <a:xfrm>
-          <a:off x="0" y="0"/>
-          <a:ext cx="0" cy="0"/>
-          <a:chOff x="0" y="0"/>
-          <a:chExt cx="0" cy="0"/>
-        </a:xfrm>
-      </p:grpSpPr>
-      <p:sp>
-        <p:nvSpPr>
-          <p:cNvPr id="2" name="Title 1">
-            <a:extLst>
-              <a:ext uri="{FF2B5EF4-FFF2-40B4-BE49-F238E27FC236}">
-                <a16:creationId xmlns:a16="http://schemas.microsoft.com/office/drawing/2014/main" id="{A5D3EAC9-AAEB-45AC-AB56-ABDF8D464FE5}"/>
-              </a:ext>
-            </a:extLst>
-          </p:cNvPr>
-          <p:cNvSpPr>
-            <a:spLocks noGrp="1"/>
-          </p:cNvSpPr>
-          <p:nvPr>
-            <p:ph type="title"/>
-          </p:nvPr>
-        </p:nvSpPr>
-        <p:spPr/>
-        <p:txBody>
-          <a:bodyPr/>
-          <a:lstStyle/>
-          <a:p>
-            <a:r>
-              <a:rPr lang="en-GB" dirty="0"/>
-              <a:t>Visual Studio Options</a:t>
-            </a:r>
-          </a:p>
-        </p:txBody>
-      </p:sp>
-      <p:sp>
-        <p:nvSpPr>
-          <p:cNvPr id="3" name="Content Placeholder 2">
-            <a:extLst>
-              <a:ext uri="{FF2B5EF4-FFF2-40B4-BE49-F238E27FC236}">
-                <a16:creationId xmlns:a16="http://schemas.microsoft.com/office/drawing/2014/main" id="{7A8990B5-D9E6-4B6B-BEED-1FF98C4F8D04}"/>
-              </a:ext>
-            </a:extLst>
-          </p:cNvPr>
-          <p:cNvSpPr>
-            <a:spLocks noGrp="1"/>
-          </p:cNvSpPr>
-          <p:nvPr>
-            <p:ph idx="1"/>
-          </p:nvPr>
-        </p:nvSpPr>
-        <p:spPr/>
-        <p:txBody>
-          <a:bodyPr/>
-          <a:lstStyle/>
-          <a:p>
-            <a:r>
-              <a:rPr lang="en-GB" dirty="0"/>
-              <a:t>Debugging Options</a:t>
-            </a:r>
-          </a:p>
-          <a:p>
-            <a:r>
-              <a:rPr lang="en-GB" dirty="0"/>
-              <a:t>Exception Options</a:t>
-            </a:r>
-          </a:p>
-        </p:txBody>
-      </p:sp>
-    </p:spTree>
-    <p:extLst>
-      <p:ext uri="{BB962C8B-B14F-4D97-AF65-F5344CB8AC3E}">
-        <p14:creationId xmlns:p14="http://schemas.microsoft.com/office/powerpoint/2010/main" val="1455799755"/>
-      </p:ext>
-    </p:extLst>
-  </p:cSld>
-  <p:clrMapOvr>
-    <a:masterClrMapping/>
-  </p:clrMapOvr>
-</p:sld>
-</file>
-
-<file path=ppt/slides/slide40.xml><?xml version="1.0" encoding="utf-8"?>
+<file path=ppt/slides/slide41.xml><?xml version="1.0" encoding="utf-8"?>
 <p:sld xmlns:a="http://schemas.openxmlformats.org/drawingml/2006/main" xmlns:r="http://schemas.openxmlformats.org/officeDocument/2006/relationships" xmlns:p="http://schemas.openxmlformats.org/presentationml/2006/main">
   <p:cSld>
     <p:spTree>
@@ -16036,104 +16417,6 @@
 </p:sld>
 </file>
 
-<file path=ppt/slides/slide41.xml><?xml version="1.0" encoding="utf-8"?>
-<p:sld xmlns:a="http://schemas.openxmlformats.org/drawingml/2006/main" xmlns:r="http://schemas.openxmlformats.org/officeDocument/2006/relationships" xmlns:p="http://schemas.openxmlformats.org/presentationml/2006/main">
-  <p:cSld>
-    <p:spTree>
-      <p:nvGrpSpPr>
-        <p:cNvPr id="1" name=""/>
-        <p:cNvGrpSpPr/>
-        <p:nvPr/>
-      </p:nvGrpSpPr>
-      <p:grpSpPr>
-        <a:xfrm>
-          <a:off x="0" y="0"/>
-          <a:ext cx="0" cy="0"/>
-          <a:chOff x="0" y="0"/>
-          <a:chExt cx="0" cy="0"/>
-        </a:xfrm>
-      </p:grpSpPr>
-      <p:sp>
-        <p:nvSpPr>
-          <p:cNvPr id="2" name="Title 1">
-            <a:extLst>
-              <a:ext uri="{FF2B5EF4-FFF2-40B4-BE49-F238E27FC236}">
-                <a16:creationId xmlns:a16="http://schemas.microsoft.com/office/drawing/2014/main" id="{6D25F711-8941-4F3A-88D6-FB08DF347FD3}"/>
-              </a:ext>
-            </a:extLst>
-          </p:cNvPr>
-          <p:cNvSpPr>
-            <a:spLocks noGrp="1"/>
-          </p:cNvSpPr>
-          <p:nvPr>
-            <p:ph type="title"/>
-          </p:nvPr>
-        </p:nvSpPr>
-        <p:spPr/>
-        <p:txBody>
-          <a:bodyPr/>
-          <a:lstStyle/>
-          <a:p>
-            <a:r>
-              <a:rPr lang="en-GB" dirty="0"/>
-              <a:t>Address level debugging</a:t>
-            </a:r>
-          </a:p>
-        </p:txBody>
-      </p:sp>
-      <p:sp>
-        <p:nvSpPr>
-          <p:cNvPr id="3" name="Content Placeholder 2">
-            <a:extLst>
-              <a:ext uri="{FF2B5EF4-FFF2-40B4-BE49-F238E27FC236}">
-                <a16:creationId xmlns:a16="http://schemas.microsoft.com/office/drawing/2014/main" id="{89340D52-6F6B-4EAA-A6DB-7122E33AA7AD}"/>
-              </a:ext>
-            </a:extLst>
-          </p:cNvPr>
-          <p:cNvSpPr>
-            <a:spLocks noGrp="1"/>
-          </p:cNvSpPr>
-          <p:nvPr>
-            <p:ph idx="1"/>
-          </p:nvPr>
-        </p:nvSpPr>
-        <p:spPr/>
-        <p:txBody>
-          <a:bodyPr/>
-          <a:lstStyle/>
-          <a:p>
-            <a:r>
-              <a:rPr lang="en-GB" dirty="0"/>
-              <a:t>Memory</a:t>
-            </a:r>
-          </a:p>
-          <a:p>
-            <a:r>
-              <a:rPr lang="en-GB" dirty="0"/>
-              <a:t>Disassembly</a:t>
-            </a:r>
-          </a:p>
-          <a:p>
-            <a:r>
-              <a:rPr lang="en-GB" dirty="0"/>
-              <a:t>Registers</a:t>
-            </a:r>
-          </a:p>
-        </p:txBody>
-      </p:sp>
-    </p:spTree>
-    <p:extLst>
-      <p:ext uri="{BB962C8B-B14F-4D97-AF65-F5344CB8AC3E}">
-        <p14:creationId xmlns:p14="http://schemas.microsoft.com/office/powerpoint/2010/main" val="2917535417"/>
-      </p:ext>
-    </p:extLst>
-  </p:cSld>
-  <p:clrMapOvr>
-    <a:masterClrMapping/>
-  </p:clrMapOvr>
-</p:sld>
-</file>
-
 <file path=ppt/slides/slide42.xml><?xml version="1.0" encoding="utf-8"?>
 <p:sld xmlns:a="http://schemas.openxmlformats.org/drawingml/2006/main" xmlns:r="http://schemas.openxmlformats.org/officeDocument/2006/relationships" xmlns:p="http://schemas.openxmlformats.org/presentationml/2006/main">
   <p:cSld>
@@ -16156,6 +16439,104 @@
           <p:cNvPr id="2" name="Title 1">
             <a:extLst>
               <a:ext uri="{FF2B5EF4-FFF2-40B4-BE49-F238E27FC236}">
+                <a16:creationId xmlns:a16="http://schemas.microsoft.com/office/drawing/2014/main" id="{6D25F711-8941-4F3A-88D6-FB08DF347FD3}"/>
+              </a:ext>
+            </a:extLst>
+          </p:cNvPr>
+          <p:cNvSpPr>
+            <a:spLocks noGrp="1"/>
+          </p:cNvSpPr>
+          <p:nvPr>
+            <p:ph type="title"/>
+          </p:nvPr>
+        </p:nvSpPr>
+        <p:spPr/>
+        <p:txBody>
+          <a:bodyPr/>
+          <a:lstStyle/>
+          <a:p>
+            <a:r>
+              <a:rPr lang="en-GB" dirty="0"/>
+              <a:t>Address level debugging</a:t>
+            </a:r>
+          </a:p>
+        </p:txBody>
+      </p:sp>
+      <p:sp>
+        <p:nvSpPr>
+          <p:cNvPr id="3" name="Content Placeholder 2">
+            <a:extLst>
+              <a:ext uri="{FF2B5EF4-FFF2-40B4-BE49-F238E27FC236}">
+                <a16:creationId xmlns:a16="http://schemas.microsoft.com/office/drawing/2014/main" id="{89340D52-6F6B-4EAA-A6DB-7122E33AA7AD}"/>
+              </a:ext>
+            </a:extLst>
+          </p:cNvPr>
+          <p:cNvSpPr>
+            <a:spLocks noGrp="1"/>
+          </p:cNvSpPr>
+          <p:nvPr>
+            <p:ph idx="1"/>
+          </p:nvPr>
+        </p:nvSpPr>
+        <p:spPr/>
+        <p:txBody>
+          <a:bodyPr/>
+          <a:lstStyle/>
+          <a:p>
+            <a:r>
+              <a:rPr lang="en-GB" dirty="0"/>
+              <a:t>Memory</a:t>
+            </a:r>
+          </a:p>
+          <a:p>
+            <a:r>
+              <a:rPr lang="en-GB" dirty="0"/>
+              <a:t>Disassembly</a:t>
+            </a:r>
+          </a:p>
+          <a:p>
+            <a:r>
+              <a:rPr lang="en-GB" dirty="0"/>
+              <a:t>Registers</a:t>
+            </a:r>
+          </a:p>
+        </p:txBody>
+      </p:sp>
+    </p:spTree>
+    <p:extLst>
+      <p:ext uri="{BB962C8B-B14F-4D97-AF65-F5344CB8AC3E}">
+        <p14:creationId xmlns:p14="http://schemas.microsoft.com/office/powerpoint/2010/main" val="2917535417"/>
+      </p:ext>
+    </p:extLst>
+  </p:cSld>
+  <p:clrMapOvr>
+    <a:masterClrMapping/>
+  </p:clrMapOvr>
+</p:sld>
+</file>
+
+<file path=ppt/slides/slide43.xml><?xml version="1.0" encoding="utf-8"?>
+<p:sld xmlns:a="http://schemas.openxmlformats.org/drawingml/2006/main" xmlns:r="http://schemas.openxmlformats.org/officeDocument/2006/relationships" xmlns:p="http://schemas.openxmlformats.org/presentationml/2006/main">
+  <p:cSld>
+    <p:spTree>
+      <p:nvGrpSpPr>
+        <p:cNvPr id="1" name=""/>
+        <p:cNvGrpSpPr/>
+        <p:nvPr/>
+      </p:nvGrpSpPr>
+      <p:grpSpPr>
+        <a:xfrm>
+          <a:off x="0" y="0"/>
+          <a:ext cx="0" cy="0"/>
+          <a:chOff x="0" y="0"/>
+          <a:chExt cx="0" cy="0"/>
+        </a:xfrm>
+      </p:grpSpPr>
+      <p:sp>
+        <p:nvSpPr>
+          <p:cNvPr id="2" name="Title 1">
+            <a:extLst>
+              <a:ext uri="{FF2B5EF4-FFF2-40B4-BE49-F238E27FC236}">
                 <a16:creationId xmlns:a16="http://schemas.microsoft.com/office/drawing/2014/main" id="{53F99EE7-6F9E-4C69-A618-F9EDE4A52F98}"/>
               </a:ext>
             </a:extLst>
@@ -16230,7 +16611,7 @@
 </p:sld>
 </file>
 
-<file path=ppt/slides/slide43.xml><?xml version="1.0" encoding="utf-8"?>
+<file path=ppt/slides/slide44.xml><?xml version="1.0" encoding="utf-8"?>
 <p:sld xmlns:a="http://schemas.openxmlformats.org/drawingml/2006/main" xmlns:r="http://schemas.openxmlformats.org/officeDocument/2006/relationships" xmlns:p="http://schemas.openxmlformats.org/presentationml/2006/main">
   <p:cSld>
     <p:spTree>
@@ -16359,7 +16740,7 @@
 </p:sld>
 </file>
 
-<file path=ppt/slides/slide44.xml><?xml version="1.0" encoding="utf-8"?>
+<file path=ppt/slides/slide45.xml><?xml version="1.0" encoding="utf-8"?>
 <p:sld xmlns:a="http://schemas.openxmlformats.org/drawingml/2006/main" xmlns:r="http://schemas.openxmlformats.org/officeDocument/2006/relationships" xmlns:p="http://schemas.openxmlformats.org/presentationml/2006/main">
   <p:cSld>
     <p:spTree>
@@ -16450,7 +16831,7 @@
 </p:sld>
 </file>
 
-<file path=ppt/slides/slide45.xml><?xml version="1.0" encoding="utf-8"?>
+<file path=ppt/slides/slide46.xml><?xml version="1.0" encoding="utf-8"?>
 <p:sld xmlns:a="http://schemas.openxmlformats.org/drawingml/2006/main" xmlns:r="http://schemas.openxmlformats.org/officeDocument/2006/relationships" xmlns:p="http://schemas.openxmlformats.org/presentationml/2006/main">
   <p:cSld>
     <p:spTree>
@@ -16538,102 +16919,6 @@
 </p:sld>
 </file>
 
-<file path=ppt/slides/slide46.xml><?xml version="1.0" encoding="utf-8"?>
-<p:sld xmlns:a="http://schemas.openxmlformats.org/drawingml/2006/main" xmlns:r="http://schemas.openxmlformats.org/officeDocument/2006/relationships" xmlns:p="http://schemas.openxmlformats.org/presentationml/2006/main">
-  <p:cSld>
-    <p:spTree>
-      <p:nvGrpSpPr>
-        <p:cNvPr id="1" name=""/>
-        <p:cNvGrpSpPr/>
-        <p:nvPr/>
-      </p:nvGrpSpPr>
-      <p:grpSpPr>
-        <a:xfrm>
-          <a:off x="0" y="0"/>
-          <a:ext cx="0" cy="0"/>
-          <a:chOff x="0" y="0"/>
-          <a:chExt cx="0" cy="0"/>
-        </a:xfrm>
-      </p:grpSpPr>
-      <p:sp>
-        <p:nvSpPr>
-          <p:cNvPr id="2" name="Title 1">
-            <a:extLst>
-              <a:ext uri="{FF2B5EF4-FFF2-40B4-BE49-F238E27FC236}">
-                <a16:creationId xmlns:a16="http://schemas.microsoft.com/office/drawing/2014/main" id="{BA8F254C-BBAD-4EE7-A5E9-2AF7E94292BE}"/>
-              </a:ext>
-            </a:extLst>
-          </p:cNvPr>
-          <p:cNvSpPr>
-            <a:spLocks noGrp="1"/>
-          </p:cNvSpPr>
-          <p:nvPr>
-            <p:ph type="title"/>
-          </p:nvPr>
-        </p:nvSpPr>
-        <p:spPr/>
-        <p:txBody>
-          <a:bodyPr/>
-          <a:lstStyle/>
-          <a:p>
-            <a:pPr algn="ctr"/>
-            <a:r>
-              <a:rPr lang="en-GB" dirty="0"/>
-              <a:t>Symbol servers</a:t>
-            </a:r>
-          </a:p>
-        </p:txBody>
-      </p:sp>
-      <p:sp>
-        <p:nvSpPr>
-          <p:cNvPr id="3" name="Content Placeholder 2">
-            <a:extLst>
-              <a:ext uri="{FF2B5EF4-FFF2-40B4-BE49-F238E27FC236}">
-                <a16:creationId xmlns:a16="http://schemas.microsoft.com/office/drawing/2014/main" id="{5BCF1863-E5AF-47F8-B156-636A819A19D1}"/>
-              </a:ext>
-            </a:extLst>
-          </p:cNvPr>
-          <p:cNvSpPr>
-            <a:spLocks noGrp="1"/>
-          </p:cNvSpPr>
-          <p:nvPr>
-            <p:ph idx="1"/>
-          </p:nvPr>
-        </p:nvSpPr>
-        <p:spPr>
-          <a:xfrm>
-            <a:off x="685800" y="2194561"/>
-            <a:ext cx="10820400" cy="3780670"/>
-          </a:xfrm>
-        </p:spPr>
-        <p:txBody>
-          <a:bodyPr/>
-          <a:lstStyle/>
-          <a:p>
-            <a:r>
-              <a:rPr lang="en-GB" dirty="0"/>
-              <a:t>The symbol server enables the debuggers to automatically retrieve the correct symbol files without product names, releases, or build numbers. </a:t>
-            </a:r>
-            <a:br>
-              <a:rPr lang="en-GB" dirty="0"/>
-            </a:br>
-            <a:endParaRPr lang="en-GB" dirty="0"/>
-          </a:p>
-        </p:txBody>
-      </p:sp>
-    </p:spTree>
-    <p:extLst>
-      <p:ext uri="{BB962C8B-B14F-4D97-AF65-F5344CB8AC3E}">
-        <p14:creationId xmlns:p14="http://schemas.microsoft.com/office/powerpoint/2010/main" val="1880281804"/>
-      </p:ext>
-    </p:extLst>
-  </p:cSld>
-  <p:clrMapOvr>
-    <a:masterClrMapping/>
-  </p:clrMapOvr>
-</p:sld>
-</file>
-
 <file path=ppt/slides/slide47.xml><?xml version="1.0" encoding="utf-8"?>
 <p:sld xmlns:a="http://schemas.openxmlformats.org/drawingml/2006/main" xmlns:r="http://schemas.openxmlformats.org/officeDocument/2006/relationships" xmlns:p="http://schemas.openxmlformats.org/presentationml/2006/main">
   <p:cSld>
@@ -16656,7 +16941,7 @@
           <p:cNvPr id="2" name="Title 1">
             <a:extLst>
               <a:ext uri="{FF2B5EF4-FFF2-40B4-BE49-F238E27FC236}">
-                <a16:creationId xmlns:a16="http://schemas.microsoft.com/office/drawing/2014/main" id="{93609348-A965-4532-A40A-B7C4B06DEEDE}"/>
+                <a16:creationId xmlns:a16="http://schemas.microsoft.com/office/drawing/2014/main" id="{BA8F254C-BBAD-4EE7-A5E9-2AF7E94292BE}"/>
               </a:ext>
             </a:extLst>
           </p:cNvPr>
@@ -16672,14 +16957,11 @@
           <a:bodyPr/>
           <a:lstStyle/>
           <a:p>
-            <a:r>
-              <a:rPr lang="en-GB" dirty="0"/>
-              <a:t>Front  End</a:t>
-            </a:r>
-            <a:br>
-              <a:rPr lang="en-GB" dirty="0"/>
-            </a:br>
-            <a:endParaRPr lang="en-GB" dirty="0"/>
+            <a:pPr algn="ctr"/>
+            <a:r>
+              <a:rPr lang="en-GB" dirty="0"/>
+              <a:t>Symbol servers</a:t>
+            </a:r>
           </a:p>
         </p:txBody>
       </p:sp>
@@ -16688,7 +16970,7 @@
           <p:cNvPr id="3" name="Content Placeholder 2">
             <a:extLst>
               <a:ext uri="{FF2B5EF4-FFF2-40B4-BE49-F238E27FC236}">
-                <a16:creationId xmlns:a16="http://schemas.microsoft.com/office/drawing/2014/main" id="{91BDEE18-0733-49A2-98E1-91050720F6A6}"/>
+                <a16:creationId xmlns:a16="http://schemas.microsoft.com/office/drawing/2014/main" id="{5BCF1863-E5AF-47F8-B156-636A819A19D1}"/>
               </a:ext>
             </a:extLst>
           </p:cNvPr>
@@ -16699,36 +16981,19 @@
             <p:ph idx="1"/>
           </p:nvPr>
         </p:nvSpPr>
-        <p:spPr/>
-        <p:txBody>
-          <a:bodyPr/>
-          <a:lstStyle/>
-          <a:p>
-            <a:r>
-              <a:rPr lang="en-GB" dirty="0" err="1"/>
-              <a:t>Javascript</a:t>
-            </a:r>
-            <a:r>
-              <a:rPr lang="en-GB" dirty="0"/>
-              <a:t> </a:t>
-            </a:r>
-          </a:p>
-          <a:p>
-            <a:r>
-              <a:rPr lang="en-GB" dirty="0"/>
-              <a:t>Browser Link</a:t>
-            </a:r>
-          </a:p>
-          <a:p>
-            <a:r>
-              <a:rPr lang="en-GB" dirty="0"/>
-              <a:t>Sync</a:t>
-            </a:r>
-          </a:p>
-          <a:p>
-            <a:r>
-              <a:rPr lang="en-GB" dirty="0"/>
-              <a:t>Inspector</a:t>
+        <p:spPr>
+          <a:xfrm>
+            <a:off x="685800" y="2194561"/>
+            <a:ext cx="10820400" cy="3780670"/>
+          </a:xfrm>
+        </p:spPr>
+        <p:txBody>
+          <a:bodyPr/>
+          <a:lstStyle/>
+          <a:p>
+            <a:r>
+              <a:rPr lang="en-GB" dirty="0"/>
+              <a:t>The symbol server enables the debuggers to automatically retrieve the correct symbol files without product names, releases, or build numbers. </a:t>
             </a:r>
             <a:br>
               <a:rPr lang="en-GB" dirty="0"/>
@@ -16740,7 +17005,7 @@
     </p:spTree>
     <p:extLst>
       <p:ext uri="{BB962C8B-B14F-4D97-AF65-F5344CB8AC3E}">
-        <p14:creationId xmlns:p14="http://schemas.microsoft.com/office/powerpoint/2010/main" val="4139771700"/>
+        <p14:creationId xmlns:p14="http://schemas.microsoft.com/office/powerpoint/2010/main" val="1880281804"/>
       </p:ext>
     </p:extLst>
   </p:cSld>
@@ -16772,7 +17037,7 @@
           <p:cNvPr id="2" name="Title 1">
             <a:extLst>
               <a:ext uri="{FF2B5EF4-FFF2-40B4-BE49-F238E27FC236}">
-                <a16:creationId xmlns:a16="http://schemas.microsoft.com/office/drawing/2014/main" id="{294658D5-AB67-4656-A552-E3A7ECC48D11}"/>
+                <a16:creationId xmlns:a16="http://schemas.microsoft.com/office/drawing/2014/main" id="{93609348-A965-4532-A40A-B7C4B06DEEDE}"/>
               </a:ext>
             </a:extLst>
           </p:cNvPr>
@@ -16790,8 +17055,12 @@
           <a:p>
             <a:r>
               <a:rPr lang="en-GB" dirty="0"/>
-              <a:t>Enterprise</a:t>
-            </a:r>
+              <a:t>Front  End</a:t>
+            </a:r>
+            <a:br>
+              <a:rPr lang="en-GB" dirty="0"/>
+            </a:br>
+            <a:endParaRPr lang="en-GB" dirty="0"/>
           </a:p>
         </p:txBody>
       </p:sp>
@@ -16800,7 +17069,7 @@
           <p:cNvPr id="3" name="Content Placeholder 2">
             <a:extLst>
               <a:ext uri="{FF2B5EF4-FFF2-40B4-BE49-F238E27FC236}">
-                <a16:creationId xmlns:a16="http://schemas.microsoft.com/office/drawing/2014/main" id="{55179C6E-ED5F-4441-A6D8-95BB46E10DDE}"/>
+                <a16:creationId xmlns:a16="http://schemas.microsoft.com/office/drawing/2014/main" id="{91BDEE18-0733-49A2-98E1-91050720F6A6}"/>
               </a:ext>
             </a:extLst>
           </p:cNvPr>
@@ -16817,18 +17086,34 @@
           <a:lstStyle/>
           <a:p>
             <a:r>
-              <a:rPr lang="en-GB" dirty="0"/>
-              <a:t>Code Maps</a:t>
-            </a:r>
-          </a:p>
-          <a:p>
-            <a:r>
               <a:rPr lang="en-GB" dirty="0" err="1"/>
-              <a:t>Intellitrace</a:t>
-            </a:r>
-            <a:endParaRPr lang="en-GB" dirty="0"/>
-          </a:p>
-          <a:p>
+              <a:t>Javascript</a:t>
+            </a:r>
+            <a:r>
+              <a:rPr lang="en-GB" dirty="0"/>
+              <a:t> </a:t>
+            </a:r>
+          </a:p>
+          <a:p>
+            <a:r>
+              <a:rPr lang="en-GB" dirty="0"/>
+              <a:t>Browser Link</a:t>
+            </a:r>
+          </a:p>
+          <a:p>
+            <a:r>
+              <a:rPr lang="en-GB" dirty="0"/>
+              <a:t>Sync</a:t>
+            </a:r>
+          </a:p>
+          <a:p>
+            <a:r>
+              <a:rPr lang="en-GB" dirty="0"/>
+              <a:t>Inspector</a:t>
+            </a:r>
+            <a:br>
+              <a:rPr lang="en-GB" dirty="0"/>
+            </a:br>
             <a:endParaRPr lang="en-GB" dirty="0"/>
           </a:p>
         </p:txBody>
@@ -16836,7 +17121,7 @@
     </p:spTree>
     <p:extLst>
       <p:ext uri="{BB962C8B-B14F-4D97-AF65-F5344CB8AC3E}">
-        <p14:creationId xmlns:p14="http://schemas.microsoft.com/office/powerpoint/2010/main" val="2992128613"/>
+        <p14:creationId xmlns:p14="http://schemas.microsoft.com/office/powerpoint/2010/main" val="4139771700"/>
       </p:ext>
     </p:extLst>
   </p:cSld>
@@ -16868,7 +17153,7 @@
           <p:cNvPr id="2" name="Title 1">
             <a:extLst>
               <a:ext uri="{FF2B5EF4-FFF2-40B4-BE49-F238E27FC236}">
-                <a16:creationId xmlns:a16="http://schemas.microsoft.com/office/drawing/2014/main" id="{11A8A86A-9E2A-4172-A81C-3B7C6EA29601}"/>
+                <a16:creationId xmlns:a16="http://schemas.microsoft.com/office/drawing/2014/main" id="{294658D5-AB67-4656-A552-E3A7ECC48D11}"/>
               </a:ext>
             </a:extLst>
           </p:cNvPr>
@@ -16884,57 +17169,55 @@
           <a:bodyPr/>
           <a:lstStyle/>
           <a:p>
-            <a:pPr algn="ctr"/>
             <a:r>
               <a:rPr lang="en-GB" dirty="0"/>
               <a:t>Enterprise</a:t>
             </a:r>
-            <a:br>
-              <a:rPr lang="en-GB" dirty="0"/>
-            </a:br>
-            <a:r>
-              <a:rPr lang="en-GB" dirty="0"/>
-              <a:t>code maps</a:t>
-            </a:r>
-          </a:p>
-        </p:txBody>
-      </p:sp>
-      <p:pic>
-        <p:nvPicPr>
-          <p:cNvPr id="4" name="Content Placeholder 3">
+          </a:p>
+        </p:txBody>
+      </p:sp>
+      <p:sp>
+        <p:nvSpPr>
+          <p:cNvPr id="3" name="Content Placeholder 2">
             <a:extLst>
               <a:ext uri="{FF2B5EF4-FFF2-40B4-BE49-F238E27FC236}">
-                <a16:creationId xmlns:a16="http://schemas.microsoft.com/office/drawing/2014/main" id="{C4A267D2-39F6-4233-894B-F17F3C756C39}"/>
+                <a16:creationId xmlns:a16="http://schemas.microsoft.com/office/drawing/2014/main" id="{55179C6E-ED5F-4441-A6D8-95BB46E10DDE}"/>
               </a:ext>
             </a:extLst>
           </p:cNvPr>
-          <p:cNvPicPr>
-            <a:picLocks noGrp="1" noChangeAspect="1"/>
-          </p:cNvPicPr>
+          <p:cNvSpPr>
+            <a:spLocks noGrp="1"/>
+          </p:cNvSpPr>
           <p:nvPr>
             <p:ph idx="1"/>
           </p:nvPr>
-        </p:nvPicPr>
-        <p:blipFill>
-          <a:blip r:embed="rId2"/>
-          <a:stretch>
-            <a:fillRect/>
-          </a:stretch>
-        </p:blipFill>
-        <p:spPr>
-          <a:xfrm>
-            <a:off x="2691442" y="1995747"/>
-            <a:ext cx="6872888" cy="4688709"/>
-          </a:xfrm>
-          <a:prstGeom prst="rect">
-            <a:avLst/>
-          </a:prstGeom>
-        </p:spPr>
-      </p:pic>
+        </p:nvSpPr>
+        <p:spPr/>
+        <p:txBody>
+          <a:bodyPr/>
+          <a:lstStyle/>
+          <a:p>
+            <a:r>
+              <a:rPr lang="en-GB" dirty="0"/>
+              <a:t>Code Maps</a:t>
+            </a:r>
+          </a:p>
+          <a:p>
+            <a:r>
+              <a:rPr lang="en-GB" dirty="0" err="1"/>
+              <a:t>Intellitrace</a:t>
+            </a:r>
+            <a:endParaRPr lang="en-GB" dirty="0"/>
+          </a:p>
+          <a:p>
+            <a:endParaRPr lang="en-GB" dirty="0"/>
+          </a:p>
+        </p:txBody>
+      </p:sp>
     </p:spTree>
     <p:extLst>
       <p:ext uri="{BB962C8B-B14F-4D97-AF65-F5344CB8AC3E}">
-        <p14:creationId xmlns:p14="http://schemas.microsoft.com/office/powerpoint/2010/main" val="4083669379"/>
+        <p14:creationId xmlns:p14="http://schemas.microsoft.com/office/powerpoint/2010/main" val="2992128613"/>
       </p:ext>
     </p:extLst>
   </p:cSld>
@@ -17078,6 +17361,104 @@
               <a:rPr lang="en-GB" dirty="0"/>
             </a:br>
             <a:r>
+              <a:rPr lang="en-GB" dirty="0"/>
+              <a:t>code maps</a:t>
+            </a:r>
+          </a:p>
+        </p:txBody>
+      </p:sp>
+      <p:pic>
+        <p:nvPicPr>
+          <p:cNvPr id="4" name="Content Placeholder 3">
+            <a:extLst>
+              <a:ext uri="{FF2B5EF4-FFF2-40B4-BE49-F238E27FC236}">
+                <a16:creationId xmlns:a16="http://schemas.microsoft.com/office/drawing/2014/main" id="{C4A267D2-39F6-4233-894B-F17F3C756C39}"/>
+              </a:ext>
+            </a:extLst>
+          </p:cNvPr>
+          <p:cNvPicPr>
+            <a:picLocks noGrp="1" noChangeAspect="1"/>
+          </p:cNvPicPr>
+          <p:nvPr>
+            <p:ph idx="1"/>
+          </p:nvPr>
+        </p:nvPicPr>
+        <p:blipFill>
+          <a:blip r:embed="rId2"/>
+          <a:stretch>
+            <a:fillRect/>
+          </a:stretch>
+        </p:blipFill>
+        <p:spPr>
+          <a:xfrm>
+            <a:off x="2691442" y="1995747"/>
+            <a:ext cx="6872888" cy="4688709"/>
+          </a:xfrm>
+          <a:prstGeom prst="rect">
+            <a:avLst/>
+          </a:prstGeom>
+        </p:spPr>
+      </p:pic>
+    </p:spTree>
+    <p:extLst>
+      <p:ext uri="{BB962C8B-B14F-4D97-AF65-F5344CB8AC3E}">
+        <p14:creationId xmlns:p14="http://schemas.microsoft.com/office/powerpoint/2010/main" val="4083669379"/>
+      </p:ext>
+    </p:extLst>
+  </p:cSld>
+  <p:clrMapOvr>
+    <a:masterClrMapping/>
+  </p:clrMapOvr>
+</p:sld>
+</file>
+
+<file path=ppt/slides/slide51.xml><?xml version="1.0" encoding="utf-8"?>
+<p:sld xmlns:a="http://schemas.openxmlformats.org/drawingml/2006/main" xmlns:r="http://schemas.openxmlformats.org/officeDocument/2006/relationships" xmlns:p="http://schemas.openxmlformats.org/presentationml/2006/main">
+  <p:cSld>
+    <p:spTree>
+      <p:nvGrpSpPr>
+        <p:cNvPr id="1" name=""/>
+        <p:cNvGrpSpPr/>
+        <p:nvPr/>
+      </p:nvGrpSpPr>
+      <p:grpSpPr>
+        <a:xfrm>
+          <a:off x="0" y="0"/>
+          <a:ext cx="0" cy="0"/>
+          <a:chOff x="0" y="0"/>
+          <a:chExt cx="0" cy="0"/>
+        </a:xfrm>
+      </p:grpSpPr>
+      <p:sp>
+        <p:nvSpPr>
+          <p:cNvPr id="2" name="Title 1">
+            <a:extLst>
+              <a:ext uri="{FF2B5EF4-FFF2-40B4-BE49-F238E27FC236}">
+                <a16:creationId xmlns:a16="http://schemas.microsoft.com/office/drawing/2014/main" id="{11A8A86A-9E2A-4172-A81C-3B7C6EA29601}"/>
+              </a:ext>
+            </a:extLst>
+          </p:cNvPr>
+          <p:cNvSpPr>
+            <a:spLocks noGrp="1"/>
+          </p:cNvSpPr>
+          <p:nvPr>
+            <p:ph type="title"/>
+          </p:nvPr>
+        </p:nvSpPr>
+        <p:spPr/>
+        <p:txBody>
+          <a:bodyPr/>
+          <a:lstStyle/>
+          <a:p>
+            <a:pPr algn="ctr"/>
+            <a:r>
+              <a:rPr lang="en-GB" dirty="0"/>
+              <a:t>Enterprise</a:t>
+            </a:r>
+            <a:br>
+              <a:rPr lang="en-GB" dirty="0"/>
+            </a:br>
+            <a:r>
               <a:rPr lang="en-GB" dirty="0" err="1"/>
               <a:t>Intellitrace</a:t>
             </a:r>
@@ -17130,7 +17511,7 @@
 </p:sld>
 </file>
 
-<file path=ppt/slides/slide51.xml><?xml version="1.0" encoding="utf-8"?>
+<file path=ppt/slides/slide52.xml><?xml version="1.0" encoding="utf-8"?>
 <p:sld xmlns:a="http://schemas.openxmlformats.org/drawingml/2006/main" xmlns:r="http://schemas.openxmlformats.org/officeDocument/2006/relationships" xmlns:p="http://schemas.openxmlformats.org/presentationml/2006/main">
   <p:cSld>
     <p:spTree>
@@ -17229,7 +17610,7 @@
 </p:sld>
 </file>
 
-<file path=ppt/slides/slide52.xml><?xml version="1.0" encoding="utf-8"?>
+<file path=ppt/slides/slide53.xml><?xml version="1.0" encoding="utf-8"?>
 <p:sld xmlns:a="http://schemas.openxmlformats.org/drawingml/2006/main" xmlns:r="http://schemas.openxmlformats.org/officeDocument/2006/relationships" xmlns:p="http://schemas.openxmlformats.org/presentationml/2006/main">
   <p:cSld>
     <p:spTree>
@@ -17351,7 +17732,7 @@
 </p:sld>
 </file>
 
-<file path=ppt/slides/slide53.xml><?xml version="1.0" encoding="utf-8"?>
+<file path=ppt/slides/slide54.xml><?xml version="1.0" encoding="utf-8"?>
 <p:sld xmlns:a="http://schemas.openxmlformats.org/drawingml/2006/main" xmlns:r="http://schemas.openxmlformats.org/officeDocument/2006/relationships" xmlns:p="http://schemas.openxmlformats.org/presentationml/2006/main">
   <p:cSld>
     <p:spTree>
@@ -17473,7 +17854,7 @@
 </p:sld>
 </file>
 
-<file path=ppt/slides/slide54.xml><?xml version="1.0" encoding="utf-8"?>
+<file path=ppt/slides/slide55.xml><?xml version="1.0" encoding="utf-8"?>
 <p:sld xmlns:a="http://schemas.openxmlformats.org/drawingml/2006/main" xmlns:r="http://schemas.openxmlformats.org/officeDocument/2006/relationships" xmlns:p="http://schemas.openxmlformats.org/presentationml/2006/main">
   <p:cSld>
     <p:spTree>
@@ -17572,133 +17953,6 @@
 </p:sld>
 </file>
 
-<file path=ppt/slides/slide55.xml><?xml version="1.0" encoding="utf-8"?>
-<p:sld xmlns:a="http://schemas.openxmlformats.org/drawingml/2006/main" xmlns:r="http://schemas.openxmlformats.org/officeDocument/2006/relationships" xmlns:p="http://schemas.openxmlformats.org/presentationml/2006/main">
-  <p:cSld>
-    <p:spTree>
-      <p:nvGrpSpPr>
-        <p:cNvPr id="1" name=""/>
-        <p:cNvGrpSpPr/>
-        <p:nvPr/>
-      </p:nvGrpSpPr>
-      <p:grpSpPr>
-        <a:xfrm>
-          <a:off x="0" y="0"/>
-          <a:ext cx="0" cy="0"/>
-          <a:chOff x="0" y="0"/>
-          <a:chExt cx="0" cy="0"/>
-        </a:xfrm>
-      </p:grpSpPr>
-      <p:sp>
-        <p:nvSpPr>
-          <p:cNvPr id="2" name="Title 1">
-            <a:extLst>
-              <a:ext uri="{FF2B5EF4-FFF2-40B4-BE49-F238E27FC236}">
-                <a16:creationId xmlns:a16="http://schemas.microsoft.com/office/drawing/2014/main" id="{8BD9308D-1593-4D22-BF72-CF63E6B13E74}"/>
-              </a:ext>
-            </a:extLst>
-          </p:cNvPr>
-          <p:cNvSpPr>
-            <a:spLocks noGrp="1"/>
-          </p:cNvSpPr>
-          <p:nvPr>
-            <p:ph type="title"/>
-          </p:nvPr>
-        </p:nvSpPr>
-        <p:spPr/>
-        <p:txBody>
-          <a:bodyPr/>
-          <a:lstStyle/>
-          <a:p>
-            <a:r>
-              <a:rPr lang="en-GB" dirty="0"/>
-              <a:t>Other </a:t>
-            </a:r>
-            <a:r>
-              <a:rPr lang="en-GB" dirty="0" err="1"/>
-              <a:t>DEBUGGing</a:t>
-            </a:r>
-            <a:r>
-              <a:rPr lang="en-GB" dirty="0"/>
-              <a:t> items</a:t>
-            </a:r>
-          </a:p>
-        </p:txBody>
-      </p:sp>
-      <p:sp>
-        <p:nvSpPr>
-          <p:cNvPr id="3" name="Content Placeholder 2">
-            <a:extLst>
-              <a:ext uri="{FF2B5EF4-FFF2-40B4-BE49-F238E27FC236}">
-                <a16:creationId xmlns:a16="http://schemas.microsoft.com/office/drawing/2014/main" id="{FD9AF35D-539B-46D1-9E7B-058B85BEEE18}"/>
-              </a:ext>
-            </a:extLst>
-          </p:cNvPr>
-          <p:cNvSpPr>
-            <a:spLocks noGrp="1"/>
-          </p:cNvSpPr>
-          <p:nvPr>
-            <p:ph idx="1"/>
-          </p:nvPr>
-        </p:nvSpPr>
-        <p:spPr>
-          <a:xfrm>
-            <a:off x="2702944" y="2069502"/>
-            <a:ext cx="9339532" cy="4024125"/>
-          </a:xfrm>
-        </p:spPr>
-        <p:txBody>
-          <a:bodyPr/>
-          <a:lstStyle/>
-          <a:p>
-            <a:r>
-              <a:rPr lang="en-GB" dirty="0"/>
-              <a:t>Remote Debugging</a:t>
-            </a:r>
-          </a:p>
-          <a:p>
-            <a:r>
-              <a:rPr lang="en-GB" dirty="0"/>
-              <a:t>Azure Debugging</a:t>
-            </a:r>
-          </a:p>
-          <a:p>
-            <a:r>
-              <a:rPr lang="en-GB" dirty="0"/>
-              <a:t>Live Sharing</a:t>
-            </a:r>
-          </a:p>
-          <a:p>
-            <a:r>
-              <a:rPr lang="en-GB" dirty="0" err="1"/>
-              <a:t>WinDbg</a:t>
-            </a:r>
-            <a:endParaRPr lang="en-GB" dirty="0"/>
-          </a:p>
-          <a:p>
-            <a:r>
-              <a:rPr lang="en-GB" dirty="0"/>
-              <a:t>SOS</a:t>
-            </a:r>
-          </a:p>
-          <a:p>
-            <a:endParaRPr lang="en-GB" dirty="0"/>
-          </a:p>
-        </p:txBody>
-      </p:sp>
-    </p:spTree>
-    <p:extLst>
-      <p:ext uri="{BB962C8B-B14F-4D97-AF65-F5344CB8AC3E}">
-        <p14:creationId xmlns:p14="http://schemas.microsoft.com/office/powerpoint/2010/main" val="3236567787"/>
-      </p:ext>
-    </p:extLst>
-  </p:cSld>
-  <p:clrMapOvr>
-    <a:masterClrMapping/>
-  </p:clrMapOvr>
-</p:sld>
-</file>
-
 <file path=ppt/slides/slide56.xml><?xml version="1.0" encoding="utf-8"?>
 <p:sld xmlns:a="http://schemas.openxmlformats.org/drawingml/2006/main" xmlns:r="http://schemas.openxmlformats.org/officeDocument/2006/relationships" xmlns:p="http://schemas.openxmlformats.org/presentationml/2006/main">
   <p:cSld>
@@ -17721,6 +17975,133 @@
           <p:cNvPr id="2" name="Title 1">
             <a:extLst>
               <a:ext uri="{FF2B5EF4-FFF2-40B4-BE49-F238E27FC236}">
+                <a16:creationId xmlns:a16="http://schemas.microsoft.com/office/drawing/2014/main" id="{8BD9308D-1593-4D22-BF72-CF63E6B13E74}"/>
+              </a:ext>
+            </a:extLst>
+          </p:cNvPr>
+          <p:cNvSpPr>
+            <a:spLocks noGrp="1"/>
+          </p:cNvSpPr>
+          <p:nvPr>
+            <p:ph type="title"/>
+          </p:nvPr>
+        </p:nvSpPr>
+        <p:spPr/>
+        <p:txBody>
+          <a:bodyPr/>
+          <a:lstStyle/>
+          <a:p>
+            <a:r>
+              <a:rPr lang="en-GB" dirty="0"/>
+              <a:t>Other </a:t>
+            </a:r>
+            <a:r>
+              <a:rPr lang="en-GB" dirty="0" err="1"/>
+              <a:t>DEBUGGing</a:t>
+            </a:r>
+            <a:r>
+              <a:rPr lang="en-GB" dirty="0"/>
+              <a:t> items</a:t>
+            </a:r>
+          </a:p>
+        </p:txBody>
+      </p:sp>
+      <p:sp>
+        <p:nvSpPr>
+          <p:cNvPr id="3" name="Content Placeholder 2">
+            <a:extLst>
+              <a:ext uri="{FF2B5EF4-FFF2-40B4-BE49-F238E27FC236}">
+                <a16:creationId xmlns:a16="http://schemas.microsoft.com/office/drawing/2014/main" id="{FD9AF35D-539B-46D1-9E7B-058B85BEEE18}"/>
+              </a:ext>
+            </a:extLst>
+          </p:cNvPr>
+          <p:cNvSpPr>
+            <a:spLocks noGrp="1"/>
+          </p:cNvSpPr>
+          <p:nvPr>
+            <p:ph idx="1"/>
+          </p:nvPr>
+        </p:nvSpPr>
+        <p:spPr>
+          <a:xfrm>
+            <a:off x="2702944" y="2069502"/>
+            <a:ext cx="9339532" cy="4024125"/>
+          </a:xfrm>
+        </p:spPr>
+        <p:txBody>
+          <a:bodyPr/>
+          <a:lstStyle/>
+          <a:p>
+            <a:r>
+              <a:rPr lang="en-GB" dirty="0"/>
+              <a:t>Remote Debugging</a:t>
+            </a:r>
+          </a:p>
+          <a:p>
+            <a:r>
+              <a:rPr lang="en-GB" dirty="0"/>
+              <a:t>Azure Debugging</a:t>
+            </a:r>
+          </a:p>
+          <a:p>
+            <a:r>
+              <a:rPr lang="en-GB" dirty="0"/>
+              <a:t>Live Sharing</a:t>
+            </a:r>
+          </a:p>
+          <a:p>
+            <a:r>
+              <a:rPr lang="en-GB" dirty="0" err="1"/>
+              <a:t>WinDbg</a:t>
+            </a:r>
+            <a:endParaRPr lang="en-GB" dirty="0"/>
+          </a:p>
+          <a:p>
+            <a:r>
+              <a:rPr lang="en-GB" dirty="0"/>
+              <a:t>SOS</a:t>
+            </a:r>
+          </a:p>
+          <a:p>
+            <a:endParaRPr lang="en-GB" dirty="0"/>
+          </a:p>
+        </p:txBody>
+      </p:sp>
+    </p:spTree>
+    <p:extLst>
+      <p:ext uri="{BB962C8B-B14F-4D97-AF65-F5344CB8AC3E}">
+        <p14:creationId xmlns:p14="http://schemas.microsoft.com/office/powerpoint/2010/main" val="3236567787"/>
+      </p:ext>
+    </p:extLst>
+  </p:cSld>
+  <p:clrMapOvr>
+    <a:masterClrMapping/>
+  </p:clrMapOvr>
+</p:sld>
+</file>
+
+<file path=ppt/slides/slide57.xml><?xml version="1.0" encoding="utf-8"?>
+<p:sld xmlns:a="http://schemas.openxmlformats.org/drawingml/2006/main" xmlns:r="http://schemas.openxmlformats.org/officeDocument/2006/relationships" xmlns:p="http://schemas.openxmlformats.org/presentationml/2006/main">
+  <p:cSld>
+    <p:spTree>
+      <p:nvGrpSpPr>
+        <p:cNvPr id="1" name=""/>
+        <p:cNvGrpSpPr/>
+        <p:nvPr/>
+      </p:nvGrpSpPr>
+      <p:grpSpPr>
+        <a:xfrm>
+          <a:off x="0" y="0"/>
+          <a:ext cx="0" cy="0"/>
+          <a:chOff x="0" y="0"/>
+          <a:chExt cx="0" cy="0"/>
+        </a:xfrm>
+      </p:grpSpPr>
+      <p:sp>
+        <p:nvSpPr>
+          <p:cNvPr id="2" name="Title 1">
+            <a:extLst>
+              <a:ext uri="{FF2B5EF4-FFF2-40B4-BE49-F238E27FC236}">
                 <a16:creationId xmlns:a16="http://schemas.microsoft.com/office/drawing/2014/main" id="{D3A1105E-C991-4B0F-94F4-1C56A47DBD08}"/>
               </a:ext>
             </a:extLst>
@@ -17824,7 +18205,11 @@
           </a:p>
           <a:p>
             <a:r>
-              <a:rPr lang="en-GB" dirty="0"/>
+              <a:rPr lang="en-GB" dirty="0">
+                <a:solidFill>
+                  <a:schemeClr val="accent1"/>
+                </a:solidFill>
+              </a:rPr>
               <a:t>https://blogs.msdn.microsoft.com/visualstudio/2017/06/26/7-lesser-known-hacks-for-debugging-in-visual-studio/</a:t>
             </a:r>
           </a:p>
@@ -17846,7 +18231,7 @@
 </p:sld>
 </file>
 
-<file path=ppt/slides/slide57.xml><?xml version="1.0" encoding="utf-8"?>
+<file path=ppt/slides/slide58.xml><?xml version="1.0" encoding="utf-8"?>
 <p:sld xmlns:a="http://schemas.openxmlformats.org/drawingml/2006/main" xmlns:r="http://schemas.openxmlformats.org/officeDocument/2006/relationships" xmlns:p="http://schemas.openxmlformats.org/presentationml/2006/main">
   <p:cSld>
     <p:spTree>

--- a/Debugging1.pptx
+++ b/Debugging1.pptx
@@ -603,7 +603,7 @@
           <a:p>
             <a:fld id="{45F49CC2-C49A-4120-BFB5-52D9153EA4E0}" type="datetimeFigureOut">
               <a:rPr lang="en-GB" smtClean="0"/>
-              <a:t>07/01/2019</a:t>
+              <a:t>16/06/2019</a:t>
             </a:fld>
             <a:endParaRPr lang="en-GB"/>
           </a:p>
@@ -3025,8 +3025,13 @@
           <a:p>
             <a:r>
               <a:rPr lang="en-GB" dirty="0"/>
-              <a:t>What I am going to talk about</a:t>
-            </a:r>
+              <a:t>What I am going to talk about – before I start the code is often written to give examples of debugging techniques and problems – not necessarily the way I </a:t>
+            </a:r>
+            <a:r>
+              <a:rPr lang="en-GB"/>
+              <a:t>would write code</a:t>
+            </a:r>
+            <a:endParaRPr lang="en-GB" dirty="0"/>
           </a:p>
         </p:txBody>
       </p:sp>
@@ -5993,7 +5998,7 @@
           <a:p>
             <a:fld id="{48A87A34-81AB-432B-8DAE-1953F412C126}" type="datetimeFigureOut">
               <a:rPr lang="en-US" dirty="0"/>
-              <a:t>1/7/2019</a:t>
+              <a:t>6/16/2019</a:t>
             </a:fld>
             <a:endParaRPr lang="en-US" dirty="0"/>
           </a:p>
@@ -6255,7 +6260,7 @@
           <a:p>
             <a:fld id="{48A87A34-81AB-432B-8DAE-1953F412C126}" type="datetimeFigureOut">
               <a:rPr lang="en-US" dirty="0"/>
-              <a:t>1/7/2019</a:t>
+              <a:t>6/16/2019</a:t>
             </a:fld>
             <a:endParaRPr lang="en-US" dirty="0"/>
           </a:p>
@@ -6482,7 +6487,7 @@
             <a:fld id="{48A87A34-81AB-432B-8DAE-1953F412C126}" type="datetimeFigureOut">
               <a:rPr lang="en-US" dirty="0"/>
               <a:pPr/>
-              <a:t>1/7/2019</a:t>
+              <a:t>6/16/2019</a:t>
             </a:fld>
             <a:endParaRPr lang="en-US" dirty="0"/>
           </a:p>
@@ -6788,7 +6793,7 @@
             <a:fld id="{48A87A34-81AB-432B-8DAE-1953F412C126}" type="datetimeFigureOut">
               <a:rPr lang="en-US" dirty="0"/>
               <a:pPr/>
-              <a:t>1/7/2019</a:t>
+              <a:t>6/16/2019</a:t>
             </a:fld>
             <a:endParaRPr lang="en-US" dirty="0"/>
           </a:p>
@@ -7257,7 +7262,7 @@
             <a:fld id="{48A87A34-81AB-432B-8DAE-1953F412C126}" type="datetimeFigureOut">
               <a:rPr lang="en-US" dirty="0"/>
               <a:pPr/>
-              <a:t>1/7/2019</a:t>
+              <a:t>6/16/2019</a:t>
             </a:fld>
             <a:endParaRPr lang="en-US" dirty="0"/>
           </a:p>
@@ -7799,7 +7804,7 @@
           <a:p>
             <a:fld id="{48A87A34-81AB-432B-8DAE-1953F412C126}" type="datetimeFigureOut">
               <a:rPr lang="en-US" dirty="0"/>
-              <a:t>1/7/2019</a:t>
+              <a:t>6/16/2019</a:t>
             </a:fld>
             <a:endParaRPr lang="en-US" dirty="0"/>
           </a:p>
@@ -8568,7 +8573,7 @@
           <a:p>
             <a:fld id="{48A87A34-81AB-432B-8DAE-1953F412C126}" type="datetimeFigureOut">
               <a:rPr lang="en-US" dirty="0"/>
-              <a:t>1/7/2019</a:t>
+              <a:t>6/16/2019</a:t>
             </a:fld>
             <a:endParaRPr lang="en-US" dirty="0"/>
           </a:p>
@@ -8738,7 +8743,7 @@
           <a:p>
             <a:fld id="{48A87A34-81AB-432B-8DAE-1953F412C126}" type="datetimeFigureOut">
               <a:rPr lang="en-US" dirty="0"/>
-              <a:t>1/7/2019</a:t>
+              <a:t>6/16/2019</a:t>
             </a:fld>
             <a:endParaRPr lang="en-US" dirty="0"/>
           </a:p>
@@ -8957,7 +8962,7 @@
             <a:fld id="{48A87A34-81AB-432B-8DAE-1953F412C126}" type="datetimeFigureOut">
               <a:rPr lang="en-US" dirty="0"/>
               <a:pPr/>
-              <a:t>1/7/2019</a:t>
+              <a:t>6/16/2019</a:t>
             </a:fld>
             <a:endParaRPr lang="en-US" dirty="0"/>
           </a:p>
@@ -9132,7 +9137,7 @@
           <a:p>
             <a:fld id="{48A87A34-81AB-432B-8DAE-1953F412C126}" type="datetimeFigureOut">
               <a:rPr lang="en-US" dirty="0"/>
-              <a:t>1/7/2019</a:t>
+              <a:t>6/16/2019</a:t>
             </a:fld>
             <a:endParaRPr lang="en-US" dirty="0"/>
           </a:p>
@@ -9417,7 +9422,7 @@
             <a:fld id="{48A87A34-81AB-432B-8DAE-1953F412C126}" type="datetimeFigureOut">
               <a:rPr lang="en-US" dirty="0"/>
               <a:pPr/>
-              <a:t>1/7/2019</a:t>
+              <a:t>6/16/2019</a:t>
             </a:fld>
             <a:endParaRPr lang="en-US" dirty="0"/>
           </a:p>
@@ -9654,7 +9659,7 @@
           <a:p>
             <a:fld id="{48A87A34-81AB-432B-8DAE-1953F412C126}" type="datetimeFigureOut">
               <a:rPr lang="en-US" dirty="0"/>
-              <a:t>1/7/2019</a:t>
+              <a:t>6/16/2019</a:t>
             </a:fld>
             <a:endParaRPr lang="en-US" dirty="0"/>
           </a:p>
@@ -10028,7 +10033,7 @@
           <a:p>
             <a:fld id="{48A87A34-81AB-432B-8DAE-1953F412C126}" type="datetimeFigureOut">
               <a:rPr lang="en-US" dirty="0"/>
-              <a:t>1/7/2019</a:t>
+              <a:t>6/16/2019</a:t>
             </a:fld>
             <a:endParaRPr lang="en-US" dirty="0"/>
           </a:p>
@@ -10141,7 +10146,7 @@
           <a:p>
             <a:fld id="{48A87A34-81AB-432B-8DAE-1953F412C126}" type="datetimeFigureOut">
               <a:rPr lang="en-US" dirty="0"/>
-              <a:t>1/7/2019</a:t>
+              <a:t>6/16/2019</a:t>
             </a:fld>
             <a:endParaRPr lang="en-US" dirty="0"/>
           </a:p>
@@ -10231,7 +10236,7 @@
           <a:p>
             <a:fld id="{48A87A34-81AB-432B-8DAE-1953F412C126}" type="datetimeFigureOut">
               <a:rPr lang="en-US" dirty="0"/>
-              <a:t>1/7/2019</a:t>
+              <a:t>6/16/2019</a:t>
             </a:fld>
             <a:endParaRPr lang="en-US" dirty="0"/>
           </a:p>
@@ -10475,7 +10480,7 @@
           <a:p>
             <a:fld id="{48A87A34-81AB-432B-8DAE-1953F412C126}" type="datetimeFigureOut">
               <a:rPr lang="en-US" dirty="0"/>
-              <a:t>1/7/2019</a:t>
+              <a:t>6/16/2019</a:t>
             </a:fld>
             <a:endParaRPr lang="en-US" dirty="0"/>
           </a:p>
@@ -10727,7 +10732,7 @@
           <a:p>
             <a:fld id="{48A87A34-81AB-432B-8DAE-1953F412C126}" type="datetimeFigureOut">
               <a:rPr lang="en-US" dirty="0"/>
-              <a:t>1/7/2019</a:t>
+              <a:t>6/16/2019</a:t>
             </a:fld>
             <a:endParaRPr lang="en-US" dirty="0"/>
           </a:p>
@@ -10966,7 +10971,7 @@
             <a:fld id="{48A87A34-81AB-432B-8DAE-1953F412C126}" type="datetimeFigureOut">
               <a:rPr lang="en-US" dirty="0"/>
               <a:pPr/>
-              <a:t>1/7/2019</a:t>
+              <a:t>6/16/2019</a:t>
             </a:fld>
             <a:endParaRPr lang="en-US" dirty="0"/>
           </a:p>
@@ -17274,10 +17279,10 @@
       </p:sp>
       <p:pic>
         <p:nvPicPr>
-          <p:cNvPr id="5" name="Content Placeholder 4">
+          <p:cNvPr id="7" name="Content Placeholder 6" descr="A screenshot of a the Debugging Options in Visual Studio 2019&#10;">
             <a:extLst>
               <a:ext uri="{FF2B5EF4-FFF2-40B4-BE49-F238E27FC236}">
-                <a16:creationId xmlns:a16="http://schemas.microsoft.com/office/drawing/2014/main" id="{EF7780FC-0EC8-4010-9953-0E3F6C4D84FB}"/>
+                <a16:creationId xmlns:a16="http://schemas.microsoft.com/office/drawing/2014/main" id="{1E64E32F-2C20-48F1-9217-B59AB8592FCB}"/>
               </a:ext>
             </a:extLst>
           </p:cNvPr>
@@ -17296,8 +17301,8 @@
         </p:blipFill>
         <p:spPr>
           <a:xfrm>
-            <a:off x="2336006" y="2057401"/>
-            <a:ext cx="8015287" cy="4024313"/>
+            <a:off x="2842426" y="2193925"/>
+            <a:ext cx="6507148" cy="4024313"/>
           </a:xfrm>
         </p:spPr>
       </p:pic>
@@ -18441,7 +18446,7 @@
       </p:sp>
       <p:pic>
         <p:nvPicPr>
-          <p:cNvPr id="5" name="Content Placeholder 4">
+          <p:cNvPr id="5" name="Content Placeholder 4" descr="A screen of the Exception Setting in Visual Studio 2019">
             <a:extLst>
               <a:ext uri="{FF2B5EF4-FFF2-40B4-BE49-F238E27FC236}">
                 <a16:creationId xmlns:a16="http://schemas.microsoft.com/office/drawing/2014/main" id="{D6393FBB-1598-4AE9-82BD-1E4D42B8318B}"/>

--- a/Debugging1.pptx
+++ b/Debugging1.pptx
@@ -3025,13 +3025,8 @@
           <a:p>
             <a:r>
               <a:rPr lang="en-GB" dirty="0"/>
-              <a:t>What I am going to talk about – before I start the code is often written to give examples of debugging techniques and problems – not necessarily the way I </a:t>
-            </a:r>
-            <a:r>
-              <a:rPr lang="en-GB"/>
-              <a:t>would write code</a:t>
-            </a:r>
-            <a:endParaRPr lang="en-GB" dirty="0"/>
+              <a:t>What I am going to talk about – before I start the code is often written to give examples of debugging techniques and problems – not necessarily the way I would write code</a:t>
+            </a:r>
           </a:p>
         </p:txBody>
       </p:sp>
@@ -5587,15 +5582,7 @@
           <a:p>
             <a:r>
               <a:rPr lang="en-GB" dirty="0"/>
-              <a:t>Ability to </a:t>
-            </a:r>
-            <a:r>
-              <a:rPr lang="en-GB" dirty="0" err="1"/>
-              <a:t>seach</a:t>
-            </a:r>
-            <a:r>
-              <a:rPr lang="en-GB" dirty="0"/>
-              <a:t> – divide</a:t>
+              <a:t>Ability to search – overflow</a:t>
             </a:r>
           </a:p>
           <a:p>

--- a/Debugging1.pptx
+++ b/Debugging1.pptx
@@ -5,7 +5,7 @@
     <p:sldMasterId id="2147483648" r:id="rId1"/>
   </p:sldMasterIdLst>
   <p:notesMasterIdLst>
-    <p:notesMasterId r:id="rId60"/>
+    <p:notesMasterId r:id="rId62"/>
   </p:notesMasterIdLst>
   <p:sldIdLst>
     <p:sldId id="256" r:id="rId2"/>
@@ -15,57 +15,59 @@
     <p:sldId id="261" r:id="rId6"/>
     <p:sldId id="262" r:id="rId7"/>
     <p:sldId id="263" r:id="rId8"/>
-    <p:sldId id="264" r:id="rId9"/>
-    <p:sldId id="265" r:id="rId10"/>
-    <p:sldId id="267" r:id="rId11"/>
-    <p:sldId id="266" r:id="rId12"/>
-    <p:sldId id="268" r:id="rId13"/>
-    <p:sldId id="269" r:id="rId14"/>
-    <p:sldId id="270" r:id="rId15"/>
-    <p:sldId id="271" r:id="rId16"/>
-    <p:sldId id="317" r:id="rId17"/>
-    <p:sldId id="273" r:id="rId18"/>
-    <p:sldId id="282" r:id="rId19"/>
-    <p:sldId id="276" r:id="rId20"/>
-    <p:sldId id="275" r:id="rId21"/>
-    <p:sldId id="277" r:id="rId22"/>
-    <p:sldId id="278" r:id="rId23"/>
-    <p:sldId id="283" r:id="rId24"/>
-    <p:sldId id="284" r:id="rId25"/>
-    <p:sldId id="285" r:id="rId26"/>
-    <p:sldId id="286" r:id="rId27"/>
-    <p:sldId id="287" r:id="rId28"/>
-    <p:sldId id="288" r:id="rId29"/>
-    <p:sldId id="289" r:id="rId30"/>
-    <p:sldId id="290" r:id="rId31"/>
-    <p:sldId id="291" r:id="rId32"/>
-    <p:sldId id="294" r:id="rId33"/>
-    <p:sldId id="293" r:id="rId34"/>
-    <p:sldId id="319" r:id="rId35"/>
-    <p:sldId id="296" r:id="rId36"/>
-    <p:sldId id="297" r:id="rId37"/>
-    <p:sldId id="298" r:id="rId38"/>
-    <p:sldId id="299" r:id="rId39"/>
-    <p:sldId id="300" r:id="rId40"/>
-    <p:sldId id="301" r:id="rId41"/>
-    <p:sldId id="302" r:id="rId42"/>
-    <p:sldId id="279" r:id="rId43"/>
-    <p:sldId id="304" r:id="rId44"/>
-    <p:sldId id="305" r:id="rId45"/>
-    <p:sldId id="281" r:id="rId46"/>
-    <p:sldId id="315" r:id="rId47"/>
-    <p:sldId id="313" r:id="rId48"/>
-    <p:sldId id="316" r:id="rId49"/>
-    <p:sldId id="314" r:id="rId50"/>
-    <p:sldId id="303" r:id="rId51"/>
-    <p:sldId id="306" r:id="rId52"/>
-    <p:sldId id="307" r:id="rId53"/>
-    <p:sldId id="308" r:id="rId54"/>
-    <p:sldId id="309" r:id="rId55"/>
-    <p:sldId id="310" r:id="rId56"/>
-    <p:sldId id="280" r:id="rId57"/>
-    <p:sldId id="272" r:id="rId58"/>
-    <p:sldId id="318" r:id="rId59"/>
+    <p:sldId id="320" r:id="rId9"/>
+    <p:sldId id="321" r:id="rId10"/>
+    <p:sldId id="264" r:id="rId11"/>
+    <p:sldId id="265" r:id="rId12"/>
+    <p:sldId id="267" r:id="rId13"/>
+    <p:sldId id="266" r:id="rId14"/>
+    <p:sldId id="268" r:id="rId15"/>
+    <p:sldId id="269" r:id="rId16"/>
+    <p:sldId id="270" r:id="rId17"/>
+    <p:sldId id="271" r:id="rId18"/>
+    <p:sldId id="317" r:id="rId19"/>
+    <p:sldId id="273" r:id="rId20"/>
+    <p:sldId id="282" r:id="rId21"/>
+    <p:sldId id="276" r:id="rId22"/>
+    <p:sldId id="275" r:id="rId23"/>
+    <p:sldId id="277" r:id="rId24"/>
+    <p:sldId id="278" r:id="rId25"/>
+    <p:sldId id="283" r:id="rId26"/>
+    <p:sldId id="284" r:id="rId27"/>
+    <p:sldId id="285" r:id="rId28"/>
+    <p:sldId id="286" r:id="rId29"/>
+    <p:sldId id="287" r:id="rId30"/>
+    <p:sldId id="288" r:id="rId31"/>
+    <p:sldId id="289" r:id="rId32"/>
+    <p:sldId id="290" r:id="rId33"/>
+    <p:sldId id="291" r:id="rId34"/>
+    <p:sldId id="294" r:id="rId35"/>
+    <p:sldId id="293" r:id="rId36"/>
+    <p:sldId id="319" r:id="rId37"/>
+    <p:sldId id="296" r:id="rId38"/>
+    <p:sldId id="297" r:id="rId39"/>
+    <p:sldId id="298" r:id="rId40"/>
+    <p:sldId id="299" r:id="rId41"/>
+    <p:sldId id="300" r:id="rId42"/>
+    <p:sldId id="301" r:id="rId43"/>
+    <p:sldId id="302" r:id="rId44"/>
+    <p:sldId id="279" r:id="rId45"/>
+    <p:sldId id="304" r:id="rId46"/>
+    <p:sldId id="305" r:id="rId47"/>
+    <p:sldId id="281" r:id="rId48"/>
+    <p:sldId id="315" r:id="rId49"/>
+    <p:sldId id="313" r:id="rId50"/>
+    <p:sldId id="316" r:id="rId51"/>
+    <p:sldId id="314" r:id="rId52"/>
+    <p:sldId id="303" r:id="rId53"/>
+    <p:sldId id="306" r:id="rId54"/>
+    <p:sldId id="307" r:id="rId55"/>
+    <p:sldId id="308" r:id="rId56"/>
+    <p:sldId id="309" r:id="rId57"/>
+    <p:sldId id="310" r:id="rId58"/>
+    <p:sldId id="280" r:id="rId59"/>
+    <p:sldId id="272" r:id="rId60"/>
+    <p:sldId id="318" r:id="rId61"/>
   </p:sldIdLst>
   <p:sldSz cx="12192000" cy="6858000"/>
   <p:notesSz cx="6858000" cy="9144000"/>
@@ -603,7 +605,7 @@
           <a:p>
             <a:fld id="{45F49CC2-C49A-4120-BFB5-52D9153EA4E0}" type="datetimeFigureOut">
               <a:rPr lang="en-GB" smtClean="0"/>
-              <a:t>16/06/2019</a:t>
+              <a:t>19/06/2019</a:t>
             </a:fld>
             <a:endParaRPr lang="en-GB"/>
           </a:p>
@@ -1016,7 +1018,7 @@
           <a:p>
             <a:r>
               <a:rPr lang="en-GB" dirty="0"/>
-              <a:t>Attribute on class  text and variables allowed</a:t>
+              <a:t>3 kinds</a:t>
             </a:r>
           </a:p>
         </p:txBody>
@@ -1047,7 +1049,7 @@
     </p:spTree>
     <p:extLst>
       <p:ext uri="{BB962C8B-B14F-4D97-AF65-F5344CB8AC3E}">
-        <p14:creationId xmlns:p14="http://schemas.microsoft.com/office/powerpoint/2010/main" val="625169014"/>
+        <p14:creationId xmlns:p14="http://schemas.microsoft.com/office/powerpoint/2010/main" val="1229802125"/>
       </p:ext>
     </p:extLst>
   </p:cSld>
@@ -1103,13 +1105,7 @@
           <a:p>
             <a:r>
               <a:rPr lang="en-GB" dirty="0"/>
-              <a:t>List now shows that specified</a:t>
-            </a:r>
-          </a:p>
-          <a:p>
-            <a:r>
-              <a:rPr lang="en-GB" dirty="0"/>
-              <a:t>Performance </a:t>
+              <a:t>List is not helpful</a:t>
             </a:r>
           </a:p>
         </p:txBody>
@@ -1140,7 +1136,7 @@
     </p:spTree>
     <p:extLst>
       <p:ext uri="{BB962C8B-B14F-4D97-AF65-F5344CB8AC3E}">
-        <p14:creationId xmlns:p14="http://schemas.microsoft.com/office/powerpoint/2010/main" val="3546407545"/>
+        <p14:creationId xmlns:p14="http://schemas.microsoft.com/office/powerpoint/2010/main" val="114881420"/>
       </p:ext>
     </p:extLst>
   </p:cSld>
@@ -1196,7 +1192,7 @@
           <a:p>
             <a:r>
               <a:rPr lang="en-GB" dirty="0"/>
-              <a:t>What is shown</a:t>
+              <a:t>Attribute on class  text and variables allowed</a:t>
             </a:r>
           </a:p>
         </p:txBody>
@@ -1227,7 +1223,7 @@
     </p:spTree>
     <p:extLst>
       <p:ext uri="{BB962C8B-B14F-4D97-AF65-F5344CB8AC3E}">
-        <p14:creationId xmlns:p14="http://schemas.microsoft.com/office/powerpoint/2010/main" val="2783658156"/>
+        <p14:creationId xmlns:p14="http://schemas.microsoft.com/office/powerpoint/2010/main" val="625169014"/>
       </p:ext>
     </p:extLst>
   </p:cSld>
@@ -1283,7 +1279,13 @@
           <a:p>
             <a:r>
               <a:rPr lang="en-GB" dirty="0"/>
-              <a:t>Address is shown with fields collapsed – this is the default</a:t>
+              <a:t>List now shows that specified</a:t>
+            </a:r>
+          </a:p>
+          <a:p>
+            <a:r>
+              <a:rPr lang="en-GB" dirty="0"/>
+              <a:t>Performance </a:t>
             </a:r>
           </a:p>
         </p:txBody>
@@ -1314,7 +1316,7 @@
     </p:spTree>
     <p:extLst>
       <p:ext uri="{BB962C8B-B14F-4D97-AF65-F5344CB8AC3E}">
-        <p14:creationId xmlns:p14="http://schemas.microsoft.com/office/powerpoint/2010/main" val="1047311096"/>
+        <p14:creationId xmlns:p14="http://schemas.microsoft.com/office/powerpoint/2010/main" val="3546407545"/>
       </p:ext>
     </p:extLst>
   </p:cSld>
@@ -1370,7 +1372,7 @@
           <a:p>
             <a:r>
               <a:rPr lang="en-GB" dirty="0"/>
-              <a:t>Nothing shown </a:t>
+              <a:t>What is shown</a:t>
             </a:r>
           </a:p>
         </p:txBody>
@@ -1401,7 +1403,7 @@
     </p:spTree>
     <p:extLst>
       <p:ext uri="{BB962C8B-B14F-4D97-AF65-F5344CB8AC3E}">
-        <p14:creationId xmlns:p14="http://schemas.microsoft.com/office/powerpoint/2010/main" val="3034224409"/>
+        <p14:creationId xmlns:p14="http://schemas.microsoft.com/office/powerpoint/2010/main" val="2783658156"/>
       </p:ext>
     </p:extLst>
   </p:cSld>
@@ -1457,7 +1459,7 @@
           <a:p>
             <a:r>
               <a:rPr lang="en-GB" dirty="0"/>
-              <a:t>Class level not shown</a:t>
+              <a:t>Address is shown with fields collapsed – this is the default</a:t>
             </a:r>
           </a:p>
         </p:txBody>
@@ -1488,7 +1490,7 @@
     </p:spTree>
     <p:extLst>
       <p:ext uri="{BB962C8B-B14F-4D97-AF65-F5344CB8AC3E}">
-        <p14:creationId xmlns:p14="http://schemas.microsoft.com/office/powerpoint/2010/main" val="2362681039"/>
+        <p14:creationId xmlns:p14="http://schemas.microsoft.com/office/powerpoint/2010/main" val="1047311096"/>
       </p:ext>
     </p:extLst>
   </p:cSld>
@@ -1544,29 +1546,8 @@
           <a:p>
             <a:r>
               <a:rPr lang="en-GB" dirty="0"/>
-              <a:t>Project class through another class.</a:t>
-            </a:r>
-          </a:p>
-          <a:p>
-            <a:r>
-              <a:rPr lang="en-GB" dirty="0"/>
-              <a:t>Raw info shown</a:t>
-            </a:r>
-          </a:p>
-          <a:p>
-            <a:r>
-              <a:rPr lang="en-GB" dirty="0"/>
-              <a:t>Demo</a:t>
-            </a:r>
-          </a:p>
-          <a:p>
-            <a:r>
-              <a:rPr lang="en-GB" dirty="0"/>
-              <a:t>Line 204 – check breakpoint enabled</a:t>
-            </a:r>
-          </a:p>
-          <a:p>
-            <a:endParaRPr lang="en-GB" dirty="0"/>
+              <a:t>Nothing shown </a:t>
+            </a:r>
           </a:p>
         </p:txBody>
       </p:sp>
@@ -1596,7 +1577,7 @@
     </p:spTree>
     <p:extLst>
       <p:ext uri="{BB962C8B-B14F-4D97-AF65-F5344CB8AC3E}">
-        <p14:creationId xmlns:p14="http://schemas.microsoft.com/office/powerpoint/2010/main" val="129435071"/>
+        <p14:creationId xmlns:p14="http://schemas.microsoft.com/office/powerpoint/2010/main" val="3034224409"/>
       </p:ext>
     </p:extLst>
   </p:cSld>
@@ -1652,41 +1633,8 @@
           <a:p>
             <a:r>
               <a:rPr lang="en-GB" dirty="0"/>
-              <a:t>Visualisers are a way of seeing data in a way that is more understandable than a single line of text.</a:t>
-            </a:r>
-          </a:p>
-          <a:p>
-            <a:r>
-              <a:rPr lang="en-GB" dirty="0"/>
-              <a:t>There are some build in ones.</a:t>
-            </a:r>
-          </a:p>
-          <a:p>
-            <a:r>
-              <a:rPr lang="en-GB" dirty="0"/>
-              <a:t>There are many in the marketplace.</a:t>
-            </a:r>
-          </a:p>
-          <a:p>
-            <a:r>
-              <a:rPr lang="en-GB" dirty="0"/>
-              <a:t>Write own inherit from implement show. Documents/visual studio 2017/visualizers or with the standard visualisers</a:t>
-            </a:r>
-          </a:p>
-          <a:p>
-            <a:r>
-              <a:rPr lang="en-GB" dirty="0"/>
-              <a:t>Shown code</a:t>
-            </a:r>
-          </a:p>
-          <a:p>
-            <a:r>
-              <a:rPr lang="en-GB" dirty="0"/>
-              <a:t>Class library</a:t>
-            </a:r>
-          </a:p>
-          <a:p>
-            <a:endParaRPr lang="en-GB" dirty="0"/>
+              <a:t>Class level not shown</a:t>
+            </a:r>
           </a:p>
         </p:txBody>
       </p:sp>
@@ -1716,7 +1664,7 @@
     </p:spTree>
     <p:extLst>
       <p:ext uri="{BB962C8B-B14F-4D97-AF65-F5344CB8AC3E}">
-        <p14:creationId xmlns:p14="http://schemas.microsoft.com/office/powerpoint/2010/main" val="416799230"/>
+        <p14:creationId xmlns:p14="http://schemas.microsoft.com/office/powerpoint/2010/main" val="2362681039"/>
       </p:ext>
     </p:extLst>
   </p:cSld>
@@ -1772,24 +1720,29 @@
           <a:p>
             <a:r>
               <a:rPr lang="en-GB" dirty="0"/>
-              <a:t>Putting mouse over the variable and clicking the pin,</a:t>
-            </a:r>
-          </a:p>
-          <a:p>
-            <a:r>
-              <a:rPr lang="en-GB" dirty="0"/>
-              <a:t>The double chevron pointing down allows you to put a comment in. </a:t>
-            </a:r>
-          </a:p>
-          <a:p>
-            <a:r>
-              <a:rPr lang="en-GB" dirty="0" err="1"/>
-              <a:t>Datatips</a:t>
-            </a:r>
-            <a:r>
-              <a:rPr lang="en-GB" dirty="0"/>
-              <a:t> can be exported under debug menu – someone else is to debug.</a:t>
-            </a:r>
+              <a:t>Project class through another class.</a:t>
+            </a:r>
+          </a:p>
+          <a:p>
+            <a:r>
+              <a:rPr lang="en-GB" dirty="0"/>
+              <a:t>Raw info shown</a:t>
+            </a:r>
+          </a:p>
+          <a:p>
+            <a:r>
+              <a:rPr lang="en-GB" dirty="0"/>
+              <a:t>Demo</a:t>
+            </a:r>
+          </a:p>
+          <a:p>
+            <a:r>
+              <a:rPr lang="en-GB" dirty="0"/>
+              <a:t>Line 204 – check breakpoint enabled</a:t>
+            </a:r>
+          </a:p>
+          <a:p>
+            <a:endParaRPr lang="en-GB" dirty="0"/>
           </a:p>
         </p:txBody>
       </p:sp>
@@ -1819,7 +1772,7 @@
     </p:spTree>
     <p:extLst>
       <p:ext uri="{BB962C8B-B14F-4D97-AF65-F5344CB8AC3E}">
-        <p14:creationId xmlns:p14="http://schemas.microsoft.com/office/powerpoint/2010/main" val="2443119822"/>
+        <p14:creationId xmlns:p14="http://schemas.microsoft.com/office/powerpoint/2010/main" val="129435071"/>
       </p:ext>
     </p:extLst>
   </p:cSld>
@@ -1875,20 +1828,41 @@
           <a:p>
             <a:r>
               <a:rPr lang="en-GB" dirty="0"/>
-              <a:t>Watch window</a:t>
-            </a:r>
-          </a:p>
-          <a:p>
-            <a:r>
-              <a:rPr lang="en-GB" dirty="0"/>
-              <a:t>the Locals – show the values of within the current scope, this will coincide with the focus of the call stack. </a:t>
-            </a:r>
-          </a:p>
-          <a:p>
-            <a:r>
-              <a:rPr lang="en-GB" dirty="0"/>
-              <a:t>The autos window shows the values around the current breakpoint., also coinciding with the call stack. Return values are also shown and </a:t>
-            </a:r>
+              <a:t>Visualisers are a way of seeing data in a way that is more understandable than a single line of text.</a:t>
+            </a:r>
+          </a:p>
+          <a:p>
+            <a:r>
+              <a:rPr lang="en-GB" dirty="0"/>
+              <a:t>There are some build in ones.</a:t>
+            </a:r>
+          </a:p>
+          <a:p>
+            <a:r>
+              <a:rPr lang="en-GB" dirty="0"/>
+              <a:t>There are many in the marketplace.</a:t>
+            </a:r>
+          </a:p>
+          <a:p>
+            <a:r>
+              <a:rPr lang="en-GB" dirty="0"/>
+              <a:t>Write own inherit from implement show. Documents/visual studio 2017/visualizers or with the standard visualisers</a:t>
+            </a:r>
+          </a:p>
+          <a:p>
+            <a:r>
+              <a:rPr lang="en-GB" dirty="0"/>
+              <a:t>Shown code</a:t>
+            </a:r>
+          </a:p>
+          <a:p>
+            <a:r>
+              <a:rPr lang="en-GB" dirty="0"/>
+              <a:t>Class library</a:t>
+            </a:r>
+          </a:p>
+          <a:p>
+            <a:endParaRPr lang="en-GB" dirty="0"/>
           </a:p>
         </p:txBody>
       </p:sp>
@@ -1918,7 +1892,7 @@
     </p:spTree>
     <p:extLst>
       <p:ext uri="{BB962C8B-B14F-4D97-AF65-F5344CB8AC3E}">
-        <p14:creationId xmlns:p14="http://schemas.microsoft.com/office/powerpoint/2010/main" val="3860788685"/>
+        <p14:creationId xmlns:p14="http://schemas.microsoft.com/office/powerpoint/2010/main" val="416799230"/>
       </p:ext>
     </p:extLst>
   </p:cSld>
@@ -2067,19 +2041,23 @@
           <a:p>
             <a:r>
               <a:rPr lang="en-GB" dirty="0"/>
-              <a:t>The call shows where you are and the calling methods. </a:t>
-            </a:r>
-          </a:p>
-          <a:p>
-            <a:r>
-              <a:rPr lang="en-GB" dirty="0"/>
-              <a:t>You can show differing information as shown – parameter type, name and value and the line number that you are at. </a:t>
-            </a:r>
-          </a:p>
-          <a:p>
-            <a:r>
-              <a:rPr lang="en-GB" dirty="0"/>
-              <a:t>Breakpoints can be set in the call stack.</a:t>
+              <a:t>Putting mouse over the variable and clicking the pin,</a:t>
+            </a:r>
+          </a:p>
+          <a:p>
+            <a:r>
+              <a:rPr lang="en-GB" dirty="0"/>
+              <a:t>The double chevron pointing down allows you to put a comment in. </a:t>
+            </a:r>
+          </a:p>
+          <a:p>
+            <a:r>
+              <a:rPr lang="en-GB" dirty="0" err="1"/>
+              <a:t>Datatips</a:t>
+            </a:r>
+            <a:r>
+              <a:rPr lang="en-GB" dirty="0"/>
+              <a:t> can be exported under debug menu – someone else is to debug.</a:t>
             </a:r>
           </a:p>
         </p:txBody>
@@ -2110,7 +2088,7 @@
     </p:spTree>
     <p:extLst>
       <p:ext uri="{BB962C8B-B14F-4D97-AF65-F5344CB8AC3E}">
-        <p14:creationId xmlns:p14="http://schemas.microsoft.com/office/powerpoint/2010/main" val="306845491"/>
+        <p14:creationId xmlns:p14="http://schemas.microsoft.com/office/powerpoint/2010/main" val="2443119822"/>
       </p:ext>
     </p:extLst>
   </p:cSld>
@@ -2166,22 +2144,19 @@
           <a:p>
             <a:r>
               <a:rPr lang="en-GB" dirty="0"/>
-              <a:t>Allows to keep track of variables and methods.</a:t>
-            </a:r>
-          </a:p>
-          <a:p>
-            <a:r>
-              <a:rPr lang="en-GB" dirty="0"/>
-              <a:t>$1</a:t>
-            </a:r>
-          </a:p>
-          <a:p>
-            <a:endParaRPr lang="en-GB" dirty="0"/>
-          </a:p>
-          <a:p>
-            <a:r>
-              <a:rPr lang="en-GB" dirty="0"/>
-              <a:t>There is also the quick watch window which is a modal window make object id not see it</a:t>
+              <a:t>Watch window</a:t>
+            </a:r>
+          </a:p>
+          <a:p>
+            <a:r>
+              <a:rPr lang="en-GB" dirty="0"/>
+              <a:t>the Locals – show the values of within the current scope, this will coincide with the focus of the call stack. </a:t>
+            </a:r>
+          </a:p>
+          <a:p>
+            <a:r>
+              <a:rPr lang="en-GB" dirty="0"/>
+              <a:t>The autos window shows the values around the current breakpoint., also coinciding with the call stack. Return values are also shown and </a:t>
             </a:r>
           </a:p>
         </p:txBody>
@@ -2212,7 +2187,7 @@
     </p:spTree>
     <p:extLst>
       <p:ext uri="{BB962C8B-B14F-4D97-AF65-F5344CB8AC3E}">
-        <p14:creationId xmlns:p14="http://schemas.microsoft.com/office/powerpoint/2010/main" val="1723455707"/>
+        <p14:creationId xmlns:p14="http://schemas.microsoft.com/office/powerpoint/2010/main" val="3860788685"/>
       </p:ext>
     </p:extLst>
   </p:cSld>
@@ -2266,7 +2241,22 @@
           <a:bodyPr/>
           <a:lstStyle/>
           <a:p>
-            <a:endParaRPr lang="en-GB" dirty="0"/>
+            <a:r>
+              <a:rPr lang="en-GB" dirty="0"/>
+              <a:t>The call shows where you are and the calling methods. </a:t>
+            </a:r>
+          </a:p>
+          <a:p>
+            <a:r>
+              <a:rPr lang="en-GB" dirty="0"/>
+              <a:t>You can show differing information as shown – parameter type, name and value and the line number that you are at. </a:t>
+            </a:r>
+          </a:p>
+          <a:p>
+            <a:r>
+              <a:rPr lang="en-GB" dirty="0"/>
+              <a:t>Breakpoints can be set in the call stack.</a:t>
+            </a:r>
           </a:p>
         </p:txBody>
       </p:sp>
@@ -2296,7 +2286,7 @@
     </p:spTree>
     <p:extLst>
       <p:ext uri="{BB962C8B-B14F-4D97-AF65-F5344CB8AC3E}">
-        <p14:creationId xmlns:p14="http://schemas.microsoft.com/office/powerpoint/2010/main" val="1987461711"/>
+        <p14:creationId xmlns:p14="http://schemas.microsoft.com/office/powerpoint/2010/main" val="306845491"/>
       </p:ext>
     </p:extLst>
   </p:cSld>
@@ -2352,35 +2342,23 @@
           <a:p>
             <a:r>
               <a:rPr lang="en-GB" dirty="0"/>
-              <a:t>Flag</a:t>
-            </a:r>
-          </a:p>
-          <a:p>
-            <a:r>
-              <a:rPr lang="en-GB" dirty="0"/>
-              <a:t>Search</a:t>
-            </a:r>
-          </a:p>
-          <a:p>
-            <a:r>
-              <a:rPr lang="en-GB" dirty="0"/>
-              <a:t>Freeze and thaw</a:t>
-            </a:r>
-          </a:p>
-          <a:p>
-            <a:r>
-              <a:rPr lang="en-GB" dirty="0"/>
-              <a:t>Naming – tasks – thread pool</a:t>
-            </a:r>
-          </a:p>
-          <a:p>
-            <a:r>
-              <a:rPr lang="en-GB" dirty="0"/>
-              <a:t>Showing columns</a:t>
+              <a:t>Allows to keep track of variables and methods.</a:t>
+            </a:r>
+          </a:p>
+          <a:p>
+            <a:r>
+              <a:rPr lang="en-GB" dirty="0"/>
+              <a:t>$1</a:t>
             </a:r>
           </a:p>
           <a:p>
             <a:endParaRPr lang="en-GB" dirty="0"/>
+          </a:p>
+          <a:p>
+            <a:r>
+              <a:rPr lang="en-GB" dirty="0"/>
+              <a:t>There is also the quick watch window which is a modal window make object id not see it</a:t>
+            </a:r>
           </a:p>
         </p:txBody>
       </p:sp>
@@ -2410,7 +2388,7 @@
     </p:spTree>
     <p:extLst>
       <p:ext uri="{BB962C8B-B14F-4D97-AF65-F5344CB8AC3E}">
-        <p14:creationId xmlns:p14="http://schemas.microsoft.com/office/powerpoint/2010/main" val="76562486"/>
+        <p14:creationId xmlns:p14="http://schemas.microsoft.com/office/powerpoint/2010/main" val="1723455707"/>
       </p:ext>
     </p:extLst>
   </p:cSld>
@@ -2464,10 +2442,7 @@
           <a:bodyPr/>
           <a:lstStyle/>
           <a:p>
-            <a:r>
-              <a:rPr lang="en-GB" dirty="0"/>
-              <a:t>Where threads are </a:t>
-            </a:r>
+            <a:endParaRPr lang="en-GB" dirty="0"/>
           </a:p>
         </p:txBody>
       </p:sp>
@@ -2497,7 +2472,7 @@
     </p:spTree>
     <p:extLst>
       <p:ext uri="{BB962C8B-B14F-4D97-AF65-F5344CB8AC3E}">
-        <p14:creationId xmlns:p14="http://schemas.microsoft.com/office/powerpoint/2010/main" val="3500064574"/>
+        <p14:creationId xmlns:p14="http://schemas.microsoft.com/office/powerpoint/2010/main" val="1987461711"/>
       </p:ext>
     </p:extLst>
   </p:cSld>
@@ -2553,14 +2528,35 @@
           <a:p>
             <a:r>
               <a:rPr lang="en-GB" dirty="0"/>
-              <a:t>View&gt;Toolbars</a:t>
-            </a:r>
-          </a:p>
-          <a:p>
-            <a:r>
-              <a:rPr lang="en-GB" dirty="0"/>
-              <a:t>Select threads</a:t>
-            </a:r>
+              <a:t>Flag</a:t>
+            </a:r>
+          </a:p>
+          <a:p>
+            <a:r>
+              <a:rPr lang="en-GB" dirty="0"/>
+              <a:t>Search</a:t>
+            </a:r>
+          </a:p>
+          <a:p>
+            <a:r>
+              <a:rPr lang="en-GB" dirty="0"/>
+              <a:t>Freeze and thaw</a:t>
+            </a:r>
+          </a:p>
+          <a:p>
+            <a:r>
+              <a:rPr lang="en-GB" dirty="0"/>
+              <a:t>Naming – tasks – thread pool</a:t>
+            </a:r>
+          </a:p>
+          <a:p>
+            <a:r>
+              <a:rPr lang="en-GB" dirty="0"/>
+              <a:t>Showing columns</a:t>
+            </a:r>
+          </a:p>
+          <a:p>
+            <a:endParaRPr lang="en-GB" dirty="0"/>
           </a:p>
         </p:txBody>
       </p:sp>
@@ -2590,7 +2586,7 @@
     </p:spTree>
     <p:extLst>
       <p:ext uri="{BB962C8B-B14F-4D97-AF65-F5344CB8AC3E}">
-        <p14:creationId xmlns:p14="http://schemas.microsoft.com/office/powerpoint/2010/main" val="2990764819"/>
+        <p14:creationId xmlns:p14="http://schemas.microsoft.com/office/powerpoint/2010/main" val="76562486"/>
       </p:ext>
     </p:extLst>
   </p:cSld>
@@ -2646,7 +2642,7 @@
           <a:p>
             <a:r>
               <a:rPr lang="en-GB" dirty="0"/>
-              <a:t>Describe code watch window value of I, thread stacks </a:t>
+              <a:t>Where threads are </a:t>
             </a:r>
           </a:p>
         </p:txBody>
@@ -2677,7 +2673,7 @@
     </p:spTree>
     <p:extLst>
       <p:ext uri="{BB962C8B-B14F-4D97-AF65-F5344CB8AC3E}">
-        <p14:creationId xmlns:p14="http://schemas.microsoft.com/office/powerpoint/2010/main" val="3577507695"/>
+        <p14:creationId xmlns:p14="http://schemas.microsoft.com/office/powerpoint/2010/main" val="3500064574"/>
       </p:ext>
     </p:extLst>
   </p:cSld>
@@ -2733,31 +2729,13 @@
           <a:p>
             <a:r>
               <a:rPr lang="en-GB" dirty="0"/>
-              <a:t>Different views are to select stack trace for thread</a:t>
-            </a:r>
-          </a:p>
-          <a:p>
-            <a:r>
-              <a:rPr lang="en-GB" dirty="0"/>
-              <a:t>3 views</a:t>
-            </a:r>
-          </a:p>
-          <a:p>
-            <a:r>
-              <a:rPr lang="en-GB" dirty="0"/>
-              <a:t>Thread View</a:t>
-            </a:r>
-          </a:p>
-          <a:p>
-            <a:r>
-              <a:rPr lang="en-GB" dirty="0"/>
-              <a:t>Task View</a:t>
-            </a:r>
-          </a:p>
-          <a:p>
-            <a:r>
-              <a:rPr lang="en-GB" dirty="0"/>
-              <a:t>Method view</a:t>
+              <a:t>View&gt;Toolbars</a:t>
+            </a:r>
+          </a:p>
+          <a:p>
+            <a:r>
+              <a:rPr lang="en-GB" dirty="0"/>
+              <a:t>Select threads</a:t>
             </a:r>
           </a:p>
         </p:txBody>
@@ -2788,7 +2766,7 @@
     </p:spTree>
     <p:extLst>
       <p:ext uri="{BB962C8B-B14F-4D97-AF65-F5344CB8AC3E}">
-        <p14:creationId xmlns:p14="http://schemas.microsoft.com/office/powerpoint/2010/main" val="3822364862"/>
+        <p14:creationId xmlns:p14="http://schemas.microsoft.com/office/powerpoint/2010/main" val="2990764819"/>
       </p:ext>
     </p:extLst>
   </p:cSld>
@@ -2844,13 +2822,7 @@
           <a:p>
             <a:r>
               <a:rPr lang="en-GB" dirty="0"/>
-              <a:t>Show value of I from the code and name - horizontal</a:t>
-            </a:r>
-          </a:p>
-          <a:p>
-            <a:r>
-              <a:rPr lang="en-GB" dirty="0"/>
-              <a:t>Filter can be added, also visualizers</a:t>
+              <a:t>Describe code watch window value of I, thread stacks </a:t>
             </a:r>
           </a:p>
         </p:txBody>
@@ -2881,7 +2853,7 @@
     </p:spTree>
     <p:extLst>
       <p:ext uri="{BB962C8B-B14F-4D97-AF65-F5344CB8AC3E}">
-        <p14:creationId xmlns:p14="http://schemas.microsoft.com/office/powerpoint/2010/main" val="1030915362"/>
+        <p14:creationId xmlns:p14="http://schemas.microsoft.com/office/powerpoint/2010/main" val="3577507695"/>
       </p:ext>
     </p:extLst>
   </p:cSld>
@@ -2936,10 +2908,33 @@
           <a:lstStyle/>
           <a:p>
             <a:r>
-              <a:rPr lang="en-GB" dirty="0" err="1"/>
-              <a:t>Breakpoins</a:t>
-            </a:r>
-            <a:endParaRPr lang="en-GB" dirty="0"/>
+              <a:rPr lang="en-GB" dirty="0"/>
+              <a:t>Different views are to select stack trace for thread</a:t>
+            </a:r>
+          </a:p>
+          <a:p>
+            <a:r>
+              <a:rPr lang="en-GB" dirty="0"/>
+              <a:t>3 views</a:t>
+            </a:r>
+          </a:p>
+          <a:p>
+            <a:r>
+              <a:rPr lang="en-GB" dirty="0"/>
+              <a:t>Thread View</a:t>
+            </a:r>
+          </a:p>
+          <a:p>
+            <a:r>
+              <a:rPr lang="en-GB" dirty="0"/>
+              <a:t>Task View</a:t>
+            </a:r>
+          </a:p>
+          <a:p>
+            <a:r>
+              <a:rPr lang="en-GB" dirty="0"/>
+              <a:t>Method view</a:t>
+            </a:r>
           </a:p>
         </p:txBody>
       </p:sp>
@@ -2969,7 +2964,7 @@
     </p:spTree>
     <p:extLst>
       <p:ext uri="{BB962C8B-B14F-4D97-AF65-F5344CB8AC3E}">
-        <p14:creationId xmlns:p14="http://schemas.microsoft.com/office/powerpoint/2010/main" val="3092337207"/>
+        <p14:creationId xmlns:p14="http://schemas.microsoft.com/office/powerpoint/2010/main" val="3822364862"/>
       </p:ext>
     </p:extLst>
   </p:cSld>
@@ -3112,7 +3107,13 @@
           <a:p>
             <a:r>
               <a:rPr lang="en-GB" dirty="0"/>
-              <a:t>Set on set - memory</a:t>
+              <a:t>Show value of I from the code and name - horizontal</a:t>
+            </a:r>
+          </a:p>
+          <a:p>
+            <a:r>
+              <a:rPr lang="en-GB" dirty="0"/>
+              <a:t>Filter can be added, also visualizers</a:t>
             </a:r>
           </a:p>
         </p:txBody>
@@ -3143,7 +3144,7 @@
     </p:spTree>
     <p:extLst>
       <p:ext uri="{BB962C8B-B14F-4D97-AF65-F5344CB8AC3E}">
-        <p14:creationId xmlns:p14="http://schemas.microsoft.com/office/powerpoint/2010/main" val="3556814102"/>
+        <p14:creationId xmlns:p14="http://schemas.microsoft.com/office/powerpoint/2010/main" val="1030915362"/>
       </p:ext>
     </p:extLst>
   </p:cSld>
@@ -3198,9 +3199,10 @@
           <a:lstStyle/>
           <a:p>
             <a:r>
-              <a:rPr lang="en-GB" dirty="0"/>
-              <a:t>Breakpoint I =5;</a:t>
-            </a:r>
+              <a:rPr lang="en-GB" dirty="0" err="1"/>
+              <a:t>Breakpoins</a:t>
+            </a:r>
+            <a:endParaRPr lang="en-GB" dirty="0"/>
           </a:p>
         </p:txBody>
       </p:sp>
@@ -3230,7 +3232,7 @@
     </p:spTree>
     <p:extLst>
       <p:ext uri="{BB962C8B-B14F-4D97-AF65-F5344CB8AC3E}">
-        <p14:creationId xmlns:p14="http://schemas.microsoft.com/office/powerpoint/2010/main" val="1479761591"/>
+        <p14:creationId xmlns:p14="http://schemas.microsoft.com/office/powerpoint/2010/main" val="3092337207"/>
       </p:ext>
     </p:extLst>
   </p:cSld>
@@ -3286,15 +3288,7 @@
           <a:p>
             <a:r>
               <a:rPr lang="en-GB" dirty="0"/>
-              <a:t>Add </a:t>
-            </a:r>
-            <a:r>
-              <a:rPr lang="en-GB" dirty="0" err="1"/>
-              <a:t>contion</a:t>
-            </a:r>
-            <a:r>
-              <a:rPr lang="en-GB" dirty="0"/>
-              <a:t> – right click breakpoint</a:t>
+              <a:t>Set on set - memory</a:t>
             </a:r>
           </a:p>
         </p:txBody>
@@ -3325,7 +3319,7 @@
     </p:spTree>
     <p:extLst>
       <p:ext uri="{BB962C8B-B14F-4D97-AF65-F5344CB8AC3E}">
-        <p14:creationId xmlns:p14="http://schemas.microsoft.com/office/powerpoint/2010/main" val="3469019877"/>
+        <p14:creationId xmlns:p14="http://schemas.microsoft.com/office/powerpoint/2010/main" val="3556814102"/>
       </p:ext>
     </p:extLst>
   </p:cSld>
@@ -3381,13 +3375,7 @@
           <a:p>
             <a:r>
               <a:rPr lang="en-GB" dirty="0"/>
-              <a:t>Performance </a:t>
-            </a:r>
-          </a:p>
-          <a:p>
-            <a:r>
-              <a:rPr lang="en-GB" dirty="0"/>
-              <a:t>Safety add is attached</a:t>
+              <a:t>Breakpoint I =5;</a:t>
             </a:r>
           </a:p>
         </p:txBody>
@@ -3418,7 +3406,7 @@
     </p:spTree>
     <p:extLst>
       <p:ext uri="{BB962C8B-B14F-4D97-AF65-F5344CB8AC3E}">
-        <p14:creationId xmlns:p14="http://schemas.microsoft.com/office/powerpoint/2010/main" val="4148633218"/>
+        <p14:creationId xmlns:p14="http://schemas.microsoft.com/office/powerpoint/2010/main" val="1479761591"/>
       </p:ext>
     </p:extLst>
   </p:cSld>
@@ -3474,13 +3462,15 @@
           <a:p>
             <a:r>
               <a:rPr lang="en-GB" dirty="0"/>
-              <a:t>Performance </a:t>
-            </a:r>
-          </a:p>
-          <a:p>
-            <a:r>
-              <a:rPr lang="en-GB" dirty="0"/>
-              <a:t>Safety add is attached</a:t>
+              <a:t>Add </a:t>
+            </a:r>
+            <a:r>
+              <a:rPr lang="en-GB" dirty="0" err="1"/>
+              <a:t>contion</a:t>
+            </a:r>
+            <a:r>
+              <a:rPr lang="en-GB" dirty="0"/>
+              <a:t> – right click breakpoint</a:t>
             </a:r>
           </a:p>
         </p:txBody>
@@ -3511,7 +3501,7 @@
     </p:spTree>
     <p:extLst>
       <p:ext uri="{BB962C8B-B14F-4D97-AF65-F5344CB8AC3E}">
-        <p14:creationId xmlns:p14="http://schemas.microsoft.com/office/powerpoint/2010/main" val="3625773866"/>
+        <p14:creationId xmlns:p14="http://schemas.microsoft.com/office/powerpoint/2010/main" val="3469019877"/>
       </p:ext>
     </p:extLst>
   </p:cSld>
@@ -3567,7 +3557,13 @@
           <a:p>
             <a:r>
               <a:rPr lang="en-GB" dirty="0"/>
-              <a:t>Nth time set very high</a:t>
+              <a:t>Performance </a:t>
+            </a:r>
+          </a:p>
+          <a:p>
+            <a:r>
+              <a:rPr lang="en-GB" dirty="0"/>
+              <a:t>Safety add is attached</a:t>
             </a:r>
           </a:p>
         </p:txBody>
@@ -3598,7 +3594,7 @@
     </p:spTree>
     <p:extLst>
       <p:ext uri="{BB962C8B-B14F-4D97-AF65-F5344CB8AC3E}">
-        <p14:creationId xmlns:p14="http://schemas.microsoft.com/office/powerpoint/2010/main" val="1972191348"/>
+        <p14:creationId xmlns:p14="http://schemas.microsoft.com/office/powerpoint/2010/main" val="4148633218"/>
       </p:ext>
     </p:extLst>
   </p:cSld>
@@ -3654,21 +3650,13 @@
           <a:p>
             <a:r>
               <a:rPr lang="en-GB" dirty="0"/>
-              <a:t>Breakpoint window – debug&gt;windows&gt;breakpoint</a:t>
-            </a:r>
-          </a:p>
-          <a:p>
-            <a:r>
-              <a:rPr lang="en-GB" dirty="0"/>
-              <a:t>Set </a:t>
-            </a:r>
-            <a:r>
-              <a:rPr lang="en-GB" dirty="0" err="1"/>
-              <a:t>hitcount</a:t>
-            </a:r>
-            <a:r>
-              <a:rPr lang="en-GB" dirty="0"/>
-              <a:t> to that amount</a:t>
+              <a:t>Performance </a:t>
+            </a:r>
+          </a:p>
+          <a:p>
+            <a:r>
+              <a:rPr lang="en-GB" dirty="0"/>
+              <a:t>Safety add is attached</a:t>
             </a:r>
           </a:p>
         </p:txBody>
@@ -3699,7 +3687,7 @@
     </p:spTree>
     <p:extLst>
       <p:ext uri="{BB962C8B-B14F-4D97-AF65-F5344CB8AC3E}">
-        <p14:creationId xmlns:p14="http://schemas.microsoft.com/office/powerpoint/2010/main" val="1538981471"/>
+        <p14:creationId xmlns:p14="http://schemas.microsoft.com/office/powerpoint/2010/main" val="3625773866"/>
       </p:ext>
     </p:extLst>
   </p:cSld>
@@ -3755,7 +3743,7 @@
           <a:p>
             <a:r>
               <a:rPr lang="en-GB" dirty="0"/>
-              <a:t>Filter for threads</a:t>
+              <a:t>Nth time set very high</a:t>
             </a:r>
           </a:p>
         </p:txBody>
@@ -3786,7 +3774,7 @@
     </p:spTree>
     <p:extLst>
       <p:ext uri="{BB962C8B-B14F-4D97-AF65-F5344CB8AC3E}">
-        <p14:creationId xmlns:p14="http://schemas.microsoft.com/office/powerpoint/2010/main" val="2399877514"/>
+        <p14:creationId xmlns:p14="http://schemas.microsoft.com/office/powerpoint/2010/main" val="1972191348"/>
       </p:ext>
     </p:extLst>
   </p:cSld>
@@ -3842,7 +3830,13 @@
           <a:p>
             <a:r>
               <a:rPr lang="en-GB" dirty="0"/>
-              <a:t>Combined, condition – </a:t>
+              <a:t>Breakpoint window – debug&gt;windows&gt;breakpoint</a:t>
+            </a:r>
+          </a:p>
+          <a:p>
+            <a:r>
+              <a:rPr lang="en-GB" dirty="0"/>
+              <a:t>Set </a:t>
             </a:r>
             <a:r>
               <a:rPr lang="en-GB" dirty="0" err="1"/>
@@ -3850,7 +3844,7 @@
             </a:r>
             <a:r>
               <a:rPr lang="en-GB" dirty="0"/>
-              <a:t>  - filter</a:t>
+              <a:t> to that amount</a:t>
             </a:r>
           </a:p>
         </p:txBody>
@@ -3881,7 +3875,7 @@
     </p:spTree>
     <p:extLst>
       <p:ext uri="{BB962C8B-B14F-4D97-AF65-F5344CB8AC3E}">
-        <p14:creationId xmlns:p14="http://schemas.microsoft.com/office/powerpoint/2010/main" val="2176812130"/>
+        <p14:creationId xmlns:p14="http://schemas.microsoft.com/office/powerpoint/2010/main" val="1538981471"/>
       </p:ext>
     </p:extLst>
   </p:cSld>
@@ -3937,13 +3931,7 @@
           <a:p>
             <a:r>
               <a:rPr lang="en-GB" dirty="0"/>
-              <a:t>Action – message</a:t>
-            </a:r>
-          </a:p>
-          <a:p>
-            <a:r>
-              <a:rPr lang="en-GB" dirty="0"/>
-              <a:t>Continue /stop</a:t>
+              <a:t>Filter for threads</a:t>
             </a:r>
           </a:p>
         </p:txBody>
@@ -3974,7 +3962,7 @@
     </p:spTree>
     <p:extLst>
       <p:ext uri="{BB962C8B-B14F-4D97-AF65-F5344CB8AC3E}">
-        <p14:creationId xmlns:p14="http://schemas.microsoft.com/office/powerpoint/2010/main" val="487524158"/>
+        <p14:creationId xmlns:p14="http://schemas.microsoft.com/office/powerpoint/2010/main" val="2399877514"/>
       </p:ext>
     </p:extLst>
   </p:cSld>
@@ -4114,13 +4102,15 @@
           <a:p>
             <a:r>
               <a:rPr lang="en-GB" dirty="0"/>
-              <a:t>Set a value</a:t>
-            </a:r>
-          </a:p>
-          <a:p>
-            <a:r>
-              <a:rPr lang="en-GB" dirty="0"/>
-              <a:t>Private methods</a:t>
+              <a:t>Combined, condition – </a:t>
+            </a:r>
+            <a:r>
+              <a:rPr lang="en-GB" dirty="0" err="1"/>
+              <a:t>hitcount</a:t>
+            </a:r>
+            <a:r>
+              <a:rPr lang="en-GB" dirty="0"/>
+              <a:t>  - filter</a:t>
             </a:r>
           </a:p>
         </p:txBody>
@@ -4151,7 +4141,7 @@
     </p:spTree>
     <p:extLst>
       <p:ext uri="{BB962C8B-B14F-4D97-AF65-F5344CB8AC3E}">
-        <p14:creationId xmlns:p14="http://schemas.microsoft.com/office/powerpoint/2010/main" val="4112569564"/>
+        <p14:creationId xmlns:p14="http://schemas.microsoft.com/office/powerpoint/2010/main" val="2176812130"/>
       </p:ext>
     </p:extLst>
   </p:cSld>
@@ -4207,13 +4197,13 @@
           <a:p>
             <a:r>
               <a:rPr lang="en-GB" dirty="0"/>
-              <a:t> breakpoint window – new function</a:t>
-            </a:r>
-          </a:p>
-          <a:p>
-            <a:r>
-              <a:rPr lang="en-GB" dirty="0"/>
-              <a:t>polymorphism</a:t>
+              <a:t>Action – message</a:t>
+            </a:r>
+          </a:p>
+          <a:p>
+            <a:r>
+              <a:rPr lang="en-GB" dirty="0"/>
+              <a:t>Continue /stop</a:t>
             </a:r>
           </a:p>
         </p:txBody>
@@ -4244,7 +4234,7 @@
     </p:spTree>
     <p:extLst>
       <p:ext uri="{BB962C8B-B14F-4D97-AF65-F5344CB8AC3E}">
-        <p14:creationId xmlns:p14="http://schemas.microsoft.com/office/powerpoint/2010/main" val="3637565133"/>
+        <p14:creationId xmlns:p14="http://schemas.microsoft.com/office/powerpoint/2010/main" val="487524158"/>
       </p:ext>
     </p:extLst>
   </p:cSld>
@@ -4299,30 +4289,15 @@
           <a:lstStyle/>
           <a:p>
             <a:r>
-              <a:rPr lang="en-GB" sz="1200" b="1" i="0" u="none" strike="noStrike" kern="1200" dirty="0">
-                <a:solidFill>
-                  <a:schemeClr val="tx1"/>
-                </a:solidFill>
-                <a:effectLst/>
-                <a:latin typeface="+mn-lt"/>
-                <a:ea typeface="+mn-ea"/>
-                <a:cs typeface="+mn-cs"/>
-              </a:rPr>
-              <a:t>Enable address-level debugging</a:t>
-            </a:r>
-            <a:r>
-              <a:rPr lang="en-GB" sz="1200" b="0" i="0" u="none" strike="noStrike" kern="1200" dirty="0">
-                <a:solidFill>
-                  <a:schemeClr val="tx1"/>
-                </a:solidFill>
-                <a:effectLst/>
-                <a:latin typeface="+mn-lt"/>
-                <a:ea typeface="+mn-ea"/>
-                <a:cs typeface="+mn-cs"/>
-              </a:rPr>
-              <a:t>:</a:t>
-            </a:r>
-            <a:endParaRPr lang="en-GB" dirty="0"/>
+              <a:rPr lang="en-GB" dirty="0"/>
+              <a:t>Set a value</a:t>
+            </a:r>
+          </a:p>
+          <a:p>
+            <a:r>
+              <a:rPr lang="en-GB" dirty="0"/>
+              <a:t>Private methods</a:t>
+            </a:r>
           </a:p>
         </p:txBody>
       </p:sp>
@@ -4352,7 +4327,7 @@
     </p:spTree>
     <p:extLst>
       <p:ext uri="{BB962C8B-B14F-4D97-AF65-F5344CB8AC3E}">
-        <p14:creationId xmlns:p14="http://schemas.microsoft.com/office/powerpoint/2010/main" val="3674958941"/>
+        <p14:creationId xmlns:p14="http://schemas.microsoft.com/office/powerpoint/2010/main" val="4112569564"/>
       </p:ext>
     </p:extLst>
   </p:cSld>
@@ -4407,18 +4382,15 @@
           <a:lstStyle/>
           <a:p>
             <a:r>
-              <a:rPr lang="en-GB" dirty="0" err="1"/>
-              <a:t>Uwp</a:t>
-            </a:r>
-            <a:r>
-              <a:rPr lang="en-GB" dirty="0"/>
-              <a:t>/ </a:t>
-            </a:r>
-            <a:r>
-              <a:rPr lang="en-GB" dirty="0" err="1"/>
-              <a:t>wpr</a:t>
-            </a:r>
-            <a:endParaRPr lang="en-GB" dirty="0"/>
+              <a:rPr lang="en-GB" dirty="0"/>
+              <a:t> breakpoint window – new function</a:t>
+            </a:r>
+          </a:p>
+          <a:p>
+            <a:r>
+              <a:rPr lang="en-GB" dirty="0"/>
+              <a:t>polymorphism</a:t>
+            </a:r>
           </a:p>
         </p:txBody>
       </p:sp>
@@ -4448,7 +4420,7 @@
     </p:spTree>
     <p:extLst>
       <p:ext uri="{BB962C8B-B14F-4D97-AF65-F5344CB8AC3E}">
-        <p14:creationId xmlns:p14="http://schemas.microsoft.com/office/powerpoint/2010/main" val="2014227023"/>
+        <p14:creationId xmlns:p14="http://schemas.microsoft.com/office/powerpoint/2010/main" val="3637565133"/>
       </p:ext>
     </p:extLst>
   </p:cSld>
@@ -4503,9 +4475,30 @@
           <a:lstStyle/>
           <a:p>
             <a:r>
-              <a:rPr lang="en-GB" dirty="0"/>
-              <a:t>Look up fields and see values</a:t>
-            </a:r>
+              <a:rPr lang="en-GB" sz="1200" b="1" i="0" u="none" strike="noStrike" kern="1200" dirty="0">
+                <a:solidFill>
+                  <a:schemeClr val="tx1"/>
+                </a:solidFill>
+                <a:effectLst/>
+                <a:latin typeface="+mn-lt"/>
+                <a:ea typeface="+mn-ea"/>
+                <a:cs typeface="+mn-cs"/>
+              </a:rPr>
+              <a:t>Enable address-level debugging</a:t>
+            </a:r>
+            <a:r>
+              <a:rPr lang="en-GB" sz="1200" b="0" i="0" u="none" strike="noStrike" kern="1200" dirty="0">
+                <a:solidFill>
+                  <a:schemeClr val="tx1"/>
+                </a:solidFill>
+                <a:effectLst/>
+                <a:latin typeface="+mn-lt"/>
+                <a:ea typeface="+mn-ea"/>
+                <a:cs typeface="+mn-cs"/>
+              </a:rPr>
+              <a:t>:</a:t>
+            </a:r>
+            <a:endParaRPr lang="en-GB" dirty="0"/>
           </a:p>
         </p:txBody>
       </p:sp>
@@ -4535,7 +4528,7 @@
     </p:spTree>
     <p:extLst>
       <p:ext uri="{BB962C8B-B14F-4D97-AF65-F5344CB8AC3E}">
-        <p14:creationId xmlns:p14="http://schemas.microsoft.com/office/powerpoint/2010/main" val="2418651730"/>
+        <p14:creationId xmlns:p14="http://schemas.microsoft.com/office/powerpoint/2010/main" val="3674958941"/>
       </p:ext>
     </p:extLst>
   </p:cSld>
@@ -4590,9 +4583,18 @@
           <a:lstStyle/>
           <a:p>
             <a:r>
-              <a:rPr lang="en-GB" dirty="0"/>
-              <a:t>Open by visual studio</a:t>
-            </a:r>
+              <a:rPr lang="en-GB" dirty="0" err="1"/>
+              <a:t>Uwp</a:t>
+            </a:r>
+            <a:r>
+              <a:rPr lang="en-GB" dirty="0"/>
+              <a:t>/ </a:t>
+            </a:r>
+            <a:r>
+              <a:rPr lang="en-GB" dirty="0" err="1"/>
+              <a:t>wpr</a:t>
+            </a:r>
+            <a:endParaRPr lang="en-GB" dirty="0"/>
           </a:p>
         </p:txBody>
       </p:sp>
@@ -4622,7 +4624,7 @@
     </p:spTree>
     <p:extLst>
       <p:ext uri="{BB962C8B-B14F-4D97-AF65-F5344CB8AC3E}">
-        <p14:creationId xmlns:p14="http://schemas.microsoft.com/office/powerpoint/2010/main" val="273220136"/>
+        <p14:creationId xmlns:p14="http://schemas.microsoft.com/office/powerpoint/2010/main" val="2014227023"/>
       </p:ext>
     </p:extLst>
   </p:cSld>
@@ -4678,13 +4680,8 @@
           <a:p>
             <a:r>
               <a:rPr lang="en-GB" dirty="0"/>
-              <a:t>This is what you get dump was taken whilst on the </a:t>
-            </a:r>
-            <a:r>
-              <a:rPr lang="en-GB" dirty="0" err="1"/>
-              <a:t>readline</a:t>
-            </a:r>
-            <a:endParaRPr lang="en-GB" dirty="0"/>
+              <a:t>Look up fields and see values</a:t>
+            </a:r>
           </a:p>
         </p:txBody>
       </p:sp>
@@ -4714,7 +4711,7 @@
     </p:spTree>
     <p:extLst>
       <p:ext uri="{BB962C8B-B14F-4D97-AF65-F5344CB8AC3E}">
-        <p14:creationId xmlns:p14="http://schemas.microsoft.com/office/powerpoint/2010/main" val="1646806951"/>
+        <p14:creationId xmlns:p14="http://schemas.microsoft.com/office/powerpoint/2010/main" val="2418651730"/>
       </p:ext>
     </p:extLst>
   </p:cSld>
@@ -4770,133 +4767,8 @@
           <a:p>
             <a:r>
               <a:rPr lang="en-GB" dirty="0"/>
-              <a:t>Dumps, components find the correct code</a:t>
-            </a:r>
-          </a:p>
-          <a:p>
-            <a:r>
-              <a:rPr lang="en-GB" dirty="0"/>
-              <a:t>30-40,000 Microsoft 2014 windows</a:t>
-            </a:r>
-          </a:p>
-          <a:p>
-            <a:r>
-              <a:rPr lang="en-GB" dirty="0"/>
-              <a:t>Program Database</a:t>
-            </a:r>
-          </a:p>
-          <a:p>
-            <a:r>
-              <a:rPr lang="en-GB" dirty="0"/>
-              <a:t>Release and Debug</a:t>
-            </a:r>
-          </a:p>
-          <a:p>
-            <a:endParaRPr lang="en-GB" dirty="0"/>
-          </a:p>
-          <a:p>
-            <a:r>
-              <a:rPr lang="en-GB" dirty="0"/>
-              <a:t>Publish symbols when building – azure </a:t>
-            </a:r>
-            <a:r>
-              <a:rPr lang="en-GB" dirty="0" err="1"/>
-              <a:t>devops</a:t>
-            </a:r>
-            <a:endParaRPr lang="en-GB" dirty="0"/>
-          </a:p>
-          <a:p>
-            <a:r>
-              <a:rPr lang="en-GB" dirty="0"/>
-              <a:t>Add symbol server – visual studio</a:t>
-            </a:r>
-          </a:p>
-          <a:p>
-            <a:r>
-              <a:rPr lang="en-GB" dirty="0"/>
-              <a:t>Source server support</a:t>
-            </a:r>
-          </a:p>
-          <a:p>
-            <a:pPr marL="0" marR="0" lvl="0" indent="0" algn="l" defTabSz="914400" rtl="0" eaLnBrk="1" fontAlgn="auto" latinLnBrk="0" hangingPunct="1">
-              <a:lnSpc>
-                <a:spcPct val="100000"/>
-              </a:lnSpc>
-              <a:spcBef>
-                <a:spcPts val="0"/>
-              </a:spcBef>
-              <a:spcAft>
-                <a:spcPts val="0"/>
-              </a:spcAft>
-              <a:buClrTx/>
-              <a:buSzTx/>
-              <a:buFontTx/>
-              <a:buNone/>
-              <a:tabLst/>
-              <a:defRPr/>
-            </a:pPr>
-            <a:r>
-              <a:rPr lang="en-GB" dirty="0"/>
-              <a:t>3</a:t>
-            </a:r>
-            <a:r>
-              <a:rPr lang="en-GB" baseline="30000" dirty="0"/>
-              <a:t>rd</a:t>
-            </a:r>
-            <a:r>
-              <a:rPr lang="en-GB" dirty="0"/>
-              <a:t> party</a:t>
-            </a:r>
-          </a:p>
-          <a:p>
-            <a:pPr marL="0" marR="0" lvl="0" indent="0" algn="l" defTabSz="914400" rtl="0" eaLnBrk="1" fontAlgn="auto" latinLnBrk="0" hangingPunct="1">
-              <a:lnSpc>
-                <a:spcPct val="100000"/>
-              </a:lnSpc>
-              <a:spcBef>
-                <a:spcPts val="0"/>
-              </a:spcBef>
-              <a:spcAft>
-                <a:spcPts val="0"/>
-              </a:spcAft>
-              <a:buClrTx/>
-              <a:buSzTx/>
-              <a:buFontTx/>
-              <a:buNone/>
-              <a:tabLst/>
-              <a:defRPr/>
-            </a:pPr>
-            <a:r>
-              <a:rPr lang="en-GB" dirty="0"/>
-              <a:t>Microsoft symbol server </a:t>
-            </a:r>
-            <a:r>
-              <a:rPr lang="en-GB" dirty="0" err="1"/>
-              <a:t>.net</a:t>
-            </a:r>
-            <a:r>
-              <a:rPr lang="en-GB" dirty="0"/>
-              <a:t> framework source stepping</a:t>
-            </a:r>
-          </a:p>
-          <a:p>
-            <a:r>
-              <a:rPr lang="en-GB" dirty="0"/>
-              <a:t>Enable just my code</a:t>
-            </a:r>
-          </a:p>
-          <a:p>
-            <a:r>
-              <a:rPr lang="en-GB" dirty="0"/>
-              <a:t>Source server support ticked</a:t>
-            </a:r>
-          </a:p>
-          <a:p>
-            <a:r>
-              <a:rPr lang="en-GB" dirty="0" err="1"/>
-              <a:t>sourcelink</a:t>
-            </a:r>
-            <a:endParaRPr lang="en-GB" dirty="0"/>
+              <a:t>Open by visual studio</a:t>
+            </a:r>
           </a:p>
         </p:txBody>
       </p:sp>
@@ -4926,7 +4798,7 @@
     </p:spTree>
     <p:extLst>
       <p:ext uri="{BB962C8B-B14F-4D97-AF65-F5344CB8AC3E}">
-        <p14:creationId xmlns:p14="http://schemas.microsoft.com/office/powerpoint/2010/main" val="3311641226"/>
+        <p14:creationId xmlns:p14="http://schemas.microsoft.com/office/powerpoint/2010/main" val="273220136"/>
       </p:ext>
     </p:extLst>
   </p:cSld>
@@ -4982,58 +4854,13 @@
           <a:p>
             <a:r>
               <a:rPr lang="en-GB" dirty="0"/>
-              <a:t>Breakpoints in </a:t>
+              <a:t>This is what you get dump was taken whilst on the </a:t>
             </a:r>
             <a:r>
               <a:rPr lang="en-GB" dirty="0" err="1"/>
-              <a:t>javascript</a:t>
-            </a:r>
-            <a:r>
-              <a:rPr lang="en-GB" dirty="0"/>
-              <a:t> – option – though when run pointed out</a:t>
-            </a:r>
-          </a:p>
-          <a:p>
-            <a:r>
-              <a:rPr lang="en-GB" dirty="0"/>
-              <a:t>Many browsers at one time  </a:t>
-            </a:r>
-            <a:r>
-              <a:rPr lang="en-GB" dirty="0" err="1"/>
-              <a:t>css</a:t>
-            </a:r>
-            <a:r>
-              <a:rPr lang="en-GB" dirty="0"/>
-              <a:t> </a:t>
-            </a:r>
-            <a:r>
-              <a:rPr lang="en-GB" dirty="0" err="1"/>
-              <a:t>relected</a:t>
+              <a:t>readline</a:t>
             </a:r>
             <a:endParaRPr lang="en-GB" dirty="0"/>
-          </a:p>
-          <a:p>
-            <a:r>
-              <a:rPr lang="en-GB" dirty="0"/>
-              <a:t>Web essentials add in</a:t>
-            </a:r>
-          </a:p>
-          <a:p>
-            <a:r>
-              <a:rPr lang="en-GB" dirty="0"/>
-              <a:t>Sync enter one browser reflected on others ctrl alt enter – log in trouble with </a:t>
-            </a:r>
-            <a:r>
-              <a:rPr lang="en-GB" dirty="0" err="1"/>
-              <a:t>firefox</a:t>
-            </a:r>
-            <a:endParaRPr lang="en-GB" dirty="0"/>
-          </a:p>
-          <a:p>
-            <a:r>
-              <a:rPr lang="en-GB" dirty="0"/>
-              <a:t>Inspector click on icon and code shown ctrl alt I and D edit page updates file</a:t>
-            </a:r>
           </a:p>
         </p:txBody>
       </p:sp>
@@ -5063,7 +4890,7 @@
     </p:spTree>
     <p:extLst>
       <p:ext uri="{BB962C8B-B14F-4D97-AF65-F5344CB8AC3E}">
-        <p14:creationId xmlns:p14="http://schemas.microsoft.com/office/powerpoint/2010/main" val="3553099896"/>
+        <p14:creationId xmlns:p14="http://schemas.microsoft.com/office/powerpoint/2010/main" val="1646806951"/>
       </p:ext>
     </p:extLst>
   </p:cSld>
@@ -5119,8 +4946,133 @@
           <a:p>
             <a:r>
               <a:rPr lang="en-GB" dirty="0"/>
-              <a:t>Total value wrong</a:t>
-            </a:r>
+              <a:t>Dumps, components find the correct code</a:t>
+            </a:r>
+          </a:p>
+          <a:p>
+            <a:r>
+              <a:rPr lang="en-GB" dirty="0"/>
+              <a:t>30-40,000 Microsoft 2014 windows</a:t>
+            </a:r>
+          </a:p>
+          <a:p>
+            <a:r>
+              <a:rPr lang="en-GB" dirty="0"/>
+              <a:t>Program Database</a:t>
+            </a:r>
+          </a:p>
+          <a:p>
+            <a:r>
+              <a:rPr lang="en-GB" dirty="0"/>
+              <a:t>Release and Debug</a:t>
+            </a:r>
+          </a:p>
+          <a:p>
+            <a:endParaRPr lang="en-GB" dirty="0"/>
+          </a:p>
+          <a:p>
+            <a:r>
+              <a:rPr lang="en-GB" dirty="0"/>
+              <a:t>Publish symbols when building – azure </a:t>
+            </a:r>
+            <a:r>
+              <a:rPr lang="en-GB" dirty="0" err="1"/>
+              <a:t>devops</a:t>
+            </a:r>
+            <a:endParaRPr lang="en-GB" dirty="0"/>
+          </a:p>
+          <a:p>
+            <a:r>
+              <a:rPr lang="en-GB" dirty="0"/>
+              <a:t>Add symbol server – visual studio</a:t>
+            </a:r>
+          </a:p>
+          <a:p>
+            <a:r>
+              <a:rPr lang="en-GB" dirty="0"/>
+              <a:t>Source server support</a:t>
+            </a:r>
+          </a:p>
+          <a:p>
+            <a:pPr marL="0" marR="0" lvl="0" indent="0" algn="l" defTabSz="914400" rtl="0" eaLnBrk="1" fontAlgn="auto" latinLnBrk="0" hangingPunct="1">
+              <a:lnSpc>
+                <a:spcPct val="100000"/>
+              </a:lnSpc>
+              <a:spcBef>
+                <a:spcPts val="0"/>
+              </a:spcBef>
+              <a:spcAft>
+                <a:spcPts val="0"/>
+              </a:spcAft>
+              <a:buClrTx/>
+              <a:buSzTx/>
+              <a:buFontTx/>
+              <a:buNone/>
+              <a:tabLst/>
+              <a:defRPr/>
+            </a:pPr>
+            <a:r>
+              <a:rPr lang="en-GB" dirty="0"/>
+              <a:t>3</a:t>
+            </a:r>
+            <a:r>
+              <a:rPr lang="en-GB" baseline="30000" dirty="0"/>
+              <a:t>rd</a:t>
+            </a:r>
+            <a:r>
+              <a:rPr lang="en-GB" dirty="0"/>
+              <a:t> party</a:t>
+            </a:r>
+          </a:p>
+          <a:p>
+            <a:pPr marL="0" marR="0" lvl="0" indent="0" algn="l" defTabSz="914400" rtl="0" eaLnBrk="1" fontAlgn="auto" latinLnBrk="0" hangingPunct="1">
+              <a:lnSpc>
+                <a:spcPct val="100000"/>
+              </a:lnSpc>
+              <a:spcBef>
+                <a:spcPts val="0"/>
+              </a:spcBef>
+              <a:spcAft>
+                <a:spcPts val="0"/>
+              </a:spcAft>
+              <a:buClrTx/>
+              <a:buSzTx/>
+              <a:buFontTx/>
+              <a:buNone/>
+              <a:tabLst/>
+              <a:defRPr/>
+            </a:pPr>
+            <a:r>
+              <a:rPr lang="en-GB" dirty="0"/>
+              <a:t>Microsoft symbol server </a:t>
+            </a:r>
+            <a:r>
+              <a:rPr lang="en-GB" dirty="0" err="1"/>
+              <a:t>.net</a:t>
+            </a:r>
+            <a:r>
+              <a:rPr lang="en-GB" dirty="0"/>
+              <a:t> framework source stepping</a:t>
+            </a:r>
+          </a:p>
+          <a:p>
+            <a:r>
+              <a:rPr lang="en-GB" dirty="0"/>
+              <a:t>Enable just my code</a:t>
+            </a:r>
+          </a:p>
+          <a:p>
+            <a:r>
+              <a:rPr lang="en-GB" dirty="0"/>
+              <a:t>Source server support ticked</a:t>
+            </a:r>
+          </a:p>
+          <a:p>
+            <a:r>
+              <a:rPr lang="en-GB" dirty="0" err="1"/>
+              <a:t>sourcelink</a:t>
+            </a:r>
+            <a:endParaRPr lang="en-GB" dirty="0"/>
           </a:p>
         </p:txBody>
       </p:sp>
@@ -5141,7 +5093,7 @@
           <a:p>
             <a:fld id="{6FDED9D1-3D70-4123-9743-495E081B676C}" type="slidenum">
               <a:rPr lang="en-GB" smtClean="0"/>
-              <a:t>53</a:t>
+              <a:t>49</a:t>
             </a:fld>
             <a:endParaRPr lang="en-GB"/>
           </a:p>
@@ -5150,7 +5102,7 @@
     </p:spTree>
     <p:extLst>
       <p:ext uri="{BB962C8B-B14F-4D97-AF65-F5344CB8AC3E}">
-        <p14:creationId xmlns:p14="http://schemas.microsoft.com/office/powerpoint/2010/main" val="3221789560"/>
+        <p14:creationId xmlns:p14="http://schemas.microsoft.com/office/powerpoint/2010/main" val="3311641226"/>
       </p:ext>
     </p:extLst>
   </p:cSld>
@@ -5309,7 +5261,60 @@
           <a:bodyPr/>
           <a:lstStyle/>
           <a:p>
+            <a:r>
+              <a:rPr lang="en-GB" dirty="0"/>
+              <a:t>Breakpoints in </a:t>
+            </a:r>
+            <a:r>
+              <a:rPr lang="en-GB" dirty="0" err="1"/>
+              <a:t>javascript</a:t>
+            </a:r>
+            <a:r>
+              <a:rPr lang="en-GB" dirty="0"/>
+              <a:t> – option – though when run pointed out</a:t>
+            </a:r>
+          </a:p>
+          <a:p>
+            <a:r>
+              <a:rPr lang="en-GB" dirty="0"/>
+              <a:t>Many browsers at one time  </a:t>
+            </a:r>
+            <a:r>
+              <a:rPr lang="en-GB" dirty="0" err="1"/>
+              <a:t>css</a:t>
+            </a:r>
+            <a:r>
+              <a:rPr lang="en-GB" dirty="0"/>
+              <a:t> </a:t>
+            </a:r>
+            <a:r>
+              <a:rPr lang="en-GB" dirty="0" err="1"/>
+              <a:t>relected</a:t>
+            </a:r>
             <a:endParaRPr lang="en-GB" dirty="0"/>
+          </a:p>
+          <a:p>
+            <a:r>
+              <a:rPr lang="en-GB" dirty="0"/>
+              <a:t>Web essentials add in</a:t>
+            </a:r>
+          </a:p>
+          <a:p>
+            <a:r>
+              <a:rPr lang="en-GB" dirty="0"/>
+              <a:t>Sync enter one browser reflected on others ctrl alt enter – log in trouble with </a:t>
+            </a:r>
+            <a:r>
+              <a:rPr lang="en-GB" dirty="0" err="1"/>
+              <a:t>firefox</a:t>
+            </a:r>
+            <a:endParaRPr lang="en-GB" dirty="0"/>
+          </a:p>
+          <a:p>
+            <a:r>
+              <a:rPr lang="en-GB" dirty="0"/>
+              <a:t>Inspector click on icon and code shown ctrl alt I and D edit page updates file</a:t>
+            </a:r>
           </a:p>
         </p:txBody>
       </p:sp>
@@ -5330,7 +5335,7 @@
           <a:p>
             <a:fld id="{6FDED9D1-3D70-4123-9743-495E081B676C}" type="slidenum">
               <a:rPr lang="en-GB" smtClean="0"/>
-              <a:t>55</a:t>
+              <a:t>50</a:t>
             </a:fld>
             <a:endParaRPr lang="en-GB"/>
           </a:p>
@@ -5339,7 +5344,7 @@
     </p:spTree>
     <p:extLst>
       <p:ext uri="{BB962C8B-B14F-4D97-AF65-F5344CB8AC3E}">
-        <p14:creationId xmlns:p14="http://schemas.microsoft.com/office/powerpoint/2010/main" val="23036930"/>
+        <p14:creationId xmlns:p14="http://schemas.microsoft.com/office/powerpoint/2010/main" val="3553099896"/>
       </p:ext>
     </p:extLst>
   </p:cSld>
@@ -5394,6 +5399,177 @@
           <a:lstStyle/>
           <a:p>
             <a:r>
+              <a:rPr lang="en-GB" dirty="0"/>
+              <a:t>Total value wrong</a:t>
+            </a:r>
+          </a:p>
+        </p:txBody>
+      </p:sp>
+      <p:sp>
+        <p:nvSpPr>
+          <p:cNvPr id="4" name="Slide Number Placeholder 3"/>
+          <p:cNvSpPr>
+            <a:spLocks noGrp="1"/>
+          </p:cNvSpPr>
+          <p:nvPr>
+            <p:ph type="sldNum" sz="quarter" idx="5"/>
+          </p:nvPr>
+        </p:nvSpPr>
+        <p:spPr/>
+        <p:txBody>
+          <a:bodyPr/>
+          <a:lstStyle/>
+          <a:p>
+            <a:fld id="{6FDED9D1-3D70-4123-9743-495E081B676C}" type="slidenum">
+              <a:rPr lang="en-GB" smtClean="0"/>
+              <a:t>55</a:t>
+            </a:fld>
+            <a:endParaRPr lang="en-GB"/>
+          </a:p>
+        </p:txBody>
+      </p:sp>
+    </p:spTree>
+    <p:extLst>
+      <p:ext uri="{BB962C8B-B14F-4D97-AF65-F5344CB8AC3E}">
+        <p14:creationId xmlns:p14="http://schemas.microsoft.com/office/powerpoint/2010/main" val="3221789560"/>
+      </p:ext>
+    </p:extLst>
+  </p:cSld>
+  <p:clrMapOvr>
+    <a:masterClrMapping/>
+  </p:clrMapOvr>
+</p:notes>
+</file>
+
+<file path=ppt/notesSlides/notesSlide52.xml><?xml version="1.0" encoding="utf-8"?>
+<p:notes xmlns:a="http://schemas.openxmlformats.org/drawingml/2006/main" xmlns:r="http://schemas.openxmlformats.org/officeDocument/2006/relationships" xmlns:p="http://schemas.openxmlformats.org/presentationml/2006/main">
+  <p:cSld>
+    <p:spTree>
+      <p:nvGrpSpPr>
+        <p:cNvPr id="1" name=""/>
+        <p:cNvGrpSpPr/>
+        <p:nvPr/>
+      </p:nvGrpSpPr>
+      <p:grpSpPr>
+        <a:xfrm>
+          <a:off x="0" y="0"/>
+          <a:ext cx="0" cy="0"/>
+          <a:chOff x="0" y="0"/>
+          <a:chExt cx="0" cy="0"/>
+        </a:xfrm>
+      </p:grpSpPr>
+      <p:sp>
+        <p:nvSpPr>
+          <p:cNvPr id="2" name="Slide Image Placeholder 1"/>
+          <p:cNvSpPr>
+            <a:spLocks noGrp="1" noRot="1" noChangeAspect="1"/>
+          </p:cNvSpPr>
+          <p:nvPr>
+            <p:ph type="sldImg"/>
+          </p:nvPr>
+        </p:nvSpPr>
+        <p:spPr/>
+      </p:sp>
+      <p:sp>
+        <p:nvSpPr>
+          <p:cNvPr id="3" name="Notes Placeholder 2"/>
+          <p:cNvSpPr>
+            <a:spLocks noGrp="1"/>
+          </p:cNvSpPr>
+          <p:nvPr>
+            <p:ph type="body" idx="1"/>
+          </p:nvPr>
+        </p:nvSpPr>
+        <p:spPr/>
+        <p:txBody>
+          <a:bodyPr/>
+          <a:lstStyle/>
+          <a:p>
+            <a:endParaRPr lang="en-GB" dirty="0"/>
+          </a:p>
+        </p:txBody>
+      </p:sp>
+      <p:sp>
+        <p:nvSpPr>
+          <p:cNvPr id="4" name="Slide Number Placeholder 3"/>
+          <p:cNvSpPr>
+            <a:spLocks noGrp="1"/>
+          </p:cNvSpPr>
+          <p:nvPr>
+            <p:ph type="sldNum" sz="quarter" idx="5"/>
+          </p:nvPr>
+        </p:nvSpPr>
+        <p:spPr/>
+        <p:txBody>
+          <a:bodyPr/>
+          <a:lstStyle/>
+          <a:p>
+            <a:fld id="{6FDED9D1-3D70-4123-9743-495E081B676C}" type="slidenum">
+              <a:rPr lang="en-GB" smtClean="0"/>
+              <a:t>57</a:t>
+            </a:fld>
+            <a:endParaRPr lang="en-GB"/>
+          </a:p>
+        </p:txBody>
+      </p:sp>
+    </p:spTree>
+    <p:extLst>
+      <p:ext uri="{BB962C8B-B14F-4D97-AF65-F5344CB8AC3E}">
+        <p14:creationId xmlns:p14="http://schemas.microsoft.com/office/powerpoint/2010/main" val="23036930"/>
+      </p:ext>
+    </p:extLst>
+  </p:cSld>
+  <p:clrMapOvr>
+    <a:masterClrMapping/>
+  </p:clrMapOvr>
+</p:notes>
+</file>
+
+<file path=ppt/notesSlides/notesSlide53.xml><?xml version="1.0" encoding="utf-8"?>
+<p:notes xmlns:a="http://schemas.openxmlformats.org/drawingml/2006/main" xmlns:r="http://schemas.openxmlformats.org/officeDocument/2006/relationships" xmlns:p="http://schemas.openxmlformats.org/presentationml/2006/main">
+  <p:cSld>
+    <p:spTree>
+      <p:nvGrpSpPr>
+        <p:cNvPr id="1" name=""/>
+        <p:cNvGrpSpPr/>
+        <p:nvPr/>
+      </p:nvGrpSpPr>
+      <p:grpSpPr>
+        <a:xfrm>
+          <a:off x="0" y="0"/>
+          <a:ext cx="0" cy="0"/>
+          <a:chOff x="0" y="0"/>
+          <a:chExt cx="0" cy="0"/>
+        </a:xfrm>
+      </p:grpSpPr>
+      <p:sp>
+        <p:nvSpPr>
+          <p:cNvPr id="2" name="Slide Image Placeholder 1"/>
+          <p:cNvSpPr>
+            <a:spLocks noGrp="1" noRot="1" noChangeAspect="1"/>
+          </p:cNvSpPr>
+          <p:nvPr>
+            <p:ph type="sldImg"/>
+          </p:nvPr>
+        </p:nvSpPr>
+        <p:spPr/>
+      </p:sp>
+      <p:sp>
+        <p:nvSpPr>
+          <p:cNvPr id="3" name="Notes Placeholder 2"/>
+          <p:cNvSpPr>
+            <a:spLocks noGrp="1"/>
+          </p:cNvSpPr>
+          <p:nvPr>
+            <p:ph type="body" idx="1"/>
+          </p:nvPr>
+        </p:nvSpPr>
+        <p:spPr/>
+        <p:txBody>
+          <a:bodyPr/>
+          <a:lstStyle/>
+          <a:p>
+            <a:r>
               <a:rPr lang="en-GB" dirty="0" err="1"/>
               <a:t>ozcode</a:t>
             </a:r>
@@ -5418,7 +5594,7 @@
           <a:p>
             <a:fld id="{6FDED9D1-3D70-4123-9743-495E081B676C}" type="slidenum">
               <a:rPr lang="en-GB" smtClean="0"/>
-              <a:t>56</a:t>
+              <a:t>58</a:t>
             </a:fld>
             <a:endParaRPr lang="en-GB"/>
           </a:p>
@@ -5687,7 +5863,7 @@
           <a:p>
             <a:r>
               <a:rPr lang="en-GB" dirty="0"/>
-              <a:t>3 kinds</a:t>
+              <a:t>This will break if there is no try catch</a:t>
             </a:r>
           </a:p>
         </p:txBody>
@@ -5718,7 +5894,7 @@
     </p:spTree>
     <p:extLst>
       <p:ext uri="{BB962C8B-B14F-4D97-AF65-F5344CB8AC3E}">
-        <p14:creationId xmlns:p14="http://schemas.microsoft.com/office/powerpoint/2010/main" val="1229802125"/>
+        <p14:creationId xmlns:p14="http://schemas.microsoft.com/office/powerpoint/2010/main" val="491324374"/>
       </p:ext>
     </p:extLst>
   </p:cSld>
@@ -5774,7 +5950,23 @@
           <a:p>
             <a:r>
               <a:rPr lang="en-GB" dirty="0"/>
-              <a:t>List is not helpful</a:t>
+              <a:t>If there is a try catch it doesn’t break at the point of where the exception occurred </a:t>
+            </a:r>
+            <a:r>
+              <a:rPr lang="en-GB" dirty="0" err="1"/>
+              <a:t>bu</a:t>
+            </a:r>
+            <a:r>
+              <a:rPr lang="en-GB" dirty="0"/>
+              <a:t> </a:t>
+            </a:r>
+            <a:r>
+              <a:rPr lang="en-GB" dirty="0" err="1"/>
+              <a:t>tif</a:t>
+            </a:r>
+            <a:r>
+              <a:rPr lang="en-GB" dirty="0"/>
+              <a:t> you tick the box it will break.</a:t>
             </a:r>
           </a:p>
         </p:txBody>
@@ -5805,7 +5997,7 @@
     </p:spTree>
     <p:extLst>
       <p:ext uri="{BB962C8B-B14F-4D97-AF65-F5344CB8AC3E}">
-        <p14:creationId xmlns:p14="http://schemas.microsoft.com/office/powerpoint/2010/main" val="114881420"/>
+        <p14:creationId xmlns:p14="http://schemas.microsoft.com/office/powerpoint/2010/main" val="2417491843"/>
       </p:ext>
     </p:extLst>
   </p:cSld>
@@ -5985,7 +6177,7 @@
           <a:p>
             <a:fld id="{48A87A34-81AB-432B-8DAE-1953F412C126}" type="datetimeFigureOut">
               <a:rPr lang="en-US" dirty="0"/>
-              <a:t>6/16/2019</a:t>
+              <a:t>6/19/2019</a:t>
             </a:fld>
             <a:endParaRPr lang="en-US" dirty="0"/>
           </a:p>
@@ -6247,7 +6439,7 @@
           <a:p>
             <a:fld id="{48A87A34-81AB-432B-8DAE-1953F412C126}" type="datetimeFigureOut">
               <a:rPr lang="en-US" dirty="0"/>
-              <a:t>6/16/2019</a:t>
+              <a:t>6/19/2019</a:t>
             </a:fld>
             <a:endParaRPr lang="en-US" dirty="0"/>
           </a:p>
@@ -6474,7 +6666,7 @@
             <a:fld id="{48A87A34-81AB-432B-8DAE-1953F412C126}" type="datetimeFigureOut">
               <a:rPr lang="en-US" dirty="0"/>
               <a:pPr/>
-              <a:t>6/16/2019</a:t>
+              <a:t>6/19/2019</a:t>
             </a:fld>
             <a:endParaRPr lang="en-US" dirty="0"/>
           </a:p>
@@ -6780,7 +6972,7 @@
             <a:fld id="{48A87A34-81AB-432B-8DAE-1953F412C126}" type="datetimeFigureOut">
               <a:rPr lang="en-US" dirty="0"/>
               <a:pPr/>
-              <a:t>6/16/2019</a:t>
+              <a:t>6/19/2019</a:t>
             </a:fld>
             <a:endParaRPr lang="en-US" dirty="0"/>
           </a:p>
@@ -7249,7 +7441,7 @@
             <a:fld id="{48A87A34-81AB-432B-8DAE-1953F412C126}" type="datetimeFigureOut">
               <a:rPr lang="en-US" dirty="0"/>
               <a:pPr/>
-              <a:t>6/16/2019</a:t>
+              <a:t>6/19/2019</a:t>
             </a:fld>
             <a:endParaRPr lang="en-US" dirty="0"/>
           </a:p>
@@ -7791,7 +7983,7 @@
           <a:p>
             <a:fld id="{48A87A34-81AB-432B-8DAE-1953F412C126}" type="datetimeFigureOut">
               <a:rPr lang="en-US" dirty="0"/>
-              <a:t>6/16/2019</a:t>
+              <a:t>6/19/2019</a:t>
             </a:fld>
             <a:endParaRPr lang="en-US" dirty="0"/>
           </a:p>
@@ -8560,7 +8752,7 @@
           <a:p>
             <a:fld id="{48A87A34-81AB-432B-8DAE-1953F412C126}" type="datetimeFigureOut">
               <a:rPr lang="en-US" dirty="0"/>
-              <a:t>6/16/2019</a:t>
+              <a:t>6/19/2019</a:t>
             </a:fld>
             <a:endParaRPr lang="en-US" dirty="0"/>
           </a:p>
@@ -8730,7 +8922,7 @@
           <a:p>
             <a:fld id="{48A87A34-81AB-432B-8DAE-1953F412C126}" type="datetimeFigureOut">
               <a:rPr lang="en-US" dirty="0"/>
-              <a:t>6/16/2019</a:t>
+              <a:t>6/19/2019</a:t>
             </a:fld>
             <a:endParaRPr lang="en-US" dirty="0"/>
           </a:p>
@@ -8949,7 +9141,7 @@
             <a:fld id="{48A87A34-81AB-432B-8DAE-1953F412C126}" type="datetimeFigureOut">
               <a:rPr lang="en-US" dirty="0"/>
               <a:pPr/>
-              <a:t>6/16/2019</a:t>
+              <a:t>6/19/2019</a:t>
             </a:fld>
             <a:endParaRPr lang="en-US" dirty="0"/>
           </a:p>
@@ -9124,7 +9316,7 @@
           <a:p>
             <a:fld id="{48A87A34-81AB-432B-8DAE-1953F412C126}" type="datetimeFigureOut">
               <a:rPr lang="en-US" dirty="0"/>
-              <a:t>6/16/2019</a:t>
+              <a:t>6/19/2019</a:t>
             </a:fld>
             <a:endParaRPr lang="en-US" dirty="0"/>
           </a:p>
@@ -9409,7 +9601,7 @@
             <a:fld id="{48A87A34-81AB-432B-8DAE-1953F412C126}" type="datetimeFigureOut">
               <a:rPr lang="en-US" dirty="0"/>
               <a:pPr/>
-              <a:t>6/16/2019</a:t>
+              <a:t>6/19/2019</a:t>
             </a:fld>
             <a:endParaRPr lang="en-US" dirty="0"/>
           </a:p>
@@ -9646,7 +9838,7 @@
           <a:p>
             <a:fld id="{48A87A34-81AB-432B-8DAE-1953F412C126}" type="datetimeFigureOut">
               <a:rPr lang="en-US" dirty="0"/>
-              <a:t>6/16/2019</a:t>
+              <a:t>6/19/2019</a:t>
             </a:fld>
             <a:endParaRPr lang="en-US" dirty="0"/>
           </a:p>
@@ -10020,7 +10212,7 @@
           <a:p>
             <a:fld id="{48A87A34-81AB-432B-8DAE-1953F412C126}" type="datetimeFigureOut">
               <a:rPr lang="en-US" dirty="0"/>
-              <a:t>6/16/2019</a:t>
+              <a:t>6/19/2019</a:t>
             </a:fld>
             <a:endParaRPr lang="en-US" dirty="0"/>
           </a:p>
@@ -10133,7 +10325,7 @@
           <a:p>
             <a:fld id="{48A87A34-81AB-432B-8DAE-1953F412C126}" type="datetimeFigureOut">
               <a:rPr lang="en-US" dirty="0"/>
-              <a:t>6/16/2019</a:t>
+              <a:t>6/19/2019</a:t>
             </a:fld>
             <a:endParaRPr lang="en-US" dirty="0"/>
           </a:p>
@@ -10223,7 +10415,7 @@
           <a:p>
             <a:fld id="{48A87A34-81AB-432B-8DAE-1953F412C126}" type="datetimeFigureOut">
               <a:rPr lang="en-US" dirty="0"/>
-              <a:t>6/16/2019</a:t>
+              <a:t>6/19/2019</a:t>
             </a:fld>
             <a:endParaRPr lang="en-US" dirty="0"/>
           </a:p>
@@ -10467,7 +10659,7 @@
           <a:p>
             <a:fld id="{48A87A34-81AB-432B-8DAE-1953F412C126}" type="datetimeFigureOut">
               <a:rPr lang="en-US" dirty="0"/>
-              <a:t>6/16/2019</a:t>
+              <a:t>6/19/2019</a:t>
             </a:fld>
             <a:endParaRPr lang="en-US" dirty="0"/>
           </a:p>
@@ -10719,7 +10911,7 @@
           <a:p>
             <a:fld id="{48A87A34-81AB-432B-8DAE-1953F412C126}" type="datetimeFigureOut">
               <a:rPr lang="en-US" dirty="0"/>
-              <a:t>6/16/2019</a:t>
+              <a:t>6/19/2019</a:t>
             </a:fld>
             <a:endParaRPr lang="en-US" dirty="0"/>
           </a:p>
@@ -10958,7 +11150,7 @@
             <a:fld id="{48A87A34-81AB-432B-8DAE-1953F412C126}" type="datetimeFigureOut">
               <a:rPr lang="en-US" dirty="0"/>
               <a:pPr/>
-              <a:t>6/16/2019</a:t>
+              <a:t>6/19/2019</a:t>
             </a:fld>
             <a:endParaRPr lang="en-US" dirty="0"/>
           </a:p>
@@ -11456,6 +11648,230 @@
           <p:cNvPr id="2" name="Title 1">
             <a:extLst>
               <a:ext uri="{FF2B5EF4-FFF2-40B4-BE49-F238E27FC236}">
+                <a16:creationId xmlns:a16="http://schemas.microsoft.com/office/drawing/2014/main" id="{A9BAB78E-7D91-4FE0-8ABF-10B63DB74EF8}"/>
+              </a:ext>
+            </a:extLst>
+          </p:cNvPr>
+          <p:cNvSpPr>
+            <a:spLocks noGrp="1"/>
+          </p:cNvSpPr>
+          <p:nvPr>
+            <p:ph type="title"/>
+          </p:nvPr>
+        </p:nvSpPr>
+        <p:spPr/>
+        <p:txBody>
+          <a:bodyPr/>
+          <a:lstStyle/>
+          <a:p>
+            <a:r>
+              <a:rPr lang="en-GB" dirty="0"/>
+              <a:t>Debugging Attributes</a:t>
+            </a:r>
+          </a:p>
+        </p:txBody>
+      </p:sp>
+      <p:sp>
+        <p:nvSpPr>
+          <p:cNvPr id="3" name="Content Placeholder 2">
+            <a:extLst>
+              <a:ext uri="{FF2B5EF4-FFF2-40B4-BE49-F238E27FC236}">
+                <a16:creationId xmlns:a16="http://schemas.microsoft.com/office/drawing/2014/main" id="{B793ACA1-0694-48E5-A722-E57569BB3C04}"/>
+              </a:ext>
+            </a:extLst>
+          </p:cNvPr>
+          <p:cNvSpPr>
+            <a:spLocks noGrp="1"/>
+          </p:cNvSpPr>
+          <p:nvPr>
+            <p:ph idx="1"/>
+          </p:nvPr>
+        </p:nvSpPr>
+        <p:spPr/>
+        <p:txBody>
+          <a:bodyPr/>
+          <a:lstStyle/>
+          <a:p>
+            <a:r>
+              <a:rPr lang="en-GB" dirty="0"/>
+              <a:t>Debugger Display</a:t>
+            </a:r>
+          </a:p>
+          <a:p>
+            <a:r>
+              <a:rPr lang="en-GB" dirty="0"/>
+              <a:t>Debugger Browsable</a:t>
+            </a:r>
+          </a:p>
+          <a:p>
+            <a:r>
+              <a:rPr lang="en-GB" dirty="0"/>
+              <a:t>Debugger Type Proxy</a:t>
+            </a:r>
+          </a:p>
+          <a:p>
+            <a:pPr marL="0" indent="0">
+              <a:buNone/>
+            </a:pPr>
+            <a:endParaRPr lang="en-GB" dirty="0"/>
+          </a:p>
+          <a:p>
+            <a:pPr marL="0" indent="0">
+              <a:buNone/>
+            </a:pPr>
+            <a:endParaRPr lang="en-GB" dirty="0"/>
+          </a:p>
+        </p:txBody>
+      </p:sp>
+    </p:spTree>
+    <p:extLst>
+      <p:ext uri="{BB962C8B-B14F-4D97-AF65-F5344CB8AC3E}">
+        <p14:creationId xmlns:p14="http://schemas.microsoft.com/office/powerpoint/2010/main" val="2151647601"/>
+      </p:ext>
+    </p:extLst>
+  </p:cSld>
+  <p:clrMapOvr>
+    <a:masterClrMapping/>
+  </p:clrMapOvr>
+</p:sld>
+</file>
+
+<file path=ppt/slides/slide11.xml><?xml version="1.0" encoding="utf-8"?>
+<p:sld xmlns:a="http://schemas.openxmlformats.org/drawingml/2006/main" xmlns:r="http://schemas.openxmlformats.org/officeDocument/2006/relationships" xmlns:p="http://schemas.openxmlformats.org/presentationml/2006/main">
+  <p:cSld>
+    <p:spTree>
+      <p:nvGrpSpPr>
+        <p:cNvPr id="1" name=""/>
+        <p:cNvGrpSpPr/>
+        <p:nvPr/>
+      </p:nvGrpSpPr>
+      <p:grpSpPr>
+        <a:xfrm>
+          <a:off x="0" y="0"/>
+          <a:ext cx="0" cy="0"/>
+          <a:chOff x="0" y="0"/>
+          <a:chExt cx="0" cy="0"/>
+        </a:xfrm>
+      </p:grpSpPr>
+      <p:sp>
+        <p:nvSpPr>
+          <p:cNvPr id="2" name="Title 1">
+            <a:extLst>
+              <a:ext uri="{FF2B5EF4-FFF2-40B4-BE49-F238E27FC236}">
+                <a16:creationId xmlns:a16="http://schemas.microsoft.com/office/drawing/2014/main" id="{1A9E5587-930B-4D12-AF04-93B5365EE5A0}"/>
+              </a:ext>
+            </a:extLst>
+          </p:cNvPr>
+          <p:cNvSpPr>
+            <a:spLocks noGrp="1"/>
+          </p:cNvSpPr>
+          <p:nvPr>
+            <p:ph type="title"/>
+          </p:nvPr>
+        </p:nvSpPr>
+        <p:spPr/>
+        <p:txBody>
+          <a:bodyPr/>
+          <a:lstStyle/>
+          <a:p>
+            <a:r>
+              <a:rPr lang="en-GB" dirty="0" err="1"/>
+              <a:t>DebuggerDisplay</a:t>
+            </a:r>
+            <a:endParaRPr lang="en-GB" dirty="0"/>
+          </a:p>
+        </p:txBody>
+      </p:sp>
+      <p:pic>
+        <p:nvPicPr>
+          <p:cNvPr id="3" name="Picture 2">
+            <a:extLst>
+              <a:ext uri="{FF2B5EF4-FFF2-40B4-BE49-F238E27FC236}">
+                <a16:creationId xmlns:a16="http://schemas.microsoft.com/office/drawing/2014/main" id="{3F32B2D2-CF53-4275-83C6-2C8E3E4E8CE7}"/>
+              </a:ext>
+            </a:extLst>
+          </p:cNvPr>
+          <p:cNvPicPr>
+            <a:picLocks noChangeAspect="1"/>
+          </p:cNvPicPr>
+          <p:nvPr/>
+        </p:nvPicPr>
+        <p:blipFill>
+          <a:blip r:embed="rId3"/>
+          <a:stretch>
+            <a:fillRect/>
+          </a:stretch>
+        </p:blipFill>
+        <p:spPr>
+          <a:xfrm>
+            <a:off x="157162" y="2338387"/>
+            <a:ext cx="11877675" cy="2181225"/>
+          </a:xfrm>
+          <a:prstGeom prst="rect">
+            <a:avLst/>
+          </a:prstGeom>
+        </p:spPr>
+      </p:pic>
+      <p:sp>
+        <p:nvSpPr>
+          <p:cNvPr id="5" name="Content Placeholder 4">
+            <a:extLst>
+              <a:ext uri="{FF2B5EF4-FFF2-40B4-BE49-F238E27FC236}">
+                <a16:creationId xmlns:a16="http://schemas.microsoft.com/office/drawing/2014/main" id="{06F36574-1391-4549-BC06-40AE98811409}"/>
+              </a:ext>
+            </a:extLst>
+          </p:cNvPr>
+          <p:cNvSpPr>
+            <a:spLocks noGrp="1"/>
+          </p:cNvSpPr>
+          <p:nvPr>
+            <p:ph idx="1"/>
+          </p:nvPr>
+        </p:nvSpPr>
+        <p:spPr/>
+        <p:txBody>
+          <a:bodyPr/>
+          <a:lstStyle/>
+          <a:p>
+            <a:endParaRPr lang="en-GB" dirty="0"/>
+          </a:p>
+        </p:txBody>
+      </p:sp>
+    </p:spTree>
+    <p:extLst>
+      <p:ext uri="{BB962C8B-B14F-4D97-AF65-F5344CB8AC3E}">
+        <p14:creationId xmlns:p14="http://schemas.microsoft.com/office/powerpoint/2010/main" val="3807669585"/>
+      </p:ext>
+    </p:extLst>
+  </p:cSld>
+  <p:clrMapOvr>
+    <a:masterClrMapping/>
+  </p:clrMapOvr>
+</p:sld>
+</file>
+
+<file path=ppt/slides/slide12.xml><?xml version="1.0" encoding="utf-8"?>
+<p:sld xmlns:a="http://schemas.openxmlformats.org/drawingml/2006/main" xmlns:r="http://schemas.openxmlformats.org/officeDocument/2006/relationships" xmlns:p="http://schemas.openxmlformats.org/presentationml/2006/main">
+  <p:cSld>
+    <p:spTree>
+      <p:nvGrpSpPr>
+        <p:cNvPr id="1" name=""/>
+        <p:cNvGrpSpPr/>
+        <p:nvPr/>
+      </p:nvGrpSpPr>
+      <p:grpSpPr>
+        <a:xfrm>
+          <a:off x="0" y="0"/>
+          <a:ext cx="0" cy="0"/>
+          <a:chOff x="0" y="0"/>
+          <a:chExt cx="0" cy="0"/>
+        </a:xfrm>
+      </p:grpSpPr>
+      <p:sp>
+        <p:nvSpPr>
+          <p:cNvPr id="2" name="Title 1">
+            <a:extLst>
+              <a:ext uri="{FF2B5EF4-FFF2-40B4-BE49-F238E27FC236}">
                 <a16:creationId xmlns:a16="http://schemas.microsoft.com/office/drawing/2014/main" id="{9BA1DE38-4D2F-43E5-90DB-AEC87DF56D8E}"/>
               </a:ext>
             </a:extLst>
@@ -11559,7 +11975,7 @@
 </p:sld>
 </file>
 
-<file path=ppt/slides/slide11.xml><?xml version="1.0" encoding="utf-8"?>
+<file path=ppt/slides/slide13.xml><?xml version="1.0" encoding="utf-8"?>
 <p:sld xmlns:a="http://schemas.openxmlformats.org/drawingml/2006/main" xmlns:r="http://schemas.openxmlformats.org/officeDocument/2006/relationships" xmlns:p="http://schemas.openxmlformats.org/presentationml/2006/main">
   <p:cSld>
     <p:spTree>
@@ -11673,7 +12089,7 @@
 </p:sld>
 </file>
 
-<file path=ppt/slides/slide12.xml><?xml version="1.0" encoding="utf-8"?>
+<file path=ppt/slides/slide14.xml><?xml version="1.0" encoding="utf-8"?>
 <p:sld xmlns:a="http://schemas.openxmlformats.org/drawingml/2006/main" xmlns:r="http://schemas.openxmlformats.org/officeDocument/2006/relationships" xmlns:p="http://schemas.openxmlformats.org/presentationml/2006/main">
   <p:cSld>
     <p:spTree>
@@ -11719,151 +12135,41 @@
           </a:p>
         </p:txBody>
       </p:sp>
-      <p:sp>
-        <p:nvSpPr>
-          <p:cNvPr id="3" name="Content Placeholder 2">
+      <p:pic>
+        <p:nvPicPr>
+          <p:cNvPr id="4" name="Content Placeholder 3">
             <a:extLst>
               <a:ext uri="{FF2B5EF4-FFF2-40B4-BE49-F238E27FC236}">
-                <a16:creationId xmlns:a16="http://schemas.microsoft.com/office/drawing/2014/main" id="{4D039346-A0E9-4894-A7B7-D03185367B19}"/>
+                <a16:creationId xmlns:a16="http://schemas.microsoft.com/office/drawing/2014/main" id="{1FBC66ED-434E-4C35-B429-E44FF700F214}"/>
               </a:ext>
             </a:extLst>
           </p:cNvPr>
-          <p:cNvSpPr>
-            <a:spLocks noGrp="1"/>
-          </p:cNvSpPr>
+          <p:cNvPicPr>
+            <a:picLocks noGrp="1" noChangeAspect="1"/>
+          </p:cNvPicPr>
           <p:nvPr>
             <p:ph idx="1"/>
           </p:nvPr>
-        </p:nvSpPr>
-        <p:spPr/>
-        <p:txBody>
-          <a:bodyPr/>
-          <a:lstStyle/>
-          <a:p>
-            <a:r>
-              <a:rPr lang="en-GB" dirty="0"/>
-              <a:t> public class </a:t>
-            </a:r>
-            <a:r>
-              <a:rPr lang="en-GB" dirty="0" err="1"/>
-              <a:t>PersonBrowse</a:t>
-            </a:r>
-            <a:endParaRPr lang="en-GB" dirty="0"/>
-          </a:p>
-          <a:p>
-            <a:r>
-              <a:rPr lang="en-GB" dirty="0"/>
-              <a:t>    {</a:t>
-            </a:r>
-          </a:p>
-          <a:p>
-            <a:r>
-              <a:rPr lang="en-GB" dirty="0"/>
-              <a:t>        public string Name { get; set; }</a:t>
-            </a:r>
-          </a:p>
-          <a:p>
-            <a:endParaRPr lang="en-GB" dirty="0"/>
-          </a:p>
-          <a:p>
-            <a:r>
-              <a:rPr lang="en-GB" dirty="0"/>
-              <a:t>        public int Age { get; set; }</a:t>
-            </a:r>
-          </a:p>
-          <a:p>
-            <a:endParaRPr lang="en-GB" dirty="0"/>
-          </a:p>
-          <a:p>
-            <a:r>
-              <a:rPr lang="en-GB" dirty="0">
-                <a:solidFill>
-                  <a:schemeClr val="bg2"/>
-                </a:solidFill>
-              </a:rPr>
-              <a:t>        </a:t>
-            </a:r>
-            <a:r>
-              <a:rPr lang="en-GB" dirty="0">
-                <a:solidFill>
-                  <a:schemeClr val="bg2"/>
-                </a:solidFill>
-                <a:highlight>
-                  <a:srgbClr val="FFFF00"/>
-                </a:highlight>
-              </a:rPr>
-              <a:t>[</a:t>
-            </a:r>
-            <a:r>
-              <a:rPr lang="en-GB" dirty="0" err="1">
-                <a:solidFill>
-                  <a:schemeClr val="bg2"/>
-                </a:solidFill>
-                <a:highlight>
-                  <a:srgbClr val="FFFF00"/>
-                </a:highlight>
-              </a:rPr>
-              <a:t>DebuggerBrowsable</a:t>
-            </a:r>
-            <a:r>
-              <a:rPr lang="en-GB" dirty="0">
-                <a:solidFill>
-                  <a:schemeClr val="bg2"/>
-                </a:solidFill>
-                <a:highlight>
-                  <a:srgbClr val="FFFF00"/>
-                </a:highlight>
-              </a:rPr>
-              <a:t>(</a:t>
-            </a:r>
-            <a:r>
-              <a:rPr lang="en-GB" dirty="0" err="1">
-                <a:solidFill>
-                  <a:schemeClr val="bg2"/>
-                </a:solidFill>
-                <a:highlight>
-                  <a:srgbClr val="FFFF00"/>
-                </a:highlight>
-              </a:rPr>
-              <a:t>DebuggerBrowsableState.Collapsed</a:t>
-            </a:r>
-            <a:r>
-              <a:rPr lang="en-GB" dirty="0">
-                <a:solidFill>
-                  <a:schemeClr val="bg2"/>
-                </a:solidFill>
-                <a:highlight>
-                  <a:srgbClr val="FFFF00"/>
-                </a:highlight>
-              </a:rPr>
-              <a:t>)]</a:t>
-            </a:r>
-          </a:p>
-          <a:p>
-            <a:r>
-              <a:rPr lang="en-GB" dirty="0"/>
-              <a:t>        public Address </a:t>
-            </a:r>
-            <a:r>
-              <a:rPr lang="en-GB" dirty="0" err="1"/>
-              <a:t>Address</a:t>
-            </a:r>
-            <a:r>
-              <a:rPr lang="en-GB" dirty="0"/>
-              <a:t> { get; set; }</a:t>
-            </a:r>
-          </a:p>
-          <a:p>
-            <a:r>
-              <a:rPr lang="en-GB" dirty="0"/>
-              <a:t>    }</a:t>
-            </a:r>
-          </a:p>
-        </p:txBody>
-      </p:sp>
+        </p:nvPicPr>
+        <p:blipFill>
+          <a:blip r:embed="rId3"/>
+          <a:stretch>
+            <a:fillRect/>
+          </a:stretch>
+        </p:blipFill>
+        <p:spPr>
+          <a:xfrm>
+            <a:off x="194115" y="2300748"/>
+            <a:ext cx="11748674" cy="3792879"/>
+          </a:xfrm>
+          <a:prstGeom prst="rect">
+            <a:avLst/>
+          </a:prstGeom>
+        </p:spPr>
+      </p:pic>
       <mc:AlternateContent xmlns:mc="http://schemas.openxmlformats.org/markup-compatibility/2006" xmlns:p14="http://schemas.microsoft.com/office/powerpoint/2010/main">
         <mc:Choice Requires="p14">
-          <p:contentPart p14:bwMode="auto" r:id="rId3">
+          <p:contentPart p14:bwMode="auto" r:id="rId4">
             <p14:nvContentPartPr>
               <p14:cNvPr id="5" name="Ink 4">
                 <a:extLst>
@@ -11895,7 +12201,7 @@
               <p:nvPr/>
             </p:nvPicPr>
             <p:blipFill>
-              <a:blip r:embed="rId4"/>
+              <a:blip r:embed="rId5"/>
               <a:stretch>
                 <a:fillRect/>
               </a:stretch>
@@ -11925,7 +12231,7 @@
 </p:sld>
 </file>
 
-<file path=ppt/slides/slide13.xml><?xml version="1.0" encoding="utf-8"?>
+<file path=ppt/slides/slide15.xml><?xml version="1.0" encoding="utf-8"?>
 <p:sld xmlns:a="http://schemas.openxmlformats.org/drawingml/2006/main" xmlns:r="http://schemas.openxmlformats.org/officeDocument/2006/relationships" xmlns:p="http://schemas.openxmlformats.org/presentationml/2006/main">
   <p:cSld>
     <p:spTree>
@@ -12013,7 +12319,7 @@
 </p:sld>
 </file>
 
-<file path=ppt/slides/slide14.xml><?xml version="1.0" encoding="utf-8"?>
+<file path=ppt/slides/slide16.xml><?xml version="1.0" encoding="utf-8"?>
 <p:sld xmlns:a="http://schemas.openxmlformats.org/drawingml/2006/main" xmlns:r="http://schemas.openxmlformats.org/officeDocument/2006/relationships" xmlns:p="http://schemas.openxmlformats.org/presentationml/2006/main">
   <p:cSld>
     <p:spTree>
@@ -12133,7 +12439,7 @@
 </p:sld>
 </file>
 
-<file path=ppt/slides/slide15.xml><?xml version="1.0" encoding="utf-8"?>
+<file path=ppt/slides/slide17.xml><?xml version="1.0" encoding="utf-8"?>
 <p:sld xmlns:a="http://schemas.openxmlformats.org/drawingml/2006/main" xmlns:r="http://schemas.openxmlformats.org/officeDocument/2006/relationships" xmlns:p="http://schemas.openxmlformats.org/presentationml/2006/main">
   <p:cSld>
     <p:spTree>
@@ -12251,196 +12557,6 @@
 </p:sld>
 </file>
 
-<file path=ppt/slides/slide16.xml><?xml version="1.0" encoding="utf-8"?>
-<p:sld xmlns:a="http://schemas.openxmlformats.org/drawingml/2006/main" xmlns:r="http://schemas.openxmlformats.org/officeDocument/2006/relationships" xmlns:p="http://schemas.openxmlformats.org/presentationml/2006/main">
-  <p:cSld>
-    <p:spTree>
-      <p:nvGrpSpPr>
-        <p:cNvPr id="1" name=""/>
-        <p:cNvGrpSpPr/>
-        <p:nvPr/>
-      </p:nvGrpSpPr>
-      <p:grpSpPr>
-        <a:xfrm>
-          <a:off x="0" y="0"/>
-          <a:ext cx="0" cy="0"/>
-          <a:chOff x="0" y="0"/>
-          <a:chExt cx="0" cy="0"/>
-        </a:xfrm>
-      </p:grpSpPr>
-      <p:sp>
-        <p:nvSpPr>
-          <p:cNvPr id="2" name="Title 1">
-            <a:extLst>
-              <a:ext uri="{FF2B5EF4-FFF2-40B4-BE49-F238E27FC236}">
-                <a16:creationId xmlns:a16="http://schemas.microsoft.com/office/drawing/2014/main" id="{9394B4B2-CCE5-4292-A584-71D8FC8FA1EF}"/>
-              </a:ext>
-            </a:extLst>
-          </p:cNvPr>
-          <p:cNvSpPr>
-            <a:spLocks noGrp="1"/>
-          </p:cNvSpPr>
-          <p:nvPr>
-            <p:ph type="title"/>
-          </p:nvPr>
-        </p:nvSpPr>
-        <p:spPr/>
-        <p:txBody>
-          <a:bodyPr/>
-          <a:lstStyle/>
-          <a:p>
-            <a:r>
-              <a:rPr lang="en-GB" dirty="0"/>
-              <a:t>Debugger Proxy Type</a:t>
-            </a:r>
-          </a:p>
-        </p:txBody>
-      </p:sp>
-      <p:sp>
-        <p:nvSpPr>
-          <p:cNvPr id="3" name="Content Placeholder 2">
-            <a:extLst>
-              <a:ext uri="{FF2B5EF4-FFF2-40B4-BE49-F238E27FC236}">
-                <a16:creationId xmlns:a16="http://schemas.microsoft.com/office/drawing/2014/main" id="{6CF9F24C-0A9A-486C-8F32-7317083BC900}"/>
-              </a:ext>
-            </a:extLst>
-          </p:cNvPr>
-          <p:cNvSpPr>
-            <a:spLocks noGrp="1"/>
-          </p:cNvSpPr>
-          <p:nvPr>
-            <p:ph idx="1"/>
-          </p:nvPr>
-        </p:nvSpPr>
-        <p:spPr/>
-        <p:txBody>
-          <a:bodyPr/>
-          <a:lstStyle/>
-          <a:p>
-            <a:r>
-              <a:rPr lang="en-GB" dirty="0"/>
-              <a:t>Allows the significant and fundament change on the debugging view of a type.</a:t>
-            </a:r>
-          </a:p>
-          <a:p>
-            <a:r>
-              <a:rPr lang="en-GB" dirty="0"/>
-              <a:t>Demo</a:t>
-            </a:r>
-          </a:p>
-        </p:txBody>
-      </p:sp>
-    </p:spTree>
-    <p:extLst>
-      <p:ext uri="{BB962C8B-B14F-4D97-AF65-F5344CB8AC3E}">
-        <p14:creationId xmlns:p14="http://schemas.microsoft.com/office/powerpoint/2010/main" val="2721780380"/>
-      </p:ext>
-    </p:extLst>
-  </p:cSld>
-  <p:clrMapOvr>
-    <a:masterClrMapping/>
-  </p:clrMapOvr>
-</p:sld>
-</file>
-
-<file path=ppt/slides/slide17.xml><?xml version="1.0" encoding="utf-8"?>
-<p:sld xmlns:a="http://schemas.openxmlformats.org/drawingml/2006/main" xmlns:r="http://schemas.openxmlformats.org/officeDocument/2006/relationships" xmlns:p="http://schemas.openxmlformats.org/presentationml/2006/main">
-  <p:cSld>
-    <p:spTree>
-      <p:nvGrpSpPr>
-        <p:cNvPr id="1" name=""/>
-        <p:cNvGrpSpPr/>
-        <p:nvPr/>
-      </p:nvGrpSpPr>
-      <p:grpSpPr>
-        <a:xfrm>
-          <a:off x="0" y="0"/>
-          <a:ext cx="0" cy="0"/>
-          <a:chOff x="0" y="0"/>
-          <a:chExt cx="0" cy="0"/>
-        </a:xfrm>
-      </p:grpSpPr>
-      <p:sp>
-        <p:nvSpPr>
-          <p:cNvPr id="2" name="Title 1">
-            <a:extLst>
-              <a:ext uri="{FF2B5EF4-FFF2-40B4-BE49-F238E27FC236}">
-                <a16:creationId xmlns:a16="http://schemas.microsoft.com/office/drawing/2014/main" id="{AE895FBA-7B3B-4385-B90B-CDC9A9CA8287}"/>
-              </a:ext>
-            </a:extLst>
-          </p:cNvPr>
-          <p:cNvSpPr>
-            <a:spLocks noGrp="1"/>
-          </p:cNvSpPr>
-          <p:nvPr>
-            <p:ph type="title"/>
-          </p:nvPr>
-        </p:nvSpPr>
-        <p:spPr/>
-        <p:txBody>
-          <a:bodyPr/>
-          <a:lstStyle/>
-          <a:p>
-            <a:r>
-              <a:rPr lang="en-GB" dirty="0"/>
-              <a:t>Debugger visualisers</a:t>
-            </a:r>
-          </a:p>
-        </p:txBody>
-      </p:sp>
-      <p:sp>
-        <p:nvSpPr>
-          <p:cNvPr id="3" name="Content Placeholder 2">
-            <a:extLst>
-              <a:ext uri="{FF2B5EF4-FFF2-40B4-BE49-F238E27FC236}">
-                <a16:creationId xmlns:a16="http://schemas.microsoft.com/office/drawing/2014/main" id="{FA2BD6E2-7C40-4DAF-A3D3-AA1425133291}"/>
-              </a:ext>
-            </a:extLst>
-          </p:cNvPr>
-          <p:cNvSpPr>
-            <a:spLocks noGrp="1"/>
-          </p:cNvSpPr>
-          <p:nvPr>
-            <p:ph idx="1"/>
-          </p:nvPr>
-        </p:nvSpPr>
-        <p:spPr/>
-        <p:txBody>
-          <a:bodyPr/>
-          <a:lstStyle/>
-          <a:p>
-            <a:r>
-              <a:rPr lang="en-GB" dirty="0"/>
-              <a:t>Some built in – xml, json, text, html</a:t>
-            </a:r>
-          </a:p>
-          <a:p>
-            <a:r>
-              <a:rPr lang="en-GB" dirty="0"/>
-              <a:t>Many in the market place</a:t>
-            </a:r>
-          </a:p>
-          <a:p>
-            <a:r>
-              <a:rPr lang="en-GB" dirty="0"/>
-              <a:t>Write your own</a:t>
-            </a:r>
-          </a:p>
-        </p:txBody>
-      </p:sp>
-    </p:spTree>
-    <p:extLst>
-      <p:ext uri="{BB962C8B-B14F-4D97-AF65-F5344CB8AC3E}">
-        <p14:creationId xmlns:p14="http://schemas.microsoft.com/office/powerpoint/2010/main" val="3146689253"/>
-      </p:ext>
-    </p:extLst>
-  </p:cSld>
-  <p:clrMapOvr>
-    <a:masterClrMapping/>
-  </p:clrMapOvr>
-</p:sld>
-</file>
-
 <file path=ppt/slides/slide18.xml><?xml version="1.0" encoding="utf-8"?>
 <p:sld xmlns:a="http://schemas.openxmlformats.org/drawingml/2006/main" xmlns:r="http://schemas.openxmlformats.org/officeDocument/2006/relationships" xmlns:p="http://schemas.openxmlformats.org/presentationml/2006/main">
   <p:cSld>
@@ -12463,7 +12579,7 @@
           <p:cNvPr id="2" name="Title 1">
             <a:extLst>
               <a:ext uri="{FF2B5EF4-FFF2-40B4-BE49-F238E27FC236}">
-                <a16:creationId xmlns:a16="http://schemas.microsoft.com/office/drawing/2014/main" id="{08B5863D-0873-4310-9D18-FE90D6875F11}"/>
+                <a16:creationId xmlns:a16="http://schemas.microsoft.com/office/drawing/2014/main" id="{9394B4B2-CCE5-4292-A584-71D8FC8FA1EF}"/>
               </a:ext>
             </a:extLst>
           </p:cNvPr>
@@ -12480,49 +12596,50 @@
           <a:lstStyle/>
           <a:p>
             <a:r>
-              <a:rPr lang="en-GB" dirty="0" err="1"/>
-              <a:t>Datatips</a:t>
-            </a:r>
-            <a:br>
-              <a:rPr lang="en-GB" dirty="0"/>
-            </a:br>
-            <a:endParaRPr lang="en-GB" dirty="0"/>
-          </a:p>
-        </p:txBody>
-      </p:sp>
-      <p:pic>
-        <p:nvPicPr>
-          <p:cNvPr id="5" name="Content Placeholder 4">
+              <a:rPr lang="en-GB" dirty="0"/>
+              <a:t>Debugger Proxy Type</a:t>
+            </a:r>
+          </a:p>
+        </p:txBody>
+      </p:sp>
+      <p:sp>
+        <p:nvSpPr>
+          <p:cNvPr id="3" name="Content Placeholder 2">
             <a:extLst>
               <a:ext uri="{FF2B5EF4-FFF2-40B4-BE49-F238E27FC236}">
-                <a16:creationId xmlns:a16="http://schemas.microsoft.com/office/drawing/2014/main" id="{C91230F6-C03F-4AEA-A399-A34BBA29141E}"/>
+                <a16:creationId xmlns:a16="http://schemas.microsoft.com/office/drawing/2014/main" id="{6CF9F24C-0A9A-486C-8F32-7317083BC900}"/>
               </a:ext>
             </a:extLst>
           </p:cNvPr>
-          <p:cNvPicPr>
-            <a:picLocks noGrp="1" noChangeAspect="1"/>
-          </p:cNvPicPr>
+          <p:cNvSpPr>
+            <a:spLocks noGrp="1"/>
+          </p:cNvSpPr>
           <p:nvPr>
             <p:ph idx="1"/>
           </p:nvPr>
-        </p:nvPicPr>
-        <p:blipFill>
-          <a:blip r:embed="rId3"/>
-          <a:stretch>
-            <a:fillRect/>
-          </a:stretch>
-        </p:blipFill>
-        <p:spPr>
-          <a:xfrm>
-            <a:off x="276041" y="2057401"/>
-            <a:ext cx="11493464" cy="4243290"/>
-          </a:xfrm>
-        </p:spPr>
-      </p:pic>
+        </p:nvSpPr>
+        <p:spPr/>
+        <p:txBody>
+          <a:bodyPr/>
+          <a:lstStyle/>
+          <a:p>
+            <a:r>
+              <a:rPr lang="en-GB" dirty="0"/>
+              <a:t>Allows the significant and fundament change on the debugging view of a type.</a:t>
+            </a:r>
+          </a:p>
+          <a:p>
+            <a:r>
+              <a:rPr lang="en-GB" dirty="0"/>
+              <a:t>Demo</a:t>
+            </a:r>
+          </a:p>
+        </p:txBody>
+      </p:sp>
     </p:spTree>
     <p:extLst>
       <p:ext uri="{BB962C8B-B14F-4D97-AF65-F5344CB8AC3E}">
-        <p14:creationId xmlns:p14="http://schemas.microsoft.com/office/powerpoint/2010/main" val="385603056"/>
+        <p14:creationId xmlns:p14="http://schemas.microsoft.com/office/powerpoint/2010/main" val="2721780380"/>
       </p:ext>
     </p:extLst>
   </p:cSld>
@@ -12554,7 +12671,7 @@
           <p:cNvPr id="2" name="Title 1">
             <a:extLst>
               <a:ext uri="{FF2B5EF4-FFF2-40B4-BE49-F238E27FC236}">
-                <a16:creationId xmlns:a16="http://schemas.microsoft.com/office/drawing/2014/main" id="{01456544-C75A-4423-898E-1C93DB557470}"/>
+                <a16:creationId xmlns:a16="http://schemas.microsoft.com/office/drawing/2014/main" id="{AE895FBA-7B3B-4385-B90B-CDC9A9CA8287}"/>
               </a:ext>
             </a:extLst>
           </p:cNvPr>
@@ -12570,47 +12687,57 @@
           <a:bodyPr/>
           <a:lstStyle/>
           <a:p>
-            <a:pPr algn="ctr"/>
-            <a:r>
-              <a:rPr lang="en-GB" dirty="0"/>
-              <a:t>Debugging windows - Locals/Auto</a:t>
-            </a:r>
-          </a:p>
-        </p:txBody>
-      </p:sp>
-      <p:pic>
-        <p:nvPicPr>
-          <p:cNvPr id="5" name="Content Placeholder 4">
+            <a:r>
+              <a:rPr lang="en-GB" dirty="0"/>
+              <a:t>Debugger visualisers</a:t>
+            </a:r>
+          </a:p>
+        </p:txBody>
+      </p:sp>
+      <p:sp>
+        <p:nvSpPr>
+          <p:cNvPr id="3" name="Content Placeholder 2">
             <a:extLst>
               <a:ext uri="{FF2B5EF4-FFF2-40B4-BE49-F238E27FC236}">
-                <a16:creationId xmlns:a16="http://schemas.microsoft.com/office/drawing/2014/main" id="{F2B646DE-AF6D-49E3-BEFB-9A33682606F8}"/>
+                <a16:creationId xmlns:a16="http://schemas.microsoft.com/office/drawing/2014/main" id="{FA2BD6E2-7C40-4DAF-A3D3-AA1425133291}"/>
               </a:ext>
             </a:extLst>
           </p:cNvPr>
-          <p:cNvPicPr>
-            <a:picLocks noGrp="1" noChangeAspect="1"/>
-          </p:cNvPicPr>
+          <p:cNvSpPr>
+            <a:spLocks noGrp="1"/>
+          </p:cNvSpPr>
           <p:nvPr>
             <p:ph idx="1"/>
           </p:nvPr>
-        </p:nvPicPr>
-        <p:blipFill>
-          <a:blip r:embed="rId3"/>
-          <a:stretch>
-            <a:fillRect/>
-          </a:stretch>
-        </p:blipFill>
-        <p:spPr>
-          <a:xfrm>
-            <a:off x="647700" y="2256972"/>
-            <a:ext cx="10896599" cy="1894114"/>
-          </a:xfrm>
-        </p:spPr>
-      </p:pic>
+        </p:nvSpPr>
+        <p:spPr/>
+        <p:txBody>
+          <a:bodyPr/>
+          <a:lstStyle/>
+          <a:p>
+            <a:r>
+              <a:rPr lang="en-GB" dirty="0"/>
+              <a:t>Some built in – xml, json, text, html</a:t>
+            </a:r>
+          </a:p>
+          <a:p>
+            <a:r>
+              <a:rPr lang="en-GB" dirty="0"/>
+              <a:t>Many in the market place</a:t>
+            </a:r>
+          </a:p>
+          <a:p>
+            <a:r>
+              <a:rPr lang="en-GB" dirty="0"/>
+              <a:t>Write your own</a:t>
+            </a:r>
+          </a:p>
+        </p:txBody>
+      </p:sp>
     </p:spTree>
     <p:extLst>
       <p:ext uri="{BB962C8B-B14F-4D97-AF65-F5344CB8AC3E}">
-        <p14:creationId xmlns:p14="http://schemas.microsoft.com/office/powerpoint/2010/main" val="261829312"/>
+        <p14:creationId xmlns:p14="http://schemas.microsoft.com/office/powerpoint/2010/main" val="3146689253"/>
       </p:ext>
     </p:extLst>
   </p:cSld>
@@ -12769,6 +12896,185 @@
           <p:cNvPr id="2" name="Title 1">
             <a:extLst>
               <a:ext uri="{FF2B5EF4-FFF2-40B4-BE49-F238E27FC236}">
+                <a16:creationId xmlns:a16="http://schemas.microsoft.com/office/drawing/2014/main" id="{08B5863D-0873-4310-9D18-FE90D6875F11}"/>
+              </a:ext>
+            </a:extLst>
+          </p:cNvPr>
+          <p:cNvSpPr>
+            <a:spLocks noGrp="1"/>
+          </p:cNvSpPr>
+          <p:nvPr>
+            <p:ph type="title"/>
+          </p:nvPr>
+        </p:nvSpPr>
+        <p:spPr/>
+        <p:txBody>
+          <a:bodyPr/>
+          <a:lstStyle/>
+          <a:p>
+            <a:r>
+              <a:rPr lang="en-GB" dirty="0" err="1"/>
+              <a:t>Datatips</a:t>
+            </a:r>
+            <a:br>
+              <a:rPr lang="en-GB" dirty="0"/>
+            </a:br>
+            <a:endParaRPr lang="en-GB" dirty="0"/>
+          </a:p>
+        </p:txBody>
+      </p:sp>
+      <p:pic>
+        <p:nvPicPr>
+          <p:cNvPr id="5" name="Content Placeholder 4">
+            <a:extLst>
+              <a:ext uri="{FF2B5EF4-FFF2-40B4-BE49-F238E27FC236}">
+                <a16:creationId xmlns:a16="http://schemas.microsoft.com/office/drawing/2014/main" id="{C91230F6-C03F-4AEA-A399-A34BBA29141E}"/>
+              </a:ext>
+            </a:extLst>
+          </p:cNvPr>
+          <p:cNvPicPr>
+            <a:picLocks noGrp="1" noChangeAspect="1"/>
+          </p:cNvPicPr>
+          <p:nvPr>
+            <p:ph idx="1"/>
+          </p:nvPr>
+        </p:nvPicPr>
+        <p:blipFill>
+          <a:blip r:embed="rId3"/>
+          <a:stretch>
+            <a:fillRect/>
+          </a:stretch>
+        </p:blipFill>
+        <p:spPr>
+          <a:xfrm>
+            <a:off x="276041" y="2057401"/>
+            <a:ext cx="11493464" cy="4243290"/>
+          </a:xfrm>
+        </p:spPr>
+      </p:pic>
+    </p:spTree>
+    <p:extLst>
+      <p:ext uri="{BB962C8B-B14F-4D97-AF65-F5344CB8AC3E}">
+        <p14:creationId xmlns:p14="http://schemas.microsoft.com/office/powerpoint/2010/main" val="385603056"/>
+      </p:ext>
+    </p:extLst>
+  </p:cSld>
+  <p:clrMapOvr>
+    <a:masterClrMapping/>
+  </p:clrMapOvr>
+</p:sld>
+</file>
+
+<file path=ppt/slides/slide21.xml><?xml version="1.0" encoding="utf-8"?>
+<p:sld xmlns:a="http://schemas.openxmlformats.org/drawingml/2006/main" xmlns:r="http://schemas.openxmlformats.org/officeDocument/2006/relationships" xmlns:p="http://schemas.openxmlformats.org/presentationml/2006/main">
+  <p:cSld>
+    <p:spTree>
+      <p:nvGrpSpPr>
+        <p:cNvPr id="1" name=""/>
+        <p:cNvGrpSpPr/>
+        <p:nvPr/>
+      </p:nvGrpSpPr>
+      <p:grpSpPr>
+        <a:xfrm>
+          <a:off x="0" y="0"/>
+          <a:ext cx="0" cy="0"/>
+          <a:chOff x="0" y="0"/>
+          <a:chExt cx="0" cy="0"/>
+        </a:xfrm>
+      </p:grpSpPr>
+      <p:sp>
+        <p:nvSpPr>
+          <p:cNvPr id="2" name="Title 1">
+            <a:extLst>
+              <a:ext uri="{FF2B5EF4-FFF2-40B4-BE49-F238E27FC236}">
+                <a16:creationId xmlns:a16="http://schemas.microsoft.com/office/drawing/2014/main" id="{01456544-C75A-4423-898E-1C93DB557470}"/>
+              </a:ext>
+            </a:extLst>
+          </p:cNvPr>
+          <p:cNvSpPr>
+            <a:spLocks noGrp="1"/>
+          </p:cNvSpPr>
+          <p:nvPr>
+            <p:ph type="title"/>
+          </p:nvPr>
+        </p:nvSpPr>
+        <p:spPr/>
+        <p:txBody>
+          <a:bodyPr/>
+          <a:lstStyle/>
+          <a:p>
+            <a:pPr algn="ctr"/>
+            <a:r>
+              <a:rPr lang="en-GB" dirty="0"/>
+              <a:t>Debugging windows - Locals/Auto</a:t>
+            </a:r>
+          </a:p>
+        </p:txBody>
+      </p:sp>
+      <p:pic>
+        <p:nvPicPr>
+          <p:cNvPr id="5" name="Content Placeholder 4">
+            <a:extLst>
+              <a:ext uri="{FF2B5EF4-FFF2-40B4-BE49-F238E27FC236}">
+                <a16:creationId xmlns:a16="http://schemas.microsoft.com/office/drawing/2014/main" id="{F2B646DE-AF6D-49E3-BEFB-9A33682606F8}"/>
+              </a:ext>
+            </a:extLst>
+          </p:cNvPr>
+          <p:cNvPicPr>
+            <a:picLocks noGrp="1" noChangeAspect="1"/>
+          </p:cNvPicPr>
+          <p:nvPr>
+            <p:ph idx="1"/>
+          </p:nvPr>
+        </p:nvPicPr>
+        <p:blipFill>
+          <a:blip r:embed="rId3"/>
+          <a:stretch>
+            <a:fillRect/>
+          </a:stretch>
+        </p:blipFill>
+        <p:spPr>
+          <a:xfrm>
+            <a:off x="647700" y="2256972"/>
+            <a:ext cx="10896599" cy="1894114"/>
+          </a:xfrm>
+        </p:spPr>
+      </p:pic>
+    </p:spTree>
+    <p:extLst>
+      <p:ext uri="{BB962C8B-B14F-4D97-AF65-F5344CB8AC3E}">
+        <p14:creationId xmlns:p14="http://schemas.microsoft.com/office/powerpoint/2010/main" val="261829312"/>
+      </p:ext>
+    </p:extLst>
+  </p:cSld>
+  <p:clrMapOvr>
+    <a:masterClrMapping/>
+  </p:clrMapOvr>
+</p:sld>
+</file>
+
+<file path=ppt/slides/slide22.xml><?xml version="1.0" encoding="utf-8"?>
+<p:sld xmlns:a="http://schemas.openxmlformats.org/drawingml/2006/main" xmlns:r="http://schemas.openxmlformats.org/officeDocument/2006/relationships" xmlns:p="http://schemas.openxmlformats.org/presentationml/2006/main">
+  <p:cSld>
+    <p:spTree>
+      <p:nvGrpSpPr>
+        <p:cNvPr id="1" name=""/>
+        <p:cNvGrpSpPr/>
+        <p:nvPr/>
+      </p:nvGrpSpPr>
+      <p:grpSpPr>
+        <a:xfrm>
+          <a:off x="0" y="0"/>
+          <a:ext cx="0" cy="0"/>
+          <a:chOff x="0" y="0"/>
+          <a:chExt cx="0" cy="0"/>
+        </a:xfrm>
+      </p:grpSpPr>
+      <p:sp>
+        <p:nvSpPr>
+          <p:cNvPr id="2" name="Title 1">
+            <a:extLst>
+              <a:ext uri="{FF2B5EF4-FFF2-40B4-BE49-F238E27FC236}">
                 <a16:creationId xmlns:a16="http://schemas.microsoft.com/office/drawing/2014/main" id="{59558F9E-8BDB-48C4-ACA8-AD5126AFAAEF}"/>
               </a:ext>
             </a:extLst>
@@ -12840,7 +13146,7 @@
 </p:sld>
 </file>
 
-<file path=ppt/slides/slide21.xml><?xml version="1.0" encoding="utf-8"?>
+<file path=ppt/slides/slide23.xml><?xml version="1.0" encoding="utf-8"?>
 <p:sld xmlns:a="http://schemas.openxmlformats.org/drawingml/2006/main" xmlns:r="http://schemas.openxmlformats.org/officeDocument/2006/relationships" xmlns:p="http://schemas.openxmlformats.org/presentationml/2006/main">
   <p:cSld>
     <p:spTree>
@@ -12933,7 +13239,7 @@
 </p:sld>
 </file>
 
-<file path=ppt/slides/slide22.xml><?xml version="1.0" encoding="utf-8"?>
+<file path=ppt/slides/slide24.xml><?xml version="1.0" encoding="utf-8"?>
 <p:sld xmlns:a="http://schemas.openxmlformats.org/drawingml/2006/main" xmlns:r="http://schemas.openxmlformats.org/officeDocument/2006/relationships" xmlns:p="http://schemas.openxmlformats.org/presentationml/2006/main">
   <p:cSld>
     <p:spTree>
@@ -13043,7 +13349,7 @@
 </p:sld>
 </file>
 
-<file path=ppt/slides/slide23.xml><?xml version="1.0" encoding="utf-8"?>
+<file path=ppt/slides/slide25.xml><?xml version="1.0" encoding="utf-8"?>
 <p:sld xmlns:a="http://schemas.openxmlformats.org/drawingml/2006/main" xmlns:r="http://schemas.openxmlformats.org/officeDocument/2006/relationships" xmlns:p="http://schemas.openxmlformats.org/presentationml/2006/main">
   <p:cSld>
     <p:spTree>
@@ -13131,7 +13437,7 @@
 </p:sld>
 </file>
 
-<file path=ppt/slides/slide24.xml><?xml version="1.0" encoding="utf-8"?>
+<file path=ppt/slides/slide26.xml><?xml version="1.0" encoding="utf-8"?>
 <p:sld xmlns:a="http://schemas.openxmlformats.org/drawingml/2006/main" xmlns:r="http://schemas.openxmlformats.org/officeDocument/2006/relationships" xmlns:p="http://schemas.openxmlformats.org/presentationml/2006/main">
   <p:cSld>
     <p:spTree>
@@ -13402,7 +13708,7 @@
 </p:sld>
 </file>
 
-<file path=ppt/slides/slide25.xml><?xml version="1.0" encoding="utf-8"?>
+<file path=ppt/slides/slide27.xml><?xml version="1.0" encoding="utf-8"?>
 <p:sld xmlns:a="http://schemas.openxmlformats.org/drawingml/2006/main" xmlns:r="http://schemas.openxmlformats.org/officeDocument/2006/relationships" xmlns:p="http://schemas.openxmlformats.org/presentationml/2006/main">
   <p:cSld>
     <p:spTree>
@@ -13550,291 +13856,6 @@
 </p:sld>
 </file>
 
-<file path=ppt/slides/slide26.xml><?xml version="1.0" encoding="utf-8"?>
-<p:sld xmlns:a="http://schemas.openxmlformats.org/drawingml/2006/main" xmlns:r="http://schemas.openxmlformats.org/officeDocument/2006/relationships" xmlns:p="http://schemas.openxmlformats.org/presentationml/2006/main">
-  <p:cSld>
-    <p:spTree>
-      <p:nvGrpSpPr>
-        <p:cNvPr id="1" name=""/>
-        <p:cNvGrpSpPr/>
-        <p:nvPr/>
-      </p:nvGrpSpPr>
-      <p:grpSpPr>
-        <a:xfrm>
-          <a:off x="0" y="0"/>
-          <a:ext cx="0" cy="0"/>
-          <a:chOff x="0" y="0"/>
-          <a:chExt cx="0" cy="0"/>
-        </a:xfrm>
-      </p:grpSpPr>
-      <p:sp>
-        <p:nvSpPr>
-          <p:cNvPr id="2" name="Title 1">
-            <a:extLst>
-              <a:ext uri="{FF2B5EF4-FFF2-40B4-BE49-F238E27FC236}">
-                <a16:creationId xmlns:a16="http://schemas.microsoft.com/office/drawing/2014/main" id="{94CE1A25-8771-40CB-ADAD-EECDA6677975}"/>
-              </a:ext>
-            </a:extLst>
-          </p:cNvPr>
-          <p:cNvSpPr>
-            <a:spLocks noGrp="1"/>
-          </p:cNvSpPr>
-          <p:nvPr>
-            <p:ph type="title"/>
-          </p:nvPr>
-        </p:nvSpPr>
-        <p:spPr/>
-        <p:txBody>
-          <a:bodyPr/>
-          <a:lstStyle/>
-          <a:p>
-            <a:pPr algn="ctr"/>
-            <a:r>
-              <a:rPr lang="en-GB" dirty="0"/>
-              <a:t>Multithreading windows parallel stacks</a:t>
-            </a:r>
-          </a:p>
-        </p:txBody>
-      </p:sp>
-      <p:sp>
-        <p:nvSpPr>
-          <p:cNvPr id="3" name="Content Placeholder 2">
-            <a:extLst>
-              <a:ext uri="{FF2B5EF4-FFF2-40B4-BE49-F238E27FC236}">
-                <a16:creationId xmlns:a16="http://schemas.microsoft.com/office/drawing/2014/main" id="{F88BB559-A3D6-4B16-9279-8AE40066437F}"/>
-              </a:ext>
-            </a:extLst>
-          </p:cNvPr>
-          <p:cNvSpPr>
-            <a:spLocks noGrp="1"/>
-          </p:cNvSpPr>
-          <p:nvPr>
-            <p:ph idx="1"/>
-          </p:nvPr>
-        </p:nvSpPr>
-        <p:spPr>
-          <a:xfrm>
-            <a:off x="685800" y="2194559"/>
-            <a:ext cx="10820400" cy="4351383"/>
-          </a:xfrm>
-        </p:spPr>
-        <p:txBody>
-          <a:bodyPr>
-            <a:normAutofit fontScale="85000" lnSpcReduction="20000"/>
-          </a:bodyPr>
-          <a:lstStyle/>
-          <a:p>
-            <a:r>
-              <a:rPr lang="en-GB" dirty="0"/>
-              <a:t> </a:t>
-            </a:r>
-            <a:r>
-              <a:rPr lang="en-GB" sz="2800" dirty="0"/>
-              <a:t>private static void </a:t>
-            </a:r>
-            <a:r>
-              <a:rPr lang="en-GB" sz="2800" dirty="0" err="1"/>
-              <a:t>ParallelExample</a:t>
-            </a:r>
-            <a:r>
-              <a:rPr lang="en-GB" sz="2800" dirty="0"/>
-              <a:t>()</a:t>
-            </a:r>
-          </a:p>
-          <a:p>
-            <a:r>
-              <a:rPr lang="en-GB" sz="2800" dirty="0"/>
-              <a:t>        {</a:t>
-            </a:r>
-          </a:p>
-          <a:p>
-            <a:r>
-              <a:rPr lang="en-GB" sz="2800" dirty="0"/>
-              <a:t>            var names = new List&lt;string&gt; {"Bob", "Judy", "Chris", "Ashley"};</a:t>
-            </a:r>
-          </a:p>
-          <a:p>
-            <a:r>
-              <a:rPr lang="en-GB" sz="2800" dirty="0"/>
-              <a:t>            </a:t>
-            </a:r>
-            <a:r>
-              <a:rPr lang="en-GB" sz="2800" dirty="0" err="1"/>
-              <a:t>Parallel.ForEach</a:t>
-            </a:r>
-            <a:r>
-              <a:rPr lang="en-GB" sz="2800" dirty="0"/>
-              <a:t>(names, (name) =&gt;</a:t>
-            </a:r>
-          </a:p>
-          <a:p>
-            <a:r>
-              <a:rPr lang="en-GB" sz="2800" dirty="0"/>
-              <a:t>            {</a:t>
-            </a:r>
-          </a:p>
-          <a:p>
-            <a:r>
-              <a:rPr lang="nn-NO" sz="2800" dirty="0"/>
-              <a:t>                for (var i = 0; i &lt; 10; i++)</a:t>
-            </a:r>
-          </a:p>
-          <a:p>
-            <a:r>
-              <a:rPr lang="en-GB" sz="2800" dirty="0"/>
-              <a:t>                {</a:t>
-            </a:r>
-          </a:p>
-          <a:p>
-            <a:r>
-              <a:rPr lang="en-GB" sz="2800" dirty="0"/>
-              <a:t>                    </a:t>
-            </a:r>
-            <a:r>
-              <a:rPr lang="en-GB" sz="2800" dirty="0" err="1"/>
-              <a:t>Console.WriteLine</a:t>
-            </a:r>
-            <a:r>
-              <a:rPr lang="en-GB" sz="2800" dirty="0"/>
-              <a:t>($"Hello {name} {</a:t>
-            </a:r>
-            <a:r>
-              <a:rPr lang="en-GB" sz="2800" dirty="0" err="1"/>
-              <a:t>i</a:t>
-            </a:r>
-            <a:r>
-              <a:rPr lang="en-GB" sz="2800" dirty="0"/>
-              <a:t>}");</a:t>
-            </a:r>
-          </a:p>
-          <a:p>
-            <a:r>
-              <a:rPr lang="en-GB" sz="2800" dirty="0"/>
-              <a:t>                }</a:t>
-            </a:r>
-          </a:p>
-          <a:p>
-            <a:r>
-              <a:rPr lang="en-GB" sz="2800" dirty="0"/>
-              <a:t>            });</a:t>
-            </a:r>
-          </a:p>
-          <a:p>
-            <a:r>
-              <a:rPr lang="en-GB" sz="2800" dirty="0"/>
-              <a:t>        }</a:t>
-            </a:r>
-          </a:p>
-        </p:txBody>
-      </p:sp>
-    </p:spTree>
-    <p:extLst>
-      <p:ext uri="{BB962C8B-B14F-4D97-AF65-F5344CB8AC3E}">
-        <p14:creationId xmlns:p14="http://schemas.microsoft.com/office/powerpoint/2010/main" val="2528886357"/>
-      </p:ext>
-    </p:extLst>
-  </p:cSld>
-  <p:clrMapOvr>
-    <a:masterClrMapping/>
-  </p:clrMapOvr>
-</p:sld>
-</file>
-
-<file path=ppt/slides/slide27.xml><?xml version="1.0" encoding="utf-8"?>
-<p:sld xmlns:a="http://schemas.openxmlformats.org/drawingml/2006/main" xmlns:r="http://schemas.openxmlformats.org/officeDocument/2006/relationships" xmlns:p="http://schemas.openxmlformats.org/presentationml/2006/main">
-  <p:cSld>
-    <p:spTree>
-      <p:nvGrpSpPr>
-        <p:cNvPr id="1" name=""/>
-        <p:cNvGrpSpPr/>
-        <p:nvPr/>
-      </p:nvGrpSpPr>
-      <p:grpSpPr>
-        <a:xfrm>
-          <a:off x="0" y="0"/>
-          <a:ext cx="0" cy="0"/>
-          <a:chOff x="0" y="0"/>
-          <a:chExt cx="0" cy="0"/>
-        </a:xfrm>
-      </p:grpSpPr>
-      <p:sp>
-        <p:nvSpPr>
-          <p:cNvPr id="2" name="Title 1">
-            <a:extLst>
-              <a:ext uri="{FF2B5EF4-FFF2-40B4-BE49-F238E27FC236}">
-                <a16:creationId xmlns:a16="http://schemas.microsoft.com/office/drawing/2014/main" id="{438E95E5-F383-416C-A154-CB05C318CCFC}"/>
-              </a:ext>
-            </a:extLst>
-          </p:cNvPr>
-          <p:cNvSpPr>
-            <a:spLocks noGrp="1"/>
-          </p:cNvSpPr>
-          <p:nvPr>
-            <p:ph type="title"/>
-          </p:nvPr>
-        </p:nvSpPr>
-        <p:spPr/>
-        <p:txBody>
-          <a:bodyPr/>
-          <a:lstStyle/>
-          <a:p>
-            <a:pPr algn="ctr"/>
-            <a:r>
-              <a:rPr lang="en-GB" dirty="0"/>
-              <a:t>Multithreading windows</a:t>
-            </a:r>
-            <a:br>
-              <a:rPr lang="en-GB" dirty="0"/>
-            </a:br>
-            <a:r>
-              <a:rPr lang="en-GB" dirty="0"/>
-              <a:t>parallel stacks</a:t>
-            </a:r>
-          </a:p>
-        </p:txBody>
-      </p:sp>
-      <p:pic>
-        <p:nvPicPr>
-          <p:cNvPr id="5" name="Content Placeholder 4">
-            <a:extLst>
-              <a:ext uri="{FF2B5EF4-FFF2-40B4-BE49-F238E27FC236}">
-                <a16:creationId xmlns:a16="http://schemas.microsoft.com/office/drawing/2014/main" id="{230AE1D2-A83C-4280-AF07-8E81CABC5686}"/>
-              </a:ext>
-            </a:extLst>
-          </p:cNvPr>
-          <p:cNvPicPr>
-            <a:picLocks noGrp="1" noChangeAspect="1"/>
-          </p:cNvPicPr>
-          <p:nvPr>
-            <p:ph idx="1"/>
-          </p:nvPr>
-        </p:nvPicPr>
-        <p:blipFill>
-          <a:blip r:embed="rId3"/>
-          <a:stretch>
-            <a:fillRect/>
-          </a:stretch>
-        </p:blipFill>
-        <p:spPr>
-          <a:xfrm>
-            <a:off x="2509339" y="1930400"/>
-            <a:ext cx="7173321" cy="4657953"/>
-          </a:xfrm>
-        </p:spPr>
-      </p:pic>
-    </p:spTree>
-    <p:extLst>
-      <p:ext uri="{BB962C8B-B14F-4D97-AF65-F5344CB8AC3E}">
-        <p14:creationId xmlns:p14="http://schemas.microsoft.com/office/powerpoint/2010/main" val="770500011"/>
-      </p:ext>
-    </p:extLst>
-  </p:cSld>
-  <p:clrMapOvr>
-    <a:masterClrMapping/>
-  </p:clrMapOvr>
-</p:sld>
-</file>
-
 <file path=ppt/slides/slide28.xml><?xml version="1.0" encoding="utf-8"?>
 <p:sld xmlns:a="http://schemas.openxmlformats.org/drawingml/2006/main" xmlns:r="http://schemas.openxmlformats.org/officeDocument/2006/relationships" xmlns:p="http://schemas.openxmlformats.org/presentationml/2006/main">
   <p:cSld>
@@ -13857,7 +13878,7 @@
           <p:cNvPr id="2" name="Title 1">
             <a:extLst>
               <a:ext uri="{FF2B5EF4-FFF2-40B4-BE49-F238E27FC236}">
-                <a16:creationId xmlns:a16="http://schemas.microsoft.com/office/drawing/2014/main" id="{2C84231B-0912-4D42-8E7F-A3A732B453ED}"/>
+                <a16:creationId xmlns:a16="http://schemas.microsoft.com/office/drawing/2014/main" id="{94CE1A25-8771-40CB-ADAD-EECDA6677975}"/>
               </a:ext>
             </a:extLst>
           </p:cNvPr>
@@ -13876,51 +13897,146 @@
             <a:pPr algn="ctr"/>
             <a:r>
               <a:rPr lang="en-GB" dirty="0"/>
-              <a:t>Multithreading windows</a:t>
-            </a:r>
-            <a:br>
-              <a:rPr lang="en-GB" dirty="0"/>
-            </a:br>
-            <a:r>
-              <a:rPr lang="en-GB" dirty="0"/>
-              <a:t>parallel watch</a:t>
-            </a:r>
-          </a:p>
-        </p:txBody>
-      </p:sp>
-      <p:pic>
-        <p:nvPicPr>
-          <p:cNvPr id="5" name="Content Placeholder 4">
+              <a:t>Multithreading windows parallel stacks</a:t>
+            </a:r>
+          </a:p>
+        </p:txBody>
+      </p:sp>
+      <p:sp>
+        <p:nvSpPr>
+          <p:cNvPr id="3" name="Content Placeholder 2">
             <a:extLst>
               <a:ext uri="{FF2B5EF4-FFF2-40B4-BE49-F238E27FC236}">
-                <a16:creationId xmlns:a16="http://schemas.microsoft.com/office/drawing/2014/main" id="{85E4DA72-8CCE-40C5-A245-5DAF02A98CD9}"/>
+                <a16:creationId xmlns:a16="http://schemas.microsoft.com/office/drawing/2014/main" id="{F88BB559-A3D6-4B16-9279-8AE40066437F}"/>
               </a:ext>
             </a:extLst>
           </p:cNvPr>
-          <p:cNvPicPr>
-            <a:picLocks noGrp="1" noChangeAspect="1"/>
-          </p:cNvPicPr>
+          <p:cNvSpPr>
+            <a:spLocks noGrp="1"/>
+          </p:cNvSpPr>
           <p:nvPr>
             <p:ph idx="1"/>
           </p:nvPr>
-        </p:nvPicPr>
-        <p:blipFill>
-          <a:blip r:embed="rId3"/>
-          <a:stretch>
-            <a:fillRect/>
-          </a:stretch>
-        </p:blipFill>
+        </p:nvSpPr>
         <p:spPr>
           <a:xfrm>
-            <a:off x="315039" y="2271486"/>
-            <a:ext cx="11421327" cy="3822141"/>
+            <a:off x="685800" y="2194559"/>
+            <a:ext cx="10820400" cy="4351383"/>
           </a:xfrm>
         </p:spPr>
-      </p:pic>
+        <p:txBody>
+          <a:bodyPr>
+            <a:normAutofit fontScale="85000" lnSpcReduction="20000"/>
+          </a:bodyPr>
+          <a:lstStyle/>
+          <a:p>
+            <a:r>
+              <a:rPr lang="en-GB" dirty="0"/>
+              <a:t> </a:t>
+            </a:r>
+            <a:r>
+              <a:rPr lang="en-GB" sz="2800" dirty="0"/>
+              <a:t>private static void </a:t>
+            </a:r>
+            <a:r>
+              <a:rPr lang="en-GB" sz="2800" dirty="0" err="1"/>
+              <a:t>ParallelExample</a:t>
+            </a:r>
+            <a:r>
+              <a:rPr lang="en-GB" sz="2800" dirty="0"/>
+              <a:t>()</a:t>
+            </a:r>
+          </a:p>
+          <a:p>
+            <a:r>
+              <a:rPr lang="en-GB" sz="2800" dirty="0"/>
+              <a:t>        {</a:t>
+            </a:r>
+          </a:p>
+          <a:p>
+            <a:r>
+              <a:rPr lang="en-GB" sz="2800" dirty="0"/>
+              <a:t>            var names = new List&lt;string&gt; {"Bob", "Judy", "Chris", "Ashley"};</a:t>
+            </a:r>
+          </a:p>
+          <a:p>
+            <a:r>
+              <a:rPr lang="en-GB" sz="2800" dirty="0"/>
+              <a:t>            </a:t>
+            </a:r>
+            <a:r>
+              <a:rPr lang="en-GB" sz="2800" dirty="0" err="1"/>
+              <a:t>Parallel.ForEach</a:t>
+            </a:r>
+            <a:r>
+              <a:rPr lang="en-GB" sz="2800" dirty="0"/>
+              <a:t>(names, (name) =&gt;</a:t>
+            </a:r>
+          </a:p>
+          <a:p>
+            <a:r>
+              <a:rPr lang="en-GB" sz="2800" dirty="0"/>
+              <a:t>            {</a:t>
+            </a:r>
+          </a:p>
+          <a:p>
+            <a:r>
+              <a:rPr lang="nn-NO" sz="2800" dirty="0"/>
+              <a:t>                for (var i = 0; i &lt; 10; i++)</a:t>
+            </a:r>
+          </a:p>
+          <a:p>
+            <a:r>
+              <a:rPr lang="en-GB" sz="2800" dirty="0"/>
+              <a:t>                {</a:t>
+            </a:r>
+          </a:p>
+          <a:p>
+            <a:r>
+              <a:rPr lang="en-GB" sz="2800" dirty="0"/>
+              <a:t>                    </a:t>
+            </a:r>
+            <a:r>
+              <a:rPr lang="en-GB" sz="2800" dirty="0" err="1"/>
+              <a:t>Console.WriteLine</a:t>
+            </a:r>
+            <a:r>
+              <a:rPr lang="en-GB" sz="2800" dirty="0"/>
+              <a:t>($"Hello {name} {</a:t>
+            </a:r>
+            <a:r>
+              <a:rPr lang="en-GB" sz="2800" dirty="0" err="1"/>
+              <a:t>i</a:t>
+            </a:r>
+            <a:r>
+              <a:rPr lang="en-GB" sz="2800" dirty="0"/>
+              <a:t>}");</a:t>
+            </a:r>
+          </a:p>
+          <a:p>
+            <a:r>
+              <a:rPr lang="en-GB" sz="2800" dirty="0"/>
+              <a:t>                }</a:t>
+            </a:r>
+          </a:p>
+          <a:p>
+            <a:r>
+              <a:rPr lang="en-GB" sz="2800" dirty="0"/>
+              <a:t>            });</a:t>
+            </a:r>
+          </a:p>
+          <a:p>
+            <a:r>
+              <a:rPr lang="en-GB" sz="2800" dirty="0"/>
+              <a:t>        }</a:t>
+            </a:r>
+          </a:p>
+        </p:txBody>
+      </p:sp>
     </p:spTree>
     <p:extLst>
       <p:ext uri="{BB962C8B-B14F-4D97-AF65-F5344CB8AC3E}">
-        <p14:creationId xmlns:p14="http://schemas.microsoft.com/office/powerpoint/2010/main" val="194680150"/>
+        <p14:creationId xmlns:p14="http://schemas.microsoft.com/office/powerpoint/2010/main" val="2528886357"/>
       </p:ext>
     </p:extLst>
   </p:cSld>
@@ -13952,7 +14068,7 @@
           <p:cNvPr id="2" name="Title 1">
             <a:extLst>
               <a:ext uri="{FF2B5EF4-FFF2-40B4-BE49-F238E27FC236}">
-                <a16:creationId xmlns:a16="http://schemas.microsoft.com/office/drawing/2014/main" id="{8AB8C8CD-45D9-460E-A96F-2FFAD92DB137}"/>
+                <a16:creationId xmlns:a16="http://schemas.microsoft.com/office/drawing/2014/main" id="{438E95E5-F383-416C-A154-CB05C318CCFC}"/>
               </a:ext>
             </a:extLst>
           </p:cNvPr>
@@ -13968,126 +14084,54 @@
           <a:bodyPr/>
           <a:lstStyle/>
           <a:p>
-            <a:r>
-              <a:rPr lang="en-GB" dirty="0"/>
-              <a:t>Breakpoints</a:t>
-            </a:r>
-          </a:p>
-        </p:txBody>
-      </p:sp>
-      <p:sp>
-        <p:nvSpPr>
-          <p:cNvPr id="3" name="Content Placeholder 2">
+            <a:pPr algn="ctr"/>
+            <a:r>
+              <a:rPr lang="en-GB" dirty="0"/>
+              <a:t>Multithreading windows</a:t>
+            </a:r>
+            <a:br>
+              <a:rPr lang="en-GB" dirty="0"/>
+            </a:br>
+            <a:r>
+              <a:rPr lang="en-GB" dirty="0"/>
+              <a:t>parallel stacks</a:t>
+            </a:r>
+          </a:p>
+        </p:txBody>
+      </p:sp>
+      <p:pic>
+        <p:nvPicPr>
+          <p:cNvPr id="5" name="Content Placeholder 4">
             <a:extLst>
               <a:ext uri="{FF2B5EF4-FFF2-40B4-BE49-F238E27FC236}">
-                <a16:creationId xmlns:a16="http://schemas.microsoft.com/office/drawing/2014/main" id="{C1D22BCB-CFBD-4008-BD3B-ADFFA2EAA67D}"/>
+                <a16:creationId xmlns:a16="http://schemas.microsoft.com/office/drawing/2014/main" id="{230AE1D2-A83C-4280-AF07-8E81CABC5686}"/>
               </a:ext>
             </a:extLst>
           </p:cNvPr>
-          <p:cNvSpPr>
-            <a:spLocks noGrp="1"/>
-          </p:cNvSpPr>
+          <p:cNvPicPr>
+            <a:picLocks noGrp="1" noChangeAspect="1"/>
+          </p:cNvPicPr>
           <p:nvPr>
             <p:ph idx="1"/>
           </p:nvPr>
-        </p:nvSpPr>
-        <p:spPr/>
-        <p:txBody>
-          <a:bodyPr/>
-          <a:lstStyle/>
-          <a:p>
-            <a:r>
-              <a:rPr lang="en-GB" dirty="0"/>
-              <a:t>Data Breakpoints</a:t>
-            </a:r>
-          </a:p>
-          <a:p>
-            <a:r>
-              <a:rPr lang="en-GB" dirty="0"/>
-              <a:t>Condition</a:t>
-            </a:r>
-          </a:p>
-          <a:p>
-            <a:r>
-              <a:rPr lang="en-GB" dirty="0"/>
-              <a:t>Hit Count</a:t>
-            </a:r>
-          </a:p>
-          <a:p>
-            <a:r>
-              <a:rPr lang="en-GB" dirty="0"/>
-              <a:t>Filter</a:t>
-            </a:r>
-          </a:p>
-          <a:p>
-            <a:r>
-              <a:rPr lang="en-GB" dirty="0"/>
-              <a:t>When hit</a:t>
-            </a:r>
-          </a:p>
-          <a:p>
-            <a:r>
-              <a:rPr lang="en-GB" dirty="0"/>
-              <a:t>Break at Function</a:t>
-            </a:r>
-          </a:p>
-        </p:txBody>
-      </p:sp>
-      <mc:AlternateContent xmlns:mc="http://schemas.openxmlformats.org/markup-compatibility/2006" xmlns:p14="http://schemas.microsoft.com/office/powerpoint/2010/main">
-        <mc:Choice Requires="p14">
-          <p:contentPart p14:bwMode="auto" r:id="rId3">
-            <p14:nvContentPartPr>
-              <p14:cNvPr id="4" name="Ink 3">
-                <a:extLst>
-                  <a:ext uri="{FF2B5EF4-FFF2-40B4-BE49-F238E27FC236}">
-                    <a16:creationId xmlns:a16="http://schemas.microsoft.com/office/drawing/2014/main" id="{D1D74805-7939-4FB3-BB0B-9F3007B49CBC}"/>
-                  </a:ext>
-                </a:extLst>
-              </p14:cNvPr>
-              <p14:cNvContentPartPr/>
-              <p14:nvPr/>
-            </p14:nvContentPartPr>
-            <p14:xfrm>
-              <a:off x="3280571" y="2892775"/>
-              <a:ext cx="360" cy="360"/>
-            </p14:xfrm>
-          </p:contentPart>
-        </mc:Choice>
-        <mc:Fallback xmlns="">
-          <p:pic>
-            <p:nvPicPr>
-              <p:cNvPr id="4" name="Ink 3">
-                <a:extLst>
-                  <a:ext uri="{FF2B5EF4-FFF2-40B4-BE49-F238E27FC236}">
-                    <a16:creationId xmlns:a16="http://schemas.microsoft.com/office/drawing/2014/main" id="{D1D74805-7939-4FB3-BB0B-9F3007B49CBC}"/>
-                  </a:ext>
-                </a:extLst>
-              </p:cNvPr>
-              <p:cNvPicPr/>
-              <p:nvPr/>
-            </p:nvPicPr>
-            <p:blipFill>
-              <a:blip r:embed="rId4"/>
-              <a:stretch>
-                <a:fillRect/>
-              </a:stretch>
-            </p:blipFill>
-            <p:spPr>
-              <a:xfrm>
-                <a:off x="3208571" y="2748775"/>
-                <a:ext cx="144000" cy="288000"/>
-              </a:xfrm>
-              <a:prstGeom prst="rect">
-                <a:avLst/>
-              </a:prstGeom>
-            </p:spPr>
-          </p:pic>
-        </mc:Fallback>
-      </mc:AlternateContent>
+        </p:nvPicPr>
+        <p:blipFill>
+          <a:blip r:embed="rId3"/>
+          <a:stretch>
+            <a:fillRect/>
+          </a:stretch>
+        </p:blipFill>
+        <p:spPr>
+          <a:xfrm>
+            <a:off x="2509339" y="1930400"/>
+            <a:ext cx="7173321" cy="4657953"/>
+          </a:xfrm>
+        </p:spPr>
+      </p:pic>
     </p:spTree>
     <p:extLst>
       <p:ext uri="{BB962C8B-B14F-4D97-AF65-F5344CB8AC3E}">
-        <p14:creationId xmlns:p14="http://schemas.microsoft.com/office/powerpoint/2010/main" val="712858971"/>
+        <p14:creationId xmlns:p14="http://schemas.microsoft.com/office/powerpoint/2010/main" val="770500011"/>
       </p:ext>
     </p:extLst>
   </p:cSld>
@@ -14680,6 +14724,268 @@
           <p:cNvPr id="2" name="Title 1">
             <a:extLst>
               <a:ext uri="{FF2B5EF4-FFF2-40B4-BE49-F238E27FC236}">
+                <a16:creationId xmlns:a16="http://schemas.microsoft.com/office/drawing/2014/main" id="{2C84231B-0912-4D42-8E7F-A3A732B453ED}"/>
+              </a:ext>
+            </a:extLst>
+          </p:cNvPr>
+          <p:cNvSpPr>
+            <a:spLocks noGrp="1"/>
+          </p:cNvSpPr>
+          <p:nvPr>
+            <p:ph type="title"/>
+          </p:nvPr>
+        </p:nvSpPr>
+        <p:spPr/>
+        <p:txBody>
+          <a:bodyPr/>
+          <a:lstStyle/>
+          <a:p>
+            <a:pPr algn="ctr"/>
+            <a:r>
+              <a:rPr lang="en-GB" dirty="0"/>
+              <a:t>Multithreading windows</a:t>
+            </a:r>
+            <a:br>
+              <a:rPr lang="en-GB" dirty="0"/>
+            </a:br>
+            <a:r>
+              <a:rPr lang="en-GB" dirty="0"/>
+              <a:t>parallel watch</a:t>
+            </a:r>
+          </a:p>
+        </p:txBody>
+      </p:sp>
+      <p:pic>
+        <p:nvPicPr>
+          <p:cNvPr id="5" name="Content Placeholder 4">
+            <a:extLst>
+              <a:ext uri="{FF2B5EF4-FFF2-40B4-BE49-F238E27FC236}">
+                <a16:creationId xmlns:a16="http://schemas.microsoft.com/office/drawing/2014/main" id="{85E4DA72-8CCE-40C5-A245-5DAF02A98CD9}"/>
+              </a:ext>
+            </a:extLst>
+          </p:cNvPr>
+          <p:cNvPicPr>
+            <a:picLocks noGrp="1" noChangeAspect="1"/>
+          </p:cNvPicPr>
+          <p:nvPr>
+            <p:ph idx="1"/>
+          </p:nvPr>
+        </p:nvPicPr>
+        <p:blipFill>
+          <a:blip r:embed="rId3"/>
+          <a:stretch>
+            <a:fillRect/>
+          </a:stretch>
+        </p:blipFill>
+        <p:spPr>
+          <a:xfrm>
+            <a:off x="315039" y="2271486"/>
+            <a:ext cx="11421327" cy="3822141"/>
+          </a:xfrm>
+        </p:spPr>
+      </p:pic>
+    </p:spTree>
+    <p:extLst>
+      <p:ext uri="{BB962C8B-B14F-4D97-AF65-F5344CB8AC3E}">
+        <p14:creationId xmlns:p14="http://schemas.microsoft.com/office/powerpoint/2010/main" val="194680150"/>
+      </p:ext>
+    </p:extLst>
+  </p:cSld>
+  <p:clrMapOvr>
+    <a:masterClrMapping/>
+  </p:clrMapOvr>
+</p:sld>
+</file>
+
+<file path=ppt/slides/slide31.xml><?xml version="1.0" encoding="utf-8"?>
+<p:sld xmlns:a="http://schemas.openxmlformats.org/drawingml/2006/main" xmlns:r="http://schemas.openxmlformats.org/officeDocument/2006/relationships" xmlns:p="http://schemas.openxmlformats.org/presentationml/2006/main">
+  <p:cSld>
+    <p:spTree>
+      <p:nvGrpSpPr>
+        <p:cNvPr id="1" name=""/>
+        <p:cNvGrpSpPr/>
+        <p:nvPr/>
+      </p:nvGrpSpPr>
+      <p:grpSpPr>
+        <a:xfrm>
+          <a:off x="0" y="0"/>
+          <a:ext cx="0" cy="0"/>
+          <a:chOff x="0" y="0"/>
+          <a:chExt cx="0" cy="0"/>
+        </a:xfrm>
+      </p:grpSpPr>
+      <p:sp>
+        <p:nvSpPr>
+          <p:cNvPr id="2" name="Title 1">
+            <a:extLst>
+              <a:ext uri="{FF2B5EF4-FFF2-40B4-BE49-F238E27FC236}">
+                <a16:creationId xmlns:a16="http://schemas.microsoft.com/office/drawing/2014/main" id="{8AB8C8CD-45D9-460E-A96F-2FFAD92DB137}"/>
+              </a:ext>
+            </a:extLst>
+          </p:cNvPr>
+          <p:cNvSpPr>
+            <a:spLocks noGrp="1"/>
+          </p:cNvSpPr>
+          <p:nvPr>
+            <p:ph type="title"/>
+          </p:nvPr>
+        </p:nvSpPr>
+        <p:spPr/>
+        <p:txBody>
+          <a:bodyPr/>
+          <a:lstStyle/>
+          <a:p>
+            <a:r>
+              <a:rPr lang="en-GB" dirty="0"/>
+              <a:t>Breakpoints</a:t>
+            </a:r>
+          </a:p>
+        </p:txBody>
+      </p:sp>
+      <p:sp>
+        <p:nvSpPr>
+          <p:cNvPr id="3" name="Content Placeholder 2">
+            <a:extLst>
+              <a:ext uri="{FF2B5EF4-FFF2-40B4-BE49-F238E27FC236}">
+                <a16:creationId xmlns:a16="http://schemas.microsoft.com/office/drawing/2014/main" id="{C1D22BCB-CFBD-4008-BD3B-ADFFA2EAA67D}"/>
+              </a:ext>
+            </a:extLst>
+          </p:cNvPr>
+          <p:cNvSpPr>
+            <a:spLocks noGrp="1"/>
+          </p:cNvSpPr>
+          <p:nvPr>
+            <p:ph idx="1"/>
+          </p:nvPr>
+        </p:nvSpPr>
+        <p:spPr/>
+        <p:txBody>
+          <a:bodyPr/>
+          <a:lstStyle/>
+          <a:p>
+            <a:r>
+              <a:rPr lang="en-GB" dirty="0"/>
+              <a:t>Data Breakpoints</a:t>
+            </a:r>
+          </a:p>
+          <a:p>
+            <a:r>
+              <a:rPr lang="en-GB" dirty="0"/>
+              <a:t>Condition</a:t>
+            </a:r>
+          </a:p>
+          <a:p>
+            <a:r>
+              <a:rPr lang="en-GB" dirty="0"/>
+              <a:t>Hit Count</a:t>
+            </a:r>
+          </a:p>
+          <a:p>
+            <a:r>
+              <a:rPr lang="en-GB" dirty="0"/>
+              <a:t>Filter</a:t>
+            </a:r>
+          </a:p>
+          <a:p>
+            <a:r>
+              <a:rPr lang="en-GB" dirty="0"/>
+              <a:t>When hit</a:t>
+            </a:r>
+          </a:p>
+          <a:p>
+            <a:r>
+              <a:rPr lang="en-GB" dirty="0"/>
+              <a:t>Break at Function</a:t>
+            </a:r>
+          </a:p>
+        </p:txBody>
+      </p:sp>
+      <mc:AlternateContent xmlns:mc="http://schemas.openxmlformats.org/markup-compatibility/2006" xmlns:p14="http://schemas.microsoft.com/office/powerpoint/2010/main">
+        <mc:Choice Requires="p14">
+          <p:contentPart p14:bwMode="auto" r:id="rId3">
+            <p14:nvContentPartPr>
+              <p14:cNvPr id="4" name="Ink 3">
+                <a:extLst>
+                  <a:ext uri="{FF2B5EF4-FFF2-40B4-BE49-F238E27FC236}">
+                    <a16:creationId xmlns:a16="http://schemas.microsoft.com/office/drawing/2014/main" id="{D1D74805-7939-4FB3-BB0B-9F3007B49CBC}"/>
+                  </a:ext>
+                </a:extLst>
+              </p14:cNvPr>
+              <p14:cNvContentPartPr/>
+              <p14:nvPr/>
+            </p14:nvContentPartPr>
+            <p14:xfrm>
+              <a:off x="3280571" y="2892775"/>
+              <a:ext cx="360" cy="360"/>
+            </p14:xfrm>
+          </p:contentPart>
+        </mc:Choice>
+        <mc:Fallback xmlns="">
+          <p:pic>
+            <p:nvPicPr>
+              <p:cNvPr id="4" name="Ink 3">
+                <a:extLst>
+                  <a:ext uri="{FF2B5EF4-FFF2-40B4-BE49-F238E27FC236}">
+                    <a16:creationId xmlns:a16="http://schemas.microsoft.com/office/drawing/2014/main" id="{D1D74805-7939-4FB3-BB0B-9F3007B49CBC}"/>
+                  </a:ext>
+                </a:extLst>
+              </p:cNvPr>
+              <p:cNvPicPr/>
+              <p:nvPr/>
+            </p:nvPicPr>
+            <p:blipFill>
+              <a:blip r:embed="rId4"/>
+              <a:stretch>
+                <a:fillRect/>
+              </a:stretch>
+            </p:blipFill>
+            <p:spPr>
+              <a:xfrm>
+                <a:off x="3208571" y="2748775"/>
+                <a:ext cx="144000" cy="288000"/>
+              </a:xfrm>
+              <a:prstGeom prst="rect">
+                <a:avLst/>
+              </a:prstGeom>
+            </p:spPr>
+          </p:pic>
+        </mc:Fallback>
+      </mc:AlternateContent>
+    </p:spTree>
+    <p:extLst>
+      <p:ext uri="{BB962C8B-B14F-4D97-AF65-F5344CB8AC3E}">
+        <p14:creationId xmlns:p14="http://schemas.microsoft.com/office/powerpoint/2010/main" val="712858971"/>
+      </p:ext>
+    </p:extLst>
+  </p:cSld>
+  <p:clrMapOvr>
+    <a:masterClrMapping/>
+  </p:clrMapOvr>
+</p:sld>
+</file>
+
+<file path=ppt/slides/slide32.xml><?xml version="1.0" encoding="utf-8"?>
+<p:sld xmlns:a="http://schemas.openxmlformats.org/drawingml/2006/main" xmlns:r="http://schemas.openxmlformats.org/officeDocument/2006/relationships" xmlns:p="http://schemas.openxmlformats.org/presentationml/2006/main">
+  <p:cSld>
+    <p:spTree>
+      <p:nvGrpSpPr>
+        <p:cNvPr id="1" name=""/>
+        <p:cNvGrpSpPr/>
+        <p:nvPr/>
+      </p:nvGrpSpPr>
+      <p:grpSpPr>
+        <a:xfrm>
+          <a:off x="0" y="0"/>
+          <a:ext cx="0" cy="0"/>
+          <a:chOff x="0" y="0"/>
+          <a:chExt cx="0" cy="0"/>
+        </a:xfrm>
+      </p:grpSpPr>
+      <p:sp>
+        <p:nvSpPr>
+          <p:cNvPr id="2" name="Title 1">
+            <a:extLst>
+              <a:ext uri="{FF2B5EF4-FFF2-40B4-BE49-F238E27FC236}">
                 <a16:creationId xmlns:a16="http://schemas.microsoft.com/office/drawing/2014/main" id="{EF45E274-BADE-41E1-83B1-7BB877477E13}"/>
               </a:ext>
             </a:extLst>
@@ -14758,7 +15064,7 @@
 </p:sld>
 </file>
 
-<file path=ppt/slides/slide31.xml><?xml version="1.0" encoding="utf-8"?>
+<file path=ppt/slides/slide33.xml><?xml version="1.0" encoding="utf-8"?>
 <p:sld xmlns:a="http://schemas.openxmlformats.org/drawingml/2006/main" xmlns:r="http://schemas.openxmlformats.org/officeDocument/2006/relationships" xmlns:p="http://schemas.openxmlformats.org/presentationml/2006/main">
   <p:cSld>
     <p:spTree>
@@ -14858,7 +15164,7 @@
 </p:sld>
 </file>
 
-<file path=ppt/slides/slide32.xml><?xml version="1.0" encoding="utf-8"?>
+<file path=ppt/slides/slide34.xml><?xml version="1.0" encoding="utf-8"?>
 <p:sld xmlns:a="http://schemas.openxmlformats.org/drawingml/2006/main" xmlns:r="http://schemas.openxmlformats.org/officeDocument/2006/relationships" xmlns:p="http://schemas.openxmlformats.org/presentationml/2006/main">
   <p:cSld>
     <p:spTree>
@@ -14956,7 +15262,7 @@
 </p:sld>
 </file>
 
-<file path=ppt/slides/slide33.xml><?xml version="1.0" encoding="utf-8"?>
+<file path=ppt/slides/slide35.xml><?xml version="1.0" encoding="utf-8"?>
 <p:sld xmlns:a="http://schemas.openxmlformats.org/drawingml/2006/main" xmlns:r="http://schemas.openxmlformats.org/officeDocument/2006/relationships" xmlns:p="http://schemas.openxmlformats.org/presentationml/2006/main">
   <p:cSld>
     <p:spTree>
@@ -15157,7 +15463,7 @@
 </p:sld>
 </file>
 
-<file path=ppt/slides/slide34.xml><?xml version="1.0" encoding="utf-8"?>
+<file path=ppt/slides/slide36.xml><?xml version="1.0" encoding="utf-8"?>
 <p:sld xmlns:a="http://schemas.openxmlformats.org/drawingml/2006/main" xmlns:r="http://schemas.openxmlformats.org/officeDocument/2006/relationships" xmlns:p="http://schemas.openxmlformats.org/presentationml/2006/main">
   <p:cSld>
     <p:spTree>
@@ -15361,7 +15667,7 @@
 </p:sld>
 </file>
 
-<file path=ppt/slides/slide35.xml><?xml version="1.0" encoding="utf-8"?>
+<file path=ppt/slides/slide37.xml><?xml version="1.0" encoding="utf-8"?>
 <p:sld xmlns:a="http://schemas.openxmlformats.org/drawingml/2006/main" xmlns:r="http://schemas.openxmlformats.org/officeDocument/2006/relationships" xmlns:p="http://schemas.openxmlformats.org/presentationml/2006/main">
   <p:cSld>
     <p:spTree>
@@ -15459,7 +15765,7 @@
 </p:sld>
 </file>
 
-<file path=ppt/slides/slide36.xml><?xml version="1.0" encoding="utf-8"?>
+<file path=ppt/slides/slide38.xml><?xml version="1.0" encoding="utf-8"?>
 <p:sld xmlns:a="http://schemas.openxmlformats.org/drawingml/2006/main" xmlns:r="http://schemas.openxmlformats.org/officeDocument/2006/relationships" xmlns:p="http://schemas.openxmlformats.org/presentationml/2006/main">
   <p:cSld>
     <p:spTree>
@@ -15733,7 +16039,7 @@
 </p:sld>
 </file>
 
-<file path=ppt/slides/slide37.xml><?xml version="1.0" encoding="utf-8"?>
+<file path=ppt/slides/slide39.xml><?xml version="1.0" encoding="utf-8"?>
 <p:sld xmlns:a="http://schemas.openxmlformats.org/drawingml/2006/main" xmlns:r="http://schemas.openxmlformats.org/officeDocument/2006/relationships" xmlns:p="http://schemas.openxmlformats.org/presentationml/2006/main">
   <p:cSld>
     <p:spTree>
@@ -15831,7 +16137,99 @@
 </p:sld>
 </file>
 
-<file path=ppt/slides/slide38.xml><?xml version="1.0" encoding="utf-8"?>
+<file path=ppt/slides/slide4.xml><?xml version="1.0" encoding="utf-8"?>
+<p:sld xmlns:a="http://schemas.openxmlformats.org/drawingml/2006/main" xmlns:r="http://schemas.openxmlformats.org/officeDocument/2006/relationships" xmlns:p="http://schemas.openxmlformats.org/presentationml/2006/main">
+  <p:cSld>
+    <p:spTree>
+      <p:nvGrpSpPr>
+        <p:cNvPr id="1" name=""/>
+        <p:cNvGrpSpPr/>
+        <p:nvPr/>
+      </p:nvGrpSpPr>
+      <p:grpSpPr>
+        <a:xfrm>
+          <a:off x="0" y="0"/>
+          <a:ext cx="0" cy="0"/>
+          <a:chOff x="0" y="0"/>
+          <a:chExt cx="0" cy="0"/>
+        </a:xfrm>
+      </p:grpSpPr>
+      <p:sp>
+        <p:nvSpPr>
+          <p:cNvPr id="2" name="Title 1">
+            <a:extLst>
+              <a:ext uri="{FF2B5EF4-FFF2-40B4-BE49-F238E27FC236}">
+                <a16:creationId xmlns:a16="http://schemas.microsoft.com/office/drawing/2014/main" id="{A5D3EAC9-AAEB-45AC-AB56-ABDF8D464FE5}"/>
+              </a:ext>
+            </a:extLst>
+          </p:cNvPr>
+          <p:cNvSpPr>
+            <a:spLocks noGrp="1"/>
+          </p:cNvSpPr>
+          <p:nvPr>
+            <p:ph type="title"/>
+          </p:nvPr>
+        </p:nvSpPr>
+        <p:spPr/>
+        <p:txBody>
+          <a:bodyPr/>
+          <a:lstStyle/>
+          <a:p>
+            <a:r>
+              <a:rPr lang="en-GB" dirty="0"/>
+              <a:t>Visual Studio Options</a:t>
+            </a:r>
+          </a:p>
+        </p:txBody>
+      </p:sp>
+      <p:sp>
+        <p:nvSpPr>
+          <p:cNvPr id="3" name="Content Placeholder 2">
+            <a:extLst>
+              <a:ext uri="{FF2B5EF4-FFF2-40B4-BE49-F238E27FC236}">
+                <a16:creationId xmlns:a16="http://schemas.microsoft.com/office/drawing/2014/main" id="{7A8990B5-D9E6-4B6B-BEED-1FF98C4F8D04}"/>
+              </a:ext>
+            </a:extLst>
+          </p:cNvPr>
+          <p:cNvSpPr>
+            <a:spLocks noGrp="1"/>
+          </p:cNvSpPr>
+          <p:nvPr>
+            <p:ph idx="1"/>
+          </p:nvPr>
+        </p:nvSpPr>
+        <p:spPr/>
+        <p:txBody>
+          <a:bodyPr/>
+          <a:lstStyle/>
+          <a:p>
+            <a:r>
+              <a:rPr lang="en-GB" dirty="0"/>
+              <a:t>Debugging Options</a:t>
+            </a:r>
+          </a:p>
+          <a:p>
+            <a:r>
+              <a:rPr lang="en-GB" dirty="0"/>
+              <a:t>Exception Options</a:t>
+            </a:r>
+          </a:p>
+        </p:txBody>
+      </p:sp>
+    </p:spTree>
+    <p:extLst>
+      <p:ext uri="{BB962C8B-B14F-4D97-AF65-F5344CB8AC3E}">
+        <p14:creationId xmlns:p14="http://schemas.microsoft.com/office/powerpoint/2010/main" val="1455799755"/>
+      </p:ext>
+    </p:extLst>
+  </p:cSld>
+  <p:clrMapOvr>
+    <a:masterClrMapping/>
+  </p:clrMapOvr>
+</p:sld>
+</file>
+
+<file path=ppt/slides/slide40.xml><?xml version="1.0" encoding="utf-8"?>
 <p:sld xmlns:a="http://schemas.openxmlformats.org/drawingml/2006/main" xmlns:r="http://schemas.openxmlformats.org/officeDocument/2006/relationships" xmlns:p="http://schemas.openxmlformats.org/presentationml/2006/main">
   <p:cSld>
     <p:spTree>
@@ -15926,7 +16324,7 @@
 </p:sld>
 </file>
 
-<file path=ppt/slides/slide39.xml><?xml version="1.0" encoding="utf-8"?>
+<file path=ppt/slides/slide41.xml><?xml version="1.0" encoding="utf-8"?>
 <p:sld xmlns:a="http://schemas.openxmlformats.org/drawingml/2006/main" xmlns:r="http://schemas.openxmlformats.org/officeDocument/2006/relationships" xmlns:p="http://schemas.openxmlformats.org/presentationml/2006/main">
   <p:cSld>
     <p:spTree>
@@ -16047,99 +16445,7 @@
 </p:sld>
 </file>
 
-<file path=ppt/slides/slide4.xml><?xml version="1.0" encoding="utf-8"?>
-<p:sld xmlns:a="http://schemas.openxmlformats.org/drawingml/2006/main" xmlns:r="http://schemas.openxmlformats.org/officeDocument/2006/relationships" xmlns:p="http://schemas.openxmlformats.org/presentationml/2006/main">
-  <p:cSld>
-    <p:spTree>
-      <p:nvGrpSpPr>
-        <p:cNvPr id="1" name=""/>
-        <p:cNvGrpSpPr/>
-        <p:nvPr/>
-      </p:nvGrpSpPr>
-      <p:grpSpPr>
-        <a:xfrm>
-          <a:off x="0" y="0"/>
-          <a:ext cx="0" cy="0"/>
-          <a:chOff x="0" y="0"/>
-          <a:chExt cx="0" cy="0"/>
-        </a:xfrm>
-      </p:grpSpPr>
-      <p:sp>
-        <p:nvSpPr>
-          <p:cNvPr id="2" name="Title 1">
-            <a:extLst>
-              <a:ext uri="{FF2B5EF4-FFF2-40B4-BE49-F238E27FC236}">
-                <a16:creationId xmlns:a16="http://schemas.microsoft.com/office/drawing/2014/main" id="{A5D3EAC9-AAEB-45AC-AB56-ABDF8D464FE5}"/>
-              </a:ext>
-            </a:extLst>
-          </p:cNvPr>
-          <p:cNvSpPr>
-            <a:spLocks noGrp="1"/>
-          </p:cNvSpPr>
-          <p:nvPr>
-            <p:ph type="title"/>
-          </p:nvPr>
-        </p:nvSpPr>
-        <p:spPr/>
-        <p:txBody>
-          <a:bodyPr/>
-          <a:lstStyle/>
-          <a:p>
-            <a:r>
-              <a:rPr lang="en-GB" dirty="0"/>
-              <a:t>Visual Studio Options</a:t>
-            </a:r>
-          </a:p>
-        </p:txBody>
-      </p:sp>
-      <p:sp>
-        <p:nvSpPr>
-          <p:cNvPr id="3" name="Content Placeholder 2">
-            <a:extLst>
-              <a:ext uri="{FF2B5EF4-FFF2-40B4-BE49-F238E27FC236}">
-                <a16:creationId xmlns:a16="http://schemas.microsoft.com/office/drawing/2014/main" id="{7A8990B5-D9E6-4B6B-BEED-1FF98C4F8D04}"/>
-              </a:ext>
-            </a:extLst>
-          </p:cNvPr>
-          <p:cNvSpPr>
-            <a:spLocks noGrp="1"/>
-          </p:cNvSpPr>
-          <p:nvPr>
-            <p:ph idx="1"/>
-          </p:nvPr>
-        </p:nvSpPr>
-        <p:spPr/>
-        <p:txBody>
-          <a:bodyPr/>
-          <a:lstStyle/>
-          <a:p>
-            <a:r>
-              <a:rPr lang="en-GB" dirty="0"/>
-              <a:t>Debugging Options</a:t>
-            </a:r>
-          </a:p>
-          <a:p>
-            <a:r>
-              <a:rPr lang="en-GB" dirty="0"/>
-              <a:t>Exception Options</a:t>
-            </a:r>
-          </a:p>
-        </p:txBody>
-      </p:sp>
-    </p:spTree>
-    <p:extLst>
-      <p:ext uri="{BB962C8B-B14F-4D97-AF65-F5344CB8AC3E}">
-        <p14:creationId xmlns:p14="http://schemas.microsoft.com/office/powerpoint/2010/main" val="1455799755"/>
-      </p:ext>
-    </p:extLst>
-  </p:cSld>
-  <p:clrMapOvr>
-    <a:masterClrMapping/>
-  </p:clrMapOvr>
-</p:sld>
-</file>
-
-<file path=ppt/slides/slide40.xml><?xml version="1.0" encoding="utf-8"?>
+<file path=ppt/slides/slide42.xml><?xml version="1.0" encoding="utf-8"?>
 <p:sld xmlns:a="http://schemas.openxmlformats.org/drawingml/2006/main" xmlns:r="http://schemas.openxmlformats.org/officeDocument/2006/relationships" xmlns:p="http://schemas.openxmlformats.org/presentationml/2006/main">
   <p:cSld>
     <p:spTree>
@@ -16288,7 +16594,7 @@
 </p:sld>
 </file>
 
-<file path=ppt/slides/slide41.xml><?xml version="1.0" encoding="utf-8"?>
+<file path=ppt/slides/slide43.xml><?xml version="1.0" encoding="utf-8"?>
 <p:sld xmlns:a="http://schemas.openxmlformats.org/drawingml/2006/main" xmlns:r="http://schemas.openxmlformats.org/officeDocument/2006/relationships" xmlns:p="http://schemas.openxmlformats.org/presentationml/2006/main">
   <p:cSld>
     <p:spTree>
@@ -16409,7 +16715,7 @@
 </p:sld>
 </file>
 
-<file path=ppt/slides/slide42.xml><?xml version="1.0" encoding="utf-8"?>
+<file path=ppt/slides/slide44.xml><?xml version="1.0" encoding="utf-8"?>
 <p:sld xmlns:a="http://schemas.openxmlformats.org/drawingml/2006/main" xmlns:r="http://schemas.openxmlformats.org/officeDocument/2006/relationships" xmlns:p="http://schemas.openxmlformats.org/presentationml/2006/main">
   <p:cSld>
     <p:spTree>
@@ -16507,7 +16813,7 @@
 </p:sld>
 </file>
 
-<file path=ppt/slides/slide43.xml><?xml version="1.0" encoding="utf-8"?>
+<file path=ppt/slides/slide45.xml><?xml version="1.0" encoding="utf-8"?>
 <p:sld xmlns:a="http://schemas.openxmlformats.org/drawingml/2006/main" xmlns:r="http://schemas.openxmlformats.org/officeDocument/2006/relationships" xmlns:p="http://schemas.openxmlformats.org/presentationml/2006/main">
   <p:cSld>
     <p:spTree>
@@ -16603,7 +16909,7 @@
 </p:sld>
 </file>
 
-<file path=ppt/slides/slide44.xml><?xml version="1.0" encoding="utf-8"?>
+<file path=ppt/slides/slide46.xml><?xml version="1.0" encoding="utf-8"?>
 <p:sld xmlns:a="http://schemas.openxmlformats.org/drawingml/2006/main" xmlns:r="http://schemas.openxmlformats.org/officeDocument/2006/relationships" xmlns:p="http://schemas.openxmlformats.org/presentationml/2006/main">
   <p:cSld>
     <p:spTree>
@@ -16732,7 +17038,7 @@
 </p:sld>
 </file>
 
-<file path=ppt/slides/slide45.xml><?xml version="1.0" encoding="utf-8"?>
+<file path=ppt/slides/slide47.xml><?xml version="1.0" encoding="utf-8"?>
 <p:sld xmlns:a="http://schemas.openxmlformats.org/drawingml/2006/main" xmlns:r="http://schemas.openxmlformats.org/officeDocument/2006/relationships" xmlns:p="http://schemas.openxmlformats.org/presentationml/2006/main">
   <p:cSld>
     <p:spTree>
@@ -16823,7 +17129,7 @@
 </p:sld>
 </file>
 
-<file path=ppt/slides/slide46.xml><?xml version="1.0" encoding="utf-8"?>
+<file path=ppt/slides/slide48.xml><?xml version="1.0" encoding="utf-8"?>
 <p:sld xmlns:a="http://schemas.openxmlformats.org/drawingml/2006/main" xmlns:r="http://schemas.openxmlformats.org/officeDocument/2006/relationships" xmlns:p="http://schemas.openxmlformats.org/presentationml/2006/main">
   <p:cSld>
     <p:spTree>
@@ -16911,218 +17217,6 @@
 </p:sld>
 </file>
 
-<file path=ppt/slides/slide47.xml><?xml version="1.0" encoding="utf-8"?>
-<p:sld xmlns:a="http://schemas.openxmlformats.org/drawingml/2006/main" xmlns:r="http://schemas.openxmlformats.org/officeDocument/2006/relationships" xmlns:p="http://schemas.openxmlformats.org/presentationml/2006/main">
-  <p:cSld>
-    <p:spTree>
-      <p:nvGrpSpPr>
-        <p:cNvPr id="1" name=""/>
-        <p:cNvGrpSpPr/>
-        <p:nvPr/>
-      </p:nvGrpSpPr>
-      <p:grpSpPr>
-        <a:xfrm>
-          <a:off x="0" y="0"/>
-          <a:ext cx="0" cy="0"/>
-          <a:chOff x="0" y="0"/>
-          <a:chExt cx="0" cy="0"/>
-        </a:xfrm>
-      </p:grpSpPr>
-      <p:sp>
-        <p:nvSpPr>
-          <p:cNvPr id="2" name="Title 1">
-            <a:extLst>
-              <a:ext uri="{FF2B5EF4-FFF2-40B4-BE49-F238E27FC236}">
-                <a16:creationId xmlns:a16="http://schemas.microsoft.com/office/drawing/2014/main" id="{BA8F254C-BBAD-4EE7-A5E9-2AF7E94292BE}"/>
-              </a:ext>
-            </a:extLst>
-          </p:cNvPr>
-          <p:cNvSpPr>
-            <a:spLocks noGrp="1"/>
-          </p:cNvSpPr>
-          <p:nvPr>
-            <p:ph type="title"/>
-          </p:nvPr>
-        </p:nvSpPr>
-        <p:spPr/>
-        <p:txBody>
-          <a:bodyPr/>
-          <a:lstStyle/>
-          <a:p>
-            <a:pPr algn="ctr"/>
-            <a:r>
-              <a:rPr lang="en-GB" dirty="0"/>
-              <a:t>Symbol servers</a:t>
-            </a:r>
-          </a:p>
-        </p:txBody>
-      </p:sp>
-      <p:sp>
-        <p:nvSpPr>
-          <p:cNvPr id="3" name="Content Placeholder 2">
-            <a:extLst>
-              <a:ext uri="{FF2B5EF4-FFF2-40B4-BE49-F238E27FC236}">
-                <a16:creationId xmlns:a16="http://schemas.microsoft.com/office/drawing/2014/main" id="{5BCF1863-E5AF-47F8-B156-636A819A19D1}"/>
-              </a:ext>
-            </a:extLst>
-          </p:cNvPr>
-          <p:cNvSpPr>
-            <a:spLocks noGrp="1"/>
-          </p:cNvSpPr>
-          <p:nvPr>
-            <p:ph idx="1"/>
-          </p:nvPr>
-        </p:nvSpPr>
-        <p:spPr>
-          <a:xfrm>
-            <a:off x="685800" y="2194561"/>
-            <a:ext cx="10820400" cy="3780670"/>
-          </a:xfrm>
-        </p:spPr>
-        <p:txBody>
-          <a:bodyPr/>
-          <a:lstStyle/>
-          <a:p>
-            <a:r>
-              <a:rPr lang="en-GB" dirty="0"/>
-              <a:t>The symbol server enables the debuggers to automatically retrieve the correct symbol files without product names, releases, or build numbers. </a:t>
-            </a:r>
-            <a:br>
-              <a:rPr lang="en-GB" dirty="0"/>
-            </a:br>
-            <a:endParaRPr lang="en-GB" dirty="0"/>
-          </a:p>
-        </p:txBody>
-      </p:sp>
-    </p:spTree>
-    <p:extLst>
-      <p:ext uri="{BB962C8B-B14F-4D97-AF65-F5344CB8AC3E}">
-        <p14:creationId xmlns:p14="http://schemas.microsoft.com/office/powerpoint/2010/main" val="1880281804"/>
-      </p:ext>
-    </p:extLst>
-  </p:cSld>
-  <p:clrMapOvr>
-    <a:masterClrMapping/>
-  </p:clrMapOvr>
-</p:sld>
-</file>
-
-<file path=ppt/slides/slide48.xml><?xml version="1.0" encoding="utf-8"?>
-<p:sld xmlns:a="http://schemas.openxmlformats.org/drawingml/2006/main" xmlns:r="http://schemas.openxmlformats.org/officeDocument/2006/relationships" xmlns:p="http://schemas.openxmlformats.org/presentationml/2006/main">
-  <p:cSld>
-    <p:spTree>
-      <p:nvGrpSpPr>
-        <p:cNvPr id="1" name=""/>
-        <p:cNvGrpSpPr/>
-        <p:nvPr/>
-      </p:nvGrpSpPr>
-      <p:grpSpPr>
-        <a:xfrm>
-          <a:off x="0" y="0"/>
-          <a:ext cx="0" cy="0"/>
-          <a:chOff x="0" y="0"/>
-          <a:chExt cx="0" cy="0"/>
-        </a:xfrm>
-      </p:grpSpPr>
-      <p:sp>
-        <p:nvSpPr>
-          <p:cNvPr id="2" name="Title 1">
-            <a:extLst>
-              <a:ext uri="{FF2B5EF4-FFF2-40B4-BE49-F238E27FC236}">
-                <a16:creationId xmlns:a16="http://schemas.microsoft.com/office/drawing/2014/main" id="{93609348-A965-4532-A40A-B7C4B06DEEDE}"/>
-              </a:ext>
-            </a:extLst>
-          </p:cNvPr>
-          <p:cNvSpPr>
-            <a:spLocks noGrp="1"/>
-          </p:cNvSpPr>
-          <p:nvPr>
-            <p:ph type="title"/>
-          </p:nvPr>
-        </p:nvSpPr>
-        <p:spPr/>
-        <p:txBody>
-          <a:bodyPr/>
-          <a:lstStyle/>
-          <a:p>
-            <a:r>
-              <a:rPr lang="en-GB" dirty="0"/>
-              <a:t>Front  End</a:t>
-            </a:r>
-            <a:br>
-              <a:rPr lang="en-GB" dirty="0"/>
-            </a:br>
-            <a:endParaRPr lang="en-GB" dirty="0"/>
-          </a:p>
-        </p:txBody>
-      </p:sp>
-      <p:sp>
-        <p:nvSpPr>
-          <p:cNvPr id="3" name="Content Placeholder 2">
-            <a:extLst>
-              <a:ext uri="{FF2B5EF4-FFF2-40B4-BE49-F238E27FC236}">
-                <a16:creationId xmlns:a16="http://schemas.microsoft.com/office/drawing/2014/main" id="{91BDEE18-0733-49A2-98E1-91050720F6A6}"/>
-              </a:ext>
-            </a:extLst>
-          </p:cNvPr>
-          <p:cNvSpPr>
-            <a:spLocks noGrp="1"/>
-          </p:cNvSpPr>
-          <p:nvPr>
-            <p:ph idx="1"/>
-          </p:nvPr>
-        </p:nvSpPr>
-        <p:spPr/>
-        <p:txBody>
-          <a:bodyPr/>
-          <a:lstStyle/>
-          <a:p>
-            <a:r>
-              <a:rPr lang="en-GB" dirty="0" err="1"/>
-              <a:t>Javascript</a:t>
-            </a:r>
-            <a:r>
-              <a:rPr lang="en-GB" dirty="0"/>
-              <a:t> </a:t>
-            </a:r>
-          </a:p>
-          <a:p>
-            <a:r>
-              <a:rPr lang="en-GB" dirty="0"/>
-              <a:t>Browser Link</a:t>
-            </a:r>
-          </a:p>
-          <a:p>
-            <a:r>
-              <a:rPr lang="en-GB" dirty="0"/>
-              <a:t>Sync</a:t>
-            </a:r>
-          </a:p>
-          <a:p>
-            <a:r>
-              <a:rPr lang="en-GB" dirty="0"/>
-              <a:t>Inspector</a:t>
-            </a:r>
-            <a:br>
-              <a:rPr lang="en-GB" dirty="0"/>
-            </a:br>
-            <a:endParaRPr lang="en-GB" dirty="0"/>
-          </a:p>
-        </p:txBody>
-      </p:sp>
-    </p:spTree>
-    <p:extLst>
-      <p:ext uri="{BB962C8B-B14F-4D97-AF65-F5344CB8AC3E}">
-        <p14:creationId xmlns:p14="http://schemas.microsoft.com/office/powerpoint/2010/main" val="4139771700"/>
-      </p:ext>
-    </p:extLst>
-  </p:cSld>
-  <p:clrMapOvr>
-    <a:masterClrMapping/>
-  </p:clrMapOvr>
-</p:sld>
-</file>
-
 <file path=ppt/slides/slide49.xml><?xml version="1.0" encoding="utf-8"?>
 <p:sld xmlns:a="http://schemas.openxmlformats.org/drawingml/2006/main" xmlns:r="http://schemas.openxmlformats.org/officeDocument/2006/relationships" xmlns:p="http://schemas.openxmlformats.org/presentationml/2006/main">
   <p:cSld>
@@ -17145,7 +17239,7 @@
           <p:cNvPr id="2" name="Title 1">
             <a:extLst>
               <a:ext uri="{FF2B5EF4-FFF2-40B4-BE49-F238E27FC236}">
-                <a16:creationId xmlns:a16="http://schemas.microsoft.com/office/drawing/2014/main" id="{294658D5-AB67-4656-A552-E3A7ECC48D11}"/>
+                <a16:creationId xmlns:a16="http://schemas.microsoft.com/office/drawing/2014/main" id="{BA8F254C-BBAD-4EE7-A5E9-2AF7E94292BE}"/>
               </a:ext>
             </a:extLst>
           </p:cNvPr>
@@ -17161,9 +17255,10 @@
           <a:bodyPr/>
           <a:lstStyle/>
           <a:p>
-            <a:r>
-              <a:rPr lang="en-GB" dirty="0"/>
-              <a:t>Enterprise</a:t>
+            <a:pPr algn="ctr"/>
+            <a:r>
+              <a:rPr lang="en-GB" dirty="0"/>
+              <a:t>Symbol servers</a:t>
             </a:r>
           </a:p>
         </p:txBody>
@@ -17173,7 +17268,7 @@
           <p:cNvPr id="3" name="Content Placeholder 2">
             <a:extLst>
               <a:ext uri="{FF2B5EF4-FFF2-40B4-BE49-F238E27FC236}">
-                <a16:creationId xmlns:a16="http://schemas.microsoft.com/office/drawing/2014/main" id="{55179C6E-ED5F-4441-A6D8-95BB46E10DDE}"/>
+                <a16:creationId xmlns:a16="http://schemas.microsoft.com/office/drawing/2014/main" id="{5BCF1863-E5AF-47F8-B156-636A819A19D1}"/>
               </a:ext>
             </a:extLst>
           </p:cNvPr>
@@ -17184,24 +17279,23 @@
             <p:ph idx="1"/>
           </p:nvPr>
         </p:nvSpPr>
-        <p:spPr/>
-        <p:txBody>
-          <a:bodyPr/>
-          <a:lstStyle/>
-          <a:p>
-            <a:r>
-              <a:rPr lang="en-GB" dirty="0"/>
-              <a:t>Code Maps</a:t>
-            </a:r>
-          </a:p>
-          <a:p>
-            <a:r>
-              <a:rPr lang="en-GB" dirty="0" err="1"/>
-              <a:t>Intellitrace</a:t>
-            </a:r>
-            <a:endParaRPr lang="en-GB" dirty="0"/>
-          </a:p>
-          <a:p>
+        <p:spPr>
+          <a:xfrm>
+            <a:off x="685800" y="2194561"/>
+            <a:ext cx="10820400" cy="3780670"/>
+          </a:xfrm>
+        </p:spPr>
+        <p:txBody>
+          <a:bodyPr/>
+          <a:lstStyle/>
+          <a:p>
+            <a:r>
+              <a:rPr lang="en-GB" dirty="0"/>
+              <a:t>The symbol server enables the debuggers to automatically retrieve the correct symbol files without product names, releases, or build numbers. </a:t>
+            </a:r>
+            <a:br>
+              <a:rPr lang="en-GB" dirty="0"/>
+            </a:br>
             <a:endParaRPr lang="en-GB" dirty="0"/>
           </a:p>
         </p:txBody>
@@ -17209,7 +17303,7 @@
     </p:spTree>
     <p:extLst>
       <p:ext uri="{BB962C8B-B14F-4D97-AF65-F5344CB8AC3E}">
-        <p14:creationId xmlns:p14="http://schemas.microsoft.com/office/powerpoint/2010/main" val="2992128613"/>
+        <p14:creationId xmlns:p14="http://schemas.microsoft.com/office/powerpoint/2010/main" val="1880281804"/>
       </p:ext>
     </p:extLst>
   </p:cSld>
@@ -17328,6 +17422,218 @@
           <p:cNvPr id="2" name="Title 1">
             <a:extLst>
               <a:ext uri="{FF2B5EF4-FFF2-40B4-BE49-F238E27FC236}">
+                <a16:creationId xmlns:a16="http://schemas.microsoft.com/office/drawing/2014/main" id="{93609348-A965-4532-A40A-B7C4B06DEEDE}"/>
+              </a:ext>
+            </a:extLst>
+          </p:cNvPr>
+          <p:cNvSpPr>
+            <a:spLocks noGrp="1"/>
+          </p:cNvSpPr>
+          <p:nvPr>
+            <p:ph type="title"/>
+          </p:nvPr>
+        </p:nvSpPr>
+        <p:spPr/>
+        <p:txBody>
+          <a:bodyPr/>
+          <a:lstStyle/>
+          <a:p>
+            <a:r>
+              <a:rPr lang="en-GB" dirty="0"/>
+              <a:t>Front  End</a:t>
+            </a:r>
+            <a:br>
+              <a:rPr lang="en-GB" dirty="0"/>
+            </a:br>
+            <a:endParaRPr lang="en-GB" dirty="0"/>
+          </a:p>
+        </p:txBody>
+      </p:sp>
+      <p:sp>
+        <p:nvSpPr>
+          <p:cNvPr id="3" name="Content Placeholder 2">
+            <a:extLst>
+              <a:ext uri="{FF2B5EF4-FFF2-40B4-BE49-F238E27FC236}">
+                <a16:creationId xmlns:a16="http://schemas.microsoft.com/office/drawing/2014/main" id="{91BDEE18-0733-49A2-98E1-91050720F6A6}"/>
+              </a:ext>
+            </a:extLst>
+          </p:cNvPr>
+          <p:cNvSpPr>
+            <a:spLocks noGrp="1"/>
+          </p:cNvSpPr>
+          <p:nvPr>
+            <p:ph idx="1"/>
+          </p:nvPr>
+        </p:nvSpPr>
+        <p:spPr/>
+        <p:txBody>
+          <a:bodyPr/>
+          <a:lstStyle/>
+          <a:p>
+            <a:r>
+              <a:rPr lang="en-GB" dirty="0" err="1"/>
+              <a:t>Javascript</a:t>
+            </a:r>
+            <a:r>
+              <a:rPr lang="en-GB" dirty="0"/>
+              <a:t> </a:t>
+            </a:r>
+          </a:p>
+          <a:p>
+            <a:r>
+              <a:rPr lang="en-GB" dirty="0"/>
+              <a:t>Browser Link</a:t>
+            </a:r>
+          </a:p>
+          <a:p>
+            <a:r>
+              <a:rPr lang="en-GB" dirty="0"/>
+              <a:t>Sync</a:t>
+            </a:r>
+          </a:p>
+          <a:p>
+            <a:r>
+              <a:rPr lang="en-GB" dirty="0"/>
+              <a:t>Inspector</a:t>
+            </a:r>
+            <a:br>
+              <a:rPr lang="en-GB" dirty="0"/>
+            </a:br>
+            <a:endParaRPr lang="en-GB" dirty="0"/>
+          </a:p>
+        </p:txBody>
+      </p:sp>
+    </p:spTree>
+    <p:extLst>
+      <p:ext uri="{BB962C8B-B14F-4D97-AF65-F5344CB8AC3E}">
+        <p14:creationId xmlns:p14="http://schemas.microsoft.com/office/powerpoint/2010/main" val="4139771700"/>
+      </p:ext>
+    </p:extLst>
+  </p:cSld>
+  <p:clrMapOvr>
+    <a:masterClrMapping/>
+  </p:clrMapOvr>
+</p:sld>
+</file>
+
+<file path=ppt/slides/slide51.xml><?xml version="1.0" encoding="utf-8"?>
+<p:sld xmlns:a="http://schemas.openxmlformats.org/drawingml/2006/main" xmlns:r="http://schemas.openxmlformats.org/officeDocument/2006/relationships" xmlns:p="http://schemas.openxmlformats.org/presentationml/2006/main">
+  <p:cSld>
+    <p:spTree>
+      <p:nvGrpSpPr>
+        <p:cNvPr id="1" name=""/>
+        <p:cNvGrpSpPr/>
+        <p:nvPr/>
+      </p:nvGrpSpPr>
+      <p:grpSpPr>
+        <a:xfrm>
+          <a:off x="0" y="0"/>
+          <a:ext cx="0" cy="0"/>
+          <a:chOff x="0" y="0"/>
+          <a:chExt cx="0" cy="0"/>
+        </a:xfrm>
+      </p:grpSpPr>
+      <p:sp>
+        <p:nvSpPr>
+          <p:cNvPr id="2" name="Title 1">
+            <a:extLst>
+              <a:ext uri="{FF2B5EF4-FFF2-40B4-BE49-F238E27FC236}">
+                <a16:creationId xmlns:a16="http://schemas.microsoft.com/office/drawing/2014/main" id="{294658D5-AB67-4656-A552-E3A7ECC48D11}"/>
+              </a:ext>
+            </a:extLst>
+          </p:cNvPr>
+          <p:cNvSpPr>
+            <a:spLocks noGrp="1"/>
+          </p:cNvSpPr>
+          <p:nvPr>
+            <p:ph type="title"/>
+          </p:nvPr>
+        </p:nvSpPr>
+        <p:spPr/>
+        <p:txBody>
+          <a:bodyPr/>
+          <a:lstStyle/>
+          <a:p>
+            <a:r>
+              <a:rPr lang="en-GB" dirty="0"/>
+              <a:t>Enterprise</a:t>
+            </a:r>
+          </a:p>
+        </p:txBody>
+      </p:sp>
+      <p:sp>
+        <p:nvSpPr>
+          <p:cNvPr id="3" name="Content Placeholder 2">
+            <a:extLst>
+              <a:ext uri="{FF2B5EF4-FFF2-40B4-BE49-F238E27FC236}">
+                <a16:creationId xmlns:a16="http://schemas.microsoft.com/office/drawing/2014/main" id="{55179C6E-ED5F-4441-A6D8-95BB46E10DDE}"/>
+              </a:ext>
+            </a:extLst>
+          </p:cNvPr>
+          <p:cNvSpPr>
+            <a:spLocks noGrp="1"/>
+          </p:cNvSpPr>
+          <p:nvPr>
+            <p:ph idx="1"/>
+          </p:nvPr>
+        </p:nvSpPr>
+        <p:spPr/>
+        <p:txBody>
+          <a:bodyPr/>
+          <a:lstStyle/>
+          <a:p>
+            <a:r>
+              <a:rPr lang="en-GB" dirty="0"/>
+              <a:t>Code Maps</a:t>
+            </a:r>
+          </a:p>
+          <a:p>
+            <a:r>
+              <a:rPr lang="en-GB" dirty="0" err="1"/>
+              <a:t>Intellitrace</a:t>
+            </a:r>
+            <a:endParaRPr lang="en-GB" dirty="0"/>
+          </a:p>
+          <a:p>
+            <a:endParaRPr lang="en-GB" dirty="0"/>
+          </a:p>
+        </p:txBody>
+      </p:sp>
+    </p:spTree>
+    <p:extLst>
+      <p:ext uri="{BB962C8B-B14F-4D97-AF65-F5344CB8AC3E}">
+        <p14:creationId xmlns:p14="http://schemas.microsoft.com/office/powerpoint/2010/main" val="2992128613"/>
+      </p:ext>
+    </p:extLst>
+  </p:cSld>
+  <p:clrMapOvr>
+    <a:masterClrMapping/>
+  </p:clrMapOvr>
+</p:sld>
+</file>
+
+<file path=ppt/slides/slide52.xml><?xml version="1.0" encoding="utf-8"?>
+<p:sld xmlns:a="http://schemas.openxmlformats.org/drawingml/2006/main" xmlns:r="http://schemas.openxmlformats.org/officeDocument/2006/relationships" xmlns:p="http://schemas.openxmlformats.org/presentationml/2006/main">
+  <p:cSld>
+    <p:spTree>
+      <p:nvGrpSpPr>
+        <p:cNvPr id="1" name=""/>
+        <p:cNvGrpSpPr/>
+        <p:nvPr/>
+      </p:nvGrpSpPr>
+      <p:grpSpPr>
+        <a:xfrm>
+          <a:off x="0" y="0"/>
+          <a:ext cx="0" cy="0"/>
+          <a:chOff x="0" y="0"/>
+          <a:chExt cx="0" cy="0"/>
+        </a:xfrm>
+      </p:grpSpPr>
+      <p:sp>
+        <p:nvSpPr>
+          <p:cNvPr id="2" name="Title 1">
+            <a:extLst>
+              <a:ext uri="{FF2B5EF4-FFF2-40B4-BE49-F238E27FC236}">
                 <a16:creationId xmlns:a16="http://schemas.microsoft.com/office/drawing/2014/main" id="{11A8A86A-9E2A-4172-A81C-3B7C6EA29601}"/>
               </a:ext>
             </a:extLst>
@@ -17404,7 +17710,7 @@
 </p:sld>
 </file>
 
-<file path=ppt/slides/slide51.xml><?xml version="1.0" encoding="utf-8"?>
+<file path=ppt/slides/slide53.xml><?xml version="1.0" encoding="utf-8"?>
 <p:sld xmlns:a="http://schemas.openxmlformats.org/drawingml/2006/main" xmlns:r="http://schemas.openxmlformats.org/officeDocument/2006/relationships" xmlns:p="http://schemas.openxmlformats.org/presentationml/2006/main">
   <p:cSld>
     <p:spTree>
@@ -17503,7 +17809,7 @@
 </p:sld>
 </file>
 
-<file path=ppt/slides/slide52.xml><?xml version="1.0" encoding="utf-8"?>
+<file path=ppt/slides/slide54.xml><?xml version="1.0" encoding="utf-8"?>
 <p:sld xmlns:a="http://schemas.openxmlformats.org/drawingml/2006/main" xmlns:r="http://schemas.openxmlformats.org/officeDocument/2006/relationships" xmlns:p="http://schemas.openxmlformats.org/presentationml/2006/main">
   <p:cSld>
     <p:spTree>
@@ -17602,7 +17908,7 @@
 </p:sld>
 </file>
 
-<file path=ppt/slides/slide53.xml><?xml version="1.0" encoding="utf-8"?>
+<file path=ppt/slides/slide55.xml><?xml version="1.0" encoding="utf-8"?>
 <p:sld xmlns:a="http://schemas.openxmlformats.org/drawingml/2006/main" xmlns:r="http://schemas.openxmlformats.org/officeDocument/2006/relationships" xmlns:p="http://schemas.openxmlformats.org/presentationml/2006/main">
   <p:cSld>
     <p:spTree>
@@ -17724,7 +18030,7 @@
 </p:sld>
 </file>
 
-<file path=ppt/slides/slide54.xml><?xml version="1.0" encoding="utf-8"?>
+<file path=ppt/slides/slide56.xml><?xml version="1.0" encoding="utf-8"?>
 <p:sld xmlns:a="http://schemas.openxmlformats.org/drawingml/2006/main" xmlns:r="http://schemas.openxmlformats.org/officeDocument/2006/relationships" xmlns:p="http://schemas.openxmlformats.org/presentationml/2006/main">
   <p:cSld>
     <p:spTree>
@@ -17846,7 +18152,7 @@
 </p:sld>
 </file>
 
-<file path=ppt/slides/slide55.xml><?xml version="1.0" encoding="utf-8"?>
+<file path=ppt/slides/slide57.xml><?xml version="1.0" encoding="utf-8"?>
 <p:sld xmlns:a="http://schemas.openxmlformats.org/drawingml/2006/main" xmlns:r="http://schemas.openxmlformats.org/officeDocument/2006/relationships" xmlns:p="http://schemas.openxmlformats.org/presentationml/2006/main">
   <p:cSld>
     <p:spTree>
@@ -17945,7 +18251,7 @@
 </p:sld>
 </file>
 
-<file path=ppt/slides/slide56.xml><?xml version="1.0" encoding="utf-8"?>
+<file path=ppt/slides/slide58.xml><?xml version="1.0" encoding="utf-8"?>
 <p:sld xmlns:a="http://schemas.openxmlformats.org/drawingml/2006/main" xmlns:r="http://schemas.openxmlformats.org/officeDocument/2006/relationships" xmlns:p="http://schemas.openxmlformats.org/presentationml/2006/main">
   <p:cSld>
     <p:spTree>
@@ -18072,7 +18378,7 @@
 </p:sld>
 </file>
 
-<file path=ppt/slides/slide57.xml><?xml version="1.0" encoding="utf-8"?>
+<file path=ppt/slides/slide59.xml><?xml version="1.0" encoding="utf-8"?>
 <p:sld xmlns:a="http://schemas.openxmlformats.org/drawingml/2006/main" xmlns:r="http://schemas.openxmlformats.org/officeDocument/2006/relationships" xmlns:p="http://schemas.openxmlformats.org/presentationml/2006/main">
   <p:cSld>
     <p:spTree>
@@ -18223,7 +18529,94 @@
 </p:sld>
 </file>
 
-<file path=ppt/slides/slide58.xml><?xml version="1.0" encoding="utf-8"?>
+<file path=ppt/slides/slide6.xml><?xml version="1.0" encoding="utf-8"?>
+<p:sld xmlns:a="http://schemas.openxmlformats.org/drawingml/2006/main" xmlns:r="http://schemas.openxmlformats.org/officeDocument/2006/relationships" xmlns:p="http://schemas.openxmlformats.org/presentationml/2006/main">
+  <p:cSld>
+    <p:spTree>
+      <p:nvGrpSpPr>
+        <p:cNvPr id="1" name=""/>
+        <p:cNvGrpSpPr/>
+        <p:nvPr/>
+      </p:nvGrpSpPr>
+      <p:grpSpPr>
+        <a:xfrm>
+          <a:off x="0" y="0"/>
+          <a:ext cx="0" cy="0"/>
+          <a:chOff x="0" y="0"/>
+          <a:chExt cx="0" cy="0"/>
+        </a:xfrm>
+      </p:grpSpPr>
+      <p:sp>
+        <p:nvSpPr>
+          <p:cNvPr id="2" name="Title 1">
+            <a:extLst>
+              <a:ext uri="{FF2B5EF4-FFF2-40B4-BE49-F238E27FC236}">
+                <a16:creationId xmlns:a16="http://schemas.microsoft.com/office/drawing/2014/main" id="{ACD4A579-E3CE-4993-B0C0-0E17026D032C}"/>
+              </a:ext>
+            </a:extLst>
+          </p:cNvPr>
+          <p:cNvSpPr>
+            <a:spLocks noGrp="1"/>
+          </p:cNvSpPr>
+          <p:nvPr>
+            <p:ph type="title"/>
+          </p:nvPr>
+        </p:nvSpPr>
+        <p:spPr/>
+        <p:txBody>
+          <a:bodyPr/>
+          <a:lstStyle/>
+          <a:p>
+            <a:r>
+              <a:rPr lang="en-GB" dirty="0"/>
+              <a:t>Exception options</a:t>
+            </a:r>
+          </a:p>
+        </p:txBody>
+      </p:sp>
+      <p:pic>
+        <p:nvPicPr>
+          <p:cNvPr id="5" name="Content Placeholder 4" descr="A screen of the Exception Setting in Visual Studio 2019">
+            <a:extLst>
+              <a:ext uri="{FF2B5EF4-FFF2-40B4-BE49-F238E27FC236}">
+                <a16:creationId xmlns:a16="http://schemas.microsoft.com/office/drawing/2014/main" id="{D6393FBB-1598-4AE9-82BD-1E4D42B8318B}"/>
+              </a:ext>
+            </a:extLst>
+          </p:cNvPr>
+          <p:cNvPicPr>
+            <a:picLocks noGrp="1" noChangeAspect="1"/>
+          </p:cNvPicPr>
+          <p:nvPr>
+            <p:ph idx="1"/>
+          </p:nvPr>
+        </p:nvPicPr>
+        <p:blipFill>
+          <a:blip r:embed="rId3"/>
+          <a:stretch>
+            <a:fillRect/>
+          </a:stretch>
+        </p:blipFill>
+        <p:spPr>
+          <a:xfrm>
+            <a:off x="1735899" y="2717789"/>
+            <a:ext cx="8720201" cy="2976584"/>
+          </a:xfrm>
+        </p:spPr>
+      </p:pic>
+    </p:spTree>
+    <p:extLst>
+      <p:ext uri="{BB962C8B-B14F-4D97-AF65-F5344CB8AC3E}">
+        <p14:creationId xmlns:p14="http://schemas.microsoft.com/office/powerpoint/2010/main" val="3576661569"/>
+      </p:ext>
+    </p:extLst>
+  </p:cSld>
+  <p:clrMapOvr>
+    <a:masterClrMapping/>
+  </p:clrMapOvr>
+</p:sld>
+</file>
+
+<file path=ppt/slides/slide60.xml><?xml version="1.0" encoding="utf-8"?>
 <p:sld xmlns:a="http://schemas.openxmlformats.org/drawingml/2006/main" xmlns:r="http://schemas.openxmlformats.org/officeDocument/2006/relationships" xmlns:p="http://schemas.openxmlformats.org/presentationml/2006/main">
   <p:cSld>
     <p:spTree>
@@ -18383,93 +18776,6 @@
       </p:par>
     </p:tnLst>
   </p:timing>
-</p:sld>
-</file>
-
-<file path=ppt/slides/slide6.xml><?xml version="1.0" encoding="utf-8"?>
-<p:sld xmlns:a="http://schemas.openxmlformats.org/drawingml/2006/main" xmlns:r="http://schemas.openxmlformats.org/officeDocument/2006/relationships" xmlns:p="http://schemas.openxmlformats.org/presentationml/2006/main">
-  <p:cSld>
-    <p:spTree>
-      <p:nvGrpSpPr>
-        <p:cNvPr id="1" name=""/>
-        <p:cNvGrpSpPr/>
-        <p:nvPr/>
-      </p:nvGrpSpPr>
-      <p:grpSpPr>
-        <a:xfrm>
-          <a:off x="0" y="0"/>
-          <a:ext cx="0" cy="0"/>
-          <a:chOff x="0" y="0"/>
-          <a:chExt cx="0" cy="0"/>
-        </a:xfrm>
-      </p:grpSpPr>
-      <p:sp>
-        <p:nvSpPr>
-          <p:cNvPr id="2" name="Title 1">
-            <a:extLst>
-              <a:ext uri="{FF2B5EF4-FFF2-40B4-BE49-F238E27FC236}">
-                <a16:creationId xmlns:a16="http://schemas.microsoft.com/office/drawing/2014/main" id="{ACD4A579-E3CE-4993-B0C0-0E17026D032C}"/>
-              </a:ext>
-            </a:extLst>
-          </p:cNvPr>
-          <p:cNvSpPr>
-            <a:spLocks noGrp="1"/>
-          </p:cNvSpPr>
-          <p:nvPr>
-            <p:ph type="title"/>
-          </p:nvPr>
-        </p:nvSpPr>
-        <p:spPr/>
-        <p:txBody>
-          <a:bodyPr/>
-          <a:lstStyle/>
-          <a:p>
-            <a:r>
-              <a:rPr lang="en-GB" dirty="0"/>
-              <a:t>Exception options</a:t>
-            </a:r>
-          </a:p>
-        </p:txBody>
-      </p:sp>
-      <p:pic>
-        <p:nvPicPr>
-          <p:cNvPr id="5" name="Content Placeholder 4" descr="A screen of the Exception Setting in Visual Studio 2019">
-            <a:extLst>
-              <a:ext uri="{FF2B5EF4-FFF2-40B4-BE49-F238E27FC236}">
-                <a16:creationId xmlns:a16="http://schemas.microsoft.com/office/drawing/2014/main" id="{D6393FBB-1598-4AE9-82BD-1E4D42B8318B}"/>
-              </a:ext>
-            </a:extLst>
-          </p:cNvPr>
-          <p:cNvPicPr>
-            <a:picLocks noGrp="1" noChangeAspect="1"/>
-          </p:cNvPicPr>
-          <p:nvPr>
-            <p:ph idx="1"/>
-          </p:nvPr>
-        </p:nvPicPr>
-        <p:blipFill>
-          <a:blip r:embed="rId3"/>
-          <a:stretch>
-            <a:fillRect/>
-          </a:stretch>
-        </p:blipFill>
-        <p:spPr>
-          <a:xfrm>
-            <a:off x="1735899" y="2717789"/>
-            <a:ext cx="8720201" cy="2976584"/>
-          </a:xfrm>
-        </p:spPr>
-      </p:pic>
-    </p:spTree>
-    <p:extLst>
-      <p:ext uri="{BB962C8B-B14F-4D97-AF65-F5344CB8AC3E}">
-        <p14:creationId xmlns:p14="http://schemas.microsoft.com/office/powerpoint/2010/main" val="3576661569"/>
-      </p:ext>
-    </p:extLst>
-  </p:cSld>
-  <p:clrMapOvr>
-    <a:masterClrMapping/>
-  </p:clrMapOvr>
 </p:sld>
 </file>
 
@@ -18734,7 +19040,7 @@
           <p:cNvPr id="2" name="Title 1">
             <a:extLst>
               <a:ext uri="{FF2B5EF4-FFF2-40B4-BE49-F238E27FC236}">
-                <a16:creationId xmlns:a16="http://schemas.microsoft.com/office/drawing/2014/main" id="{A9BAB78E-7D91-4FE0-8ABF-10B63DB74EF8}"/>
+                <a16:creationId xmlns:a16="http://schemas.microsoft.com/office/drawing/2014/main" id="{3652F95F-68CF-4184-AF80-6C556E400D4E}"/>
               </a:ext>
             </a:extLst>
           </p:cNvPr>
@@ -18752,67 +19058,47 @@
           <a:p>
             <a:r>
               <a:rPr lang="en-GB" dirty="0"/>
-              <a:t>Debugging Attributes</a:t>
-            </a:r>
-          </a:p>
-        </p:txBody>
-      </p:sp>
-      <p:sp>
-        <p:nvSpPr>
-          <p:cNvPr id="3" name="Content Placeholder 2">
+              <a:t>Exception Settings</a:t>
+            </a:r>
+          </a:p>
+        </p:txBody>
+      </p:sp>
+      <p:pic>
+        <p:nvPicPr>
+          <p:cNvPr id="4" name="Content Placeholder 3">
             <a:extLst>
               <a:ext uri="{FF2B5EF4-FFF2-40B4-BE49-F238E27FC236}">
-                <a16:creationId xmlns:a16="http://schemas.microsoft.com/office/drawing/2014/main" id="{B793ACA1-0694-48E5-A722-E57569BB3C04}"/>
+                <a16:creationId xmlns:a16="http://schemas.microsoft.com/office/drawing/2014/main" id="{2297BA60-8AFB-4F57-8AF6-3E8FD4A253CB}"/>
               </a:ext>
             </a:extLst>
           </p:cNvPr>
-          <p:cNvSpPr>
-            <a:spLocks noGrp="1"/>
-          </p:cNvSpPr>
+          <p:cNvPicPr>
+            <a:picLocks noGrp="1" noChangeAspect="1"/>
+          </p:cNvPicPr>
           <p:nvPr>
             <p:ph idx="1"/>
           </p:nvPr>
-        </p:nvSpPr>
-        <p:spPr/>
-        <p:txBody>
-          <a:bodyPr/>
-          <a:lstStyle/>
-          <a:p>
-            <a:r>
-              <a:rPr lang="en-GB" dirty="0"/>
-              <a:t>Debugger Display</a:t>
-            </a:r>
-          </a:p>
-          <a:p>
-            <a:r>
-              <a:rPr lang="en-GB" dirty="0"/>
-              <a:t>Debugger Browsable</a:t>
-            </a:r>
-          </a:p>
-          <a:p>
-            <a:r>
-              <a:rPr lang="en-GB" dirty="0"/>
-              <a:t>Debugger Type Proxy</a:t>
-            </a:r>
-          </a:p>
-          <a:p>
-            <a:pPr marL="0" indent="0">
-              <a:buNone/>
-            </a:pPr>
-            <a:endParaRPr lang="en-GB" dirty="0"/>
-          </a:p>
-          <a:p>
-            <a:pPr marL="0" indent="0">
-              <a:buNone/>
-            </a:pPr>
-            <a:endParaRPr lang="en-GB" dirty="0"/>
-          </a:p>
-        </p:txBody>
-      </p:sp>
+        </p:nvPicPr>
+        <p:blipFill>
+          <a:blip r:embed="rId3"/>
+          <a:stretch>
+            <a:fillRect/>
+          </a:stretch>
+        </p:blipFill>
+        <p:spPr>
+          <a:xfrm>
+            <a:off x="653845" y="2298621"/>
+            <a:ext cx="11028720" cy="3239398"/>
+          </a:xfrm>
+          <a:prstGeom prst="rect">
+            <a:avLst/>
+          </a:prstGeom>
+        </p:spPr>
+      </p:pic>
     </p:spTree>
     <p:extLst>
       <p:ext uri="{BB962C8B-B14F-4D97-AF65-F5344CB8AC3E}">
-        <p14:creationId xmlns:p14="http://schemas.microsoft.com/office/powerpoint/2010/main" val="2151647601"/>
+        <p14:creationId xmlns:p14="http://schemas.microsoft.com/office/powerpoint/2010/main" val="2831980792"/>
       </p:ext>
     </p:extLst>
   </p:cSld>
@@ -18844,7 +19130,7 @@
           <p:cNvPr id="2" name="Title 1">
             <a:extLst>
               <a:ext uri="{FF2B5EF4-FFF2-40B4-BE49-F238E27FC236}">
-                <a16:creationId xmlns:a16="http://schemas.microsoft.com/office/drawing/2014/main" id="{1A9E5587-930B-4D12-AF04-93B5365EE5A0}"/>
+                <a16:creationId xmlns:a16="http://schemas.microsoft.com/office/drawing/2014/main" id="{8E204AFA-E0D9-454E-B734-2DFBAC681355}"/>
               </a:ext>
             </a:extLst>
           </p:cNvPr>
@@ -18861,26 +19147,27 @@
           <a:lstStyle/>
           <a:p>
             <a:r>
-              <a:rPr lang="en-GB" dirty="0" err="1"/>
-              <a:t>DebuggerDisplay</a:t>
-            </a:r>
-            <a:endParaRPr lang="en-GB" dirty="0"/>
+              <a:rPr lang="en-GB" dirty="0"/>
+              <a:t>Exception Setting</a:t>
+            </a:r>
           </a:p>
         </p:txBody>
       </p:sp>
       <p:pic>
         <p:nvPicPr>
-          <p:cNvPr id="3" name="Picture 2">
+          <p:cNvPr id="4" name="Content Placeholder 3">
             <a:extLst>
               <a:ext uri="{FF2B5EF4-FFF2-40B4-BE49-F238E27FC236}">
-                <a16:creationId xmlns:a16="http://schemas.microsoft.com/office/drawing/2014/main" id="{3F32B2D2-CF53-4275-83C6-2C8E3E4E8CE7}"/>
+                <a16:creationId xmlns:a16="http://schemas.microsoft.com/office/drawing/2014/main" id="{7E19A1E9-49DD-48B3-936D-362CD7326219}"/>
               </a:ext>
             </a:extLst>
           </p:cNvPr>
           <p:cNvPicPr>
-            <a:picLocks noChangeAspect="1"/>
+            <a:picLocks noGrp="1" noChangeAspect="1"/>
           </p:cNvPicPr>
-          <p:nvPr/>
+          <p:nvPr>
+            <p:ph idx="1"/>
+          </p:nvPr>
         </p:nvPicPr>
         <p:blipFill>
           <a:blip r:embed="rId3"/>
@@ -18890,43 +19177,18 @@
         </p:blipFill>
         <p:spPr>
           <a:xfrm>
-            <a:off x="157162" y="2338387"/>
-            <a:ext cx="11877675" cy="2181225"/>
+            <a:off x="422702" y="2824316"/>
+            <a:ext cx="11535612" cy="2809567"/>
           </a:xfrm>
           <a:prstGeom prst="rect">
             <a:avLst/>
           </a:prstGeom>
         </p:spPr>
       </p:pic>
-      <p:sp>
-        <p:nvSpPr>
-          <p:cNvPr id="5" name="Content Placeholder 4">
-            <a:extLst>
-              <a:ext uri="{FF2B5EF4-FFF2-40B4-BE49-F238E27FC236}">
-                <a16:creationId xmlns:a16="http://schemas.microsoft.com/office/drawing/2014/main" id="{06F36574-1391-4549-BC06-40AE98811409}"/>
-              </a:ext>
-            </a:extLst>
-          </p:cNvPr>
-          <p:cNvSpPr>
-            <a:spLocks noGrp="1"/>
-          </p:cNvSpPr>
-          <p:nvPr>
-            <p:ph idx="1"/>
-          </p:nvPr>
-        </p:nvSpPr>
-        <p:spPr/>
-        <p:txBody>
-          <a:bodyPr/>
-          <a:lstStyle/>
-          <a:p>
-            <a:endParaRPr lang="en-GB" dirty="0"/>
-          </a:p>
-        </p:txBody>
-      </p:sp>
     </p:spTree>
     <p:extLst>
       <p:ext uri="{BB962C8B-B14F-4D97-AF65-F5344CB8AC3E}">
-        <p14:creationId xmlns:p14="http://schemas.microsoft.com/office/powerpoint/2010/main" val="3807669585"/>
+        <p14:creationId xmlns:p14="http://schemas.microsoft.com/office/powerpoint/2010/main" val="2236802365"/>
       </p:ext>
     </p:extLst>
   </p:cSld>

--- a/Debugging1.pptx
+++ b/Debugging1.pptx
@@ -17,27 +17,27 @@
     <p:sldId id="263" r:id="rId8"/>
     <p:sldId id="320" r:id="rId9"/>
     <p:sldId id="321" r:id="rId10"/>
-    <p:sldId id="264" r:id="rId11"/>
-    <p:sldId id="265" r:id="rId12"/>
-    <p:sldId id="267" r:id="rId13"/>
-    <p:sldId id="266" r:id="rId14"/>
-    <p:sldId id="268" r:id="rId15"/>
-    <p:sldId id="269" r:id="rId16"/>
-    <p:sldId id="270" r:id="rId17"/>
+    <p:sldId id="276" r:id="rId11"/>
+    <p:sldId id="277" r:id="rId12"/>
+    <p:sldId id="275" r:id="rId13"/>
+    <p:sldId id="278" r:id="rId14"/>
+    <p:sldId id="284" r:id="rId15"/>
+    <p:sldId id="283" r:id="rId16"/>
+    <p:sldId id="282" r:id="rId17"/>
     <p:sldId id="271" r:id="rId18"/>
     <p:sldId id="317" r:id="rId19"/>
     <p:sldId id="273" r:id="rId20"/>
-    <p:sldId id="282" r:id="rId21"/>
-    <p:sldId id="276" r:id="rId22"/>
-    <p:sldId id="275" r:id="rId23"/>
-    <p:sldId id="277" r:id="rId24"/>
-    <p:sldId id="278" r:id="rId25"/>
-    <p:sldId id="283" r:id="rId26"/>
-    <p:sldId id="284" r:id="rId27"/>
-    <p:sldId id="285" r:id="rId28"/>
-    <p:sldId id="286" r:id="rId29"/>
-    <p:sldId id="287" r:id="rId30"/>
-    <p:sldId id="288" r:id="rId31"/>
+    <p:sldId id="285" r:id="rId21"/>
+    <p:sldId id="286" r:id="rId22"/>
+    <p:sldId id="287" r:id="rId23"/>
+    <p:sldId id="288" r:id="rId24"/>
+    <p:sldId id="264" r:id="rId25"/>
+    <p:sldId id="265" r:id="rId26"/>
+    <p:sldId id="267" r:id="rId27"/>
+    <p:sldId id="266" r:id="rId28"/>
+    <p:sldId id="268" r:id="rId29"/>
+    <p:sldId id="269" r:id="rId30"/>
+    <p:sldId id="270" r:id="rId31"/>
     <p:sldId id="289" r:id="rId32"/>
     <p:sldId id="290" r:id="rId33"/>
     <p:sldId id="291" r:id="rId34"/>
@@ -356,36 +356,6 @@
         <inkml:traceFormat>
           <inkml:channel name="X" type="integer" min="-2.14748E9" max="2.14748E9" units="cm"/>
           <inkml:channel name="Y" type="integer" min="-2.14748E9" max="2.14748E9" units="cm"/>
-          <inkml:channel name="F" type="integer" max="32767" units="dev"/>
-        </inkml:traceFormat>
-        <inkml:channelProperties>
-          <inkml:channelProperty channel="X" name="resolution" value="1000" units="1/cm"/>
-          <inkml:channelProperty channel="Y" name="resolution" value="1000" units="1/cm"/>
-          <inkml:channelProperty channel="F" name="resolution" value="0" units="1/dev"/>
-        </inkml:channelProperties>
-      </inkml:inkSource>
-      <inkml:timestamp xml:id="ts0" timeString="2018-10-26T16:31:57.416"/>
-    </inkml:context>
-    <inkml:brush xml:id="br0">
-      <inkml:brushProperty name="width" value="0.3" units="cm"/>
-      <inkml:brushProperty name="height" value="0.6" units="cm"/>
-      <inkml:brushProperty name="color" value="#FFFC00"/>
-      <inkml:brushProperty name="tip" value="rectangle"/>
-      <inkml:brushProperty name="rasterOp" value="maskPen"/>
-    </inkml:brush>
-  </inkml:definitions>
-  <inkml:trace contextRef="#ctx0" brushRef="#br0">79 0 13888,'-31'25'832,"10"3"-448,16-17-416,1 1-608,-5-1-160,4-2-416,1-1-192,4-5-1984,0-3-832</inkml:trace>
-</inkml:ink>
-</file>
-
-<file path=ppt/ink/ink5.xml><?xml version="1.0" encoding="utf-8"?>
-<inkml:ink xmlns:inkml="http://www.w3.org/2003/InkML">
-  <inkml:definitions>
-    <inkml:context xml:id="ctx0">
-      <inkml:inkSource xml:id="inkSrc0">
-        <inkml:traceFormat>
-          <inkml:channel name="X" type="integer" min="-2.14748E9" max="2.14748E9" units="cm"/>
-          <inkml:channel name="Y" type="integer" min="-2.14748E9" max="2.14748E9" units="cm"/>
         </inkml:traceFormat>
         <inkml:channelProperties>
           <inkml:channelProperty channel="X" name="resolution" value="1000" units="1/cm"/>
@@ -407,7 +377,7 @@
 </inkml:ink>
 </file>
 
-<file path=ppt/ink/ink6.xml><?xml version="1.0" encoding="utf-8"?>
+<file path=ppt/ink/ink5.xml><?xml version="1.0" encoding="utf-8"?>
 <inkml:ink xmlns:inkml="http://www.w3.org/2003/InkML">
   <inkml:definitions>
     <inkml:context xml:id="ctx0">
@@ -436,7 +406,7 @@
 </inkml:ink>
 </file>
 
-<file path=ppt/ink/ink7.xml><?xml version="1.0" encoding="utf-8"?>
+<file path=ppt/ink/ink6.xml><?xml version="1.0" encoding="utf-8"?>
 <inkml:ink xmlns:inkml="http://www.w3.org/2003/InkML">
   <inkml:definitions>
     <inkml:context xml:id="ctx0">
@@ -462,6 +432,36 @@
     </inkml:brush>
   </inkml:definitions>
   <inkml:trace contextRef="#ctx0" brushRef="#br0">6 43,'1119'0,"-1115"0,-1 0,0 0,1 1,-1-1,0 0,0 1,1 0,-1 0,0 0,2 1,-3-1,-1 0,0 0,0 0,0 0,1 1,-1-1,0 0,0 1,-1-1,1 1,0-1,0 1,-1-1,1 1,-1-1,1 1,-1-1,0 1,1 0,-1-1,0 1,0 0,-1 40,0-34,0 0,1 0,0 0,1 0,0-1,0 1,0 0,13 41,-2 1,0 17,1 15,-4-37,-3 0,-2 1,-2 3,-3 291,1-340,0 5,0-1,0 1,0 0,-1-1,0 1,-1 3,2-7,-1 0,1 0,-1 0,1 0,-1 1,0-1,0 0,1 0,-1 0,0-1,0 1,0 0,0 0,0 0,0-1,-1 1,1 0,0-1,0 1,0-1,-1 0,1 1,0-1,0 0,-1 0,1 1,-5-1,0 0,0 0,0 0,0 0,0-1,0 0,0-1,0 1,0-1,-2-1,-9-4,-1-2,-9-6,12 6,1 1,-2 1,-12-4,4 4,0 2,0 0,-1 2,-23-1,-102 5,81 1,46-3,0 0,1-2,-12-3,-35-5,-87 2,-65 9,165 0,53 0,0 0,0 0,0 0,0 0,0-1,0 1,0-1,1 0,-1 0,0 0,-1-1,2 1,1 0,0 0,0 0,0 0,0 0,0-1,0 1,0 0,0-1,1 1,-1-1,0 1,1-1,0 1,-1-1,1 1,0-1,-1 0,1 1,0-1,0 1,0-1,1-45,1-8,1-20,-3-34,9-345,-2 345,-9 156,1-24,0 0,2 0,2 12,0-22,0-1,1 1,2 5,10 32,-10-11,-1 0,0 37,-7 83,0-49,2 49,0-157,1 0,-1 0,0 0,0 0,1-1,-1 1,1 0,-1 0,1 0,0-1,0 1,0 0,0-1,0 1,0-1,0 1,1-1,-1 1,0-1,1 0,-1 0,1 0,0 0,-1 0,1 0,0 0,-1 0,1-1,2 1,5 2,0-1,1-1,-1 1,1-1,4-1,-5 0,34 1,4-2,-27 1</inkml:trace>
+</inkml:ink>
+</file>
+
+<file path=ppt/ink/ink7.xml><?xml version="1.0" encoding="utf-8"?>
+<inkml:ink xmlns:inkml="http://www.w3.org/2003/InkML">
+  <inkml:definitions>
+    <inkml:context xml:id="ctx0">
+      <inkml:inkSource xml:id="inkSrc0">
+        <inkml:traceFormat>
+          <inkml:channel name="X" type="integer" min="-2.14748E9" max="2.14748E9" units="cm"/>
+          <inkml:channel name="Y" type="integer" min="-2.14748E9" max="2.14748E9" units="cm"/>
+          <inkml:channel name="F" type="integer" max="32767" units="dev"/>
+        </inkml:traceFormat>
+        <inkml:channelProperties>
+          <inkml:channelProperty channel="X" name="resolution" value="1000" units="1/cm"/>
+          <inkml:channelProperty channel="Y" name="resolution" value="1000" units="1/cm"/>
+          <inkml:channelProperty channel="F" name="resolution" value="0" units="1/dev"/>
+        </inkml:channelProperties>
+      </inkml:inkSource>
+      <inkml:timestamp xml:id="ts0" timeString="2018-10-26T16:31:57.416"/>
+    </inkml:context>
+    <inkml:brush xml:id="br0">
+      <inkml:brushProperty name="width" value="0.3" units="cm"/>
+      <inkml:brushProperty name="height" value="0.6" units="cm"/>
+      <inkml:brushProperty name="color" value="#FFFC00"/>
+      <inkml:brushProperty name="tip" value="rectangle"/>
+      <inkml:brushProperty name="rasterOp" value="maskPen"/>
+    </inkml:brush>
+  </inkml:definitions>
+  <inkml:trace contextRef="#ctx0" brushRef="#br0">79 0 13888,'-31'25'832,"10"3"-448,16-17-416,1 1-608,-5-1-160,4-2-416,1-1-192,4-5-1984,0-3-832</inkml:trace>
 </inkml:ink>
 </file>
 
@@ -605,7 +605,7 @@
           <a:p>
             <a:fld id="{45F49CC2-C49A-4120-BFB5-52D9153EA4E0}" type="datetimeFigureOut">
               <a:rPr lang="en-GB" smtClean="0"/>
-              <a:t>19/06/2019</a:t>
+              <a:t>23/06/2019</a:t>
             </a:fld>
             <a:endParaRPr lang="en-GB"/>
           </a:p>
@@ -1018,7 +1018,25 @@
           <a:p>
             <a:r>
               <a:rPr lang="en-GB" dirty="0"/>
-              <a:t>3 kinds</a:t>
+              <a:t>Watch window</a:t>
+            </a:r>
+          </a:p>
+          <a:p>
+            <a:r>
+              <a:rPr lang="en-GB" dirty="0"/>
+              <a:t>the Locals – show the values of within the current scope, this will coincide with the focus of the call stack. </a:t>
+            </a:r>
+          </a:p>
+          <a:p>
+            <a:r>
+              <a:rPr lang="en-GB" dirty="0"/>
+              <a:t>The autos window shows the values around the current breakpoint., also coinciding with the call stack. Return values are also shown and </a:t>
+            </a:r>
+          </a:p>
+          <a:p>
+            <a:r>
+              <a:rPr lang="en-GB" dirty="0"/>
+              <a:t>New in VS2019 - search</a:t>
             </a:r>
           </a:p>
         </p:txBody>
@@ -1049,7 +1067,7 @@
     </p:spTree>
     <p:extLst>
       <p:ext uri="{BB962C8B-B14F-4D97-AF65-F5344CB8AC3E}">
-        <p14:creationId xmlns:p14="http://schemas.microsoft.com/office/powerpoint/2010/main" val="1229802125"/>
+        <p14:creationId xmlns:p14="http://schemas.microsoft.com/office/powerpoint/2010/main" val="3860788685"/>
       </p:ext>
     </p:extLst>
   </p:cSld>
@@ -1105,7 +1123,22 @@
           <a:p>
             <a:r>
               <a:rPr lang="en-GB" dirty="0"/>
-              <a:t>List is not helpful</a:t>
+              <a:t>Allows to keep track of variables and methods.</a:t>
+            </a:r>
+          </a:p>
+          <a:p>
+            <a:r>
+              <a:rPr lang="en-GB" dirty="0"/>
+              <a:t>$1</a:t>
+            </a:r>
+          </a:p>
+          <a:p>
+            <a:endParaRPr lang="en-GB" dirty="0"/>
+          </a:p>
+          <a:p>
+            <a:r>
+              <a:rPr lang="en-GB" dirty="0"/>
+              <a:t>There is also the quick watch window which is a modal window make object id not see it</a:t>
             </a:r>
           </a:p>
         </p:txBody>
@@ -1136,7 +1169,7 @@
     </p:spTree>
     <p:extLst>
       <p:ext uri="{BB962C8B-B14F-4D97-AF65-F5344CB8AC3E}">
-        <p14:creationId xmlns:p14="http://schemas.microsoft.com/office/powerpoint/2010/main" val="114881420"/>
+        <p14:creationId xmlns:p14="http://schemas.microsoft.com/office/powerpoint/2010/main" val="1723455707"/>
       </p:ext>
     </p:extLst>
   </p:cSld>
@@ -1192,7 +1225,19 @@
           <a:p>
             <a:r>
               <a:rPr lang="en-GB" dirty="0"/>
-              <a:t>Attribute on class  text and variables allowed</a:t>
+              <a:t>The call shows where you are and the calling methods. </a:t>
+            </a:r>
+          </a:p>
+          <a:p>
+            <a:r>
+              <a:rPr lang="en-GB" dirty="0"/>
+              <a:t>You can show differing information as shown – parameter type, name and value and the line number that you are at. </a:t>
+            </a:r>
+          </a:p>
+          <a:p>
+            <a:r>
+              <a:rPr lang="en-GB" dirty="0"/>
+              <a:t>Breakpoints can be set in the call stack.</a:t>
             </a:r>
           </a:p>
         </p:txBody>
@@ -1223,7 +1268,7 @@
     </p:spTree>
     <p:extLst>
       <p:ext uri="{BB962C8B-B14F-4D97-AF65-F5344CB8AC3E}">
-        <p14:creationId xmlns:p14="http://schemas.microsoft.com/office/powerpoint/2010/main" val="625169014"/>
+        <p14:creationId xmlns:p14="http://schemas.microsoft.com/office/powerpoint/2010/main" val="306845491"/>
       </p:ext>
     </p:extLst>
   </p:cSld>
@@ -1277,16 +1322,7 @@
           <a:bodyPr/>
           <a:lstStyle/>
           <a:p>
-            <a:r>
-              <a:rPr lang="en-GB" dirty="0"/>
-              <a:t>List now shows that specified</a:t>
-            </a:r>
-          </a:p>
-          <a:p>
-            <a:r>
-              <a:rPr lang="en-GB" dirty="0"/>
-              <a:t>Performance </a:t>
-            </a:r>
+            <a:endParaRPr lang="en-GB" dirty="0"/>
           </a:p>
         </p:txBody>
       </p:sp>
@@ -1316,7 +1352,7 @@
     </p:spTree>
     <p:extLst>
       <p:ext uri="{BB962C8B-B14F-4D97-AF65-F5344CB8AC3E}">
-        <p14:creationId xmlns:p14="http://schemas.microsoft.com/office/powerpoint/2010/main" val="3546407545"/>
+        <p14:creationId xmlns:p14="http://schemas.microsoft.com/office/powerpoint/2010/main" val="1987461711"/>
       </p:ext>
     </p:extLst>
   </p:cSld>
@@ -1372,7 +1408,7 @@
           <a:p>
             <a:r>
               <a:rPr lang="en-GB" dirty="0"/>
-              <a:t>What is shown</a:t>
+              <a:t>Where threads are </a:t>
             </a:r>
           </a:p>
         </p:txBody>
@@ -1403,7 +1439,7 @@
     </p:spTree>
     <p:extLst>
       <p:ext uri="{BB962C8B-B14F-4D97-AF65-F5344CB8AC3E}">
-        <p14:creationId xmlns:p14="http://schemas.microsoft.com/office/powerpoint/2010/main" val="2783658156"/>
+        <p14:creationId xmlns:p14="http://schemas.microsoft.com/office/powerpoint/2010/main" val="3500064574"/>
       </p:ext>
     </p:extLst>
   </p:cSld>
@@ -1459,8 +1495,35 @@
           <a:p>
             <a:r>
               <a:rPr lang="en-GB" dirty="0"/>
-              <a:t>Address is shown with fields collapsed – this is the default</a:t>
-            </a:r>
+              <a:t>Flag</a:t>
+            </a:r>
+          </a:p>
+          <a:p>
+            <a:r>
+              <a:rPr lang="en-GB" dirty="0"/>
+              <a:t>Search</a:t>
+            </a:r>
+          </a:p>
+          <a:p>
+            <a:r>
+              <a:rPr lang="en-GB" dirty="0"/>
+              <a:t>Freeze and thaw</a:t>
+            </a:r>
+          </a:p>
+          <a:p>
+            <a:r>
+              <a:rPr lang="en-GB" dirty="0"/>
+              <a:t>Naming – tasks – thread pool</a:t>
+            </a:r>
+          </a:p>
+          <a:p>
+            <a:r>
+              <a:rPr lang="en-GB" dirty="0"/>
+              <a:t>Showing columns</a:t>
+            </a:r>
+          </a:p>
+          <a:p>
+            <a:endParaRPr lang="en-GB" dirty="0"/>
           </a:p>
         </p:txBody>
       </p:sp>
@@ -1490,7 +1553,7 @@
     </p:spTree>
     <p:extLst>
       <p:ext uri="{BB962C8B-B14F-4D97-AF65-F5344CB8AC3E}">
-        <p14:creationId xmlns:p14="http://schemas.microsoft.com/office/powerpoint/2010/main" val="1047311096"/>
+        <p14:creationId xmlns:p14="http://schemas.microsoft.com/office/powerpoint/2010/main" val="76562486"/>
       </p:ext>
     </p:extLst>
   </p:cSld>
@@ -1546,7 +1609,23 @@
           <a:p>
             <a:r>
               <a:rPr lang="en-GB" dirty="0"/>
-              <a:t>Nothing shown </a:t>
+              <a:t>Putting mouse over the variable and clicking the pin,</a:t>
+            </a:r>
+          </a:p>
+          <a:p>
+            <a:r>
+              <a:rPr lang="en-GB" dirty="0"/>
+              <a:t>The double chevron pointing down allows you to put a comment in. </a:t>
+            </a:r>
+          </a:p>
+          <a:p>
+            <a:r>
+              <a:rPr lang="en-GB" dirty="0" err="1"/>
+              <a:t>Datatips</a:t>
+            </a:r>
+            <a:r>
+              <a:rPr lang="en-GB" dirty="0"/>
+              <a:t> can be exported under debug menu – someone else is to debug.</a:t>
             </a:r>
           </a:p>
         </p:txBody>
@@ -1577,7 +1656,7 @@
     </p:spTree>
     <p:extLst>
       <p:ext uri="{BB962C8B-B14F-4D97-AF65-F5344CB8AC3E}">
-        <p14:creationId xmlns:p14="http://schemas.microsoft.com/office/powerpoint/2010/main" val="3034224409"/>
+        <p14:creationId xmlns:p14="http://schemas.microsoft.com/office/powerpoint/2010/main" val="2443119822"/>
       </p:ext>
     </p:extLst>
   </p:cSld>
@@ -2041,23 +2120,13 @@
           <a:p>
             <a:r>
               <a:rPr lang="en-GB" dirty="0"/>
-              <a:t>Putting mouse over the variable and clicking the pin,</a:t>
-            </a:r>
-          </a:p>
-          <a:p>
-            <a:r>
-              <a:rPr lang="en-GB" dirty="0"/>
-              <a:t>The double chevron pointing down allows you to put a comment in. </a:t>
-            </a:r>
-          </a:p>
-          <a:p>
-            <a:r>
-              <a:rPr lang="en-GB" dirty="0" err="1"/>
-              <a:t>Datatips</a:t>
-            </a:r>
-            <a:r>
-              <a:rPr lang="en-GB" dirty="0"/>
-              <a:t> can be exported under debug menu – someone else is to debug.</a:t>
+              <a:t>View&gt;Toolbars</a:t>
+            </a:r>
+          </a:p>
+          <a:p>
+            <a:r>
+              <a:rPr lang="en-GB" dirty="0"/>
+              <a:t>Select threads</a:t>
             </a:r>
           </a:p>
         </p:txBody>
@@ -2088,7 +2157,7 @@
     </p:spTree>
     <p:extLst>
       <p:ext uri="{BB962C8B-B14F-4D97-AF65-F5344CB8AC3E}">
-        <p14:creationId xmlns:p14="http://schemas.microsoft.com/office/powerpoint/2010/main" val="2443119822"/>
+        <p14:creationId xmlns:p14="http://schemas.microsoft.com/office/powerpoint/2010/main" val="2990764819"/>
       </p:ext>
     </p:extLst>
   </p:cSld>
@@ -2144,19 +2213,7 @@
           <a:p>
             <a:r>
               <a:rPr lang="en-GB" dirty="0"/>
-              <a:t>Watch window</a:t>
-            </a:r>
-          </a:p>
-          <a:p>
-            <a:r>
-              <a:rPr lang="en-GB" dirty="0"/>
-              <a:t>the Locals – show the values of within the current scope, this will coincide with the focus of the call stack. </a:t>
-            </a:r>
-          </a:p>
-          <a:p>
-            <a:r>
-              <a:rPr lang="en-GB" dirty="0"/>
-              <a:t>The autos window shows the values around the current breakpoint., also coinciding with the call stack. Return values are also shown and </a:t>
+              <a:t>Describe code watch window value of I, thread stacks </a:t>
             </a:r>
           </a:p>
         </p:txBody>
@@ -2187,7 +2244,7 @@
     </p:spTree>
     <p:extLst>
       <p:ext uri="{BB962C8B-B14F-4D97-AF65-F5344CB8AC3E}">
-        <p14:creationId xmlns:p14="http://schemas.microsoft.com/office/powerpoint/2010/main" val="3860788685"/>
+        <p14:creationId xmlns:p14="http://schemas.microsoft.com/office/powerpoint/2010/main" val="3577507695"/>
       </p:ext>
     </p:extLst>
   </p:cSld>
@@ -2243,19 +2300,31 @@
           <a:p>
             <a:r>
               <a:rPr lang="en-GB" dirty="0"/>
-              <a:t>The call shows where you are and the calling methods. </a:t>
-            </a:r>
-          </a:p>
-          <a:p>
-            <a:r>
-              <a:rPr lang="en-GB" dirty="0"/>
-              <a:t>You can show differing information as shown – parameter type, name and value and the line number that you are at. </a:t>
-            </a:r>
-          </a:p>
-          <a:p>
-            <a:r>
-              <a:rPr lang="en-GB" dirty="0"/>
-              <a:t>Breakpoints can be set in the call stack.</a:t>
+              <a:t>Different views are to select stack trace for thread</a:t>
+            </a:r>
+          </a:p>
+          <a:p>
+            <a:r>
+              <a:rPr lang="en-GB" dirty="0"/>
+              <a:t>3 views</a:t>
+            </a:r>
+          </a:p>
+          <a:p>
+            <a:r>
+              <a:rPr lang="en-GB" dirty="0"/>
+              <a:t>Thread View</a:t>
+            </a:r>
+          </a:p>
+          <a:p>
+            <a:r>
+              <a:rPr lang="en-GB" dirty="0"/>
+              <a:t>Task View</a:t>
+            </a:r>
+          </a:p>
+          <a:p>
+            <a:r>
+              <a:rPr lang="en-GB" dirty="0"/>
+              <a:t>Method view</a:t>
             </a:r>
           </a:p>
         </p:txBody>
@@ -2286,7 +2355,7 @@
     </p:spTree>
     <p:extLst>
       <p:ext uri="{BB962C8B-B14F-4D97-AF65-F5344CB8AC3E}">
-        <p14:creationId xmlns:p14="http://schemas.microsoft.com/office/powerpoint/2010/main" val="306845491"/>
+        <p14:creationId xmlns:p14="http://schemas.microsoft.com/office/powerpoint/2010/main" val="3822364862"/>
       </p:ext>
     </p:extLst>
   </p:cSld>
@@ -2342,22 +2411,13 @@
           <a:p>
             <a:r>
               <a:rPr lang="en-GB" dirty="0"/>
-              <a:t>Allows to keep track of variables and methods.</a:t>
-            </a:r>
-          </a:p>
-          <a:p>
-            <a:r>
-              <a:rPr lang="en-GB" dirty="0"/>
-              <a:t>$1</a:t>
-            </a:r>
-          </a:p>
-          <a:p>
-            <a:endParaRPr lang="en-GB" dirty="0"/>
-          </a:p>
-          <a:p>
-            <a:r>
-              <a:rPr lang="en-GB" dirty="0"/>
-              <a:t>There is also the quick watch window which is a modal window make object id not see it</a:t>
+              <a:t>Show value of I from the code and name - horizontal</a:t>
+            </a:r>
+          </a:p>
+          <a:p>
+            <a:r>
+              <a:rPr lang="en-GB" dirty="0"/>
+              <a:t>Filter can be added, also visualizers</a:t>
             </a:r>
           </a:p>
         </p:txBody>
@@ -2388,7 +2448,7 @@
     </p:spTree>
     <p:extLst>
       <p:ext uri="{BB962C8B-B14F-4D97-AF65-F5344CB8AC3E}">
-        <p14:creationId xmlns:p14="http://schemas.microsoft.com/office/powerpoint/2010/main" val="1723455707"/>
+        <p14:creationId xmlns:p14="http://schemas.microsoft.com/office/powerpoint/2010/main" val="1030915362"/>
       </p:ext>
     </p:extLst>
   </p:cSld>
@@ -2442,7 +2502,10 @@
           <a:bodyPr/>
           <a:lstStyle/>
           <a:p>
-            <a:endParaRPr lang="en-GB" dirty="0"/>
+            <a:r>
+              <a:rPr lang="en-GB" dirty="0"/>
+              <a:t>3 kinds</a:t>
+            </a:r>
           </a:p>
         </p:txBody>
       </p:sp>
@@ -2472,7 +2535,7 @@
     </p:spTree>
     <p:extLst>
       <p:ext uri="{BB962C8B-B14F-4D97-AF65-F5344CB8AC3E}">
-        <p14:creationId xmlns:p14="http://schemas.microsoft.com/office/powerpoint/2010/main" val="1987461711"/>
+        <p14:creationId xmlns:p14="http://schemas.microsoft.com/office/powerpoint/2010/main" val="1229802125"/>
       </p:ext>
     </p:extLst>
   </p:cSld>
@@ -2528,35 +2591,8 @@
           <a:p>
             <a:r>
               <a:rPr lang="en-GB" dirty="0"/>
-              <a:t>Flag</a:t>
-            </a:r>
-          </a:p>
-          <a:p>
-            <a:r>
-              <a:rPr lang="en-GB" dirty="0"/>
-              <a:t>Search</a:t>
-            </a:r>
-          </a:p>
-          <a:p>
-            <a:r>
-              <a:rPr lang="en-GB" dirty="0"/>
-              <a:t>Freeze and thaw</a:t>
-            </a:r>
-          </a:p>
-          <a:p>
-            <a:r>
-              <a:rPr lang="en-GB" dirty="0"/>
-              <a:t>Naming – tasks – thread pool</a:t>
-            </a:r>
-          </a:p>
-          <a:p>
-            <a:r>
-              <a:rPr lang="en-GB" dirty="0"/>
-              <a:t>Showing columns</a:t>
-            </a:r>
-          </a:p>
-          <a:p>
-            <a:endParaRPr lang="en-GB" dirty="0"/>
+              <a:t>List is not helpful</a:t>
+            </a:r>
           </a:p>
         </p:txBody>
       </p:sp>
@@ -2586,7 +2622,7 @@
     </p:spTree>
     <p:extLst>
       <p:ext uri="{BB962C8B-B14F-4D97-AF65-F5344CB8AC3E}">
-        <p14:creationId xmlns:p14="http://schemas.microsoft.com/office/powerpoint/2010/main" val="76562486"/>
+        <p14:creationId xmlns:p14="http://schemas.microsoft.com/office/powerpoint/2010/main" val="114881420"/>
       </p:ext>
     </p:extLst>
   </p:cSld>
@@ -2642,7 +2678,7 @@
           <a:p>
             <a:r>
               <a:rPr lang="en-GB" dirty="0"/>
-              <a:t>Where threads are </a:t>
+              <a:t>Attribute on class  text and variables allowed</a:t>
             </a:r>
           </a:p>
         </p:txBody>
@@ -2673,7 +2709,7 @@
     </p:spTree>
     <p:extLst>
       <p:ext uri="{BB962C8B-B14F-4D97-AF65-F5344CB8AC3E}">
-        <p14:creationId xmlns:p14="http://schemas.microsoft.com/office/powerpoint/2010/main" val="3500064574"/>
+        <p14:creationId xmlns:p14="http://schemas.microsoft.com/office/powerpoint/2010/main" val="625169014"/>
       </p:ext>
     </p:extLst>
   </p:cSld>
@@ -2729,13 +2765,13 @@
           <a:p>
             <a:r>
               <a:rPr lang="en-GB" dirty="0"/>
-              <a:t>View&gt;Toolbars</a:t>
-            </a:r>
-          </a:p>
-          <a:p>
-            <a:r>
-              <a:rPr lang="en-GB" dirty="0"/>
-              <a:t>Select threads</a:t>
+              <a:t>List now shows that specified</a:t>
+            </a:r>
+          </a:p>
+          <a:p>
+            <a:r>
+              <a:rPr lang="en-GB" dirty="0"/>
+              <a:t>Performance </a:t>
             </a:r>
           </a:p>
         </p:txBody>
@@ -2766,7 +2802,7 @@
     </p:spTree>
     <p:extLst>
       <p:ext uri="{BB962C8B-B14F-4D97-AF65-F5344CB8AC3E}">
-        <p14:creationId xmlns:p14="http://schemas.microsoft.com/office/powerpoint/2010/main" val="2990764819"/>
+        <p14:creationId xmlns:p14="http://schemas.microsoft.com/office/powerpoint/2010/main" val="3546407545"/>
       </p:ext>
     </p:extLst>
   </p:cSld>
@@ -2822,7 +2858,7 @@
           <a:p>
             <a:r>
               <a:rPr lang="en-GB" dirty="0"/>
-              <a:t>Describe code watch window value of I, thread stacks </a:t>
+              <a:t>What is shown</a:t>
             </a:r>
           </a:p>
         </p:txBody>
@@ -2853,7 +2889,7 @@
     </p:spTree>
     <p:extLst>
       <p:ext uri="{BB962C8B-B14F-4D97-AF65-F5344CB8AC3E}">
-        <p14:creationId xmlns:p14="http://schemas.microsoft.com/office/powerpoint/2010/main" val="3577507695"/>
+        <p14:creationId xmlns:p14="http://schemas.microsoft.com/office/powerpoint/2010/main" val="2783658156"/>
       </p:ext>
     </p:extLst>
   </p:cSld>
@@ -2909,31 +2945,7 @@
           <a:p>
             <a:r>
               <a:rPr lang="en-GB" dirty="0"/>
-              <a:t>Different views are to select stack trace for thread</a:t>
-            </a:r>
-          </a:p>
-          <a:p>
-            <a:r>
-              <a:rPr lang="en-GB" dirty="0"/>
-              <a:t>3 views</a:t>
-            </a:r>
-          </a:p>
-          <a:p>
-            <a:r>
-              <a:rPr lang="en-GB" dirty="0"/>
-              <a:t>Thread View</a:t>
-            </a:r>
-          </a:p>
-          <a:p>
-            <a:r>
-              <a:rPr lang="en-GB" dirty="0"/>
-              <a:t>Task View</a:t>
-            </a:r>
-          </a:p>
-          <a:p>
-            <a:r>
-              <a:rPr lang="en-GB" dirty="0"/>
-              <a:t>Method view</a:t>
+              <a:t>Address is shown with fields collapsed – this is the default</a:t>
             </a:r>
           </a:p>
         </p:txBody>
@@ -2964,7 +2976,7 @@
     </p:spTree>
     <p:extLst>
       <p:ext uri="{BB962C8B-B14F-4D97-AF65-F5344CB8AC3E}">
-        <p14:creationId xmlns:p14="http://schemas.microsoft.com/office/powerpoint/2010/main" val="3822364862"/>
+        <p14:creationId xmlns:p14="http://schemas.microsoft.com/office/powerpoint/2010/main" val="1047311096"/>
       </p:ext>
     </p:extLst>
   </p:cSld>
@@ -3107,13 +3119,7 @@
           <a:p>
             <a:r>
               <a:rPr lang="en-GB" dirty="0"/>
-              <a:t>Show value of I from the code and name - horizontal</a:t>
-            </a:r>
-          </a:p>
-          <a:p>
-            <a:r>
-              <a:rPr lang="en-GB" dirty="0"/>
-              <a:t>Filter can be added, also visualizers</a:t>
+              <a:t>Nothing shown </a:t>
             </a:r>
           </a:p>
         </p:txBody>
@@ -3144,7 +3150,7 @@
     </p:spTree>
     <p:extLst>
       <p:ext uri="{BB962C8B-B14F-4D97-AF65-F5344CB8AC3E}">
-        <p14:creationId xmlns:p14="http://schemas.microsoft.com/office/powerpoint/2010/main" val="1030915362"/>
+        <p14:creationId xmlns:p14="http://schemas.microsoft.com/office/powerpoint/2010/main" val="3034224409"/>
       </p:ext>
     </p:extLst>
   </p:cSld>
@@ -6177,7 +6183,7 @@
           <a:p>
             <a:fld id="{48A87A34-81AB-432B-8DAE-1953F412C126}" type="datetimeFigureOut">
               <a:rPr lang="en-US" dirty="0"/>
-              <a:t>6/19/2019</a:t>
+              <a:t>6/23/2019</a:t>
             </a:fld>
             <a:endParaRPr lang="en-US" dirty="0"/>
           </a:p>
@@ -6439,7 +6445,7 @@
           <a:p>
             <a:fld id="{48A87A34-81AB-432B-8DAE-1953F412C126}" type="datetimeFigureOut">
               <a:rPr lang="en-US" dirty="0"/>
-              <a:t>6/19/2019</a:t>
+              <a:t>6/23/2019</a:t>
             </a:fld>
             <a:endParaRPr lang="en-US" dirty="0"/>
           </a:p>
@@ -6666,7 +6672,7 @@
             <a:fld id="{48A87A34-81AB-432B-8DAE-1953F412C126}" type="datetimeFigureOut">
               <a:rPr lang="en-US" dirty="0"/>
               <a:pPr/>
-              <a:t>6/19/2019</a:t>
+              <a:t>6/23/2019</a:t>
             </a:fld>
             <a:endParaRPr lang="en-US" dirty="0"/>
           </a:p>
@@ -6972,7 +6978,7 @@
             <a:fld id="{48A87A34-81AB-432B-8DAE-1953F412C126}" type="datetimeFigureOut">
               <a:rPr lang="en-US" dirty="0"/>
               <a:pPr/>
-              <a:t>6/19/2019</a:t>
+              <a:t>6/23/2019</a:t>
             </a:fld>
             <a:endParaRPr lang="en-US" dirty="0"/>
           </a:p>
@@ -7441,7 +7447,7 @@
             <a:fld id="{48A87A34-81AB-432B-8DAE-1953F412C126}" type="datetimeFigureOut">
               <a:rPr lang="en-US" dirty="0"/>
               <a:pPr/>
-              <a:t>6/19/2019</a:t>
+              <a:t>6/23/2019</a:t>
             </a:fld>
             <a:endParaRPr lang="en-US" dirty="0"/>
           </a:p>
@@ -7983,7 +7989,7 @@
           <a:p>
             <a:fld id="{48A87A34-81AB-432B-8DAE-1953F412C126}" type="datetimeFigureOut">
               <a:rPr lang="en-US" dirty="0"/>
-              <a:t>6/19/2019</a:t>
+              <a:t>6/23/2019</a:t>
             </a:fld>
             <a:endParaRPr lang="en-US" dirty="0"/>
           </a:p>
@@ -8752,7 +8758,7 @@
           <a:p>
             <a:fld id="{48A87A34-81AB-432B-8DAE-1953F412C126}" type="datetimeFigureOut">
               <a:rPr lang="en-US" dirty="0"/>
-              <a:t>6/19/2019</a:t>
+              <a:t>6/23/2019</a:t>
             </a:fld>
             <a:endParaRPr lang="en-US" dirty="0"/>
           </a:p>
@@ -8922,7 +8928,7 @@
           <a:p>
             <a:fld id="{48A87A34-81AB-432B-8DAE-1953F412C126}" type="datetimeFigureOut">
               <a:rPr lang="en-US" dirty="0"/>
-              <a:t>6/19/2019</a:t>
+              <a:t>6/23/2019</a:t>
             </a:fld>
             <a:endParaRPr lang="en-US" dirty="0"/>
           </a:p>
@@ -9141,7 +9147,7 @@
             <a:fld id="{48A87A34-81AB-432B-8DAE-1953F412C126}" type="datetimeFigureOut">
               <a:rPr lang="en-US" dirty="0"/>
               <a:pPr/>
-              <a:t>6/19/2019</a:t>
+              <a:t>6/23/2019</a:t>
             </a:fld>
             <a:endParaRPr lang="en-US" dirty="0"/>
           </a:p>
@@ -9316,7 +9322,7 @@
           <a:p>
             <a:fld id="{48A87A34-81AB-432B-8DAE-1953F412C126}" type="datetimeFigureOut">
               <a:rPr lang="en-US" dirty="0"/>
-              <a:t>6/19/2019</a:t>
+              <a:t>6/23/2019</a:t>
             </a:fld>
             <a:endParaRPr lang="en-US" dirty="0"/>
           </a:p>
@@ -9601,7 +9607,7 @@
             <a:fld id="{48A87A34-81AB-432B-8DAE-1953F412C126}" type="datetimeFigureOut">
               <a:rPr lang="en-US" dirty="0"/>
               <a:pPr/>
-              <a:t>6/19/2019</a:t>
+              <a:t>6/23/2019</a:t>
             </a:fld>
             <a:endParaRPr lang="en-US" dirty="0"/>
           </a:p>
@@ -9838,7 +9844,7 @@
           <a:p>
             <a:fld id="{48A87A34-81AB-432B-8DAE-1953F412C126}" type="datetimeFigureOut">
               <a:rPr lang="en-US" dirty="0"/>
-              <a:t>6/19/2019</a:t>
+              <a:t>6/23/2019</a:t>
             </a:fld>
             <a:endParaRPr lang="en-US" dirty="0"/>
           </a:p>
@@ -10212,7 +10218,7 @@
           <a:p>
             <a:fld id="{48A87A34-81AB-432B-8DAE-1953F412C126}" type="datetimeFigureOut">
               <a:rPr lang="en-US" dirty="0"/>
-              <a:t>6/19/2019</a:t>
+              <a:t>6/23/2019</a:t>
             </a:fld>
             <a:endParaRPr lang="en-US" dirty="0"/>
           </a:p>
@@ -10325,7 +10331,7 @@
           <a:p>
             <a:fld id="{48A87A34-81AB-432B-8DAE-1953F412C126}" type="datetimeFigureOut">
               <a:rPr lang="en-US" dirty="0"/>
-              <a:t>6/19/2019</a:t>
+              <a:t>6/23/2019</a:t>
             </a:fld>
             <a:endParaRPr lang="en-US" dirty="0"/>
           </a:p>
@@ -10415,7 +10421,7 @@
           <a:p>
             <a:fld id="{48A87A34-81AB-432B-8DAE-1953F412C126}" type="datetimeFigureOut">
               <a:rPr lang="en-US" dirty="0"/>
-              <a:t>6/19/2019</a:t>
+              <a:t>6/23/2019</a:t>
             </a:fld>
             <a:endParaRPr lang="en-US" dirty="0"/>
           </a:p>
@@ -10659,7 +10665,7 @@
           <a:p>
             <a:fld id="{48A87A34-81AB-432B-8DAE-1953F412C126}" type="datetimeFigureOut">
               <a:rPr lang="en-US" dirty="0"/>
-              <a:t>6/19/2019</a:t>
+              <a:t>6/23/2019</a:t>
             </a:fld>
             <a:endParaRPr lang="en-US" dirty="0"/>
           </a:p>
@@ -10911,7 +10917,7 @@
           <a:p>
             <a:fld id="{48A87A34-81AB-432B-8DAE-1953F412C126}" type="datetimeFigureOut">
               <a:rPr lang="en-US" dirty="0"/>
-              <a:t>6/19/2019</a:t>
+              <a:t>6/23/2019</a:t>
             </a:fld>
             <a:endParaRPr lang="en-US" dirty="0"/>
           </a:p>
@@ -11150,7 +11156,7 @@
             <a:fld id="{48A87A34-81AB-432B-8DAE-1953F412C126}" type="datetimeFigureOut">
               <a:rPr lang="en-US" dirty="0"/>
               <a:pPr/>
-              <a:t>6/19/2019</a:t>
+              <a:t>6/23/2019</a:t>
             </a:fld>
             <a:endParaRPr lang="en-US" dirty="0"/>
           </a:p>
@@ -11648,7 +11654,7 @@
           <p:cNvPr id="2" name="Title 1">
             <a:extLst>
               <a:ext uri="{FF2B5EF4-FFF2-40B4-BE49-F238E27FC236}">
-                <a16:creationId xmlns:a16="http://schemas.microsoft.com/office/drawing/2014/main" id="{A9BAB78E-7D91-4FE0-8ABF-10B63DB74EF8}"/>
+                <a16:creationId xmlns:a16="http://schemas.microsoft.com/office/drawing/2014/main" id="{01456544-C75A-4423-898E-1C93DB557470}"/>
               </a:ext>
             </a:extLst>
           </p:cNvPr>
@@ -11664,19 +11670,20 @@
           <a:bodyPr/>
           <a:lstStyle/>
           <a:p>
-            <a:r>
-              <a:rPr lang="en-GB" dirty="0"/>
-              <a:t>Debugging Attributes</a:t>
-            </a:r>
-          </a:p>
-        </p:txBody>
-      </p:sp>
-      <p:sp>
-        <p:nvSpPr>
-          <p:cNvPr id="3" name="Content Placeholder 2">
+            <a:pPr algn="ctr"/>
+            <a:r>
+              <a:rPr lang="en-GB" dirty="0"/>
+              <a:t>Debugging windows - Locals/Auto</a:t>
+            </a:r>
+          </a:p>
+        </p:txBody>
+      </p:sp>
+      <p:sp>
+        <p:nvSpPr>
+          <p:cNvPr id="4" name="Content Placeholder 3">
             <a:extLst>
               <a:ext uri="{FF2B5EF4-FFF2-40B4-BE49-F238E27FC236}">
-                <a16:creationId xmlns:a16="http://schemas.microsoft.com/office/drawing/2014/main" id="{B793ACA1-0694-48E5-A722-E57569BB3C04}"/>
+                <a16:creationId xmlns:a16="http://schemas.microsoft.com/office/drawing/2014/main" id="{2F5F036E-BBC0-4740-976E-DE18592F21CD}"/>
               </a:ext>
             </a:extLst>
           </p:cNvPr>
@@ -11692,41 +11699,44 @@
           <a:bodyPr/>
           <a:lstStyle/>
           <a:p>
-            <a:r>
-              <a:rPr lang="en-GB" dirty="0"/>
-              <a:t>Debugger Display</a:t>
-            </a:r>
-          </a:p>
-          <a:p>
-            <a:r>
-              <a:rPr lang="en-GB" dirty="0"/>
-              <a:t>Debugger Browsable</a:t>
-            </a:r>
-          </a:p>
-          <a:p>
-            <a:r>
-              <a:rPr lang="en-GB" dirty="0"/>
-              <a:t>Debugger Type Proxy</a:t>
-            </a:r>
-          </a:p>
-          <a:p>
-            <a:pPr marL="0" indent="0">
-              <a:buNone/>
-            </a:pPr>
-            <a:endParaRPr lang="en-GB" dirty="0"/>
-          </a:p>
-          <a:p>
-            <a:pPr marL="0" indent="0">
-              <a:buNone/>
-            </a:pPr>
-            <a:endParaRPr lang="en-GB" dirty="0"/>
-          </a:p>
-        </p:txBody>
-      </p:sp>
+            <a:endParaRPr lang="en-GB"/>
+          </a:p>
+        </p:txBody>
+      </p:sp>
+      <p:pic>
+        <p:nvPicPr>
+          <p:cNvPr id="7" name="Picture 6">
+            <a:extLst>
+              <a:ext uri="{FF2B5EF4-FFF2-40B4-BE49-F238E27FC236}">
+                <a16:creationId xmlns:a16="http://schemas.microsoft.com/office/drawing/2014/main" id="{71078F7C-4C81-4862-B78C-6391E2041AF9}"/>
+              </a:ext>
+            </a:extLst>
+          </p:cNvPr>
+          <p:cNvPicPr>
+            <a:picLocks noChangeAspect="1"/>
+          </p:cNvPicPr>
+          <p:nvPr/>
+        </p:nvPicPr>
+        <p:blipFill>
+          <a:blip r:embed="rId3"/>
+          <a:stretch>
+            <a:fillRect/>
+          </a:stretch>
+        </p:blipFill>
+        <p:spPr>
+          <a:xfrm>
+            <a:off x="199103" y="2152889"/>
+            <a:ext cx="11724968" cy="3950123"/>
+          </a:xfrm>
+          <a:prstGeom prst="rect">
+            <a:avLst/>
+          </a:prstGeom>
+        </p:spPr>
+      </p:pic>
     </p:spTree>
     <p:extLst>
       <p:ext uri="{BB962C8B-B14F-4D97-AF65-F5344CB8AC3E}">
-        <p14:creationId xmlns:p14="http://schemas.microsoft.com/office/powerpoint/2010/main" val="2151647601"/>
+        <p14:creationId xmlns:p14="http://schemas.microsoft.com/office/powerpoint/2010/main" val="261829312"/>
       </p:ext>
     </p:extLst>
   </p:cSld>
@@ -11758,7 +11768,7 @@
           <p:cNvPr id="2" name="Title 1">
             <a:extLst>
               <a:ext uri="{FF2B5EF4-FFF2-40B4-BE49-F238E27FC236}">
-                <a16:creationId xmlns:a16="http://schemas.microsoft.com/office/drawing/2014/main" id="{1A9E5587-930B-4D12-AF04-93B5365EE5A0}"/>
+                <a16:creationId xmlns:a16="http://schemas.microsoft.com/office/drawing/2014/main" id="{C2F8FD40-6700-4925-A037-C978ED01CA8C}"/>
               </a:ext>
             </a:extLst>
           </p:cNvPr>
@@ -11769,25 +11779,60 @@
             <p:ph type="title"/>
           </p:nvPr>
         </p:nvSpPr>
-        <p:spPr/>
-        <p:txBody>
-          <a:bodyPr/>
-          <a:lstStyle/>
-          <a:p>
-            <a:r>
-              <a:rPr lang="en-GB" dirty="0" err="1"/>
-              <a:t>DebuggerDisplay</a:t>
-            </a:r>
-            <a:endParaRPr lang="en-GB" dirty="0"/>
+        <p:spPr>
+          <a:xfrm>
+            <a:off x="2895600" y="764373"/>
+            <a:ext cx="7510609" cy="1293028"/>
+          </a:xfrm>
+        </p:spPr>
+        <p:txBody>
+          <a:bodyPr/>
+          <a:lstStyle/>
+          <a:p>
+            <a:pPr algn="ctr"/>
+            <a:r>
+              <a:rPr lang="en-GB" dirty="0"/>
+              <a:t>Debugging windows - Watch Window</a:t>
+            </a:r>
+          </a:p>
+        </p:txBody>
+      </p:sp>
+      <p:sp>
+        <p:nvSpPr>
+          <p:cNvPr id="4" name="Content Placeholder 3">
+            <a:extLst>
+              <a:ext uri="{FF2B5EF4-FFF2-40B4-BE49-F238E27FC236}">
+                <a16:creationId xmlns:a16="http://schemas.microsoft.com/office/drawing/2014/main" id="{281709A5-3809-419D-A02C-2B893CFB5FB7}"/>
+              </a:ext>
+            </a:extLst>
+          </p:cNvPr>
+          <p:cNvSpPr>
+            <a:spLocks noGrp="1"/>
+          </p:cNvSpPr>
+          <p:nvPr>
+            <p:ph idx="1"/>
+          </p:nvPr>
+        </p:nvSpPr>
+        <p:spPr>
+          <a:xfrm>
+            <a:off x="1094116" y="2513449"/>
+            <a:ext cx="10412083" cy="3705236"/>
+          </a:xfrm>
+        </p:spPr>
+        <p:txBody>
+          <a:bodyPr/>
+          <a:lstStyle/>
+          <a:p>
+            <a:endParaRPr lang="en-GB"/>
           </a:p>
         </p:txBody>
       </p:sp>
       <p:pic>
         <p:nvPicPr>
-          <p:cNvPr id="3" name="Picture 2">
+          <p:cNvPr id="7" name="Picture 6">
             <a:extLst>
               <a:ext uri="{FF2B5EF4-FFF2-40B4-BE49-F238E27FC236}">
-                <a16:creationId xmlns:a16="http://schemas.microsoft.com/office/drawing/2014/main" id="{3F32B2D2-CF53-4275-83C6-2C8E3E4E8CE7}"/>
+                <a16:creationId xmlns:a16="http://schemas.microsoft.com/office/drawing/2014/main" id="{FF4C6832-063B-45C5-AA8D-5FE949449419}"/>
               </a:ext>
             </a:extLst>
           </p:cNvPr>
@@ -11804,43 +11849,18 @@
         </p:blipFill>
         <p:spPr>
           <a:xfrm>
-            <a:off x="157162" y="2338387"/>
-            <a:ext cx="11877675" cy="2181225"/>
+            <a:off x="425569" y="2695755"/>
+            <a:ext cx="11568216" cy="2743199"/>
           </a:xfrm>
           <a:prstGeom prst="rect">
             <a:avLst/>
           </a:prstGeom>
         </p:spPr>
       </p:pic>
-      <p:sp>
-        <p:nvSpPr>
-          <p:cNvPr id="5" name="Content Placeholder 4">
-            <a:extLst>
-              <a:ext uri="{FF2B5EF4-FFF2-40B4-BE49-F238E27FC236}">
-                <a16:creationId xmlns:a16="http://schemas.microsoft.com/office/drawing/2014/main" id="{06F36574-1391-4549-BC06-40AE98811409}"/>
-              </a:ext>
-            </a:extLst>
-          </p:cNvPr>
-          <p:cNvSpPr>
-            <a:spLocks noGrp="1"/>
-          </p:cNvSpPr>
-          <p:nvPr>
-            <p:ph idx="1"/>
-          </p:nvPr>
-        </p:nvSpPr>
-        <p:spPr/>
-        <p:txBody>
-          <a:bodyPr/>
-          <a:lstStyle/>
-          <a:p>
-            <a:endParaRPr lang="en-GB" dirty="0"/>
-          </a:p>
-        </p:txBody>
-      </p:sp>
     </p:spTree>
     <p:extLst>
       <p:ext uri="{BB962C8B-B14F-4D97-AF65-F5344CB8AC3E}">
-        <p14:creationId xmlns:p14="http://schemas.microsoft.com/office/powerpoint/2010/main" val="3807669585"/>
+        <p14:creationId xmlns:p14="http://schemas.microsoft.com/office/powerpoint/2010/main" val="798665626"/>
       </p:ext>
     </p:extLst>
   </p:cSld>
@@ -11851,1209 +11871,6 @@
 </file>
 
 <file path=ppt/slides/slide12.xml><?xml version="1.0" encoding="utf-8"?>
-<p:sld xmlns:a="http://schemas.openxmlformats.org/drawingml/2006/main" xmlns:r="http://schemas.openxmlformats.org/officeDocument/2006/relationships" xmlns:p="http://schemas.openxmlformats.org/presentationml/2006/main">
-  <p:cSld>
-    <p:spTree>
-      <p:nvGrpSpPr>
-        <p:cNvPr id="1" name=""/>
-        <p:cNvGrpSpPr/>
-        <p:nvPr/>
-      </p:nvGrpSpPr>
-      <p:grpSpPr>
-        <a:xfrm>
-          <a:off x="0" y="0"/>
-          <a:ext cx="0" cy="0"/>
-          <a:chOff x="0" y="0"/>
-          <a:chExt cx="0" cy="0"/>
-        </a:xfrm>
-      </p:grpSpPr>
-      <p:sp>
-        <p:nvSpPr>
-          <p:cNvPr id="2" name="Title 1">
-            <a:extLst>
-              <a:ext uri="{FF2B5EF4-FFF2-40B4-BE49-F238E27FC236}">
-                <a16:creationId xmlns:a16="http://schemas.microsoft.com/office/drawing/2014/main" id="{9BA1DE38-4D2F-43E5-90DB-AEC87DF56D8E}"/>
-              </a:ext>
-            </a:extLst>
-          </p:cNvPr>
-          <p:cNvSpPr>
-            <a:spLocks noGrp="1"/>
-          </p:cNvSpPr>
-          <p:nvPr>
-            <p:ph type="title"/>
-          </p:nvPr>
-        </p:nvSpPr>
-        <p:spPr/>
-        <p:txBody>
-          <a:bodyPr/>
-          <a:lstStyle/>
-          <a:p>
-            <a:r>
-              <a:rPr lang="en-GB" dirty="0" err="1"/>
-              <a:t>debuggerdisplay</a:t>
-            </a:r>
-            <a:endParaRPr lang="en-GB" dirty="0"/>
-          </a:p>
-        </p:txBody>
-      </p:sp>
-      <p:sp>
-        <p:nvSpPr>
-          <p:cNvPr id="3" name="Content Placeholder 2">
-            <a:extLst>
-              <a:ext uri="{FF2B5EF4-FFF2-40B4-BE49-F238E27FC236}">
-                <a16:creationId xmlns:a16="http://schemas.microsoft.com/office/drawing/2014/main" id="{E59AC3BA-CFE0-4A8E-ACC8-26CCFBAC9A58}"/>
-              </a:ext>
-            </a:extLst>
-          </p:cNvPr>
-          <p:cNvSpPr>
-            <a:spLocks noGrp="1"/>
-          </p:cNvSpPr>
-          <p:nvPr>
-            <p:ph idx="1"/>
-          </p:nvPr>
-        </p:nvSpPr>
-        <p:spPr/>
-        <p:txBody>
-          <a:bodyPr/>
-          <a:lstStyle/>
-          <a:p>
-            <a:r>
-              <a:rPr lang="en-GB" dirty="0"/>
-              <a:t> [</a:t>
-            </a:r>
-            <a:r>
-              <a:rPr lang="en-GB" dirty="0" err="1"/>
-              <a:t>DebuggerDisplay</a:t>
-            </a:r>
-            <a:r>
-              <a:rPr lang="en-GB" dirty="0"/>
-              <a:t>("Name =  {Name}")]</a:t>
-            </a:r>
-          </a:p>
-          <a:p>
-            <a:r>
-              <a:rPr lang="en-GB" dirty="0"/>
-              <a:t>    public class Person</a:t>
-            </a:r>
-          </a:p>
-          <a:p>
-            <a:r>
-              <a:rPr lang="en-GB" dirty="0"/>
-              <a:t>    {</a:t>
-            </a:r>
-          </a:p>
-          <a:p>
-            <a:r>
-              <a:rPr lang="en-GB" dirty="0"/>
-              <a:t>        public string Name { get; set; }</a:t>
-            </a:r>
-          </a:p>
-          <a:p>
-            <a:r>
-              <a:rPr lang="en-GB" dirty="0"/>
-              <a:t>        public int Age { get; set; }</a:t>
-            </a:r>
-          </a:p>
-          <a:p>
-            <a:r>
-              <a:rPr lang="en-GB" dirty="0"/>
-              <a:t>    }</a:t>
-            </a:r>
-          </a:p>
-        </p:txBody>
-      </p:sp>
-    </p:spTree>
-    <p:extLst>
-      <p:ext uri="{BB962C8B-B14F-4D97-AF65-F5344CB8AC3E}">
-        <p14:creationId xmlns:p14="http://schemas.microsoft.com/office/powerpoint/2010/main" val="1254375344"/>
-      </p:ext>
-    </p:extLst>
-  </p:cSld>
-  <p:clrMapOvr>
-    <a:masterClrMapping/>
-  </p:clrMapOvr>
-</p:sld>
-</file>
-
-<file path=ppt/slides/slide13.xml><?xml version="1.0" encoding="utf-8"?>
-<p:sld xmlns:a="http://schemas.openxmlformats.org/drawingml/2006/main" xmlns:r="http://schemas.openxmlformats.org/officeDocument/2006/relationships" xmlns:p="http://schemas.openxmlformats.org/presentationml/2006/main">
-  <p:cSld>
-    <p:spTree>
-      <p:nvGrpSpPr>
-        <p:cNvPr id="1" name=""/>
-        <p:cNvGrpSpPr/>
-        <p:nvPr/>
-      </p:nvGrpSpPr>
-      <p:grpSpPr>
-        <a:xfrm>
-          <a:off x="0" y="0"/>
-          <a:ext cx="0" cy="0"/>
-          <a:chOff x="0" y="0"/>
-          <a:chExt cx="0" cy="0"/>
-        </a:xfrm>
-      </p:grpSpPr>
-      <p:sp>
-        <p:nvSpPr>
-          <p:cNvPr id="2" name="Title 1">
-            <a:extLst>
-              <a:ext uri="{FF2B5EF4-FFF2-40B4-BE49-F238E27FC236}">
-                <a16:creationId xmlns:a16="http://schemas.microsoft.com/office/drawing/2014/main" id="{C0D134BE-9033-4EF6-8EE5-323CD0AE20B0}"/>
-              </a:ext>
-            </a:extLst>
-          </p:cNvPr>
-          <p:cNvSpPr>
-            <a:spLocks noGrp="1"/>
-          </p:cNvSpPr>
-          <p:nvPr>
-            <p:ph type="title"/>
-          </p:nvPr>
-        </p:nvSpPr>
-        <p:spPr/>
-        <p:txBody>
-          <a:bodyPr/>
-          <a:lstStyle/>
-          <a:p>
-            <a:r>
-              <a:rPr lang="en-GB" dirty="0" err="1"/>
-              <a:t>Debuggerdisplay</a:t>
-            </a:r>
-            <a:endParaRPr lang="en-GB" dirty="0"/>
-          </a:p>
-        </p:txBody>
-      </p:sp>
-      <p:sp>
-        <p:nvSpPr>
-          <p:cNvPr id="4" name="Content Placeholder 3">
-            <a:extLst>
-              <a:ext uri="{FF2B5EF4-FFF2-40B4-BE49-F238E27FC236}">
-                <a16:creationId xmlns:a16="http://schemas.microsoft.com/office/drawing/2014/main" id="{03F6EFF9-A1FE-426F-BCE9-EE8CD27AC15A}"/>
-              </a:ext>
-            </a:extLst>
-          </p:cNvPr>
-          <p:cNvSpPr>
-            <a:spLocks noGrp="1"/>
-          </p:cNvSpPr>
-          <p:nvPr>
-            <p:ph idx="1"/>
-          </p:nvPr>
-        </p:nvSpPr>
-        <p:spPr/>
-        <p:txBody>
-          <a:bodyPr/>
-          <a:lstStyle/>
-          <a:p>
-            <a:endParaRPr lang="en-GB"/>
-          </a:p>
-        </p:txBody>
-      </p:sp>
-      <p:pic>
-        <p:nvPicPr>
-          <p:cNvPr id="6" name="Picture 5">
-            <a:extLst>
-              <a:ext uri="{FF2B5EF4-FFF2-40B4-BE49-F238E27FC236}">
-                <a16:creationId xmlns:a16="http://schemas.microsoft.com/office/drawing/2014/main" id="{931E09AB-C21C-4C05-8EF2-0F3B92E96A20}"/>
-              </a:ext>
-            </a:extLst>
-          </p:cNvPr>
-          <p:cNvPicPr>
-            <a:picLocks noChangeAspect="1"/>
-          </p:cNvPicPr>
-          <p:nvPr/>
-        </p:nvPicPr>
-        <p:blipFill>
-          <a:blip r:embed="rId3"/>
-          <a:stretch>
-            <a:fillRect/>
-          </a:stretch>
-        </p:blipFill>
-        <p:spPr>
-          <a:xfrm>
-            <a:off x="747712" y="2305050"/>
-            <a:ext cx="10696575" cy="2247900"/>
-          </a:xfrm>
-          <a:prstGeom prst="rect">
-            <a:avLst/>
-          </a:prstGeom>
-        </p:spPr>
-      </p:pic>
-    </p:spTree>
-    <p:extLst>
-      <p:ext uri="{BB962C8B-B14F-4D97-AF65-F5344CB8AC3E}">
-        <p14:creationId xmlns:p14="http://schemas.microsoft.com/office/powerpoint/2010/main" val="4007249075"/>
-      </p:ext>
-    </p:extLst>
-  </p:cSld>
-  <p:clrMapOvr>
-    <a:masterClrMapping/>
-  </p:clrMapOvr>
-</p:sld>
-</file>
-
-<file path=ppt/slides/slide14.xml><?xml version="1.0" encoding="utf-8"?>
-<p:sld xmlns:a="http://schemas.openxmlformats.org/drawingml/2006/main" xmlns:r="http://schemas.openxmlformats.org/officeDocument/2006/relationships" xmlns:p="http://schemas.openxmlformats.org/presentationml/2006/main">
-  <p:cSld>
-    <p:spTree>
-      <p:nvGrpSpPr>
-        <p:cNvPr id="1" name=""/>
-        <p:cNvGrpSpPr/>
-        <p:nvPr/>
-      </p:nvGrpSpPr>
-      <p:grpSpPr>
-        <a:xfrm>
-          <a:off x="0" y="0"/>
-          <a:ext cx="0" cy="0"/>
-          <a:chOff x="0" y="0"/>
-          <a:chExt cx="0" cy="0"/>
-        </a:xfrm>
-      </p:grpSpPr>
-      <p:sp>
-        <p:nvSpPr>
-          <p:cNvPr id="2" name="Title 1">
-            <a:extLst>
-              <a:ext uri="{FF2B5EF4-FFF2-40B4-BE49-F238E27FC236}">
-                <a16:creationId xmlns:a16="http://schemas.microsoft.com/office/drawing/2014/main" id="{06E40F86-9E0E-4B2F-BFC3-C9D1C3E74BC8}"/>
-              </a:ext>
-            </a:extLst>
-          </p:cNvPr>
-          <p:cNvSpPr>
-            <a:spLocks noGrp="1"/>
-          </p:cNvSpPr>
-          <p:nvPr>
-            <p:ph type="title"/>
-          </p:nvPr>
-        </p:nvSpPr>
-        <p:spPr/>
-        <p:txBody>
-          <a:bodyPr/>
-          <a:lstStyle/>
-          <a:p>
-            <a:r>
-              <a:rPr lang="en-GB" dirty="0" err="1"/>
-              <a:t>Debuggerbrowsable</a:t>
-            </a:r>
-            <a:endParaRPr lang="en-GB" dirty="0"/>
-          </a:p>
-        </p:txBody>
-      </p:sp>
-      <p:pic>
-        <p:nvPicPr>
-          <p:cNvPr id="4" name="Content Placeholder 3">
-            <a:extLst>
-              <a:ext uri="{FF2B5EF4-FFF2-40B4-BE49-F238E27FC236}">
-                <a16:creationId xmlns:a16="http://schemas.microsoft.com/office/drawing/2014/main" id="{1FBC66ED-434E-4C35-B429-E44FF700F214}"/>
-              </a:ext>
-            </a:extLst>
-          </p:cNvPr>
-          <p:cNvPicPr>
-            <a:picLocks noGrp="1" noChangeAspect="1"/>
-          </p:cNvPicPr>
-          <p:nvPr>
-            <p:ph idx="1"/>
-          </p:nvPr>
-        </p:nvPicPr>
-        <p:blipFill>
-          <a:blip r:embed="rId3"/>
-          <a:stretch>
-            <a:fillRect/>
-          </a:stretch>
-        </p:blipFill>
-        <p:spPr>
-          <a:xfrm>
-            <a:off x="194115" y="2300748"/>
-            <a:ext cx="11748674" cy="3792879"/>
-          </a:xfrm>
-          <a:prstGeom prst="rect">
-            <a:avLst/>
-          </a:prstGeom>
-        </p:spPr>
-      </p:pic>
-      <mc:AlternateContent xmlns:mc="http://schemas.openxmlformats.org/markup-compatibility/2006" xmlns:p14="http://schemas.microsoft.com/office/powerpoint/2010/main">
-        <mc:Choice Requires="p14">
-          <p:contentPart p14:bwMode="auto" r:id="rId4">
-            <p14:nvContentPartPr>
-              <p14:cNvPr id="5" name="Ink 4">
-                <a:extLst>
-                  <a:ext uri="{FF2B5EF4-FFF2-40B4-BE49-F238E27FC236}">
-                    <a16:creationId xmlns:a16="http://schemas.microsoft.com/office/drawing/2014/main" id="{315471FC-B772-4C30-82B3-BF876DAFD125}"/>
-                  </a:ext>
-                </a:extLst>
-              </p14:cNvPr>
-              <p14:cNvContentPartPr/>
-              <p14:nvPr/>
-            </p14:nvContentPartPr>
-            <p14:xfrm>
-              <a:off x="2555163" y="4887742"/>
-              <a:ext cx="28800" cy="38880"/>
-            </p14:xfrm>
-          </p:contentPart>
-        </mc:Choice>
-        <mc:Fallback xmlns="">
-          <p:pic>
-            <p:nvPicPr>
-              <p:cNvPr id="5" name="Ink 4">
-                <a:extLst>
-                  <a:ext uri="{FF2B5EF4-FFF2-40B4-BE49-F238E27FC236}">
-                    <a16:creationId xmlns:a16="http://schemas.microsoft.com/office/drawing/2014/main" id="{315471FC-B772-4C30-82B3-BF876DAFD125}"/>
-                  </a:ext>
-                </a:extLst>
-              </p:cNvPr>
-              <p:cNvPicPr/>
-              <p:nvPr/>
-            </p:nvPicPr>
-            <p:blipFill>
-              <a:blip r:embed="rId5"/>
-              <a:stretch>
-                <a:fillRect/>
-              </a:stretch>
-            </p:blipFill>
-            <p:spPr>
-              <a:xfrm>
-                <a:off x="2501163" y="4779742"/>
-                <a:ext cx="136440" cy="254520"/>
-              </a:xfrm>
-              <a:prstGeom prst="rect">
-                <a:avLst/>
-              </a:prstGeom>
-            </p:spPr>
-          </p:pic>
-        </mc:Fallback>
-      </mc:AlternateContent>
-    </p:spTree>
-    <p:extLst>
-      <p:ext uri="{BB962C8B-B14F-4D97-AF65-F5344CB8AC3E}">
-        <p14:creationId xmlns:p14="http://schemas.microsoft.com/office/powerpoint/2010/main" val="218420354"/>
-      </p:ext>
-    </p:extLst>
-  </p:cSld>
-  <p:clrMapOvr>
-    <a:masterClrMapping/>
-  </p:clrMapOvr>
-</p:sld>
-</file>
-
-<file path=ppt/slides/slide15.xml><?xml version="1.0" encoding="utf-8"?>
-<p:sld xmlns:a="http://schemas.openxmlformats.org/drawingml/2006/main" xmlns:r="http://schemas.openxmlformats.org/officeDocument/2006/relationships" xmlns:p="http://schemas.openxmlformats.org/presentationml/2006/main">
-  <p:cSld>
-    <p:spTree>
-      <p:nvGrpSpPr>
-        <p:cNvPr id="1" name=""/>
-        <p:cNvGrpSpPr/>
-        <p:nvPr/>
-      </p:nvGrpSpPr>
-      <p:grpSpPr>
-        <a:xfrm>
-          <a:off x="0" y="0"/>
-          <a:ext cx="0" cy="0"/>
-          <a:chOff x="0" y="0"/>
-          <a:chExt cx="0" cy="0"/>
-        </a:xfrm>
-      </p:grpSpPr>
-      <p:sp>
-        <p:nvSpPr>
-          <p:cNvPr id="2" name="Title 1">
-            <a:extLst>
-              <a:ext uri="{FF2B5EF4-FFF2-40B4-BE49-F238E27FC236}">
-                <a16:creationId xmlns:a16="http://schemas.microsoft.com/office/drawing/2014/main" id="{80853255-A5C9-4608-8617-BB89E5F23862}"/>
-              </a:ext>
-            </a:extLst>
-          </p:cNvPr>
-          <p:cNvSpPr>
-            <a:spLocks noGrp="1"/>
-          </p:cNvSpPr>
-          <p:nvPr>
-            <p:ph type="title"/>
-          </p:nvPr>
-        </p:nvSpPr>
-        <p:spPr/>
-        <p:txBody>
-          <a:bodyPr/>
-          <a:lstStyle/>
-          <a:p>
-            <a:r>
-              <a:rPr lang="en-GB" dirty="0" err="1"/>
-              <a:t>Debuggerbrowsable</a:t>
-            </a:r>
-            <a:endParaRPr lang="en-GB" dirty="0"/>
-          </a:p>
-        </p:txBody>
-      </p:sp>
-      <p:pic>
-        <p:nvPicPr>
-          <p:cNvPr id="5" name="Content Placeholder 4">
-            <a:extLst>
-              <a:ext uri="{FF2B5EF4-FFF2-40B4-BE49-F238E27FC236}">
-                <a16:creationId xmlns:a16="http://schemas.microsoft.com/office/drawing/2014/main" id="{0E61C0F6-21B7-4083-B79F-3AE12F128A07}"/>
-              </a:ext>
-            </a:extLst>
-          </p:cNvPr>
-          <p:cNvPicPr>
-            <a:picLocks noGrp="1" noChangeAspect="1"/>
-          </p:cNvPicPr>
-          <p:nvPr>
-            <p:ph idx="1"/>
-          </p:nvPr>
-        </p:nvPicPr>
-        <p:blipFill>
-          <a:blip r:embed="rId3"/>
-          <a:stretch>
-            <a:fillRect/>
-          </a:stretch>
-        </p:blipFill>
-        <p:spPr>
-          <a:xfrm>
-            <a:off x="654078" y="2693980"/>
-            <a:ext cx="11013789" cy="1670852"/>
-          </a:xfrm>
-        </p:spPr>
-      </p:pic>
-    </p:spTree>
-    <p:extLst>
-      <p:ext uri="{BB962C8B-B14F-4D97-AF65-F5344CB8AC3E}">
-        <p14:creationId xmlns:p14="http://schemas.microsoft.com/office/powerpoint/2010/main" val="3577485073"/>
-      </p:ext>
-    </p:extLst>
-  </p:cSld>
-  <p:clrMapOvr>
-    <a:masterClrMapping/>
-  </p:clrMapOvr>
-</p:sld>
-</file>
-
-<file path=ppt/slides/slide16.xml><?xml version="1.0" encoding="utf-8"?>
-<p:sld xmlns:a="http://schemas.openxmlformats.org/drawingml/2006/main" xmlns:r="http://schemas.openxmlformats.org/officeDocument/2006/relationships" xmlns:p="http://schemas.openxmlformats.org/presentationml/2006/main">
-  <p:cSld>
-    <p:spTree>
-      <p:nvGrpSpPr>
-        <p:cNvPr id="1" name=""/>
-        <p:cNvGrpSpPr/>
-        <p:nvPr/>
-      </p:nvGrpSpPr>
-      <p:grpSpPr>
-        <a:xfrm>
-          <a:off x="0" y="0"/>
-          <a:ext cx="0" cy="0"/>
-          <a:chOff x="0" y="0"/>
-          <a:chExt cx="0" cy="0"/>
-        </a:xfrm>
-      </p:grpSpPr>
-      <p:sp>
-        <p:nvSpPr>
-          <p:cNvPr id="2" name="Title 1">
-            <a:extLst>
-              <a:ext uri="{FF2B5EF4-FFF2-40B4-BE49-F238E27FC236}">
-                <a16:creationId xmlns:a16="http://schemas.microsoft.com/office/drawing/2014/main" id="{DC5890D9-08D8-4319-8062-25BD0E3A39EC}"/>
-              </a:ext>
-            </a:extLst>
-          </p:cNvPr>
-          <p:cNvSpPr>
-            <a:spLocks noGrp="1"/>
-          </p:cNvSpPr>
-          <p:nvPr>
-            <p:ph type="title"/>
-          </p:nvPr>
-        </p:nvSpPr>
-        <p:spPr/>
-        <p:txBody>
-          <a:bodyPr/>
-          <a:lstStyle/>
-          <a:p>
-            <a:r>
-              <a:rPr lang="en-GB" dirty="0" err="1"/>
-              <a:t>DebuggerBrowsable</a:t>
-            </a:r>
-            <a:endParaRPr lang="en-GB" dirty="0"/>
-          </a:p>
-        </p:txBody>
-      </p:sp>
-      <p:sp>
-        <p:nvSpPr>
-          <p:cNvPr id="3" name="Content Placeholder 2">
-            <a:extLst>
-              <a:ext uri="{FF2B5EF4-FFF2-40B4-BE49-F238E27FC236}">
-                <a16:creationId xmlns:a16="http://schemas.microsoft.com/office/drawing/2014/main" id="{08DF0A76-1663-497A-84E0-3164D5F747F3}"/>
-              </a:ext>
-            </a:extLst>
-          </p:cNvPr>
-          <p:cNvSpPr>
-            <a:spLocks noGrp="1"/>
-          </p:cNvSpPr>
-          <p:nvPr>
-            <p:ph idx="1"/>
-          </p:nvPr>
-        </p:nvSpPr>
-        <p:spPr/>
-        <p:txBody>
-          <a:bodyPr/>
-          <a:lstStyle/>
-          <a:p>
-            <a:r>
-              <a:rPr lang="en-GB" dirty="0"/>
-              <a:t>Never</a:t>
-            </a:r>
-          </a:p>
-          <a:p>
-            <a:endParaRPr lang="en-GB" dirty="0"/>
-          </a:p>
-        </p:txBody>
-      </p:sp>
-      <p:pic>
-        <p:nvPicPr>
-          <p:cNvPr id="5" name="Picture 4">
-            <a:extLst>
-              <a:ext uri="{FF2B5EF4-FFF2-40B4-BE49-F238E27FC236}">
-                <a16:creationId xmlns:a16="http://schemas.microsoft.com/office/drawing/2014/main" id="{FD48A3E2-D243-48B4-ABF7-747F661C8457}"/>
-              </a:ext>
-            </a:extLst>
-          </p:cNvPr>
-          <p:cNvPicPr>
-            <a:picLocks noChangeAspect="1"/>
-          </p:cNvPicPr>
-          <p:nvPr/>
-        </p:nvPicPr>
-        <p:blipFill>
-          <a:blip r:embed="rId3"/>
-          <a:stretch>
-            <a:fillRect/>
-          </a:stretch>
-        </p:blipFill>
-        <p:spPr>
-          <a:xfrm>
-            <a:off x="944981" y="3233735"/>
-            <a:ext cx="10302038" cy="1138240"/>
-          </a:xfrm>
-          <a:prstGeom prst="rect">
-            <a:avLst/>
-          </a:prstGeom>
-        </p:spPr>
-      </p:pic>
-    </p:spTree>
-    <p:extLst>
-      <p:ext uri="{BB962C8B-B14F-4D97-AF65-F5344CB8AC3E}">
-        <p14:creationId xmlns:p14="http://schemas.microsoft.com/office/powerpoint/2010/main" val="3787162451"/>
-      </p:ext>
-    </p:extLst>
-  </p:cSld>
-  <p:clrMapOvr>
-    <a:masterClrMapping/>
-  </p:clrMapOvr>
-</p:sld>
-</file>
-
-<file path=ppt/slides/slide17.xml><?xml version="1.0" encoding="utf-8"?>
-<p:sld xmlns:a="http://schemas.openxmlformats.org/drawingml/2006/main" xmlns:r="http://schemas.openxmlformats.org/officeDocument/2006/relationships" xmlns:p="http://schemas.openxmlformats.org/presentationml/2006/main">
-  <p:cSld>
-    <p:spTree>
-      <p:nvGrpSpPr>
-        <p:cNvPr id="1" name=""/>
-        <p:cNvGrpSpPr/>
-        <p:nvPr/>
-      </p:nvGrpSpPr>
-      <p:grpSpPr>
-        <a:xfrm>
-          <a:off x="0" y="0"/>
-          <a:ext cx="0" cy="0"/>
-          <a:chOff x="0" y="0"/>
-          <a:chExt cx="0" cy="0"/>
-        </a:xfrm>
-      </p:grpSpPr>
-      <p:sp>
-        <p:nvSpPr>
-          <p:cNvPr id="2" name="Title 1">
-            <a:extLst>
-              <a:ext uri="{FF2B5EF4-FFF2-40B4-BE49-F238E27FC236}">
-                <a16:creationId xmlns:a16="http://schemas.microsoft.com/office/drawing/2014/main" id="{5C8D4E76-8D55-4379-B291-5B67D45D5A13}"/>
-              </a:ext>
-            </a:extLst>
-          </p:cNvPr>
-          <p:cNvSpPr>
-            <a:spLocks noGrp="1"/>
-          </p:cNvSpPr>
-          <p:nvPr>
-            <p:ph type="title"/>
-          </p:nvPr>
-        </p:nvSpPr>
-        <p:spPr/>
-        <p:txBody>
-          <a:bodyPr/>
-          <a:lstStyle/>
-          <a:p>
-            <a:r>
-              <a:rPr lang="en-GB" dirty="0" err="1"/>
-              <a:t>DebuggerDisplay</a:t>
-            </a:r>
-            <a:endParaRPr lang="en-GB" dirty="0"/>
-          </a:p>
-        </p:txBody>
-      </p:sp>
-      <p:sp>
-        <p:nvSpPr>
-          <p:cNvPr id="3" name="Content Placeholder 2">
-            <a:extLst>
-              <a:ext uri="{FF2B5EF4-FFF2-40B4-BE49-F238E27FC236}">
-                <a16:creationId xmlns:a16="http://schemas.microsoft.com/office/drawing/2014/main" id="{6B1F5100-DFE2-49CC-895D-48D86E87966C}"/>
-              </a:ext>
-            </a:extLst>
-          </p:cNvPr>
-          <p:cNvSpPr>
-            <a:spLocks noGrp="1"/>
-          </p:cNvSpPr>
-          <p:nvPr>
-            <p:ph idx="1"/>
-          </p:nvPr>
-        </p:nvSpPr>
-        <p:spPr/>
-        <p:txBody>
-          <a:bodyPr/>
-          <a:lstStyle/>
-          <a:p>
-            <a:r>
-              <a:rPr lang="en-GB" dirty="0" err="1"/>
-              <a:t>RootHidden</a:t>
-            </a:r>
-            <a:endParaRPr lang="en-GB" dirty="0"/>
-          </a:p>
-        </p:txBody>
-      </p:sp>
-      <p:pic>
-        <p:nvPicPr>
-          <p:cNvPr id="5" name="Picture 4">
-            <a:extLst>
-              <a:ext uri="{FF2B5EF4-FFF2-40B4-BE49-F238E27FC236}">
-                <a16:creationId xmlns:a16="http://schemas.microsoft.com/office/drawing/2014/main" id="{1495BE86-DAC8-408F-B7FD-0D03A67B93C0}"/>
-              </a:ext>
-            </a:extLst>
-          </p:cNvPr>
-          <p:cNvPicPr>
-            <a:picLocks noChangeAspect="1"/>
-          </p:cNvPicPr>
-          <p:nvPr/>
-        </p:nvPicPr>
-        <p:blipFill>
-          <a:blip r:embed="rId3"/>
-          <a:stretch>
-            <a:fillRect/>
-          </a:stretch>
-        </p:blipFill>
-        <p:spPr>
-          <a:xfrm>
-            <a:off x="1298588" y="3059903"/>
-            <a:ext cx="8871749" cy="1719266"/>
-          </a:xfrm>
-          <a:prstGeom prst="rect">
-            <a:avLst/>
-          </a:prstGeom>
-        </p:spPr>
-      </p:pic>
-    </p:spTree>
-    <p:extLst>
-      <p:ext uri="{BB962C8B-B14F-4D97-AF65-F5344CB8AC3E}">
-        <p14:creationId xmlns:p14="http://schemas.microsoft.com/office/powerpoint/2010/main" val="1483339824"/>
-      </p:ext>
-    </p:extLst>
-  </p:cSld>
-  <p:clrMapOvr>
-    <a:masterClrMapping/>
-  </p:clrMapOvr>
-</p:sld>
-</file>
-
-<file path=ppt/slides/slide18.xml><?xml version="1.0" encoding="utf-8"?>
-<p:sld xmlns:a="http://schemas.openxmlformats.org/drawingml/2006/main" xmlns:r="http://schemas.openxmlformats.org/officeDocument/2006/relationships" xmlns:p="http://schemas.openxmlformats.org/presentationml/2006/main">
-  <p:cSld>
-    <p:spTree>
-      <p:nvGrpSpPr>
-        <p:cNvPr id="1" name=""/>
-        <p:cNvGrpSpPr/>
-        <p:nvPr/>
-      </p:nvGrpSpPr>
-      <p:grpSpPr>
-        <a:xfrm>
-          <a:off x="0" y="0"/>
-          <a:ext cx="0" cy="0"/>
-          <a:chOff x="0" y="0"/>
-          <a:chExt cx="0" cy="0"/>
-        </a:xfrm>
-      </p:grpSpPr>
-      <p:sp>
-        <p:nvSpPr>
-          <p:cNvPr id="2" name="Title 1">
-            <a:extLst>
-              <a:ext uri="{FF2B5EF4-FFF2-40B4-BE49-F238E27FC236}">
-                <a16:creationId xmlns:a16="http://schemas.microsoft.com/office/drawing/2014/main" id="{9394B4B2-CCE5-4292-A584-71D8FC8FA1EF}"/>
-              </a:ext>
-            </a:extLst>
-          </p:cNvPr>
-          <p:cNvSpPr>
-            <a:spLocks noGrp="1"/>
-          </p:cNvSpPr>
-          <p:nvPr>
-            <p:ph type="title"/>
-          </p:nvPr>
-        </p:nvSpPr>
-        <p:spPr/>
-        <p:txBody>
-          <a:bodyPr/>
-          <a:lstStyle/>
-          <a:p>
-            <a:r>
-              <a:rPr lang="en-GB" dirty="0"/>
-              <a:t>Debugger Proxy Type</a:t>
-            </a:r>
-          </a:p>
-        </p:txBody>
-      </p:sp>
-      <p:sp>
-        <p:nvSpPr>
-          <p:cNvPr id="3" name="Content Placeholder 2">
-            <a:extLst>
-              <a:ext uri="{FF2B5EF4-FFF2-40B4-BE49-F238E27FC236}">
-                <a16:creationId xmlns:a16="http://schemas.microsoft.com/office/drawing/2014/main" id="{6CF9F24C-0A9A-486C-8F32-7317083BC900}"/>
-              </a:ext>
-            </a:extLst>
-          </p:cNvPr>
-          <p:cNvSpPr>
-            <a:spLocks noGrp="1"/>
-          </p:cNvSpPr>
-          <p:nvPr>
-            <p:ph idx="1"/>
-          </p:nvPr>
-        </p:nvSpPr>
-        <p:spPr/>
-        <p:txBody>
-          <a:bodyPr/>
-          <a:lstStyle/>
-          <a:p>
-            <a:r>
-              <a:rPr lang="en-GB" dirty="0"/>
-              <a:t>Allows the significant and fundament change on the debugging view of a type.</a:t>
-            </a:r>
-          </a:p>
-          <a:p>
-            <a:r>
-              <a:rPr lang="en-GB" dirty="0"/>
-              <a:t>Demo</a:t>
-            </a:r>
-          </a:p>
-        </p:txBody>
-      </p:sp>
-    </p:spTree>
-    <p:extLst>
-      <p:ext uri="{BB962C8B-B14F-4D97-AF65-F5344CB8AC3E}">
-        <p14:creationId xmlns:p14="http://schemas.microsoft.com/office/powerpoint/2010/main" val="2721780380"/>
-      </p:ext>
-    </p:extLst>
-  </p:cSld>
-  <p:clrMapOvr>
-    <a:masterClrMapping/>
-  </p:clrMapOvr>
-</p:sld>
-</file>
-
-<file path=ppt/slides/slide19.xml><?xml version="1.0" encoding="utf-8"?>
-<p:sld xmlns:a="http://schemas.openxmlformats.org/drawingml/2006/main" xmlns:r="http://schemas.openxmlformats.org/officeDocument/2006/relationships" xmlns:p="http://schemas.openxmlformats.org/presentationml/2006/main">
-  <p:cSld>
-    <p:spTree>
-      <p:nvGrpSpPr>
-        <p:cNvPr id="1" name=""/>
-        <p:cNvGrpSpPr/>
-        <p:nvPr/>
-      </p:nvGrpSpPr>
-      <p:grpSpPr>
-        <a:xfrm>
-          <a:off x="0" y="0"/>
-          <a:ext cx="0" cy="0"/>
-          <a:chOff x="0" y="0"/>
-          <a:chExt cx="0" cy="0"/>
-        </a:xfrm>
-      </p:grpSpPr>
-      <p:sp>
-        <p:nvSpPr>
-          <p:cNvPr id="2" name="Title 1">
-            <a:extLst>
-              <a:ext uri="{FF2B5EF4-FFF2-40B4-BE49-F238E27FC236}">
-                <a16:creationId xmlns:a16="http://schemas.microsoft.com/office/drawing/2014/main" id="{AE895FBA-7B3B-4385-B90B-CDC9A9CA8287}"/>
-              </a:ext>
-            </a:extLst>
-          </p:cNvPr>
-          <p:cNvSpPr>
-            <a:spLocks noGrp="1"/>
-          </p:cNvSpPr>
-          <p:nvPr>
-            <p:ph type="title"/>
-          </p:nvPr>
-        </p:nvSpPr>
-        <p:spPr/>
-        <p:txBody>
-          <a:bodyPr/>
-          <a:lstStyle/>
-          <a:p>
-            <a:r>
-              <a:rPr lang="en-GB" dirty="0"/>
-              <a:t>Debugger visualisers</a:t>
-            </a:r>
-          </a:p>
-        </p:txBody>
-      </p:sp>
-      <p:sp>
-        <p:nvSpPr>
-          <p:cNvPr id="3" name="Content Placeholder 2">
-            <a:extLst>
-              <a:ext uri="{FF2B5EF4-FFF2-40B4-BE49-F238E27FC236}">
-                <a16:creationId xmlns:a16="http://schemas.microsoft.com/office/drawing/2014/main" id="{FA2BD6E2-7C40-4DAF-A3D3-AA1425133291}"/>
-              </a:ext>
-            </a:extLst>
-          </p:cNvPr>
-          <p:cNvSpPr>
-            <a:spLocks noGrp="1"/>
-          </p:cNvSpPr>
-          <p:nvPr>
-            <p:ph idx="1"/>
-          </p:nvPr>
-        </p:nvSpPr>
-        <p:spPr/>
-        <p:txBody>
-          <a:bodyPr/>
-          <a:lstStyle/>
-          <a:p>
-            <a:r>
-              <a:rPr lang="en-GB" dirty="0"/>
-              <a:t>Some built in – xml, json, text, html</a:t>
-            </a:r>
-          </a:p>
-          <a:p>
-            <a:r>
-              <a:rPr lang="en-GB" dirty="0"/>
-              <a:t>Many in the market place</a:t>
-            </a:r>
-          </a:p>
-          <a:p>
-            <a:r>
-              <a:rPr lang="en-GB" dirty="0"/>
-              <a:t>Write your own</a:t>
-            </a:r>
-          </a:p>
-        </p:txBody>
-      </p:sp>
-    </p:spTree>
-    <p:extLst>
-      <p:ext uri="{BB962C8B-B14F-4D97-AF65-F5344CB8AC3E}">
-        <p14:creationId xmlns:p14="http://schemas.microsoft.com/office/powerpoint/2010/main" val="3146689253"/>
-      </p:ext>
-    </p:extLst>
-  </p:cSld>
-  <p:clrMapOvr>
-    <a:masterClrMapping/>
-  </p:clrMapOvr>
-</p:sld>
-</file>
-
-<file path=ppt/slides/slide2.xml><?xml version="1.0" encoding="utf-8"?>
-<p:sld xmlns:a="http://schemas.openxmlformats.org/drawingml/2006/main" xmlns:r="http://schemas.openxmlformats.org/officeDocument/2006/relationships" xmlns:p="http://schemas.openxmlformats.org/presentationml/2006/main">
-  <p:cSld>
-    <p:spTree>
-      <p:nvGrpSpPr>
-        <p:cNvPr id="1" name=""/>
-        <p:cNvGrpSpPr/>
-        <p:nvPr/>
-      </p:nvGrpSpPr>
-      <p:grpSpPr>
-        <a:xfrm>
-          <a:off x="0" y="0"/>
-          <a:ext cx="0" cy="0"/>
-          <a:chOff x="0" y="0"/>
-          <a:chExt cx="0" cy="0"/>
-        </a:xfrm>
-      </p:grpSpPr>
-      <p:sp>
-        <p:nvSpPr>
-          <p:cNvPr id="2" name="Title 1">
-            <a:extLst>
-              <a:ext uri="{FF2B5EF4-FFF2-40B4-BE49-F238E27FC236}">
-                <a16:creationId xmlns:a16="http://schemas.microsoft.com/office/drawing/2014/main" id="{B0FC4137-9FF6-48B6-8C77-AB9062027FAD}"/>
-              </a:ext>
-            </a:extLst>
-          </p:cNvPr>
-          <p:cNvSpPr>
-            <a:spLocks noGrp="1"/>
-          </p:cNvSpPr>
-          <p:nvPr>
-            <p:ph type="title"/>
-          </p:nvPr>
-        </p:nvSpPr>
-        <p:spPr/>
-        <p:txBody>
-          <a:bodyPr/>
-          <a:lstStyle/>
-          <a:p>
-            <a:pPr algn="l"/>
-            <a:r>
-              <a:rPr lang="en-GB" dirty="0"/>
-              <a:t>Who am </a:t>
-            </a:r>
-            <a:r>
-              <a:rPr lang="en-GB" dirty="0" err="1"/>
-              <a:t>i</a:t>
-            </a:r>
-            <a:endParaRPr lang="en-GB" dirty="0"/>
-          </a:p>
-        </p:txBody>
-      </p:sp>
-      <p:sp>
-        <p:nvSpPr>
-          <p:cNvPr id="3" name="Content Placeholder 2">
-            <a:extLst>
-              <a:ext uri="{FF2B5EF4-FFF2-40B4-BE49-F238E27FC236}">
-                <a16:creationId xmlns:a16="http://schemas.microsoft.com/office/drawing/2014/main" id="{076ABADB-851A-4517-BD60-F5883C1CCB43}"/>
-              </a:ext>
-            </a:extLst>
-          </p:cNvPr>
-          <p:cNvSpPr>
-            <a:spLocks noGrp="1"/>
-          </p:cNvSpPr>
-          <p:nvPr>
-            <p:ph idx="1"/>
-          </p:nvPr>
-        </p:nvSpPr>
-        <p:spPr/>
-        <p:txBody>
-          <a:bodyPr/>
-          <a:lstStyle/>
-          <a:p>
-            <a:r>
-              <a:rPr lang="en-GB" dirty="0"/>
-              <a:t>Started full time work 1991</a:t>
-            </a:r>
-          </a:p>
-          <a:p>
-            <a:r>
-              <a:rPr lang="en-GB" dirty="0"/>
-              <a:t>Worked for Science, Travel, Management Consultancy, Finance, Medical, Education </a:t>
-            </a:r>
-          </a:p>
-          <a:p>
-            <a:r>
-              <a:rPr lang="en-GB" dirty="0"/>
-              <a:t>Programmed in COBOL, Fortran, Visual Basic 6, VB.net and C# as well as </a:t>
-            </a:r>
-            <a:r>
-              <a:rPr lang="en-GB" dirty="0" err="1"/>
-              <a:t>Sql</a:t>
-            </a:r>
-            <a:endParaRPr lang="en-GB" dirty="0"/>
-          </a:p>
-          <a:p>
-            <a:r>
-              <a:rPr lang="en-GB" dirty="0"/>
-              <a:t>C# since 2005</a:t>
-            </a:r>
-          </a:p>
-          <a:p>
-            <a:r>
-              <a:rPr lang="en-GB" dirty="0"/>
-              <a:t>Twitter @GBPhilipSutton</a:t>
-            </a:r>
-          </a:p>
-          <a:p>
-            <a:pPr marL="0" indent="0">
-              <a:buNone/>
-            </a:pPr>
-            <a:endParaRPr lang="en-GB" dirty="0"/>
-          </a:p>
-        </p:txBody>
-      </p:sp>
-    </p:spTree>
-    <p:extLst>
-      <p:ext uri="{BB962C8B-B14F-4D97-AF65-F5344CB8AC3E}">
-        <p14:creationId xmlns:p14="http://schemas.microsoft.com/office/powerpoint/2010/main" val="758523399"/>
-      </p:ext>
-    </p:extLst>
-  </p:cSld>
-  <p:clrMapOvr>
-    <a:masterClrMapping/>
-  </p:clrMapOvr>
-</p:sld>
-</file>
-
-<file path=ppt/slides/slide20.xml><?xml version="1.0" encoding="utf-8"?>
-<p:sld xmlns:a="http://schemas.openxmlformats.org/drawingml/2006/main" xmlns:r="http://schemas.openxmlformats.org/officeDocument/2006/relationships" xmlns:p="http://schemas.openxmlformats.org/presentationml/2006/main">
-  <p:cSld>
-    <p:spTree>
-      <p:nvGrpSpPr>
-        <p:cNvPr id="1" name=""/>
-        <p:cNvGrpSpPr/>
-        <p:nvPr/>
-      </p:nvGrpSpPr>
-      <p:grpSpPr>
-        <a:xfrm>
-          <a:off x="0" y="0"/>
-          <a:ext cx="0" cy="0"/>
-          <a:chOff x="0" y="0"/>
-          <a:chExt cx="0" cy="0"/>
-        </a:xfrm>
-      </p:grpSpPr>
-      <p:sp>
-        <p:nvSpPr>
-          <p:cNvPr id="2" name="Title 1">
-            <a:extLst>
-              <a:ext uri="{FF2B5EF4-FFF2-40B4-BE49-F238E27FC236}">
-                <a16:creationId xmlns:a16="http://schemas.microsoft.com/office/drawing/2014/main" id="{08B5863D-0873-4310-9D18-FE90D6875F11}"/>
-              </a:ext>
-            </a:extLst>
-          </p:cNvPr>
-          <p:cNvSpPr>
-            <a:spLocks noGrp="1"/>
-          </p:cNvSpPr>
-          <p:nvPr>
-            <p:ph type="title"/>
-          </p:nvPr>
-        </p:nvSpPr>
-        <p:spPr/>
-        <p:txBody>
-          <a:bodyPr/>
-          <a:lstStyle/>
-          <a:p>
-            <a:r>
-              <a:rPr lang="en-GB" dirty="0" err="1"/>
-              <a:t>Datatips</a:t>
-            </a:r>
-            <a:br>
-              <a:rPr lang="en-GB" dirty="0"/>
-            </a:br>
-            <a:endParaRPr lang="en-GB" dirty="0"/>
-          </a:p>
-        </p:txBody>
-      </p:sp>
-      <p:pic>
-        <p:nvPicPr>
-          <p:cNvPr id="5" name="Content Placeholder 4">
-            <a:extLst>
-              <a:ext uri="{FF2B5EF4-FFF2-40B4-BE49-F238E27FC236}">
-                <a16:creationId xmlns:a16="http://schemas.microsoft.com/office/drawing/2014/main" id="{C91230F6-C03F-4AEA-A399-A34BBA29141E}"/>
-              </a:ext>
-            </a:extLst>
-          </p:cNvPr>
-          <p:cNvPicPr>
-            <a:picLocks noGrp="1" noChangeAspect="1"/>
-          </p:cNvPicPr>
-          <p:nvPr>
-            <p:ph idx="1"/>
-          </p:nvPr>
-        </p:nvPicPr>
-        <p:blipFill>
-          <a:blip r:embed="rId3"/>
-          <a:stretch>
-            <a:fillRect/>
-          </a:stretch>
-        </p:blipFill>
-        <p:spPr>
-          <a:xfrm>
-            <a:off x="276041" y="2057401"/>
-            <a:ext cx="11493464" cy="4243290"/>
-          </a:xfrm>
-        </p:spPr>
-      </p:pic>
-    </p:spTree>
-    <p:extLst>
-      <p:ext uri="{BB962C8B-B14F-4D97-AF65-F5344CB8AC3E}">
-        <p14:creationId xmlns:p14="http://schemas.microsoft.com/office/powerpoint/2010/main" val="385603056"/>
-      </p:ext>
-    </p:extLst>
-  </p:cSld>
-  <p:clrMapOvr>
-    <a:masterClrMapping/>
-  </p:clrMapOvr>
-</p:sld>
-</file>
-
-<file path=ppt/slides/slide21.xml><?xml version="1.0" encoding="utf-8"?>
-<p:sld xmlns:a="http://schemas.openxmlformats.org/drawingml/2006/main" xmlns:r="http://schemas.openxmlformats.org/officeDocument/2006/relationships" xmlns:p="http://schemas.openxmlformats.org/presentationml/2006/main">
-  <p:cSld>
-    <p:spTree>
-      <p:nvGrpSpPr>
-        <p:cNvPr id="1" name=""/>
-        <p:cNvGrpSpPr/>
-        <p:nvPr/>
-      </p:nvGrpSpPr>
-      <p:grpSpPr>
-        <a:xfrm>
-          <a:off x="0" y="0"/>
-          <a:ext cx="0" cy="0"/>
-          <a:chOff x="0" y="0"/>
-          <a:chExt cx="0" cy="0"/>
-        </a:xfrm>
-      </p:grpSpPr>
-      <p:sp>
-        <p:nvSpPr>
-          <p:cNvPr id="2" name="Title 1">
-            <a:extLst>
-              <a:ext uri="{FF2B5EF4-FFF2-40B4-BE49-F238E27FC236}">
-                <a16:creationId xmlns:a16="http://schemas.microsoft.com/office/drawing/2014/main" id="{01456544-C75A-4423-898E-1C93DB557470}"/>
-              </a:ext>
-            </a:extLst>
-          </p:cNvPr>
-          <p:cNvSpPr>
-            <a:spLocks noGrp="1"/>
-          </p:cNvSpPr>
-          <p:nvPr>
-            <p:ph type="title"/>
-          </p:nvPr>
-        </p:nvSpPr>
-        <p:spPr/>
-        <p:txBody>
-          <a:bodyPr/>
-          <a:lstStyle/>
-          <a:p>
-            <a:pPr algn="ctr"/>
-            <a:r>
-              <a:rPr lang="en-GB" dirty="0"/>
-              <a:t>Debugging windows - Locals/Auto</a:t>
-            </a:r>
-          </a:p>
-        </p:txBody>
-      </p:sp>
-      <p:pic>
-        <p:nvPicPr>
-          <p:cNvPr id="5" name="Content Placeholder 4">
-            <a:extLst>
-              <a:ext uri="{FF2B5EF4-FFF2-40B4-BE49-F238E27FC236}">
-                <a16:creationId xmlns:a16="http://schemas.microsoft.com/office/drawing/2014/main" id="{F2B646DE-AF6D-49E3-BEFB-9A33682606F8}"/>
-              </a:ext>
-            </a:extLst>
-          </p:cNvPr>
-          <p:cNvPicPr>
-            <a:picLocks noGrp="1" noChangeAspect="1"/>
-          </p:cNvPicPr>
-          <p:nvPr>
-            <p:ph idx="1"/>
-          </p:nvPr>
-        </p:nvPicPr>
-        <p:blipFill>
-          <a:blip r:embed="rId3"/>
-          <a:stretch>
-            <a:fillRect/>
-          </a:stretch>
-        </p:blipFill>
-        <p:spPr>
-          <a:xfrm>
-            <a:off x="647700" y="2256972"/>
-            <a:ext cx="10896599" cy="1894114"/>
-          </a:xfrm>
-        </p:spPr>
-      </p:pic>
-    </p:spTree>
-    <p:extLst>
-      <p:ext uri="{BB962C8B-B14F-4D97-AF65-F5344CB8AC3E}">
-        <p14:creationId xmlns:p14="http://schemas.microsoft.com/office/powerpoint/2010/main" val="261829312"/>
-      </p:ext>
-    </p:extLst>
-  </p:cSld>
-  <p:clrMapOvr>
-    <a:masterClrMapping/>
-  </p:clrMapOvr>
-</p:sld>
-</file>
-
-<file path=ppt/slides/slide22.xml><?xml version="1.0" encoding="utf-8"?>
 <p:sld xmlns:a="http://schemas.openxmlformats.org/drawingml/2006/main" xmlns:r="http://schemas.openxmlformats.org/officeDocument/2006/relationships" xmlns:p="http://schemas.openxmlformats.org/presentationml/2006/main">
   <p:cSld>
     <p:spTree>
@@ -13146,7 +11963,7 @@
 </p:sld>
 </file>
 
-<file path=ppt/slides/slide23.xml><?xml version="1.0" encoding="utf-8"?>
+<file path=ppt/slides/slide13.xml><?xml version="1.0" encoding="utf-8"?>
 <p:sld xmlns:a="http://schemas.openxmlformats.org/drawingml/2006/main" xmlns:r="http://schemas.openxmlformats.org/officeDocument/2006/relationships" xmlns:p="http://schemas.openxmlformats.org/presentationml/2006/main">
   <p:cSld>
     <p:spTree>
@@ -13168,99 +11985,6 @@
           <p:cNvPr id="2" name="Title 1">
             <a:extLst>
               <a:ext uri="{FF2B5EF4-FFF2-40B4-BE49-F238E27FC236}">
-                <a16:creationId xmlns:a16="http://schemas.microsoft.com/office/drawing/2014/main" id="{C2F8FD40-6700-4925-A037-C978ED01CA8C}"/>
-              </a:ext>
-            </a:extLst>
-          </p:cNvPr>
-          <p:cNvSpPr>
-            <a:spLocks noGrp="1"/>
-          </p:cNvSpPr>
-          <p:nvPr>
-            <p:ph type="title"/>
-          </p:nvPr>
-        </p:nvSpPr>
-        <p:spPr>
-          <a:xfrm>
-            <a:off x="2895600" y="764373"/>
-            <a:ext cx="7510609" cy="1293028"/>
-          </a:xfrm>
-        </p:spPr>
-        <p:txBody>
-          <a:bodyPr/>
-          <a:lstStyle/>
-          <a:p>
-            <a:pPr algn="ctr"/>
-            <a:r>
-              <a:rPr lang="en-GB" dirty="0"/>
-              <a:t>Debugging windows - Watch Window</a:t>
-            </a:r>
-          </a:p>
-        </p:txBody>
-      </p:sp>
-      <p:pic>
-        <p:nvPicPr>
-          <p:cNvPr id="5" name="Content Placeholder 4">
-            <a:extLst>
-              <a:ext uri="{FF2B5EF4-FFF2-40B4-BE49-F238E27FC236}">
-                <a16:creationId xmlns:a16="http://schemas.microsoft.com/office/drawing/2014/main" id="{065F686F-D54F-44F0-B970-16532F1A03E7}"/>
-              </a:ext>
-            </a:extLst>
-          </p:cNvPr>
-          <p:cNvPicPr>
-            <a:picLocks noGrp="1" noChangeAspect="1"/>
-          </p:cNvPicPr>
-          <p:nvPr>
-            <p:ph idx="1"/>
-          </p:nvPr>
-        </p:nvPicPr>
-        <p:blipFill>
-          <a:blip r:embed="rId3"/>
-          <a:stretch>
-            <a:fillRect/>
-          </a:stretch>
-        </p:blipFill>
-        <p:spPr>
-          <a:xfrm>
-            <a:off x="375439" y="2607469"/>
-            <a:ext cx="11540336" cy="3224950"/>
-          </a:xfrm>
-        </p:spPr>
-      </p:pic>
-    </p:spTree>
-    <p:extLst>
-      <p:ext uri="{BB962C8B-B14F-4D97-AF65-F5344CB8AC3E}">
-        <p14:creationId xmlns:p14="http://schemas.microsoft.com/office/powerpoint/2010/main" val="798665626"/>
-      </p:ext>
-    </p:extLst>
-  </p:cSld>
-  <p:clrMapOvr>
-    <a:masterClrMapping/>
-  </p:clrMapOvr>
-</p:sld>
-</file>
-
-<file path=ppt/slides/slide24.xml><?xml version="1.0" encoding="utf-8"?>
-<p:sld xmlns:a="http://schemas.openxmlformats.org/drawingml/2006/main" xmlns:r="http://schemas.openxmlformats.org/officeDocument/2006/relationships" xmlns:p="http://schemas.openxmlformats.org/presentationml/2006/main">
-  <p:cSld>
-    <p:spTree>
-      <p:nvGrpSpPr>
-        <p:cNvPr id="1" name=""/>
-        <p:cNvGrpSpPr/>
-        <p:nvPr/>
-      </p:nvGrpSpPr>
-      <p:grpSpPr>
-        <a:xfrm>
-          <a:off x="0" y="0"/>
-          <a:ext cx="0" cy="0"/>
-          <a:chOff x="0" y="0"/>
-          <a:chExt cx="0" cy="0"/>
-        </a:xfrm>
-      </p:grpSpPr>
-      <p:sp>
-        <p:nvSpPr>
-          <p:cNvPr id="2" name="Title 1">
-            <a:extLst>
-              <a:ext uri="{FF2B5EF4-FFF2-40B4-BE49-F238E27FC236}">
                 <a16:creationId xmlns:a16="http://schemas.microsoft.com/office/drawing/2014/main" id="{B229A4BE-1217-45BA-B7AF-B154DD458648}"/>
               </a:ext>
             </a:extLst>
@@ -13349,95 +12073,7 @@
 </p:sld>
 </file>
 
-<file path=ppt/slides/slide25.xml><?xml version="1.0" encoding="utf-8"?>
-<p:sld xmlns:a="http://schemas.openxmlformats.org/drawingml/2006/main" xmlns:r="http://schemas.openxmlformats.org/officeDocument/2006/relationships" xmlns:p="http://schemas.openxmlformats.org/presentationml/2006/main">
-  <p:cSld>
-    <p:spTree>
-      <p:nvGrpSpPr>
-        <p:cNvPr id="1" name=""/>
-        <p:cNvGrpSpPr/>
-        <p:nvPr/>
-      </p:nvGrpSpPr>
-      <p:grpSpPr>
-        <a:xfrm>
-          <a:off x="0" y="0"/>
-          <a:ext cx="0" cy="0"/>
-          <a:chOff x="0" y="0"/>
-          <a:chExt cx="0" cy="0"/>
-        </a:xfrm>
-      </p:grpSpPr>
-      <p:sp>
-        <p:nvSpPr>
-          <p:cNvPr id="2" name="Title 1">
-            <a:extLst>
-              <a:ext uri="{FF2B5EF4-FFF2-40B4-BE49-F238E27FC236}">
-                <a16:creationId xmlns:a16="http://schemas.microsoft.com/office/drawing/2014/main" id="{E799566E-4AAA-47A6-9563-2795E67A03A0}"/>
-              </a:ext>
-            </a:extLst>
-          </p:cNvPr>
-          <p:cNvSpPr>
-            <a:spLocks noGrp="1"/>
-          </p:cNvSpPr>
-          <p:nvPr>
-            <p:ph type="title"/>
-          </p:nvPr>
-        </p:nvSpPr>
-        <p:spPr/>
-        <p:txBody>
-          <a:bodyPr/>
-          <a:lstStyle/>
-          <a:p>
-            <a:pPr algn="ctr"/>
-            <a:r>
-              <a:rPr lang="en-GB" dirty="0"/>
-              <a:t>Multithreaded Debugging Windows - Threads</a:t>
-            </a:r>
-          </a:p>
-        </p:txBody>
-      </p:sp>
-      <p:pic>
-        <p:nvPicPr>
-          <p:cNvPr id="5" name="Content Placeholder 4">
-            <a:extLst>
-              <a:ext uri="{FF2B5EF4-FFF2-40B4-BE49-F238E27FC236}">
-                <a16:creationId xmlns:a16="http://schemas.microsoft.com/office/drawing/2014/main" id="{5A3E99E6-785F-4599-9F4F-3E9DCD1F5D34}"/>
-              </a:ext>
-            </a:extLst>
-          </p:cNvPr>
-          <p:cNvPicPr>
-            <a:picLocks noGrp="1" noChangeAspect="1"/>
-          </p:cNvPicPr>
-          <p:nvPr>
-            <p:ph idx="1"/>
-          </p:nvPr>
-        </p:nvPicPr>
-        <p:blipFill>
-          <a:blip r:embed="rId3"/>
-          <a:stretch>
-            <a:fillRect/>
-          </a:stretch>
-        </p:blipFill>
-        <p:spPr>
-          <a:xfrm>
-            <a:off x="281566" y="3186376"/>
-            <a:ext cx="11803402" cy="2070022"/>
-          </a:xfrm>
-        </p:spPr>
-      </p:pic>
-    </p:spTree>
-    <p:extLst>
-      <p:ext uri="{BB962C8B-B14F-4D97-AF65-F5344CB8AC3E}">
-        <p14:creationId xmlns:p14="http://schemas.microsoft.com/office/powerpoint/2010/main" val="1697622920"/>
-      </p:ext>
-    </p:extLst>
-  </p:cSld>
-  <p:clrMapOvr>
-    <a:masterClrMapping/>
-  </p:clrMapOvr>
-</p:sld>
-</file>
-
-<file path=ppt/slides/slide26.xml><?xml version="1.0" encoding="utf-8"?>
+<file path=ppt/slides/slide14.xml><?xml version="1.0" encoding="utf-8"?>
 <p:sld xmlns:a="http://schemas.openxmlformats.org/drawingml/2006/main" xmlns:r="http://schemas.openxmlformats.org/officeDocument/2006/relationships" xmlns:p="http://schemas.openxmlformats.org/presentationml/2006/main">
   <p:cSld>
     <p:spTree>
@@ -13708,7 +12344,621 @@
 </p:sld>
 </file>
 
-<file path=ppt/slides/slide27.xml><?xml version="1.0" encoding="utf-8"?>
+<file path=ppt/slides/slide15.xml><?xml version="1.0" encoding="utf-8"?>
+<p:sld xmlns:a="http://schemas.openxmlformats.org/drawingml/2006/main" xmlns:r="http://schemas.openxmlformats.org/officeDocument/2006/relationships" xmlns:p="http://schemas.openxmlformats.org/presentationml/2006/main">
+  <p:cSld>
+    <p:spTree>
+      <p:nvGrpSpPr>
+        <p:cNvPr id="1" name=""/>
+        <p:cNvGrpSpPr/>
+        <p:nvPr/>
+      </p:nvGrpSpPr>
+      <p:grpSpPr>
+        <a:xfrm>
+          <a:off x="0" y="0"/>
+          <a:ext cx="0" cy="0"/>
+          <a:chOff x="0" y="0"/>
+          <a:chExt cx="0" cy="0"/>
+        </a:xfrm>
+      </p:grpSpPr>
+      <p:sp>
+        <p:nvSpPr>
+          <p:cNvPr id="2" name="Title 1">
+            <a:extLst>
+              <a:ext uri="{FF2B5EF4-FFF2-40B4-BE49-F238E27FC236}">
+                <a16:creationId xmlns:a16="http://schemas.microsoft.com/office/drawing/2014/main" id="{E799566E-4AAA-47A6-9563-2795E67A03A0}"/>
+              </a:ext>
+            </a:extLst>
+          </p:cNvPr>
+          <p:cNvSpPr>
+            <a:spLocks noGrp="1"/>
+          </p:cNvSpPr>
+          <p:nvPr>
+            <p:ph type="title"/>
+          </p:nvPr>
+        </p:nvSpPr>
+        <p:spPr/>
+        <p:txBody>
+          <a:bodyPr/>
+          <a:lstStyle/>
+          <a:p>
+            <a:pPr algn="ctr"/>
+            <a:r>
+              <a:rPr lang="en-GB" dirty="0"/>
+              <a:t>Multithreaded Debugging Windows - Threads</a:t>
+            </a:r>
+          </a:p>
+        </p:txBody>
+      </p:sp>
+      <p:pic>
+        <p:nvPicPr>
+          <p:cNvPr id="5" name="Content Placeholder 4">
+            <a:extLst>
+              <a:ext uri="{FF2B5EF4-FFF2-40B4-BE49-F238E27FC236}">
+                <a16:creationId xmlns:a16="http://schemas.microsoft.com/office/drawing/2014/main" id="{5A3E99E6-785F-4599-9F4F-3E9DCD1F5D34}"/>
+              </a:ext>
+            </a:extLst>
+          </p:cNvPr>
+          <p:cNvPicPr>
+            <a:picLocks noGrp="1" noChangeAspect="1"/>
+          </p:cNvPicPr>
+          <p:nvPr>
+            <p:ph idx="1"/>
+          </p:nvPr>
+        </p:nvPicPr>
+        <p:blipFill>
+          <a:blip r:embed="rId3"/>
+          <a:stretch>
+            <a:fillRect/>
+          </a:stretch>
+        </p:blipFill>
+        <p:spPr>
+          <a:xfrm>
+            <a:off x="281566" y="3186376"/>
+            <a:ext cx="11803402" cy="2070022"/>
+          </a:xfrm>
+        </p:spPr>
+      </p:pic>
+    </p:spTree>
+    <p:extLst>
+      <p:ext uri="{BB962C8B-B14F-4D97-AF65-F5344CB8AC3E}">
+        <p14:creationId xmlns:p14="http://schemas.microsoft.com/office/powerpoint/2010/main" val="1697622920"/>
+      </p:ext>
+    </p:extLst>
+  </p:cSld>
+  <p:clrMapOvr>
+    <a:masterClrMapping/>
+  </p:clrMapOvr>
+</p:sld>
+</file>
+
+<file path=ppt/slides/slide16.xml><?xml version="1.0" encoding="utf-8"?>
+<p:sld xmlns:a="http://schemas.openxmlformats.org/drawingml/2006/main" xmlns:r="http://schemas.openxmlformats.org/officeDocument/2006/relationships" xmlns:p="http://schemas.openxmlformats.org/presentationml/2006/main">
+  <p:cSld>
+    <p:spTree>
+      <p:nvGrpSpPr>
+        <p:cNvPr id="1" name=""/>
+        <p:cNvGrpSpPr/>
+        <p:nvPr/>
+      </p:nvGrpSpPr>
+      <p:grpSpPr>
+        <a:xfrm>
+          <a:off x="0" y="0"/>
+          <a:ext cx="0" cy="0"/>
+          <a:chOff x="0" y="0"/>
+          <a:chExt cx="0" cy="0"/>
+        </a:xfrm>
+      </p:grpSpPr>
+      <p:sp>
+        <p:nvSpPr>
+          <p:cNvPr id="2" name="Title 1">
+            <a:extLst>
+              <a:ext uri="{FF2B5EF4-FFF2-40B4-BE49-F238E27FC236}">
+                <a16:creationId xmlns:a16="http://schemas.microsoft.com/office/drawing/2014/main" id="{08B5863D-0873-4310-9D18-FE90D6875F11}"/>
+              </a:ext>
+            </a:extLst>
+          </p:cNvPr>
+          <p:cNvSpPr>
+            <a:spLocks noGrp="1"/>
+          </p:cNvSpPr>
+          <p:nvPr>
+            <p:ph type="title"/>
+          </p:nvPr>
+        </p:nvSpPr>
+        <p:spPr/>
+        <p:txBody>
+          <a:bodyPr/>
+          <a:lstStyle/>
+          <a:p>
+            <a:r>
+              <a:rPr lang="en-GB" dirty="0" err="1"/>
+              <a:t>Datatips</a:t>
+            </a:r>
+            <a:br>
+              <a:rPr lang="en-GB" dirty="0"/>
+            </a:br>
+            <a:endParaRPr lang="en-GB" dirty="0"/>
+          </a:p>
+        </p:txBody>
+      </p:sp>
+      <p:pic>
+        <p:nvPicPr>
+          <p:cNvPr id="5" name="Content Placeholder 4">
+            <a:extLst>
+              <a:ext uri="{FF2B5EF4-FFF2-40B4-BE49-F238E27FC236}">
+                <a16:creationId xmlns:a16="http://schemas.microsoft.com/office/drawing/2014/main" id="{C91230F6-C03F-4AEA-A399-A34BBA29141E}"/>
+              </a:ext>
+            </a:extLst>
+          </p:cNvPr>
+          <p:cNvPicPr>
+            <a:picLocks noGrp="1" noChangeAspect="1"/>
+          </p:cNvPicPr>
+          <p:nvPr>
+            <p:ph idx="1"/>
+          </p:nvPr>
+        </p:nvPicPr>
+        <p:blipFill>
+          <a:blip r:embed="rId3"/>
+          <a:stretch>
+            <a:fillRect/>
+          </a:stretch>
+        </p:blipFill>
+        <p:spPr>
+          <a:xfrm>
+            <a:off x="276041" y="2057401"/>
+            <a:ext cx="11493464" cy="4243290"/>
+          </a:xfrm>
+        </p:spPr>
+      </p:pic>
+    </p:spTree>
+    <p:extLst>
+      <p:ext uri="{BB962C8B-B14F-4D97-AF65-F5344CB8AC3E}">
+        <p14:creationId xmlns:p14="http://schemas.microsoft.com/office/powerpoint/2010/main" val="385603056"/>
+      </p:ext>
+    </p:extLst>
+  </p:cSld>
+  <p:clrMapOvr>
+    <a:masterClrMapping/>
+  </p:clrMapOvr>
+</p:sld>
+</file>
+
+<file path=ppt/slides/slide17.xml><?xml version="1.0" encoding="utf-8"?>
+<p:sld xmlns:a="http://schemas.openxmlformats.org/drawingml/2006/main" xmlns:r="http://schemas.openxmlformats.org/officeDocument/2006/relationships" xmlns:p="http://schemas.openxmlformats.org/presentationml/2006/main">
+  <p:cSld>
+    <p:spTree>
+      <p:nvGrpSpPr>
+        <p:cNvPr id="1" name=""/>
+        <p:cNvGrpSpPr/>
+        <p:nvPr/>
+      </p:nvGrpSpPr>
+      <p:grpSpPr>
+        <a:xfrm>
+          <a:off x="0" y="0"/>
+          <a:ext cx="0" cy="0"/>
+          <a:chOff x="0" y="0"/>
+          <a:chExt cx="0" cy="0"/>
+        </a:xfrm>
+      </p:grpSpPr>
+      <p:sp>
+        <p:nvSpPr>
+          <p:cNvPr id="2" name="Title 1">
+            <a:extLst>
+              <a:ext uri="{FF2B5EF4-FFF2-40B4-BE49-F238E27FC236}">
+                <a16:creationId xmlns:a16="http://schemas.microsoft.com/office/drawing/2014/main" id="{5C8D4E76-8D55-4379-B291-5B67D45D5A13}"/>
+              </a:ext>
+            </a:extLst>
+          </p:cNvPr>
+          <p:cNvSpPr>
+            <a:spLocks noGrp="1"/>
+          </p:cNvSpPr>
+          <p:nvPr>
+            <p:ph type="title"/>
+          </p:nvPr>
+        </p:nvSpPr>
+        <p:spPr/>
+        <p:txBody>
+          <a:bodyPr/>
+          <a:lstStyle/>
+          <a:p>
+            <a:r>
+              <a:rPr lang="en-GB" dirty="0" err="1"/>
+              <a:t>DebuggerDisplay</a:t>
+            </a:r>
+            <a:endParaRPr lang="en-GB" dirty="0"/>
+          </a:p>
+        </p:txBody>
+      </p:sp>
+      <p:sp>
+        <p:nvSpPr>
+          <p:cNvPr id="3" name="Content Placeholder 2">
+            <a:extLst>
+              <a:ext uri="{FF2B5EF4-FFF2-40B4-BE49-F238E27FC236}">
+                <a16:creationId xmlns:a16="http://schemas.microsoft.com/office/drawing/2014/main" id="{6B1F5100-DFE2-49CC-895D-48D86E87966C}"/>
+              </a:ext>
+            </a:extLst>
+          </p:cNvPr>
+          <p:cNvSpPr>
+            <a:spLocks noGrp="1"/>
+          </p:cNvSpPr>
+          <p:nvPr>
+            <p:ph idx="1"/>
+          </p:nvPr>
+        </p:nvSpPr>
+        <p:spPr/>
+        <p:txBody>
+          <a:bodyPr/>
+          <a:lstStyle/>
+          <a:p>
+            <a:r>
+              <a:rPr lang="en-GB" dirty="0" err="1"/>
+              <a:t>RootHidden</a:t>
+            </a:r>
+            <a:endParaRPr lang="en-GB" dirty="0"/>
+          </a:p>
+        </p:txBody>
+      </p:sp>
+      <p:pic>
+        <p:nvPicPr>
+          <p:cNvPr id="5" name="Picture 4">
+            <a:extLst>
+              <a:ext uri="{FF2B5EF4-FFF2-40B4-BE49-F238E27FC236}">
+                <a16:creationId xmlns:a16="http://schemas.microsoft.com/office/drawing/2014/main" id="{1495BE86-DAC8-408F-B7FD-0D03A67B93C0}"/>
+              </a:ext>
+            </a:extLst>
+          </p:cNvPr>
+          <p:cNvPicPr>
+            <a:picLocks noChangeAspect="1"/>
+          </p:cNvPicPr>
+          <p:nvPr/>
+        </p:nvPicPr>
+        <p:blipFill>
+          <a:blip r:embed="rId3"/>
+          <a:stretch>
+            <a:fillRect/>
+          </a:stretch>
+        </p:blipFill>
+        <p:spPr>
+          <a:xfrm>
+            <a:off x="1298588" y="3059903"/>
+            <a:ext cx="8871749" cy="1719266"/>
+          </a:xfrm>
+          <a:prstGeom prst="rect">
+            <a:avLst/>
+          </a:prstGeom>
+        </p:spPr>
+      </p:pic>
+    </p:spTree>
+    <p:extLst>
+      <p:ext uri="{BB962C8B-B14F-4D97-AF65-F5344CB8AC3E}">
+        <p14:creationId xmlns:p14="http://schemas.microsoft.com/office/powerpoint/2010/main" val="1483339824"/>
+      </p:ext>
+    </p:extLst>
+  </p:cSld>
+  <p:clrMapOvr>
+    <a:masterClrMapping/>
+  </p:clrMapOvr>
+</p:sld>
+</file>
+
+<file path=ppt/slides/slide18.xml><?xml version="1.0" encoding="utf-8"?>
+<p:sld xmlns:a="http://schemas.openxmlformats.org/drawingml/2006/main" xmlns:r="http://schemas.openxmlformats.org/officeDocument/2006/relationships" xmlns:p="http://schemas.openxmlformats.org/presentationml/2006/main">
+  <p:cSld>
+    <p:spTree>
+      <p:nvGrpSpPr>
+        <p:cNvPr id="1" name=""/>
+        <p:cNvGrpSpPr/>
+        <p:nvPr/>
+      </p:nvGrpSpPr>
+      <p:grpSpPr>
+        <a:xfrm>
+          <a:off x="0" y="0"/>
+          <a:ext cx="0" cy="0"/>
+          <a:chOff x="0" y="0"/>
+          <a:chExt cx="0" cy="0"/>
+        </a:xfrm>
+      </p:grpSpPr>
+      <p:sp>
+        <p:nvSpPr>
+          <p:cNvPr id="2" name="Title 1">
+            <a:extLst>
+              <a:ext uri="{FF2B5EF4-FFF2-40B4-BE49-F238E27FC236}">
+                <a16:creationId xmlns:a16="http://schemas.microsoft.com/office/drawing/2014/main" id="{9394B4B2-CCE5-4292-A584-71D8FC8FA1EF}"/>
+              </a:ext>
+            </a:extLst>
+          </p:cNvPr>
+          <p:cNvSpPr>
+            <a:spLocks noGrp="1"/>
+          </p:cNvSpPr>
+          <p:nvPr>
+            <p:ph type="title"/>
+          </p:nvPr>
+        </p:nvSpPr>
+        <p:spPr/>
+        <p:txBody>
+          <a:bodyPr/>
+          <a:lstStyle/>
+          <a:p>
+            <a:r>
+              <a:rPr lang="en-GB" dirty="0"/>
+              <a:t>Debugger Proxy Type</a:t>
+            </a:r>
+          </a:p>
+        </p:txBody>
+      </p:sp>
+      <p:sp>
+        <p:nvSpPr>
+          <p:cNvPr id="3" name="Content Placeholder 2">
+            <a:extLst>
+              <a:ext uri="{FF2B5EF4-FFF2-40B4-BE49-F238E27FC236}">
+                <a16:creationId xmlns:a16="http://schemas.microsoft.com/office/drawing/2014/main" id="{6CF9F24C-0A9A-486C-8F32-7317083BC900}"/>
+              </a:ext>
+            </a:extLst>
+          </p:cNvPr>
+          <p:cNvSpPr>
+            <a:spLocks noGrp="1"/>
+          </p:cNvSpPr>
+          <p:nvPr>
+            <p:ph idx="1"/>
+          </p:nvPr>
+        </p:nvSpPr>
+        <p:spPr/>
+        <p:txBody>
+          <a:bodyPr/>
+          <a:lstStyle/>
+          <a:p>
+            <a:r>
+              <a:rPr lang="en-GB" dirty="0"/>
+              <a:t>Allows the significant and fundament change on the debugging view of a type.</a:t>
+            </a:r>
+          </a:p>
+          <a:p>
+            <a:r>
+              <a:rPr lang="en-GB" dirty="0"/>
+              <a:t>Demo</a:t>
+            </a:r>
+          </a:p>
+        </p:txBody>
+      </p:sp>
+    </p:spTree>
+    <p:extLst>
+      <p:ext uri="{BB962C8B-B14F-4D97-AF65-F5344CB8AC3E}">
+        <p14:creationId xmlns:p14="http://schemas.microsoft.com/office/powerpoint/2010/main" val="2721780380"/>
+      </p:ext>
+    </p:extLst>
+  </p:cSld>
+  <p:clrMapOvr>
+    <a:masterClrMapping/>
+  </p:clrMapOvr>
+</p:sld>
+</file>
+
+<file path=ppt/slides/slide19.xml><?xml version="1.0" encoding="utf-8"?>
+<p:sld xmlns:a="http://schemas.openxmlformats.org/drawingml/2006/main" xmlns:r="http://schemas.openxmlformats.org/officeDocument/2006/relationships" xmlns:p="http://schemas.openxmlformats.org/presentationml/2006/main">
+  <p:cSld>
+    <p:spTree>
+      <p:nvGrpSpPr>
+        <p:cNvPr id="1" name=""/>
+        <p:cNvGrpSpPr/>
+        <p:nvPr/>
+      </p:nvGrpSpPr>
+      <p:grpSpPr>
+        <a:xfrm>
+          <a:off x="0" y="0"/>
+          <a:ext cx="0" cy="0"/>
+          <a:chOff x="0" y="0"/>
+          <a:chExt cx="0" cy="0"/>
+        </a:xfrm>
+      </p:grpSpPr>
+      <p:sp>
+        <p:nvSpPr>
+          <p:cNvPr id="2" name="Title 1">
+            <a:extLst>
+              <a:ext uri="{FF2B5EF4-FFF2-40B4-BE49-F238E27FC236}">
+                <a16:creationId xmlns:a16="http://schemas.microsoft.com/office/drawing/2014/main" id="{AE895FBA-7B3B-4385-B90B-CDC9A9CA8287}"/>
+              </a:ext>
+            </a:extLst>
+          </p:cNvPr>
+          <p:cNvSpPr>
+            <a:spLocks noGrp="1"/>
+          </p:cNvSpPr>
+          <p:nvPr>
+            <p:ph type="title"/>
+          </p:nvPr>
+        </p:nvSpPr>
+        <p:spPr/>
+        <p:txBody>
+          <a:bodyPr/>
+          <a:lstStyle/>
+          <a:p>
+            <a:r>
+              <a:rPr lang="en-GB" dirty="0"/>
+              <a:t>Debugger visualisers</a:t>
+            </a:r>
+          </a:p>
+        </p:txBody>
+      </p:sp>
+      <p:sp>
+        <p:nvSpPr>
+          <p:cNvPr id="3" name="Content Placeholder 2">
+            <a:extLst>
+              <a:ext uri="{FF2B5EF4-FFF2-40B4-BE49-F238E27FC236}">
+                <a16:creationId xmlns:a16="http://schemas.microsoft.com/office/drawing/2014/main" id="{FA2BD6E2-7C40-4DAF-A3D3-AA1425133291}"/>
+              </a:ext>
+            </a:extLst>
+          </p:cNvPr>
+          <p:cNvSpPr>
+            <a:spLocks noGrp="1"/>
+          </p:cNvSpPr>
+          <p:nvPr>
+            <p:ph idx="1"/>
+          </p:nvPr>
+        </p:nvSpPr>
+        <p:spPr/>
+        <p:txBody>
+          <a:bodyPr/>
+          <a:lstStyle/>
+          <a:p>
+            <a:r>
+              <a:rPr lang="en-GB" dirty="0"/>
+              <a:t>Some built in – xml, json, text, html</a:t>
+            </a:r>
+          </a:p>
+          <a:p>
+            <a:r>
+              <a:rPr lang="en-GB" dirty="0"/>
+              <a:t>Many in the market place</a:t>
+            </a:r>
+          </a:p>
+          <a:p>
+            <a:r>
+              <a:rPr lang="en-GB" dirty="0"/>
+              <a:t>Write your own (not in core)</a:t>
+            </a:r>
+          </a:p>
+        </p:txBody>
+      </p:sp>
+    </p:spTree>
+    <p:extLst>
+      <p:ext uri="{BB962C8B-B14F-4D97-AF65-F5344CB8AC3E}">
+        <p14:creationId xmlns:p14="http://schemas.microsoft.com/office/powerpoint/2010/main" val="3146689253"/>
+      </p:ext>
+    </p:extLst>
+  </p:cSld>
+  <p:clrMapOvr>
+    <a:masterClrMapping/>
+  </p:clrMapOvr>
+</p:sld>
+</file>
+
+<file path=ppt/slides/slide2.xml><?xml version="1.0" encoding="utf-8"?>
+<p:sld xmlns:a="http://schemas.openxmlformats.org/drawingml/2006/main" xmlns:r="http://schemas.openxmlformats.org/officeDocument/2006/relationships" xmlns:p="http://schemas.openxmlformats.org/presentationml/2006/main">
+  <p:cSld>
+    <p:spTree>
+      <p:nvGrpSpPr>
+        <p:cNvPr id="1" name=""/>
+        <p:cNvGrpSpPr/>
+        <p:nvPr/>
+      </p:nvGrpSpPr>
+      <p:grpSpPr>
+        <a:xfrm>
+          <a:off x="0" y="0"/>
+          <a:ext cx="0" cy="0"/>
+          <a:chOff x="0" y="0"/>
+          <a:chExt cx="0" cy="0"/>
+        </a:xfrm>
+      </p:grpSpPr>
+      <p:sp>
+        <p:nvSpPr>
+          <p:cNvPr id="2" name="Title 1">
+            <a:extLst>
+              <a:ext uri="{FF2B5EF4-FFF2-40B4-BE49-F238E27FC236}">
+                <a16:creationId xmlns:a16="http://schemas.microsoft.com/office/drawing/2014/main" id="{B0FC4137-9FF6-48B6-8C77-AB9062027FAD}"/>
+              </a:ext>
+            </a:extLst>
+          </p:cNvPr>
+          <p:cNvSpPr>
+            <a:spLocks noGrp="1"/>
+          </p:cNvSpPr>
+          <p:nvPr>
+            <p:ph type="title"/>
+          </p:nvPr>
+        </p:nvSpPr>
+        <p:spPr/>
+        <p:txBody>
+          <a:bodyPr/>
+          <a:lstStyle/>
+          <a:p>
+            <a:pPr algn="l"/>
+            <a:r>
+              <a:rPr lang="en-GB" dirty="0"/>
+              <a:t>Who am </a:t>
+            </a:r>
+            <a:r>
+              <a:rPr lang="en-GB" dirty="0" err="1"/>
+              <a:t>i</a:t>
+            </a:r>
+            <a:endParaRPr lang="en-GB" dirty="0"/>
+          </a:p>
+        </p:txBody>
+      </p:sp>
+      <p:sp>
+        <p:nvSpPr>
+          <p:cNvPr id="3" name="Content Placeholder 2">
+            <a:extLst>
+              <a:ext uri="{FF2B5EF4-FFF2-40B4-BE49-F238E27FC236}">
+                <a16:creationId xmlns:a16="http://schemas.microsoft.com/office/drawing/2014/main" id="{076ABADB-851A-4517-BD60-F5883C1CCB43}"/>
+              </a:ext>
+            </a:extLst>
+          </p:cNvPr>
+          <p:cNvSpPr>
+            <a:spLocks noGrp="1"/>
+          </p:cNvSpPr>
+          <p:nvPr>
+            <p:ph idx="1"/>
+          </p:nvPr>
+        </p:nvSpPr>
+        <p:spPr/>
+        <p:txBody>
+          <a:bodyPr/>
+          <a:lstStyle/>
+          <a:p>
+            <a:r>
+              <a:rPr lang="en-GB" dirty="0"/>
+              <a:t>Started full time work 1991</a:t>
+            </a:r>
+          </a:p>
+          <a:p>
+            <a:r>
+              <a:rPr lang="en-GB" dirty="0"/>
+              <a:t>Worked for Science, Travel, Management Consultancy, Finance, Medical, Education </a:t>
+            </a:r>
+          </a:p>
+          <a:p>
+            <a:r>
+              <a:rPr lang="en-GB" dirty="0"/>
+              <a:t>Programmed in COBOL, Fortran, Visual Basic 6, VB.net and C# as well as </a:t>
+            </a:r>
+            <a:r>
+              <a:rPr lang="en-GB" dirty="0" err="1"/>
+              <a:t>Sql</a:t>
+            </a:r>
+            <a:endParaRPr lang="en-GB" dirty="0"/>
+          </a:p>
+          <a:p>
+            <a:r>
+              <a:rPr lang="en-GB" dirty="0"/>
+              <a:t>C# since 2005</a:t>
+            </a:r>
+          </a:p>
+          <a:p>
+            <a:r>
+              <a:rPr lang="en-GB" dirty="0"/>
+              <a:t>Twitter @GBPhilipSutton</a:t>
+            </a:r>
+          </a:p>
+          <a:p>
+            <a:pPr marL="0" indent="0">
+              <a:buNone/>
+            </a:pPr>
+            <a:endParaRPr lang="en-GB" dirty="0"/>
+          </a:p>
+        </p:txBody>
+      </p:sp>
+    </p:spTree>
+    <p:extLst>
+      <p:ext uri="{BB962C8B-B14F-4D97-AF65-F5344CB8AC3E}">
+        <p14:creationId xmlns:p14="http://schemas.microsoft.com/office/powerpoint/2010/main" val="758523399"/>
+      </p:ext>
+    </p:extLst>
+  </p:cSld>
+  <p:clrMapOvr>
+    <a:masterClrMapping/>
+  </p:clrMapOvr>
+</p:sld>
+</file>
+
+<file path=ppt/slides/slide20.xml><?xml version="1.0" encoding="utf-8"?>
 <p:sld xmlns:a="http://schemas.openxmlformats.org/drawingml/2006/main" xmlns:r="http://schemas.openxmlformats.org/officeDocument/2006/relationships" xmlns:p="http://schemas.openxmlformats.org/presentationml/2006/main">
   <p:cSld>
     <p:spTree>
@@ -13856,7 +13106,7 @@
 </p:sld>
 </file>
 
-<file path=ppt/slides/slide28.xml><?xml version="1.0" encoding="utf-8"?>
+<file path=ppt/slides/slide21.xml><?xml version="1.0" encoding="utf-8"?>
 <p:sld xmlns:a="http://schemas.openxmlformats.org/drawingml/2006/main" xmlns:r="http://schemas.openxmlformats.org/officeDocument/2006/relationships" xmlns:p="http://schemas.openxmlformats.org/presentationml/2006/main">
   <p:cSld>
     <p:spTree>
@@ -14046,7 +13296,7 @@
 </p:sld>
 </file>
 
-<file path=ppt/slides/slide29.xml><?xml version="1.0" encoding="utf-8"?>
+<file path=ppt/slides/slide22.xml><?xml version="1.0" encoding="utf-8"?>
 <p:sld xmlns:a="http://schemas.openxmlformats.org/drawingml/2006/main" xmlns:r="http://schemas.openxmlformats.org/officeDocument/2006/relationships" xmlns:p="http://schemas.openxmlformats.org/presentationml/2006/main">
   <p:cSld>
     <p:spTree>
@@ -14141,6 +13391,794 @@
 </p:sld>
 </file>
 
+<file path=ppt/slides/slide23.xml><?xml version="1.0" encoding="utf-8"?>
+<p:sld xmlns:a="http://schemas.openxmlformats.org/drawingml/2006/main" xmlns:r="http://schemas.openxmlformats.org/officeDocument/2006/relationships" xmlns:p="http://schemas.openxmlformats.org/presentationml/2006/main">
+  <p:cSld>
+    <p:spTree>
+      <p:nvGrpSpPr>
+        <p:cNvPr id="1" name=""/>
+        <p:cNvGrpSpPr/>
+        <p:nvPr/>
+      </p:nvGrpSpPr>
+      <p:grpSpPr>
+        <a:xfrm>
+          <a:off x="0" y="0"/>
+          <a:ext cx="0" cy="0"/>
+          <a:chOff x="0" y="0"/>
+          <a:chExt cx="0" cy="0"/>
+        </a:xfrm>
+      </p:grpSpPr>
+      <p:sp>
+        <p:nvSpPr>
+          <p:cNvPr id="2" name="Title 1">
+            <a:extLst>
+              <a:ext uri="{FF2B5EF4-FFF2-40B4-BE49-F238E27FC236}">
+                <a16:creationId xmlns:a16="http://schemas.microsoft.com/office/drawing/2014/main" id="{2C84231B-0912-4D42-8E7F-A3A732B453ED}"/>
+              </a:ext>
+            </a:extLst>
+          </p:cNvPr>
+          <p:cNvSpPr>
+            <a:spLocks noGrp="1"/>
+          </p:cNvSpPr>
+          <p:nvPr>
+            <p:ph type="title"/>
+          </p:nvPr>
+        </p:nvSpPr>
+        <p:spPr/>
+        <p:txBody>
+          <a:bodyPr/>
+          <a:lstStyle/>
+          <a:p>
+            <a:pPr algn="ctr"/>
+            <a:r>
+              <a:rPr lang="en-GB" dirty="0"/>
+              <a:t>Multithreading windows</a:t>
+            </a:r>
+            <a:br>
+              <a:rPr lang="en-GB" dirty="0"/>
+            </a:br>
+            <a:r>
+              <a:rPr lang="en-GB" dirty="0"/>
+              <a:t>parallel watch</a:t>
+            </a:r>
+          </a:p>
+        </p:txBody>
+      </p:sp>
+      <p:pic>
+        <p:nvPicPr>
+          <p:cNvPr id="5" name="Content Placeholder 4">
+            <a:extLst>
+              <a:ext uri="{FF2B5EF4-FFF2-40B4-BE49-F238E27FC236}">
+                <a16:creationId xmlns:a16="http://schemas.microsoft.com/office/drawing/2014/main" id="{85E4DA72-8CCE-40C5-A245-5DAF02A98CD9}"/>
+              </a:ext>
+            </a:extLst>
+          </p:cNvPr>
+          <p:cNvPicPr>
+            <a:picLocks noGrp="1" noChangeAspect="1"/>
+          </p:cNvPicPr>
+          <p:nvPr>
+            <p:ph idx="1"/>
+          </p:nvPr>
+        </p:nvPicPr>
+        <p:blipFill>
+          <a:blip r:embed="rId3"/>
+          <a:stretch>
+            <a:fillRect/>
+          </a:stretch>
+        </p:blipFill>
+        <p:spPr>
+          <a:xfrm>
+            <a:off x="315039" y="2271486"/>
+            <a:ext cx="11421327" cy="3822141"/>
+          </a:xfrm>
+        </p:spPr>
+      </p:pic>
+    </p:spTree>
+    <p:extLst>
+      <p:ext uri="{BB962C8B-B14F-4D97-AF65-F5344CB8AC3E}">
+        <p14:creationId xmlns:p14="http://schemas.microsoft.com/office/powerpoint/2010/main" val="194680150"/>
+      </p:ext>
+    </p:extLst>
+  </p:cSld>
+  <p:clrMapOvr>
+    <a:masterClrMapping/>
+  </p:clrMapOvr>
+</p:sld>
+</file>
+
+<file path=ppt/slides/slide24.xml><?xml version="1.0" encoding="utf-8"?>
+<p:sld xmlns:a="http://schemas.openxmlformats.org/drawingml/2006/main" xmlns:r="http://schemas.openxmlformats.org/officeDocument/2006/relationships" xmlns:p="http://schemas.openxmlformats.org/presentationml/2006/main">
+  <p:cSld>
+    <p:spTree>
+      <p:nvGrpSpPr>
+        <p:cNvPr id="1" name=""/>
+        <p:cNvGrpSpPr/>
+        <p:nvPr/>
+      </p:nvGrpSpPr>
+      <p:grpSpPr>
+        <a:xfrm>
+          <a:off x="0" y="0"/>
+          <a:ext cx="0" cy="0"/>
+          <a:chOff x="0" y="0"/>
+          <a:chExt cx="0" cy="0"/>
+        </a:xfrm>
+      </p:grpSpPr>
+      <p:sp>
+        <p:nvSpPr>
+          <p:cNvPr id="2" name="Title 1">
+            <a:extLst>
+              <a:ext uri="{FF2B5EF4-FFF2-40B4-BE49-F238E27FC236}">
+                <a16:creationId xmlns:a16="http://schemas.microsoft.com/office/drawing/2014/main" id="{A9BAB78E-7D91-4FE0-8ABF-10B63DB74EF8}"/>
+              </a:ext>
+            </a:extLst>
+          </p:cNvPr>
+          <p:cNvSpPr>
+            <a:spLocks noGrp="1"/>
+          </p:cNvSpPr>
+          <p:nvPr>
+            <p:ph type="title"/>
+          </p:nvPr>
+        </p:nvSpPr>
+        <p:spPr/>
+        <p:txBody>
+          <a:bodyPr/>
+          <a:lstStyle/>
+          <a:p>
+            <a:r>
+              <a:rPr lang="en-GB" dirty="0"/>
+              <a:t>Debugging Attributes</a:t>
+            </a:r>
+          </a:p>
+        </p:txBody>
+      </p:sp>
+      <p:sp>
+        <p:nvSpPr>
+          <p:cNvPr id="3" name="Content Placeholder 2">
+            <a:extLst>
+              <a:ext uri="{FF2B5EF4-FFF2-40B4-BE49-F238E27FC236}">
+                <a16:creationId xmlns:a16="http://schemas.microsoft.com/office/drawing/2014/main" id="{B793ACA1-0694-48E5-A722-E57569BB3C04}"/>
+              </a:ext>
+            </a:extLst>
+          </p:cNvPr>
+          <p:cNvSpPr>
+            <a:spLocks noGrp="1"/>
+          </p:cNvSpPr>
+          <p:nvPr>
+            <p:ph idx="1"/>
+          </p:nvPr>
+        </p:nvSpPr>
+        <p:spPr/>
+        <p:txBody>
+          <a:bodyPr/>
+          <a:lstStyle/>
+          <a:p>
+            <a:r>
+              <a:rPr lang="en-GB" dirty="0"/>
+              <a:t>Debugger Display</a:t>
+            </a:r>
+          </a:p>
+          <a:p>
+            <a:r>
+              <a:rPr lang="en-GB" dirty="0"/>
+              <a:t>Debugger Browsable</a:t>
+            </a:r>
+          </a:p>
+          <a:p>
+            <a:r>
+              <a:rPr lang="en-GB" dirty="0"/>
+              <a:t>Debugger Type Proxy</a:t>
+            </a:r>
+          </a:p>
+          <a:p>
+            <a:pPr marL="0" indent="0">
+              <a:buNone/>
+            </a:pPr>
+            <a:endParaRPr lang="en-GB" dirty="0"/>
+          </a:p>
+          <a:p>
+            <a:pPr marL="0" indent="0">
+              <a:buNone/>
+            </a:pPr>
+            <a:endParaRPr lang="en-GB" dirty="0"/>
+          </a:p>
+        </p:txBody>
+      </p:sp>
+    </p:spTree>
+    <p:extLst>
+      <p:ext uri="{BB962C8B-B14F-4D97-AF65-F5344CB8AC3E}">
+        <p14:creationId xmlns:p14="http://schemas.microsoft.com/office/powerpoint/2010/main" val="2151647601"/>
+      </p:ext>
+    </p:extLst>
+  </p:cSld>
+  <p:clrMapOvr>
+    <a:masterClrMapping/>
+  </p:clrMapOvr>
+</p:sld>
+</file>
+
+<file path=ppt/slides/slide25.xml><?xml version="1.0" encoding="utf-8"?>
+<p:sld xmlns:a="http://schemas.openxmlformats.org/drawingml/2006/main" xmlns:r="http://schemas.openxmlformats.org/officeDocument/2006/relationships" xmlns:p="http://schemas.openxmlformats.org/presentationml/2006/main">
+  <p:cSld>
+    <p:spTree>
+      <p:nvGrpSpPr>
+        <p:cNvPr id="1" name=""/>
+        <p:cNvGrpSpPr/>
+        <p:nvPr/>
+      </p:nvGrpSpPr>
+      <p:grpSpPr>
+        <a:xfrm>
+          <a:off x="0" y="0"/>
+          <a:ext cx="0" cy="0"/>
+          <a:chOff x="0" y="0"/>
+          <a:chExt cx="0" cy="0"/>
+        </a:xfrm>
+      </p:grpSpPr>
+      <p:sp>
+        <p:nvSpPr>
+          <p:cNvPr id="2" name="Title 1">
+            <a:extLst>
+              <a:ext uri="{FF2B5EF4-FFF2-40B4-BE49-F238E27FC236}">
+                <a16:creationId xmlns:a16="http://schemas.microsoft.com/office/drawing/2014/main" id="{1A9E5587-930B-4D12-AF04-93B5365EE5A0}"/>
+              </a:ext>
+            </a:extLst>
+          </p:cNvPr>
+          <p:cNvSpPr>
+            <a:spLocks noGrp="1"/>
+          </p:cNvSpPr>
+          <p:nvPr>
+            <p:ph type="title"/>
+          </p:nvPr>
+        </p:nvSpPr>
+        <p:spPr/>
+        <p:txBody>
+          <a:bodyPr/>
+          <a:lstStyle/>
+          <a:p>
+            <a:r>
+              <a:rPr lang="en-GB" dirty="0" err="1"/>
+              <a:t>DebuggerDisplay</a:t>
+            </a:r>
+            <a:endParaRPr lang="en-GB" dirty="0"/>
+          </a:p>
+        </p:txBody>
+      </p:sp>
+      <p:pic>
+        <p:nvPicPr>
+          <p:cNvPr id="3" name="Picture 2">
+            <a:extLst>
+              <a:ext uri="{FF2B5EF4-FFF2-40B4-BE49-F238E27FC236}">
+                <a16:creationId xmlns:a16="http://schemas.microsoft.com/office/drawing/2014/main" id="{3F32B2D2-CF53-4275-83C6-2C8E3E4E8CE7}"/>
+              </a:ext>
+            </a:extLst>
+          </p:cNvPr>
+          <p:cNvPicPr>
+            <a:picLocks noChangeAspect="1"/>
+          </p:cNvPicPr>
+          <p:nvPr/>
+        </p:nvPicPr>
+        <p:blipFill>
+          <a:blip r:embed="rId3"/>
+          <a:stretch>
+            <a:fillRect/>
+          </a:stretch>
+        </p:blipFill>
+        <p:spPr>
+          <a:xfrm>
+            <a:off x="157162" y="2338387"/>
+            <a:ext cx="11877675" cy="2181225"/>
+          </a:xfrm>
+          <a:prstGeom prst="rect">
+            <a:avLst/>
+          </a:prstGeom>
+        </p:spPr>
+      </p:pic>
+      <p:sp>
+        <p:nvSpPr>
+          <p:cNvPr id="5" name="Content Placeholder 4">
+            <a:extLst>
+              <a:ext uri="{FF2B5EF4-FFF2-40B4-BE49-F238E27FC236}">
+                <a16:creationId xmlns:a16="http://schemas.microsoft.com/office/drawing/2014/main" id="{06F36574-1391-4549-BC06-40AE98811409}"/>
+              </a:ext>
+            </a:extLst>
+          </p:cNvPr>
+          <p:cNvSpPr>
+            <a:spLocks noGrp="1"/>
+          </p:cNvSpPr>
+          <p:nvPr>
+            <p:ph idx="1"/>
+          </p:nvPr>
+        </p:nvSpPr>
+        <p:spPr/>
+        <p:txBody>
+          <a:bodyPr/>
+          <a:lstStyle/>
+          <a:p>
+            <a:endParaRPr lang="en-GB" dirty="0"/>
+          </a:p>
+        </p:txBody>
+      </p:sp>
+    </p:spTree>
+    <p:extLst>
+      <p:ext uri="{BB962C8B-B14F-4D97-AF65-F5344CB8AC3E}">
+        <p14:creationId xmlns:p14="http://schemas.microsoft.com/office/powerpoint/2010/main" val="3807669585"/>
+      </p:ext>
+    </p:extLst>
+  </p:cSld>
+  <p:clrMapOvr>
+    <a:masterClrMapping/>
+  </p:clrMapOvr>
+</p:sld>
+</file>
+
+<file path=ppt/slides/slide26.xml><?xml version="1.0" encoding="utf-8"?>
+<p:sld xmlns:a="http://schemas.openxmlformats.org/drawingml/2006/main" xmlns:r="http://schemas.openxmlformats.org/officeDocument/2006/relationships" xmlns:p="http://schemas.openxmlformats.org/presentationml/2006/main">
+  <p:cSld>
+    <p:spTree>
+      <p:nvGrpSpPr>
+        <p:cNvPr id="1" name=""/>
+        <p:cNvGrpSpPr/>
+        <p:nvPr/>
+      </p:nvGrpSpPr>
+      <p:grpSpPr>
+        <a:xfrm>
+          <a:off x="0" y="0"/>
+          <a:ext cx="0" cy="0"/>
+          <a:chOff x="0" y="0"/>
+          <a:chExt cx="0" cy="0"/>
+        </a:xfrm>
+      </p:grpSpPr>
+      <p:sp>
+        <p:nvSpPr>
+          <p:cNvPr id="2" name="Title 1">
+            <a:extLst>
+              <a:ext uri="{FF2B5EF4-FFF2-40B4-BE49-F238E27FC236}">
+                <a16:creationId xmlns:a16="http://schemas.microsoft.com/office/drawing/2014/main" id="{9BA1DE38-4D2F-43E5-90DB-AEC87DF56D8E}"/>
+              </a:ext>
+            </a:extLst>
+          </p:cNvPr>
+          <p:cNvSpPr>
+            <a:spLocks noGrp="1"/>
+          </p:cNvSpPr>
+          <p:nvPr>
+            <p:ph type="title"/>
+          </p:nvPr>
+        </p:nvSpPr>
+        <p:spPr/>
+        <p:txBody>
+          <a:bodyPr/>
+          <a:lstStyle/>
+          <a:p>
+            <a:r>
+              <a:rPr lang="en-GB" dirty="0" err="1"/>
+              <a:t>debuggerdisplay</a:t>
+            </a:r>
+            <a:endParaRPr lang="en-GB" dirty="0"/>
+          </a:p>
+        </p:txBody>
+      </p:sp>
+      <p:sp>
+        <p:nvSpPr>
+          <p:cNvPr id="3" name="Content Placeholder 2">
+            <a:extLst>
+              <a:ext uri="{FF2B5EF4-FFF2-40B4-BE49-F238E27FC236}">
+                <a16:creationId xmlns:a16="http://schemas.microsoft.com/office/drawing/2014/main" id="{E59AC3BA-CFE0-4A8E-ACC8-26CCFBAC9A58}"/>
+              </a:ext>
+            </a:extLst>
+          </p:cNvPr>
+          <p:cNvSpPr>
+            <a:spLocks noGrp="1"/>
+          </p:cNvSpPr>
+          <p:nvPr>
+            <p:ph idx="1"/>
+          </p:nvPr>
+        </p:nvSpPr>
+        <p:spPr/>
+        <p:txBody>
+          <a:bodyPr/>
+          <a:lstStyle/>
+          <a:p>
+            <a:r>
+              <a:rPr lang="en-GB" dirty="0"/>
+              <a:t> [</a:t>
+            </a:r>
+            <a:r>
+              <a:rPr lang="en-GB" dirty="0" err="1"/>
+              <a:t>DebuggerDisplay</a:t>
+            </a:r>
+            <a:r>
+              <a:rPr lang="en-GB" dirty="0"/>
+              <a:t>("Name =  {Name}")]</a:t>
+            </a:r>
+          </a:p>
+          <a:p>
+            <a:r>
+              <a:rPr lang="en-GB" dirty="0"/>
+              <a:t>    public class Person</a:t>
+            </a:r>
+          </a:p>
+          <a:p>
+            <a:r>
+              <a:rPr lang="en-GB" dirty="0"/>
+              <a:t>    {</a:t>
+            </a:r>
+          </a:p>
+          <a:p>
+            <a:r>
+              <a:rPr lang="en-GB" dirty="0"/>
+              <a:t>        public string Name { get; set; }</a:t>
+            </a:r>
+          </a:p>
+          <a:p>
+            <a:r>
+              <a:rPr lang="en-GB" dirty="0"/>
+              <a:t>        public int Age { get; set; }</a:t>
+            </a:r>
+          </a:p>
+          <a:p>
+            <a:r>
+              <a:rPr lang="en-GB" dirty="0"/>
+              <a:t>    }</a:t>
+            </a:r>
+          </a:p>
+        </p:txBody>
+      </p:sp>
+    </p:spTree>
+    <p:extLst>
+      <p:ext uri="{BB962C8B-B14F-4D97-AF65-F5344CB8AC3E}">
+        <p14:creationId xmlns:p14="http://schemas.microsoft.com/office/powerpoint/2010/main" val="1254375344"/>
+      </p:ext>
+    </p:extLst>
+  </p:cSld>
+  <p:clrMapOvr>
+    <a:masterClrMapping/>
+  </p:clrMapOvr>
+</p:sld>
+</file>
+
+<file path=ppt/slides/slide27.xml><?xml version="1.0" encoding="utf-8"?>
+<p:sld xmlns:a="http://schemas.openxmlformats.org/drawingml/2006/main" xmlns:r="http://schemas.openxmlformats.org/officeDocument/2006/relationships" xmlns:p="http://schemas.openxmlformats.org/presentationml/2006/main">
+  <p:cSld>
+    <p:spTree>
+      <p:nvGrpSpPr>
+        <p:cNvPr id="1" name=""/>
+        <p:cNvGrpSpPr/>
+        <p:nvPr/>
+      </p:nvGrpSpPr>
+      <p:grpSpPr>
+        <a:xfrm>
+          <a:off x="0" y="0"/>
+          <a:ext cx="0" cy="0"/>
+          <a:chOff x="0" y="0"/>
+          <a:chExt cx="0" cy="0"/>
+        </a:xfrm>
+      </p:grpSpPr>
+      <p:sp>
+        <p:nvSpPr>
+          <p:cNvPr id="2" name="Title 1">
+            <a:extLst>
+              <a:ext uri="{FF2B5EF4-FFF2-40B4-BE49-F238E27FC236}">
+                <a16:creationId xmlns:a16="http://schemas.microsoft.com/office/drawing/2014/main" id="{C0D134BE-9033-4EF6-8EE5-323CD0AE20B0}"/>
+              </a:ext>
+            </a:extLst>
+          </p:cNvPr>
+          <p:cNvSpPr>
+            <a:spLocks noGrp="1"/>
+          </p:cNvSpPr>
+          <p:nvPr>
+            <p:ph type="title"/>
+          </p:nvPr>
+        </p:nvSpPr>
+        <p:spPr/>
+        <p:txBody>
+          <a:bodyPr/>
+          <a:lstStyle/>
+          <a:p>
+            <a:r>
+              <a:rPr lang="en-GB" dirty="0" err="1"/>
+              <a:t>Debuggerdisplay</a:t>
+            </a:r>
+            <a:endParaRPr lang="en-GB" dirty="0"/>
+          </a:p>
+        </p:txBody>
+      </p:sp>
+      <p:sp>
+        <p:nvSpPr>
+          <p:cNvPr id="4" name="Content Placeholder 3">
+            <a:extLst>
+              <a:ext uri="{FF2B5EF4-FFF2-40B4-BE49-F238E27FC236}">
+                <a16:creationId xmlns:a16="http://schemas.microsoft.com/office/drawing/2014/main" id="{03F6EFF9-A1FE-426F-BCE9-EE8CD27AC15A}"/>
+              </a:ext>
+            </a:extLst>
+          </p:cNvPr>
+          <p:cNvSpPr>
+            <a:spLocks noGrp="1"/>
+          </p:cNvSpPr>
+          <p:nvPr>
+            <p:ph idx="1"/>
+          </p:nvPr>
+        </p:nvSpPr>
+        <p:spPr/>
+        <p:txBody>
+          <a:bodyPr/>
+          <a:lstStyle/>
+          <a:p>
+            <a:endParaRPr lang="en-GB"/>
+          </a:p>
+        </p:txBody>
+      </p:sp>
+      <p:pic>
+        <p:nvPicPr>
+          <p:cNvPr id="6" name="Picture 5">
+            <a:extLst>
+              <a:ext uri="{FF2B5EF4-FFF2-40B4-BE49-F238E27FC236}">
+                <a16:creationId xmlns:a16="http://schemas.microsoft.com/office/drawing/2014/main" id="{931E09AB-C21C-4C05-8EF2-0F3B92E96A20}"/>
+              </a:ext>
+            </a:extLst>
+          </p:cNvPr>
+          <p:cNvPicPr>
+            <a:picLocks noChangeAspect="1"/>
+          </p:cNvPicPr>
+          <p:nvPr/>
+        </p:nvPicPr>
+        <p:blipFill>
+          <a:blip r:embed="rId3"/>
+          <a:stretch>
+            <a:fillRect/>
+          </a:stretch>
+        </p:blipFill>
+        <p:spPr>
+          <a:xfrm>
+            <a:off x="747712" y="2305050"/>
+            <a:ext cx="10696575" cy="2247900"/>
+          </a:xfrm>
+          <a:prstGeom prst="rect">
+            <a:avLst/>
+          </a:prstGeom>
+        </p:spPr>
+      </p:pic>
+    </p:spTree>
+    <p:extLst>
+      <p:ext uri="{BB962C8B-B14F-4D97-AF65-F5344CB8AC3E}">
+        <p14:creationId xmlns:p14="http://schemas.microsoft.com/office/powerpoint/2010/main" val="4007249075"/>
+      </p:ext>
+    </p:extLst>
+  </p:cSld>
+  <p:clrMapOvr>
+    <a:masterClrMapping/>
+  </p:clrMapOvr>
+</p:sld>
+</file>
+
+<file path=ppt/slides/slide28.xml><?xml version="1.0" encoding="utf-8"?>
+<p:sld xmlns:a="http://schemas.openxmlformats.org/drawingml/2006/main" xmlns:r="http://schemas.openxmlformats.org/officeDocument/2006/relationships" xmlns:p="http://schemas.openxmlformats.org/presentationml/2006/main">
+  <p:cSld>
+    <p:spTree>
+      <p:nvGrpSpPr>
+        <p:cNvPr id="1" name=""/>
+        <p:cNvGrpSpPr/>
+        <p:nvPr/>
+      </p:nvGrpSpPr>
+      <p:grpSpPr>
+        <a:xfrm>
+          <a:off x="0" y="0"/>
+          <a:ext cx="0" cy="0"/>
+          <a:chOff x="0" y="0"/>
+          <a:chExt cx="0" cy="0"/>
+        </a:xfrm>
+      </p:grpSpPr>
+      <p:sp>
+        <p:nvSpPr>
+          <p:cNvPr id="2" name="Title 1">
+            <a:extLst>
+              <a:ext uri="{FF2B5EF4-FFF2-40B4-BE49-F238E27FC236}">
+                <a16:creationId xmlns:a16="http://schemas.microsoft.com/office/drawing/2014/main" id="{06E40F86-9E0E-4B2F-BFC3-C9D1C3E74BC8}"/>
+              </a:ext>
+            </a:extLst>
+          </p:cNvPr>
+          <p:cNvSpPr>
+            <a:spLocks noGrp="1"/>
+          </p:cNvSpPr>
+          <p:nvPr>
+            <p:ph type="title"/>
+          </p:nvPr>
+        </p:nvSpPr>
+        <p:spPr/>
+        <p:txBody>
+          <a:bodyPr/>
+          <a:lstStyle/>
+          <a:p>
+            <a:r>
+              <a:rPr lang="en-GB" dirty="0" err="1"/>
+              <a:t>Debuggerbrowsable</a:t>
+            </a:r>
+            <a:endParaRPr lang="en-GB" dirty="0"/>
+          </a:p>
+        </p:txBody>
+      </p:sp>
+      <p:pic>
+        <p:nvPicPr>
+          <p:cNvPr id="4" name="Content Placeholder 3">
+            <a:extLst>
+              <a:ext uri="{FF2B5EF4-FFF2-40B4-BE49-F238E27FC236}">
+                <a16:creationId xmlns:a16="http://schemas.microsoft.com/office/drawing/2014/main" id="{1FBC66ED-434E-4C35-B429-E44FF700F214}"/>
+              </a:ext>
+            </a:extLst>
+          </p:cNvPr>
+          <p:cNvPicPr>
+            <a:picLocks noGrp="1" noChangeAspect="1"/>
+          </p:cNvPicPr>
+          <p:nvPr>
+            <p:ph idx="1"/>
+          </p:nvPr>
+        </p:nvPicPr>
+        <p:blipFill>
+          <a:blip r:embed="rId3"/>
+          <a:stretch>
+            <a:fillRect/>
+          </a:stretch>
+        </p:blipFill>
+        <p:spPr>
+          <a:xfrm>
+            <a:off x="194115" y="2300748"/>
+            <a:ext cx="11748674" cy="3792879"/>
+          </a:xfrm>
+          <a:prstGeom prst="rect">
+            <a:avLst/>
+          </a:prstGeom>
+        </p:spPr>
+      </p:pic>
+      <mc:AlternateContent xmlns:mc="http://schemas.openxmlformats.org/markup-compatibility/2006" xmlns:p14="http://schemas.microsoft.com/office/powerpoint/2010/main">
+        <mc:Choice Requires="p14">
+          <p:contentPart p14:bwMode="auto" r:id="rId4">
+            <p14:nvContentPartPr>
+              <p14:cNvPr id="5" name="Ink 4">
+                <a:extLst>
+                  <a:ext uri="{FF2B5EF4-FFF2-40B4-BE49-F238E27FC236}">
+                    <a16:creationId xmlns:a16="http://schemas.microsoft.com/office/drawing/2014/main" id="{315471FC-B772-4C30-82B3-BF876DAFD125}"/>
+                  </a:ext>
+                </a:extLst>
+              </p14:cNvPr>
+              <p14:cNvContentPartPr/>
+              <p14:nvPr/>
+            </p14:nvContentPartPr>
+            <p14:xfrm>
+              <a:off x="2555163" y="4887742"/>
+              <a:ext cx="28800" cy="38880"/>
+            </p14:xfrm>
+          </p:contentPart>
+        </mc:Choice>
+        <mc:Fallback xmlns="">
+          <p:pic>
+            <p:nvPicPr>
+              <p:cNvPr id="5" name="Ink 4">
+                <a:extLst>
+                  <a:ext uri="{FF2B5EF4-FFF2-40B4-BE49-F238E27FC236}">
+                    <a16:creationId xmlns:a16="http://schemas.microsoft.com/office/drawing/2014/main" id="{315471FC-B772-4C30-82B3-BF876DAFD125}"/>
+                  </a:ext>
+                </a:extLst>
+              </p:cNvPr>
+              <p:cNvPicPr/>
+              <p:nvPr/>
+            </p:nvPicPr>
+            <p:blipFill>
+              <a:blip r:embed="rId5"/>
+              <a:stretch>
+                <a:fillRect/>
+              </a:stretch>
+            </p:blipFill>
+            <p:spPr>
+              <a:xfrm>
+                <a:off x="2501163" y="4779742"/>
+                <a:ext cx="136440" cy="254520"/>
+              </a:xfrm>
+              <a:prstGeom prst="rect">
+                <a:avLst/>
+              </a:prstGeom>
+            </p:spPr>
+          </p:pic>
+        </mc:Fallback>
+      </mc:AlternateContent>
+    </p:spTree>
+    <p:extLst>
+      <p:ext uri="{BB962C8B-B14F-4D97-AF65-F5344CB8AC3E}">
+        <p14:creationId xmlns:p14="http://schemas.microsoft.com/office/powerpoint/2010/main" val="218420354"/>
+      </p:ext>
+    </p:extLst>
+  </p:cSld>
+  <p:clrMapOvr>
+    <a:masterClrMapping/>
+  </p:clrMapOvr>
+</p:sld>
+</file>
+
+<file path=ppt/slides/slide29.xml><?xml version="1.0" encoding="utf-8"?>
+<p:sld xmlns:a="http://schemas.openxmlformats.org/drawingml/2006/main" xmlns:r="http://schemas.openxmlformats.org/officeDocument/2006/relationships" xmlns:p="http://schemas.openxmlformats.org/presentationml/2006/main">
+  <p:cSld>
+    <p:spTree>
+      <p:nvGrpSpPr>
+        <p:cNvPr id="1" name=""/>
+        <p:cNvGrpSpPr/>
+        <p:nvPr/>
+      </p:nvGrpSpPr>
+      <p:grpSpPr>
+        <a:xfrm>
+          <a:off x="0" y="0"/>
+          <a:ext cx="0" cy="0"/>
+          <a:chOff x="0" y="0"/>
+          <a:chExt cx="0" cy="0"/>
+        </a:xfrm>
+      </p:grpSpPr>
+      <p:sp>
+        <p:nvSpPr>
+          <p:cNvPr id="2" name="Title 1">
+            <a:extLst>
+              <a:ext uri="{FF2B5EF4-FFF2-40B4-BE49-F238E27FC236}">
+                <a16:creationId xmlns:a16="http://schemas.microsoft.com/office/drawing/2014/main" id="{80853255-A5C9-4608-8617-BB89E5F23862}"/>
+              </a:ext>
+            </a:extLst>
+          </p:cNvPr>
+          <p:cNvSpPr>
+            <a:spLocks noGrp="1"/>
+          </p:cNvSpPr>
+          <p:nvPr>
+            <p:ph type="title"/>
+          </p:nvPr>
+        </p:nvSpPr>
+        <p:spPr/>
+        <p:txBody>
+          <a:bodyPr/>
+          <a:lstStyle/>
+          <a:p>
+            <a:r>
+              <a:rPr lang="en-GB" dirty="0" err="1"/>
+              <a:t>Debuggerbrowsable</a:t>
+            </a:r>
+            <a:endParaRPr lang="en-GB" dirty="0"/>
+          </a:p>
+        </p:txBody>
+      </p:sp>
+      <p:pic>
+        <p:nvPicPr>
+          <p:cNvPr id="5" name="Content Placeholder 4">
+            <a:extLst>
+              <a:ext uri="{FF2B5EF4-FFF2-40B4-BE49-F238E27FC236}">
+                <a16:creationId xmlns:a16="http://schemas.microsoft.com/office/drawing/2014/main" id="{0E61C0F6-21B7-4083-B79F-3AE12F128A07}"/>
+              </a:ext>
+            </a:extLst>
+          </p:cNvPr>
+          <p:cNvPicPr>
+            <a:picLocks noGrp="1" noChangeAspect="1"/>
+          </p:cNvPicPr>
+          <p:nvPr>
+            <p:ph idx="1"/>
+          </p:nvPr>
+        </p:nvPicPr>
+        <p:blipFill>
+          <a:blip r:embed="rId3"/>
+          <a:stretch>
+            <a:fillRect/>
+          </a:stretch>
+        </p:blipFill>
+        <p:spPr>
+          <a:xfrm>
+            <a:off x="654078" y="2693980"/>
+            <a:ext cx="11013789" cy="1670852"/>
+          </a:xfrm>
+        </p:spPr>
+      </p:pic>
+    </p:spTree>
+    <p:extLst>
+      <p:ext uri="{BB962C8B-B14F-4D97-AF65-F5344CB8AC3E}">
+        <p14:creationId xmlns:p14="http://schemas.microsoft.com/office/powerpoint/2010/main" val="3577485073"/>
+      </p:ext>
+    </p:extLst>
+  </p:cSld>
+  <p:clrMapOvr>
+    <a:masterClrMapping/>
+  </p:clrMapOvr>
+</p:sld>
+</file>
+
 <file path=ppt/slides/slide3.xml><?xml version="1.0" encoding="utf-8"?>
 <p:sld xmlns:a="http://schemas.openxmlformats.org/drawingml/2006/main" xmlns:r="http://schemas.openxmlformats.org/officeDocument/2006/relationships" xmlns:p="http://schemas.openxmlformats.org/presentationml/2006/main">
   <p:cSld>
@@ -14216,7 +14254,7 @@
           <a:p>
             <a:r>
               <a:rPr lang="en-GB" dirty="0"/>
-              <a:t>Debugging Attributes</a:t>
+              <a:t>Debugging Windows</a:t>
             </a:r>
           </a:p>
           <a:p>
@@ -14229,8 +14267,13 @@
           <a:p>
             <a:r>
               <a:rPr lang="en-GB" dirty="0"/>
-              <a:t>Debugging Windows</a:t>
-            </a:r>
+              <a:t>Debugging </a:t>
+            </a:r>
+            <a:r>
+              <a:rPr lang="en-GB" dirty="0" err="1"/>
+              <a:t>Attrbutes</a:t>
+            </a:r>
+            <a:endParaRPr lang="en-GB" dirty="0"/>
           </a:p>
           <a:p>
             <a:r>
@@ -14724,7 +14767,7 @@
           <p:cNvPr id="2" name="Title 1">
             <a:extLst>
               <a:ext uri="{FF2B5EF4-FFF2-40B4-BE49-F238E27FC236}">
-                <a16:creationId xmlns:a16="http://schemas.microsoft.com/office/drawing/2014/main" id="{2C84231B-0912-4D42-8E7F-A3A732B453ED}"/>
+                <a16:creationId xmlns:a16="http://schemas.microsoft.com/office/drawing/2014/main" id="{DC5890D9-08D8-4319-8062-25BD0E3A39EC}"/>
               </a:ext>
             </a:extLst>
           </p:cNvPr>
@@ -14740,36 +14783,58 @@
           <a:bodyPr/>
           <a:lstStyle/>
           <a:p>
-            <a:pPr algn="ctr"/>
-            <a:r>
-              <a:rPr lang="en-GB" dirty="0"/>
-              <a:t>Multithreading windows</a:t>
-            </a:r>
-            <a:br>
-              <a:rPr lang="en-GB" dirty="0"/>
-            </a:br>
-            <a:r>
-              <a:rPr lang="en-GB" dirty="0"/>
-              <a:t>parallel watch</a:t>
-            </a:r>
+            <a:r>
+              <a:rPr lang="en-GB" dirty="0" err="1"/>
+              <a:t>DebuggerBrowsable</a:t>
+            </a:r>
+            <a:endParaRPr lang="en-GB" dirty="0"/>
+          </a:p>
+        </p:txBody>
+      </p:sp>
+      <p:sp>
+        <p:nvSpPr>
+          <p:cNvPr id="3" name="Content Placeholder 2">
+            <a:extLst>
+              <a:ext uri="{FF2B5EF4-FFF2-40B4-BE49-F238E27FC236}">
+                <a16:creationId xmlns:a16="http://schemas.microsoft.com/office/drawing/2014/main" id="{08DF0A76-1663-497A-84E0-3164D5F747F3}"/>
+              </a:ext>
+            </a:extLst>
+          </p:cNvPr>
+          <p:cNvSpPr>
+            <a:spLocks noGrp="1"/>
+          </p:cNvSpPr>
+          <p:nvPr>
+            <p:ph idx="1"/>
+          </p:nvPr>
+        </p:nvSpPr>
+        <p:spPr/>
+        <p:txBody>
+          <a:bodyPr/>
+          <a:lstStyle/>
+          <a:p>
+            <a:r>
+              <a:rPr lang="en-GB" dirty="0"/>
+              <a:t>Never</a:t>
+            </a:r>
+          </a:p>
+          <a:p>
+            <a:endParaRPr lang="en-GB" dirty="0"/>
           </a:p>
         </p:txBody>
       </p:sp>
       <p:pic>
         <p:nvPicPr>
-          <p:cNvPr id="5" name="Content Placeholder 4">
+          <p:cNvPr id="5" name="Picture 4">
             <a:extLst>
               <a:ext uri="{FF2B5EF4-FFF2-40B4-BE49-F238E27FC236}">
-                <a16:creationId xmlns:a16="http://schemas.microsoft.com/office/drawing/2014/main" id="{85E4DA72-8CCE-40C5-A245-5DAF02A98CD9}"/>
+                <a16:creationId xmlns:a16="http://schemas.microsoft.com/office/drawing/2014/main" id="{FD48A3E2-D243-48B4-ABF7-747F661C8457}"/>
               </a:ext>
             </a:extLst>
           </p:cNvPr>
           <p:cNvPicPr>
-            <a:picLocks noGrp="1" noChangeAspect="1"/>
+            <a:picLocks noChangeAspect="1"/>
           </p:cNvPicPr>
-          <p:nvPr>
-            <p:ph idx="1"/>
-          </p:nvPr>
+          <p:nvPr/>
         </p:nvPicPr>
         <p:blipFill>
           <a:blip r:embed="rId3"/>
@@ -14779,15 +14844,18 @@
         </p:blipFill>
         <p:spPr>
           <a:xfrm>
-            <a:off x="315039" y="2271486"/>
-            <a:ext cx="11421327" cy="3822141"/>
+            <a:off x="944981" y="3233735"/>
+            <a:ext cx="10302038" cy="1138240"/>
           </a:xfrm>
+          <a:prstGeom prst="rect">
+            <a:avLst/>
+          </a:prstGeom>
         </p:spPr>
       </p:pic>
     </p:spTree>
     <p:extLst>
       <p:ext uri="{BB962C8B-B14F-4D97-AF65-F5344CB8AC3E}">
-        <p14:creationId xmlns:p14="http://schemas.microsoft.com/office/powerpoint/2010/main" val="194680150"/>
+        <p14:creationId xmlns:p14="http://schemas.microsoft.com/office/powerpoint/2010/main" val="3787162451"/>
       </p:ext>
     </p:extLst>
   </p:cSld>

--- a/Debugging1.pptx
+++ b/Debugging1.pptx
@@ -257,7 +257,7 @@
           <a:p>
             <a:fld id="{45F49CC2-C49A-4120-BFB5-52D9153EA4E0}" type="datetimeFigureOut">
               <a:rPr lang="en-GB" smtClean="0"/>
-              <a:t>09/09/2019</a:t>
+              <a:t>20/09/2019</a:t>
             </a:fld>
             <a:endParaRPr lang="en-GB"/>
           </a:p>
@@ -4436,7 +4436,7 @@
           <a:p>
             <a:fld id="{48A87A34-81AB-432B-8DAE-1953F412C126}" type="datetimeFigureOut">
               <a:rPr lang="en-US" dirty="0"/>
-              <a:t>9/9/2019</a:t>
+              <a:t>9/20/2019</a:t>
             </a:fld>
             <a:endParaRPr lang="en-US" dirty="0"/>
           </a:p>
@@ -4698,7 +4698,7 @@
           <a:p>
             <a:fld id="{48A87A34-81AB-432B-8DAE-1953F412C126}" type="datetimeFigureOut">
               <a:rPr lang="en-US" dirty="0"/>
-              <a:t>9/9/2019</a:t>
+              <a:t>9/20/2019</a:t>
             </a:fld>
             <a:endParaRPr lang="en-US" dirty="0"/>
           </a:p>
@@ -4925,7 +4925,7 @@
             <a:fld id="{48A87A34-81AB-432B-8DAE-1953F412C126}" type="datetimeFigureOut">
               <a:rPr lang="en-US" dirty="0"/>
               <a:pPr/>
-              <a:t>9/9/2019</a:t>
+              <a:t>9/20/2019</a:t>
             </a:fld>
             <a:endParaRPr lang="en-US" dirty="0"/>
           </a:p>
@@ -5231,7 +5231,7 @@
             <a:fld id="{48A87A34-81AB-432B-8DAE-1953F412C126}" type="datetimeFigureOut">
               <a:rPr lang="en-US" dirty="0"/>
               <a:pPr/>
-              <a:t>9/9/2019</a:t>
+              <a:t>9/20/2019</a:t>
             </a:fld>
             <a:endParaRPr lang="en-US" dirty="0"/>
           </a:p>
@@ -5700,7 +5700,7 @@
             <a:fld id="{48A87A34-81AB-432B-8DAE-1953F412C126}" type="datetimeFigureOut">
               <a:rPr lang="en-US" dirty="0"/>
               <a:pPr/>
-              <a:t>9/9/2019</a:t>
+              <a:t>9/20/2019</a:t>
             </a:fld>
             <a:endParaRPr lang="en-US" dirty="0"/>
           </a:p>
@@ -6242,7 +6242,7 @@
           <a:p>
             <a:fld id="{48A87A34-81AB-432B-8DAE-1953F412C126}" type="datetimeFigureOut">
               <a:rPr lang="en-US" dirty="0"/>
-              <a:t>9/9/2019</a:t>
+              <a:t>9/20/2019</a:t>
             </a:fld>
             <a:endParaRPr lang="en-US" dirty="0"/>
           </a:p>
@@ -7011,7 +7011,7 @@
           <a:p>
             <a:fld id="{48A87A34-81AB-432B-8DAE-1953F412C126}" type="datetimeFigureOut">
               <a:rPr lang="en-US" dirty="0"/>
-              <a:t>9/9/2019</a:t>
+              <a:t>9/20/2019</a:t>
             </a:fld>
             <a:endParaRPr lang="en-US" dirty="0"/>
           </a:p>
@@ -7181,7 +7181,7 @@
           <a:p>
             <a:fld id="{48A87A34-81AB-432B-8DAE-1953F412C126}" type="datetimeFigureOut">
               <a:rPr lang="en-US" dirty="0"/>
-              <a:t>9/9/2019</a:t>
+              <a:t>9/20/2019</a:t>
             </a:fld>
             <a:endParaRPr lang="en-US" dirty="0"/>
           </a:p>
@@ -7400,7 +7400,7 @@
             <a:fld id="{48A87A34-81AB-432B-8DAE-1953F412C126}" type="datetimeFigureOut">
               <a:rPr lang="en-US" dirty="0"/>
               <a:pPr/>
-              <a:t>9/9/2019</a:t>
+              <a:t>9/20/2019</a:t>
             </a:fld>
             <a:endParaRPr lang="en-US" dirty="0"/>
           </a:p>
@@ -7575,7 +7575,7 @@
           <a:p>
             <a:fld id="{48A87A34-81AB-432B-8DAE-1953F412C126}" type="datetimeFigureOut">
               <a:rPr lang="en-US" dirty="0"/>
-              <a:t>9/9/2019</a:t>
+              <a:t>9/20/2019</a:t>
             </a:fld>
             <a:endParaRPr lang="en-US" dirty="0"/>
           </a:p>
@@ -7860,7 +7860,7 @@
             <a:fld id="{48A87A34-81AB-432B-8DAE-1953F412C126}" type="datetimeFigureOut">
               <a:rPr lang="en-US" dirty="0"/>
               <a:pPr/>
-              <a:t>9/9/2019</a:t>
+              <a:t>9/20/2019</a:t>
             </a:fld>
             <a:endParaRPr lang="en-US" dirty="0"/>
           </a:p>
@@ -8097,7 +8097,7 @@
           <a:p>
             <a:fld id="{48A87A34-81AB-432B-8DAE-1953F412C126}" type="datetimeFigureOut">
               <a:rPr lang="en-US" dirty="0"/>
-              <a:t>9/9/2019</a:t>
+              <a:t>9/20/2019</a:t>
             </a:fld>
             <a:endParaRPr lang="en-US" dirty="0"/>
           </a:p>
@@ -8471,7 +8471,7 @@
           <a:p>
             <a:fld id="{48A87A34-81AB-432B-8DAE-1953F412C126}" type="datetimeFigureOut">
               <a:rPr lang="en-US" dirty="0"/>
-              <a:t>9/9/2019</a:t>
+              <a:t>9/20/2019</a:t>
             </a:fld>
             <a:endParaRPr lang="en-US" dirty="0"/>
           </a:p>
@@ -8584,7 +8584,7 @@
           <a:p>
             <a:fld id="{48A87A34-81AB-432B-8DAE-1953F412C126}" type="datetimeFigureOut">
               <a:rPr lang="en-US" dirty="0"/>
-              <a:t>9/9/2019</a:t>
+              <a:t>9/20/2019</a:t>
             </a:fld>
             <a:endParaRPr lang="en-US" dirty="0"/>
           </a:p>
@@ -8674,7 +8674,7 @@
           <a:p>
             <a:fld id="{48A87A34-81AB-432B-8DAE-1953F412C126}" type="datetimeFigureOut">
               <a:rPr lang="en-US" dirty="0"/>
-              <a:t>9/9/2019</a:t>
+              <a:t>9/20/2019</a:t>
             </a:fld>
             <a:endParaRPr lang="en-US" dirty="0"/>
           </a:p>
@@ -8918,7 +8918,7 @@
           <a:p>
             <a:fld id="{48A87A34-81AB-432B-8DAE-1953F412C126}" type="datetimeFigureOut">
               <a:rPr lang="en-US" dirty="0"/>
-              <a:t>9/9/2019</a:t>
+              <a:t>9/20/2019</a:t>
             </a:fld>
             <a:endParaRPr lang="en-US" dirty="0"/>
           </a:p>
@@ -9170,7 +9170,7 @@
           <a:p>
             <a:fld id="{48A87A34-81AB-432B-8DAE-1953F412C126}" type="datetimeFigureOut">
               <a:rPr lang="en-US" dirty="0"/>
-              <a:t>9/9/2019</a:t>
+              <a:t>9/20/2019</a:t>
             </a:fld>
             <a:endParaRPr lang="en-US" dirty="0"/>
           </a:p>
@@ -9409,7 +9409,7 @@
             <a:fld id="{48A87A34-81AB-432B-8DAE-1953F412C126}" type="datetimeFigureOut">
               <a:rPr lang="en-US" dirty="0"/>
               <a:pPr/>
-              <a:t>9/9/2019</a:t>
+              <a:t>9/20/2019</a:t>
             </a:fld>
             <a:endParaRPr lang="en-US" dirty="0"/>
           </a:p>
@@ -10169,20 +10169,23 @@
               <a:rPr lang="en-GB" sz="2400" dirty="0">
                 <a:hlinkClick r:id="rId7"/>
               </a:rPr>
-              <a:t>https://docs.microsoft.com/en-us/visualstudio/debugger/how-to-find-which-dll-your-program-crashed-in?view=vs-2019</a:t>
-            </a:r>
-            <a:endParaRPr lang="en-GB" sz="2400" dirty="0"/>
+              <a:t>https://michaelscodingspot.com/c-deadlocks-in-depth-part-1/</a:t>
+            </a:r>
+            <a:r>
+              <a:rPr lang="en-GB" sz="2400" dirty="0"/>
+              <a:t> deadlocks</a:t>
+            </a:r>
           </a:p>
           <a:p>
             <a:r>
               <a:rPr lang="en-GB" sz="2400" dirty="0">
                 <a:hlinkClick r:id="rId8"/>
               </a:rPr>
-              <a:t>https://michaelscodingspot.com/c-deadlocks-in-depth-part-1/</a:t>
+              <a:t>https://channel9.msdn.com/Shows/Visual-Studio-Toolbox/Debugging-Tips-and-Tricks-Part-1</a:t>
             </a:r>
             <a:r>
               <a:rPr lang="en-GB" sz="2400" dirty="0"/>
-              <a:t> deadlocks</a:t>
+              <a:t> {2}</a:t>
             </a:r>
           </a:p>
           <a:p>
